--- a/slides/private-links.pptx
+++ b/slides/private-links.pptx
@@ -5,16 +5,15 @@
     <p:sldMasterId id="2147483660" r:id="rId1"/>
   </p:sldMasterIdLst>
   <p:notesMasterIdLst>
-    <p:notesMasterId r:id="rId9"/>
+    <p:notesMasterId r:id="rId8"/>
   </p:notesMasterIdLst>
   <p:sldIdLst>
     <p:sldId id="2076136299" r:id="rId2"/>
-    <p:sldId id="2076136326" r:id="rId3"/>
-    <p:sldId id="301" r:id="rId4"/>
-    <p:sldId id="2076136325" r:id="rId5"/>
-    <p:sldId id="260" r:id="rId6"/>
-    <p:sldId id="259" r:id="rId7"/>
-    <p:sldId id="2076136302" r:id="rId8"/>
+    <p:sldId id="301" r:id="rId3"/>
+    <p:sldId id="2076136325" r:id="rId4"/>
+    <p:sldId id="260" r:id="rId5"/>
+    <p:sldId id="259" r:id="rId6"/>
+    <p:sldId id="2076136302" r:id="rId7"/>
   </p:sldIdLst>
   <p:sldSz cx="12192000" cy="6858000"/>
   <p:notesSz cx="6858000" cy="9144000"/>
@@ -203,7 +202,7 @@
           <a:p>
             <a:fld id="{39ECB77B-8C2F-499B-AE9C-A56E6D14A93C}" type="datetimeFigureOut">
               <a:rPr lang="nb-NO" smtClean="0"/>
-              <a:t>29.05.2023</a:t>
+              <a:t>31.05.2023</a:t>
             </a:fld>
             <a:endParaRPr lang="nb-NO"/>
           </a:p>
@@ -616,6 +615,224 @@
 </file>
 
 <file path=ppt/notesSlides/notesSlide2.xml><?xml version="1.0" encoding="utf-8"?>
+<p:notes xmlns:a="http://schemas.openxmlformats.org/drawingml/2006/main" xmlns:r="http://schemas.openxmlformats.org/officeDocument/2006/relationships" xmlns:p="http://schemas.openxmlformats.org/presentationml/2006/main" showMasterSp="0" showMasterPhAnim="0">
+  <p:cSld>
+    <p:spTree>
+      <p:nvGrpSpPr>
+        <p:cNvPr id="1" name="Shape 64"/>
+        <p:cNvGrpSpPr/>
+        <p:nvPr/>
+      </p:nvGrpSpPr>
+      <p:grpSpPr>
+        <a:xfrm>
+          <a:off x="0" y="0"/>
+          <a:ext cx="0" cy="0"/>
+          <a:chOff x="0" y="0"/>
+          <a:chExt cx="0" cy="0"/>
+        </a:xfrm>
+      </p:grpSpPr>
+      <p:sp>
+        <p:nvSpPr>
+          <p:cNvPr id="65" name="Google Shape;65;g7fd950372b_1_3:notes"/>
+          <p:cNvSpPr>
+            <a:spLocks noGrp="1" noRot="1" noChangeAspect="1"/>
+          </p:cNvSpPr>
+          <p:nvPr>
+            <p:ph type="sldImg" idx="2"/>
+          </p:nvPr>
+        </p:nvSpPr>
+        <p:spPr>
+          <a:xfrm>
+            <a:off x="381000" y="685800"/>
+            <a:ext cx="6096000" cy="3429000"/>
+          </a:xfrm>
+          <a:custGeom>
+            <a:avLst/>
+            <a:gdLst/>
+            <a:ahLst/>
+            <a:cxnLst/>
+            <a:rect l="l" t="t" r="r" b="b"/>
+            <a:pathLst>
+              <a:path w="120000" h="120000" extrusionOk="0">
+                <a:moveTo>
+                  <a:pt x="0" y="0"/>
+                </a:moveTo>
+                <a:lnTo>
+                  <a:pt x="120000" y="0"/>
+                </a:lnTo>
+                <a:lnTo>
+                  <a:pt x="120000" y="120000"/>
+                </a:lnTo>
+                <a:lnTo>
+                  <a:pt x="0" y="120000"/>
+                </a:lnTo>
+                <a:close/>
+              </a:path>
+            </a:pathLst>
+          </a:custGeom>
+        </p:spPr>
+      </p:sp>
+      <p:sp>
+        <p:nvSpPr>
+          <p:cNvPr id="66" name="Google Shape;66;g7fd950372b_1_3:notes"/>
+          <p:cNvSpPr txBox="1">
+            <a:spLocks noGrp="1"/>
+          </p:cNvSpPr>
+          <p:nvPr>
+            <p:ph type="body" idx="1"/>
+          </p:nvPr>
+        </p:nvSpPr>
+        <p:spPr>
+          <a:xfrm>
+            <a:off x="685800" y="4343400"/>
+            <a:ext cx="5486400" cy="4114800"/>
+          </a:xfrm>
+          <a:prstGeom prst="rect">
+            <a:avLst/>
+          </a:prstGeom>
+        </p:spPr>
+        <p:txBody>
+          <a:bodyPr spcFirstLastPara="1" wrap="square" lIns="91425" tIns="91425" rIns="91425" bIns="91425" anchor="t" anchorCtr="0">
+            <a:noAutofit/>
+          </a:bodyPr>
+          <a:lstStyle/>
+          <a:p>
+            <a:pPr marL="0" lvl="0" indent="0" algn="l" rtl="0">
+              <a:spcBef>
+                <a:spcPts val="0"/>
+              </a:spcBef>
+              <a:spcAft>
+                <a:spcPts val="0"/>
+              </a:spcAft>
+              <a:buNone/>
+            </a:pPr>
+            <a:endParaRPr/>
+          </a:p>
+        </p:txBody>
+      </p:sp>
+    </p:spTree>
+    <p:extLst>
+      <p:ext uri="{BB962C8B-B14F-4D97-AF65-F5344CB8AC3E}">
+        <p14:creationId xmlns:p14="http://schemas.microsoft.com/office/powerpoint/2010/main" val="172796591"/>
+      </p:ext>
+    </p:extLst>
+  </p:cSld>
+  <p:clrMapOvr>
+    <a:masterClrMapping/>
+  </p:clrMapOvr>
+</p:notes>
+</file>
+
+<file path=ppt/notesSlides/notesSlide3.xml><?xml version="1.0" encoding="utf-8"?>
+<p:notes xmlns:a="http://schemas.openxmlformats.org/drawingml/2006/main" xmlns:r="http://schemas.openxmlformats.org/officeDocument/2006/relationships" xmlns:p="http://schemas.openxmlformats.org/presentationml/2006/main" showMasterSp="0" showMasterPhAnim="0">
+  <p:cSld>
+    <p:spTree>
+      <p:nvGrpSpPr>
+        <p:cNvPr id="1" name="Shape 64"/>
+        <p:cNvGrpSpPr/>
+        <p:nvPr/>
+      </p:nvGrpSpPr>
+      <p:grpSpPr>
+        <a:xfrm>
+          <a:off x="0" y="0"/>
+          <a:ext cx="0" cy="0"/>
+          <a:chOff x="0" y="0"/>
+          <a:chExt cx="0" cy="0"/>
+        </a:xfrm>
+      </p:grpSpPr>
+      <p:sp>
+        <p:nvSpPr>
+          <p:cNvPr id="65" name="Google Shape;65;g7fd950372b_1_3:notes"/>
+          <p:cNvSpPr>
+            <a:spLocks noGrp="1" noRot="1" noChangeAspect="1"/>
+          </p:cNvSpPr>
+          <p:nvPr>
+            <p:ph type="sldImg" idx="2"/>
+          </p:nvPr>
+        </p:nvSpPr>
+        <p:spPr>
+          <a:xfrm>
+            <a:off x="381000" y="685800"/>
+            <a:ext cx="6096000" cy="3429000"/>
+          </a:xfrm>
+          <a:custGeom>
+            <a:avLst/>
+            <a:gdLst/>
+            <a:ahLst/>
+            <a:cxnLst/>
+            <a:rect l="l" t="t" r="r" b="b"/>
+            <a:pathLst>
+              <a:path w="120000" h="120000" extrusionOk="0">
+                <a:moveTo>
+                  <a:pt x="0" y="0"/>
+                </a:moveTo>
+                <a:lnTo>
+                  <a:pt x="120000" y="0"/>
+                </a:lnTo>
+                <a:lnTo>
+                  <a:pt x="120000" y="120000"/>
+                </a:lnTo>
+                <a:lnTo>
+                  <a:pt x="0" y="120000"/>
+                </a:lnTo>
+                <a:close/>
+              </a:path>
+            </a:pathLst>
+          </a:custGeom>
+        </p:spPr>
+      </p:sp>
+      <p:sp>
+        <p:nvSpPr>
+          <p:cNvPr id="66" name="Google Shape;66;g7fd950372b_1_3:notes"/>
+          <p:cNvSpPr txBox="1">
+            <a:spLocks noGrp="1"/>
+          </p:cNvSpPr>
+          <p:nvPr>
+            <p:ph type="body" idx="1"/>
+          </p:nvPr>
+        </p:nvSpPr>
+        <p:spPr>
+          <a:xfrm>
+            <a:off x="685800" y="4343400"/>
+            <a:ext cx="5486400" cy="4114800"/>
+          </a:xfrm>
+          <a:prstGeom prst="rect">
+            <a:avLst/>
+          </a:prstGeom>
+        </p:spPr>
+        <p:txBody>
+          <a:bodyPr spcFirstLastPara="1" wrap="square" lIns="91425" tIns="91425" rIns="91425" bIns="91425" anchor="t" anchorCtr="0">
+            <a:noAutofit/>
+          </a:bodyPr>
+          <a:lstStyle/>
+          <a:p>
+            <a:pPr marL="0" lvl="0" indent="0" algn="l" rtl="0">
+              <a:spcBef>
+                <a:spcPts val="0"/>
+              </a:spcBef>
+              <a:spcAft>
+                <a:spcPts val="0"/>
+              </a:spcAft>
+              <a:buNone/>
+            </a:pPr>
+            <a:endParaRPr dirty="0"/>
+          </a:p>
+        </p:txBody>
+      </p:sp>
+    </p:spTree>
+    <p:extLst>
+      <p:ext uri="{BB962C8B-B14F-4D97-AF65-F5344CB8AC3E}">
+        <p14:creationId xmlns:p14="http://schemas.microsoft.com/office/powerpoint/2010/main" val="2849217478"/>
+      </p:ext>
+    </p:extLst>
+  </p:cSld>
+  <p:clrMapOvr>
+    <a:masterClrMapping/>
+  </p:clrMapOvr>
+</p:notes>
+</file>
+
+<file path=ppt/notesSlides/notesSlide4.xml><?xml version="1.0" encoding="utf-8"?>
 <p:notes xmlns:a="http://schemas.openxmlformats.org/drawingml/2006/main" xmlns:r="http://schemas.openxmlformats.org/officeDocument/2006/relationships" xmlns:p="http://schemas.openxmlformats.org/presentationml/2006/main">
   <p:cSld>
     <p:spTree>
@@ -727,369 +944,7 @@
                 <a:tabLst/>
                 <a:defRPr/>
               </a:pPr>
-              <a:t>2</a:t>
-            </a:fld>
-            <a:endParaRPr kumimoji="0" lang="en-US" sz="1200" b="0" i="0" u="none" strike="noStrike" kern="1200" cap="none" spc="0" normalizeH="0" baseline="0" noProof="0">
-              <a:ln>
-                <a:noFill/>
-              </a:ln>
-              <a:solidFill>
-                <a:prstClr val="black"/>
-              </a:solidFill>
-              <a:effectLst/>
-              <a:uLnTx/>
-              <a:uFillTx/>
-              <a:latin typeface="Calibri" panose="020F0502020204030204"/>
-              <a:ea typeface="+mn-ea"/>
-              <a:cs typeface="+mn-cs"/>
-            </a:endParaRPr>
-          </a:p>
-        </p:txBody>
-      </p:sp>
-    </p:spTree>
-    <p:extLst>
-      <p:ext uri="{BB962C8B-B14F-4D97-AF65-F5344CB8AC3E}">
-        <p14:creationId xmlns:p14="http://schemas.microsoft.com/office/powerpoint/2010/main" val="3672883733"/>
-      </p:ext>
-    </p:extLst>
-  </p:cSld>
-  <p:clrMapOvr>
-    <a:masterClrMapping/>
-  </p:clrMapOvr>
-</p:notes>
-</file>
-
-<file path=ppt/notesSlides/notesSlide3.xml><?xml version="1.0" encoding="utf-8"?>
-<p:notes xmlns:a="http://schemas.openxmlformats.org/drawingml/2006/main" xmlns:r="http://schemas.openxmlformats.org/officeDocument/2006/relationships" xmlns:p="http://schemas.openxmlformats.org/presentationml/2006/main" showMasterSp="0" showMasterPhAnim="0">
-  <p:cSld>
-    <p:spTree>
-      <p:nvGrpSpPr>
-        <p:cNvPr id="1" name="Shape 64"/>
-        <p:cNvGrpSpPr/>
-        <p:nvPr/>
-      </p:nvGrpSpPr>
-      <p:grpSpPr>
-        <a:xfrm>
-          <a:off x="0" y="0"/>
-          <a:ext cx="0" cy="0"/>
-          <a:chOff x="0" y="0"/>
-          <a:chExt cx="0" cy="0"/>
-        </a:xfrm>
-      </p:grpSpPr>
-      <p:sp>
-        <p:nvSpPr>
-          <p:cNvPr id="65" name="Google Shape;65;g7fd950372b_1_3:notes"/>
-          <p:cNvSpPr>
-            <a:spLocks noGrp="1" noRot="1" noChangeAspect="1"/>
-          </p:cNvSpPr>
-          <p:nvPr>
-            <p:ph type="sldImg" idx="2"/>
-          </p:nvPr>
-        </p:nvSpPr>
-        <p:spPr>
-          <a:xfrm>
-            <a:off x="381000" y="685800"/>
-            <a:ext cx="6096000" cy="3429000"/>
-          </a:xfrm>
-          <a:custGeom>
-            <a:avLst/>
-            <a:gdLst/>
-            <a:ahLst/>
-            <a:cxnLst/>
-            <a:rect l="l" t="t" r="r" b="b"/>
-            <a:pathLst>
-              <a:path w="120000" h="120000" extrusionOk="0">
-                <a:moveTo>
-                  <a:pt x="0" y="0"/>
-                </a:moveTo>
-                <a:lnTo>
-                  <a:pt x="120000" y="0"/>
-                </a:lnTo>
-                <a:lnTo>
-                  <a:pt x="120000" y="120000"/>
-                </a:lnTo>
-                <a:lnTo>
-                  <a:pt x="0" y="120000"/>
-                </a:lnTo>
-                <a:close/>
-              </a:path>
-            </a:pathLst>
-          </a:custGeom>
-        </p:spPr>
-      </p:sp>
-      <p:sp>
-        <p:nvSpPr>
-          <p:cNvPr id="66" name="Google Shape;66;g7fd950372b_1_3:notes"/>
-          <p:cNvSpPr txBox="1">
-            <a:spLocks noGrp="1"/>
-          </p:cNvSpPr>
-          <p:nvPr>
-            <p:ph type="body" idx="1"/>
-          </p:nvPr>
-        </p:nvSpPr>
-        <p:spPr>
-          <a:xfrm>
-            <a:off x="685800" y="4343400"/>
-            <a:ext cx="5486400" cy="4114800"/>
-          </a:xfrm>
-          <a:prstGeom prst="rect">
-            <a:avLst/>
-          </a:prstGeom>
-        </p:spPr>
-        <p:txBody>
-          <a:bodyPr spcFirstLastPara="1" wrap="square" lIns="91425" tIns="91425" rIns="91425" bIns="91425" anchor="t" anchorCtr="0">
-            <a:noAutofit/>
-          </a:bodyPr>
-          <a:lstStyle/>
-          <a:p>
-            <a:pPr marL="0" lvl="0" indent="0" algn="l" rtl="0">
-              <a:spcBef>
-                <a:spcPts val="0"/>
-              </a:spcBef>
-              <a:spcAft>
-                <a:spcPts val="0"/>
-              </a:spcAft>
-              <a:buNone/>
-            </a:pPr>
-            <a:endParaRPr/>
-          </a:p>
-        </p:txBody>
-      </p:sp>
-    </p:spTree>
-    <p:extLst>
-      <p:ext uri="{BB962C8B-B14F-4D97-AF65-F5344CB8AC3E}">
-        <p14:creationId xmlns:p14="http://schemas.microsoft.com/office/powerpoint/2010/main" val="172796591"/>
-      </p:ext>
-    </p:extLst>
-  </p:cSld>
-  <p:clrMapOvr>
-    <a:masterClrMapping/>
-  </p:clrMapOvr>
-</p:notes>
-</file>
-
-<file path=ppt/notesSlides/notesSlide4.xml><?xml version="1.0" encoding="utf-8"?>
-<p:notes xmlns:a="http://schemas.openxmlformats.org/drawingml/2006/main" xmlns:r="http://schemas.openxmlformats.org/officeDocument/2006/relationships" xmlns:p="http://schemas.openxmlformats.org/presentationml/2006/main" showMasterSp="0" showMasterPhAnim="0">
-  <p:cSld>
-    <p:spTree>
-      <p:nvGrpSpPr>
-        <p:cNvPr id="1" name="Shape 64"/>
-        <p:cNvGrpSpPr/>
-        <p:nvPr/>
-      </p:nvGrpSpPr>
-      <p:grpSpPr>
-        <a:xfrm>
-          <a:off x="0" y="0"/>
-          <a:ext cx="0" cy="0"/>
-          <a:chOff x="0" y="0"/>
-          <a:chExt cx="0" cy="0"/>
-        </a:xfrm>
-      </p:grpSpPr>
-      <p:sp>
-        <p:nvSpPr>
-          <p:cNvPr id="65" name="Google Shape;65;g7fd950372b_1_3:notes"/>
-          <p:cNvSpPr>
-            <a:spLocks noGrp="1" noRot="1" noChangeAspect="1"/>
-          </p:cNvSpPr>
-          <p:nvPr>
-            <p:ph type="sldImg" idx="2"/>
-          </p:nvPr>
-        </p:nvSpPr>
-        <p:spPr>
-          <a:xfrm>
-            <a:off x="381000" y="685800"/>
-            <a:ext cx="6096000" cy="3429000"/>
-          </a:xfrm>
-          <a:custGeom>
-            <a:avLst/>
-            <a:gdLst/>
-            <a:ahLst/>
-            <a:cxnLst/>
-            <a:rect l="l" t="t" r="r" b="b"/>
-            <a:pathLst>
-              <a:path w="120000" h="120000" extrusionOk="0">
-                <a:moveTo>
-                  <a:pt x="0" y="0"/>
-                </a:moveTo>
-                <a:lnTo>
-                  <a:pt x="120000" y="0"/>
-                </a:lnTo>
-                <a:lnTo>
-                  <a:pt x="120000" y="120000"/>
-                </a:lnTo>
-                <a:lnTo>
-                  <a:pt x="0" y="120000"/>
-                </a:lnTo>
-                <a:close/>
-              </a:path>
-            </a:pathLst>
-          </a:custGeom>
-        </p:spPr>
-      </p:sp>
-      <p:sp>
-        <p:nvSpPr>
-          <p:cNvPr id="66" name="Google Shape;66;g7fd950372b_1_3:notes"/>
-          <p:cNvSpPr txBox="1">
-            <a:spLocks noGrp="1"/>
-          </p:cNvSpPr>
-          <p:nvPr>
-            <p:ph type="body" idx="1"/>
-          </p:nvPr>
-        </p:nvSpPr>
-        <p:spPr>
-          <a:xfrm>
-            <a:off x="685800" y="4343400"/>
-            <a:ext cx="5486400" cy="4114800"/>
-          </a:xfrm>
-          <a:prstGeom prst="rect">
-            <a:avLst/>
-          </a:prstGeom>
-        </p:spPr>
-        <p:txBody>
-          <a:bodyPr spcFirstLastPara="1" wrap="square" lIns="91425" tIns="91425" rIns="91425" bIns="91425" anchor="t" anchorCtr="0">
-            <a:noAutofit/>
-          </a:bodyPr>
-          <a:lstStyle/>
-          <a:p>
-            <a:pPr marL="0" lvl="0" indent="0" algn="l" rtl="0">
-              <a:spcBef>
-                <a:spcPts val="0"/>
-              </a:spcBef>
-              <a:spcAft>
-                <a:spcPts val="0"/>
-              </a:spcAft>
-              <a:buNone/>
-            </a:pPr>
-            <a:endParaRPr dirty="0"/>
-          </a:p>
-        </p:txBody>
-      </p:sp>
-    </p:spTree>
-    <p:extLst>
-      <p:ext uri="{BB962C8B-B14F-4D97-AF65-F5344CB8AC3E}">
-        <p14:creationId xmlns:p14="http://schemas.microsoft.com/office/powerpoint/2010/main" val="2849217478"/>
-      </p:ext>
-    </p:extLst>
-  </p:cSld>
-  <p:clrMapOvr>
-    <a:masterClrMapping/>
-  </p:clrMapOvr>
-</p:notes>
-</file>
-
-<file path=ppt/notesSlides/notesSlide5.xml><?xml version="1.0" encoding="utf-8"?>
-<p:notes xmlns:a="http://schemas.openxmlformats.org/drawingml/2006/main" xmlns:r="http://schemas.openxmlformats.org/officeDocument/2006/relationships" xmlns:p="http://schemas.openxmlformats.org/presentationml/2006/main">
-  <p:cSld>
-    <p:spTree>
-      <p:nvGrpSpPr>
-        <p:cNvPr id="1" name=""/>
-        <p:cNvGrpSpPr/>
-        <p:nvPr/>
-      </p:nvGrpSpPr>
-      <p:grpSpPr>
-        <a:xfrm>
-          <a:off x="0" y="0"/>
-          <a:ext cx="0" cy="0"/>
-          <a:chOff x="0" y="0"/>
-          <a:chExt cx="0" cy="0"/>
-        </a:xfrm>
-      </p:grpSpPr>
-      <p:sp>
-        <p:nvSpPr>
-          <p:cNvPr id="2" name="Slide Image Placeholder 1"/>
-          <p:cNvSpPr>
-            <a:spLocks noGrp="1" noRot="1" noChangeAspect="1"/>
-          </p:cNvSpPr>
-          <p:nvPr>
-            <p:ph type="sldImg"/>
-          </p:nvPr>
-        </p:nvSpPr>
-        <p:spPr/>
-      </p:sp>
-      <p:sp>
-        <p:nvSpPr>
-          <p:cNvPr id="3" name="Notes Placeholder 2"/>
-          <p:cNvSpPr>
-            <a:spLocks noGrp="1"/>
-          </p:cNvSpPr>
-          <p:nvPr>
-            <p:ph type="body" idx="1"/>
-          </p:nvPr>
-        </p:nvSpPr>
-        <p:spPr/>
-        <p:txBody>
-          <a:bodyPr/>
-          <a:lstStyle/>
-          <a:p>
-            <a:endParaRPr lang="nb-NO" dirty="0"/>
-          </a:p>
-        </p:txBody>
-      </p:sp>
-      <p:sp>
-        <p:nvSpPr>
-          <p:cNvPr id="4" name="Slide Number Placeholder 3"/>
-          <p:cNvSpPr>
-            <a:spLocks noGrp="1"/>
-          </p:cNvSpPr>
-          <p:nvPr>
-            <p:ph type="sldNum" sz="quarter" idx="5"/>
-          </p:nvPr>
-        </p:nvSpPr>
-        <p:spPr/>
-        <p:txBody>
-          <a:bodyPr/>
-          <a:lstStyle/>
-          <a:p>
-            <a:pPr marL="0" marR="0" lvl="0" indent="0" algn="r" defTabSz="914400" rtl="0" eaLnBrk="1" fontAlgn="auto" latinLnBrk="0" hangingPunct="1">
-              <a:lnSpc>
-                <a:spcPct val="100000"/>
-              </a:lnSpc>
-              <a:spcBef>
-                <a:spcPts val="0"/>
-              </a:spcBef>
-              <a:spcAft>
-                <a:spcPts val="0"/>
-              </a:spcAft>
-              <a:buClrTx/>
-              <a:buSzTx/>
-              <a:buFontTx/>
-              <a:buNone/>
-              <a:tabLst/>
-              <a:defRPr/>
-            </a:pPr>
-            <a:fld id="{00A560F4-8102-4EC4-BB24-179BCBD2EB8E}" type="slidenum">
-              <a:rPr kumimoji="0" lang="en-US" sz="1200" b="0" i="0" u="none" strike="noStrike" kern="1200" cap="none" spc="0" normalizeH="0" baseline="0" noProof="0" smtClean="0">
-                <a:ln>
-                  <a:noFill/>
-                </a:ln>
-                <a:solidFill>
-                  <a:prstClr val="black"/>
-                </a:solidFill>
-                <a:effectLst/>
-                <a:uLnTx/>
-                <a:uFillTx/>
-                <a:latin typeface="Calibri" panose="020F0502020204030204"/>
-                <a:ea typeface="+mn-ea"/>
-                <a:cs typeface="+mn-cs"/>
-              </a:rPr>
-              <a:pPr marL="0" marR="0" lvl="0" indent="0" algn="r" defTabSz="914400" rtl="0" eaLnBrk="1" fontAlgn="auto" latinLnBrk="0" hangingPunct="1">
-                <a:lnSpc>
-                  <a:spcPct val="100000"/>
-                </a:lnSpc>
-                <a:spcBef>
-                  <a:spcPts val="0"/>
-                </a:spcBef>
-                <a:spcAft>
-                  <a:spcPts val="0"/>
-                </a:spcAft>
-                <a:buClrTx/>
-                <a:buSzTx/>
-                <a:buFontTx/>
-                <a:buNone/>
-                <a:tabLst/>
-                <a:defRPr/>
-              </a:pPr>
-              <a:t>7</a:t>
+              <a:t>6</a:t>
             </a:fld>
             <a:endParaRPr kumimoji="0" lang="en-US" sz="1200" b="0" i="0" u="none" strike="noStrike" kern="1200" cap="none" spc="0" normalizeH="0" baseline="0" noProof="0">
               <a:ln>
@@ -1268,7 +1123,7 @@
           <a:p>
             <a:fld id="{CE88D40F-0E01-46E3-A0A3-09B1E418DDBF}" type="datetimeFigureOut">
               <a:rPr lang="en-US" smtClean="0"/>
-              <a:t>5/29/2023</a:t>
+              <a:t>5/31/2023</a:t>
             </a:fld>
             <a:endParaRPr lang="en-US"/>
           </a:p>
@@ -1466,7 +1321,7 @@
           <a:p>
             <a:fld id="{CE88D40F-0E01-46E3-A0A3-09B1E418DDBF}" type="datetimeFigureOut">
               <a:rPr lang="en-US" smtClean="0"/>
-              <a:t>5/29/2023</a:t>
+              <a:t>5/31/2023</a:t>
             </a:fld>
             <a:endParaRPr lang="en-US"/>
           </a:p>
@@ -1674,7 +1529,7 @@
           <a:p>
             <a:fld id="{CE88D40F-0E01-46E3-A0A3-09B1E418DDBF}" type="datetimeFigureOut">
               <a:rPr lang="en-US" smtClean="0"/>
-              <a:t>5/29/2023</a:t>
+              <a:t>5/31/2023</a:t>
             </a:fld>
             <a:endParaRPr lang="en-US"/>
           </a:p>
@@ -2231,7 +2086,7 @@
           <a:p>
             <a:fld id="{CE88D40F-0E01-46E3-A0A3-09B1E418DDBF}" type="datetimeFigureOut">
               <a:rPr lang="en-US" smtClean="0"/>
-              <a:t>5/29/2023</a:t>
+              <a:t>5/31/2023</a:t>
             </a:fld>
             <a:endParaRPr lang="en-US"/>
           </a:p>
@@ -2506,7 +2361,7 @@
           <a:p>
             <a:fld id="{CE88D40F-0E01-46E3-A0A3-09B1E418DDBF}" type="datetimeFigureOut">
               <a:rPr lang="en-US" smtClean="0"/>
-              <a:t>5/29/2023</a:t>
+              <a:t>5/31/2023</a:t>
             </a:fld>
             <a:endParaRPr lang="en-US"/>
           </a:p>
@@ -2771,7 +2626,7 @@
           <a:p>
             <a:fld id="{CE88D40F-0E01-46E3-A0A3-09B1E418DDBF}" type="datetimeFigureOut">
               <a:rPr lang="en-US" smtClean="0"/>
-              <a:t>5/29/2023</a:t>
+              <a:t>5/31/2023</a:t>
             </a:fld>
             <a:endParaRPr lang="en-US"/>
           </a:p>
@@ -3183,7 +3038,7 @@
           <a:p>
             <a:fld id="{CE88D40F-0E01-46E3-A0A3-09B1E418DDBF}" type="datetimeFigureOut">
               <a:rPr lang="en-US" smtClean="0"/>
-              <a:t>5/29/2023</a:t>
+              <a:t>5/31/2023</a:t>
             </a:fld>
             <a:endParaRPr lang="en-US"/>
           </a:p>
@@ -3324,7 +3179,7 @@
           <a:p>
             <a:fld id="{CE88D40F-0E01-46E3-A0A3-09B1E418DDBF}" type="datetimeFigureOut">
               <a:rPr lang="en-US" smtClean="0"/>
-              <a:t>5/29/2023</a:t>
+              <a:t>5/31/2023</a:t>
             </a:fld>
             <a:endParaRPr lang="en-US"/>
           </a:p>
@@ -3437,7 +3292,7 @@
           <a:p>
             <a:fld id="{CE88D40F-0E01-46E3-A0A3-09B1E418DDBF}" type="datetimeFigureOut">
               <a:rPr lang="en-US" smtClean="0"/>
-              <a:t>5/29/2023</a:t>
+              <a:t>5/31/2023</a:t>
             </a:fld>
             <a:endParaRPr lang="en-US"/>
           </a:p>
@@ -3748,7 +3603,7 @@
           <a:p>
             <a:fld id="{CE88D40F-0E01-46E3-A0A3-09B1E418DDBF}" type="datetimeFigureOut">
               <a:rPr lang="en-US" smtClean="0"/>
-              <a:t>5/29/2023</a:t>
+              <a:t>5/31/2023</a:t>
             </a:fld>
             <a:endParaRPr lang="en-US"/>
           </a:p>
@@ -4036,7 +3891,7 @@
           <a:p>
             <a:fld id="{CE88D40F-0E01-46E3-A0A3-09B1E418DDBF}" type="datetimeFigureOut">
               <a:rPr lang="en-US" smtClean="0"/>
-              <a:t>5/29/2023</a:t>
+              <a:t>5/31/2023</a:t>
             </a:fld>
             <a:endParaRPr lang="en-US"/>
           </a:p>
@@ -4277,7 +4132,7 @@
           <a:p>
             <a:fld id="{CE88D40F-0E01-46E3-A0A3-09B1E418DDBF}" type="datetimeFigureOut">
               <a:rPr lang="en-US" smtClean="0"/>
-              <a:t>5/29/2023</a:t>
+              <a:t>5/31/2023</a:t>
             </a:fld>
             <a:endParaRPr lang="en-US"/>
           </a:p>
@@ -5317,7 +5172,7 @@
                 <a:ea typeface="JetBrains Mono" panose="02000009000000000000" pitchFamily="49" charset="0"/>
                 <a:cs typeface="JetBrains Mono" panose="02000009000000000000" pitchFamily="49" charset="0"/>
               </a:rPr>
-              <a:t>Working with Azure Private Endpoints</a:t>
+              <a:t>Working with Azure Private Links</a:t>
             </a:r>
           </a:p>
         </p:txBody>
@@ -5830,7 +5685,7 @@
               <a:rPr lang="en" sz="2000" dirty="0">
                 <a:latin typeface="Comic Sans MS" panose="030F0702030302020204" pitchFamily="66" charset="0"/>
               </a:rPr>
-              <a:t>20.06.2023</a:t>
+              <a:t>27.06.2023</a:t>
             </a:r>
             <a:endParaRPr lang="en-US" sz="2000" dirty="0">
               <a:latin typeface="Comic Sans MS" panose="030F0702030302020204" pitchFamily="66" charset="0"/>
@@ -6117,14 +5972,6 @@
 <file path=ppt/slides/slide2.xml><?xml version="1.0" encoding="utf-8"?>
 <p:sld xmlns:a="http://schemas.openxmlformats.org/drawingml/2006/main" xmlns:r="http://schemas.openxmlformats.org/officeDocument/2006/relationships" xmlns:p="http://schemas.openxmlformats.org/presentationml/2006/main">
   <p:cSld>
-    <p:bg>
-      <p:bgPr>
-        <a:solidFill>
-          <a:schemeClr val="bg1"/>
-        </a:solidFill>
-        <a:effectLst/>
-      </p:bgPr>
-    </p:bg>
     <p:spTree>
       <p:nvGrpSpPr>
         <p:cNvPr id="1" name=""/>
@@ -6139,1414 +5986,6 @@
           <a:chExt cx="0" cy="0"/>
         </a:xfrm>
       </p:grpSpPr>
-      <p:sp useBgFill="1">
-        <p:nvSpPr>
-          <p:cNvPr id="20" name="Rectangle 19">
-            <a:extLst>
-              <a:ext uri="{FF2B5EF4-FFF2-40B4-BE49-F238E27FC236}">
-                <a16:creationId xmlns:a16="http://schemas.microsoft.com/office/drawing/2014/main" id="{C4E4288A-DFC8-40A2-90E5-70E851A933AD}"/>
-              </a:ext>
-              <a:ext uri="{C183D7F6-B498-43B3-948B-1728B52AA6E4}">
-                <adec:decorative xmlns:adec="http://schemas.microsoft.com/office/drawing/2017/decorative" val="1"/>
-              </a:ext>
-            </a:extLst>
-          </p:cNvPr>
-          <p:cNvSpPr>
-            <a:spLocks noGrp="1" noRot="1" noChangeAspect="1" noMove="1" noResize="1" noEditPoints="1" noAdjustHandles="1" noChangeArrowheads="1" noChangeShapeType="1" noTextEdit="1"/>
-          </p:cNvSpPr>
-          <p:nvPr>
-            <p:extLst>
-              <p:ext uri="{386F3935-93C4-4BCD-93E2-E3B085C9AB24}">
-                <p16:designElem xmlns:p16="http://schemas.microsoft.com/office/powerpoint/2015/main" val="1"/>
-              </p:ext>
-            </p:extLst>
-          </p:nvPr>
-        </p:nvSpPr>
-        <p:spPr>
-          <a:xfrm>
-            <a:off x="0" y="0"/>
-            <a:ext cx="12192000" cy="6858000"/>
-          </a:xfrm>
-          <a:prstGeom prst="rect">
-            <a:avLst/>
-          </a:prstGeom>
-          <a:ln>
-            <a:noFill/>
-          </a:ln>
-        </p:spPr>
-        <p:style>
-          <a:lnRef idx="2">
-            <a:schemeClr val="accent1">
-              <a:shade val="50000"/>
-            </a:schemeClr>
-          </a:lnRef>
-          <a:fillRef idx="1">
-            <a:schemeClr val="accent1"/>
-          </a:fillRef>
-          <a:effectRef idx="0">
-            <a:schemeClr val="accent1"/>
-          </a:effectRef>
-          <a:fontRef idx="minor">
-            <a:schemeClr val="lt1"/>
-          </a:fontRef>
-        </p:style>
-        <p:txBody>
-          <a:bodyPr rtlCol="0" anchor="ctr"/>
-          <a:lstStyle/>
-          <a:p>
-            <a:pPr marL="0" marR="0" lvl="0" indent="0" algn="ctr" defTabSz="914400" rtl="0" eaLnBrk="1" fontAlgn="auto" latinLnBrk="0" hangingPunct="1">
-              <a:lnSpc>
-                <a:spcPct val="100000"/>
-              </a:lnSpc>
-              <a:spcBef>
-                <a:spcPts val="0"/>
-              </a:spcBef>
-              <a:spcAft>
-                <a:spcPts val="0"/>
-              </a:spcAft>
-              <a:buClrTx/>
-              <a:buSzTx/>
-              <a:buFontTx/>
-              <a:buNone/>
-              <a:tabLst/>
-              <a:defRPr/>
-            </a:pPr>
-            <a:endParaRPr kumimoji="0" lang="en-US" sz="1800" b="0" i="0" u="none" strike="noStrike" kern="1200" cap="none" spc="0" normalizeH="0" baseline="0" noProof="0">
-              <a:ln>
-                <a:noFill/>
-              </a:ln>
-              <a:solidFill>
-                <a:prstClr val="white"/>
-              </a:solidFill>
-              <a:effectLst/>
-              <a:uLnTx/>
-              <a:uFillTx/>
-              <a:latin typeface="Calibri" panose="020F0502020204030204"/>
-              <a:ea typeface="+mn-ea"/>
-              <a:cs typeface="+mn-cs"/>
-            </a:endParaRPr>
-          </a:p>
-        </p:txBody>
-      </p:sp>
-      <p:grpSp>
-        <p:nvGrpSpPr>
-          <p:cNvPr id="22" name="Group 21">
-            <a:extLst>
-              <a:ext uri="{FF2B5EF4-FFF2-40B4-BE49-F238E27FC236}">
-                <a16:creationId xmlns:a16="http://schemas.microsoft.com/office/drawing/2014/main" id="{B63C2D82-D4FA-4A37-BB01-1E7B21E4FF20}"/>
-              </a:ext>
-              <a:ext uri="{C183D7F6-B498-43B3-948B-1728B52AA6E4}">
-                <adec:decorative xmlns:adec="http://schemas.microsoft.com/office/drawing/2017/decorative" val="1"/>
-              </a:ext>
-            </a:extLst>
-          </p:cNvPr>
-          <p:cNvGrpSpPr>
-            <a:grpSpLocks noGrp="1" noUngrp="1" noRot="1" noChangeAspect="1" noMove="1" noResize="1"/>
-          </p:cNvGrpSpPr>
-          <p:nvPr>
-            <p:extLst>
-              <p:ext uri="{386F3935-93C4-4BCD-93E2-E3B085C9AB24}">
-                <p16:designElem xmlns:p16="http://schemas.microsoft.com/office/powerpoint/2015/main" val="1"/>
-              </p:ext>
-            </p:extLst>
-          </p:nvPr>
-        </p:nvGrpSpPr>
-        <p:grpSpPr>
-          <a:xfrm>
-            <a:off x="965199" y="634058"/>
-            <a:ext cx="1128382" cy="847206"/>
-            <a:chOff x="5307830" y="325570"/>
-            <a:chExt cx="1128382" cy="847206"/>
-          </a:xfrm>
-        </p:grpSpPr>
-        <p:sp>
-          <p:nvSpPr>
-            <p:cNvPr id="23" name="Freeform 5">
-              <a:extLst>
-                <a:ext uri="{FF2B5EF4-FFF2-40B4-BE49-F238E27FC236}">
-                  <a16:creationId xmlns:a16="http://schemas.microsoft.com/office/drawing/2014/main" id="{C94E7FEF-0CE9-4AC2-94BB-02230C6DC0DF}"/>
-                </a:ext>
-                <a:ext uri="{C183D7F6-B498-43B3-948B-1728B52AA6E4}">
-                  <adec:decorative xmlns:adec="http://schemas.microsoft.com/office/drawing/2017/decorative" val="1"/>
-                </a:ext>
-              </a:extLst>
-            </p:cNvPr>
-            <p:cNvSpPr>
-              <a:spLocks/>
-            </p:cNvSpPr>
-            <p:nvPr>
-              <p:extLst>
-                <p:ext uri="{386F3935-93C4-4BCD-93E2-E3B085C9AB24}">
-                  <p16:designElem xmlns:p16="http://schemas.microsoft.com/office/powerpoint/2015/main" val="1"/>
-                </p:ext>
-              </p:extLst>
-            </p:nvPr>
-          </p:nvSpPr>
-          <p:spPr bwMode="auto">
-            <a:xfrm>
-              <a:off x="5307830" y="577396"/>
-              <a:ext cx="675351" cy="595380"/>
-            </a:xfrm>
-            <a:custGeom>
-              <a:avLst/>
-              <a:gdLst>
-                <a:gd name="T0" fmla="*/ 225 w 785"/>
-                <a:gd name="T1" fmla="*/ 692 h 692"/>
-                <a:gd name="T2" fmla="*/ 177 w 785"/>
-                <a:gd name="T3" fmla="*/ 665 h 692"/>
-                <a:gd name="T4" fmla="*/ 9 w 785"/>
-                <a:gd name="T5" fmla="*/ 374 h 692"/>
-                <a:gd name="T6" fmla="*/ 9 w 785"/>
-                <a:gd name="T7" fmla="*/ 318 h 692"/>
-                <a:gd name="T8" fmla="*/ 177 w 785"/>
-                <a:gd name="T9" fmla="*/ 27 h 692"/>
-                <a:gd name="T10" fmla="*/ 225 w 785"/>
-                <a:gd name="T11" fmla="*/ 0 h 692"/>
-                <a:gd name="T12" fmla="*/ 561 w 785"/>
-                <a:gd name="T13" fmla="*/ 0 h 692"/>
-                <a:gd name="T14" fmla="*/ 609 w 785"/>
-                <a:gd name="T15" fmla="*/ 27 h 692"/>
-                <a:gd name="T16" fmla="*/ 777 w 785"/>
-                <a:gd name="T17" fmla="*/ 318 h 692"/>
-                <a:gd name="T18" fmla="*/ 777 w 785"/>
-                <a:gd name="T19" fmla="*/ 374 h 692"/>
-                <a:gd name="T20" fmla="*/ 609 w 785"/>
-                <a:gd name="T21" fmla="*/ 665 h 692"/>
-                <a:gd name="T22" fmla="*/ 561 w 785"/>
-                <a:gd name="T23" fmla="*/ 692 h 692"/>
-                <a:gd name="T24" fmla="*/ 225 w 785"/>
-                <a:gd name="T25" fmla="*/ 692 h 692"/>
-              </a:gdLst>
-              <a:ahLst/>
-              <a:cxnLst>
-                <a:cxn ang="0">
-                  <a:pos x="T0" y="T1"/>
-                </a:cxn>
-                <a:cxn ang="0">
-                  <a:pos x="T2" y="T3"/>
-                </a:cxn>
-                <a:cxn ang="0">
-                  <a:pos x="T4" y="T5"/>
-                </a:cxn>
-                <a:cxn ang="0">
-                  <a:pos x="T6" y="T7"/>
-                </a:cxn>
-                <a:cxn ang="0">
-                  <a:pos x="T8" y="T9"/>
-                </a:cxn>
-                <a:cxn ang="0">
-                  <a:pos x="T10" y="T11"/>
-                </a:cxn>
-                <a:cxn ang="0">
-                  <a:pos x="T12" y="T13"/>
-                </a:cxn>
-                <a:cxn ang="0">
-                  <a:pos x="T14" y="T15"/>
-                </a:cxn>
-                <a:cxn ang="0">
-                  <a:pos x="T16" y="T17"/>
-                </a:cxn>
-                <a:cxn ang="0">
-                  <a:pos x="T18" y="T19"/>
-                </a:cxn>
-                <a:cxn ang="0">
-                  <a:pos x="T20" y="T21"/>
-                </a:cxn>
-                <a:cxn ang="0">
-                  <a:pos x="T22" y="T23"/>
-                </a:cxn>
-                <a:cxn ang="0">
-                  <a:pos x="T24" y="T25"/>
-                </a:cxn>
-              </a:cxnLst>
-              <a:rect l="0" t="0" r="r" b="b"/>
-              <a:pathLst>
-                <a:path w="785" h="692">
-                  <a:moveTo>
-                    <a:pt x="225" y="692"/>
-                  </a:moveTo>
-                  <a:cubicBezTo>
-                    <a:pt x="207" y="692"/>
-                    <a:pt x="185" y="680"/>
-                    <a:pt x="177" y="665"/>
-                  </a:cubicBezTo>
-                  <a:cubicBezTo>
-                    <a:pt x="9" y="374"/>
-                    <a:pt x="9" y="374"/>
-                    <a:pt x="9" y="374"/>
-                  </a:cubicBezTo>
-                  <a:cubicBezTo>
-                    <a:pt x="0" y="358"/>
-                    <a:pt x="0" y="334"/>
-                    <a:pt x="9" y="318"/>
-                  </a:cubicBezTo>
-                  <a:cubicBezTo>
-                    <a:pt x="177" y="27"/>
-                    <a:pt x="177" y="27"/>
-                    <a:pt x="177" y="27"/>
-                  </a:cubicBezTo>
-                  <a:cubicBezTo>
-                    <a:pt x="185" y="12"/>
-                    <a:pt x="207" y="0"/>
-                    <a:pt x="225" y="0"/>
-                  </a:cubicBezTo>
-                  <a:cubicBezTo>
-                    <a:pt x="561" y="0"/>
-                    <a:pt x="561" y="0"/>
-                    <a:pt x="561" y="0"/>
-                  </a:cubicBezTo>
-                  <a:cubicBezTo>
-                    <a:pt x="578" y="0"/>
-                    <a:pt x="600" y="12"/>
-                    <a:pt x="609" y="27"/>
-                  </a:cubicBezTo>
-                  <a:cubicBezTo>
-                    <a:pt x="777" y="318"/>
-                    <a:pt x="777" y="318"/>
-                    <a:pt x="777" y="318"/>
-                  </a:cubicBezTo>
-                  <a:cubicBezTo>
-                    <a:pt x="785" y="334"/>
-                    <a:pt x="785" y="358"/>
-                    <a:pt x="777" y="374"/>
-                  </a:cubicBezTo>
-                  <a:cubicBezTo>
-                    <a:pt x="609" y="665"/>
-                    <a:pt x="609" y="665"/>
-                    <a:pt x="609" y="665"/>
-                  </a:cubicBezTo>
-                  <a:cubicBezTo>
-                    <a:pt x="600" y="680"/>
-                    <a:pt x="578" y="692"/>
-                    <a:pt x="561" y="692"/>
-                  </a:cubicBezTo>
-                  <a:lnTo>
-                    <a:pt x="225" y="692"/>
-                  </a:lnTo>
-                  <a:close/>
-                </a:path>
-              </a:pathLst>
-            </a:custGeom>
-            <a:noFill/>
-            <a:ln w="28575" cmpd="sng">
-              <a:solidFill>
-                <a:schemeClr val="tx1"/>
-              </a:solidFill>
-            </a:ln>
-          </p:spPr>
-          <p:txBody>
-            <a:bodyPr vert="horz" wrap="square" lIns="91440" tIns="45720" rIns="91440" bIns="45720" numCol="1" anchor="t" anchorCtr="0" compatLnSpc="1">
-              <a:prstTxWarp prst="textNoShape">
-                <a:avLst/>
-              </a:prstTxWarp>
-            </a:bodyPr>
-            <a:lstStyle/>
-            <a:p>
-              <a:pPr marL="0" marR="0" lvl="0" indent="0" algn="l" defTabSz="914400" rtl="0" eaLnBrk="1" fontAlgn="auto" latinLnBrk="0" hangingPunct="1">
-                <a:lnSpc>
-                  <a:spcPct val="100000"/>
-                </a:lnSpc>
-                <a:spcBef>
-                  <a:spcPts val="0"/>
-                </a:spcBef>
-                <a:spcAft>
-                  <a:spcPts val="0"/>
-                </a:spcAft>
-                <a:buClrTx/>
-                <a:buSzTx/>
-                <a:buFontTx/>
-                <a:buNone/>
-                <a:tabLst/>
-                <a:defRPr/>
-              </a:pPr>
-              <a:endParaRPr kumimoji="0" lang="en-US" sz="1800" b="0" i="0" u="none" strike="noStrike" kern="1200" cap="none" spc="0" normalizeH="0" baseline="0" noProof="0">
-                <a:ln>
-                  <a:noFill/>
-                </a:ln>
-                <a:solidFill>
-                  <a:prstClr val="black"/>
-                </a:solidFill>
-                <a:effectLst/>
-                <a:uLnTx/>
-                <a:uFillTx/>
-                <a:latin typeface="Calibri" panose="020F0502020204030204"/>
-                <a:ea typeface="+mn-ea"/>
-                <a:cs typeface="+mn-cs"/>
-              </a:endParaRPr>
-            </a:p>
-          </p:txBody>
-        </p:sp>
-        <p:sp>
-          <p:nvSpPr>
-            <p:cNvPr id="24" name="Freeform 5">
-              <a:extLst>
-                <a:ext uri="{FF2B5EF4-FFF2-40B4-BE49-F238E27FC236}">
-                  <a16:creationId xmlns:a16="http://schemas.microsoft.com/office/drawing/2014/main" id="{EB546CC0-C1BC-48D2-8DA9-4B60283165C9}"/>
-                </a:ext>
-                <a:ext uri="{C183D7F6-B498-43B3-948B-1728B52AA6E4}">
-                  <adec:decorative xmlns:adec="http://schemas.microsoft.com/office/drawing/2017/decorative" val="1"/>
-                </a:ext>
-              </a:extLst>
-            </p:cNvPr>
-            <p:cNvSpPr>
-              <a:spLocks/>
-            </p:cNvSpPr>
-            <p:nvPr>
-              <p:extLst>
-                <p:ext uri="{386F3935-93C4-4BCD-93E2-E3B085C9AB24}">
-                  <p16:designElem xmlns:p16="http://schemas.microsoft.com/office/powerpoint/2015/main" val="1"/>
-                </p:ext>
-              </p:extLst>
-            </p:nvPr>
-          </p:nvSpPr>
-          <p:spPr bwMode="auto">
-            <a:xfrm>
-              <a:off x="5885720" y="325570"/>
-              <a:ext cx="550492" cy="485306"/>
-            </a:xfrm>
-            <a:custGeom>
-              <a:avLst/>
-              <a:gdLst>
-                <a:gd name="T0" fmla="*/ 225 w 785"/>
-                <a:gd name="T1" fmla="*/ 692 h 692"/>
-                <a:gd name="T2" fmla="*/ 177 w 785"/>
-                <a:gd name="T3" fmla="*/ 665 h 692"/>
-                <a:gd name="T4" fmla="*/ 9 w 785"/>
-                <a:gd name="T5" fmla="*/ 374 h 692"/>
-                <a:gd name="T6" fmla="*/ 9 w 785"/>
-                <a:gd name="T7" fmla="*/ 318 h 692"/>
-                <a:gd name="T8" fmla="*/ 177 w 785"/>
-                <a:gd name="T9" fmla="*/ 27 h 692"/>
-                <a:gd name="T10" fmla="*/ 225 w 785"/>
-                <a:gd name="T11" fmla="*/ 0 h 692"/>
-                <a:gd name="T12" fmla="*/ 561 w 785"/>
-                <a:gd name="T13" fmla="*/ 0 h 692"/>
-                <a:gd name="T14" fmla="*/ 609 w 785"/>
-                <a:gd name="T15" fmla="*/ 27 h 692"/>
-                <a:gd name="T16" fmla="*/ 777 w 785"/>
-                <a:gd name="T17" fmla="*/ 318 h 692"/>
-                <a:gd name="T18" fmla="*/ 777 w 785"/>
-                <a:gd name="T19" fmla="*/ 374 h 692"/>
-                <a:gd name="T20" fmla="*/ 609 w 785"/>
-                <a:gd name="T21" fmla="*/ 665 h 692"/>
-                <a:gd name="T22" fmla="*/ 561 w 785"/>
-                <a:gd name="T23" fmla="*/ 692 h 692"/>
-                <a:gd name="T24" fmla="*/ 225 w 785"/>
-                <a:gd name="T25" fmla="*/ 692 h 692"/>
-              </a:gdLst>
-              <a:ahLst/>
-              <a:cxnLst>
-                <a:cxn ang="0">
-                  <a:pos x="T0" y="T1"/>
-                </a:cxn>
-                <a:cxn ang="0">
-                  <a:pos x="T2" y="T3"/>
-                </a:cxn>
-                <a:cxn ang="0">
-                  <a:pos x="T4" y="T5"/>
-                </a:cxn>
-                <a:cxn ang="0">
-                  <a:pos x="T6" y="T7"/>
-                </a:cxn>
-                <a:cxn ang="0">
-                  <a:pos x="T8" y="T9"/>
-                </a:cxn>
-                <a:cxn ang="0">
-                  <a:pos x="T10" y="T11"/>
-                </a:cxn>
-                <a:cxn ang="0">
-                  <a:pos x="T12" y="T13"/>
-                </a:cxn>
-                <a:cxn ang="0">
-                  <a:pos x="T14" y="T15"/>
-                </a:cxn>
-                <a:cxn ang="0">
-                  <a:pos x="T16" y="T17"/>
-                </a:cxn>
-                <a:cxn ang="0">
-                  <a:pos x="T18" y="T19"/>
-                </a:cxn>
-                <a:cxn ang="0">
-                  <a:pos x="T20" y="T21"/>
-                </a:cxn>
-                <a:cxn ang="0">
-                  <a:pos x="T22" y="T23"/>
-                </a:cxn>
-                <a:cxn ang="0">
-                  <a:pos x="T24" y="T25"/>
-                </a:cxn>
-              </a:cxnLst>
-              <a:rect l="0" t="0" r="r" b="b"/>
-              <a:pathLst>
-                <a:path w="785" h="692">
-                  <a:moveTo>
-                    <a:pt x="225" y="692"/>
-                  </a:moveTo>
-                  <a:cubicBezTo>
-                    <a:pt x="207" y="692"/>
-                    <a:pt x="185" y="680"/>
-                    <a:pt x="177" y="665"/>
-                  </a:cubicBezTo>
-                  <a:cubicBezTo>
-                    <a:pt x="9" y="374"/>
-                    <a:pt x="9" y="374"/>
-                    <a:pt x="9" y="374"/>
-                  </a:cubicBezTo>
-                  <a:cubicBezTo>
-                    <a:pt x="0" y="358"/>
-                    <a:pt x="0" y="334"/>
-                    <a:pt x="9" y="318"/>
-                  </a:cubicBezTo>
-                  <a:cubicBezTo>
-                    <a:pt x="177" y="27"/>
-                    <a:pt x="177" y="27"/>
-                    <a:pt x="177" y="27"/>
-                  </a:cubicBezTo>
-                  <a:cubicBezTo>
-                    <a:pt x="185" y="12"/>
-                    <a:pt x="207" y="0"/>
-                    <a:pt x="225" y="0"/>
-                  </a:cubicBezTo>
-                  <a:cubicBezTo>
-                    <a:pt x="561" y="0"/>
-                    <a:pt x="561" y="0"/>
-                    <a:pt x="561" y="0"/>
-                  </a:cubicBezTo>
-                  <a:cubicBezTo>
-                    <a:pt x="578" y="0"/>
-                    <a:pt x="600" y="12"/>
-                    <a:pt x="609" y="27"/>
-                  </a:cubicBezTo>
-                  <a:cubicBezTo>
-                    <a:pt x="777" y="318"/>
-                    <a:pt x="777" y="318"/>
-                    <a:pt x="777" y="318"/>
-                  </a:cubicBezTo>
-                  <a:cubicBezTo>
-                    <a:pt x="785" y="334"/>
-                    <a:pt x="785" y="358"/>
-                    <a:pt x="777" y="374"/>
-                  </a:cubicBezTo>
-                  <a:cubicBezTo>
-                    <a:pt x="609" y="665"/>
-                    <a:pt x="609" y="665"/>
-                    <a:pt x="609" y="665"/>
-                  </a:cubicBezTo>
-                  <a:cubicBezTo>
-                    <a:pt x="600" y="680"/>
-                    <a:pt x="578" y="692"/>
-                    <a:pt x="561" y="692"/>
-                  </a:cubicBezTo>
-                  <a:lnTo>
-                    <a:pt x="225" y="692"/>
-                  </a:lnTo>
-                  <a:close/>
-                </a:path>
-              </a:pathLst>
-            </a:custGeom>
-            <a:noFill/>
-            <a:ln w="28575" cmpd="sng">
-              <a:solidFill>
-                <a:schemeClr val="tx1"/>
-              </a:solidFill>
-            </a:ln>
-          </p:spPr>
-          <p:txBody>
-            <a:bodyPr vert="horz" wrap="square" lIns="91440" tIns="45720" rIns="91440" bIns="45720" numCol="1" anchor="t" anchorCtr="0" compatLnSpc="1">
-              <a:prstTxWarp prst="textNoShape">
-                <a:avLst/>
-              </a:prstTxWarp>
-            </a:bodyPr>
-            <a:lstStyle/>
-            <a:p>
-              <a:pPr marL="0" marR="0" lvl="0" indent="0" algn="l" defTabSz="914400" rtl="0" eaLnBrk="1" fontAlgn="auto" latinLnBrk="0" hangingPunct="1">
-                <a:lnSpc>
-                  <a:spcPct val="100000"/>
-                </a:lnSpc>
-                <a:spcBef>
-                  <a:spcPts val="0"/>
-                </a:spcBef>
-                <a:spcAft>
-                  <a:spcPts val="0"/>
-                </a:spcAft>
-                <a:buClrTx/>
-                <a:buSzTx/>
-                <a:buFontTx/>
-                <a:buNone/>
-                <a:tabLst/>
-                <a:defRPr/>
-              </a:pPr>
-              <a:endParaRPr kumimoji="0" lang="en-US" sz="1800" b="0" i="0" u="none" strike="noStrike" kern="1200" cap="none" spc="0" normalizeH="0" baseline="0" noProof="0">
-                <a:ln>
-                  <a:noFill/>
-                </a:ln>
-                <a:solidFill>
-                  <a:prstClr val="black"/>
-                </a:solidFill>
-                <a:effectLst/>
-                <a:uLnTx/>
-                <a:uFillTx/>
-                <a:latin typeface="Calibri" panose="020F0502020204030204"/>
-                <a:ea typeface="+mn-ea"/>
-                <a:cs typeface="+mn-cs"/>
-              </a:endParaRPr>
-            </a:p>
-          </p:txBody>
-        </p:sp>
-      </p:grpSp>
-      <p:sp>
-        <p:nvSpPr>
-          <p:cNvPr id="8" name="TextBox 7">
-            <a:extLst>
-              <a:ext uri="{FF2B5EF4-FFF2-40B4-BE49-F238E27FC236}">
-                <a16:creationId xmlns:a16="http://schemas.microsoft.com/office/drawing/2014/main" id="{04CA4DF5-C512-4233-8F08-3FDA86F8239A}"/>
-              </a:ext>
-            </a:extLst>
-          </p:cNvPr>
-          <p:cNvSpPr txBox="1"/>
-          <p:nvPr/>
-        </p:nvSpPr>
-        <p:spPr>
-          <a:xfrm>
-            <a:off x="258891" y="3711157"/>
-            <a:ext cx="6100094" cy="1258645"/>
-          </a:xfrm>
-          <a:prstGeom prst="rect">
-            <a:avLst/>
-          </a:prstGeom>
-        </p:spPr>
-        <p:txBody>
-          <a:bodyPr vert="horz" lIns="91440" tIns="45720" rIns="91440" bIns="45720" rtlCol="0" anchor="b">
-            <a:normAutofit/>
-          </a:bodyPr>
-          <a:lstStyle/>
-          <a:p>
-            <a:pPr marL="0" marR="0" lvl="0" indent="0" algn="l" defTabSz="914400" rtl="0" eaLnBrk="1" fontAlgn="auto" latinLnBrk="0" hangingPunct="1">
-              <a:lnSpc>
-                <a:spcPct val="90000"/>
-              </a:lnSpc>
-              <a:spcBef>
-                <a:spcPct val="0"/>
-              </a:spcBef>
-              <a:spcAft>
-                <a:spcPts val="600"/>
-              </a:spcAft>
-              <a:buClrTx/>
-              <a:buSzTx/>
-              <a:buFontTx/>
-              <a:buNone/>
-              <a:tabLst/>
-              <a:defRPr/>
-            </a:pPr>
-            <a:r>
-              <a:rPr kumimoji="0" lang="en-US" sz="3800" b="0" i="0" u="none" strike="noStrike" kern="1200" cap="none" spc="0" normalizeH="0" baseline="0" noProof="0" dirty="0">
-                <a:ln>
-                  <a:noFill/>
-                </a:ln>
-                <a:solidFill>
-                  <a:prstClr val="black"/>
-                </a:solidFill>
-                <a:effectLst/>
-                <a:uLnTx/>
-                <a:uFillTx/>
-                <a:latin typeface="JetBrains Mono" panose="02000009000000000000" pitchFamily="49" charset="0"/>
-                <a:ea typeface="JetBrains Mono" panose="02000009000000000000" pitchFamily="49" charset="0"/>
-                <a:cs typeface="JetBrains Mono" panose="02000009000000000000" pitchFamily="49" charset="0"/>
-              </a:rPr>
-              <a:t>Working with Azure Private Endpoints</a:t>
-            </a:r>
-          </a:p>
-        </p:txBody>
-      </p:sp>
-      <p:sp>
-        <p:nvSpPr>
-          <p:cNvPr id="26" name="Freeform 5">
-            <a:extLst>
-              <a:ext uri="{FF2B5EF4-FFF2-40B4-BE49-F238E27FC236}">
-                <a16:creationId xmlns:a16="http://schemas.microsoft.com/office/drawing/2014/main" id="{BD2BFF02-DF78-4F07-B176-52514E13127D}"/>
-              </a:ext>
-              <a:ext uri="{C183D7F6-B498-43B3-948B-1728B52AA6E4}">
-                <adec:decorative xmlns:adec="http://schemas.microsoft.com/office/drawing/2017/decorative" val="1"/>
-              </a:ext>
-            </a:extLst>
-          </p:cNvPr>
-          <p:cNvSpPr>
-            <a:spLocks noGrp="1" noRot="1" noChangeAspect="1" noMove="1" noResize="1" noEditPoints="1" noAdjustHandles="1" noChangeArrowheads="1" noChangeShapeType="1" noTextEdit="1"/>
-          </p:cNvSpPr>
-          <p:nvPr>
-            <p:extLst>
-              <p:ext uri="{386F3935-93C4-4BCD-93E2-E3B085C9AB24}">
-                <p16:designElem xmlns:p16="http://schemas.microsoft.com/office/powerpoint/2015/main" val="1"/>
-              </p:ext>
-            </p:extLst>
-          </p:nvPr>
-        </p:nvSpPr>
-        <p:spPr bwMode="auto">
-          <a:xfrm>
-            <a:off x="7062174" y="1653645"/>
-            <a:ext cx="4689240" cy="4115025"/>
-          </a:xfrm>
-          <a:custGeom>
-            <a:avLst/>
-            <a:gdLst>
-              <a:gd name="T0" fmla="*/ 781 w 1099"/>
-              <a:gd name="T1" fmla="*/ 0 h 968"/>
-              <a:gd name="T2" fmla="*/ 318 w 1099"/>
-              <a:gd name="T3" fmla="*/ 0 h 968"/>
-              <a:gd name="T4" fmla="*/ 246 w 1099"/>
-              <a:gd name="T5" fmla="*/ 42 h 968"/>
-              <a:gd name="T6" fmla="*/ 15 w 1099"/>
-              <a:gd name="T7" fmla="*/ 443 h 968"/>
-              <a:gd name="T8" fmla="*/ 15 w 1099"/>
-              <a:gd name="T9" fmla="*/ 525 h 968"/>
-              <a:gd name="T10" fmla="*/ 246 w 1099"/>
-              <a:gd name="T11" fmla="*/ 926 h 968"/>
-              <a:gd name="T12" fmla="*/ 318 w 1099"/>
-              <a:gd name="T13" fmla="*/ 968 h 968"/>
-              <a:gd name="T14" fmla="*/ 781 w 1099"/>
-              <a:gd name="T15" fmla="*/ 968 h 968"/>
-              <a:gd name="T16" fmla="*/ 852 w 1099"/>
-              <a:gd name="T17" fmla="*/ 926 h 968"/>
-              <a:gd name="T18" fmla="*/ 1084 w 1099"/>
-              <a:gd name="T19" fmla="*/ 525 h 968"/>
-              <a:gd name="T20" fmla="*/ 1084 w 1099"/>
-              <a:gd name="T21" fmla="*/ 443 h 968"/>
-              <a:gd name="T22" fmla="*/ 852 w 1099"/>
-              <a:gd name="T23" fmla="*/ 42 h 968"/>
-              <a:gd name="T24" fmla="*/ 781 w 1099"/>
-              <a:gd name="T25" fmla="*/ 0 h 968"/>
-            </a:gdLst>
-            <a:ahLst/>
-            <a:cxnLst>
-              <a:cxn ang="0">
-                <a:pos x="T0" y="T1"/>
-              </a:cxn>
-              <a:cxn ang="0">
-                <a:pos x="T2" y="T3"/>
-              </a:cxn>
-              <a:cxn ang="0">
-                <a:pos x="T4" y="T5"/>
-              </a:cxn>
-              <a:cxn ang="0">
-                <a:pos x="T6" y="T7"/>
-              </a:cxn>
-              <a:cxn ang="0">
-                <a:pos x="T8" y="T9"/>
-              </a:cxn>
-              <a:cxn ang="0">
-                <a:pos x="T10" y="T11"/>
-              </a:cxn>
-              <a:cxn ang="0">
-                <a:pos x="T12" y="T13"/>
-              </a:cxn>
-              <a:cxn ang="0">
-                <a:pos x="T14" y="T15"/>
-              </a:cxn>
-              <a:cxn ang="0">
-                <a:pos x="T16" y="T17"/>
-              </a:cxn>
-              <a:cxn ang="0">
-                <a:pos x="T18" y="T19"/>
-              </a:cxn>
-              <a:cxn ang="0">
-                <a:pos x="T20" y="T21"/>
-              </a:cxn>
-              <a:cxn ang="0">
-                <a:pos x="T22" y="T23"/>
-              </a:cxn>
-              <a:cxn ang="0">
-                <a:pos x="T24" y="T25"/>
-              </a:cxn>
-            </a:cxnLst>
-            <a:rect l="0" t="0" r="r" b="b"/>
-            <a:pathLst>
-              <a:path w="1099" h="968">
-                <a:moveTo>
-                  <a:pt x="781" y="0"/>
-                </a:moveTo>
-                <a:cubicBezTo>
-                  <a:pt x="318" y="0"/>
-                  <a:pt x="318" y="0"/>
-                  <a:pt x="318" y="0"/>
-                </a:cubicBezTo>
-                <a:cubicBezTo>
-                  <a:pt x="288" y="0"/>
-                  <a:pt x="261" y="16"/>
-                  <a:pt x="246" y="42"/>
-                </a:cubicBezTo>
-                <a:cubicBezTo>
-                  <a:pt x="15" y="443"/>
-                  <a:pt x="15" y="443"/>
-                  <a:pt x="15" y="443"/>
-                </a:cubicBezTo>
-                <a:cubicBezTo>
-                  <a:pt x="0" y="468"/>
-                  <a:pt x="0" y="500"/>
-                  <a:pt x="15" y="525"/>
-                </a:cubicBezTo>
-                <a:cubicBezTo>
-                  <a:pt x="246" y="926"/>
-                  <a:pt x="246" y="926"/>
-                  <a:pt x="246" y="926"/>
-                </a:cubicBezTo>
-                <a:cubicBezTo>
-                  <a:pt x="261" y="952"/>
-                  <a:pt x="288" y="968"/>
-                  <a:pt x="318" y="968"/>
-                </a:cubicBezTo>
-                <a:cubicBezTo>
-                  <a:pt x="781" y="968"/>
-                  <a:pt x="781" y="968"/>
-                  <a:pt x="781" y="968"/>
-                </a:cubicBezTo>
-                <a:cubicBezTo>
-                  <a:pt x="810" y="968"/>
-                  <a:pt x="838" y="952"/>
-                  <a:pt x="852" y="926"/>
-                </a:cubicBezTo>
-                <a:cubicBezTo>
-                  <a:pt x="1084" y="525"/>
-                  <a:pt x="1084" y="525"/>
-                  <a:pt x="1084" y="525"/>
-                </a:cubicBezTo>
-                <a:cubicBezTo>
-                  <a:pt x="1099" y="500"/>
-                  <a:pt x="1099" y="468"/>
-                  <a:pt x="1084" y="443"/>
-                </a:cubicBezTo>
-                <a:cubicBezTo>
-                  <a:pt x="852" y="42"/>
-                  <a:pt x="852" y="42"/>
-                  <a:pt x="852" y="42"/>
-                </a:cubicBezTo>
-                <a:cubicBezTo>
-                  <a:pt x="838" y="16"/>
-                  <a:pt x="810" y="0"/>
-                  <a:pt x="781" y="0"/>
-                </a:cubicBezTo>
-                <a:close/>
-              </a:path>
-            </a:pathLst>
-          </a:custGeom>
-          <a:noFill/>
-          <a:ln w="50800" cap="flat">
-            <a:solidFill>
-              <a:schemeClr val="tx1"/>
-            </a:solidFill>
-            <a:prstDash val="solid"/>
-            <a:miter lim="800000"/>
-            <a:headEnd/>
-            <a:tailEnd/>
-          </a:ln>
-        </p:spPr>
-        <p:txBody>
-          <a:bodyPr vert="horz" wrap="square" lIns="91440" tIns="45720" rIns="91440" bIns="45720" numCol="1" anchor="t" anchorCtr="0" compatLnSpc="1">
-            <a:prstTxWarp prst="textNoShape">
-              <a:avLst/>
-            </a:prstTxWarp>
-          </a:bodyPr>
-          <a:lstStyle/>
-          <a:p>
-            <a:pPr marL="0" marR="0" lvl="0" indent="0" algn="l" defTabSz="914400" rtl="0" eaLnBrk="1" fontAlgn="auto" latinLnBrk="0" hangingPunct="1">
-              <a:lnSpc>
-                <a:spcPct val="100000"/>
-              </a:lnSpc>
-              <a:spcBef>
-                <a:spcPts val="0"/>
-              </a:spcBef>
-              <a:spcAft>
-                <a:spcPts val="0"/>
-              </a:spcAft>
-              <a:buClrTx/>
-              <a:buSzTx/>
-              <a:buFontTx/>
-              <a:buNone/>
-              <a:tabLst/>
-              <a:defRPr/>
-            </a:pPr>
-            <a:endParaRPr kumimoji="0" lang="en-US" sz="1800" b="0" i="0" u="none" strike="noStrike" kern="1200" cap="none" spc="0" normalizeH="0" baseline="0" noProof="0" dirty="0">
-              <a:ln>
-                <a:noFill/>
-              </a:ln>
-              <a:solidFill>
-                <a:prstClr val="black"/>
-              </a:solidFill>
-              <a:effectLst/>
-              <a:uLnTx/>
-              <a:uFillTx/>
-              <a:latin typeface="Calibri" panose="020F0502020204030204"/>
-              <a:ea typeface="+mn-ea"/>
-              <a:cs typeface="+mn-cs"/>
-            </a:endParaRPr>
-          </a:p>
-        </p:txBody>
-      </p:sp>
-      <p:sp>
-        <p:nvSpPr>
-          <p:cNvPr id="28" name="Freeform: Shape 27">
-            <a:extLst>
-              <a:ext uri="{FF2B5EF4-FFF2-40B4-BE49-F238E27FC236}">
-                <a16:creationId xmlns:a16="http://schemas.microsoft.com/office/drawing/2014/main" id="{0DB06EAB-7D8C-403A-86C5-B5FD79A13650}"/>
-              </a:ext>
-              <a:ext uri="{C183D7F6-B498-43B3-948B-1728B52AA6E4}">
-                <adec:decorative xmlns:adec="http://schemas.microsoft.com/office/drawing/2017/decorative" val="1"/>
-              </a:ext>
-            </a:extLst>
-          </p:cNvPr>
-          <p:cNvSpPr>
-            <a:spLocks noGrp="1" noRot="1" noChangeAspect="1" noMove="1" noResize="1" noEditPoints="1" noAdjustHandles="1" noChangeArrowheads="1" noChangeShapeType="1" noTextEdit="1"/>
-          </p:cNvSpPr>
-          <p:nvPr>
-            <p:extLst>
-              <p:ext uri="{386F3935-93C4-4BCD-93E2-E3B085C9AB24}">
-                <p16:designElem xmlns:p16="http://schemas.microsoft.com/office/powerpoint/2015/main" val="1"/>
-              </p:ext>
-            </p:extLst>
-          </p:nvPr>
-        </p:nvSpPr>
-        <p:spPr>
-          <a:xfrm>
-            <a:off x="4542865" y="634058"/>
-            <a:ext cx="3154669" cy="2796247"/>
-          </a:xfrm>
-          <a:custGeom>
-            <a:avLst/>
-            <a:gdLst>
-              <a:gd name="connsiteX0" fmla="*/ 853538 w 2991693"/>
-              <a:gd name="connsiteY0" fmla="*/ 0 h 2651787"/>
-              <a:gd name="connsiteX1" fmla="*/ 2141030 w 2991693"/>
-              <a:gd name="connsiteY1" fmla="*/ 0 h 2651787"/>
-              <a:gd name="connsiteX2" fmla="*/ 2324957 w 2991693"/>
-              <a:gd name="connsiteY2" fmla="*/ 103466 h 2651787"/>
-              <a:gd name="connsiteX3" fmla="*/ 2968702 w 2991693"/>
-              <a:gd name="connsiteY3" fmla="*/ 1218596 h 2651787"/>
-              <a:gd name="connsiteX4" fmla="*/ 2968702 w 2991693"/>
-              <a:gd name="connsiteY4" fmla="*/ 1433192 h 2651787"/>
-              <a:gd name="connsiteX5" fmla="*/ 2324957 w 2991693"/>
-              <a:gd name="connsiteY5" fmla="*/ 2548321 h 2651787"/>
-              <a:gd name="connsiteX6" fmla="*/ 2141030 w 2991693"/>
-              <a:gd name="connsiteY6" fmla="*/ 2651787 h 2651787"/>
-              <a:gd name="connsiteX7" fmla="*/ 853538 w 2991693"/>
-              <a:gd name="connsiteY7" fmla="*/ 2651787 h 2651787"/>
-              <a:gd name="connsiteX8" fmla="*/ 669612 w 2991693"/>
-              <a:gd name="connsiteY8" fmla="*/ 2548321 h 2651787"/>
-              <a:gd name="connsiteX9" fmla="*/ 25866 w 2991693"/>
-              <a:gd name="connsiteY9" fmla="*/ 1433192 h 2651787"/>
-              <a:gd name="connsiteX10" fmla="*/ 25866 w 2991693"/>
-              <a:gd name="connsiteY10" fmla="*/ 1218596 h 2651787"/>
-              <a:gd name="connsiteX11" fmla="*/ 669612 w 2991693"/>
-              <a:gd name="connsiteY11" fmla="*/ 103466 h 2651787"/>
-              <a:gd name="connsiteX12" fmla="*/ 853538 w 2991693"/>
-              <a:gd name="connsiteY12" fmla="*/ 0 h 2651787"/>
-            </a:gdLst>
-            <a:ahLst/>
-            <a:cxnLst>
-              <a:cxn ang="0">
-                <a:pos x="connsiteX0" y="connsiteY0"/>
-              </a:cxn>
-              <a:cxn ang="0">
-                <a:pos x="connsiteX1" y="connsiteY1"/>
-              </a:cxn>
-              <a:cxn ang="0">
-                <a:pos x="connsiteX2" y="connsiteY2"/>
-              </a:cxn>
-              <a:cxn ang="0">
-                <a:pos x="connsiteX3" y="connsiteY3"/>
-              </a:cxn>
-              <a:cxn ang="0">
-                <a:pos x="connsiteX4" y="connsiteY4"/>
-              </a:cxn>
-              <a:cxn ang="0">
-                <a:pos x="connsiteX5" y="connsiteY5"/>
-              </a:cxn>
-              <a:cxn ang="0">
-                <a:pos x="connsiteX6" y="connsiteY6"/>
-              </a:cxn>
-              <a:cxn ang="0">
-                <a:pos x="connsiteX7" y="connsiteY7"/>
-              </a:cxn>
-              <a:cxn ang="0">
-                <a:pos x="connsiteX8" y="connsiteY8"/>
-              </a:cxn>
-              <a:cxn ang="0">
-                <a:pos x="connsiteX9" y="connsiteY9"/>
-              </a:cxn>
-              <a:cxn ang="0">
-                <a:pos x="connsiteX10" y="connsiteY10"/>
-              </a:cxn>
-              <a:cxn ang="0">
-                <a:pos x="connsiteX11" y="connsiteY11"/>
-              </a:cxn>
-              <a:cxn ang="0">
-                <a:pos x="connsiteX12" y="connsiteY12"/>
-              </a:cxn>
-            </a:cxnLst>
-            <a:rect l="l" t="t" r="r" b="b"/>
-            <a:pathLst>
-              <a:path w="2991693" h="2651787">
-                <a:moveTo>
-                  <a:pt x="853538" y="0"/>
-                </a:moveTo>
-                <a:cubicBezTo>
-                  <a:pt x="2141030" y="0"/>
-                  <a:pt x="2141030" y="0"/>
-                  <a:pt x="2141030" y="0"/>
-                </a:cubicBezTo>
-                <a:cubicBezTo>
-                  <a:pt x="2206170" y="0"/>
-                  <a:pt x="2290471" y="45985"/>
-                  <a:pt x="2324957" y="103466"/>
-                </a:cubicBezTo>
-                <a:cubicBezTo>
-                  <a:pt x="2968702" y="1218596"/>
-                  <a:pt x="2968702" y="1218596"/>
-                  <a:pt x="2968702" y="1218596"/>
-                </a:cubicBezTo>
-                <a:cubicBezTo>
-                  <a:pt x="2999357" y="1279909"/>
-                  <a:pt x="2999357" y="1371878"/>
-                  <a:pt x="2968702" y="1433192"/>
-                </a:cubicBezTo>
-                <a:cubicBezTo>
-                  <a:pt x="2324957" y="2548321"/>
-                  <a:pt x="2324957" y="2548321"/>
-                  <a:pt x="2324957" y="2548321"/>
-                </a:cubicBezTo>
-                <a:cubicBezTo>
-                  <a:pt x="2290471" y="2605803"/>
-                  <a:pt x="2206170" y="2651787"/>
-                  <a:pt x="2141030" y="2651787"/>
-                </a:cubicBezTo>
-                <a:lnTo>
-                  <a:pt x="853538" y="2651787"/>
-                </a:lnTo>
-                <a:cubicBezTo>
-                  <a:pt x="784566" y="2651787"/>
-                  <a:pt x="700266" y="2605803"/>
-                  <a:pt x="669612" y="2548321"/>
-                </a:cubicBezTo>
-                <a:cubicBezTo>
-                  <a:pt x="25866" y="1433192"/>
-                  <a:pt x="25866" y="1433192"/>
-                  <a:pt x="25866" y="1433192"/>
-                </a:cubicBezTo>
-                <a:cubicBezTo>
-                  <a:pt x="-8621" y="1371878"/>
-                  <a:pt x="-8621" y="1279909"/>
-                  <a:pt x="25866" y="1218596"/>
-                </a:cubicBezTo>
-                <a:cubicBezTo>
-                  <a:pt x="669612" y="103466"/>
-                  <a:pt x="669612" y="103466"/>
-                  <a:pt x="669612" y="103466"/>
-                </a:cubicBezTo>
-                <a:cubicBezTo>
-                  <a:pt x="700266" y="45985"/>
-                  <a:pt x="784566" y="0"/>
-                  <a:pt x="853538" y="0"/>
-                </a:cubicBezTo>
-                <a:close/>
-              </a:path>
-            </a:pathLst>
-          </a:custGeom>
-          <a:noFill/>
-          <a:ln w="50800" cap="flat">
-            <a:solidFill>
-              <a:schemeClr val="tx1"/>
-            </a:solidFill>
-            <a:prstDash val="solid"/>
-            <a:miter lim="800000"/>
-            <a:headEnd/>
-            <a:tailEnd/>
-          </a:ln>
-        </p:spPr>
-        <p:txBody>
-          <a:bodyPr vert="horz" wrap="square" lIns="91440" tIns="45720" rIns="91440" bIns="45720" numCol="1" anchor="t" anchorCtr="0" compatLnSpc="1">
-            <a:prstTxWarp prst="textNoShape">
-              <a:avLst/>
-            </a:prstTxWarp>
-          </a:bodyPr>
-          <a:lstStyle/>
-          <a:p>
-            <a:pPr marL="0" marR="0" lvl="0" indent="0" algn="l" defTabSz="914400" rtl="0" eaLnBrk="1" fontAlgn="auto" latinLnBrk="0" hangingPunct="1">
-              <a:lnSpc>
-                <a:spcPct val="100000"/>
-              </a:lnSpc>
-              <a:spcBef>
-                <a:spcPts val="0"/>
-              </a:spcBef>
-              <a:spcAft>
-                <a:spcPts val="0"/>
-              </a:spcAft>
-              <a:buClrTx/>
-              <a:buSzTx/>
-              <a:buFontTx/>
-              <a:buNone/>
-              <a:tabLst/>
-              <a:defRPr/>
-            </a:pPr>
-            <a:endParaRPr kumimoji="0" lang="en-US" sz="1800" b="0" i="0" u="none" strike="noStrike" kern="1200" cap="none" spc="0" normalizeH="0" baseline="0" noProof="0" dirty="0">
-              <a:ln>
-                <a:noFill/>
-              </a:ln>
-              <a:solidFill>
-                <a:prstClr val="black"/>
-              </a:solidFill>
-              <a:effectLst/>
-              <a:uLnTx/>
-              <a:uFillTx/>
-              <a:latin typeface="Calibri" panose="020F0502020204030204"/>
-              <a:ea typeface="+mn-ea"/>
-              <a:cs typeface="+mn-cs"/>
-            </a:endParaRPr>
-          </a:p>
-        </p:txBody>
-      </p:sp>
-      <p:sp>
-        <p:nvSpPr>
-          <p:cNvPr id="10" name="Google Shape;55;p13">
-            <a:extLst>
-              <a:ext uri="{FF2B5EF4-FFF2-40B4-BE49-F238E27FC236}">
-                <a16:creationId xmlns:a16="http://schemas.microsoft.com/office/drawing/2014/main" id="{F6E61504-9462-4F2B-BF6D-31CBE01EBD3B}"/>
-              </a:ext>
-            </a:extLst>
-          </p:cNvPr>
-          <p:cNvSpPr txBox="1">
-            <a:spLocks noGrp="1"/>
-          </p:cNvSpPr>
-          <p:nvPr>
-            <p:ph type="subTitle" idx="1"/>
-          </p:nvPr>
-        </p:nvSpPr>
-        <p:spPr>
-          <a:xfrm>
-            <a:off x="2447267" y="5920221"/>
-            <a:ext cx="5924212" cy="794567"/>
-          </a:xfrm>
-          <a:prstGeom prst="rect">
-            <a:avLst/>
-          </a:prstGeom>
-        </p:spPr>
-        <p:txBody>
-          <a:bodyPr spcFirstLastPara="1" wrap="square" lIns="91425" tIns="91425" rIns="91425" bIns="91425" anchor="t" anchorCtr="0">
-            <a:noAutofit/>
-          </a:bodyPr>
-          <a:lstStyle/>
-          <a:p>
-            <a:pPr marL="0" lvl="0" indent="0" algn="ctr" rtl="0">
-              <a:spcBef>
-                <a:spcPts val="0"/>
-              </a:spcBef>
-              <a:spcAft>
-                <a:spcPts val="600"/>
-              </a:spcAft>
-              <a:buNone/>
-            </a:pPr>
-            <a:r>
-              <a:rPr lang="en" sz="2000" dirty="0">
-                <a:latin typeface="Comic Sans MS" panose="030F0702030302020204" pitchFamily="66" charset="0"/>
-              </a:rPr>
-              <a:t>Infrastructure as Code User Group Oslo</a:t>
-            </a:r>
-            <a:endParaRPr lang="en-US" sz="2000" dirty="0">
-              <a:latin typeface="Comic Sans MS" panose="030F0702030302020204" pitchFamily="66" charset="0"/>
-            </a:endParaRPr>
-          </a:p>
-          <a:p>
-            <a:pPr marL="0" lvl="0" indent="0" algn="ctr" rtl="0">
-              <a:spcBef>
-                <a:spcPts val="0"/>
-              </a:spcBef>
-              <a:spcAft>
-                <a:spcPts val="600"/>
-              </a:spcAft>
-              <a:buNone/>
-            </a:pPr>
-            <a:r>
-              <a:rPr lang="en-US" sz="2000" dirty="0">
-                <a:latin typeface="Comic Sans MS" panose="030F0702030302020204" pitchFamily="66" charset="0"/>
-              </a:rPr>
-              <a:t>w</a:t>
-            </a:r>
-            <a:r>
-              <a:rPr lang="en" sz="2000" dirty="0">
-                <a:latin typeface="Comic Sans MS" panose="030F0702030302020204" pitchFamily="66" charset="0"/>
-              </a:rPr>
-              <a:t>ith Evgeny Borzenin</a:t>
-            </a:r>
-            <a:endParaRPr lang="en-US" sz="2000" dirty="0">
-              <a:latin typeface="Comic Sans MS" panose="030F0702030302020204" pitchFamily="66" charset="0"/>
-            </a:endParaRPr>
-          </a:p>
-        </p:txBody>
-      </p:sp>
-      <p:pic>
-        <p:nvPicPr>
-          <p:cNvPr id="12" name="Graphic 4">
-            <a:extLst>
-              <a:ext uri="{FF2B5EF4-FFF2-40B4-BE49-F238E27FC236}">
-                <a16:creationId xmlns:a16="http://schemas.microsoft.com/office/drawing/2014/main" id="{EDCA261C-CB9C-438E-83DA-373119F69A1E}"/>
-              </a:ext>
-            </a:extLst>
-          </p:cNvPr>
-          <p:cNvPicPr>
-            <a:picLocks noChangeAspect="1"/>
-          </p:cNvPicPr>
-          <p:nvPr/>
-        </p:nvPicPr>
-        <p:blipFill>
-          <a:blip r:embed="rId3">
-            <a:extLst>
-              <a:ext uri="{28A0092B-C50C-407E-A947-70E740481C1C}">
-                <a14:useLocalDpi xmlns:a14="http://schemas.microsoft.com/office/drawing/2010/main" val="0"/>
-              </a:ext>
-              <a:ext uri="{96DAC541-7B7A-43D3-8B79-37D633B846F1}">
-                <asvg:svgBlip xmlns:asvg="http://schemas.microsoft.com/office/drawing/2016/SVG/main" r:embed="rId4"/>
-              </a:ext>
-            </a:extLst>
-          </a:blip>
-          <a:stretch>
-            <a:fillRect/>
-          </a:stretch>
-        </p:blipFill>
-        <p:spPr>
-          <a:xfrm>
-            <a:off x="375137" y="6121057"/>
-            <a:ext cx="1718444" cy="574556"/>
-          </a:xfrm>
-          <a:prstGeom prst="rect">
-            <a:avLst/>
-          </a:prstGeom>
-        </p:spPr>
-      </p:pic>
-      <p:pic>
-        <p:nvPicPr>
-          <p:cNvPr id="13" name="Google Shape;56;p13">
-            <a:extLst>
-              <a:ext uri="{FF2B5EF4-FFF2-40B4-BE49-F238E27FC236}">
-                <a16:creationId xmlns:a16="http://schemas.microsoft.com/office/drawing/2014/main" id="{5D6A8592-4B29-429E-A8AC-240C35AA1049}"/>
-              </a:ext>
-            </a:extLst>
-          </p:cNvPr>
-          <p:cNvPicPr preferRelativeResize="0"/>
-          <p:nvPr/>
-        </p:nvPicPr>
-        <p:blipFill>
-          <a:blip r:embed="rId5">
-            <a:alphaModFix/>
-          </a:blip>
-          <a:stretch>
-            <a:fillRect/>
-          </a:stretch>
-        </p:blipFill>
-        <p:spPr>
-          <a:xfrm>
-            <a:off x="10989179" y="5736492"/>
-            <a:ext cx="1202821" cy="1121508"/>
-          </a:xfrm>
-          <a:prstGeom prst="rect">
-            <a:avLst/>
-          </a:prstGeom>
-          <a:noFill/>
-          <a:ln>
-            <a:noFill/>
-          </a:ln>
-        </p:spPr>
-      </p:pic>
-      <p:pic>
-        <p:nvPicPr>
-          <p:cNvPr id="7" name="Graphic 6">
-            <a:extLst>
-              <a:ext uri="{FF2B5EF4-FFF2-40B4-BE49-F238E27FC236}">
-                <a16:creationId xmlns:a16="http://schemas.microsoft.com/office/drawing/2014/main" id="{98AD8761-1DFA-75A4-F789-38D363B6DD76}"/>
-              </a:ext>
-            </a:extLst>
-          </p:cNvPr>
-          <p:cNvPicPr>
-            <a:picLocks noChangeAspect="1"/>
-          </p:cNvPicPr>
-          <p:nvPr/>
-        </p:nvPicPr>
-        <p:blipFill>
-          <a:blip r:embed="rId6">
-            <a:extLst>
-              <a:ext uri="{28A0092B-C50C-407E-A947-70E740481C1C}">
-                <a14:useLocalDpi xmlns:a14="http://schemas.microsoft.com/office/drawing/2010/main" val="0"/>
-              </a:ext>
-              <a:ext uri="{96DAC541-7B7A-43D3-8B79-37D633B846F1}">
-                <asvg:svgBlip xmlns:asvg="http://schemas.microsoft.com/office/drawing/2016/SVG/main" r:embed="rId7"/>
-              </a:ext>
-            </a:extLst>
-          </a:blip>
-          <a:stretch>
-            <a:fillRect/>
-          </a:stretch>
-        </p:blipFill>
-        <p:spPr>
-          <a:xfrm>
-            <a:off x="9350334" y="1973799"/>
-            <a:ext cx="1147552" cy="1147552"/>
-          </a:xfrm>
-          <a:prstGeom prst="rect">
-            <a:avLst/>
-          </a:prstGeom>
-        </p:spPr>
-      </p:pic>
-      <p:pic>
-        <p:nvPicPr>
-          <p:cNvPr id="11" name="Graphic 10">
-            <a:extLst>
-              <a:ext uri="{FF2B5EF4-FFF2-40B4-BE49-F238E27FC236}">
-                <a16:creationId xmlns:a16="http://schemas.microsoft.com/office/drawing/2014/main" id="{3E27198C-DC99-922B-A066-6F7D8171A9C5}"/>
-              </a:ext>
-            </a:extLst>
-          </p:cNvPr>
-          <p:cNvPicPr>
-            <a:picLocks noChangeAspect="1"/>
-          </p:cNvPicPr>
-          <p:nvPr/>
-        </p:nvPicPr>
-        <p:blipFill>
-          <a:blip r:embed="rId8">
-            <a:extLst>
-              <a:ext uri="{28A0092B-C50C-407E-A947-70E740481C1C}">
-                <a14:useLocalDpi xmlns:a14="http://schemas.microsoft.com/office/drawing/2010/main" val="0"/>
-              </a:ext>
-              <a:ext uri="{96DAC541-7B7A-43D3-8B79-37D633B846F1}">
-                <asvg:svgBlip xmlns:asvg="http://schemas.microsoft.com/office/drawing/2016/SVG/main" r:embed="rId9"/>
-              </a:ext>
-            </a:extLst>
-          </a:blip>
-          <a:stretch>
-            <a:fillRect/>
-          </a:stretch>
-        </p:blipFill>
-        <p:spPr>
-          <a:xfrm>
-            <a:off x="7826947" y="3137381"/>
-            <a:ext cx="1147552" cy="1147552"/>
-          </a:xfrm>
-          <a:prstGeom prst="rect">
-            <a:avLst/>
-          </a:prstGeom>
-        </p:spPr>
-      </p:pic>
-      <p:pic>
-        <p:nvPicPr>
-          <p:cNvPr id="15" name="Graphic 14">
-            <a:extLst>
-              <a:ext uri="{FF2B5EF4-FFF2-40B4-BE49-F238E27FC236}">
-                <a16:creationId xmlns:a16="http://schemas.microsoft.com/office/drawing/2014/main" id="{95250E79-B463-F794-B27F-C843497064C0}"/>
-              </a:ext>
-            </a:extLst>
-          </p:cNvPr>
-          <p:cNvPicPr>
-            <a:picLocks noChangeAspect="1"/>
-          </p:cNvPicPr>
-          <p:nvPr/>
-        </p:nvPicPr>
-        <p:blipFill>
-          <a:blip r:embed="rId10">
-            <a:extLst>
-              <a:ext uri="{28A0092B-C50C-407E-A947-70E740481C1C}">
-                <a14:useLocalDpi xmlns:a14="http://schemas.microsoft.com/office/drawing/2010/main" val="0"/>
-              </a:ext>
-              <a:ext uri="{96DAC541-7B7A-43D3-8B79-37D633B846F1}">
-                <asvg:svgBlip xmlns:asvg="http://schemas.microsoft.com/office/drawing/2016/SVG/main" r:embed="rId11"/>
-              </a:ext>
-            </a:extLst>
-          </a:blip>
-          <a:stretch>
-            <a:fillRect/>
-          </a:stretch>
-        </p:blipFill>
-        <p:spPr>
-          <a:xfrm>
-            <a:off x="9677688" y="4071354"/>
-            <a:ext cx="1032550" cy="1032550"/>
-          </a:xfrm>
-          <a:prstGeom prst="rect">
-            <a:avLst/>
-          </a:prstGeom>
-        </p:spPr>
-      </p:pic>
-      <p:pic>
-        <p:nvPicPr>
-          <p:cNvPr id="16" name="Picture 4" descr="AzureFunBytes - Getting started with Bicep - Azure DevOps Blog">
-            <a:extLst>
-              <a:ext uri="{FF2B5EF4-FFF2-40B4-BE49-F238E27FC236}">
-                <a16:creationId xmlns:a16="http://schemas.microsoft.com/office/drawing/2014/main" id="{DA60C3A7-B664-BE89-61AE-CEA3AF047E71}"/>
-              </a:ext>
-            </a:extLst>
-          </p:cNvPr>
-          <p:cNvPicPr>
-            <a:picLocks noChangeAspect="1" noChangeArrowheads="1"/>
-          </p:cNvPicPr>
-          <p:nvPr/>
-        </p:nvPicPr>
-        <p:blipFill>
-          <a:blip r:embed="rId12">
-            <a:extLst>
-              <a:ext uri="{28A0092B-C50C-407E-A947-70E740481C1C}">
-                <a14:useLocalDpi xmlns:a14="http://schemas.microsoft.com/office/drawing/2010/main" val="0"/>
-              </a:ext>
-            </a:extLst>
-          </a:blip>
-          <a:srcRect/>
-          <a:stretch>
-            <a:fillRect/>
-          </a:stretch>
-        </p:blipFill>
-        <p:spPr bwMode="auto">
-          <a:xfrm>
-            <a:off x="5409373" y="1262973"/>
-            <a:ext cx="1421652" cy="1421652"/>
-          </a:xfrm>
-          <a:prstGeom prst="rect">
-            <a:avLst/>
-          </a:prstGeom>
-          <a:noFill/>
-          <a:extLst>
-            <a:ext uri="{909E8E84-426E-40DD-AFC4-6F175D3DCCD1}">
-              <a14:hiddenFill xmlns:a14="http://schemas.microsoft.com/office/drawing/2010/main">
-                <a:solidFill>
-                  <a:srgbClr val="FFFFFF"/>
-                </a:solidFill>
-              </a14:hiddenFill>
-            </a:ext>
-          </a:extLst>
-        </p:spPr>
-      </p:pic>
-    </p:spTree>
-    <p:extLst>
-      <p:ext uri="{BB962C8B-B14F-4D97-AF65-F5344CB8AC3E}">
-        <p14:creationId xmlns:p14="http://schemas.microsoft.com/office/powerpoint/2010/main" val="815234218"/>
-      </p:ext>
-    </p:extLst>
-  </p:cSld>
-  <p:clrMapOvr>
-    <a:masterClrMapping/>
-  </p:clrMapOvr>
-</p:sld>
-</file>
-
-<file path=ppt/slides/slide3.xml><?xml version="1.0" encoding="utf-8"?>
-<p:sld xmlns:a="http://schemas.openxmlformats.org/drawingml/2006/main" xmlns:r="http://schemas.openxmlformats.org/officeDocument/2006/relationships" xmlns:p="http://schemas.openxmlformats.org/presentationml/2006/main">
-  <p:cSld>
-    <p:spTree>
-      <p:nvGrpSpPr>
-        <p:cNvPr id="1" name=""/>
-        <p:cNvGrpSpPr/>
-        <p:nvPr/>
-      </p:nvGrpSpPr>
-      <p:grpSpPr>
-        <a:xfrm>
-          <a:off x="0" y="0"/>
-          <a:ext cx="0" cy="0"/>
-          <a:chOff x="0" y="0"/>
-          <a:chExt cx="0" cy="0"/>
-        </a:xfrm>
-      </p:grpSpPr>
       <p:sp>
         <p:nvSpPr>
           <p:cNvPr id="2" name="Title 1">
@@ -7634,8 +6073,14 @@
           </a:p>
           <a:p>
             <a:r>
-              <a:rPr lang="en-US" dirty="0"/>
+              <a:rPr lang="en-US" strike="sngStrike" dirty="0"/>
               <a:t>[  ] Working with Azure Container Apps</a:t>
+            </a:r>
+          </a:p>
+          <a:p>
+            <a:r>
+              <a:rPr lang="en-US" b="1" dirty="0"/>
+              <a:t>[  ] Working with Azure Private Links</a:t>
             </a:r>
           </a:p>
           <a:p>
@@ -7646,14 +6091,12 @@
           </a:p>
           <a:p>
             <a:r>
+              <a:rPr lang="en-US"/>
+              <a:t>[  </a:t>
+            </a:r>
+            <a:r>
               <a:rPr lang="en-US" dirty="0"/>
-              <a:t>[  ] Azure API Management 101</a:t>
-            </a:r>
-          </a:p>
-          <a:p>
-            <a:r>
-              <a:rPr lang="en-US" dirty="0"/>
-              <a:t>[  ] Security in AKS</a:t>
+              <a:t>] Security in AKS</a:t>
             </a:r>
           </a:p>
           <a:p>
@@ -7763,7 +6206,7 @@
 </p:sld>
 </file>
 
-<file path=ppt/slides/slide4.xml><?xml version="1.0" encoding="utf-8"?>
+<file path=ppt/slides/slide3.xml><?xml version="1.0" encoding="utf-8"?>
 <p:sld xmlns:a="http://schemas.openxmlformats.org/drawingml/2006/main" xmlns:r="http://schemas.openxmlformats.org/officeDocument/2006/relationships" xmlns:p="http://schemas.openxmlformats.org/presentationml/2006/main">
   <p:cSld>
     <p:spTree>
@@ -7996,7 +6439,7 @@
 </p:sld>
 </file>
 
-<file path=ppt/slides/slide5.xml><?xml version="1.0" encoding="utf-8"?>
+<file path=ppt/slides/slide4.xml><?xml version="1.0" encoding="utf-8"?>
 <p:sld xmlns:a="http://schemas.openxmlformats.org/drawingml/2006/main" xmlns:r="http://schemas.openxmlformats.org/officeDocument/2006/relationships" xmlns:p="http://schemas.openxmlformats.org/presentationml/2006/main">
   <p:cSld>
     <p:spTree>
@@ -8319,7 +6762,7 @@
 </p:sld>
 </file>
 
-<file path=ppt/slides/slide6.xml><?xml version="1.0" encoding="utf-8"?>
+<file path=ppt/slides/slide5.xml><?xml version="1.0" encoding="utf-8"?>
 <p:sld xmlns:a="http://schemas.openxmlformats.org/drawingml/2006/main" xmlns:r="http://schemas.openxmlformats.org/officeDocument/2006/relationships" xmlns:p="http://schemas.openxmlformats.org/presentationml/2006/main">
   <p:cSld>
     <p:spTree>
@@ -8575,7 +7018,7 @@
 </p:sld>
 </file>
 
-<file path=ppt/slides/slide7.xml><?xml version="1.0" encoding="utf-8"?>
+<file path=ppt/slides/slide6.xml><?xml version="1.0" encoding="utf-8"?>
 <p:sld xmlns:a="http://schemas.openxmlformats.org/drawingml/2006/main" xmlns:r="http://schemas.openxmlformats.org/officeDocument/2006/relationships" xmlns:p="http://schemas.openxmlformats.org/presentationml/2006/main">
   <p:cSld>
     <p:spTree>

--- a/slides/private-links.pptx
+++ b/slides/private-links.pptx
@@ -5,7 +5,7 @@
     <p:sldMasterId id="2147483660" r:id="rId1"/>
   </p:sldMasterIdLst>
   <p:notesMasterIdLst>
-    <p:notesMasterId r:id="rId8"/>
+    <p:notesMasterId r:id="rId25"/>
   </p:notesMasterIdLst>
   <p:sldIdLst>
     <p:sldId id="2076136299" r:id="rId2"/>
@@ -13,7 +13,24 @@
     <p:sldId id="2076136325" r:id="rId4"/>
     <p:sldId id="260" r:id="rId5"/>
     <p:sldId id="259" r:id="rId6"/>
-    <p:sldId id="2076136302" r:id="rId7"/>
+    <p:sldId id="2076136340" r:id="rId7"/>
+    <p:sldId id="2076136338" r:id="rId8"/>
+    <p:sldId id="2076136326" r:id="rId9"/>
+    <p:sldId id="2076136329" r:id="rId10"/>
+    <p:sldId id="2076136327" r:id="rId11"/>
+    <p:sldId id="2076136328" r:id="rId12"/>
+    <p:sldId id="2076136330" r:id="rId13"/>
+    <p:sldId id="2076136331" r:id="rId14"/>
+    <p:sldId id="2076136332" r:id="rId15"/>
+    <p:sldId id="2076136333" r:id="rId16"/>
+    <p:sldId id="2076136334" r:id="rId17"/>
+    <p:sldId id="2076136335" r:id="rId18"/>
+    <p:sldId id="2076136339" r:id="rId19"/>
+    <p:sldId id="2076136337" r:id="rId20"/>
+    <p:sldId id="2076136341" r:id="rId21"/>
+    <p:sldId id="2076136343" r:id="rId22"/>
+    <p:sldId id="2076136342" r:id="rId23"/>
+    <p:sldId id="2076136302" r:id="rId24"/>
   </p:sldIdLst>
   <p:sldSz cx="12192000" cy="6858000"/>
   <p:notesSz cx="6858000" cy="9144000"/>
@@ -202,7 +219,7 @@
           <a:p>
             <a:fld id="{39ECB77B-8C2F-499B-AE9C-A56E6D14A93C}" type="datetimeFigureOut">
               <a:rPr lang="nb-NO" smtClean="0"/>
-              <a:t>31.05.2023</a:t>
+              <a:t>27.06.2023</a:t>
             </a:fld>
             <a:endParaRPr lang="nb-NO"/>
           </a:p>
@@ -614,12 +631,12 @@
 </p:notes>
 </file>
 
-<file path=ppt/notesSlides/notesSlide2.xml><?xml version="1.0" encoding="utf-8"?>
-<p:notes xmlns:a="http://schemas.openxmlformats.org/drawingml/2006/main" xmlns:r="http://schemas.openxmlformats.org/officeDocument/2006/relationships" xmlns:p="http://schemas.openxmlformats.org/presentationml/2006/main" showMasterSp="0" showMasterPhAnim="0">
+<file path=ppt/notesSlides/notesSlide10.xml><?xml version="1.0" encoding="utf-8"?>
+<p:notes xmlns:a="http://schemas.openxmlformats.org/drawingml/2006/main" xmlns:r="http://schemas.openxmlformats.org/officeDocument/2006/relationships" xmlns:p="http://schemas.openxmlformats.org/presentationml/2006/main">
   <p:cSld>
     <p:spTree>
       <p:nvGrpSpPr>
-        <p:cNvPr id="1" name="Shape 64"/>
+        <p:cNvPr id="1" name=""/>
         <p:cNvGrpSpPr/>
         <p:nvPr/>
       </p:nvGrpSpPr>
@@ -633,87 +650,436 @@
       </p:grpSpPr>
       <p:sp>
         <p:nvSpPr>
-          <p:cNvPr id="65" name="Google Shape;65;g7fd950372b_1_3:notes"/>
+          <p:cNvPr id="2" name="Slide Image Placeholder 1"/>
           <p:cNvSpPr>
             <a:spLocks noGrp="1" noRot="1" noChangeAspect="1"/>
           </p:cNvSpPr>
           <p:nvPr>
-            <p:ph type="sldImg" idx="2"/>
+            <p:ph type="sldImg"/>
           </p:nvPr>
         </p:nvSpPr>
-        <p:spPr>
-          <a:xfrm>
-            <a:off x="381000" y="685800"/>
-            <a:ext cx="6096000" cy="3429000"/>
-          </a:xfrm>
-          <a:custGeom>
-            <a:avLst/>
-            <a:gdLst/>
-            <a:ahLst/>
-            <a:cxnLst/>
-            <a:rect l="l" t="t" r="r" b="b"/>
-            <a:pathLst>
-              <a:path w="120000" h="120000" extrusionOk="0">
-                <a:moveTo>
-                  <a:pt x="0" y="0"/>
-                </a:moveTo>
-                <a:lnTo>
-                  <a:pt x="120000" y="0"/>
-                </a:lnTo>
-                <a:lnTo>
-                  <a:pt x="120000" y="120000"/>
-                </a:lnTo>
-                <a:lnTo>
-                  <a:pt x="0" y="120000"/>
-                </a:lnTo>
-                <a:close/>
-              </a:path>
-            </a:pathLst>
-          </a:custGeom>
-        </p:spPr>
-      </p:sp>
-      <p:sp>
-        <p:nvSpPr>
-          <p:cNvPr id="66" name="Google Shape;66;g7fd950372b_1_3:notes"/>
-          <p:cNvSpPr txBox="1">
+        <p:spPr/>
+      </p:sp>
+      <p:sp>
+        <p:nvSpPr>
+          <p:cNvPr id="3" name="Notes Placeholder 2"/>
+          <p:cNvSpPr>
             <a:spLocks noGrp="1"/>
           </p:cNvSpPr>
           <p:nvPr>
             <p:ph type="body" idx="1"/>
           </p:nvPr>
         </p:nvSpPr>
-        <p:spPr>
-          <a:xfrm>
-            <a:off x="685800" y="4343400"/>
-            <a:ext cx="5486400" cy="4114800"/>
-          </a:xfrm>
-          <a:prstGeom prst="rect">
-            <a:avLst/>
-          </a:prstGeom>
-        </p:spPr>
+        <p:spPr/>
         <p:txBody>
-          <a:bodyPr spcFirstLastPara="1" wrap="square" lIns="91425" tIns="91425" rIns="91425" bIns="91425" anchor="t" anchorCtr="0">
-            <a:noAutofit/>
-          </a:bodyPr>
+          <a:bodyPr/>
           <a:lstStyle/>
           <a:p>
-            <a:pPr marL="0" lvl="0" indent="0" algn="l" rtl="0">
+            <a:pPr algn="l"/>
+            <a:r>
+              <a:rPr lang="en-US" b="0" i="0" dirty="0">
+                <a:solidFill>
+                  <a:srgbClr val="161616"/>
+                </a:solidFill>
+                <a:effectLst/>
+                <a:latin typeface="Segoe UI" panose="020B0502040204020203" pitchFamily="34" charset="0"/>
+              </a:rPr>
+              <a:t>Azure Private Link enables you to access Azure PaaS Services (for example, Azure KeyVault and SQL Database) and Azure hosted customer-owned/partner services over a </a:t>
+            </a:r>
+            <a:r>
+              <a:rPr lang="en-US" b="0" i="0" u="none" strike="noStrike" dirty="0">
+                <a:solidFill>
+                  <a:srgbClr val="161616"/>
+                </a:solidFill>
+                <a:effectLst/>
+                <a:latin typeface="Segoe UI" panose="020B0502040204020203" pitchFamily="34" charset="0"/>
+                <a:hlinkClick r:id="rId3"/>
+              </a:rPr>
+              <a:t>private endpoint</a:t>
+            </a:r>
+            <a:r>
+              <a:rPr lang="en-US" b="0" i="0" dirty="0">
+                <a:solidFill>
+                  <a:srgbClr val="161616"/>
+                </a:solidFill>
+                <a:effectLst/>
+                <a:latin typeface="Segoe UI" panose="020B0502040204020203" pitchFamily="34" charset="0"/>
+              </a:rPr>
+              <a:t> in your virtual network.</a:t>
+            </a:r>
+          </a:p>
+          <a:p>
+            <a:pPr algn="l"/>
+            <a:endParaRPr lang="en-US" b="0" i="0" dirty="0">
+              <a:solidFill>
+                <a:srgbClr val="161616"/>
+              </a:solidFill>
+              <a:effectLst/>
+              <a:latin typeface="Segoe UI" panose="020B0502040204020203" pitchFamily="34" charset="0"/>
+            </a:endParaRPr>
+          </a:p>
+          <a:p>
+            <a:pPr algn="l"/>
+            <a:r>
+              <a:rPr lang="en-US" b="0" i="0" dirty="0">
+                <a:solidFill>
+                  <a:srgbClr val="161616"/>
+                </a:solidFill>
+                <a:effectLst/>
+                <a:latin typeface="Segoe UI" panose="020B0502040204020203" pitchFamily="34" charset="0"/>
+              </a:rPr>
+              <a:t>Traffic between your virtual network and the service travels the Microsoft backbone network. </a:t>
+            </a:r>
+          </a:p>
+          <a:p>
+            <a:pPr algn="l"/>
+            <a:endParaRPr lang="en-US" b="0" i="0" dirty="0">
+              <a:solidFill>
+                <a:srgbClr val="161616"/>
+              </a:solidFill>
+              <a:effectLst/>
+              <a:latin typeface="Segoe UI" panose="020B0502040204020203" pitchFamily="34" charset="0"/>
+            </a:endParaRPr>
+          </a:p>
+          <a:p>
+            <a:pPr algn="l">
+              <a:buFont typeface="Arial" panose="020B0604020202020204" pitchFamily="34" charset="0"/>
+              <a:buNone/>
+            </a:pPr>
+            <a:r>
+              <a:rPr lang="en-US" b="1" i="0" dirty="0">
+                <a:solidFill>
+                  <a:srgbClr val="161616"/>
+                </a:solidFill>
+                <a:effectLst/>
+                <a:latin typeface="Segoe UI" panose="020B0502040204020203" pitchFamily="34" charset="0"/>
+              </a:rPr>
+              <a:t>Privately access services on the Azure platform</a:t>
+            </a:r>
+          </a:p>
+          <a:p>
+            <a:pPr algn="l">
+              <a:buFont typeface="Arial" panose="020B0604020202020204" pitchFamily="34" charset="0"/>
+              <a:buNone/>
+            </a:pPr>
+            <a:r>
+              <a:rPr lang="en-US" b="0" i="0" dirty="0">
+                <a:solidFill>
+                  <a:srgbClr val="161616"/>
+                </a:solidFill>
+                <a:effectLst/>
+                <a:latin typeface="Segoe UI" panose="020B0502040204020203" pitchFamily="34" charset="0"/>
+              </a:rPr>
+              <a:t>Connect your virtual network using private endpoints to all services that can be used as application components in Azure. Service providers can render their services in their own virtual network and consumers can access those services in their local virtual network. The Private Link platform will handle the connectivity between the consumer and services over the Azure backbone network.</a:t>
+            </a:r>
+          </a:p>
+          <a:p>
+            <a:pPr algn="l">
+              <a:buFont typeface="Arial" panose="020B0604020202020204" pitchFamily="34" charset="0"/>
+              <a:buNone/>
+            </a:pPr>
+            <a:endParaRPr lang="en-US" b="1" i="0" dirty="0">
+              <a:solidFill>
+                <a:srgbClr val="161616"/>
+              </a:solidFill>
+              <a:effectLst/>
+              <a:latin typeface="Segoe UI" panose="020B0502040204020203" pitchFamily="34" charset="0"/>
+            </a:endParaRPr>
+          </a:p>
+          <a:p>
+            <a:pPr algn="l">
+              <a:buFont typeface="Arial" panose="020B0604020202020204" pitchFamily="34" charset="0"/>
+              <a:buNone/>
+            </a:pPr>
+            <a:r>
+              <a:rPr lang="en-US" b="1" i="0" dirty="0">
+                <a:solidFill>
+                  <a:srgbClr val="161616"/>
+                </a:solidFill>
+                <a:effectLst/>
+                <a:latin typeface="Segoe UI" panose="020B0502040204020203" pitchFamily="34" charset="0"/>
+              </a:rPr>
+              <a:t>On-premises and peered networks</a:t>
+            </a:r>
+          </a:p>
+          <a:p>
+            <a:pPr algn="l">
+              <a:buFont typeface="Arial" panose="020B0604020202020204" pitchFamily="34" charset="0"/>
+              <a:buNone/>
+            </a:pPr>
+            <a:r>
+              <a:rPr lang="en-US" b="0" i="0" dirty="0">
+                <a:solidFill>
+                  <a:srgbClr val="161616"/>
+                </a:solidFill>
+                <a:effectLst/>
+                <a:latin typeface="Segoe UI" panose="020B0502040204020203" pitchFamily="34" charset="0"/>
+              </a:rPr>
+              <a:t>Access services running in Azure from on-premises over ExpressRoute private peering, VPN tunnels, and peered virtual networks using private endpoints. There's no need to configure ExpressRoute Microsoft peering or traverse the internet to reach the service. Private Link provides a secure way to migrate workloads to Azure.</a:t>
+            </a:r>
+          </a:p>
+          <a:p>
+            <a:pPr algn="l">
+              <a:buFont typeface="Arial" panose="020B0604020202020204" pitchFamily="34" charset="0"/>
+              <a:buNone/>
+            </a:pPr>
+            <a:endParaRPr lang="en-US" b="1" i="0" dirty="0">
+              <a:solidFill>
+                <a:srgbClr val="161616"/>
+              </a:solidFill>
+              <a:effectLst/>
+              <a:latin typeface="Segoe UI" panose="020B0502040204020203" pitchFamily="34" charset="0"/>
+            </a:endParaRPr>
+          </a:p>
+          <a:p>
+            <a:pPr algn="l">
+              <a:buFont typeface="Arial" panose="020B0604020202020204" pitchFamily="34" charset="0"/>
+              <a:buNone/>
+            </a:pPr>
+            <a:r>
+              <a:rPr lang="en-US" b="1" i="0" dirty="0">
+                <a:solidFill>
+                  <a:srgbClr val="161616"/>
+                </a:solidFill>
+                <a:effectLst/>
+                <a:latin typeface="Segoe UI" panose="020B0502040204020203" pitchFamily="34" charset="0"/>
+              </a:rPr>
+              <a:t>Protection against data leakage</a:t>
+            </a:r>
+          </a:p>
+          <a:p>
+            <a:pPr algn="l">
+              <a:buFont typeface="Arial" panose="020B0604020202020204" pitchFamily="34" charset="0"/>
+              <a:buNone/>
+            </a:pPr>
+            <a:r>
+              <a:rPr lang="en-US" b="0" i="0" dirty="0">
+                <a:solidFill>
+                  <a:srgbClr val="161616"/>
+                </a:solidFill>
+                <a:effectLst/>
+                <a:latin typeface="Segoe UI" panose="020B0502040204020203" pitchFamily="34" charset="0"/>
+              </a:rPr>
+              <a:t>A private endpoint is mapped to an instance of a PaaS resource instead of the entire service. Consumers can only connect to the specific resource. Access to any other resource in the service is blocked. This mechanism provides protection against data leakage risks.</a:t>
+            </a:r>
+          </a:p>
+          <a:p>
+            <a:pPr algn="l">
+              <a:buFont typeface="Arial" panose="020B0604020202020204" pitchFamily="34" charset="0"/>
+              <a:buNone/>
+            </a:pPr>
+            <a:endParaRPr lang="en-US" b="1" i="0" dirty="0">
+              <a:solidFill>
+                <a:srgbClr val="161616"/>
+              </a:solidFill>
+              <a:effectLst/>
+              <a:latin typeface="Segoe UI" panose="020B0502040204020203" pitchFamily="34" charset="0"/>
+            </a:endParaRPr>
+          </a:p>
+          <a:p>
+            <a:pPr algn="l">
+              <a:buFont typeface="Arial" panose="020B0604020202020204" pitchFamily="34" charset="0"/>
+              <a:buNone/>
+            </a:pPr>
+            <a:r>
+              <a:rPr lang="en-US" b="1" i="0" dirty="0">
+                <a:solidFill>
+                  <a:srgbClr val="161616"/>
+                </a:solidFill>
+                <a:effectLst/>
+                <a:latin typeface="Segoe UI" panose="020B0502040204020203" pitchFamily="34" charset="0"/>
+              </a:rPr>
+              <a:t>Extend to your own services</a:t>
+            </a:r>
+          </a:p>
+          <a:p>
+            <a:pPr algn="l">
+              <a:buFont typeface="Arial" panose="020B0604020202020204" pitchFamily="34" charset="0"/>
+              <a:buNone/>
+            </a:pPr>
+            <a:r>
+              <a:rPr lang="en-US" b="0" i="0" dirty="0">
+                <a:solidFill>
+                  <a:srgbClr val="161616"/>
+                </a:solidFill>
+                <a:effectLst/>
+                <a:latin typeface="Segoe UI" panose="020B0502040204020203" pitchFamily="34" charset="0"/>
+              </a:rPr>
+              <a:t>Enable the same experience and functionality to render your service privately to consumers in Azure. By placing your service behind a standard Azure Load Balancer, you can enable it for Private Link. The consumer can then connect directly to your service using a private endpoint in their own virtual network. You can manage the connection requests using an approval call flow. Azure Private Link works for consumers and services belonging to different Azure Active Directory tenants.</a:t>
+            </a:r>
+          </a:p>
+          <a:p>
+            <a:pPr algn="l"/>
+            <a:endParaRPr lang="en-US" b="0" i="0" dirty="0">
+              <a:solidFill>
+                <a:srgbClr val="161616"/>
+              </a:solidFill>
+              <a:effectLst/>
+              <a:latin typeface="Segoe UI" panose="020B0502040204020203" pitchFamily="34" charset="0"/>
+            </a:endParaRPr>
+          </a:p>
+          <a:p>
+            <a:pPr algn="l"/>
+            <a:endParaRPr lang="en-US" b="0" i="0" dirty="0">
+              <a:solidFill>
+                <a:srgbClr val="161616"/>
+              </a:solidFill>
+              <a:effectLst/>
+              <a:latin typeface="Segoe UI" panose="020B0502040204020203" pitchFamily="34" charset="0"/>
+            </a:endParaRPr>
+          </a:p>
+          <a:p>
+            <a:pPr marL="0" marR="0" lvl="0" indent="0" algn="l" defTabSz="914400" rtl="0" eaLnBrk="1" fontAlgn="auto" latinLnBrk="0" hangingPunct="1">
+              <a:lnSpc>
+                <a:spcPct val="100000"/>
+              </a:lnSpc>
               <a:spcBef>
                 <a:spcPts val="0"/>
               </a:spcBef>
               <a:spcAft>
                 <a:spcPts val="0"/>
               </a:spcAft>
+              <a:buClrTx/>
+              <a:buSzTx/>
+              <a:buFontTx/>
               <a:buNone/>
+              <a:tabLst/>
+              <a:defRPr/>
             </a:pPr>
-            <a:endParaRPr/>
+            <a:r>
+              <a:rPr lang="en-US" b="0" i="0" dirty="0">
+                <a:solidFill>
+                  <a:srgbClr val="161616"/>
+                </a:solidFill>
+                <a:effectLst/>
+                <a:latin typeface="Segoe UI" panose="020B0502040204020203" pitchFamily="34" charset="0"/>
+              </a:rPr>
+              <a:t>You can use </a:t>
+            </a:r>
+            <a:r>
+              <a:rPr lang="en-US" b="0" i="0" u="none" strike="noStrike" dirty="0">
+                <a:effectLst/>
+                <a:latin typeface="Segoe UI" panose="020B0502040204020203" pitchFamily="34" charset="0"/>
+                <a:hlinkClick r:id="rId3"/>
+              </a:rPr>
+              <a:t>private endpoints</a:t>
+            </a:r>
+            <a:r>
+              <a:rPr lang="en-US" b="0" i="0" dirty="0">
+                <a:solidFill>
+                  <a:srgbClr val="161616"/>
+                </a:solidFill>
+                <a:effectLst/>
+                <a:latin typeface="Segoe UI" panose="020B0502040204020203" pitchFamily="34" charset="0"/>
+              </a:rPr>
+              <a:t> for your Azure Storage accounts to allow clients on a virtual network (VNet) to securely access data over a </a:t>
+            </a:r>
+            <a:r>
+              <a:rPr lang="en-US" b="0" i="0" u="none" strike="noStrike" dirty="0">
+                <a:effectLst/>
+                <a:latin typeface="Segoe UI" panose="020B0502040204020203" pitchFamily="34" charset="0"/>
+                <a:hlinkClick r:id="rId4"/>
+              </a:rPr>
+              <a:t>Private Link</a:t>
+            </a:r>
+            <a:r>
+              <a:rPr lang="en-US" b="0" i="0" dirty="0">
+                <a:solidFill>
+                  <a:srgbClr val="161616"/>
+                </a:solidFill>
+                <a:effectLst/>
+                <a:latin typeface="Segoe UI" panose="020B0502040204020203" pitchFamily="34" charset="0"/>
+              </a:rPr>
+              <a:t>. The private endpoint uses a separate IP address from the VNet address space for each storage account service. Network traffic between the clients on the VNet and the storage account traverses over the VNet and a private link on the Microsoft backbone network, eliminating exposure from the public internet.</a:t>
+            </a:r>
+            <a:endParaRPr lang="nb-NO" dirty="0"/>
+          </a:p>
+          <a:p>
+            <a:pPr algn="l"/>
+            <a:endParaRPr lang="en-US" b="0" i="0" dirty="0">
+              <a:solidFill>
+                <a:srgbClr val="161616"/>
+              </a:solidFill>
+              <a:effectLst/>
+              <a:latin typeface="Segoe UI" panose="020B0502040204020203" pitchFamily="34" charset="0"/>
+            </a:endParaRPr>
+          </a:p>
+          <a:p>
+            <a:pPr algn="l"/>
+            <a:endParaRPr lang="en-US" b="0" i="0" dirty="0">
+              <a:solidFill>
+                <a:srgbClr val="161616"/>
+              </a:solidFill>
+              <a:effectLst/>
+              <a:latin typeface="Segoe UI" panose="020B0502040204020203" pitchFamily="34" charset="0"/>
+            </a:endParaRPr>
+          </a:p>
+          <a:p>
+            <a:pPr algn="l"/>
+            <a:r>
+              <a:rPr lang="en-US" b="0" i="0" dirty="0">
+                <a:solidFill>
+                  <a:srgbClr val="161616"/>
+                </a:solidFill>
+                <a:effectLst/>
+                <a:latin typeface="Segoe UI" panose="020B0502040204020203" pitchFamily="34" charset="0"/>
+              </a:rPr>
+              <a:t>Exposing your service to the public internet is no longer necessary. You can create your own </a:t>
+            </a:r>
+            <a:r>
+              <a:rPr lang="en-US" b="0" i="0" u="none" strike="noStrike" dirty="0">
+                <a:solidFill>
+                  <a:srgbClr val="161616"/>
+                </a:solidFill>
+                <a:effectLst/>
+                <a:latin typeface="Segoe UI" panose="020B0502040204020203" pitchFamily="34" charset="0"/>
+                <a:hlinkClick r:id="rId5"/>
+              </a:rPr>
+              <a:t>private link service</a:t>
+            </a:r>
+            <a:r>
+              <a:rPr lang="en-US" b="0" i="0" dirty="0">
+                <a:solidFill>
+                  <a:srgbClr val="161616"/>
+                </a:solidFill>
+                <a:effectLst/>
+                <a:latin typeface="Segoe UI" panose="020B0502040204020203" pitchFamily="34" charset="0"/>
+              </a:rPr>
+              <a:t> in your virtual network and deliver it to your customers. </a:t>
+            </a:r>
+          </a:p>
+          <a:p>
+            <a:endParaRPr lang="en-US" dirty="0"/>
+          </a:p>
+        </p:txBody>
+      </p:sp>
+      <p:sp>
+        <p:nvSpPr>
+          <p:cNvPr id="4" name="Slide Number Placeholder 3"/>
+          <p:cNvSpPr>
+            <a:spLocks noGrp="1"/>
+          </p:cNvSpPr>
+          <p:nvPr>
+            <p:ph type="sldNum" sz="quarter" idx="5"/>
+          </p:nvPr>
+        </p:nvSpPr>
+        <p:spPr/>
+        <p:txBody>
+          <a:bodyPr/>
+          <a:lstStyle/>
+          <a:p>
+            <a:fld id="{FB3A52E1-8A48-429C-8A5A-7D4445DBC12D}" type="slidenum">
+              <a:rPr lang="nb-NO" smtClean="0"/>
+              <a:t>18</a:t>
+            </a:fld>
+            <a:endParaRPr lang="nb-NO"/>
           </a:p>
         </p:txBody>
       </p:sp>
     </p:spTree>
     <p:extLst>
       <p:ext uri="{BB962C8B-B14F-4D97-AF65-F5344CB8AC3E}">
-        <p14:creationId xmlns:p14="http://schemas.microsoft.com/office/powerpoint/2010/main" val="172796591"/>
+        <p14:creationId xmlns:p14="http://schemas.microsoft.com/office/powerpoint/2010/main" val="899526221"/>
       </p:ext>
     </p:extLst>
   </p:cSld>
@@ -723,12 +1089,12 @@
 </p:notes>
 </file>
 
-<file path=ppt/notesSlides/notesSlide3.xml><?xml version="1.0" encoding="utf-8"?>
-<p:notes xmlns:a="http://schemas.openxmlformats.org/drawingml/2006/main" xmlns:r="http://schemas.openxmlformats.org/officeDocument/2006/relationships" xmlns:p="http://schemas.openxmlformats.org/presentationml/2006/main" showMasterSp="0" showMasterPhAnim="0">
+<file path=ppt/notesSlides/notesSlide11.xml><?xml version="1.0" encoding="utf-8"?>
+<p:notes xmlns:a="http://schemas.openxmlformats.org/drawingml/2006/main" xmlns:r="http://schemas.openxmlformats.org/officeDocument/2006/relationships" xmlns:p="http://schemas.openxmlformats.org/presentationml/2006/main">
   <p:cSld>
     <p:spTree>
       <p:nvGrpSpPr>
-        <p:cNvPr id="1" name="Shape 64"/>
+        <p:cNvPr id="1" name=""/>
         <p:cNvGrpSpPr/>
         <p:nvPr/>
       </p:nvGrpSpPr>
@@ -742,87 +1108,79 @@
       </p:grpSpPr>
       <p:sp>
         <p:nvSpPr>
-          <p:cNvPr id="65" name="Google Shape;65;g7fd950372b_1_3:notes"/>
+          <p:cNvPr id="2" name="Slide Image Placeholder 1"/>
           <p:cNvSpPr>
             <a:spLocks noGrp="1" noRot="1" noChangeAspect="1"/>
           </p:cNvSpPr>
           <p:nvPr>
-            <p:ph type="sldImg" idx="2"/>
+            <p:ph type="sldImg"/>
           </p:nvPr>
         </p:nvSpPr>
-        <p:spPr>
-          <a:xfrm>
-            <a:off x="381000" y="685800"/>
-            <a:ext cx="6096000" cy="3429000"/>
-          </a:xfrm>
-          <a:custGeom>
-            <a:avLst/>
-            <a:gdLst/>
-            <a:ahLst/>
-            <a:cxnLst/>
-            <a:rect l="l" t="t" r="r" b="b"/>
-            <a:pathLst>
-              <a:path w="120000" h="120000" extrusionOk="0">
-                <a:moveTo>
-                  <a:pt x="0" y="0"/>
-                </a:moveTo>
-                <a:lnTo>
-                  <a:pt x="120000" y="0"/>
-                </a:lnTo>
-                <a:lnTo>
-                  <a:pt x="120000" y="120000"/>
-                </a:lnTo>
-                <a:lnTo>
-                  <a:pt x="0" y="120000"/>
-                </a:lnTo>
-                <a:close/>
-              </a:path>
-            </a:pathLst>
-          </a:custGeom>
-        </p:spPr>
-      </p:sp>
-      <p:sp>
-        <p:nvSpPr>
-          <p:cNvPr id="66" name="Google Shape;66;g7fd950372b_1_3:notes"/>
-          <p:cNvSpPr txBox="1">
+        <p:spPr/>
+      </p:sp>
+      <p:sp>
+        <p:nvSpPr>
+          <p:cNvPr id="3" name="Notes Placeholder 2"/>
+          <p:cNvSpPr>
             <a:spLocks noGrp="1"/>
           </p:cNvSpPr>
           <p:nvPr>
             <p:ph type="body" idx="1"/>
           </p:nvPr>
         </p:nvSpPr>
-        <p:spPr>
-          <a:xfrm>
-            <a:off x="685800" y="4343400"/>
-            <a:ext cx="5486400" cy="4114800"/>
-          </a:xfrm>
-          <a:prstGeom prst="rect">
-            <a:avLst/>
-          </a:prstGeom>
-        </p:spPr>
+        <p:spPr/>
         <p:txBody>
-          <a:bodyPr spcFirstLastPara="1" wrap="square" lIns="91425" tIns="91425" rIns="91425" bIns="91425" anchor="t" anchorCtr="0">
-            <a:noAutofit/>
-          </a:bodyPr>
+          <a:bodyPr/>
           <a:lstStyle/>
           <a:p>
-            <a:pPr marL="0" lvl="0" indent="0" algn="l" rtl="0">
+            <a:pPr marL="0" marR="0" lvl="0" indent="0" algn="l" defTabSz="914400" rtl="0" eaLnBrk="1" fontAlgn="auto" latinLnBrk="0" hangingPunct="1">
+              <a:lnSpc>
+                <a:spcPct val="100000"/>
+              </a:lnSpc>
               <a:spcBef>
                 <a:spcPts val="0"/>
               </a:spcBef>
               <a:spcAft>
                 <a:spcPts val="0"/>
               </a:spcAft>
+              <a:buClrTx/>
+              <a:buSzTx/>
+              <a:buFontTx/>
               <a:buNone/>
+              <a:tabLst/>
+              <a:defRPr/>
             </a:pPr>
-            <a:endParaRPr dirty="0"/>
+            <a:endParaRPr lang="en-US" dirty="0"/>
+          </a:p>
+        </p:txBody>
+      </p:sp>
+      <p:sp>
+        <p:nvSpPr>
+          <p:cNvPr id="4" name="Slide Number Placeholder 3"/>
+          <p:cNvSpPr>
+            <a:spLocks noGrp="1"/>
+          </p:cNvSpPr>
+          <p:nvPr>
+            <p:ph type="sldNum" sz="quarter" idx="5"/>
+          </p:nvPr>
+        </p:nvSpPr>
+        <p:spPr/>
+        <p:txBody>
+          <a:bodyPr/>
+          <a:lstStyle/>
+          <a:p>
+            <a:fld id="{FB3A52E1-8A48-429C-8A5A-7D4445DBC12D}" type="slidenum">
+              <a:rPr lang="nb-NO" smtClean="0"/>
+              <a:t>19</a:t>
+            </a:fld>
+            <a:endParaRPr lang="nb-NO"/>
           </a:p>
         </p:txBody>
       </p:sp>
     </p:spTree>
     <p:extLst>
       <p:ext uri="{BB962C8B-B14F-4D97-AF65-F5344CB8AC3E}">
-        <p14:creationId xmlns:p14="http://schemas.microsoft.com/office/powerpoint/2010/main" val="2849217478"/>
+        <p14:creationId xmlns:p14="http://schemas.microsoft.com/office/powerpoint/2010/main" val="3464616183"/>
       </p:ext>
     </p:extLst>
   </p:cSld>
@@ -832,7 +1190,91 @@
 </p:notes>
 </file>
 
-<file path=ppt/notesSlides/notesSlide4.xml><?xml version="1.0" encoding="utf-8"?>
+<file path=ppt/notesSlides/notesSlide12.xml><?xml version="1.0" encoding="utf-8"?>
+<p:notes xmlns:a="http://schemas.openxmlformats.org/drawingml/2006/main" xmlns:r="http://schemas.openxmlformats.org/officeDocument/2006/relationships" xmlns:p="http://schemas.openxmlformats.org/presentationml/2006/main">
+  <p:cSld>
+    <p:spTree>
+      <p:nvGrpSpPr>
+        <p:cNvPr id="1" name=""/>
+        <p:cNvGrpSpPr/>
+        <p:nvPr/>
+      </p:nvGrpSpPr>
+      <p:grpSpPr>
+        <a:xfrm>
+          <a:off x="0" y="0"/>
+          <a:ext cx="0" cy="0"/>
+          <a:chOff x="0" y="0"/>
+          <a:chExt cx="0" cy="0"/>
+        </a:xfrm>
+      </p:grpSpPr>
+      <p:sp>
+        <p:nvSpPr>
+          <p:cNvPr id="2" name="Slide Image Placeholder 1"/>
+          <p:cNvSpPr>
+            <a:spLocks noGrp="1" noRot="1" noChangeAspect="1"/>
+          </p:cNvSpPr>
+          <p:nvPr>
+            <p:ph type="sldImg"/>
+          </p:nvPr>
+        </p:nvSpPr>
+        <p:spPr/>
+      </p:sp>
+      <p:sp>
+        <p:nvSpPr>
+          <p:cNvPr id="3" name="Notes Placeholder 2"/>
+          <p:cNvSpPr>
+            <a:spLocks noGrp="1"/>
+          </p:cNvSpPr>
+          <p:nvPr>
+            <p:ph type="body" idx="1"/>
+          </p:nvPr>
+        </p:nvSpPr>
+        <p:spPr/>
+        <p:txBody>
+          <a:bodyPr/>
+          <a:lstStyle/>
+          <a:p>
+            <a:endParaRPr lang="en-US" dirty="0"/>
+          </a:p>
+        </p:txBody>
+      </p:sp>
+      <p:sp>
+        <p:nvSpPr>
+          <p:cNvPr id="4" name="Slide Number Placeholder 3"/>
+          <p:cNvSpPr>
+            <a:spLocks noGrp="1"/>
+          </p:cNvSpPr>
+          <p:nvPr>
+            <p:ph type="sldNum" sz="quarter" idx="5"/>
+          </p:nvPr>
+        </p:nvSpPr>
+        <p:spPr/>
+        <p:txBody>
+          <a:bodyPr/>
+          <a:lstStyle/>
+          <a:p>
+            <a:fld id="{FB3A52E1-8A48-429C-8A5A-7D4445DBC12D}" type="slidenum">
+              <a:rPr lang="nb-NO" smtClean="0"/>
+              <a:t>20</a:t>
+            </a:fld>
+            <a:endParaRPr lang="nb-NO"/>
+          </a:p>
+        </p:txBody>
+      </p:sp>
+    </p:spTree>
+    <p:extLst>
+      <p:ext uri="{BB962C8B-B14F-4D97-AF65-F5344CB8AC3E}">
+        <p14:creationId xmlns:p14="http://schemas.microsoft.com/office/powerpoint/2010/main" val="2845903844"/>
+      </p:ext>
+    </p:extLst>
+  </p:cSld>
+  <p:clrMapOvr>
+    <a:masterClrMapping/>
+  </p:clrMapOvr>
+</p:notes>
+</file>
+
+<file path=ppt/notesSlides/notesSlide13.xml><?xml version="1.0" encoding="utf-8"?>
 <p:notes xmlns:a="http://schemas.openxmlformats.org/drawingml/2006/main" xmlns:r="http://schemas.openxmlformats.org/officeDocument/2006/relationships" xmlns:p="http://schemas.openxmlformats.org/presentationml/2006/main">
   <p:cSld>
     <p:spTree>
@@ -944,7 +1386,7 @@
                 <a:tabLst/>
                 <a:defRPr/>
               </a:pPr>
-              <a:t>6</a:t>
+              <a:t>23</a:t>
             </a:fld>
             <a:endParaRPr kumimoji="0" lang="en-US" sz="1200" b="0" i="0" u="none" strike="noStrike" kern="1200" cap="none" spc="0" normalizeH="0" baseline="0" noProof="0">
               <a:ln>
@@ -967,6 +1409,946 @@
     <p:extLst>
       <p:ext uri="{BB962C8B-B14F-4D97-AF65-F5344CB8AC3E}">
         <p14:creationId xmlns:p14="http://schemas.microsoft.com/office/powerpoint/2010/main" val="3859227199"/>
+      </p:ext>
+    </p:extLst>
+  </p:cSld>
+  <p:clrMapOvr>
+    <a:masterClrMapping/>
+  </p:clrMapOvr>
+</p:notes>
+</file>
+
+<file path=ppt/notesSlides/notesSlide2.xml><?xml version="1.0" encoding="utf-8"?>
+<p:notes xmlns:a="http://schemas.openxmlformats.org/drawingml/2006/main" xmlns:r="http://schemas.openxmlformats.org/officeDocument/2006/relationships" xmlns:p="http://schemas.openxmlformats.org/presentationml/2006/main" showMasterSp="0" showMasterPhAnim="0">
+  <p:cSld>
+    <p:spTree>
+      <p:nvGrpSpPr>
+        <p:cNvPr id="1" name="Shape 64"/>
+        <p:cNvGrpSpPr/>
+        <p:nvPr/>
+      </p:nvGrpSpPr>
+      <p:grpSpPr>
+        <a:xfrm>
+          <a:off x="0" y="0"/>
+          <a:ext cx="0" cy="0"/>
+          <a:chOff x="0" y="0"/>
+          <a:chExt cx="0" cy="0"/>
+        </a:xfrm>
+      </p:grpSpPr>
+      <p:sp>
+        <p:nvSpPr>
+          <p:cNvPr id="65" name="Google Shape;65;g7fd950372b_1_3:notes"/>
+          <p:cNvSpPr>
+            <a:spLocks noGrp="1" noRot="1" noChangeAspect="1"/>
+          </p:cNvSpPr>
+          <p:nvPr>
+            <p:ph type="sldImg" idx="2"/>
+          </p:nvPr>
+        </p:nvSpPr>
+        <p:spPr>
+          <a:xfrm>
+            <a:off x="381000" y="685800"/>
+            <a:ext cx="6096000" cy="3429000"/>
+          </a:xfrm>
+          <a:custGeom>
+            <a:avLst/>
+            <a:gdLst/>
+            <a:ahLst/>
+            <a:cxnLst/>
+            <a:rect l="l" t="t" r="r" b="b"/>
+            <a:pathLst>
+              <a:path w="120000" h="120000" extrusionOk="0">
+                <a:moveTo>
+                  <a:pt x="0" y="0"/>
+                </a:moveTo>
+                <a:lnTo>
+                  <a:pt x="120000" y="0"/>
+                </a:lnTo>
+                <a:lnTo>
+                  <a:pt x="120000" y="120000"/>
+                </a:lnTo>
+                <a:lnTo>
+                  <a:pt x="0" y="120000"/>
+                </a:lnTo>
+                <a:close/>
+              </a:path>
+            </a:pathLst>
+          </a:custGeom>
+        </p:spPr>
+      </p:sp>
+      <p:sp>
+        <p:nvSpPr>
+          <p:cNvPr id="66" name="Google Shape;66;g7fd950372b_1_3:notes"/>
+          <p:cNvSpPr txBox="1">
+            <a:spLocks noGrp="1"/>
+          </p:cNvSpPr>
+          <p:nvPr>
+            <p:ph type="body" idx="1"/>
+          </p:nvPr>
+        </p:nvSpPr>
+        <p:spPr>
+          <a:xfrm>
+            <a:off x="685800" y="4343400"/>
+            <a:ext cx="5486400" cy="4114800"/>
+          </a:xfrm>
+          <a:prstGeom prst="rect">
+            <a:avLst/>
+          </a:prstGeom>
+        </p:spPr>
+        <p:txBody>
+          <a:bodyPr spcFirstLastPara="1" wrap="square" lIns="91425" tIns="91425" rIns="91425" bIns="91425" anchor="t" anchorCtr="0">
+            <a:noAutofit/>
+          </a:bodyPr>
+          <a:lstStyle/>
+          <a:p>
+            <a:pPr marL="0" lvl="0" indent="0" algn="l" rtl="0">
+              <a:spcBef>
+                <a:spcPts val="0"/>
+              </a:spcBef>
+              <a:spcAft>
+                <a:spcPts val="0"/>
+              </a:spcAft>
+              <a:buNone/>
+            </a:pPr>
+            <a:endParaRPr/>
+          </a:p>
+        </p:txBody>
+      </p:sp>
+    </p:spTree>
+    <p:extLst>
+      <p:ext uri="{BB962C8B-B14F-4D97-AF65-F5344CB8AC3E}">
+        <p14:creationId xmlns:p14="http://schemas.microsoft.com/office/powerpoint/2010/main" val="172796591"/>
+      </p:ext>
+    </p:extLst>
+  </p:cSld>
+  <p:clrMapOvr>
+    <a:masterClrMapping/>
+  </p:clrMapOvr>
+</p:notes>
+</file>
+
+<file path=ppt/notesSlides/notesSlide3.xml><?xml version="1.0" encoding="utf-8"?>
+<p:notes xmlns:a="http://schemas.openxmlformats.org/drawingml/2006/main" xmlns:r="http://schemas.openxmlformats.org/officeDocument/2006/relationships" xmlns:p="http://schemas.openxmlformats.org/presentationml/2006/main" showMasterSp="0" showMasterPhAnim="0">
+  <p:cSld>
+    <p:spTree>
+      <p:nvGrpSpPr>
+        <p:cNvPr id="1" name="Shape 64"/>
+        <p:cNvGrpSpPr/>
+        <p:nvPr/>
+      </p:nvGrpSpPr>
+      <p:grpSpPr>
+        <a:xfrm>
+          <a:off x="0" y="0"/>
+          <a:ext cx="0" cy="0"/>
+          <a:chOff x="0" y="0"/>
+          <a:chExt cx="0" cy="0"/>
+        </a:xfrm>
+      </p:grpSpPr>
+      <p:sp>
+        <p:nvSpPr>
+          <p:cNvPr id="65" name="Google Shape;65;g7fd950372b_1_3:notes"/>
+          <p:cNvSpPr>
+            <a:spLocks noGrp="1" noRot="1" noChangeAspect="1"/>
+          </p:cNvSpPr>
+          <p:nvPr>
+            <p:ph type="sldImg" idx="2"/>
+          </p:nvPr>
+        </p:nvSpPr>
+        <p:spPr>
+          <a:xfrm>
+            <a:off x="381000" y="685800"/>
+            <a:ext cx="6096000" cy="3429000"/>
+          </a:xfrm>
+          <a:custGeom>
+            <a:avLst/>
+            <a:gdLst/>
+            <a:ahLst/>
+            <a:cxnLst/>
+            <a:rect l="l" t="t" r="r" b="b"/>
+            <a:pathLst>
+              <a:path w="120000" h="120000" extrusionOk="0">
+                <a:moveTo>
+                  <a:pt x="0" y="0"/>
+                </a:moveTo>
+                <a:lnTo>
+                  <a:pt x="120000" y="0"/>
+                </a:lnTo>
+                <a:lnTo>
+                  <a:pt x="120000" y="120000"/>
+                </a:lnTo>
+                <a:lnTo>
+                  <a:pt x="0" y="120000"/>
+                </a:lnTo>
+                <a:close/>
+              </a:path>
+            </a:pathLst>
+          </a:custGeom>
+        </p:spPr>
+      </p:sp>
+      <p:sp>
+        <p:nvSpPr>
+          <p:cNvPr id="66" name="Google Shape;66;g7fd950372b_1_3:notes"/>
+          <p:cNvSpPr txBox="1">
+            <a:spLocks noGrp="1"/>
+          </p:cNvSpPr>
+          <p:nvPr>
+            <p:ph type="body" idx="1"/>
+          </p:nvPr>
+        </p:nvSpPr>
+        <p:spPr>
+          <a:xfrm>
+            <a:off x="685800" y="4343400"/>
+            <a:ext cx="5486400" cy="4114800"/>
+          </a:xfrm>
+          <a:prstGeom prst="rect">
+            <a:avLst/>
+          </a:prstGeom>
+        </p:spPr>
+        <p:txBody>
+          <a:bodyPr spcFirstLastPara="1" wrap="square" lIns="91425" tIns="91425" rIns="91425" bIns="91425" anchor="t" anchorCtr="0">
+            <a:noAutofit/>
+          </a:bodyPr>
+          <a:lstStyle/>
+          <a:p>
+            <a:pPr marL="0" lvl="0" indent="0" algn="l" rtl="0">
+              <a:spcBef>
+                <a:spcPts val="0"/>
+              </a:spcBef>
+              <a:spcAft>
+                <a:spcPts val="0"/>
+              </a:spcAft>
+              <a:buNone/>
+            </a:pPr>
+            <a:endParaRPr dirty="0"/>
+          </a:p>
+        </p:txBody>
+      </p:sp>
+    </p:spTree>
+    <p:extLst>
+      <p:ext uri="{BB962C8B-B14F-4D97-AF65-F5344CB8AC3E}">
+        <p14:creationId xmlns:p14="http://schemas.microsoft.com/office/powerpoint/2010/main" val="2849217478"/>
+      </p:ext>
+    </p:extLst>
+  </p:cSld>
+  <p:clrMapOvr>
+    <a:masterClrMapping/>
+  </p:clrMapOvr>
+</p:notes>
+</file>
+
+<file path=ppt/notesSlides/notesSlide4.xml><?xml version="1.0" encoding="utf-8"?>
+<p:notes xmlns:a="http://schemas.openxmlformats.org/drawingml/2006/main" xmlns:r="http://schemas.openxmlformats.org/officeDocument/2006/relationships" xmlns:p="http://schemas.openxmlformats.org/presentationml/2006/main">
+  <p:cSld>
+    <p:spTree>
+      <p:nvGrpSpPr>
+        <p:cNvPr id="1" name=""/>
+        <p:cNvGrpSpPr/>
+        <p:nvPr/>
+      </p:nvGrpSpPr>
+      <p:grpSpPr>
+        <a:xfrm>
+          <a:off x="0" y="0"/>
+          <a:ext cx="0" cy="0"/>
+          <a:chOff x="0" y="0"/>
+          <a:chExt cx="0" cy="0"/>
+        </a:xfrm>
+      </p:grpSpPr>
+      <p:sp>
+        <p:nvSpPr>
+          <p:cNvPr id="2" name="Slide Image Placeholder 1"/>
+          <p:cNvSpPr>
+            <a:spLocks noGrp="1" noRot="1" noChangeAspect="1"/>
+          </p:cNvSpPr>
+          <p:nvPr>
+            <p:ph type="sldImg"/>
+          </p:nvPr>
+        </p:nvSpPr>
+        <p:spPr/>
+      </p:sp>
+      <p:sp>
+        <p:nvSpPr>
+          <p:cNvPr id="3" name="Notes Placeholder 2"/>
+          <p:cNvSpPr>
+            <a:spLocks noGrp="1"/>
+          </p:cNvSpPr>
+          <p:nvPr>
+            <p:ph type="body" idx="1"/>
+          </p:nvPr>
+        </p:nvSpPr>
+        <p:spPr/>
+        <p:txBody>
+          <a:bodyPr/>
+          <a:lstStyle/>
+          <a:p>
+            <a:r>
+              <a:rPr lang="en-US" b="0" i="0" dirty="0">
+                <a:solidFill>
+                  <a:srgbClr val="161616"/>
+                </a:solidFill>
+                <a:effectLst/>
+                <a:latin typeface="Segoe UI" panose="020B0502040204020203" pitchFamily="34" charset="0"/>
+              </a:rPr>
+              <a:t>Azure Virtual Network (VNet) is the fundamental building block for your private network in Azure. </a:t>
+            </a:r>
+          </a:p>
+          <a:p>
+            <a:r>
+              <a:rPr lang="en-US" b="0" i="0" dirty="0">
+                <a:solidFill>
+                  <a:srgbClr val="161616"/>
+                </a:solidFill>
+                <a:effectLst/>
+                <a:latin typeface="Segoe UI" panose="020B0502040204020203" pitchFamily="34" charset="0"/>
+              </a:rPr>
+              <a:t>VNet enables many types of Azure resources, such as Azure Virtual Machines (VM), to securely communicate with each other, the internet, and on-premises networks. </a:t>
+            </a:r>
+          </a:p>
+          <a:p>
+            <a:r>
+              <a:rPr lang="en-US" b="0" i="0" dirty="0">
+                <a:solidFill>
+                  <a:srgbClr val="161616"/>
+                </a:solidFill>
+                <a:effectLst/>
+                <a:latin typeface="Segoe UI" panose="020B0502040204020203" pitchFamily="34" charset="0"/>
+              </a:rPr>
+              <a:t>VNet is similar to a traditional network that you'd operate in your own data center, but brings with it additional benefits of Azure's infrastructure such as scale, availability, and isolation.</a:t>
+            </a:r>
+            <a:endParaRPr lang="nb-NO" dirty="0"/>
+          </a:p>
+          <a:p>
+            <a:endParaRPr lang="nb-NO" dirty="0"/>
+          </a:p>
+          <a:p>
+            <a:endParaRPr lang="en-US" dirty="0"/>
+          </a:p>
+        </p:txBody>
+      </p:sp>
+      <p:sp>
+        <p:nvSpPr>
+          <p:cNvPr id="4" name="Slide Number Placeholder 3"/>
+          <p:cNvSpPr>
+            <a:spLocks noGrp="1"/>
+          </p:cNvSpPr>
+          <p:nvPr>
+            <p:ph type="sldNum" sz="quarter" idx="5"/>
+          </p:nvPr>
+        </p:nvSpPr>
+        <p:spPr/>
+        <p:txBody>
+          <a:bodyPr/>
+          <a:lstStyle/>
+          <a:p>
+            <a:fld id="{FB3A52E1-8A48-429C-8A5A-7D4445DBC12D}" type="slidenum">
+              <a:rPr lang="nb-NO" smtClean="0"/>
+              <a:t>7</a:t>
+            </a:fld>
+            <a:endParaRPr lang="nb-NO"/>
+          </a:p>
+        </p:txBody>
+      </p:sp>
+    </p:spTree>
+    <p:extLst>
+      <p:ext uri="{BB962C8B-B14F-4D97-AF65-F5344CB8AC3E}">
+        <p14:creationId xmlns:p14="http://schemas.microsoft.com/office/powerpoint/2010/main" val="972816064"/>
+      </p:ext>
+    </p:extLst>
+  </p:cSld>
+  <p:clrMapOvr>
+    <a:masterClrMapping/>
+  </p:clrMapOvr>
+</p:notes>
+</file>
+
+<file path=ppt/notesSlides/notesSlide5.xml><?xml version="1.0" encoding="utf-8"?>
+<p:notes xmlns:a="http://schemas.openxmlformats.org/drawingml/2006/main" xmlns:r="http://schemas.openxmlformats.org/officeDocument/2006/relationships" xmlns:p="http://schemas.openxmlformats.org/presentationml/2006/main">
+  <p:cSld>
+    <p:spTree>
+      <p:nvGrpSpPr>
+        <p:cNvPr id="1" name=""/>
+        <p:cNvGrpSpPr/>
+        <p:nvPr/>
+      </p:nvGrpSpPr>
+      <p:grpSpPr>
+        <a:xfrm>
+          <a:off x="0" y="0"/>
+          <a:ext cx="0" cy="0"/>
+          <a:chOff x="0" y="0"/>
+          <a:chExt cx="0" cy="0"/>
+        </a:xfrm>
+      </p:grpSpPr>
+      <p:sp>
+        <p:nvSpPr>
+          <p:cNvPr id="2" name="Slide Image Placeholder 1"/>
+          <p:cNvSpPr>
+            <a:spLocks noGrp="1" noRot="1" noChangeAspect="1"/>
+          </p:cNvSpPr>
+          <p:nvPr>
+            <p:ph type="sldImg"/>
+          </p:nvPr>
+        </p:nvSpPr>
+        <p:spPr/>
+      </p:sp>
+      <p:sp>
+        <p:nvSpPr>
+          <p:cNvPr id="3" name="Notes Placeholder 2"/>
+          <p:cNvSpPr>
+            <a:spLocks noGrp="1"/>
+          </p:cNvSpPr>
+          <p:nvPr>
+            <p:ph type="body" idx="1"/>
+          </p:nvPr>
+        </p:nvSpPr>
+        <p:spPr/>
+        <p:txBody>
+          <a:bodyPr/>
+          <a:lstStyle/>
+          <a:p>
+            <a:r>
+              <a:rPr lang="nb-NO" dirty="0"/>
+              <a:t>https://learn.microsoft.com/en-us/azure/vpn-gateway/vpn-gateway-about-vpngateways</a:t>
+            </a:r>
+          </a:p>
+          <a:p>
+            <a:endParaRPr lang="nb-NO" dirty="0"/>
+          </a:p>
+          <a:p>
+            <a:r>
+              <a:rPr lang="en-US" b="0" i="0" dirty="0">
+                <a:solidFill>
+                  <a:srgbClr val="161616"/>
+                </a:solidFill>
+                <a:effectLst/>
+                <a:latin typeface="Segoe UI" panose="020B0502040204020203" pitchFamily="34" charset="0"/>
+              </a:rPr>
+              <a:t>Azure VPN Gateway is a service that uses a specific type of virtual network gateway to send encrypted traffic between an Azure virtual network and on-premises locations over the public Internet. You can also use VPN Gateway to send encrypted traffic between Azure virtual networks over the Microsoft network. </a:t>
+            </a:r>
+            <a:endParaRPr lang="nb-NO" dirty="0"/>
+          </a:p>
+          <a:p>
+            <a:endParaRPr lang="nb-NO" dirty="0"/>
+          </a:p>
+          <a:p>
+            <a:endParaRPr lang="en-US" dirty="0"/>
+          </a:p>
+        </p:txBody>
+      </p:sp>
+      <p:sp>
+        <p:nvSpPr>
+          <p:cNvPr id="4" name="Slide Number Placeholder 3"/>
+          <p:cNvSpPr>
+            <a:spLocks noGrp="1"/>
+          </p:cNvSpPr>
+          <p:nvPr>
+            <p:ph type="sldNum" sz="quarter" idx="5"/>
+          </p:nvPr>
+        </p:nvSpPr>
+        <p:spPr/>
+        <p:txBody>
+          <a:bodyPr/>
+          <a:lstStyle/>
+          <a:p>
+            <a:fld id="{FB3A52E1-8A48-429C-8A5A-7D4445DBC12D}" type="slidenum">
+              <a:rPr lang="nb-NO" smtClean="0"/>
+              <a:t>11</a:t>
+            </a:fld>
+            <a:endParaRPr lang="nb-NO"/>
+          </a:p>
+        </p:txBody>
+      </p:sp>
+    </p:spTree>
+    <p:extLst>
+      <p:ext uri="{BB962C8B-B14F-4D97-AF65-F5344CB8AC3E}">
+        <p14:creationId xmlns:p14="http://schemas.microsoft.com/office/powerpoint/2010/main" val="1660883605"/>
+      </p:ext>
+    </p:extLst>
+  </p:cSld>
+  <p:clrMapOvr>
+    <a:masterClrMapping/>
+  </p:clrMapOvr>
+</p:notes>
+</file>
+
+<file path=ppt/notesSlides/notesSlide6.xml><?xml version="1.0" encoding="utf-8"?>
+<p:notes xmlns:a="http://schemas.openxmlformats.org/drawingml/2006/main" xmlns:r="http://schemas.openxmlformats.org/officeDocument/2006/relationships" xmlns:p="http://schemas.openxmlformats.org/presentationml/2006/main">
+  <p:cSld>
+    <p:spTree>
+      <p:nvGrpSpPr>
+        <p:cNvPr id="1" name=""/>
+        <p:cNvGrpSpPr/>
+        <p:nvPr/>
+      </p:nvGrpSpPr>
+      <p:grpSpPr>
+        <a:xfrm>
+          <a:off x="0" y="0"/>
+          <a:ext cx="0" cy="0"/>
+          <a:chOff x="0" y="0"/>
+          <a:chExt cx="0" cy="0"/>
+        </a:xfrm>
+      </p:grpSpPr>
+      <p:sp>
+        <p:nvSpPr>
+          <p:cNvPr id="2" name="Slide Image Placeholder 1"/>
+          <p:cNvSpPr>
+            <a:spLocks noGrp="1" noRot="1" noChangeAspect="1"/>
+          </p:cNvSpPr>
+          <p:nvPr>
+            <p:ph type="sldImg"/>
+          </p:nvPr>
+        </p:nvSpPr>
+        <p:spPr/>
+      </p:sp>
+      <p:sp>
+        <p:nvSpPr>
+          <p:cNvPr id="3" name="Notes Placeholder 2"/>
+          <p:cNvSpPr>
+            <a:spLocks noGrp="1"/>
+          </p:cNvSpPr>
+          <p:nvPr>
+            <p:ph type="body" idx="1"/>
+          </p:nvPr>
+        </p:nvSpPr>
+        <p:spPr/>
+        <p:txBody>
+          <a:bodyPr/>
+          <a:lstStyle/>
+          <a:p>
+            <a:pPr marL="0" marR="0" lvl="0" indent="0" algn="l" defTabSz="914400" rtl="0" eaLnBrk="1" fontAlgn="auto" latinLnBrk="0" hangingPunct="1">
+              <a:lnSpc>
+                <a:spcPct val="100000"/>
+              </a:lnSpc>
+              <a:spcBef>
+                <a:spcPts val="0"/>
+              </a:spcBef>
+              <a:spcAft>
+                <a:spcPts val="0"/>
+              </a:spcAft>
+              <a:buClrTx/>
+              <a:buSzTx/>
+              <a:buFontTx/>
+              <a:buNone/>
+              <a:tabLst/>
+              <a:defRPr/>
+            </a:pPr>
+            <a:r>
+              <a:rPr lang="nb-NO" dirty="0"/>
+              <a:t>https://learn.microsoft.com/en-us/azure/virtual-network/network-security-groups-overview</a:t>
+            </a:r>
+          </a:p>
+          <a:p>
+            <a:endParaRPr lang="en-US" dirty="0"/>
+          </a:p>
+        </p:txBody>
+      </p:sp>
+      <p:sp>
+        <p:nvSpPr>
+          <p:cNvPr id="4" name="Slide Number Placeholder 3"/>
+          <p:cNvSpPr>
+            <a:spLocks noGrp="1"/>
+          </p:cNvSpPr>
+          <p:nvPr>
+            <p:ph type="sldNum" sz="quarter" idx="5"/>
+          </p:nvPr>
+        </p:nvSpPr>
+        <p:spPr/>
+        <p:txBody>
+          <a:bodyPr/>
+          <a:lstStyle/>
+          <a:p>
+            <a:fld id="{FB3A52E1-8A48-429C-8A5A-7D4445DBC12D}" type="slidenum">
+              <a:rPr lang="nb-NO" smtClean="0"/>
+              <a:t>13</a:t>
+            </a:fld>
+            <a:endParaRPr lang="nb-NO"/>
+          </a:p>
+        </p:txBody>
+      </p:sp>
+    </p:spTree>
+    <p:extLst>
+      <p:ext uri="{BB962C8B-B14F-4D97-AF65-F5344CB8AC3E}">
+        <p14:creationId xmlns:p14="http://schemas.microsoft.com/office/powerpoint/2010/main" val="3605090697"/>
+      </p:ext>
+    </p:extLst>
+  </p:cSld>
+  <p:clrMapOvr>
+    <a:masterClrMapping/>
+  </p:clrMapOvr>
+</p:notes>
+</file>
+
+<file path=ppt/notesSlides/notesSlide7.xml><?xml version="1.0" encoding="utf-8"?>
+<p:notes xmlns:a="http://schemas.openxmlformats.org/drawingml/2006/main" xmlns:r="http://schemas.openxmlformats.org/officeDocument/2006/relationships" xmlns:p="http://schemas.openxmlformats.org/presentationml/2006/main">
+  <p:cSld>
+    <p:spTree>
+      <p:nvGrpSpPr>
+        <p:cNvPr id="1" name=""/>
+        <p:cNvGrpSpPr/>
+        <p:nvPr/>
+      </p:nvGrpSpPr>
+      <p:grpSpPr>
+        <a:xfrm>
+          <a:off x="0" y="0"/>
+          <a:ext cx="0" cy="0"/>
+          <a:chOff x="0" y="0"/>
+          <a:chExt cx="0" cy="0"/>
+        </a:xfrm>
+      </p:grpSpPr>
+      <p:sp>
+        <p:nvSpPr>
+          <p:cNvPr id="2" name="Slide Image Placeholder 1"/>
+          <p:cNvSpPr>
+            <a:spLocks noGrp="1" noRot="1" noChangeAspect="1"/>
+          </p:cNvSpPr>
+          <p:nvPr>
+            <p:ph type="sldImg"/>
+          </p:nvPr>
+        </p:nvSpPr>
+        <p:spPr/>
+      </p:sp>
+      <p:sp>
+        <p:nvSpPr>
+          <p:cNvPr id="3" name="Notes Placeholder 2"/>
+          <p:cNvSpPr>
+            <a:spLocks noGrp="1"/>
+          </p:cNvSpPr>
+          <p:nvPr>
+            <p:ph type="body" idx="1"/>
+          </p:nvPr>
+        </p:nvSpPr>
+        <p:spPr/>
+        <p:txBody>
+          <a:bodyPr/>
+          <a:lstStyle/>
+          <a:p>
+            <a:pPr marL="0" marR="0" lvl="0" indent="0" algn="l" defTabSz="914400" rtl="0" eaLnBrk="1" fontAlgn="auto" latinLnBrk="0" hangingPunct="1">
+              <a:lnSpc>
+                <a:spcPct val="100000"/>
+              </a:lnSpc>
+              <a:spcBef>
+                <a:spcPts val="0"/>
+              </a:spcBef>
+              <a:spcAft>
+                <a:spcPts val="0"/>
+              </a:spcAft>
+              <a:buClrTx/>
+              <a:buSzTx/>
+              <a:buFontTx/>
+              <a:buNone/>
+              <a:tabLst/>
+              <a:defRPr/>
+            </a:pPr>
+            <a:r>
+              <a:rPr lang="nb-NO" dirty="0"/>
+              <a:t>https://learn.microsoft.com/en-us/azure/virtual-network/service-tags-overview</a:t>
+            </a:r>
+          </a:p>
+          <a:p>
+            <a:endParaRPr lang="en-US" dirty="0"/>
+          </a:p>
+        </p:txBody>
+      </p:sp>
+      <p:sp>
+        <p:nvSpPr>
+          <p:cNvPr id="4" name="Slide Number Placeholder 3"/>
+          <p:cNvSpPr>
+            <a:spLocks noGrp="1"/>
+          </p:cNvSpPr>
+          <p:nvPr>
+            <p:ph type="sldNum" sz="quarter" idx="5"/>
+          </p:nvPr>
+        </p:nvSpPr>
+        <p:spPr/>
+        <p:txBody>
+          <a:bodyPr/>
+          <a:lstStyle/>
+          <a:p>
+            <a:fld id="{FB3A52E1-8A48-429C-8A5A-7D4445DBC12D}" type="slidenum">
+              <a:rPr lang="nb-NO" smtClean="0"/>
+              <a:t>15</a:t>
+            </a:fld>
+            <a:endParaRPr lang="nb-NO"/>
+          </a:p>
+        </p:txBody>
+      </p:sp>
+    </p:spTree>
+    <p:extLst>
+      <p:ext uri="{BB962C8B-B14F-4D97-AF65-F5344CB8AC3E}">
+        <p14:creationId xmlns:p14="http://schemas.microsoft.com/office/powerpoint/2010/main" val="3894681399"/>
+      </p:ext>
+    </p:extLst>
+  </p:cSld>
+  <p:clrMapOvr>
+    <a:masterClrMapping/>
+  </p:clrMapOvr>
+</p:notes>
+</file>
+
+<file path=ppt/notesSlides/notesSlide8.xml><?xml version="1.0" encoding="utf-8"?>
+<p:notes xmlns:a="http://schemas.openxmlformats.org/drawingml/2006/main" xmlns:r="http://schemas.openxmlformats.org/officeDocument/2006/relationships" xmlns:p="http://schemas.openxmlformats.org/presentationml/2006/main">
+  <p:cSld>
+    <p:spTree>
+      <p:nvGrpSpPr>
+        <p:cNvPr id="1" name=""/>
+        <p:cNvGrpSpPr/>
+        <p:nvPr/>
+      </p:nvGrpSpPr>
+      <p:grpSpPr>
+        <a:xfrm>
+          <a:off x="0" y="0"/>
+          <a:ext cx="0" cy="0"/>
+          <a:chOff x="0" y="0"/>
+          <a:chExt cx="0" cy="0"/>
+        </a:xfrm>
+      </p:grpSpPr>
+      <p:sp>
+        <p:nvSpPr>
+          <p:cNvPr id="2" name="Slide Image Placeholder 1"/>
+          <p:cNvSpPr>
+            <a:spLocks noGrp="1" noRot="1" noChangeAspect="1"/>
+          </p:cNvSpPr>
+          <p:nvPr>
+            <p:ph type="sldImg"/>
+          </p:nvPr>
+        </p:nvSpPr>
+        <p:spPr/>
+      </p:sp>
+      <p:sp>
+        <p:nvSpPr>
+          <p:cNvPr id="3" name="Notes Placeholder 2"/>
+          <p:cNvSpPr>
+            <a:spLocks noGrp="1"/>
+          </p:cNvSpPr>
+          <p:nvPr>
+            <p:ph type="body" idx="1"/>
+          </p:nvPr>
+        </p:nvSpPr>
+        <p:spPr/>
+        <p:txBody>
+          <a:bodyPr/>
+          <a:lstStyle/>
+          <a:p>
+            <a:r>
+              <a:rPr lang="nb-NO" dirty="0"/>
+              <a:t>https://learn.microsoft.com/en-us/azure/virtual-network/virtual-network-service-endpoints-overview</a:t>
+            </a:r>
+          </a:p>
+          <a:p>
+            <a:endParaRPr lang="nb-NO" dirty="0"/>
+          </a:p>
+          <a:p>
+            <a:r>
+              <a:rPr lang="en-US" b="0" i="0" dirty="0">
+                <a:solidFill>
+                  <a:srgbClr val="161616"/>
+                </a:solidFill>
+                <a:effectLst/>
+                <a:latin typeface="Segoe UI" panose="020B0502040204020203" pitchFamily="34" charset="0"/>
+              </a:rPr>
+              <a:t>Virtual Network (VNet) service endpoint provides secure and direct connectivity to Azure services over an optimized route over the Azure backbone network. Endpoints allow you to secure your critical Azure service resources to only your virtual networks. Service Endpoints enables private IP addresses in the VNet to reach the endpoint of an Azure service without needing a public IP address on the VNet.</a:t>
+            </a:r>
+            <a:endParaRPr lang="nb-NO" dirty="0"/>
+          </a:p>
+          <a:p>
+            <a:endParaRPr lang="en-US" dirty="0"/>
+          </a:p>
+        </p:txBody>
+      </p:sp>
+      <p:sp>
+        <p:nvSpPr>
+          <p:cNvPr id="4" name="Slide Number Placeholder 3"/>
+          <p:cNvSpPr>
+            <a:spLocks noGrp="1"/>
+          </p:cNvSpPr>
+          <p:nvPr>
+            <p:ph type="sldNum" sz="quarter" idx="5"/>
+          </p:nvPr>
+        </p:nvSpPr>
+        <p:spPr/>
+        <p:txBody>
+          <a:bodyPr/>
+          <a:lstStyle/>
+          <a:p>
+            <a:fld id="{FB3A52E1-8A48-429C-8A5A-7D4445DBC12D}" type="slidenum">
+              <a:rPr lang="nb-NO" smtClean="0"/>
+              <a:t>16</a:t>
+            </a:fld>
+            <a:endParaRPr lang="nb-NO"/>
+          </a:p>
+        </p:txBody>
+      </p:sp>
+    </p:spTree>
+    <p:extLst>
+      <p:ext uri="{BB962C8B-B14F-4D97-AF65-F5344CB8AC3E}">
+        <p14:creationId xmlns:p14="http://schemas.microsoft.com/office/powerpoint/2010/main" val="1418818302"/>
+      </p:ext>
+    </p:extLst>
+  </p:cSld>
+  <p:clrMapOvr>
+    <a:masterClrMapping/>
+  </p:clrMapOvr>
+</p:notes>
+</file>
+
+<file path=ppt/notesSlides/notesSlide9.xml><?xml version="1.0" encoding="utf-8"?>
+<p:notes xmlns:a="http://schemas.openxmlformats.org/drawingml/2006/main" xmlns:r="http://schemas.openxmlformats.org/officeDocument/2006/relationships" xmlns:p="http://schemas.openxmlformats.org/presentationml/2006/main">
+  <p:cSld>
+    <p:spTree>
+      <p:nvGrpSpPr>
+        <p:cNvPr id="1" name=""/>
+        <p:cNvGrpSpPr/>
+        <p:nvPr/>
+      </p:nvGrpSpPr>
+      <p:grpSpPr>
+        <a:xfrm>
+          <a:off x="0" y="0"/>
+          <a:ext cx="0" cy="0"/>
+          <a:chOff x="0" y="0"/>
+          <a:chExt cx="0" cy="0"/>
+        </a:xfrm>
+      </p:grpSpPr>
+      <p:sp>
+        <p:nvSpPr>
+          <p:cNvPr id="2" name="Slide Image Placeholder 1"/>
+          <p:cNvSpPr>
+            <a:spLocks noGrp="1" noRot="1" noChangeAspect="1"/>
+          </p:cNvSpPr>
+          <p:nvPr>
+            <p:ph type="sldImg"/>
+          </p:nvPr>
+        </p:nvSpPr>
+        <p:spPr/>
+      </p:sp>
+      <p:sp>
+        <p:nvSpPr>
+          <p:cNvPr id="3" name="Notes Placeholder 2"/>
+          <p:cNvSpPr>
+            <a:spLocks noGrp="1"/>
+          </p:cNvSpPr>
+          <p:nvPr>
+            <p:ph type="body" idx="1"/>
+          </p:nvPr>
+        </p:nvSpPr>
+        <p:spPr/>
+        <p:txBody>
+          <a:bodyPr/>
+          <a:lstStyle/>
+          <a:p>
+            <a:pPr marL="0" marR="0" lvl="0" indent="0" algn="l" defTabSz="914400" rtl="0" eaLnBrk="1" fontAlgn="auto" latinLnBrk="0" hangingPunct="1">
+              <a:lnSpc>
+                <a:spcPct val="100000"/>
+              </a:lnSpc>
+              <a:spcBef>
+                <a:spcPts val="0"/>
+              </a:spcBef>
+              <a:spcAft>
+                <a:spcPts val="0"/>
+              </a:spcAft>
+              <a:buClrTx/>
+              <a:buSzTx/>
+              <a:buFontTx/>
+              <a:buNone/>
+              <a:tabLst/>
+              <a:defRPr/>
+            </a:pPr>
+            <a:r>
+              <a:rPr lang="en-US" b="0" i="0" dirty="0">
+                <a:solidFill>
+                  <a:srgbClr val="161616"/>
+                </a:solidFill>
+                <a:effectLst/>
+                <a:latin typeface="Segoe UI" panose="020B0502040204020203" pitchFamily="34" charset="0"/>
+              </a:rPr>
+              <a:t>Virtual Network (VNet) service endpoint provides secure and direct connectivity to Azure services over an optimized route over the Azure backbone network. Endpoints allow you to secure your critical Azure service resources to only your virtual networks. </a:t>
+            </a:r>
+          </a:p>
+          <a:p>
+            <a:pPr marL="0" marR="0" lvl="0" indent="0" algn="l" defTabSz="914400" rtl="0" eaLnBrk="1" fontAlgn="auto" latinLnBrk="0" hangingPunct="1">
+              <a:lnSpc>
+                <a:spcPct val="100000"/>
+              </a:lnSpc>
+              <a:spcBef>
+                <a:spcPts val="0"/>
+              </a:spcBef>
+              <a:spcAft>
+                <a:spcPts val="0"/>
+              </a:spcAft>
+              <a:buClrTx/>
+              <a:buSzTx/>
+              <a:buFontTx/>
+              <a:buNone/>
+              <a:tabLst/>
+              <a:defRPr/>
+            </a:pPr>
+            <a:endParaRPr lang="en-US" b="0" i="0" dirty="0">
+              <a:solidFill>
+                <a:srgbClr val="161616"/>
+              </a:solidFill>
+              <a:effectLst/>
+              <a:latin typeface="Segoe UI" panose="020B0502040204020203" pitchFamily="34" charset="0"/>
+            </a:endParaRPr>
+          </a:p>
+          <a:p>
+            <a:pPr marL="0" marR="0" lvl="0" indent="0" algn="l" defTabSz="914400" rtl="0" eaLnBrk="1" fontAlgn="auto" latinLnBrk="0" hangingPunct="1">
+              <a:lnSpc>
+                <a:spcPct val="100000"/>
+              </a:lnSpc>
+              <a:spcBef>
+                <a:spcPts val="0"/>
+              </a:spcBef>
+              <a:spcAft>
+                <a:spcPts val="0"/>
+              </a:spcAft>
+              <a:buClrTx/>
+              <a:buSzTx/>
+              <a:buFontTx/>
+              <a:buNone/>
+              <a:tabLst/>
+              <a:defRPr/>
+            </a:pPr>
+            <a:r>
+              <a:rPr lang="en-US" b="0" i="0" dirty="0">
+                <a:solidFill>
+                  <a:srgbClr val="161616"/>
+                </a:solidFill>
+                <a:effectLst/>
+                <a:latin typeface="Segoe UI" panose="020B0502040204020203" pitchFamily="34" charset="0"/>
+              </a:rPr>
+              <a:t>Service Endpoints enables private IP addresses in the VNet to reach the endpoint of an Azure service without needing a public IP address on the VNet.</a:t>
+            </a:r>
+            <a:endParaRPr lang="nb-NO" dirty="0"/>
+          </a:p>
+          <a:p>
+            <a:endParaRPr lang="en-US" dirty="0"/>
+          </a:p>
+        </p:txBody>
+      </p:sp>
+      <p:sp>
+        <p:nvSpPr>
+          <p:cNvPr id="4" name="Slide Number Placeholder 3"/>
+          <p:cNvSpPr>
+            <a:spLocks noGrp="1"/>
+          </p:cNvSpPr>
+          <p:nvPr>
+            <p:ph type="sldNum" sz="quarter" idx="5"/>
+          </p:nvPr>
+        </p:nvSpPr>
+        <p:spPr/>
+        <p:txBody>
+          <a:bodyPr/>
+          <a:lstStyle/>
+          <a:p>
+            <a:fld id="{FB3A52E1-8A48-429C-8A5A-7D4445DBC12D}" type="slidenum">
+              <a:rPr lang="nb-NO" smtClean="0"/>
+              <a:t>17</a:t>
+            </a:fld>
+            <a:endParaRPr lang="nb-NO"/>
+          </a:p>
+        </p:txBody>
+      </p:sp>
+    </p:spTree>
+    <p:extLst>
+      <p:ext uri="{BB962C8B-B14F-4D97-AF65-F5344CB8AC3E}">
+        <p14:creationId xmlns:p14="http://schemas.microsoft.com/office/powerpoint/2010/main" val="670868076"/>
       </p:ext>
     </p:extLst>
   </p:cSld>
@@ -1123,7 +2505,7 @@
           <a:p>
             <a:fld id="{CE88D40F-0E01-46E3-A0A3-09B1E418DDBF}" type="datetimeFigureOut">
               <a:rPr lang="en-US" smtClean="0"/>
-              <a:t>5/31/2023</a:t>
+              <a:t>6/27/2023</a:t>
             </a:fld>
             <a:endParaRPr lang="en-US"/>
           </a:p>
@@ -1321,7 +2703,7 @@
           <a:p>
             <a:fld id="{CE88D40F-0E01-46E3-A0A3-09B1E418DDBF}" type="datetimeFigureOut">
               <a:rPr lang="en-US" smtClean="0"/>
-              <a:t>5/31/2023</a:t>
+              <a:t>6/27/2023</a:t>
             </a:fld>
             <a:endParaRPr lang="en-US"/>
           </a:p>
@@ -1529,7 +2911,7 @@
           <a:p>
             <a:fld id="{CE88D40F-0E01-46E3-A0A3-09B1E418DDBF}" type="datetimeFigureOut">
               <a:rPr lang="en-US" smtClean="0"/>
-              <a:t>5/31/2023</a:t>
+              <a:t>6/27/2023</a:t>
             </a:fld>
             <a:endParaRPr lang="en-US"/>
           </a:p>
@@ -2086,7 +3468,7 @@
           <a:p>
             <a:fld id="{CE88D40F-0E01-46E3-A0A3-09B1E418DDBF}" type="datetimeFigureOut">
               <a:rPr lang="en-US" smtClean="0"/>
-              <a:t>5/31/2023</a:t>
+              <a:t>6/27/2023</a:t>
             </a:fld>
             <a:endParaRPr lang="en-US"/>
           </a:p>
@@ -2361,7 +3743,7 @@
           <a:p>
             <a:fld id="{CE88D40F-0E01-46E3-A0A3-09B1E418DDBF}" type="datetimeFigureOut">
               <a:rPr lang="en-US" smtClean="0"/>
-              <a:t>5/31/2023</a:t>
+              <a:t>6/27/2023</a:t>
             </a:fld>
             <a:endParaRPr lang="en-US"/>
           </a:p>
@@ -2626,7 +4008,7 @@
           <a:p>
             <a:fld id="{CE88D40F-0E01-46E3-A0A3-09B1E418DDBF}" type="datetimeFigureOut">
               <a:rPr lang="en-US" smtClean="0"/>
-              <a:t>5/31/2023</a:t>
+              <a:t>6/27/2023</a:t>
             </a:fld>
             <a:endParaRPr lang="en-US"/>
           </a:p>
@@ -3038,7 +4420,7 @@
           <a:p>
             <a:fld id="{CE88D40F-0E01-46E3-A0A3-09B1E418DDBF}" type="datetimeFigureOut">
               <a:rPr lang="en-US" smtClean="0"/>
-              <a:t>5/31/2023</a:t>
+              <a:t>6/27/2023</a:t>
             </a:fld>
             <a:endParaRPr lang="en-US"/>
           </a:p>
@@ -3179,7 +4561,7 @@
           <a:p>
             <a:fld id="{CE88D40F-0E01-46E3-A0A3-09B1E418DDBF}" type="datetimeFigureOut">
               <a:rPr lang="en-US" smtClean="0"/>
-              <a:t>5/31/2023</a:t>
+              <a:t>6/27/2023</a:t>
             </a:fld>
             <a:endParaRPr lang="en-US"/>
           </a:p>
@@ -3292,7 +4674,7 @@
           <a:p>
             <a:fld id="{CE88D40F-0E01-46E3-A0A3-09B1E418DDBF}" type="datetimeFigureOut">
               <a:rPr lang="en-US" smtClean="0"/>
-              <a:t>5/31/2023</a:t>
+              <a:t>6/27/2023</a:t>
             </a:fld>
             <a:endParaRPr lang="en-US"/>
           </a:p>
@@ -3603,7 +4985,7 @@
           <a:p>
             <a:fld id="{CE88D40F-0E01-46E3-A0A3-09B1E418DDBF}" type="datetimeFigureOut">
               <a:rPr lang="en-US" smtClean="0"/>
-              <a:t>5/31/2023</a:t>
+              <a:t>6/27/2023</a:t>
             </a:fld>
             <a:endParaRPr lang="en-US"/>
           </a:p>
@@ -3891,7 +5273,7 @@
           <a:p>
             <a:fld id="{CE88D40F-0E01-46E3-A0A3-09B1E418DDBF}" type="datetimeFigureOut">
               <a:rPr lang="en-US" smtClean="0"/>
-              <a:t>5/31/2023</a:t>
+              <a:t>6/27/2023</a:t>
             </a:fld>
             <a:endParaRPr lang="en-US"/>
           </a:p>
@@ -4132,7 +5514,7 @@
           <a:p>
             <a:fld id="{CE88D40F-0E01-46E3-A0A3-09B1E418DDBF}" type="datetimeFigureOut">
               <a:rPr lang="en-US" smtClean="0"/>
-              <a:t>5/31/2023</a:t>
+              <a:t>6/27/2023</a:t>
             </a:fld>
             <a:endParaRPr lang="en-US"/>
           </a:p>
@@ -5969,6 +7351,3119 @@
 </p:sld>
 </file>
 
+<file path=ppt/slides/slide10.xml><?xml version="1.0" encoding="utf-8"?>
+<p:sld xmlns:a="http://schemas.openxmlformats.org/drawingml/2006/main" xmlns:r="http://schemas.openxmlformats.org/officeDocument/2006/relationships" xmlns:p="http://schemas.openxmlformats.org/presentationml/2006/main">
+  <p:cSld>
+    <p:spTree>
+      <p:nvGrpSpPr>
+        <p:cNvPr id="1" name=""/>
+        <p:cNvGrpSpPr/>
+        <p:nvPr/>
+      </p:nvGrpSpPr>
+      <p:grpSpPr>
+        <a:xfrm>
+          <a:off x="0" y="0"/>
+          <a:ext cx="0" cy="0"/>
+          <a:chOff x="0" y="0"/>
+          <a:chExt cx="0" cy="0"/>
+        </a:xfrm>
+      </p:grpSpPr>
+      <p:sp>
+        <p:nvSpPr>
+          <p:cNvPr id="4" name="Title 1">
+            <a:extLst>
+              <a:ext uri="{FF2B5EF4-FFF2-40B4-BE49-F238E27FC236}">
+                <a16:creationId xmlns:a16="http://schemas.microsoft.com/office/drawing/2014/main" id="{521EA45A-C743-587E-EA03-217DB76B6F25}"/>
+              </a:ext>
+            </a:extLst>
+          </p:cNvPr>
+          <p:cNvSpPr>
+            <a:spLocks noGrp="1"/>
+          </p:cNvSpPr>
+          <p:nvPr>
+            <p:ph type="title"/>
+          </p:nvPr>
+        </p:nvSpPr>
+        <p:spPr>
+          <a:xfrm>
+            <a:off x="838200" y="365125"/>
+            <a:ext cx="10515600" cy="1325563"/>
+          </a:xfrm>
+        </p:spPr>
+        <p:txBody>
+          <a:bodyPr/>
+          <a:lstStyle/>
+          <a:p>
+            <a:r>
+              <a:rPr lang="nb-NO" dirty="0" err="1"/>
+              <a:t>Outbound</a:t>
+            </a:r>
+            <a:r>
+              <a:rPr lang="nb-NO" dirty="0"/>
+              <a:t> </a:t>
+            </a:r>
+            <a:r>
+              <a:rPr lang="nb-NO" dirty="0" err="1"/>
+              <a:t>access</a:t>
+            </a:r>
+            <a:endParaRPr lang="nb-NO" dirty="0"/>
+          </a:p>
+        </p:txBody>
+      </p:sp>
+      <p:pic>
+        <p:nvPicPr>
+          <p:cNvPr id="5" name="Picture 2" descr="Diagram of explicit outbound options.">
+            <a:extLst>
+              <a:ext uri="{FF2B5EF4-FFF2-40B4-BE49-F238E27FC236}">
+                <a16:creationId xmlns:a16="http://schemas.microsoft.com/office/drawing/2014/main" id="{02192C08-9211-30D2-215D-2110E5AA8707}"/>
+              </a:ext>
+            </a:extLst>
+          </p:cNvPr>
+          <p:cNvPicPr>
+            <a:picLocks noChangeAspect="1" noChangeArrowheads="1"/>
+          </p:cNvPicPr>
+          <p:nvPr/>
+        </p:nvPicPr>
+        <p:blipFill>
+          <a:blip r:embed="rId2">
+            <a:extLst>
+              <a:ext uri="{28A0092B-C50C-407E-A947-70E740481C1C}">
+                <a14:useLocalDpi xmlns:a14="http://schemas.microsoft.com/office/drawing/2010/main" val="0"/>
+              </a:ext>
+            </a:extLst>
+          </a:blip>
+          <a:srcRect/>
+          <a:stretch>
+            <a:fillRect/>
+          </a:stretch>
+        </p:blipFill>
+        <p:spPr bwMode="auto">
+          <a:xfrm>
+            <a:off x="905691" y="1058496"/>
+            <a:ext cx="5936181" cy="5046213"/>
+          </a:xfrm>
+          <a:prstGeom prst="rect">
+            <a:avLst/>
+          </a:prstGeom>
+          <a:noFill/>
+          <a:extLst>
+            <a:ext uri="{909E8E84-426E-40DD-AFC4-6F175D3DCCD1}">
+              <a14:hiddenFill xmlns:a14="http://schemas.microsoft.com/office/drawing/2010/main">
+                <a:solidFill>
+                  <a:srgbClr val="FFFFFF"/>
+                </a:solidFill>
+              </a14:hiddenFill>
+            </a:ext>
+          </a:extLst>
+        </p:spPr>
+      </p:pic>
+      <p:pic>
+        <p:nvPicPr>
+          <p:cNvPr id="6" name="Picture 5">
+            <a:extLst>
+              <a:ext uri="{FF2B5EF4-FFF2-40B4-BE49-F238E27FC236}">
+                <a16:creationId xmlns:a16="http://schemas.microsoft.com/office/drawing/2014/main" id="{069D03E0-AE4A-0C32-19B5-604B80B0ECEA}"/>
+              </a:ext>
+            </a:extLst>
+          </p:cNvPr>
+          <p:cNvPicPr>
+            <a:picLocks noChangeAspect="1"/>
+          </p:cNvPicPr>
+          <p:nvPr/>
+        </p:nvPicPr>
+        <p:blipFill>
+          <a:blip r:embed="rId3"/>
+          <a:stretch>
+            <a:fillRect/>
+          </a:stretch>
+        </p:blipFill>
+        <p:spPr>
+          <a:xfrm>
+            <a:off x="7208520" y="3848100"/>
+            <a:ext cx="2600095" cy="1758095"/>
+          </a:xfrm>
+          <a:prstGeom prst="rect">
+            <a:avLst/>
+          </a:prstGeom>
+        </p:spPr>
+      </p:pic>
+      <p:sp>
+        <p:nvSpPr>
+          <p:cNvPr id="7" name="Content Placeholder 2">
+            <a:extLst>
+              <a:ext uri="{FF2B5EF4-FFF2-40B4-BE49-F238E27FC236}">
+                <a16:creationId xmlns:a16="http://schemas.microsoft.com/office/drawing/2014/main" id="{F15DDB48-454B-B799-2E58-25DD13F4ADE5}"/>
+              </a:ext>
+            </a:extLst>
+          </p:cNvPr>
+          <p:cNvSpPr txBox="1">
+            <a:spLocks/>
+          </p:cNvSpPr>
+          <p:nvPr/>
+        </p:nvSpPr>
+        <p:spPr>
+          <a:xfrm>
+            <a:off x="7208520" y="1391285"/>
+            <a:ext cx="5257800" cy="2997835"/>
+          </a:xfrm>
+          <a:prstGeom prst="rect">
+            <a:avLst/>
+          </a:prstGeom>
+        </p:spPr>
+        <p:txBody>
+          <a:bodyPr spcFirstLastPara="1" vert="horz" wrap="square" lIns="91425" tIns="91425" rIns="91425" bIns="91425" rtlCol="0" anchor="t" anchorCtr="0">
+            <a:normAutofit/>
+          </a:bodyPr>
+          <a:lstStyle>
+            <a:lvl1pPr marL="609585" lvl="0" indent="-457189" algn="l" defTabSz="914400" rtl="0" eaLnBrk="1" latinLnBrk="0" hangingPunct="1">
+              <a:lnSpc>
+                <a:spcPct val="90000"/>
+              </a:lnSpc>
+              <a:spcBef>
+                <a:spcPts val="0"/>
+              </a:spcBef>
+              <a:spcAft>
+                <a:spcPts val="0"/>
+              </a:spcAft>
+              <a:buSzPts val="1800"/>
+              <a:buFont typeface="Arial" panose="020B0604020202020204" pitchFamily="34" charset="0"/>
+              <a:buChar char="●"/>
+              <a:defRPr sz="2800" kern="1200">
+                <a:solidFill>
+                  <a:schemeClr val="tx1"/>
+                </a:solidFill>
+                <a:latin typeface="+mn-lt"/>
+                <a:ea typeface="+mn-ea"/>
+                <a:cs typeface="+mn-cs"/>
+              </a:defRPr>
+            </a:lvl1pPr>
+            <a:lvl2pPr marL="1219170" lvl="1" indent="-423323" algn="l" defTabSz="914400" rtl="0" eaLnBrk="1" latinLnBrk="0" hangingPunct="1">
+              <a:lnSpc>
+                <a:spcPct val="90000"/>
+              </a:lnSpc>
+              <a:spcBef>
+                <a:spcPts val="2133"/>
+              </a:spcBef>
+              <a:spcAft>
+                <a:spcPts val="0"/>
+              </a:spcAft>
+              <a:buSzPts val="1400"/>
+              <a:buFont typeface="Arial" panose="020B0604020202020204" pitchFamily="34" charset="0"/>
+              <a:buChar char="○"/>
+              <a:defRPr sz="2400" kern="1200">
+                <a:solidFill>
+                  <a:schemeClr val="tx1"/>
+                </a:solidFill>
+                <a:latin typeface="+mn-lt"/>
+                <a:ea typeface="+mn-ea"/>
+                <a:cs typeface="+mn-cs"/>
+              </a:defRPr>
+            </a:lvl2pPr>
+            <a:lvl3pPr marL="1828754" lvl="2" indent="-423323" algn="l" defTabSz="914400" rtl="0" eaLnBrk="1" latinLnBrk="0" hangingPunct="1">
+              <a:lnSpc>
+                <a:spcPct val="90000"/>
+              </a:lnSpc>
+              <a:spcBef>
+                <a:spcPts val="2133"/>
+              </a:spcBef>
+              <a:spcAft>
+                <a:spcPts val="0"/>
+              </a:spcAft>
+              <a:buSzPts val="1400"/>
+              <a:buFont typeface="Arial" panose="020B0604020202020204" pitchFamily="34" charset="0"/>
+              <a:buChar char="■"/>
+              <a:defRPr sz="2000" kern="1200">
+                <a:solidFill>
+                  <a:schemeClr val="tx1"/>
+                </a:solidFill>
+                <a:latin typeface="+mn-lt"/>
+                <a:ea typeface="+mn-ea"/>
+                <a:cs typeface="+mn-cs"/>
+              </a:defRPr>
+            </a:lvl3pPr>
+            <a:lvl4pPr marL="2438339" lvl="3" indent="-423323" algn="l" defTabSz="914400" rtl="0" eaLnBrk="1" latinLnBrk="0" hangingPunct="1">
+              <a:lnSpc>
+                <a:spcPct val="90000"/>
+              </a:lnSpc>
+              <a:spcBef>
+                <a:spcPts val="2133"/>
+              </a:spcBef>
+              <a:spcAft>
+                <a:spcPts val="0"/>
+              </a:spcAft>
+              <a:buSzPts val="1400"/>
+              <a:buFont typeface="Arial" panose="020B0604020202020204" pitchFamily="34" charset="0"/>
+              <a:buChar char="●"/>
+              <a:defRPr sz="1800" kern="1200">
+                <a:solidFill>
+                  <a:schemeClr val="tx1"/>
+                </a:solidFill>
+                <a:latin typeface="+mn-lt"/>
+                <a:ea typeface="+mn-ea"/>
+                <a:cs typeface="+mn-cs"/>
+              </a:defRPr>
+            </a:lvl4pPr>
+            <a:lvl5pPr marL="3047924" lvl="4" indent="-423323" algn="l" defTabSz="914400" rtl="0" eaLnBrk="1" latinLnBrk="0" hangingPunct="1">
+              <a:lnSpc>
+                <a:spcPct val="90000"/>
+              </a:lnSpc>
+              <a:spcBef>
+                <a:spcPts val="2133"/>
+              </a:spcBef>
+              <a:spcAft>
+                <a:spcPts val="0"/>
+              </a:spcAft>
+              <a:buSzPts val="1400"/>
+              <a:buFont typeface="Arial" panose="020B0604020202020204" pitchFamily="34" charset="0"/>
+              <a:buChar char="○"/>
+              <a:defRPr sz="1800" kern="1200">
+                <a:solidFill>
+                  <a:schemeClr val="tx1"/>
+                </a:solidFill>
+                <a:latin typeface="+mn-lt"/>
+                <a:ea typeface="+mn-ea"/>
+                <a:cs typeface="+mn-cs"/>
+              </a:defRPr>
+            </a:lvl5pPr>
+            <a:lvl6pPr marL="3657509" lvl="5" indent="-423323" algn="l" defTabSz="914400" rtl="0" eaLnBrk="1" latinLnBrk="0" hangingPunct="1">
+              <a:lnSpc>
+                <a:spcPct val="90000"/>
+              </a:lnSpc>
+              <a:spcBef>
+                <a:spcPts val="2133"/>
+              </a:spcBef>
+              <a:spcAft>
+                <a:spcPts val="0"/>
+              </a:spcAft>
+              <a:buSzPts val="1400"/>
+              <a:buFont typeface="Arial" panose="020B0604020202020204" pitchFamily="34" charset="0"/>
+              <a:buChar char="■"/>
+              <a:defRPr sz="1800" kern="1200">
+                <a:solidFill>
+                  <a:schemeClr val="tx1"/>
+                </a:solidFill>
+                <a:latin typeface="+mn-lt"/>
+                <a:ea typeface="+mn-ea"/>
+                <a:cs typeface="+mn-cs"/>
+              </a:defRPr>
+            </a:lvl6pPr>
+            <a:lvl7pPr marL="4267093" lvl="6" indent="-423323" algn="l" defTabSz="914400" rtl="0" eaLnBrk="1" latinLnBrk="0" hangingPunct="1">
+              <a:lnSpc>
+                <a:spcPct val="90000"/>
+              </a:lnSpc>
+              <a:spcBef>
+                <a:spcPts val="2133"/>
+              </a:spcBef>
+              <a:spcAft>
+                <a:spcPts val="0"/>
+              </a:spcAft>
+              <a:buSzPts val="1400"/>
+              <a:buFont typeface="Arial" panose="020B0604020202020204" pitchFamily="34" charset="0"/>
+              <a:buChar char="●"/>
+              <a:defRPr sz="1800" kern="1200">
+                <a:solidFill>
+                  <a:schemeClr val="tx1"/>
+                </a:solidFill>
+                <a:latin typeface="+mn-lt"/>
+                <a:ea typeface="+mn-ea"/>
+                <a:cs typeface="+mn-cs"/>
+              </a:defRPr>
+            </a:lvl7pPr>
+            <a:lvl8pPr marL="4876678" lvl="7" indent="-423323" algn="l" defTabSz="914400" rtl="0" eaLnBrk="1" latinLnBrk="0" hangingPunct="1">
+              <a:lnSpc>
+                <a:spcPct val="90000"/>
+              </a:lnSpc>
+              <a:spcBef>
+                <a:spcPts val="2133"/>
+              </a:spcBef>
+              <a:spcAft>
+                <a:spcPts val="0"/>
+              </a:spcAft>
+              <a:buSzPts val="1400"/>
+              <a:buFont typeface="Arial" panose="020B0604020202020204" pitchFamily="34" charset="0"/>
+              <a:buChar char="○"/>
+              <a:defRPr sz="1800" kern="1200">
+                <a:solidFill>
+                  <a:schemeClr val="tx1"/>
+                </a:solidFill>
+                <a:latin typeface="+mn-lt"/>
+                <a:ea typeface="+mn-ea"/>
+                <a:cs typeface="+mn-cs"/>
+              </a:defRPr>
+            </a:lvl8pPr>
+            <a:lvl9pPr marL="5486263" lvl="8" indent="-423323" algn="l" defTabSz="914400" rtl="0" eaLnBrk="1" latinLnBrk="0" hangingPunct="1">
+              <a:lnSpc>
+                <a:spcPct val="90000"/>
+              </a:lnSpc>
+              <a:spcBef>
+                <a:spcPts val="2133"/>
+              </a:spcBef>
+              <a:spcAft>
+                <a:spcPts val="2133"/>
+              </a:spcAft>
+              <a:buSzPts val="1400"/>
+              <a:buFont typeface="Arial" panose="020B0604020202020204" pitchFamily="34" charset="0"/>
+              <a:buChar char="■"/>
+              <a:defRPr sz="1800" kern="1200">
+                <a:solidFill>
+                  <a:schemeClr val="tx1"/>
+                </a:solidFill>
+                <a:latin typeface="+mn-lt"/>
+                <a:ea typeface="+mn-ea"/>
+                <a:cs typeface="+mn-cs"/>
+              </a:defRPr>
+            </a:lvl9pPr>
+          </a:lstStyle>
+          <a:p>
+            <a:r>
+              <a:rPr lang="nb-NO"/>
+              <a:t>Implicit</a:t>
+            </a:r>
+          </a:p>
+          <a:p>
+            <a:r>
+              <a:rPr lang="nb-NO"/>
+              <a:t>Explicit</a:t>
+            </a:r>
+            <a:endParaRPr lang="nb-NO" dirty="0"/>
+          </a:p>
+        </p:txBody>
+      </p:sp>
+      <p:pic>
+        <p:nvPicPr>
+          <p:cNvPr id="8" name="Picture 7">
+            <a:extLst>
+              <a:ext uri="{FF2B5EF4-FFF2-40B4-BE49-F238E27FC236}">
+                <a16:creationId xmlns:a16="http://schemas.microsoft.com/office/drawing/2014/main" id="{A8BF53A4-DB5B-6A8E-7381-297B5E86C420}"/>
+              </a:ext>
+            </a:extLst>
+          </p:cNvPr>
+          <p:cNvPicPr>
+            <a:picLocks noChangeAspect="1"/>
+          </p:cNvPicPr>
+          <p:nvPr/>
+        </p:nvPicPr>
+        <p:blipFill>
+          <a:blip r:embed="rId4"/>
+          <a:stretch>
+            <a:fillRect/>
+          </a:stretch>
+        </p:blipFill>
+        <p:spPr>
+          <a:xfrm>
+            <a:off x="9442272" y="4539528"/>
+            <a:ext cx="1844037" cy="1757721"/>
+          </a:xfrm>
+          <a:prstGeom prst="rect">
+            <a:avLst/>
+          </a:prstGeom>
+        </p:spPr>
+      </p:pic>
+      <p:pic>
+        <p:nvPicPr>
+          <p:cNvPr id="9" name="Google Shape;56;p13">
+            <a:extLst>
+              <a:ext uri="{FF2B5EF4-FFF2-40B4-BE49-F238E27FC236}">
+                <a16:creationId xmlns:a16="http://schemas.microsoft.com/office/drawing/2014/main" id="{CC50B964-6D7D-50E7-1963-887AE5DD5E37}"/>
+              </a:ext>
+            </a:extLst>
+          </p:cNvPr>
+          <p:cNvPicPr preferRelativeResize="0"/>
+          <p:nvPr/>
+        </p:nvPicPr>
+        <p:blipFill>
+          <a:blip r:embed="rId5">
+            <a:alphaModFix/>
+          </a:blip>
+          <a:stretch>
+            <a:fillRect/>
+          </a:stretch>
+        </p:blipFill>
+        <p:spPr>
+          <a:xfrm>
+            <a:off x="10989179" y="5736492"/>
+            <a:ext cx="1202821" cy="1121508"/>
+          </a:xfrm>
+          <a:prstGeom prst="rect">
+            <a:avLst/>
+          </a:prstGeom>
+          <a:noFill/>
+          <a:ln>
+            <a:noFill/>
+          </a:ln>
+        </p:spPr>
+      </p:pic>
+      <p:pic>
+        <p:nvPicPr>
+          <p:cNvPr id="10" name="Graphic 4">
+            <a:extLst>
+              <a:ext uri="{FF2B5EF4-FFF2-40B4-BE49-F238E27FC236}">
+                <a16:creationId xmlns:a16="http://schemas.microsoft.com/office/drawing/2014/main" id="{0C6DFA33-7954-EC30-77CB-2FC3FF120110}"/>
+              </a:ext>
+            </a:extLst>
+          </p:cNvPr>
+          <p:cNvPicPr>
+            <a:picLocks noChangeAspect="1"/>
+          </p:cNvPicPr>
+          <p:nvPr/>
+        </p:nvPicPr>
+        <p:blipFill>
+          <a:blip r:embed="rId6">
+            <a:extLst>
+              <a:ext uri="{28A0092B-C50C-407E-A947-70E740481C1C}">
+                <a14:useLocalDpi xmlns:a14="http://schemas.microsoft.com/office/drawing/2010/main" val="0"/>
+              </a:ext>
+              <a:ext uri="{96DAC541-7B7A-43D3-8B79-37D633B846F1}">
+                <asvg:svgBlip xmlns:asvg="http://schemas.microsoft.com/office/drawing/2016/SVG/main" r:embed="rId7"/>
+              </a:ext>
+            </a:extLst>
+          </a:blip>
+          <a:stretch>
+            <a:fillRect/>
+          </a:stretch>
+        </p:blipFill>
+        <p:spPr>
+          <a:xfrm>
+            <a:off x="131297" y="6262308"/>
+            <a:ext cx="1718444" cy="574556"/>
+          </a:xfrm>
+          <a:prstGeom prst="rect">
+            <a:avLst/>
+          </a:prstGeom>
+        </p:spPr>
+      </p:pic>
+    </p:spTree>
+    <p:extLst>
+      <p:ext uri="{BB962C8B-B14F-4D97-AF65-F5344CB8AC3E}">
+        <p14:creationId xmlns:p14="http://schemas.microsoft.com/office/powerpoint/2010/main" val="1800383006"/>
+      </p:ext>
+    </p:extLst>
+  </p:cSld>
+  <p:clrMapOvr>
+    <a:masterClrMapping/>
+  </p:clrMapOvr>
+</p:sld>
+</file>
+
+<file path=ppt/slides/slide11.xml><?xml version="1.0" encoding="utf-8"?>
+<p:sld xmlns:a="http://schemas.openxmlformats.org/drawingml/2006/main" xmlns:r="http://schemas.openxmlformats.org/officeDocument/2006/relationships" xmlns:p="http://schemas.openxmlformats.org/presentationml/2006/main">
+  <p:cSld>
+    <p:spTree>
+      <p:nvGrpSpPr>
+        <p:cNvPr id="1" name=""/>
+        <p:cNvGrpSpPr/>
+        <p:nvPr/>
+      </p:nvGrpSpPr>
+      <p:grpSpPr>
+        <a:xfrm>
+          <a:off x="0" y="0"/>
+          <a:ext cx="0" cy="0"/>
+          <a:chOff x="0" y="0"/>
+          <a:chExt cx="0" cy="0"/>
+        </a:xfrm>
+      </p:grpSpPr>
+      <p:sp>
+        <p:nvSpPr>
+          <p:cNvPr id="4" name="Title 1">
+            <a:extLst>
+              <a:ext uri="{FF2B5EF4-FFF2-40B4-BE49-F238E27FC236}">
+                <a16:creationId xmlns:a16="http://schemas.microsoft.com/office/drawing/2014/main" id="{44C2A8C9-3822-F1B9-EF50-E018B5B02A26}"/>
+              </a:ext>
+            </a:extLst>
+          </p:cNvPr>
+          <p:cNvSpPr>
+            <a:spLocks noGrp="1"/>
+          </p:cNvSpPr>
+          <p:nvPr>
+            <p:ph type="title"/>
+          </p:nvPr>
+        </p:nvSpPr>
+        <p:spPr>
+          <a:xfrm>
+            <a:off x="838200" y="365125"/>
+            <a:ext cx="10515600" cy="1325563"/>
+          </a:xfrm>
+        </p:spPr>
+        <p:txBody>
+          <a:bodyPr/>
+          <a:lstStyle/>
+          <a:p>
+            <a:r>
+              <a:rPr lang="nb-NO" dirty="0" err="1"/>
+              <a:t>Inbound</a:t>
+            </a:r>
+            <a:r>
+              <a:rPr lang="nb-NO" dirty="0"/>
+              <a:t> </a:t>
+            </a:r>
+            <a:r>
+              <a:rPr lang="nb-NO" dirty="0" err="1"/>
+              <a:t>access</a:t>
+            </a:r>
+            <a:r>
+              <a:rPr lang="nb-NO" dirty="0"/>
+              <a:t>: VPN Gateway</a:t>
+            </a:r>
+          </a:p>
+        </p:txBody>
+      </p:sp>
+      <p:pic>
+        <p:nvPicPr>
+          <p:cNvPr id="5" name="Picture 4" descr="Diagram of site-to-site VPN Gateway cross-premises connections.">
+            <a:extLst>
+              <a:ext uri="{FF2B5EF4-FFF2-40B4-BE49-F238E27FC236}">
+                <a16:creationId xmlns:a16="http://schemas.microsoft.com/office/drawing/2014/main" id="{9AB2479F-7173-6C94-DDD4-A0C9D9C47F6D}"/>
+              </a:ext>
+            </a:extLst>
+          </p:cNvPr>
+          <p:cNvPicPr>
+            <a:picLocks noChangeAspect="1" noChangeArrowheads="1"/>
+          </p:cNvPicPr>
+          <p:nvPr/>
+        </p:nvPicPr>
+        <p:blipFill>
+          <a:blip r:embed="rId3">
+            <a:extLst>
+              <a:ext uri="{28A0092B-C50C-407E-A947-70E740481C1C}">
+                <a14:useLocalDpi xmlns:a14="http://schemas.microsoft.com/office/drawing/2010/main" val="0"/>
+              </a:ext>
+            </a:extLst>
+          </a:blip>
+          <a:srcRect/>
+          <a:stretch>
+            <a:fillRect/>
+          </a:stretch>
+        </p:blipFill>
+        <p:spPr bwMode="auto">
+          <a:xfrm>
+            <a:off x="1736774" y="1690688"/>
+            <a:ext cx="9617026" cy="1500156"/>
+          </a:xfrm>
+          <a:prstGeom prst="rect">
+            <a:avLst/>
+          </a:prstGeom>
+          <a:noFill/>
+          <a:extLst>
+            <a:ext uri="{909E8E84-426E-40DD-AFC4-6F175D3DCCD1}">
+              <a14:hiddenFill xmlns:a14="http://schemas.microsoft.com/office/drawing/2010/main">
+                <a:solidFill>
+                  <a:srgbClr val="FFFFFF"/>
+                </a:solidFill>
+              </a14:hiddenFill>
+            </a:ext>
+          </a:extLst>
+        </p:spPr>
+      </p:pic>
+      <p:pic>
+        <p:nvPicPr>
+          <p:cNvPr id="6" name="Picture 2" descr="Diagram of point-to-site connections.">
+            <a:extLst>
+              <a:ext uri="{FF2B5EF4-FFF2-40B4-BE49-F238E27FC236}">
+                <a16:creationId xmlns:a16="http://schemas.microsoft.com/office/drawing/2014/main" id="{167A3F51-70D7-BE90-4ECC-862E70A8DB64}"/>
+              </a:ext>
+            </a:extLst>
+          </p:cNvPr>
+          <p:cNvPicPr>
+            <a:picLocks noChangeAspect="1" noChangeArrowheads="1"/>
+          </p:cNvPicPr>
+          <p:nvPr/>
+        </p:nvPicPr>
+        <p:blipFill>
+          <a:blip r:embed="rId4">
+            <a:extLst>
+              <a:ext uri="{28A0092B-C50C-407E-A947-70E740481C1C}">
+                <a14:useLocalDpi xmlns:a14="http://schemas.microsoft.com/office/drawing/2010/main" val="0"/>
+              </a:ext>
+            </a:extLst>
+          </a:blip>
+          <a:srcRect/>
+          <a:stretch>
+            <a:fillRect/>
+          </a:stretch>
+        </p:blipFill>
+        <p:spPr bwMode="auto">
+          <a:xfrm>
+            <a:off x="1557198" y="3282267"/>
+            <a:ext cx="8568344" cy="3378248"/>
+          </a:xfrm>
+          <a:prstGeom prst="rect">
+            <a:avLst/>
+          </a:prstGeom>
+          <a:noFill/>
+          <a:extLst>
+            <a:ext uri="{909E8E84-426E-40DD-AFC4-6F175D3DCCD1}">
+              <a14:hiddenFill xmlns:a14="http://schemas.microsoft.com/office/drawing/2010/main">
+                <a:solidFill>
+                  <a:srgbClr val="FFFFFF"/>
+                </a:solidFill>
+              </a14:hiddenFill>
+            </a:ext>
+          </a:extLst>
+        </p:spPr>
+      </p:pic>
+      <p:pic>
+        <p:nvPicPr>
+          <p:cNvPr id="7" name="Content Placeholder 4">
+            <a:extLst>
+              <a:ext uri="{FF2B5EF4-FFF2-40B4-BE49-F238E27FC236}">
+                <a16:creationId xmlns:a16="http://schemas.microsoft.com/office/drawing/2014/main" id="{617DE1EE-5727-C406-837B-8AD095C72D6B}"/>
+              </a:ext>
+            </a:extLst>
+          </p:cNvPr>
+          <p:cNvPicPr>
+            <a:picLocks noChangeAspect="1"/>
+          </p:cNvPicPr>
+          <p:nvPr/>
+        </p:nvPicPr>
+        <p:blipFill>
+          <a:blip r:embed="rId5">
+            <a:extLst>
+              <a:ext uri="{28A0092B-C50C-407E-A947-70E740481C1C}">
+                <a14:useLocalDpi xmlns:a14="http://schemas.microsoft.com/office/drawing/2010/main" val="0"/>
+              </a:ext>
+              <a:ext uri="{96DAC541-7B7A-43D3-8B79-37D633B846F1}">
+                <asvg:svgBlip xmlns:asvg="http://schemas.microsoft.com/office/drawing/2016/SVG/main" r:embed="rId6"/>
+              </a:ext>
+            </a:extLst>
+          </a:blip>
+          <a:stretch>
+            <a:fillRect/>
+          </a:stretch>
+        </p:blipFill>
+        <p:spPr>
+          <a:xfrm>
+            <a:off x="11043631" y="365125"/>
+            <a:ext cx="789536" cy="789536"/>
+          </a:xfrm>
+          <a:prstGeom prst="rect">
+            <a:avLst/>
+          </a:prstGeom>
+        </p:spPr>
+      </p:pic>
+      <p:sp>
+        <p:nvSpPr>
+          <p:cNvPr id="8" name="TextBox 7">
+            <a:extLst>
+              <a:ext uri="{FF2B5EF4-FFF2-40B4-BE49-F238E27FC236}">
+                <a16:creationId xmlns:a16="http://schemas.microsoft.com/office/drawing/2014/main" id="{5F0BA751-2634-BF24-A8F9-6D13132B1120}"/>
+              </a:ext>
+            </a:extLst>
+          </p:cNvPr>
+          <p:cNvSpPr txBox="1"/>
+          <p:nvPr/>
+        </p:nvSpPr>
+        <p:spPr>
+          <a:xfrm>
+            <a:off x="505669" y="2241440"/>
+            <a:ext cx="1203343" cy="369332"/>
+          </a:xfrm>
+          <a:prstGeom prst="rect">
+            <a:avLst/>
+          </a:prstGeom>
+          <a:noFill/>
+        </p:spPr>
+        <p:txBody>
+          <a:bodyPr wrap="none" rtlCol="0">
+            <a:spAutoFit/>
+          </a:bodyPr>
+          <a:lstStyle/>
+          <a:p>
+            <a:r>
+              <a:rPr lang="nb-NO" dirty="0"/>
+              <a:t>Site-to-</a:t>
+            </a:r>
+            <a:r>
+              <a:rPr lang="nb-NO" dirty="0" err="1"/>
+              <a:t>site</a:t>
+            </a:r>
+            <a:endParaRPr lang="nb-NO" dirty="0"/>
+          </a:p>
+        </p:txBody>
+      </p:sp>
+      <p:sp>
+        <p:nvSpPr>
+          <p:cNvPr id="9" name="TextBox 8">
+            <a:extLst>
+              <a:ext uri="{FF2B5EF4-FFF2-40B4-BE49-F238E27FC236}">
+                <a16:creationId xmlns:a16="http://schemas.microsoft.com/office/drawing/2014/main" id="{22412437-A8A3-9763-4138-675CD265CAF2}"/>
+              </a:ext>
+            </a:extLst>
+          </p:cNvPr>
+          <p:cNvSpPr txBox="1"/>
+          <p:nvPr/>
+        </p:nvSpPr>
+        <p:spPr>
+          <a:xfrm>
+            <a:off x="505668" y="5182760"/>
+            <a:ext cx="1340175" cy="369332"/>
+          </a:xfrm>
+          <a:prstGeom prst="rect">
+            <a:avLst/>
+          </a:prstGeom>
+          <a:noFill/>
+        </p:spPr>
+        <p:txBody>
+          <a:bodyPr wrap="none" rtlCol="0">
+            <a:spAutoFit/>
+          </a:bodyPr>
+          <a:lstStyle/>
+          <a:p>
+            <a:r>
+              <a:rPr lang="nb-NO" dirty="0"/>
+              <a:t>Point-to-</a:t>
+            </a:r>
+            <a:r>
+              <a:rPr lang="nb-NO" dirty="0" err="1"/>
+              <a:t>site</a:t>
+            </a:r>
+            <a:endParaRPr lang="nb-NO" dirty="0"/>
+          </a:p>
+        </p:txBody>
+      </p:sp>
+      <p:pic>
+        <p:nvPicPr>
+          <p:cNvPr id="10" name="Google Shape;56;p13">
+            <a:extLst>
+              <a:ext uri="{FF2B5EF4-FFF2-40B4-BE49-F238E27FC236}">
+                <a16:creationId xmlns:a16="http://schemas.microsoft.com/office/drawing/2014/main" id="{321B2102-988B-29C7-AD55-7C6159863526}"/>
+              </a:ext>
+            </a:extLst>
+          </p:cNvPr>
+          <p:cNvPicPr preferRelativeResize="0"/>
+          <p:nvPr/>
+        </p:nvPicPr>
+        <p:blipFill>
+          <a:blip r:embed="rId7">
+            <a:alphaModFix/>
+          </a:blip>
+          <a:stretch>
+            <a:fillRect/>
+          </a:stretch>
+        </p:blipFill>
+        <p:spPr>
+          <a:xfrm>
+            <a:off x="10989179" y="5736492"/>
+            <a:ext cx="1202821" cy="1121508"/>
+          </a:xfrm>
+          <a:prstGeom prst="rect">
+            <a:avLst/>
+          </a:prstGeom>
+          <a:noFill/>
+          <a:ln>
+            <a:noFill/>
+          </a:ln>
+        </p:spPr>
+      </p:pic>
+      <p:pic>
+        <p:nvPicPr>
+          <p:cNvPr id="11" name="Graphic 4">
+            <a:extLst>
+              <a:ext uri="{FF2B5EF4-FFF2-40B4-BE49-F238E27FC236}">
+                <a16:creationId xmlns:a16="http://schemas.microsoft.com/office/drawing/2014/main" id="{06501890-CAE9-61BC-7196-D896EBA21E93}"/>
+              </a:ext>
+            </a:extLst>
+          </p:cNvPr>
+          <p:cNvPicPr>
+            <a:picLocks noChangeAspect="1"/>
+          </p:cNvPicPr>
+          <p:nvPr/>
+        </p:nvPicPr>
+        <p:blipFill>
+          <a:blip r:embed="rId8">
+            <a:extLst>
+              <a:ext uri="{28A0092B-C50C-407E-A947-70E740481C1C}">
+                <a14:useLocalDpi xmlns:a14="http://schemas.microsoft.com/office/drawing/2010/main" val="0"/>
+              </a:ext>
+              <a:ext uri="{96DAC541-7B7A-43D3-8B79-37D633B846F1}">
+                <asvg:svgBlip xmlns:asvg="http://schemas.microsoft.com/office/drawing/2016/SVG/main" r:embed="rId9"/>
+              </a:ext>
+            </a:extLst>
+          </a:blip>
+          <a:stretch>
+            <a:fillRect/>
+          </a:stretch>
+        </p:blipFill>
+        <p:spPr>
+          <a:xfrm>
+            <a:off x="375137" y="6121057"/>
+            <a:ext cx="1718444" cy="574556"/>
+          </a:xfrm>
+          <a:prstGeom prst="rect">
+            <a:avLst/>
+          </a:prstGeom>
+        </p:spPr>
+      </p:pic>
+    </p:spTree>
+    <p:extLst>
+      <p:ext uri="{BB962C8B-B14F-4D97-AF65-F5344CB8AC3E}">
+        <p14:creationId xmlns:p14="http://schemas.microsoft.com/office/powerpoint/2010/main" val="2902944266"/>
+      </p:ext>
+    </p:extLst>
+  </p:cSld>
+  <p:clrMapOvr>
+    <a:masterClrMapping/>
+  </p:clrMapOvr>
+</p:sld>
+</file>
+
+<file path=ppt/slides/slide12.xml><?xml version="1.0" encoding="utf-8"?>
+<p:sld xmlns:a="http://schemas.openxmlformats.org/drawingml/2006/main" xmlns:r="http://schemas.openxmlformats.org/officeDocument/2006/relationships" xmlns:p="http://schemas.openxmlformats.org/presentationml/2006/main">
+  <p:cSld>
+    <p:spTree>
+      <p:nvGrpSpPr>
+        <p:cNvPr id="1" name=""/>
+        <p:cNvGrpSpPr/>
+        <p:nvPr/>
+      </p:nvGrpSpPr>
+      <p:grpSpPr>
+        <a:xfrm>
+          <a:off x="0" y="0"/>
+          <a:ext cx="0" cy="0"/>
+          <a:chOff x="0" y="0"/>
+          <a:chExt cx="0" cy="0"/>
+        </a:xfrm>
+      </p:grpSpPr>
+      <p:sp>
+        <p:nvSpPr>
+          <p:cNvPr id="4" name="Title 1">
+            <a:extLst>
+              <a:ext uri="{FF2B5EF4-FFF2-40B4-BE49-F238E27FC236}">
+                <a16:creationId xmlns:a16="http://schemas.microsoft.com/office/drawing/2014/main" id="{FCB46272-2617-1A70-B0BE-1D5A108D3071}"/>
+              </a:ext>
+            </a:extLst>
+          </p:cNvPr>
+          <p:cNvSpPr>
+            <a:spLocks noGrp="1"/>
+          </p:cNvSpPr>
+          <p:nvPr>
+            <p:ph type="title"/>
+          </p:nvPr>
+        </p:nvSpPr>
+        <p:spPr>
+          <a:xfrm>
+            <a:off x="838200" y="365125"/>
+            <a:ext cx="10515600" cy="1325563"/>
+          </a:xfrm>
+        </p:spPr>
+        <p:txBody>
+          <a:bodyPr/>
+          <a:lstStyle/>
+          <a:p>
+            <a:r>
+              <a:rPr lang="nb-NO" dirty="0"/>
+              <a:t>Application </a:t>
+            </a:r>
+            <a:r>
+              <a:rPr lang="nb-NO" dirty="0" err="1"/>
+              <a:t>protection</a:t>
+            </a:r>
+            <a:r>
+              <a:rPr lang="nb-NO" dirty="0"/>
+              <a:t> services</a:t>
+            </a:r>
+          </a:p>
+        </p:txBody>
+      </p:sp>
+      <p:sp>
+        <p:nvSpPr>
+          <p:cNvPr id="5" name="Content Placeholder 2">
+            <a:extLst>
+              <a:ext uri="{FF2B5EF4-FFF2-40B4-BE49-F238E27FC236}">
+                <a16:creationId xmlns:a16="http://schemas.microsoft.com/office/drawing/2014/main" id="{D0C4B9DF-5AE4-2447-2350-61F97CB4753C}"/>
+              </a:ext>
+            </a:extLst>
+          </p:cNvPr>
+          <p:cNvSpPr txBox="1">
+            <a:spLocks/>
+          </p:cNvSpPr>
+          <p:nvPr/>
+        </p:nvSpPr>
+        <p:spPr>
+          <a:xfrm>
+            <a:off x="838200" y="1825625"/>
+            <a:ext cx="10515600" cy="4351338"/>
+          </a:xfrm>
+          <a:prstGeom prst="rect">
+            <a:avLst/>
+          </a:prstGeom>
+        </p:spPr>
+        <p:txBody>
+          <a:bodyPr spcFirstLastPara="1" vert="horz" wrap="square" lIns="91425" tIns="91425" rIns="91425" bIns="91425" rtlCol="0" anchor="t" anchorCtr="0">
+            <a:noAutofit/>
+          </a:bodyPr>
+          <a:lstStyle>
+            <a:lvl1pPr marL="609585" lvl="0" indent="-457189" algn="l" defTabSz="914400" rtl="0" eaLnBrk="1" latinLnBrk="0" hangingPunct="1">
+              <a:lnSpc>
+                <a:spcPct val="90000"/>
+              </a:lnSpc>
+              <a:spcBef>
+                <a:spcPts val="0"/>
+              </a:spcBef>
+              <a:spcAft>
+                <a:spcPts val="0"/>
+              </a:spcAft>
+              <a:buSzPts val="1800"/>
+              <a:buFont typeface="Arial" panose="020B0604020202020204" pitchFamily="34" charset="0"/>
+              <a:buChar char="●"/>
+              <a:defRPr sz="2800" kern="1200">
+                <a:solidFill>
+                  <a:schemeClr val="tx1"/>
+                </a:solidFill>
+                <a:latin typeface="+mn-lt"/>
+                <a:ea typeface="+mn-ea"/>
+                <a:cs typeface="+mn-cs"/>
+              </a:defRPr>
+            </a:lvl1pPr>
+            <a:lvl2pPr marL="1219170" lvl="1" indent="-423323" algn="l" defTabSz="914400" rtl="0" eaLnBrk="1" latinLnBrk="0" hangingPunct="1">
+              <a:lnSpc>
+                <a:spcPct val="90000"/>
+              </a:lnSpc>
+              <a:spcBef>
+                <a:spcPts val="2133"/>
+              </a:spcBef>
+              <a:spcAft>
+                <a:spcPts val="0"/>
+              </a:spcAft>
+              <a:buSzPts val="1400"/>
+              <a:buFont typeface="Arial" panose="020B0604020202020204" pitchFamily="34" charset="0"/>
+              <a:buChar char="○"/>
+              <a:defRPr sz="2400" kern="1200">
+                <a:solidFill>
+                  <a:schemeClr val="tx1"/>
+                </a:solidFill>
+                <a:latin typeface="+mn-lt"/>
+                <a:ea typeface="+mn-ea"/>
+                <a:cs typeface="+mn-cs"/>
+              </a:defRPr>
+            </a:lvl2pPr>
+            <a:lvl3pPr marL="1828754" lvl="2" indent="-423323" algn="l" defTabSz="914400" rtl="0" eaLnBrk="1" latinLnBrk="0" hangingPunct="1">
+              <a:lnSpc>
+                <a:spcPct val="90000"/>
+              </a:lnSpc>
+              <a:spcBef>
+                <a:spcPts val="2133"/>
+              </a:spcBef>
+              <a:spcAft>
+                <a:spcPts val="0"/>
+              </a:spcAft>
+              <a:buSzPts val="1400"/>
+              <a:buFont typeface="Arial" panose="020B0604020202020204" pitchFamily="34" charset="0"/>
+              <a:buChar char="■"/>
+              <a:defRPr sz="2000" kern="1200">
+                <a:solidFill>
+                  <a:schemeClr val="tx1"/>
+                </a:solidFill>
+                <a:latin typeface="+mn-lt"/>
+                <a:ea typeface="+mn-ea"/>
+                <a:cs typeface="+mn-cs"/>
+              </a:defRPr>
+            </a:lvl3pPr>
+            <a:lvl4pPr marL="2438339" lvl="3" indent="-423323" algn="l" defTabSz="914400" rtl="0" eaLnBrk="1" latinLnBrk="0" hangingPunct="1">
+              <a:lnSpc>
+                <a:spcPct val="90000"/>
+              </a:lnSpc>
+              <a:spcBef>
+                <a:spcPts val="2133"/>
+              </a:spcBef>
+              <a:spcAft>
+                <a:spcPts val="0"/>
+              </a:spcAft>
+              <a:buSzPts val="1400"/>
+              <a:buFont typeface="Arial" panose="020B0604020202020204" pitchFamily="34" charset="0"/>
+              <a:buChar char="●"/>
+              <a:defRPr sz="1800" kern="1200">
+                <a:solidFill>
+                  <a:schemeClr val="tx1"/>
+                </a:solidFill>
+                <a:latin typeface="+mn-lt"/>
+                <a:ea typeface="+mn-ea"/>
+                <a:cs typeface="+mn-cs"/>
+              </a:defRPr>
+            </a:lvl4pPr>
+            <a:lvl5pPr marL="3047924" lvl="4" indent="-423323" algn="l" defTabSz="914400" rtl="0" eaLnBrk="1" latinLnBrk="0" hangingPunct="1">
+              <a:lnSpc>
+                <a:spcPct val="90000"/>
+              </a:lnSpc>
+              <a:spcBef>
+                <a:spcPts val="2133"/>
+              </a:spcBef>
+              <a:spcAft>
+                <a:spcPts val="0"/>
+              </a:spcAft>
+              <a:buSzPts val="1400"/>
+              <a:buFont typeface="Arial" panose="020B0604020202020204" pitchFamily="34" charset="0"/>
+              <a:buChar char="○"/>
+              <a:defRPr sz="1800" kern="1200">
+                <a:solidFill>
+                  <a:schemeClr val="tx1"/>
+                </a:solidFill>
+                <a:latin typeface="+mn-lt"/>
+                <a:ea typeface="+mn-ea"/>
+                <a:cs typeface="+mn-cs"/>
+              </a:defRPr>
+            </a:lvl5pPr>
+            <a:lvl6pPr marL="3657509" lvl="5" indent="-423323" algn="l" defTabSz="914400" rtl="0" eaLnBrk="1" latinLnBrk="0" hangingPunct="1">
+              <a:lnSpc>
+                <a:spcPct val="90000"/>
+              </a:lnSpc>
+              <a:spcBef>
+                <a:spcPts val="2133"/>
+              </a:spcBef>
+              <a:spcAft>
+                <a:spcPts val="0"/>
+              </a:spcAft>
+              <a:buSzPts val="1400"/>
+              <a:buFont typeface="Arial" panose="020B0604020202020204" pitchFamily="34" charset="0"/>
+              <a:buChar char="■"/>
+              <a:defRPr sz="1800" kern="1200">
+                <a:solidFill>
+                  <a:schemeClr val="tx1"/>
+                </a:solidFill>
+                <a:latin typeface="+mn-lt"/>
+                <a:ea typeface="+mn-ea"/>
+                <a:cs typeface="+mn-cs"/>
+              </a:defRPr>
+            </a:lvl6pPr>
+            <a:lvl7pPr marL="4267093" lvl="6" indent="-423323" algn="l" defTabSz="914400" rtl="0" eaLnBrk="1" latinLnBrk="0" hangingPunct="1">
+              <a:lnSpc>
+                <a:spcPct val="90000"/>
+              </a:lnSpc>
+              <a:spcBef>
+                <a:spcPts val="2133"/>
+              </a:spcBef>
+              <a:spcAft>
+                <a:spcPts val="0"/>
+              </a:spcAft>
+              <a:buSzPts val="1400"/>
+              <a:buFont typeface="Arial" panose="020B0604020202020204" pitchFamily="34" charset="0"/>
+              <a:buChar char="●"/>
+              <a:defRPr sz="1800" kern="1200">
+                <a:solidFill>
+                  <a:schemeClr val="tx1"/>
+                </a:solidFill>
+                <a:latin typeface="+mn-lt"/>
+                <a:ea typeface="+mn-ea"/>
+                <a:cs typeface="+mn-cs"/>
+              </a:defRPr>
+            </a:lvl7pPr>
+            <a:lvl8pPr marL="4876678" lvl="7" indent="-423323" algn="l" defTabSz="914400" rtl="0" eaLnBrk="1" latinLnBrk="0" hangingPunct="1">
+              <a:lnSpc>
+                <a:spcPct val="90000"/>
+              </a:lnSpc>
+              <a:spcBef>
+                <a:spcPts val="2133"/>
+              </a:spcBef>
+              <a:spcAft>
+                <a:spcPts val="0"/>
+              </a:spcAft>
+              <a:buSzPts val="1400"/>
+              <a:buFont typeface="Arial" panose="020B0604020202020204" pitchFamily="34" charset="0"/>
+              <a:buChar char="○"/>
+              <a:defRPr sz="1800" kern="1200">
+                <a:solidFill>
+                  <a:schemeClr val="tx1"/>
+                </a:solidFill>
+                <a:latin typeface="+mn-lt"/>
+                <a:ea typeface="+mn-ea"/>
+                <a:cs typeface="+mn-cs"/>
+              </a:defRPr>
+            </a:lvl8pPr>
+            <a:lvl9pPr marL="5486263" lvl="8" indent="-423323" algn="l" defTabSz="914400" rtl="0" eaLnBrk="1" latinLnBrk="0" hangingPunct="1">
+              <a:lnSpc>
+                <a:spcPct val="90000"/>
+              </a:lnSpc>
+              <a:spcBef>
+                <a:spcPts val="2133"/>
+              </a:spcBef>
+              <a:spcAft>
+                <a:spcPts val="2133"/>
+              </a:spcAft>
+              <a:buSzPts val="1400"/>
+              <a:buFont typeface="Arial" panose="020B0604020202020204" pitchFamily="34" charset="0"/>
+              <a:buChar char="■"/>
+              <a:defRPr sz="1800" kern="1200">
+                <a:solidFill>
+                  <a:schemeClr val="tx1"/>
+                </a:solidFill>
+                <a:latin typeface="+mn-lt"/>
+                <a:ea typeface="+mn-ea"/>
+                <a:cs typeface="+mn-cs"/>
+              </a:defRPr>
+            </a:lvl9pPr>
+          </a:lstStyle>
+          <a:p>
+            <a:r>
+              <a:rPr lang="nb-NO" dirty="0"/>
+              <a:t>Network security groups (NSG)</a:t>
+            </a:r>
+          </a:p>
+          <a:p>
+            <a:r>
+              <a:rPr lang="nb-NO" dirty="0"/>
+              <a:t>Service endpoints</a:t>
+            </a:r>
+          </a:p>
+          <a:p>
+            <a:r>
+              <a:rPr lang="nb-NO" dirty="0"/>
+              <a:t>Private Links, Private Endpoints</a:t>
+            </a:r>
+          </a:p>
+          <a:p>
+            <a:r>
+              <a:rPr lang="nb-NO" dirty="0">
+                <a:solidFill>
+                  <a:schemeClr val="bg1">
+                    <a:lumMod val="85000"/>
+                  </a:schemeClr>
+                </a:solidFill>
+              </a:rPr>
+              <a:t>Azure Firewall (AFW)</a:t>
+            </a:r>
+          </a:p>
+          <a:p>
+            <a:r>
+              <a:rPr lang="nb-NO" dirty="0">
+                <a:solidFill>
+                  <a:schemeClr val="bg1">
+                    <a:lumMod val="85000"/>
+                  </a:schemeClr>
+                </a:solidFill>
+              </a:rPr>
+              <a:t>Web Application Firewall (WAF)</a:t>
+            </a:r>
+          </a:p>
+          <a:p>
+            <a:r>
+              <a:rPr lang="nb-NO" dirty="0">
+                <a:solidFill>
+                  <a:schemeClr val="bg1">
+                    <a:lumMod val="85000"/>
+                  </a:schemeClr>
+                </a:solidFill>
+              </a:rPr>
+              <a:t>DDoS Protection</a:t>
+            </a:r>
+          </a:p>
+          <a:p>
+            <a:pPr marL="0" indent="0">
+              <a:buFont typeface="Arial" panose="020B0604020202020204" pitchFamily="34" charset="0"/>
+              <a:buNone/>
+            </a:pPr>
+            <a:endParaRPr lang="nb-NO" dirty="0"/>
+          </a:p>
+          <a:p>
+            <a:endParaRPr lang="nb-NO" dirty="0"/>
+          </a:p>
+          <a:p>
+            <a:endParaRPr lang="nb-NO" dirty="0"/>
+          </a:p>
+        </p:txBody>
+      </p:sp>
+      <p:pic>
+        <p:nvPicPr>
+          <p:cNvPr id="6" name="Google Shape;56;p13">
+            <a:extLst>
+              <a:ext uri="{FF2B5EF4-FFF2-40B4-BE49-F238E27FC236}">
+                <a16:creationId xmlns:a16="http://schemas.microsoft.com/office/drawing/2014/main" id="{87817940-1D63-3614-9938-6632C006A180}"/>
+              </a:ext>
+            </a:extLst>
+          </p:cNvPr>
+          <p:cNvPicPr preferRelativeResize="0"/>
+          <p:nvPr/>
+        </p:nvPicPr>
+        <p:blipFill>
+          <a:blip r:embed="rId2">
+            <a:alphaModFix/>
+          </a:blip>
+          <a:stretch>
+            <a:fillRect/>
+          </a:stretch>
+        </p:blipFill>
+        <p:spPr>
+          <a:xfrm>
+            <a:off x="10989179" y="5736492"/>
+            <a:ext cx="1202821" cy="1121508"/>
+          </a:xfrm>
+          <a:prstGeom prst="rect">
+            <a:avLst/>
+          </a:prstGeom>
+          <a:noFill/>
+          <a:ln>
+            <a:noFill/>
+          </a:ln>
+        </p:spPr>
+      </p:pic>
+      <p:pic>
+        <p:nvPicPr>
+          <p:cNvPr id="7" name="Graphic 4">
+            <a:extLst>
+              <a:ext uri="{FF2B5EF4-FFF2-40B4-BE49-F238E27FC236}">
+                <a16:creationId xmlns:a16="http://schemas.microsoft.com/office/drawing/2014/main" id="{670451EB-452A-7F9A-EE11-E24B3A9BA058}"/>
+              </a:ext>
+            </a:extLst>
+          </p:cNvPr>
+          <p:cNvPicPr>
+            <a:picLocks noChangeAspect="1"/>
+          </p:cNvPicPr>
+          <p:nvPr/>
+        </p:nvPicPr>
+        <p:blipFill>
+          <a:blip r:embed="rId3">
+            <a:extLst>
+              <a:ext uri="{28A0092B-C50C-407E-A947-70E740481C1C}">
+                <a14:useLocalDpi xmlns:a14="http://schemas.microsoft.com/office/drawing/2010/main" val="0"/>
+              </a:ext>
+              <a:ext uri="{96DAC541-7B7A-43D3-8B79-37D633B846F1}">
+                <asvg:svgBlip xmlns:asvg="http://schemas.microsoft.com/office/drawing/2016/SVG/main" r:embed="rId4"/>
+              </a:ext>
+            </a:extLst>
+          </a:blip>
+          <a:stretch>
+            <a:fillRect/>
+          </a:stretch>
+        </p:blipFill>
+        <p:spPr>
+          <a:xfrm>
+            <a:off x="375137" y="6121057"/>
+            <a:ext cx="1718444" cy="574556"/>
+          </a:xfrm>
+          <a:prstGeom prst="rect">
+            <a:avLst/>
+          </a:prstGeom>
+        </p:spPr>
+      </p:pic>
+    </p:spTree>
+    <p:extLst>
+      <p:ext uri="{BB962C8B-B14F-4D97-AF65-F5344CB8AC3E}">
+        <p14:creationId xmlns:p14="http://schemas.microsoft.com/office/powerpoint/2010/main" val="2494372228"/>
+      </p:ext>
+    </p:extLst>
+  </p:cSld>
+  <p:clrMapOvr>
+    <a:masterClrMapping/>
+  </p:clrMapOvr>
+</p:sld>
+</file>
+
+<file path=ppt/slides/slide13.xml><?xml version="1.0" encoding="utf-8"?>
+<p:sld xmlns:a="http://schemas.openxmlformats.org/drawingml/2006/main" xmlns:r="http://schemas.openxmlformats.org/officeDocument/2006/relationships" xmlns:p="http://schemas.openxmlformats.org/presentationml/2006/main">
+  <p:cSld>
+    <p:spTree>
+      <p:nvGrpSpPr>
+        <p:cNvPr id="1" name=""/>
+        <p:cNvGrpSpPr/>
+        <p:nvPr/>
+      </p:nvGrpSpPr>
+      <p:grpSpPr>
+        <a:xfrm>
+          <a:off x="0" y="0"/>
+          <a:ext cx="0" cy="0"/>
+          <a:chOff x="0" y="0"/>
+          <a:chExt cx="0" cy="0"/>
+        </a:xfrm>
+      </p:grpSpPr>
+      <p:pic>
+        <p:nvPicPr>
+          <p:cNvPr id="4" name="Picture 2" descr="NSG-processing">
+            <a:extLst>
+              <a:ext uri="{FF2B5EF4-FFF2-40B4-BE49-F238E27FC236}">
+                <a16:creationId xmlns:a16="http://schemas.microsoft.com/office/drawing/2014/main" id="{C41088A9-1CDE-0381-F03F-DDBF708A2AF1}"/>
+              </a:ext>
+            </a:extLst>
+          </p:cNvPr>
+          <p:cNvPicPr>
+            <a:picLocks noChangeAspect="1" noChangeArrowheads="1"/>
+          </p:cNvPicPr>
+          <p:nvPr/>
+        </p:nvPicPr>
+        <p:blipFill>
+          <a:blip r:embed="rId3">
+            <a:extLst>
+              <a:ext uri="{28A0092B-C50C-407E-A947-70E740481C1C}">
+                <a14:useLocalDpi xmlns:a14="http://schemas.microsoft.com/office/drawing/2010/main" val="0"/>
+              </a:ext>
+            </a:extLst>
+          </a:blip>
+          <a:srcRect/>
+          <a:stretch>
+            <a:fillRect/>
+          </a:stretch>
+        </p:blipFill>
+        <p:spPr bwMode="auto">
+          <a:xfrm>
+            <a:off x="5953124" y="1225190"/>
+            <a:ext cx="6238876" cy="5552207"/>
+          </a:xfrm>
+          <a:prstGeom prst="rect">
+            <a:avLst/>
+          </a:prstGeom>
+          <a:noFill/>
+          <a:extLst>
+            <a:ext uri="{909E8E84-426E-40DD-AFC4-6F175D3DCCD1}">
+              <a14:hiddenFill xmlns:a14="http://schemas.microsoft.com/office/drawing/2010/main">
+                <a:solidFill>
+                  <a:srgbClr val="FFFFFF"/>
+                </a:solidFill>
+              </a14:hiddenFill>
+            </a:ext>
+          </a:extLst>
+        </p:spPr>
+      </p:pic>
+      <p:sp>
+        <p:nvSpPr>
+          <p:cNvPr id="5" name="Title 1">
+            <a:extLst>
+              <a:ext uri="{FF2B5EF4-FFF2-40B4-BE49-F238E27FC236}">
+                <a16:creationId xmlns:a16="http://schemas.microsoft.com/office/drawing/2014/main" id="{CC56D551-9C59-1E0C-DC86-AF32D5DAE5A8}"/>
+              </a:ext>
+            </a:extLst>
+          </p:cNvPr>
+          <p:cNvSpPr>
+            <a:spLocks noGrp="1"/>
+          </p:cNvSpPr>
+          <p:nvPr>
+            <p:ph type="title"/>
+          </p:nvPr>
+        </p:nvSpPr>
+        <p:spPr>
+          <a:xfrm>
+            <a:off x="838200" y="365125"/>
+            <a:ext cx="10515600" cy="1325563"/>
+          </a:xfrm>
+        </p:spPr>
+        <p:txBody>
+          <a:bodyPr/>
+          <a:lstStyle/>
+          <a:p>
+            <a:r>
+              <a:rPr lang="nb-NO" dirty="0"/>
+              <a:t>Network Security Group - NSG</a:t>
+            </a:r>
+          </a:p>
+        </p:txBody>
+      </p:sp>
+      <p:sp>
+        <p:nvSpPr>
+          <p:cNvPr id="6" name="Content Placeholder 2">
+            <a:extLst>
+              <a:ext uri="{FF2B5EF4-FFF2-40B4-BE49-F238E27FC236}">
+                <a16:creationId xmlns:a16="http://schemas.microsoft.com/office/drawing/2014/main" id="{6E8BBC1B-19A5-E5C8-65D1-9D471444EFC0}"/>
+              </a:ext>
+            </a:extLst>
+          </p:cNvPr>
+          <p:cNvSpPr txBox="1">
+            <a:spLocks/>
+          </p:cNvSpPr>
+          <p:nvPr/>
+        </p:nvSpPr>
+        <p:spPr>
+          <a:xfrm>
+            <a:off x="838200" y="1825625"/>
+            <a:ext cx="5344886" cy="4351338"/>
+          </a:xfrm>
+          <a:prstGeom prst="rect">
+            <a:avLst/>
+          </a:prstGeom>
+        </p:spPr>
+        <p:txBody>
+          <a:bodyPr spcFirstLastPara="1" vert="horz" wrap="square" lIns="91425" tIns="91425" rIns="91425" bIns="91425" rtlCol="0" anchor="t" anchorCtr="0">
+            <a:noAutofit/>
+          </a:bodyPr>
+          <a:lstStyle>
+            <a:lvl1pPr marL="609585" lvl="0" indent="-457189" algn="l" defTabSz="914400" rtl="0" eaLnBrk="1" latinLnBrk="0" hangingPunct="1">
+              <a:lnSpc>
+                <a:spcPct val="90000"/>
+              </a:lnSpc>
+              <a:spcBef>
+                <a:spcPts val="0"/>
+              </a:spcBef>
+              <a:spcAft>
+                <a:spcPts val="0"/>
+              </a:spcAft>
+              <a:buSzPts val="1800"/>
+              <a:buFont typeface="Arial" panose="020B0604020202020204" pitchFamily="34" charset="0"/>
+              <a:buChar char="●"/>
+              <a:defRPr sz="2800" kern="1200">
+                <a:solidFill>
+                  <a:schemeClr val="tx1"/>
+                </a:solidFill>
+                <a:latin typeface="+mn-lt"/>
+                <a:ea typeface="+mn-ea"/>
+                <a:cs typeface="+mn-cs"/>
+              </a:defRPr>
+            </a:lvl1pPr>
+            <a:lvl2pPr marL="1219170" lvl="1" indent="-423323" algn="l" defTabSz="914400" rtl="0" eaLnBrk="1" latinLnBrk="0" hangingPunct="1">
+              <a:lnSpc>
+                <a:spcPct val="90000"/>
+              </a:lnSpc>
+              <a:spcBef>
+                <a:spcPts val="2133"/>
+              </a:spcBef>
+              <a:spcAft>
+                <a:spcPts val="0"/>
+              </a:spcAft>
+              <a:buSzPts val="1400"/>
+              <a:buFont typeface="Arial" panose="020B0604020202020204" pitchFamily="34" charset="0"/>
+              <a:buChar char="○"/>
+              <a:defRPr sz="2400" kern="1200">
+                <a:solidFill>
+                  <a:schemeClr val="tx1"/>
+                </a:solidFill>
+                <a:latin typeface="+mn-lt"/>
+                <a:ea typeface="+mn-ea"/>
+                <a:cs typeface="+mn-cs"/>
+              </a:defRPr>
+            </a:lvl2pPr>
+            <a:lvl3pPr marL="1828754" lvl="2" indent="-423323" algn="l" defTabSz="914400" rtl="0" eaLnBrk="1" latinLnBrk="0" hangingPunct="1">
+              <a:lnSpc>
+                <a:spcPct val="90000"/>
+              </a:lnSpc>
+              <a:spcBef>
+                <a:spcPts val="2133"/>
+              </a:spcBef>
+              <a:spcAft>
+                <a:spcPts val="0"/>
+              </a:spcAft>
+              <a:buSzPts val="1400"/>
+              <a:buFont typeface="Arial" panose="020B0604020202020204" pitchFamily="34" charset="0"/>
+              <a:buChar char="■"/>
+              <a:defRPr sz="2000" kern="1200">
+                <a:solidFill>
+                  <a:schemeClr val="tx1"/>
+                </a:solidFill>
+                <a:latin typeface="+mn-lt"/>
+                <a:ea typeface="+mn-ea"/>
+                <a:cs typeface="+mn-cs"/>
+              </a:defRPr>
+            </a:lvl3pPr>
+            <a:lvl4pPr marL="2438339" lvl="3" indent="-423323" algn="l" defTabSz="914400" rtl="0" eaLnBrk="1" latinLnBrk="0" hangingPunct="1">
+              <a:lnSpc>
+                <a:spcPct val="90000"/>
+              </a:lnSpc>
+              <a:spcBef>
+                <a:spcPts val="2133"/>
+              </a:spcBef>
+              <a:spcAft>
+                <a:spcPts val="0"/>
+              </a:spcAft>
+              <a:buSzPts val="1400"/>
+              <a:buFont typeface="Arial" panose="020B0604020202020204" pitchFamily="34" charset="0"/>
+              <a:buChar char="●"/>
+              <a:defRPr sz="1800" kern="1200">
+                <a:solidFill>
+                  <a:schemeClr val="tx1"/>
+                </a:solidFill>
+                <a:latin typeface="+mn-lt"/>
+                <a:ea typeface="+mn-ea"/>
+                <a:cs typeface="+mn-cs"/>
+              </a:defRPr>
+            </a:lvl4pPr>
+            <a:lvl5pPr marL="3047924" lvl="4" indent="-423323" algn="l" defTabSz="914400" rtl="0" eaLnBrk="1" latinLnBrk="0" hangingPunct="1">
+              <a:lnSpc>
+                <a:spcPct val="90000"/>
+              </a:lnSpc>
+              <a:spcBef>
+                <a:spcPts val="2133"/>
+              </a:spcBef>
+              <a:spcAft>
+                <a:spcPts val="0"/>
+              </a:spcAft>
+              <a:buSzPts val="1400"/>
+              <a:buFont typeface="Arial" panose="020B0604020202020204" pitchFamily="34" charset="0"/>
+              <a:buChar char="○"/>
+              <a:defRPr sz="1800" kern="1200">
+                <a:solidFill>
+                  <a:schemeClr val="tx1"/>
+                </a:solidFill>
+                <a:latin typeface="+mn-lt"/>
+                <a:ea typeface="+mn-ea"/>
+                <a:cs typeface="+mn-cs"/>
+              </a:defRPr>
+            </a:lvl5pPr>
+            <a:lvl6pPr marL="3657509" lvl="5" indent="-423323" algn="l" defTabSz="914400" rtl="0" eaLnBrk="1" latinLnBrk="0" hangingPunct="1">
+              <a:lnSpc>
+                <a:spcPct val="90000"/>
+              </a:lnSpc>
+              <a:spcBef>
+                <a:spcPts val="2133"/>
+              </a:spcBef>
+              <a:spcAft>
+                <a:spcPts val="0"/>
+              </a:spcAft>
+              <a:buSzPts val="1400"/>
+              <a:buFont typeface="Arial" panose="020B0604020202020204" pitchFamily="34" charset="0"/>
+              <a:buChar char="■"/>
+              <a:defRPr sz="1800" kern="1200">
+                <a:solidFill>
+                  <a:schemeClr val="tx1"/>
+                </a:solidFill>
+                <a:latin typeface="+mn-lt"/>
+                <a:ea typeface="+mn-ea"/>
+                <a:cs typeface="+mn-cs"/>
+              </a:defRPr>
+            </a:lvl6pPr>
+            <a:lvl7pPr marL="4267093" lvl="6" indent="-423323" algn="l" defTabSz="914400" rtl="0" eaLnBrk="1" latinLnBrk="0" hangingPunct="1">
+              <a:lnSpc>
+                <a:spcPct val="90000"/>
+              </a:lnSpc>
+              <a:spcBef>
+                <a:spcPts val="2133"/>
+              </a:spcBef>
+              <a:spcAft>
+                <a:spcPts val="0"/>
+              </a:spcAft>
+              <a:buSzPts val="1400"/>
+              <a:buFont typeface="Arial" panose="020B0604020202020204" pitchFamily="34" charset="0"/>
+              <a:buChar char="●"/>
+              <a:defRPr sz="1800" kern="1200">
+                <a:solidFill>
+                  <a:schemeClr val="tx1"/>
+                </a:solidFill>
+                <a:latin typeface="+mn-lt"/>
+                <a:ea typeface="+mn-ea"/>
+                <a:cs typeface="+mn-cs"/>
+              </a:defRPr>
+            </a:lvl7pPr>
+            <a:lvl8pPr marL="4876678" lvl="7" indent="-423323" algn="l" defTabSz="914400" rtl="0" eaLnBrk="1" latinLnBrk="0" hangingPunct="1">
+              <a:lnSpc>
+                <a:spcPct val="90000"/>
+              </a:lnSpc>
+              <a:spcBef>
+                <a:spcPts val="2133"/>
+              </a:spcBef>
+              <a:spcAft>
+                <a:spcPts val="0"/>
+              </a:spcAft>
+              <a:buSzPts val="1400"/>
+              <a:buFont typeface="Arial" panose="020B0604020202020204" pitchFamily="34" charset="0"/>
+              <a:buChar char="○"/>
+              <a:defRPr sz="1800" kern="1200">
+                <a:solidFill>
+                  <a:schemeClr val="tx1"/>
+                </a:solidFill>
+                <a:latin typeface="+mn-lt"/>
+                <a:ea typeface="+mn-ea"/>
+                <a:cs typeface="+mn-cs"/>
+              </a:defRPr>
+            </a:lvl8pPr>
+            <a:lvl9pPr marL="5486263" lvl="8" indent="-423323" algn="l" defTabSz="914400" rtl="0" eaLnBrk="1" latinLnBrk="0" hangingPunct="1">
+              <a:lnSpc>
+                <a:spcPct val="90000"/>
+              </a:lnSpc>
+              <a:spcBef>
+                <a:spcPts val="2133"/>
+              </a:spcBef>
+              <a:spcAft>
+                <a:spcPts val="2133"/>
+              </a:spcAft>
+              <a:buSzPts val="1400"/>
+              <a:buFont typeface="Arial" panose="020B0604020202020204" pitchFamily="34" charset="0"/>
+              <a:buChar char="■"/>
+              <a:defRPr sz="1800" kern="1200">
+                <a:solidFill>
+                  <a:schemeClr val="tx1"/>
+                </a:solidFill>
+                <a:latin typeface="+mn-lt"/>
+                <a:ea typeface="+mn-ea"/>
+                <a:cs typeface="+mn-cs"/>
+              </a:defRPr>
+            </a:lvl9pPr>
+          </a:lstStyle>
+          <a:p>
+            <a:pPr marL="0" indent="0">
+              <a:buFont typeface="Arial" panose="020B0604020202020204" pitchFamily="34" charset="0"/>
+              <a:buNone/>
+            </a:pPr>
+            <a:r>
+              <a:rPr lang="nb-NO" b="1"/>
+              <a:t>NSG rule properties</a:t>
+            </a:r>
+          </a:p>
+          <a:p>
+            <a:r>
+              <a:rPr lang="nb-NO"/>
+              <a:t>Name</a:t>
+            </a:r>
+          </a:p>
+          <a:p>
+            <a:r>
+              <a:rPr lang="nb-NO"/>
+              <a:t>Priority</a:t>
+            </a:r>
+          </a:p>
+          <a:p>
+            <a:r>
+              <a:rPr lang="nb-NO"/>
+              <a:t>Source and Destination</a:t>
+            </a:r>
+          </a:p>
+          <a:p>
+            <a:r>
+              <a:rPr lang="nb-NO"/>
+              <a:t>Protocol </a:t>
+            </a:r>
+          </a:p>
+          <a:p>
+            <a:r>
+              <a:rPr lang="nb-NO"/>
+              <a:t>Direction (inbound | outbound)</a:t>
+            </a:r>
+          </a:p>
+          <a:p>
+            <a:r>
+              <a:rPr lang="nb-NO"/>
+              <a:t>Port range</a:t>
+            </a:r>
+          </a:p>
+          <a:p>
+            <a:r>
+              <a:rPr lang="nb-NO"/>
+              <a:t>Action (allow | deny)</a:t>
+            </a:r>
+            <a:endParaRPr lang="nb-NO" dirty="0"/>
+          </a:p>
+        </p:txBody>
+      </p:sp>
+      <p:pic>
+        <p:nvPicPr>
+          <p:cNvPr id="7" name="Graphic 6">
+            <a:extLst>
+              <a:ext uri="{FF2B5EF4-FFF2-40B4-BE49-F238E27FC236}">
+                <a16:creationId xmlns:a16="http://schemas.microsoft.com/office/drawing/2014/main" id="{8FAF7C91-744A-FB2A-5250-B3B2A98FA752}"/>
+              </a:ext>
+            </a:extLst>
+          </p:cNvPr>
+          <p:cNvPicPr>
+            <a:picLocks noChangeAspect="1"/>
+          </p:cNvPicPr>
+          <p:nvPr/>
+        </p:nvPicPr>
+        <p:blipFill>
+          <a:blip r:embed="rId4">
+            <a:extLst>
+              <a:ext uri="{28A0092B-C50C-407E-A947-70E740481C1C}">
+                <a14:useLocalDpi xmlns:a14="http://schemas.microsoft.com/office/drawing/2010/main" val="0"/>
+              </a:ext>
+              <a:ext uri="{96DAC541-7B7A-43D3-8B79-37D633B846F1}">
+                <asvg:svgBlip xmlns:asvg="http://schemas.microsoft.com/office/drawing/2016/SVG/main" r:embed="rId5"/>
+              </a:ext>
+            </a:extLst>
+          </a:blip>
+          <a:stretch>
+            <a:fillRect/>
+          </a:stretch>
+        </p:blipFill>
+        <p:spPr>
+          <a:xfrm>
+            <a:off x="10375447" y="346283"/>
+            <a:ext cx="978353" cy="978353"/>
+          </a:xfrm>
+          <a:prstGeom prst="rect">
+            <a:avLst/>
+          </a:prstGeom>
+        </p:spPr>
+      </p:pic>
+      <p:pic>
+        <p:nvPicPr>
+          <p:cNvPr id="9" name="Graphic 4">
+            <a:extLst>
+              <a:ext uri="{FF2B5EF4-FFF2-40B4-BE49-F238E27FC236}">
+                <a16:creationId xmlns:a16="http://schemas.microsoft.com/office/drawing/2014/main" id="{AFB25257-0D7A-CF7C-0467-3A05E672E95C}"/>
+              </a:ext>
+            </a:extLst>
+          </p:cNvPr>
+          <p:cNvPicPr>
+            <a:picLocks noChangeAspect="1"/>
+          </p:cNvPicPr>
+          <p:nvPr/>
+        </p:nvPicPr>
+        <p:blipFill>
+          <a:blip r:embed="rId6">
+            <a:extLst>
+              <a:ext uri="{28A0092B-C50C-407E-A947-70E740481C1C}">
+                <a14:useLocalDpi xmlns:a14="http://schemas.microsoft.com/office/drawing/2010/main" val="0"/>
+              </a:ext>
+              <a:ext uri="{96DAC541-7B7A-43D3-8B79-37D633B846F1}">
+                <asvg:svgBlip xmlns:asvg="http://schemas.microsoft.com/office/drawing/2016/SVG/main" r:embed="rId7"/>
+              </a:ext>
+            </a:extLst>
+          </a:blip>
+          <a:stretch>
+            <a:fillRect/>
+          </a:stretch>
+        </p:blipFill>
+        <p:spPr>
+          <a:xfrm>
+            <a:off x="375137" y="6121057"/>
+            <a:ext cx="1718444" cy="574556"/>
+          </a:xfrm>
+          <a:prstGeom prst="rect">
+            <a:avLst/>
+          </a:prstGeom>
+        </p:spPr>
+      </p:pic>
+    </p:spTree>
+    <p:extLst>
+      <p:ext uri="{BB962C8B-B14F-4D97-AF65-F5344CB8AC3E}">
+        <p14:creationId xmlns:p14="http://schemas.microsoft.com/office/powerpoint/2010/main" val="1667557878"/>
+      </p:ext>
+    </p:extLst>
+  </p:cSld>
+  <p:clrMapOvr>
+    <a:masterClrMapping/>
+  </p:clrMapOvr>
+</p:sld>
+</file>
+
+<file path=ppt/slides/slide14.xml><?xml version="1.0" encoding="utf-8"?>
+<p:sld xmlns:a="http://schemas.openxmlformats.org/drawingml/2006/main" xmlns:r="http://schemas.openxmlformats.org/officeDocument/2006/relationships" xmlns:p="http://schemas.openxmlformats.org/presentationml/2006/main">
+  <p:cSld>
+    <p:spTree>
+      <p:nvGrpSpPr>
+        <p:cNvPr id="1" name=""/>
+        <p:cNvGrpSpPr/>
+        <p:nvPr/>
+      </p:nvGrpSpPr>
+      <p:grpSpPr>
+        <a:xfrm>
+          <a:off x="0" y="0"/>
+          <a:ext cx="0" cy="0"/>
+          <a:chOff x="0" y="0"/>
+          <a:chExt cx="0" cy="0"/>
+        </a:xfrm>
+      </p:grpSpPr>
+      <p:sp>
+        <p:nvSpPr>
+          <p:cNvPr id="4" name="Title 1">
+            <a:extLst>
+              <a:ext uri="{FF2B5EF4-FFF2-40B4-BE49-F238E27FC236}">
+                <a16:creationId xmlns:a16="http://schemas.microsoft.com/office/drawing/2014/main" id="{DC4BA8F7-A539-7498-3953-E9FD37264E38}"/>
+              </a:ext>
+            </a:extLst>
+          </p:cNvPr>
+          <p:cNvSpPr>
+            <a:spLocks noGrp="1"/>
+          </p:cNvSpPr>
+          <p:nvPr>
+            <p:ph type="title"/>
+          </p:nvPr>
+        </p:nvSpPr>
+        <p:spPr>
+          <a:xfrm>
+            <a:off x="838200" y="365125"/>
+            <a:ext cx="10515600" cy="1325563"/>
+          </a:xfrm>
+        </p:spPr>
+        <p:txBody>
+          <a:bodyPr/>
+          <a:lstStyle/>
+          <a:p>
+            <a:r>
+              <a:rPr lang="nb-NO" dirty="0"/>
+              <a:t>Network Security Group – default NSG rules</a:t>
+            </a:r>
+          </a:p>
+        </p:txBody>
+      </p:sp>
+      <p:pic>
+        <p:nvPicPr>
+          <p:cNvPr id="5" name="Picture 4">
+            <a:extLst>
+              <a:ext uri="{FF2B5EF4-FFF2-40B4-BE49-F238E27FC236}">
+                <a16:creationId xmlns:a16="http://schemas.microsoft.com/office/drawing/2014/main" id="{49D27FC2-CE3E-BC75-4D6E-1D346AF9C419}"/>
+              </a:ext>
+            </a:extLst>
+          </p:cNvPr>
+          <p:cNvPicPr>
+            <a:picLocks noChangeAspect="1"/>
+          </p:cNvPicPr>
+          <p:nvPr/>
+        </p:nvPicPr>
+        <p:blipFill>
+          <a:blip r:embed="rId2"/>
+          <a:stretch>
+            <a:fillRect/>
+          </a:stretch>
+        </p:blipFill>
+        <p:spPr>
+          <a:xfrm>
+            <a:off x="602685" y="4964504"/>
+            <a:ext cx="11276190" cy="1180952"/>
+          </a:xfrm>
+          <a:prstGeom prst="rect">
+            <a:avLst/>
+          </a:prstGeom>
+        </p:spPr>
+      </p:pic>
+      <p:pic>
+        <p:nvPicPr>
+          <p:cNvPr id="6" name="Picture 5">
+            <a:extLst>
+              <a:ext uri="{FF2B5EF4-FFF2-40B4-BE49-F238E27FC236}">
+                <a16:creationId xmlns:a16="http://schemas.microsoft.com/office/drawing/2014/main" id="{8BA779A6-4F14-D947-40DC-AF9AD15FADA5}"/>
+              </a:ext>
+            </a:extLst>
+          </p:cNvPr>
+          <p:cNvPicPr>
+            <a:picLocks noChangeAspect="1"/>
+          </p:cNvPicPr>
+          <p:nvPr/>
+        </p:nvPicPr>
+        <p:blipFill>
+          <a:blip r:embed="rId3"/>
+          <a:stretch>
+            <a:fillRect/>
+          </a:stretch>
+        </p:blipFill>
+        <p:spPr>
+          <a:xfrm>
+            <a:off x="362666" y="2393710"/>
+            <a:ext cx="11466667" cy="1247619"/>
+          </a:xfrm>
+          <a:prstGeom prst="rect">
+            <a:avLst/>
+          </a:prstGeom>
+        </p:spPr>
+      </p:pic>
+      <p:sp>
+        <p:nvSpPr>
+          <p:cNvPr id="7" name="TextBox 6">
+            <a:extLst>
+              <a:ext uri="{FF2B5EF4-FFF2-40B4-BE49-F238E27FC236}">
+                <a16:creationId xmlns:a16="http://schemas.microsoft.com/office/drawing/2014/main" id="{14109DBA-6AEF-AEDF-4950-FEBF15CB159A}"/>
+              </a:ext>
+            </a:extLst>
+          </p:cNvPr>
+          <p:cNvSpPr txBox="1"/>
+          <p:nvPr/>
+        </p:nvSpPr>
+        <p:spPr>
+          <a:xfrm>
+            <a:off x="525780" y="2004060"/>
+            <a:ext cx="986167" cy="369332"/>
+          </a:xfrm>
+          <a:prstGeom prst="rect">
+            <a:avLst/>
+          </a:prstGeom>
+          <a:noFill/>
+        </p:spPr>
+        <p:txBody>
+          <a:bodyPr wrap="none" rtlCol="0">
+            <a:spAutoFit/>
+          </a:bodyPr>
+          <a:lstStyle/>
+          <a:p>
+            <a:r>
+              <a:rPr lang="nb-NO" b="1" u="sng" dirty="0" err="1"/>
+              <a:t>Inbound</a:t>
+            </a:r>
+            <a:endParaRPr lang="nb-NO" b="1" u="sng" dirty="0"/>
+          </a:p>
+        </p:txBody>
+      </p:sp>
+      <p:sp>
+        <p:nvSpPr>
+          <p:cNvPr id="8" name="TextBox 7">
+            <a:extLst>
+              <a:ext uri="{FF2B5EF4-FFF2-40B4-BE49-F238E27FC236}">
+                <a16:creationId xmlns:a16="http://schemas.microsoft.com/office/drawing/2014/main" id="{412CE2B8-6EF0-AE37-0CB2-103E0DDCF44C}"/>
+              </a:ext>
+            </a:extLst>
+          </p:cNvPr>
+          <p:cNvSpPr txBox="1"/>
+          <p:nvPr/>
+        </p:nvSpPr>
+        <p:spPr>
+          <a:xfrm>
+            <a:off x="525780" y="4511040"/>
+            <a:ext cx="1160895" cy="369332"/>
+          </a:xfrm>
+          <a:prstGeom prst="rect">
+            <a:avLst/>
+          </a:prstGeom>
+          <a:noFill/>
+        </p:spPr>
+        <p:txBody>
+          <a:bodyPr wrap="none" rtlCol="0">
+            <a:spAutoFit/>
+          </a:bodyPr>
+          <a:lstStyle/>
+          <a:p>
+            <a:r>
+              <a:rPr lang="nb-NO" b="1" u="sng" dirty="0" err="1"/>
+              <a:t>Outbound</a:t>
+            </a:r>
+            <a:endParaRPr lang="nb-NO" b="1" u="sng" dirty="0"/>
+          </a:p>
+        </p:txBody>
+      </p:sp>
+      <p:pic>
+        <p:nvPicPr>
+          <p:cNvPr id="9" name="Google Shape;56;p13">
+            <a:extLst>
+              <a:ext uri="{FF2B5EF4-FFF2-40B4-BE49-F238E27FC236}">
+                <a16:creationId xmlns:a16="http://schemas.microsoft.com/office/drawing/2014/main" id="{CFEC41A2-C7F4-D6B4-9EEA-569C3F602F72}"/>
+              </a:ext>
+            </a:extLst>
+          </p:cNvPr>
+          <p:cNvPicPr preferRelativeResize="0"/>
+          <p:nvPr/>
+        </p:nvPicPr>
+        <p:blipFill>
+          <a:blip r:embed="rId4">
+            <a:alphaModFix/>
+          </a:blip>
+          <a:stretch>
+            <a:fillRect/>
+          </a:stretch>
+        </p:blipFill>
+        <p:spPr>
+          <a:xfrm>
+            <a:off x="10989179" y="5736492"/>
+            <a:ext cx="1202821" cy="1121508"/>
+          </a:xfrm>
+          <a:prstGeom prst="rect">
+            <a:avLst/>
+          </a:prstGeom>
+          <a:noFill/>
+          <a:ln>
+            <a:noFill/>
+          </a:ln>
+        </p:spPr>
+      </p:pic>
+      <p:pic>
+        <p:nvPicPr>
+          <p:cNvPr id="10" name="Graphic 4">
+            <a:extLst>
+              <a:ext uri="{FF2B5EF4-FFF2-40B4-BE49-F238E27FC236}">
+                <a16:creationId xmlns:a16="http://schemas.microsoft.com/office/drawing/2014/main" id="{6DBF065E-DDC2-DA2B-B27A-C4618ED555F5}"/>
+              </a:ext>
+            </a:extLst>
+          </p:cNvPr>
+          <p:cNvPicPr>
+            <a:picLocks noChangeAspect="1"/>
+          </p:cNvPicPr>
+          <p:nvPr/>
+        </p:nvPicPr>
+        <p:blipFill>
+          <a:blip r:embed="rId5">
+            <a:extLst>
+              <a:ext uri="{28A0092B-C50C-407E-A947-70E740481C1C}">
+                <a14:useLocalDpi xmlns:a14="http://schemas.microsoft.com/office/drawing/2010/main" val="0"/>
+              </a:ext>
+              <a:ext uri="{96DAC541-7B7A-43D3-8B79-37D633B846F1}">
+                <asvg:svgBlip xmlns:asvg="http://schemas.microsoft.com/office/drawing/2016/SVG/main" r:embed="rId6"/>
+              </a:ext>
+            </a:extLst>
+          </a:blip>
+          <a:stretch>
+            <a:fillRect/>
+          </a:stretch>
+        </p:blipFill>
+        <p:spPr>
+          <a:xfrm>
+            <a:off x="375137" y="6121057"/>
+            <a:ext cx="1718444" cy="574556"/>
+          </a:xfrm>
+          <a:prstGeom prst="rect">
+            <a:avLst/>
+          </a:prstGeom>
+        </p:spPr>
+      </p:pic>
+    </p:spTree>
+    <p:extLst>
+      <p:ext uri="{BB962C8B-B14F-4D97-AF65-F5344CB8AC3E}">
+        <p14:creationId xmlns:p14="http://schemas.microsoft.com/office/powerpoint/2010/main" val="4031739153"/>
+      </p:ext>
+    </p:extLst>
+  </p:cSld>
+  <p:clrMapOvr>
+    <a:masterClrMapping/>
+  </p:clrMapOvr>
+</p:sld>
+</file>
+
+<file path=ppt/slides/slide15.xml><?xml version="1.0" encoding="utf-8"?>
+<p:sld xmlns:a="http://schemas.openxmlformats.org/drawingml/2006/main" xmlns:r="http://schemas.openxmlformats.org/officeDocument/2006/relationships" xmlns:p="http://schemas.openxmlformats.org/presentationml/2006/main">
+  <p:cSld>
+    <p:spTree>
+      <p:nvGrpSpPr>
+        <p:cNvPr id="1" name=""/>
+        <p:cNvGrpSpPr/>
+        <p:nvPr/>
+      </p:nvGrpSpPr>
+      <p:grpSpPr>
+        <a:xfrm>
+          <a:off x="0" y="0"/>
+          <a:ext cx="0" cy="0"/>
+          <a:chOff x="0" y="0"/>
+          <a:chExt cx="0" cy="0"/>
+        </a:xfrm>
+      </p:grpSpPr>
+      <p:sp>
+        <p:nvSpPr>
+          <p:cNvPr id="4" name="Title 1">
+            <a:extLst>
+              <a:ext uri="{FF2B5EF4-FFF2-40B4-BE49-F238E27FC236}">
+                <a16:creationId xmlns:a16="http://schemas.microsoft.com/office/drawing/2014/main" id="{9CE9F9D2-4F96-215A-2A2D-AF3CAAF3CE85}"/>
+              </a:ext>
+            </a:extLst>
+          </p:cNvPr>
+          <p:cNvSpPr>
+            <a:spLocks noGrp="1"/>
+          </p:cNvSpPr>
+          <p:nvPr>
+            <p:ph type="title"/>
+          </p:nvPr>
+        </p:nvSpPr>
+        <p:spPr>
+          <a:xfrm>
+            <a:off x="838200" y="365125"/>
+            <a:ext cx="10515600" cy="1325563"/>
+          </a:xfrm>
+        </p:spPr>
+        <p:txBody>
+          <a:bodyPr/>
+          <a:lstStyle/>
+          <a:p>
+            <a:r>
+              <a:rPr lang="nb-NO" dirty="0"/>
+              <a:t>Service tags</a:t>
+            </a:r>
+          </a:p>
+        </p:txBody>
+      </p:sp>
+      <p:pic>
+        <p:nvPicPr>
+          <p:cNvPr id="5" name="Picture 2" descr="Network isolation of Azure services using service tags">
+            <a:extLst>
+              <a:ext uri="{FF2B5EF4-FFF2-40B4-BE49-F238E27FC236}">
+                <a16:creationId xmlns:a16="http://schemas.microsoft.com/office/drawing/2014/main" id="{940C2CE2-DA25-BBA5-1532-7022CF40354E}"/>
+              </a:ext>
+            </a:extLst>
+          </p:cNvPr>
+          <p:cNvPicPr>
+            <a:picLocks noChangeAspect="1" noChangeArrowheads="1"/>
+          </p:cNvPicPr>
+          <p:nvPr/>
+        </p:nvPicPr>
+        <p:blipFill>
+          <a:blip r:embed="rId3">
+            <a:extLst>
+              <a:ext uri="{28A0092B-C50C-407E-A947-70E740481C1C}">
+                <a14:useLocalDpi xmlns:a14="http://schemas.microsoft.com/office/drawing/2010/main" val="0"/>
+              </a:ext>
+            </a:extLst>
+          </a:blip>
+          <a:srcRect/>
+          <a:stretch>
+            <a:fillRect/>
+          </a:stretch>
+        </p:blipFill>
+        <p:spPr bwMode="auto">
+          <a:xfrm>
+            <a:off x="3626069" y="1690688"/>
+            <a:ext cx="5272837" cy="4594035"/>
+          </a:xfrm>
+          <a:prstGeom prst="rect">
+            <a:avLst/>
+          </a:prstGeom>
+          <a:noFill/>
+          <a:extLst>
+            <a:ext uri="{909E8E84-426E-40DD-AFC4-6F175D3DCCD1}">
+              <a14:hiddenFill xmlns:a14="http://schemas.microsoft.com/office/drawing/2010/main">
+                <a:solidFill>
+                  <a:srgbClr val="FFFFFF"/>
+                </a:solidFill>
+              </a14:hiddenFill>
+            </a:ext>
+          </a:extLst>
+        </p:spPr>
+      </p:pic>
+      <p:pic>
+        <p:nvPicPr>
+          <p:cNvPr id="6" name="Google Shape;56;p13">
+            <a:extLst>
+              <a:ext uri="{FF2B5EF4-FFF2-40B4-BE49-F238E27FC236}">
+                <a16:creationId xmlns:a16="http://schemas.microsoft.com/office/drawing/2014/main" id="{98E90CBB-9422-C5D4-94FE-7E93329797B0}"/>
+              </a:ext>
+            </a:extLst>
+          </p:cNvPr>
+          <p:cNvPicPr preferRelativeResize="0"/>
+          <p:nvPr/>
+        </p:nvPicPr>
+        <p:blipFill>
+          <a:blip r:embed="rId4">
+            <a:alphaModFix/>
+          </a:blip>
+          <a:stretch>
+            <a:fillRect/>
+          </a:stretch>
+        </p:blipFill>
+        <p:spPr>
+          <a:xfrm>
+            <a:off x="10989179" y="5736492"/>
+            <a:ext cx="1202821" cy="1121508"/>
+          </a:xfrm>
+          <a:prstGeom prst="rect">
+            <a:avLst/>
+          </a:prstGeom>
+          <a:noFill/>
+          <a:ln>
+            <a:noFill/>
+          </a:ln>
+        </p:spPr>
+      </p:pic>
+      <p:pic>
+        <p:nvPicPr>
+          <p:cNvPr id="7" name="Graphic 4">
+            <a:extLst>
+              <a:ext uri="{FF2B5EF4-FFF2-40B4-BE49-F238E27FC236}">
+                <a16:creationId xmlns:a16="http://schemas.microsoft.com/office/drawing/2014/main" id="{F4BEA66B-BB61-749C-412B-3AF961A26B44}"/>
+              </a:ext>
+            </a:extLst>
+          </p:cNvPr>
+          <p:cNvPicPr>
+            <a:picLocks noChangeAspect="1"/>
+          </p:cNvPicPr>
+          <p:nvPr/>
+        </p:nvPicPr>
+        <p:blipFill>
+          <a:blip r:embed="rId5">
+            <a:extLst>
+              <a:ext uri="{28A0092B-C50C-407E-A947-70E740481C1C}">
+                <a14:useLocalDpi xmlns:a14="http://schemas.microsoft.com/office/drawing/2010/main" val="0"/>
+              </a:ext>
+              <a:ext uri="{96DAC541-7B7A-43D3-8B79-37D633B846F1}">
+                <asvg:svgBlip xmlns:asvg="http://schemas.microsoft.com/office/drawing/2016/SVG/main" r:embed="rId6"/>
+              </a:ext>
+            </a:extLst>
+          </a:blip>
+          <a:stretch>
+            <a:fillRect/>
+          </a:stretch>
+        </p:blipFill>
+        <p:spPr>
+          <a:xfrm>
+            <a:off x="375137" y="6121057"/>
+            <a:ext cx="1718444" cy="574556"/>
+          </a:xfrm>
+          <a:prstGeom prst="rect">
+            <a:avLst/>
+          </a:prstGeom>
+        </p:spPr>
+      </p:pic>
+    </p:spTree>
+    <p:extLst>
+      <p:ext uri="{BB962C8B-B14F-4D97-AF65-F5344CB8AC3E}">
+        <p14:creationId xmlns:p14="http://schemas.microsoft.com/office/powerpoint/2010/main" val="955387538"/>
+      </p:ext>
+    </p:extLst>
+  </p:cSld>
+  <p:clrMapOvr>
+    <a:masterClrMapping/>
+  </p:clrMapOvr>
+</p:sld>
+</file>
+
+<file path=ppt/slides/slide16.xml><?xml version="1.0" encoding="utf-8"?>
+<p:sld xmlns:a="http://schemas.openxmlformats.org/drawingml/2006/main" xmlns:r="http://schemas.openxmlformats.org/officeDocument/2006/relationships" xmlns:p="http://schemas.openxmlformats.org/presentationml/2006/main">
+  <p:cSld>
+    <p:spTree>
+      <p:nvGrpSpPr>
+        <p:cNvPr id="1" name=""/>
+        <p:cNvGrpSpPr/>
+        <p:nvPr/>
+      </p:nvGrpSpPr>
+      <p:grpSpPr>
+        <a:xfrm>
+          <a:off x="0" y="0"/>
+          <a:ext cx="0" cy="0"/>
+          <a:chOff x="0" y="0"/>
+          <a:chExt cx="0" cy="0"/>
+        </a:xfrm>
+      </p:grpSpPr>
+      <p:pic>
+        <p:nvPicPr>
+          <p:cNvPr id="4" name="Picture 2" descr="Securing Azure services to virtual networks">
+            <a:extLst>
+              <a:ext uri="{FF2B5EF4-FFF2-40B4-BE49-F238E27FC236}">
+                <a16:creationId xmlns:a16="http://schemas.microsoft.com/office/drawing/2014/main" id="{AB146F59-0695-53F3-C4AD-8DE48228AF88}"/>
+              </a:ext>
+            </a:extLst>
+          </p:cNvPr>
+          <p:cNvPicPr>
+            <a:picLocks noChangeAspect="1" noChangeArrowheads="1"/>
+          </p:cNvPicPr>
+          <p:nvPr/>
+        </p:nvPicPr>
+        <p:blipFill>
+          <a:blip r:embed="rId3">
+            <a:extLst>
+              <a:ext uri="{28A0092B-C50C-407E-A947-70E740481C1C}">
+                <a14:useLocalDpi xmlns:a14="http://schemas.microsoft.com/office/drawing/2010/main" val="0"/>
+              </a:ext>
+            </a:extLst>
+          </a:blip>
+          <a:srcRect/>
+          <a:stretch>
+            <a:fillRect/>
+          </a:stretch>
+        </p:blipFill>
+        <p:spPr bwMode="auto">
+          <a:xfrm>
+            <a:off x="3288349" y="533400"/>
+            <a:ext cx="7108544" cy="6195060"/>
+          </a:xfrm>
+          <a:prstGeom prst="rect">
+            <a:avLst/>
+          </a:prstGeom>
+          <a:noFill/>
+          <a:extLst>
+            <a:ext uri="{909E8E84-426E-40DD-AFC4-6F175D3DCCD1}">
+              <a14:hiddenFill xmlns:a14="http://schemas.microsoft.com/office/drawing/2010/main">
+                <a:solidFill>
+                  <a:srgbClr val="FFFFFF"/>
+                </a:solidFill>
+              </a14:hiddenFill>
+            </a:ext>
+          </a:extLst>
+        </p:spPr>
+      </p:pic>
+      <p:sp>
+        <p:nvSpPr>
+          <p:cNvPr id="5" name="Title 1">
+            <a:extLst>
+              <a:ext uri="{FF2B5EF4-FFF2-40B4-BE49-F238E27FC236}">
+                <a16:creationId xmlns:a16="http://schemas.microsoft.com/office/drawing/2014/main" id="{C51A7366-51C3-8C43-C340-3B7D95B20F67}"/>
+              </a:ext>
+            </a:extLst>
+          </p:cNvPr>
+          <p:cNvSpPr>
+            <a:spLocks noGrp="1"/>
+          </p:cNvSpPr>
+          <p:nvPr>
+            <p:ph type="title"/>
+          </p:nvPr>
+        </p:nvSpPr>
+        <p:spPr>
+          <a:xfrm>
+            <a:off x="838200" y="365125"/>
+            <a:ext cx="10515600" cy="1325563"/>
+          </a:xfrm>
+        </p:spPr>
+        <p:txBody>
+          <a:bodyPr/>
+          <a:lstStyle/>
+          <a:p>
+            <a:r>
+              <a:rPr lang="nb-NO" dirty="0"/>
+              <a:t>Service </a:t>
+            </a:r>
+            <a:r>
+              <a:rPr lang="nb-NO" dirty="0" err="1"/>
+              <a:t>endpoints</a:t>
+            </a:r>
+            <a:endParaRPr lang="nb-NO" dirty="0"/>
+          </a:p>
+        </p:txBody>
+      </p:sp>
+      <p:pic>
+        <p:nvPicPr>
+          <p:cNvPr id="6" name="Google Shape;56;p13">
+            <a:extLst>
+              <a:ext uri="{FF2B5EF4-FFF2-40B4-BE49-F238E27FC236}">
+                <a16:creationId xmlns:a16="http://schemas.microsoft.com/office/drawing/2014/main" id="{437B9BAE-D32A-96BF-5C68-FF453D37D47C}"/>
+              </a:ext>
+            </a:extLst>
+          </p:cNvPr>
+          <p:cNvPicPr preferRelativeResize="0"/>
+          <p:nvPr/>
+        </p:nvPicPr>
+        <p:blipFill>
+          <a:blip r:embed="rId4">
+            <a:alphaModFix/>
+          </a:blip>
+          <a:stretch>
+            <a:fillRect/>
+          </a:stretch>
+        </p:blipFill>
+        <p:spPr>
+          <a:xfrm>
+            <a:off x="10989179" y="5736492"/>
+            <a:ext cx="1202821" cy="1121508"/>
+          </a:xfrm>
+          <a:prstGeom prst="rect">
+            <a:avLst/>
+          </a:prstGeom>
+          <a:noFill/>
+          <a:ln>
+            <a:noFill/>
+          </a:ln>
+        </p:spPr>
+      </p:pic>
+      <p:pic>
+        <p:nvPicPr>
+          <p:cNvPr id="7" name="Graphic 4">
+            <a:extLst>
+              <a:ext uri="{FF2B5EF4-FFF2-40B4-BE49-F238E27FC236}">
+                <a16:creationId xmlns:a16="http://schemas.microsoft.com/office/drawing/2014/main" id="{2552AB2E-1599-341C-868D-9D1E8EF4AA95}"/>
+              </a:ext>
+            </a:extLst>
+          </p:cNvPr>
+          <p:cNvPicPr>
+            <a:picLocks noChangeAspect="1"/>
+          </p:cNvPicPr>
+          <p:nvPr/>
+        </p:nvPicPr>
+        <p:blipFill>
+          <a:blip r:embed="rId5">
+            <a:extLst>
+              <a:ext uri="{28A0092B-C50C-407E-A947-70E740481C1C}">
+                <a14:useLocalDpi xmlns:a14="http://schemas.microsoft.com/office/drawing/2010/main" val="0"/>
+              </a:ext>
+              <a:ext uri="{96DAC541-7B7A-43D3-8B79-37D633B846F1}">
+                <asvg:svgBlip xmlns:asvg="http://schemas.microsoft.com/office/drawing/2016/SVG/main" r:embed="rId6"/>
+              </a:ext>
+            </a:extLst>
+          </a:blip>
+          <a:stretch>
+            <a:fillRect/>
+          </a:stretch>
+        </p:blipFill>
+        <p:spPr>
+          <a:xfrm>
+            <a:off x="375137" y="6121057"/>
+            <a:ext cx="1718444" cy="574556"/>
+          </a:xfrm>
+          <a:prstGeom prst="rect">
+            <a:avLst/>
+          </a:prstGeom>
+        </p:spPr>
+      </p:pic>
+    </p:spTree>
+    <p:extLst>
+      <p:ext uri="{BB962C8B-B14F-4D97-AF65-F5344CB8AC3E}">
+        <p14:creationId xmlns:p14="http://schemas.microsoft.com/office/powerpoint/2010/main" val="2215336523"/>
+      </p:ext>
+    </p:extLst>
+  </p:cSld>
+  <p:clrMapOvr>
+    <a:masterClrMapping/>
+  </p:clrMapOvr>
+</p:sld>
+</file>
+
+<file path=ppt/slides/slide17.xml><?xml version="1.0" encoding="utf-8"?>
+<p:sld xmlns:a="http://schemas.openxmlformats.org/drawingml/2006/main" xmlns:r="http://schemas.openxmlformats.org/officeDocument/2006/relationships" xmlns:p="http://schemas.openxmlformats.org/presentationml/2006/main">
+  <p:cSld>
+    <p:spTree>
+      <p:nvGrpSpPr>
+        <p:cNvPr id="1" name=""/>
+        <p:cNvGrpSpPr/>
+        <p:nvPr/>
+      </p:nvGrpSpPr>
+      <p:grpSpPr>
+        <a:xfrm>
+          <a:off x="0" y="0"/>
+          <a:ext cx="0" cy="0"/>
+          <a:chOff x="0" y="0"/>
+          <a:chExt cx="0" cy="0"/>
+        </a:xfrm>
+      </p:grpSpPr>
+      <p:pic>
+        <p:nvPicPr>
+          <p:cNvPr id="6" name="Google Shape;56;p13">
+            <a:extLst>
+              <a:ext uri="{FF2B5EF4-FFF2-40B4-BE49-F238E27FC236}">
+                <a16:creationId xmlns:a16="http://schemas.microsoft.com/office/drawing/2014/main" id="{64AE39D8-E574-A44B-39FB-3357EFB87CD3}"/>
+              </a:ext>
+            </a:extLst>
+          </p:cNvPr>
+          <p:cNvPicPr preferRelativeResize="0"/>
+          <p:nvPr/>
+        </p:nvPicPr>
+        <p:blipFill>
+          <a:blip r:embed="rId3">
+            <a:alphaModFix/>
+          </a:blip>
+          <a:stretch>
+            <a:fillRect/>
+          </a:stretch>
+        </p:blipFill>
+        <p:spPr>
+          <a:xfrm>
+            <a:off x="10989179" y="5736492"/>
+            <a:ext cx="1202821" cy="1121508"/>
+          </a:xfrm>
+          <a:prstGeom prst="rect">
+            <a:avLst/>
+          </a:prstGeom>
+          <a:noFill/>
+          <a:ln>
+            <a:noFill/>
+          </a:ln>
+        </p:spPr>
+      </p:pic>
+      <p:sp>
+        <p:nvSpPr>
+          <p:cNvPr id="4" name="Title 1">
+            <a:extLst>
+              <a:ext uri="{FF2B5EF4-FFF2-40B4-BE49-F238E27FC236}">
+                <a16:creationId xmlns:a16="http://schemas.microsoft.com/office/drawing/2014/main" id="{B5EF3408-3A5E-95CF-24BC-930418F15B35}"/>
+              </a:ext>
+            </a:extLst>
+          </p:cNvPr>
+          <p:cNvSpPr>
+            <a:spLocks noGrp="1"/>
+          </p:cNvSpPr>
+          <p:nvPr>
+            <p:ph type="title"/>
+          </p:nvPr>
+        </p:nvSpPr>
+        <p:spPr>
+          <a:xfrm>
+            <a:off x="838200" y="365125"/>
+            <a:ext cx="10515600" cy="1325563"/>
+          </a:xfrm>
+        </p:spPr>
+        <p:txBody>
+          <a:bodyPr/>
+          <a:lstStyle/>
+          <a:p>
+            <a:r>
+              <a:rPr lang="nb-NO" dirty="0"/>
+              <a:t>Service </a:t>
+            </a:r>
+            <a:r>
+              <a:rPr lang="nb-NO" dirty="0" err="1"/>
+              <a:t>endpoints</a:t>
+            </a:r>
+            <a:endParaRPr lang="nb-NO" dirty="0"/>
+          </a:p>
+        </p:txBody>
+      </p:sp>
+      <p:pic>
+        <p:nvPicPr>
+          <p:cNvPr id="5" name="Picture 2" descr="Service Endpoints">
+            <a:extLst>
+              <a:ext uri="{FF2B5EF4-FFF2-40B4-BE49-F238E27FC236}">
+                <a16:creationId xmlns:a16="http://schemas.microsoft.com/office/drawing/2014/main" id="{187CF094-8894-BD97-CF11-CDA4AEBC66BF}"/>
+              </a:ext>
+            </a:extLst>
+          </p:cNvPr>
+          <p:cNvPicPr>
+            <a:picLocks noChangeAspect="1" noChangeArrowheads="1"/>
+          </p:cNvPicPr>
+          <p:nvPr/>
+        </p:nvPicPr>
+        <p:blipFill>
+          <a:blip r:embed="rId4">
+            <a:extLst>
+              <a:ext uri="{28A0092B-C50C-407E-A947-70E740481C1C}">
+                <a14:useLocalDpi xmlns:a14="http://schemas.microsoft.com/office/drawing/2010/main" val="0"/>
+              </a:ext>
+            </a:extLst>
+          </a:blip>
+          <a:srcRect/>
+          <a:stretch>
+            <a:fillRect/>
+          </a:stretch>
+        </p:blipFill>
+        <p:spPr bwMode="auto">
+          <a:xfrm>
+            <a:off x="1120140" y="1270440"/>
+            <a:ext cx="9951720" cy="4886320"/>
+          </a:xfrm>
+          <a:prstGeom prst="rect">
+            <a:avLst/>
+          </a:prstGeom>
+          <a:noFill/>
+          <a:extLst>
+            <a:ext uri="{909E8E84-426E-40DD-AFC4-6F175D3DCCD1}">
+              <a14:hiddenFill xmlns:a14="http://schemas.microsoft.com/office/drawing/2010/main">
+                <a:solidFill>
+                  <a:srgbClr val="FFFFFF"/>
+                </a:solidFill>
+              </a14:hiddenFill>
+            </a:ext>
+          </a:extLst>
+        </p:spPr>
+      </p:pic>
+      <p:pic>
+        <p:nvPicPr>
+          <p:cNvPr id="7" name="Graphic 4">
+            <a:extLst>
+              <a:ext uri="{FF2B5EF4-FFF2-40B4-BE49-F238E27FC236}">
+                <a16:creationId xmlns:a16="http://schemas.microsoft.com/office/drawing/2014/main" id="{659C9C74-55F9-F296-1192-2C5799B8C0D0}"/>
+              </a:ext>
+            </a:extLst>
+          </p:cNvPr>
+          <p:cNvPicPr>
+            <a:picLocks noChangeAspect="1"/>
+          </p:cNvPicPr>
+          <p:nvPr/>
+        </p:nvPicPr>
+        <p:blipFill>
+          <a:blip r:embed="rId5">
+            <a:extLst>
+              <a:ext uri="{28A0092B-C50C-407E-A947-70E740481C1C}">
+                <a14:useLocalDpi xmlns:a14="http://schemas.microsoft.com/office/drawing/2010/main" val="0"/>
+              </a:ext>
+              <a:ext uri="{96DAC541-7B7A-43D3-8B79-37D633B846F1}">
+                <asvg:svgBlip xmlns:asvg="http://schemas.microsoft.com/office/drawing/2016/SVG/main" r:embed="rId6"/>
+              </a:ext>
+            </a:extLst>
+          </a:blip>
+          <a:stretch>
+            <a:fillRect/>
+          </a:stretch>
+        </p:blipFill>
+        <p:spPr>
+          <a:xfrm>
+            <a:off x="375137" y="6121057"/>
+            <a:ext cx="1718444" cy="574556"/>
+          </a:xfrm>
+          <a:prstGeom prst="rect">
+            <a:avLst/>
+          </a:prstGeom>
+        </p:spPr>
+      </p:pic>
+    </p:spTree>
+    <p:extLst>
+      <p:ext uri="{BB962C8B-B14F-4D97-AF65-F5344CB8AC3E}">
+        <p14:creationId xmlns:p14="http://schemas.microsoft.com/office/powerpoint/2010/main" val="2436997806"/>
+      </p:ext>
+    </p:extLst>
+  </p:cSld>
+  <p:clrMapOvr>
+    <a:masterClrMapping/>
+  </p:clrMapOvr>
+</p:sld>
+</file>
+
+<file path=ppt/slides/slide18.xml><?xml version="1.0" encoding="utf-8"?>
+<p:sld xmlns:a="http://schemas.openxmlformats.org/drawingml/2006/main" xmlns:r="http://schemas.openxmlformats.org/officeDocument/2006/relationships" xmlns:p="http://schemas.openxmlformats.org/presentationml/2006/main">
+  <p:cSld>
+    <p:spTree>
+      <p:nvGrpSpPr>
+        <p:cNvPr id="1" name=""/>
+        <p:cNvGrpSpPr/>
+        <p:nvPr/>
+      </p:nvGrpSpPr>
+      <p:grpSpPr>
+        <a:xfrm>
+          <a:off x="0" y="0"/>
+          <a:ext cx="0" cy="0"/>
+          <a:chOff x="0" y="0"/>
+          <a:chExt cx="0" cy="0"/>
+        </a:xfrm>
+      </p:grpSpPr>
+      <p:sp>
+        <p:nvSpPr>
+          <p:cNvPr id="2" name="Title 1">
+            <a:extLst>
+              <a:ext uri="{FF2B5EF4-FFF2-40B4-BE49-F238E27FC236}">
+                <a16:creationId xmlns:a16="http://schemas.microsoft.com/office/drawing/2014/main" id="{CE06C0FD-17AD-5A86-D7E4-9F8B19EDB8BE}"/>
+              </a:ext>
+            </a:extLst>
+          </p:cNvPr>
+          <p:cNvSpPr>
+            <a:spLocks noGrp="1"/>
+          </p:cNvSpPr>
+          <p:nvPr>
+            <p:ph type="title"/>
+          </p:nvPr>
+        </p:nvSpPr>
+        <p:spPr/>
+        <p:txBody>
+          <a:bodyPr/>
+          <a:lstStyle/>
+          <a:p>
+            <a:r>
+              <a:rPr lang="nb-NO" dirty="0"/>
+              <a:t>Private Endpoints and Private links</a:t>
+            </a:r>
+            <a:endParaRPr lang="en-US" dirty="0"/>
+          </a:p>
+        </p:txBody>
+      </p:sp>
+      <p:sp>
+        <p:nvSpPr>
+          <p:cNvPr id="3" name="Text Placeholder 2">
+            <a:extLst>
+              <a:ext uri="{FF2B5EF4-FFF2-40B4-BE49-F238E27FC236}">
+                <a16:creationId xmlns:a16="http://schemas.microsoft.com/office/drawing/2014/main" id="{F3573E1E-0EF5-AAA2-CA6A-EA2A0E5671A1}"/>
+              </a:ext>
+            </a:extLst>
+          </p:cNvPr>
+          <p:cNvSpPr>
+            <a:spLocks noGrp="1"/>
+          </p:cNvSpPr>
+          <p:nvPr>
+            <p:ph type="body" idx="1"/>
+          </p:nvPr>
+        </p:nvSpPr>
+        <p:spPr>
+          <a:xfrm>
+            <a:off x="415600" y="1536633"/>
+            <a:ext cx="9816971" cy="4555200"/>
+          </a:xfrm>
+        </p:spPr>
+        <p:txBody>
+          <a:bodyPr/>
+          <a:lstStyle/>
+          <a:p>
+            <a:r>
+              <a:rPr lang="en-US" dirty="0"/>
+              <a:t>Privately access services on the Azure platform</a:t>
+            </a:r>
+          </a:p>
+          <a:p>
+            <a:r>
+              <a:rPr lang="en-US" dirty="0"/>
+              <a:t>On-premises and peered networks</a:t>
+            </a:r>
+          </a:p>
+          <a:p>
+            <a:r>
+              <a:rPr lang="en-US" dirty="0"/>
+              <a:t>Protection against data leakage</a:t>
+            </a:r>
+          </a:p>
+          <a:p>
+            <a:r>
+              <a:rPr lang="en-US" dirty="0"/>
+              <a:t>Extend to your own services</a:t>
+            </a:r>
+          </a:p>
+          <a:p>
+            <a:endParaRPr lang="en-US" dirty="0"/>
+          </a:p>
+        </p:txBody>
+      </p:sp>
+      <p:pic>
+        <p:nvPicPr>
+          <p:cNvPr id="5" name="Graphic 4">
+            <a:extLst>
+              <a:ext uri="{FF2B5EF4-FFF2-40B4-BE49-F238E27FC236}">
+                <a16:creationId xmlns:a16="http://schemas.microsoft.com/office/drawing/2014/main" id="{0EA27CB8-8340-5A1C-F770-C3908B90DB3E}"/>
+              </a:ext>
+            </a:extLst>
+          </p:cNvPr>
+          <p:cNvPicPr>
+            <a:picLocks noChangeAspect="1"/>
+          </p:cNvPicPr>
+          <p:nvPr/>
+        </p:nvPicPr>
+        <p:blipFill>
+          <a:blip r:embed="rId3">
+            <a:extLst>
+              <a:ext uri="{28A0092B-C50C-407E-A947-70E740481C1C}">
+                <a14:useLocalDpi xmlns:a14="http://schemas.microsoft.com/office/drawing/2010/main" val="0"/>
+              </a:ext>
+              <a:ext uri="{96DAC541-7B7A-43D3-8B79-37D633B846F1}">
+                <asvg:svgBlip xmlns:asvg="http://schemas.microsoft.com/office/drawing/2016/SVG/main" r:embed="rId4"/>
+              </a:ext>
+            </a:extLst>
+          </a:blip>
+          <a:stretch>
+            <a:fillRect/>
+          </a:stretch>
+        </p:blipFill>
+        <p:spPr>
+          <a:xfrm>
+            <a:off x="375137" y="6121057"/>
+            <a:ext cx="1718444" cy="574556"/>
+          </a:xfrm>
+          <a:prstGeom prst="rect">
+            <a:avLst/>
+          </a:prstGeom>
+        </p:spPr>
+      </p:pic>
+      <p:pic>
+        <p:nvPicPr>
+          <p:cNvPr id="7" name="Graphic 6">
+            <a:extLst>
+              <a:ext uri="{FF2B5EF4-FFF2-40B4-BE49-F238E27FC236}">
+                <a16:creationId xmlns:a16="http://schemas.microsoft.com/office/drawing/2014/main" id="{A6F93A32-B015-AFD9-3272-41FB676F2CF3}"/>
+              </a:ext>
+            </a:extLst>
+          </p:cNvPr>
+          <p:cNvPicPr>
+            <a:picLocks noChangeAspect="1"/>
+          </p:cNvPicPr>
+          <p:nvPr/>
+        </p:nvPicPr>
+        <p:blipFill>
+          <a:blip r:embed="rId5">
+            <a:extLst>
+              <a:ext uri="{28A0092B-C50C-407E-A947-70E740481C1C}">
+                <a14:useLocalDpi xmlns:a14="http://schemas.microsoft.com/office/drawing/2010/main" val="0"/>
+              </a:ext>
+              <a:ext uri="{96DAC541-7B7A-43D3-8B79-37D633B846F1}">
+                <asvg:svgBlip xmlns:asvg="http://schemas.microsoft.com/office/drawing/2016/SVG/main" r:embed="rId6"/>
+              </a:ext>
+            </a:extLst>
+          </a:blip>
+          <a:stretch>
+            <a:fillRect/>
+          </a:stretch>
+        </p:blipFill>
+        <p:spPr>
+          <a:xfrm>
+            <a:off x="10749914" y="689655"/>
+            <a:ext cx="504825" cy="504825"/>
+          </a:xfrm>
+          <a:prstGeom prst="rect">
+            <a:avLst/>
+          </a:prstGeom>
+        </p:spPr>
+      </p:pic>
+      <p:pic>
+        <p:nvPicPr>
+          <p:cNvPr id="8" name="Graphic 7">
+            <a:extLst>
+              <a:ext uri="{FF2B5EF4-FFF2-40B4-BE49-F238E27FC236}">
+                <a16:creationId xmlns:a16="http://schemas.microsoft.com/office/drawing/2014/main" id="{EB2288CB-7369-C8D3-ECA2-E1BDC79D55B2}"/>
+              </a:ext>
+            </a:extLst>
+          </p:cNvPr>
+          <p:cNvPicPr>
+            <a:picLocks noChangeAspect="1"/>
+          </p:cNvPicPr>
+          <p:nvPr/>
+        </p:nvPicPr>
+        <p:blipFill>
+          <a:blip r:embed="rId7">
+            <a:extLst>
+              <a:ext uri="{28A0092B-C50C-407E-A947-70E740481C1C}">
+                <a14:useLocalDpi xmlns:a14="http://schemas.microsoft.com/office/drawing/2010/main" val="0"/>
+              </a:ext>
+              <a:ext uri="{96DAC541-7B7A-43D3-8B79-37D633B846F1}">
+                <asvg:svgBlip xmlns:asvg="http://schemas.microsoft.com/office/drawing/2016/SVG/main" r:embed="rId8"/>
+              </a:ext>
+            </a:extLst>
+          </a:blip>
+          <a:stretch>
+            <a:fillRect/>
+          </a:stretch>
+        </p:blipFill>
+        <p:spPr>
+          <a:xfrm>
+            <a:off x="9896474" y="682035"/>
+            <a:ext cx="512445" cy="512445"/>
+          </a:xfrm>
+          <a:prstGeom prst="rect">
+            <a:avLst/>
+          </a:prstGeom>
+        </p:spPr>
+      </p:pic>
+      <p:pic>
+        <p:nvPicPr>
+          <p:cNvPr id="12" name="Picture 11">
+            <a:extLst>
+              <a:ext uri="{FF2B5EF4-FFF2-40B4-BE49-F238E27FC236}">
+                <a16:creationId xmlns:a16="http://schemas.microsoft.com/office/drawing/2014/main" id="{5440BA41-7AD3-536D-DFC2-8162EF583A16}"/>
+              </a:ext>
+            </a:extLst>
+          </p:cNvPr>
+          <p:cNvPicPr>
+            <a:picLocks noChangeAspect="1"/>
+          </p:cNvPicPr>
+          <p:nvPr/>
+        </p:nvPicPr>
+        <p:blipFill>
+          <a:blip r:embed="rId9"/>
+          <a:stretch>
+            <a:fillRect/>
+          </a:stretch>
+        </p:blipFill>
+        <p:spPr>
+          <a:xfrm>
+            <a:off x="3204753" y="3123982"/>
+            <a:ext cx="8831383" cy="3734017"/>
+          </a:xfrm>
+          <a:prstGeom prst="rect">
+            <a:avLst/>
+          </a:prstGeom>
+        </p:spPr>
+      </p:pic>
+    </p:spTree>
+    <p:extLst>
+      <p:ext uri="{BB962C8B-B14F-4D97-AF65-F5344CB8AC3E}">
+        <p14:creationId xmlns:p14="http://schemas.microsoft.com/office/powerpoint/2010/main" val="2657661432"/>
+      </p:ext>
+    </p:extLst>
+  </p:cSld>
+  <p:clrMapOvr>
+    <a:masterClrMapping/>
+  </p:clrMapOvr>
+</p:sld>
+</file>
+
+<file path=ppt/slides/slide19.xml><?xml version="1.0" encoding="utf-8"?>
+<p:sld xmlns:a="http://schemas.openxmlformats.org/drawingml/2006/main" xmlns:r="http://schemas.openxmlformats.org/officeDocument/2006/relationships" xmlns:p="http://schemas.openxmlformats.org/presentationml/2006/main">
+  <p:cSld>
+    <p:spTree>
+      <p:nvGrpSpPr>
+        <p:cNvPr id="1" name=""/>
+        <p:cNvGrpSpPr/>
+        <p:nvPr/>
+      </p:nvGrpSpPr>
+      <p:grpSpPr>
+        <a:xfrm>
+          <a:off x="0" y="0"/>
+          <a:ext cx="0" cy="0"/>
+          <a:chOff x="0" y="0"/>
+          <a:chExt cx="0" cy="0"/>
+        </a:xfrm>
+      </p:grpSpPr>
+      <p:sp>
+        <p:nvSpPr>
+          <p:cNvPr id="4" name="Title 1">
+            <a:extLst>
+              <a:ext uri="{FF2B5EF4-FFF2-40B4-BE49-F238E27FC236}">
+                <a16:creationId xmlns:a16="http://schemas.microsoft.com/office/drawing/2014/main" id="{43D70B8D-F4A3-86FA-9A6F-58153D20A1E2}"/>
+              </a:ext>
+            </a:extLst>
+          </p:cNvPr>
+          <p:cNvSpPr>
+            <a:spLocks noGrp="1"/>
+          </p:cNvSpPr>
+          <p:nvPr>
+            <p:ph type="title"/>
+          </p:nvPr>
+        </p:nvSpPr>
+        <p:spPr>
+          <a:xfrm>
+            <a:off x="829491" y="365125"/>
+            <a:ext cx="10515600" cy="1325563"/>
+          </a:xfrm>
+        </p:spPr>
+        <p:txBody>
+          <a:bodyPr/>
+          <a:lstStyle/>
+          <a:p>
+            <a:r>
+              <a:rPr lang="nb-NO" dirty="0"/>
+              <a:t>Private Endpoints and Private links</a:t>
+            </a:r>
+          </a:p>
+        </p:txBody>
+      </p:sp>
+      <p:pic>
+        <p:nvPicPr>
+          <p:cNvPr id="6" name="Graphic 5">
+            <a:extLst>
+              <a:ext uri="{FF2B5EF4-FFF2-40B4-BE49-F238E27FC236}">
+                <a16:creationId xmlns:a16="http://schemas.microsoft.com/office/drawing/2014/main" id="{72E6C37A-4761-0879-FCC4-87FA90144CE9}"/>
+              </a:ext>
+            </a:extLst>
+          </p:cNvPr>
+          <p:cNvPicPr>
+            <a:picLocks noChangeAspect="1"/>
+          </p:cNvPicPr>
+          <p:nvPr/>
+        </p:nvPicPr>
+        <p:blipFill>
+          <a:blip r:embed="rId3">
+            <a:extLst>
+              <a:ext uri="{28A0092B-C50C-407E-A947-70E740481C1C}">
+                <a14:useLocalDpi xmlns:a14="http://schemas.microsoft.com/office/drawing/2010/main" val="0"/>
+              </a:ext>
+              <a:ext uri="{96DAC541-7B7A-43D3-8B79-37D633B846F1}">
+                <asvg:svgBlip xmlns:asvg="http://schemas.microsoft.com/office/drawing/2016/SVG/main" r:embed="rId4"/>
+              </a:ext>
+            </a:extLst>
+          </a:blip>
+          <a:stretch>
+            <a:fillRect/>
+          </a:stretch>
+        </p:blipFill>
+        <p:spPr>
+          <a:xfrm>
+            <a:off x="10741205" y="689655"/>
+            <a:ext cx="504825" cy="504825"/>
+          </a:xfrm>
+          <a:prstGeom prst="rect">
+            <a:avLst/>
+          </a:prstGeom>
+        </p:spPr>
+      </p:pic>
+      <p:pic>
+        <p:nvPicPr>
+          <p:cNvPr id="7" name="Graphic 6">
+            <a:extLst>
+              <a:ext uri="{FF2B5EF4-FFF2-40B4-BE49-F238E27FC236}">
+                <a16:creationId xmlns:a16="http://schemas.microsoft.com/office/drawing/2014/main" id="{3C9AEE6C-7595-3B30-2D91-B1F1E5006D83}"/>
+              </a:ext>
+            </a:extLst>
+          </p:cNvPr>
+          <p:cNvPicPr>
+            <a:picLocks noChangeAspect="1"/>
+          </p:cNvPicPr>
+          <p:nvPr/>
+        </p:nvPicPr>
+        <p:blipFill>
+          <a:blip r:embed="rId5">
+            <a:extLst>
+              <a:ext uri="{28A0092B-C50C-407E-A947-70E740481C1C}">
+                <a14:useLocalDpi xmlns:a14="http://schemas.microsoft.com/office/drawing/2010/main" val="0"/>
+              </a:ext>
+              <a:ext uri="{96DAC541-7B7A-43D3-8B79-37D633B846F1}">
+                <asvg:svgBlip xmlns:asvg="http://schemas.microsoft.com/office/drawing/2016/SVG/main" r:embed="rId6"/>
+              </a:ext>
+            </a:extLst>
+          </a:blip>
+          <a:stretch>
+            <a:fillRect/>
+          </a:stretch>
+        </p:blipFill>
+        <p:spPr>
+          <a:xfrm>
+            <a:off x="9887765" y="682035"/>
+            <a:ext cx="512445" cy="512445"/>
+          </a:xfrm>
+          <a:prstGeom prst="rect">
+            <a:avLst/>
+          </a:prstGeom>
+        </p:spPr>
+      </p:pic>
+      <p:pic>
+        <p:nvPicPr>
+          <p:cNvPr id="8" name="Google Shape;56;p13">
+            <a:extLst>
+              <a:ext uri="{FF2B5EF4-FFF2-40B4-BE49-F238E27FC236}">
+                <a16:creationId xmlns:a16="http://schemas.microsoft.com/office/drawing/2014/main" id="{A6456909-D685-4140-DFD9-7F11E5F1F19C}"/>
+              </a:ext>
+            </a:extLst>
+          </p:cNvPr>
+          <p:cNvPicPr preferRelativeResize="0"/>
+          <p:nvPr/>
+        </p:nvPicPr>
+        <p:blipFill>
+          <a:blip r:embed="rId7">
+            <a:alphaModFix/>
+          </a:blip>
+          <a:stretch>
+            <a:fillRect/>
+          </a:stretch>
+        </p:blipFill>
+        <p:spPr>
+          <a:xfrm>
+            <a:off x="10989179" y="5736492"/>
+            <a:ext cx="1202821" cy="1121508"/>
+          </a:xfrm>
+          <a:prstGeom prst="rect">
+            <a:avLst/>
+          </a:prstGeom>
+          <a:noFill/>
+          <a:ln>
+            <a:noFill/>
+          </a:ln>
+        </p:spPr>
+      </p:pic>
+      <p:pic>
+        <p:nvPicPr>
+          <p:cNvPr id="9" name="Graphic 4">
+            <a:extLst>
+              <a:ext uri="{FF2B5EF4-FFF2-40B4-BE49-F238E27FC236}">
+                <a16:creationId xmlns:a16="http://schemas.microsoft.com/office/drawing/2014/main" id="{CD948D9C-3987-BB03-C1B3-9E45EB45F861}"/>
+              </a:ext>
+            </a:extLst>
+          </p:cNvPr>
+          <p:cNvPicPr>
+            <a:picLocks noChangeAspect="1"/>
+          </p:cNvPicPr>
+          <p:nvPr/>
+        </p:nvPicPr>
+        <p:blipFill>
+          <a:blip r:embed="rId8">
+            <a:extLst>
+              <a:ext uri="{28A0092B-C50C-407E-A947-70E740481C1C}">
+                <a14:useLocalDpi xmlns:a14="http://schemas.microsoft.com/office/drawing/2010/main" val="0"/>
+              </a:ext>
+              <a:ext uri="{96DAC541-7B7A-43D3-8B79-37D633B846F1}">
+                <asvg:svgBlip xmlns:asvg="http://schemas.microsoft.com/office/drawing/2016/SVG/main" r:embed="rId9"/>
+              </a:ext>
+            </a:extLst>
+          </a:blip>
+          <a:stretch>
+            <a:fillRect/>
+          </a:stretch>
+        </p:blipFill>
+        <p:spPr>
+          <a:xfrm>
+            <a:off x="375137" y="6121057"/>
+            <a:ext cx="1718444" cy="574556"/>
+          </a:xfrm>
+          <a:prstGeom prst="rect">
+            <a:avLst/>
+          </a:prstGeom>
+        </p:spPr>
+      </p:pic>
+      <p:pic>
+        <p:nvPicPr>
+          <p:cNvPr id="5" name="Picture 2" descr="Private Endpoints">
+            <a:extLst>
+              <a:ext uri="{FF2B5EF4-FFF2-40B4-BE49-F238E27FC236}">
+                <a16:creationId xmlns:a16="http://schemas.microsoft.com/office/drawing/2014/main" id="{BEC9D205-D857-592C-8D3D-A217147F8BA2}"/>
+              </a:ext>
+            </a:extLst>
+          </p:cNvPr>
+          <p:cNvPicPr>
+            <a:picLocks noChangeAspect="1" noChangeArrowheads="1"/>
+          </p:cNvPicPr>
+          <p:nvPr/>
+        </p:nvPicPr>
+        <p:blipFill>
+          <a:blip r:embed="rId10">
+            <a:extLst>
+              <a:ext uri="{28A0092B-C50C-407E-A947-70E740481C1C}">
+                <a14:useLocalDpi xmlns:a14="http://schemas.microsoft.com/office/drawing/2010/main" val="0"/>
+              </a:ext>
+            </a:extLst>
+          </a:blip>
+          <a:srcRect/>
+          <a:stretch>
+            <a:fillRect/>
+          </a:stretch>
+        </p:blipFill>
+        <p:spPr bwMode="auto">
+          <a:xfrm>
+            <a:off x="1210491" y="1449341"/>
+            <a:ext cx="9466218" cy="4647937"/>
+          </a:xfrm>
+          <a:prstGeom prst="rect">
+            <a:avLst/>
+          </a:prstGeom>
+          <a:noFill/>
+          <a:extLst>
+            <a:ext uri="{909E8E84-426E-40DD-AFC4-6F175D3DCCD1}">
+              <a14:hiddenFill xmlns:a14="http://schemas.microsoft.com/office/drawing/2010/main">
+                <a:solidFill>
+                  <a:srgbClr val="FFFFFF"/>
+                </a:solidFill>
+              </a14:hiddenFill>
+            </a:ext>
+          </a:extLst>
+        </p:spPr>
+      </p:pic>
+    </p:spTree>
+    <p:extLst>
+      <p:ext uri="{BB962C8B-B14F-4D97-AF65-F5344CB8AC3E}">
+        <p14:creationId xmlns:p14="http://schemas.microsoft.com/office/powerpoint/2010/main" val="1748496824"/>
+      </p:ext>
+    </p:extLst>
+  </p:cSld>
+  <p:clrMapOvr>
+    <a:masterClrMapping/>
+  </p:clrMapOvr>
+</p:sld>
+</file>
+
 <file path=ppt/slides/slide2.xml><?xml version="1.0" encoding="utf-8"?>
 <p:sld xmlns:a="http://schemas.openxmlformats.org/drawingml/2006/main" xmlns:r="http://schemas.openxmlformats.org/officeDocument/2006/relationships" xmlns:p="http://schemas.openxmlformats.org/presentationml/2006/main">
   <p:cSld>
@@ -6197,6 +10692,550 @@
     <p:extLst>
       <p:ext uri="{BB962C8B-B14F-4D97-AF65-F5344CB8AC3E}">
         <p14:creationId xmlns:p14="http://schemas.microsoft.com/office/powerpoint/2010/main" val="3028258063"/>
+      </p:ext>
+    </p:extLst>
+  </p:cSld>
+  <p:clrMapOvr>
+    <a:masterClrMapping/>
+  </p:clrMapOvr>
+</p:sld>
+</file>
+
+<file path=ppt/slides/slide20.xml><?xml version="1.0" encoding="utf-8"?>
+<p:sld xmlns:a="http://schemas.openxmlformats.org/drawingml/2006/main" xmlns:r="http://schemas.openxmlformats.org/officeDocument/2006/relationships" xmlns:p="http://schemas.openxmlformats.org/presentationml/2006/main">
+  <p:cSld>
+    <p:spTree>
+      <p:nvGrpSpPr>
+        <p:cNvPr id="1" name=""/>
+        <p:cNvGrpSpPr/>
+        <p:nvPr/>
+      </p:nvGrpSpPr>
+      <p:grpSpPr>
+        <a:xfrm>
+          <a:off x="0" y="0"/>
+          <a:ext cx="0" cy="0"/>
+          <a:chOff x="0" y="0"/>
+          <a:chExt cx="0" cy="0"/>
+        </a:xfrm>
+      </p:grpSpPr>
+      <p:sp>
+        <p:nvSpPr>
+          <p:cNvPr id="2" name="Title 1">
+            <a:extLst>
+              <a:ext uri="{FF2B5EF4-FFF2-40B4-BE49-F238E27FC236}">
+                <a16:creationId xmlns:a16="http://schemas.microsoft.com/office/drawing/2014/main" id="{41B425AF-0E78-4B16-15F9-E711B76B28EF}"/>
+              </a:ext>
+            </a:extLst>
+          </p:cNvPr>
+          <p:cNvSpPr>
+            <a:spLocks noGrp="1"/>
+          </p:cNvSpPr>
+          <p:nvPr>
+            <p:ph type="title"/>
+          </p:nvPr>
+        </p:nvSpPr>
+        <p:spPr/>
+        <p:txBody>
+          <a:bodyPr/>
+          <a:lstStyle/>
+          <a:p>
+            <a:r>
+              <a:rPr lang="en-US" dirty="0"/>
+              <a:t>Private connectivity to your own service</a:t>
+            </a:r>
+          </a:p>
+        </p:txBody>
+      </p:sp>
+      <p:pic>
+        <p:nvPicPr>
+          <p:cNvPr id="7" name="Picture 6">
+            <a:extLst>
+              <a:ext uri="{FF2B5EF4-FFF2-40B4-BE49-F238E27FC236}">
+                <a16:creationId xmlns:a16="http://schemas.microsoft.com/office/drawing/2014/main" id="{B1D682F2-5444-1467-5B34-3539E23636D1}"/>
+              </a:ext>
+            </a:extLst>
+          </p:cNvPr>
+          <p:cNvPicPr>
+            <a:picLocks noChangeAspect="1"/>
+          </p:cNvPicPr>
+          <p:nvPr/>
+        </p:nvPicPr>
+        <p:blipFill>
+          <a:blip r:embed="rId3"/>
+          <a:stretch>
+            <a:fillRect/>
+          </a:stretch>
+        </p:blipFill>
+        <p:spPr>
+          <a:xfrm>
+            <a:off x="871930" y="2154386"/>
+            <a:ext cx="10657143" cy="3838095"/>
+          </a:xfrm>
+          <a:prstGeom prst="rect">
+            <a:avLst/>
+          </a:prstGeom>
+        </p:spPr>
+      </p:pic>
+      <p:sp>
+        <p:nvSpPr>
+          <p:cNvPr id="9" name="TextBox 8">
+            <a:extLst>
+              <a:ext uri="{FF2B5EF4-FFF2-40B4-BE49-F238E27FC236}">
+                <a16:creationId xmlns:a16="http://schemas.microsoft.com/office/drawing/2014/main" id="{FC4B0CBB-CE0A-E448-22B2-3DD9A60443C6}"/>
+              </a:ext>
+            </a:extLst>
+          </p:cNvPr>
+          <p:cNvSpPr txBox="1"/>
+          <p:nvPr/>
+        </p:nvSpPr>
+        <p:spPr>
+          <a:xfrm>
+            <a:off x="1785257" y="6420568"/>
+            <a:ext cx="8621486" cy="369332"/>
+          </a:xfrm>
+          <a:prstGeom prst="rect">
+            <a:avLst/>
+          </a:prstGeom>
+          <a:noFill/>
+        </p:spPr>
+        <p:txBody>
+          <a:bodyPr wrap="square">
+            <a:spAutoFit/>
+          </a:bodyPr>
+          <a:lstStyle/>
+          <a:p>
+            <a:pPr algn="ctr"/>
+            <a:r>
+              <a:rPr lang="en-US" dirty="0">
+                <a:hlinkClick r:id="rId4"/>
+              </a:rPr>
+              <a:t>https://learn.microsoft.com/en-us/azure/private-link/private-link-service-overview</a:t>
+            </a:r>
+            <a:r>
+              <a:rPr lang="en-US" dirty="0"/>
+              <a:t> </a:t>
+            </a:r>
+          </a:p>
+        </p:txBody>
+      </p:sp>
+    </p:spTree>
+    <p:extLst>
+      <p:ext uri="{BB962C8B-B14F-4D97-AF65-F5344CB8AC3E}">
+        <p14:creationId xmlns:p14="http://schemas.microsoft.com/office/powerpoint/2010/main" val="3631785976"/>
+      </p:ext>
+    </p:extLst>
+  </p:cSld>
+  <p:clrMapOvr>
+    <a:masterClrMapping/>
+  </p:clrMapOvr>
+</p:sld>
+</file>
+
+<file path=ppt/slides/slide21.xml><?xml version="1.0" encoding="utf-8"?>
+<p:sld xmlns:a="http://schemas.openxmlformats.org/drawingml/2006/main" xmlns:r="http://schemas.openxmlformats.org/officeDocument/2006/relationships" xmlns:p="http://schemas.openxmlformats.org/presentationml/2006/main">
+  <p:cSld>
+    <p:spTree>
+      <p:nvGrpSpPr>
+        <p:cNvPr id="1" name=""/>
+        <p:cNvGrpSpPr/>
+        <p:nvPr/>
+      </p:nvGrpSpPr>
+      <p:grpSpPr>
+        <a:xfrm>
+          <a:off x="0" y="0"/>
+          <a:ext cx="0" cy="0"/>
+          <a:chOff x="0" y="0"/>
+          <a:chExt cx="0" cy="0"/>
+        </a:xfrm>
+      </p:grpSpPr>
+      <p:sp>
+        <p:nvSpPr>
+          <p:cNvPr id="2" name="Title 1">
+            <a:extLst>
+              <a:ext uri="{FF2B5EF4-FFF2-40B4-BE49-F238E27FC236}">
+                <a16:creationId xmlns:a16="http://schemas.microsoft.com/office/drawing/2014/main" id="{0B0B7B95-3A98-8E1E-B970-45DD1A5C3165}"/>
+              </a:ext>
+            </a:extLst>
+          </p:cNvPr>
+          <p:cNvSpPr>
+            <a:spLocks noGrp="1"/>
+          </p:cNvSpPr>
+          <p:nvPr>
+            <p:ph type="title"/>
+          </p:nvPr>
+        </p:nvSpPr>
+        <p:spPr/>
+        <p:txBody>
+          <a:bodyPr/>
+          <a:lstStyle/>
+          <a:p>
+            <a:r>
+              <a:rPr lang="nb-NO" dirty="0"/>
+              <a:t>Private Endpoint Name Resolution</a:t>
+            </a:r>
+            <a:endParaRPr lang="en-US" dirty="0"/>
+          </a:p>
+        </p:txBody>
+      </p:sp>
+      <p:sp>
+        <p:nvSpPr>
+          <p:cNvPr id="3" name="Text Placeholder 2">
+            <a:extLst>
+              <a:ext uri="{FF2B5EF4-FFF2-40B4-BE49-F238E27FC236}">
+                <a16:creationId xmlns:a16="http://schemas.microsoft.com/office/drawing/2014/main" id="{7A1826FA-9E0A-CE06-D788-E33F97678F83}"/>
+              </a:ext>
+            </a:extLst>
+          </p:cNvPr>
+          <p:cNvSpPr>
+            <a:spLocks noGrp="1"/>
+          </p:cNvSpPr>
+          <p:nvPr>
+            <p:ph type="body" idx="1"/>
+          </p:nvPr>
+        </p:nvSpPr>
+        <p:spPr/>
+        <p:txBody>
+          <a:bodyPr/>
+          <a:lstStyle/>
+          <a:p>
+            <a:r>
+              <a:rPr lang="nb-NO" dirty="0"/>
+              <a:t>Host file</a:t>
+            </a:r>
+          </a:p>
+          <a:p>
+            <a:r>
+              <a:rPr lang="nb-NO"/>
+              <a:t>Conditional Forwarders</a:t>
+            </a:r>
+            <a:endParaRPr lang="en-US" dirty="0"/>
+          </a:p>
+        </p:txBody>
+      </p:sp>
+    </p:spTree>
+    <p:extLst>
+      <p:ext uri="{BB962C8B-B14F-4D97-AF65-F5344CB8AC3E}">
+        <p14:creationId xmlns:p14="http://schemas.microsoft.com/office/powerpoint/2010/main" val="1967842306"/>
+      </p:ext>
+    </p:extLst>
+  </p:cSld>
+  <p:clrMapOvr>
+    <a:masterClrMapping/>
+  </p:clrMapOvr>
+</p:sld>
+</file>
+
+<file path=ppt/slides/slide22.xml><?xml version="1.0" encoding="utf-8"?>
+<p:sld xmlns:a="http://schemas.openxmlformats.org/drawingml/2006/main" xmlns:r="http://schemas.openxmlformats.org/officeDocument/2006/relationships" xmlns:p="http://schemas.openxmlformats.org/presentationml/2006/main">
+  <p:cSld>
+    <p:spTree>
+      <p:nvGrpSpPr>
+        <p:cNvPr id="1" name=""/>
+        <p:cNvGrpSpPr/>
+        <p:nvPr/>
+      </p:nvGrpSpPr>
+      <p:grpSpPr>
+        <a:xfrm>
+          <a:off x="0" y="0"/>
+          <a:ext cx="0" cy="0"/>
+          <a:chOff x="0" y="0"/>
+          <a:chExt cx="0" cy="0"/>
+        </a:xfrm>
+      </p:grpSpPr>
+      <p:sp>
+        <p:nvSpPr>
+          <p:cNvPr id="2" name="Title 1">
+            <a:extLst>
+              <a:ext uri="{FF2B5EF4-FFF2-40B4-BE49-F238E27FC236}">
+                <a16:creationId xmlns:a16="http://schemas.microsoft.com/office/drawing/2014/main" id="{B7D536D9-4000-58B4-C82D-D4D2379C8F84}"/>
+              </a:ext>
+            </a:extLst>
+          </p:cNvPr>
+          <p:cNvSpPr>
+            <a:spLocks noGrp="1"/>
+          </p:cNvSpPr>
+          <p:nvPr>
+            <p:ph type="title"/>
+          </p:nvPr>
+        </p:nvSpPr>
+        <p:spPr/>
+        <p:txBody>
+          <a:bodyPr/>
+          <a:lstStyle/>
+          <a:p>
+            <a:r>
+              <a:rPr lang="fr-FR" dirty="0"/>
+              <a:t>Azure </a:t>
+            </a:r>
+            <a:r>
+              <a:rPr lang="fr-FR" dirty="0" err="1"/>
+              <a:t>Private</a:t>
+            </a:r>
+            <a:r>
+              <a:rPr lang="fr-FR" dirty="0"/>
+              <a:t> Endpoint DNS configuration</a:t>
+            </a:r>
+            <a:endParaRPr lang="en-US" dirty="0"/>
+          </a:p>
+        </p:txBody>
+      </p:sp>
+      <p:pic>
+        <p:nvPicPr>
+          <p:cNvPr id="3074" name="Picture 2" descr="On-premises forwarding to Azure DNS">
+            <a:extLst>
+              <a:ext uri="{FF2B5EF4-FFF2-40B4-BE49-F238E27FC236}">
+                <a16:creationId xmlns:a16="http://schemas.microsoft.com/office/drawing/2014/main" id="{7C390BF0-ED53-3F1A-AC49-C7ADA34971AE}"/>
+              </a:ext>
+            </a:extLst>
+          </p:cNvPr>
+          <p:cNvPicPr>
+            <a:picLocks noChangeAspect="1" noChangeArrowheads="1"/>
+          </p:cNvPicPr>
+          <p:nvPr/>
+        </p:nvPicPr>
+        <p:blipFill>
+          <a:blip r:embed="rId2">
+            <a:extLst>
+              <a:ext uri="{28A0092B-C50C-407E-A947-70E740481C1C}">
+                <a14:useLocalDpi xmlns:a14="http://schemas.microsoft.com/office/drawing/2010/main" val="0"/>
+              </a:ext>
+            </a:extLst>
+          </a:blip>
+          <a:srcRect/>
+          <a:stretch>
+            <a:fillRect/>
+          </a:stretch>
+        </p:blipFill>
+        <p:spPr bwMode="auto">
+          <a:xfrm>
+            <a:off x="2492965" y="1575435"/>
+            <a:ext cx="7362825" cy="5048250"/>
+          </a:xfrm>
+          <a:prstGeom prst="rect">
+            <a:avLst/>
+          </a:prstGeom>
+          <a:noFill/>
+          <a:extLst>
+            <a:ext uri="{909E8E84-426E-40DD-AFC4-6F175D3DCCD1}">
+              <a14:hiddenFill xmlns:a14="http://schemas.microsoft.com/office/drawing/2010/main">
+                <a:solidFill>
+                  <a:srgbClr val="FFFFFF"/>
+                </a:solidFill>
+              </a14:hiddenFill>
+            </a:ext>
+          </a:extLst>
+        </p:spPr>
+      </p:pic>
+      <p:pic>
+        <p:nvPicPr>
+          <p:cNvPr id="4" name="Google Shape;56;p13">
+            <a:extLst>
+              <a:ext uri="{FF2B5EF4-FFF2-40B4-BE49-F238E27FC236}">
+                <a16:creationId xmlns:a16="http://schemas.microsoft.com/office/drawing/2014/main" id="{B9988D63-600E-20EA-F018-EF88DB7CA097}"/>
+              </a:ext>
+            </a:extLst>
+          </p:cNvPr>
+          <p:cNvPicPr preferRelativeResize="0"/>
+          <p:nvPr/>
+        </p:nvPicPr>
+        <p:blipFill>
+          <a:blip r:embed="rId3">
+            <a:alphaModFix/>
+          </a:blip>
+          <a:stretch>
+            <a:fillRect/>
+          </a:stretch>
+        </p:blipFill>
+        <p:spPr>
+          <a:xfrm>
+            <a:off x="10989179" y="5736492"/>
+            <a:ext cx="1202821" cy="1121508"/>
+          </a:xfrm>
+          <a:prstGeom prst="rect">
+            <a:avLst/>
+          </a:prstGeom>
+          <a:noFill/>
+          <a:ln>
+            <a:noFill/>
+          </a:ln>
+        </p:spPr>
+      </p:pic>
+      <p:pic>
+        <p:nvPicPr>
+          <p:cNvPr id="5" name="Graphic 4">
+            <a:extLst>
+              <a:ext uri="{FF2B5EF4-FFF2-40B4-BE49-F238E27FC236}">
+                <a16:creationId xmlns:a16="http://schemas.microsoft.com/office/drawing/2014/main" id="{03020930-8093-FB9A-277B-22C10696C15B}"/>
+              </a:ext>
+            </a:extLst>
+          </p:cNvPr>
+          <p:cNvPicPr>
+            <a:picLocks noChangeAspect="1"/>
+          </p:cNvPicPr>
+          <p:nvPr/>
+        </p:nvPicPr>
+        <p:blipFill>
+          <a:blip r:embed="rId4">
+            <a:extLst>
+              <a:ext uri="{28A0092B-C50C-407E-A947-70E740481C1C}">
+                <a14:useLocalDpi xmlns:a14="http://schemas.microsoft.com/office/drawing/2010/main" val="0"/>
+              </a:ext>
+              <a:ext uri="{96DAC541-7B7A-43D3-8B79-37D633B846F1}">
+                <asvg:svgBlip xmlns:asvg="http://schemas.microsoft.com/office/drawing/2016/SVG/main" r:embed="rId5"/>
+              </a:ext>
+            </a:extLst>
+          </a:blip>
+          <a:stretch>
+            <a:fillRect/>
+          </a:stretch>
+        </p:blipFill>
+        <p:spPr>
+          <a:xfrm>
+            <a:off x="375137" y="6121057"/>
+            <a:ext cx="1718444" cy="574556"/>
+          </a:xfrm>
+          <a:prstGeom prst="rect">
+            <a:avLst/>
+          </a:prstGeom>
+        </p:spPr>
+      </p:pic>
+    </p:spTree>
+    <p:extLst>
+      <p:ext uri="{BB962C8B-B14F-4D97-AF65-F5344CB8AC3E}">
+        <p14:creationId xmlns:p14="http://schemas.microsoft.com/office/powerpoint/2010/main" val="881969035"/>
+      </p:ext>
+    </p:extLst>
+  </p:cSld>
+  <p:clrMapOvr>
+    <a:masterClrMapping/>
+  </p:clrMapOvr>
+</p:sld>
+</file>
+
+<file path=ppt/slides/slide23.xml><?xml version="1.0" encoding="utf-8"?>
+<p:sld xmlns:a="http://schemas.openxmlformats.org/drawingml/2006/main" xmlns:r="http://schemas.openxmlformats.org/officeDocument/2006/relationships" xmlns:p="http://schemas.openxmlformats.org/presentationml/2006/main">
+  <p:cSld>
+    <p:spTree>
+      <p:nvGrpSpPr>
+        <p:cNvPr id="1" name=""/>
+        <p:cNvGrpSpPr/>
+        <p:nvPr/>
+      </p:nvGrpSpPr>
+      <p:grpSpPr>
+        <a:xfrm>
+          <a:off x="0" y="0"/>
+          <a:ext cx="0" cy="0"/>
+          <a:chOff x="0" y="0"/>
+          <a:chExt cx="0" cy="0"/>
+        </a:xfrm>
+      </p:grpSpPr>
+      <p:pic>
+        <p:nvPicPr>
+          <p:cNvPr id="3" name="Picture 2">
+            <a:extLst>
+              <a:ext uri="{FF2B5EF4-FFF2-40B4-BE49-F238E27FC236}">
+                <a16:creationId xmlns:a16="http://schemas.microsoft.com/office/drawing/2014/main" id="{CFAD4C39-42D6-45D1-9E0D-E17B5050B154}"/>
+              </a:ext>
+            </a:extLst>
+          </p:cNvPr>
+          <p:cNvPicPr>
+            <a:picLocks noChangeAspect="1"/>
+          </p:cNvPicPr>
+          <p:nvPr/>
+        </p:nvPicPr>
+        <p:blipFill>
+          <a:blip r:embed="rId3"/>
+          <a:stretch>
+            <a:fillRect/>
+          </a:stretch>
+        </p:blipFill>
+        <p:spPr>
+          <a:xfrm>
+            <a:off x="2678915" y="1014786"/>
+            <a:ext cx="6527731" cy="4684974"/>
+          </a:xfrm>
+          <a:prstGeom prst="rect">
+            <a:avLst/>
+          </a:prstGeom>
+        </p:spPr>
+      </p:pic>
+      <p:pic>
+        <p:nvPicPr>
+          <p:cNvPr id="4" name="Graphic 4">
+            <a:extLst>
+              <a:ext uri="{FF2B5EF4-FFF2-40B4-BE49-F238E27FC236}">
+                <a16:creationId xmlns:a16="http://schemas.microsoft.com/office/drawing/2014/main" id="{0DFA98A8-5A4D-49E4-832A-BB2FD120FBC7}"/>
+              </a:ext>
+            </a:extLst>
+          </p:cNvPr>
+          <p:cNvPicPr>
+            <a:picLocks noChangeAspect="1"/>
+          </p:cNvPicPr>
+          <p:nvPr/>
+        </p:nvPicPr>
+        <p:blipFill>
+          <a:blip r:embed="rId4">
+            <a:extLst>
+              <a:ext uri="{28A0092B-C50C-407E-A947-70E740481C1C}">
+                <a14:useLocalDpi xmlns:a14="http://schemas.microsoft.com/office/drawing/2010/main" val="0"/>
+              </a:ext>
+              <a:ext uri="{96DAC541-7B7A-43D3-8B79-37D633B846F1}">
+                <asvg:svgBlip xmlns:asvg="http://schemas.microsoft.com/office/drawing/2016/SVG/main" r:embed="rId5"/>
+              </a:ext>
+            </a:extLst>
+          </a:blip>
+          <a:stretch>
+            <a:fillRect/>
+          </a:stretch>
+        </p:blipFill>
+        <p:spPr>
+          <a:xfrm>
+            <a:off x="375137" y="6121057"/>
+            <a:ext cx="1718444" cy="574556"/>
+          </a:xfrm>
+          <a:prstGeom prst="rect">
+            <a:avLst/>
+          </a:prstGeom>
+        </p:spPr>
+      </p:pic>
+      <p:pic>
+        <p:nvPicPr>
+          <p:cNvPr id="5" name="Google Shape;56;p13">
+            <a:extLst>
+              <a:ext uri="{FF2B5EF4-FFF2-40B4-BE49-F238E27FC236}">
+                <a16:creationId xmlns:a16="http://schemas.microsoft.com/office/drawing/2014/main" id="{0A29C5F4-A042-4CF1-B499-7EC5D0A4F145}"/>
+              </a:ext>
+            </a:extLst>
+          </p:cNvPr>
+          <p:cNvPicPr preferRelativeResize="0"/>
+          <p:nvPr/>
+        </p:nvPicPr>
+        <p:blipFill>
+          <a:blip r:embed="rId6">
+            <a:alphaModFix/>
+          </a:blip>
+          <a:stretch>
+            <a:fillRect/>
+          </a:stretch>
+        </p:blipFill>
+        <p:spPr>
+          <a:xfrm>
+            <a:off x="10989179" y="5736492"/>
+            <a:ext cx="1202821" cy="1121508"/>
+          </a:xfrm>
+          <a:prstGeom prst="rect">
+            <a:avLst/>
+          </a:prstGeom>
+          <a:noFill/>
+          <a:ln>
+            <a:noFill/>
+          </a:ln>
+        </p:spPr>
+      </p:pic>
+    </p:spTree>
+    <p:extLst>
+      <p:ext uri="{BB962C8B-B14F-4D97-AF65-F5344CB8AC3E}">
+        <p14:creationId xmlns:p14="http://schemas.microsoft.com/office/powerpoint/2010/main" val="3340194559"/>
       </p:ext>
     </p:extLst>
   </p:cSld>
@@ -7035,12 +12074,45 @@
           <a:chExt cx="0" cy="0"/>
         </a:xfrm>
       </p:grpSpPr>
+      <p:sp>
+        <p:nvSpPr>
+          <p:cNvPr id="4" name="Title 1">
+            <a:extLst>
+              <a:ext uri="{FF2B5EF4-FFF2-40B4-BE49-F238E27FC236}">
+                <a16:creationId xmlns:a16="http://schemas.microsoft.com/office/drawing/2014/main" id="{7FA2BB9B-7809-EC72-3E6B-E93E36792B7E}"/>
+              </a:ext>
+            </a:extLst>
+          </p:cNvPr>
+          <p:cNvSpPr>
+            <a:spLocks noGrp="1"/>
+          </p:cNvSpPr>
+          <p:nvPr>
+            <p:ph type="title"/>
+          </p:nvPr>
+        </p:nvSpPr>
+        <p:spPr>
+          <a:xfrm>
+            <a:off x="838200" y="365125"/>
+            <a:ext cx="10515600" cy="1325563"/>
+          </a:xfrm>
+        </p:spPr>
+        <p:txBody>
+          <a:bodyPr/>
+          <a:lstStyle/>
+          <a:p>
+            <a:r>
+              <a:rPr lang="en-US" dirty="0"/>
+              <a:t>Azure Global Network</a:t>
+            </a:r>
+          </a:p>
+        </p:txBody>
+      </p:sp>
       <p:pic>
         <p:nvPicPr>
-          <p:cNvPr id="3" name="Picture 2">
-            <a:extLst>
-              <a:ext uri="{FF2B5EF4-FFF2-40B4-BE49-F238E27FC236}">
-                <a16:creationId xmlns:a16="http://schemas.microsoft.com/office/drawing/2014/main" id="{CFAD4C39-42D6-45D1-9E0D-E17B5050B154}"/>
+          <p:cNvPr id="5" name="Picture 4">
+            <a:extLst>
+              <a:ext uri="{FF2B5EF4-FFF2-40B4-BE49-F238E27FC236}">
+                <a16:creationId xmlns:a16="http://schemas.microsoft.com/office/drawing/2014/main" id="{082858AE-AE1D-48F3-0D8B-ED28CED76861}"/>
               </a:ext>
             </a:extLst>
           </p:cNvPr>
@@ -7050,27 +12122,1198 @@
           <p:nvPr/>
         </p:nvPicPr>
         <p:blipFill>
-          <a:blip r:embed="rId3"/>
+          <a:blip r:embed="rId2"/>
           <a:stretch>
             <a:fillRect/>
           </a:stretch>
         </p:blipFill>
         <p:spPr>
           <a:xfrm>
-            <a:off x="2678915" y="1014786"/>
-            <a:ext cx="6527731" cy="4684974"/>
+            <a:off x="887392" y="1394095"/>
+            <a:ext cx="10417215" cy="5205487"/>
           </a:xfrm>
           <a:prstGeom prst="rect">
             <a:avLst/>
           </a:prstGeom>
         </p:spPr>
       </p:pic>
+    </p:spTree>
+    <p:extLst>
+      <p:ext uri="{BB962C8B-B14F-4D97-AF65-F5344CB8AC3E}">
+        <p14:creationId xmlns:p14="http://schemas.microsoft.com/office/powerpoint/2010/main" val="2461630627"/>
+      </p:ext>
+    </p:extLst>
+  </p:cSld>
+  <p:clrMapOvr>
+    <a:masterClrMapping/>
+  </p:clrMapOvr>
+</p:sld>
+</file>
+
+<file path=ppt/slides/slide7.xml><?xml version="1.0" encoding="utf-8"?>
+<p:sld xmlns:a="http://schemas.openxmlformats.org/drawingml/2006/main" xmlns:r="http://schemas.openxmlformats.org/officeDocument/2006/relationships" xmlns:p="http://schemas.openxmlformats.org/presentationml/2006/main">
+  <p:cSld>
+    <p:spTree>
+      <p:nvGrpSpPr>
+        <p:cNvPr id="1" name=""/>
+        <p:cNvGrpSpPr/>
+        <p:nvPr/>
+      </p:nvGrpSpPr>
+      <p:grpSpPr>
+        <a:xfrm>
+          <a:off x="0" y="0"/>
+          <a:ext cx="0" cy="0"/>
+          <a:chOff x="0" y="0"/>
+          <a:chExt cx="0" cy="0"/>
+        </a:xfrm>
+      </p:grpSpPr>
+      <p:sp>
+        <p:nvSpPr>
+          <p:cNvPr id="4" name="Title 1">
+            <a:extLst>
+              <a:ext uri="{FF2B5EF4-FFF2-40B4-BE49-F238E27FC236}">
+                <a16:creationId xmlns:a16="http://schemas.microsoft.com/office/drawing/2014/main" id="{86A79631-D1F4-90FB-A388-973A66B5EE58}"/>
+              </a:ext>
+            </a:extLst>
+          </p:cNvPr>
+          <p:cNvSpPr>
+            <a:spLocks noGrp="1"/>
+          </p:cNvSpPr>
+          <p:nvPr>
+            <p:ph type="title"/>
+          </p:nvPr>
+        </p:nvSpPr>
+        <p:spPr>
+          <a:xfrm>
+            <a:off x="838200" y="365125"/>
+            <a:ext cx="10515600" cy="1325563"/>
+          </a:xfrm>
+        </p:spPr>
+        <p:txBody>
+          <a:bodyPr/>
+          <a:lstStyle/>
+          <a:p>
+            <a:r>
+              <a:rPr lang="nb-NO" dirty="0" err="1"/>
+              <a:t>Azure</a:t>
+            </a:r>
+            <a:r>
+              <a:rPr lang="nb-NO" dirty="0"/>
+              <a:t> Virtual Network (</a:t>
+            </a:r>
+            <a:r>
+              <a:rPr lang="nb-NO" dirty="0" err="1"/>
+              <a:t>aka</a:t>
+            </a:r>
+            <a:r>
+              <a:rPr lang="nb-NO" dirty="0"/>
+              <a:t> </a:t>
+            </a:r>
+            <a:r>
+              <a:rPr lang="nb-NO" dirty="0" err="1"/>
+              <a:t>VNet</a:t>
+            </a:r>
+            <a:r>
+              <a:rPr lang="nb-NO" dirty="0"/>
+              <a:t>)</a:t>
+            </a:r>
+          </a:p>
+        </p:txBody>
+      </p:sp>
+      <p:sp>
+        <p:nvSpPr>
+          <p:cNvPr id="5" name="Content Placeholder 2">
+            <a:extLst>
+              <a:ext uri="{FF2B5EF4-FFF2-40B4-BE49-F238E27FC236}">
+                <a16:creationId xmlns:a16="http://schemas.microsoft.com/office/drawing/2014/main" id="{8276646A-D0C3-17DF-7B2C-61A9B6695DD9}"/>
+              </a:ext>
+            </a:extLst>
+          </p:cNvPr>
+          <p:cNvSpPr txBox="1">
+            <a:spLocks/>
+          </p:cNvSpPr>
+          <p:nvPr/>
+        </p:nvSpPr>
+        <p:spPr>
+          <a:xfrm>
+            <a:off x="838200" y="1825625"/>
+            <a:ext cx="5257800" cy="4351338"/>
+          </a:xfrm>
+          <a:prstGeom prst="rect">
+            <a:avLst/>
+          </a:prstGeom>
+        </p:spPr>
+        <p:txBody>
+          <a:bodyPr spcFirstLastPara="1" vert="horz" wrap="square" lIns="91425" tIns="91425" rIns="91425" bIns="91425" rtlCol="0" anchor="t" anchorCtr="0">
+            <a:noAutofit/>
+          </a:bodyPr>
+          <a:lstStyle>
+            <a:lvl1pPr marL="609585" lvl="0" indent="-457189" algn="l" defTabSz="914400" rtl="0" eaLnBrk="1" latinLnBrk="0" hangingPunct="1">
+              <a:lnSpc>
+                <a:spcPct val="90000"/>
+              </a:lnSpc>
+              <a:spcBef>
+                <a:spcPts val="0"/>
+              </a:spcBef>
+              <a:spcAft>
+                <a:spcPts val="0"/>
+              </a:spcAft>
+              <a:buSzPts val="1800"/>
+              <a:buFont typeface="Arial" panose="020B0604020202020204" pitchFamily="34" charset="0"/>
+              <a:buChar char="●"/>
+              <a:defRPr sz="2800" kern="1200">
+                <a:solidFill>
+                  <a:schemeClr val="tx1"/>
+                </a:solidFill>
+                <a:latin typeface="+mn-lt"/>
+                <a:ea typeface="+mn-ea"/>
+                <a:cs typeface="+mn-cs"/>
+              </a:defRPr>
+            </a:lvl1pPr>
+            <a:lvl2pPr marL="1219170" lvl="1" indent="-423323" algn="l" defTabSz="914400" rtl="0" eaLnBrk="1" latinLnBrk="0" hangingPunct="1">
+              <a:lnSpc>
+                <a:spcPct val="90000"/>
+              </a:lnSpc>
+              <a:spcBef>
+                <a:spcPts val="2133"/>
+              </a:spcBef>
+              <a:spcAft>
+                <a:spcPts val="0"/>
+              </a:spcAft>
+              <a:buSzPts val="1400"/>
+              <a:buFont typeface="Arial" panose="020B0604020202020204" pitchFamily="34" charset="0"/>
+              <a:buChar char="○"/>
+              <a:defRPr sz="2400" kern="1200">
+                <a:solidFill>
+                  <a:schemeClr val="tx1"/>
+                </a:solidFill>
+                <a:latin typeface="+mn-lt"/>
+                <a:ea typeface="+mn-ea"/>
+                <a:cs typeface="+mn-cs"/>
+              </a:defRPr>
+            </a:lvl2pPr>
+            <a:lvl3pPr marL="1828754" lvl="2" indent="-423323" algn="l" defTabSz="914400" rtl="0" eaLnBrk="1" latinLnBrk="0" hangingPunct="1">
+              <a:lnSpc>
+                <a:spcPct val="90000"/>
+              </a:lnSpc>
+              <a:spcBef>
+                <a:spcPts val="2133"/>
+              </a:spcBef>
+              <a:spcAft>
+                <a:spcPts val="0"/>
+              </a:spcAft>
+              <a:buSzPts val="1400"/>
+              <a:buFont typeface="Arial" panose="020B0604020202020204" pitchFamily="34" charset="0"/>
+              <a:buChar char="■"/>
+              <a:defRPr sz="2000" kern="1200">
+                <a:solidFill>
+                  <a:schemeClr val="tx1"/>
+                </a:solidFill>
+                <a:latin typeface="+mn-lt"/>
+                <a:ea typeface="+mn-ea"/>
+                <a:cs typeface="+mn-cs"/>
+              </a:defRPr>
+            </a:lvl3pPr>
+            <a:lvl4pPr marL="2438339" lvl="3" indent="-423323" algn="l" defTabSz="914400" rtl="0" eaLnBrk="1" latinLnBrk="0" hangingPunct="1">
+              <a:lnSpc>
+                <a:spcPct val="90000"/>
+              </a:lnSpc>
+              <a:spcBef>
+                <a:spcPts val="2133"/>
+              </a:spcBef>
+              <a:spcAft>
+                <a:spcPts val="0"/>
+              </a:spcAft>
+              <a:buSzPts val="1400"/>
+              <a:buFont typeface="Arial" panose="020B0604020202020204" pitchFamily="34" charset="0"/>
+              <a:buChar char="●"/>
+              <a:defRPr sz="1800" kern="1200">
+                <a:solidFill>
+                  <a:schemeClr val="tx1"/>
+                </a:solidFill>
+                <a:latin typeface="+mn-lt"/>
+                <a:ea typeface="+mn-ea"/>
+                <a:cs typeface="+mn-cs"/>
+              </a:defRPr>
+            </a:lvl4pPr>
+            <a:lvl5pPr marL="3047924" lvl="4" indent="-423323" algn="l" defTabSz="914400" rtl="0" eaLnBrk="1" latinLnBrk="0" hangingPunct="1">
+              <a:lnSpc>
+                <a:spcPct val="90000"/>
+              </a:lnSpc>
+              <a:spcBef>
+                <a:spcPts val="2133"/>
+              </a:spcBef>
+              <a:spcAft>
+                <a:spcPts val="0"/>
+              </a:spcAft>
+              <a:buSzPts val="1400"/>
+              <a:buFont typeface="Arial" panose="020B0604020202020204" pitchFamily="34" charset="0"/>
+              <a:buChar char="○"/>
+              <a:defRPr sz="1800" kern="1200">
+                <a:solidFill>
+                  <a:schemeClr val="tx1"/>
+                </a:solidFill>
+                <a:latin typeface="+mn-lt"/>
+                <a:ea typeface="+mn-ea"/>
+                <a:cs typeface="+mn-cs"/>
+              </a:defRPr>
+            </a:lvl5pPr>
+            <a:lvl6pPr marL="3657509" lvl="5" indent="-423323" algn="l" defTabSz="914400" rtl="0" eaLnBrk="1" latinLnBrk="0" hangingPunct="1">
+              <a:lnSpc>
+                <a:spcPct val="90000"/>
+              </a:lnSpc>
+              <a:spcBef>
+                <a:spcPts val="2133"/>
+              </a:spcBef>
+              <a:spcAft>
+                <a:spcPts val="0"/>
+              </a:spcAft>
+              <a:buSzPts val="1400"/>
+              <a:buFont typeface="Arial" panose="020B0604020202020204" pitchFamily="34" charset="0"/>
+              <a:buChar char="■"/>
+              <a:defRPr sz="1800" kern="1200">
+                <a:solidFill>
+                  <a:schemeClr val="tx1"/>
+                </a:solidFill>
+                <a:latin typeface="+mn-lt"/>
+                <a:ea typeface="+mn-ea"/>
+                <a:cs typeface="+mn-cs"/>
+              </a:defRPr>
+            </a:lvl6pPr>
+            <a:lvl7pPr marL="4267093" lvl="6" indent="-423323" algn="l" defTabSz="914400" rtl="0" eaLnBrk="1" latinLnBrk="0" hangingPunct="1">
+              <a:lnSpc>
+                <a:spcPct val="90000"/>
+              </a:lnSpc>
+              <a:spcBef>
+                <a:spcPts val="2133"/>
+              </a:spcBef>
+              <a:spcAft>
+                <a:spcPts val="0"/>
+              </a:spcAft>
+              <a:buSzPts val="1400"/>
+              <a:buFont typeface="Arial" panose="020B0604020202020204" pitchFamily="34" charset="0"/>
+              <a:buChar char="●"/>
+              <a:defRPr sz="1800" kern="1200">
+                <a:solidFill>
+                  <a:schemeClr val="tx1"/>
+                </a:solidFill>
+                <a:latin typeface="+mn-lt"/>
+                <a:ea typeface="+mn-ea"/>
+                <a:cs typeface="+mn-cs"/>
+              </a:defRPr>
+            </a:lvl7pPr>
+            <a:lvl8pPr marL="4876678" lvl="7" indent="-423323" algn="l" defTabSz="914400" rtl="0" eaLnBrk="1" latinLnBrk="0" hangingPunct="1">
+              <a:lnSpc>
+                <a:spcPct val="90000"/>
+              </a:lnSpc>
+              <a:spcBef>
+                <a:spcPts val="2133"/>
+              </a:spcBef>
+              <a:spcAft>
+                <a:spcPts val="0"/>
+              </a:spcAft>
+              <a:buSzPts val="1400"/>
+              <a:buFont typeface="Arial" panose="020B0604020202020204" pitchFamily="34" charset="0"/>
+              <a:buChar char="○"/>
+              <a:defRPr sz="1800" kern="1200">
+                <a:solidFill>
+                  <a:schemeClr val="tx1"/>
+                </a:solidFill>
+                <a:latin typeface="+mn-lt"/>
+                <a:ea typeface="+mn-ea"/>
+                <a:cs typeface="+mn-cs"/>
+              </a:defRPr>
+            </a:lvl8pPr>
+            <a:lvl9pPr marL="5486263" lvl="8" indent="-423323" algn="l" defTabSz="914400" rtl="0" eaLnBrk="1" latinLnBrk="0" hangingPunct="1">
+              <a:lnSpc>
+                <a:spcPct val="90000"/>
+              </a:lnSpc>
+              <a:spcBef>
+                <a:spcPts val="2133"/>
+              </a:spcBef>
+              <a:spcAft>
+                <a:spcPts val="2133"/>
+              </a:spcAft>
+              <a:buSzPts val="1400"/>
+              <a:buFont typeface="Arial" panose="020B0604020202020204" pitchFamily="34" charset="0"/>
+              <a:buChar char="■"/>
+              <a:defRPr sz="1800" kern="1200">
+                <a:solidFill>
+                  <a:schemeClr val="tx1"/>
+                </a:solidFill>
+                <a:latin typeface="+mn-lt"/>
+                <a:ea typeface="+mn-ea"/>
+                <a:cs typeface="+mn-cs"/>
+              </a:defRPr>
+            </a:lvl9pPr>
+          </a:lstStyle>
+          <a:p>
+            <a:pPr marL="228600" marR="0" lvl="0" indent="-228600" algn="l" defTabSz="914400" rtl="0" eaLnBrk="1" fontAlgn="auto" latinLnBrk="0" hangingPunct="1">
+              <a:lnSpc>
+                <a:spcPct val="90000"/>
+              </a:lnSpc>
+              <a:spcBef>
+                <a:spcPts val="1000"/>
+              </a:spcBef>
+              <a:spcAft>
+                <a:spcPts val="0"/>
+              </a:spcAft>
+              <a:buClrTx/>
+              <a:buSzTx/>
+              <a:buFont typeface="Arial" panose="020B0604020202020204" pitchFamily="34" charset="0"/>
+              <a:buChar char="•"/>
+              <a:tabLst/>
+              <a:defRPr/>
+            </a:pPr>
+            <a:r>
+              <a:rPr kumimoji="0" lang="en-US" sz="2800" b="0" i="0" u="none" strike="noStrike" kern="1200" cap="none" spc="0" normalizeH="0" baseline="0" noProof="0" dirty="0">
+                <a:ln>
+                  <a:noFill/>
+                </a:ln>
+                <a:solidFill>
+                  <a:srgbClr val="161616"/>
+                </a:solidFill>
+                <a:effectLst/>
+                <a:uLnTx/>
+                <a:uFillTx/>
+                <a:latin typeface="Segoe UI" panose="020B0502040204020203" pitchFamily="34" charset="0"/>
+                <a:ea typeface="+mn-ea"/>
+                <a:cs typeface="+mn-cs"/>
+              </a:rPr>
+              <a:t>fundamental building block</a:t>
+            </a:r>
+          </a:p>
+          <a:p>
+            <a:pPr marL="228600" marR="0" lvl="0" indent="-228600" algn="l" defTabSz="914400" rtl="0" eaLnBrk="1" fontAlgn="auto" latinLnBrk="0" hangingPunct="1">
+              <a:lnSpc>
+                <a:spcPct val="90000"/>
+              </a:lnSpc>
+              <a:spcBef>
+                <a:spcPts val="1000"/>
+              </a:spcBef>
+              <a:spcAft>
+                <a:spcPts val="0"/>
+              </a:spcAft>
+              <a:buClrTx/>
+              <a:buSzTx/>
+              <a:buFont typeface="Arial" panose="020B0604020202020204" pitchFamily="34" charset="0"/>
+              <a:buChar char="•"/>
+              <a:tabLst/>
+              <a:defRPr/>
+            </a:pPr>
+            <a:r>
+              <a:rPr kumimoji="0" lang="en-US" sz="2800" b="0" i="0" u="none" strike="noStrike" kern="1200" cap="none" spc="0" normalizeH="0" baseline="0" noProof="0" dirty="0">
+                <a:ln>
+                  <a:noFill/>
+                </a:ln>
+                <a:solidFill>
+                  <a:srgbClr val="161616"/>
+                </a:solidFill>
+                <a:effectLst/>
+                <a:uLnTx/>
+                <a:uFillTx/>
+                <a:latin typeface="Segoe UI" panose="020B0502040204020203" pitchFamily="34" charset="0"/>
+                <a:ea typeface="+mn-ea"/>
+                <a:cs typeface="+mn-cs"/>
+              </a:rPr>
+              <a:t>secure communication</a:t>
+            </a:r>
+          </a:p>
+          <a:p>
+            <a:pPr marL="685800" marR="0" lvl="1" indent="-228600" algn="l" defTabSz="914400" rtl="0" eaLnBrk="1" fontAlgn="auto" latinLnBrk="0" hangingPunct="1">
+              <a:lnSpc>
+                <a:spcPct val="90000"/>
+              </a:lnSpc>
+              <a:spcBef>
+                <a:spcPts val="500"/>
+              </a:spcBef>
+              <a:spcAft>
+                <a:spcPts val="0"/>
+              </a:spcAft>
+              <a:buClrTx/>
+              <a:buSzTx/>
+              <a:buFont typeface="Arial" panose="020B0604020202020204" pitchFamily="34" charset="0"/>
+              <a:buChar char="•"/>
+              <a:tabLst/>
+              <a:defRPr/>
+            </a:pPr>
+            <a:r>
+              <a:rPr kumimoji="0" lang="en-US" sz="2400" b="0" i="0" u="none" strike="noStrike" kern="1200" cap="none" spc="0" normalizeH="0" baseline="0" noProof="0" dirty="0">
+                <a:ln>
+                  <a:noFill/>
+                </a:ln>
+                <a:solidFill>
+                  <a:srgbClr val="161616"/>
+                </a:solidFill>
+                <a:effectLst/>
+                <a:uLnTx/>
+                <a:uFillTx/>
+                <a:latin typeface="Segoe UI" panose="020B0502040204020203" pitchFamily="34" charset="0"/>
+                <a:ea typeface="+mn-ea"/>
+                <a:cs typeface="+mn-cs"/>
+              </a:rPr>
+              <a:t>with Internet</a:t>
+            </a:r>
+          </a:p>
+          <a:p>
+            <a:pPr marL="685800" marR="0" lvl="1" indent="-228600" algn="l" defTabSz="914400" rtl="0" eaLnBrk="1" fontAlgn="auto" latinLnBrk="0" hangingPunct="1">
+              <a:lnSpc>
+                <a:spcPct val="90000"/>
+              </a:lnSpc>
+              <a:spcBef>
+                <a:spcPts val="500"/>
+              </a:spcBef>
+              <a:spcAft>
+                <a:spcPts val="0"/>
+              </a:spcAft>
+              <a:buClrTx/>
+              <a:buSzTx/>
+              <a:buFont typeface="Arial" panose="020B0604020202020204" pitchFamily="34" charset="0"/>
+              <a:buChar char="•"/>
+              <a:tabLst/>
+              <a:defRPr/>
+            </a:pPr>
+            <a:r>
+              <a:rPr kumimoji="0" lang="en-US" sz="2400" b="0" i="0" u="none" strike="noStrike" kern="1200" cap="none" spc="0" normalizeH="0" baseline="0" noProof="0" dirty="0">
+                <a:ln>
+                  <a:noFill/>
+                </a:ln>
+                <a:solidFill>
+                  <a:srgbClr val="161616"/>
+                </a:solidFill>
+                <a:effectLst/>
+                <a:uLnTx/>
+                <a:uFillTx/>
+                <a:latin typeface="Segoe UI" panose="020B0502040204020203" pitchFamily="34" charset="0"/>
+                <a:ea typeface="+mn-ea"/>
+                <a:cs typeface="+mn-cs"/>
+              </a:rPr>
+              <a:t>between Azure resources</a:t>
+            </a:r>
+          </a:p>
+          <a:p>
+            <a:pPr marL="685800" marR="0" lvl="1" indent="-228600" algn="l" defTabSz="914400" rtl="0" eaLnBrk="1" fontAlgn="auto" latinLnBrk="0" hangingPunct="1">
+              <a:lnSpc>
+                <a:spcPct val="90000"/>
+              </a:lnSpc>
+              <a:spcBef>
+                <a:spcPts val="500"/>
+              </a:spcBef>
+              <a:spcAft>
+                <a:spcPts val="0"/>
+              </a:spcAft>
+              <a:buClrTx/>
+              <a:buSzTx/>
+              <a:buFont typeface="Arial" panose="020B0604020202020204" pitchFamily="34" charset="0"/>
+              <a:buChar char="•"/>
+              <a:tabLst/>
+              <a:defRPr/>
+            </a:pPr>
+            <a:r>
+              <a:rPr kumimoji="0" lang="en-US" sz="2400" b="0" i="0" u="none" strike="noStrike" kern="1200" cap="none" spc="0" normalizeH="0" baseline="0" noProof="0" dirty="0">
+                <a:ln>
+                  <a:noFill/>
+                </a:ln>
+                <a:solidFill>
+                  <a:srgbClr val="161616"/>
+                </a:solidFill>
+                <a:effectLst/>
+                <a:uLnTx/>
+                <a:uFillTx/>
+                <a:latin typeface="Segoe UI" panose="020B0502040204020203" pitchFamily="34" charset="0"/>
+                <a:ea typeface="+mn-ea"/>
+                <a:cs typeface="+mn-cs"/>
+              </a:rPr>
+              <a:t>on-premises </a:t>
+            </a:r>
+          </a:p>
+          <a:p>
+            <a:pPr marL="228600" marR="0" lvl="0" indent="-228600" algn="l" defTabSz="914400" rtl="0" eaLnBrk="1" fontAlgn="auto" latinLnBrk="0" hangingPunct="1">
+              <a:lnSpc>
+                <a:spcPct val="90000"/>
+              </a:lnSpc>
+              <a:spcBef>
+                <a:spcPts val="1000"/>
+              </a:spcBef>
+              <a:spcAft>
+                <a:spcPts val="0"/>
+              </a:spcAft>
+              <a:buClrTx/>
+              <a:buSzTx/>
+              <a:buFont typeface="Arial" panose="020B0604020202020204" pitchFamily="34" charset="0"/>
+              <a:buChar char="•"/>
+              <a:tabLst/>
+              <a:defRPr/>
+            </a:pPr>
+            <a:r>
+              <a:rPr kumimoji="0" lang="nb-NO" sz="2800" b="0" i="0" u="none" strike="noStrike" kern="1200" cap="none" spc="0" normalizeH="0" baseline="0" noProof="0" dirty="0">
+                <a:ln>
+                  <a:noFill/>
+                </a:ln>
+                <a:solidFill>
+                  <a:prstClr val="black"/>
+                </a:solidFill>
+                <a:effectLst/>
+                <a:uLnTx/>
+                <a:uFillTx/>
+                <a:latin typeface="Calibri" panose="020F0502020204030204"/>
+                <a:ea typeface="+mn-ea"/>
+                <a:cs typeface="+mn-cs"/>
+              </a:rPr>
+              <a:t>Filter network traffic</a:t>
+            </a:r>
+          </a:p>
+          <a:p>
+            <a:pPr marL="228600" marR="0" lvl="0" indent="-228600" algn="l" defTabSz="914400" rtl="0" eaLnBrk="1" fontAlgn="auto" latinLnBrk="0" hangingPunct="1">
+              <a:lnSpc>
+                <a:spcPct val="90000"/>
+              </a:lnSpc>
+              <a:spcBef>
+                <a:spcPts val="1000"/>
+              </a:spcBef>
+              <a:spcAft>
+                <a:spcPts val="0"/>
+              </a:spcAft>
+              <a:buClrTx/>
+              <a:buSzTx/>
+              <a:buFont typeface="Arial" panose="020B0604020202020204" pitchFamily="34" charset="0"/>
+              <a:buChar char="•"/>
+              <a:tabLst/>
+              <a:defRPr/>
+            </a:pPr>
+            <a:r>
+              <a:rPr kumimoji="0" lang="nb-NO" sz="2800" b="0" i="0" u="none" strike="noStrike" kern="1200" cap="none" spc="0" normalizeH="0" baseline="0" noProof="0" dirty="0">
+                <a:ln>
+                  <a:noFill/>
+                </a:ln>
+                <a:solidFill>
+                  <a:prstClr val="black"/>
+                </a:solidFill>
+                <a:effectLst/>
+                <a:uLnTx/>
+                <a:uFillTx/>
+                <a:latin typeface="Calibri" panose="020F0502020204030204"/>
+                <a:ea typeface="+mn-ea"/>
+                <a:cs typeface="+mn-cs"/>
+              </a:rPr>
+              <a:t>Route network traffic</a:t>
+            </a:r>
+          </a:p>
+          <a:p>
+            <a:pPr marL="228600" marR="0" lvl="0" indent="-228600" algn="l" defTabSz="914400" rtl="0" eaLnBrk="1" fontAlgn="auto" latinLnBrk="0" hangingPunct="1">
+              <a:lnSpc>
+                <a:spcPct val="90000"/>
+              </a:lnSpc>
+              <a:spcBef>
+                <a:spcPts val="1000"/>
+              </a:spcBef>
+              <a:spcAft>
+                <a:spcPts val="0"/>
+              </a:spcAft>
+              <a:buClrTx/>
+              <a:buSzTx/>
+              <a:buFont typeface="Arial" panose="020B0604020202020204" pitchFamily="34" charset="0"/>
+              <a:buChar char="•"/>
+              <a:tabLst/>
+              <a:defRPr/>
+            </a:pPr>
+            <a:r>
+              <a:rPr kumimoji="0" lang="nb-NO" sz="2800" b="0" i="0" u="none" strike="noStrike" kern="1200" cap="none" spc="0" normalizeH="0" baseline="0" noProof="0" dirty="0">
+                <a:ln>
+                  <a:noFill/>
+                </a:ln>
+                <a:solidFill>
+                  <a:prstClr val="black"/>
+                </a:solidFill>
+                <a:effectLst/>
+                <a:uLnTx/>
+                <a:uFillTx/>
+                <a:latin typeface="Calibri" panose="020F0502020204030204"/>
+                <a:ea typeface="+mn-ea"/>
+                <a:cs typeface="+mn-cs"/>
+              </a:rPr>
+              <a:t>integration for Azure services</a:t>
+            </a:r>
+          </a:p>
+          <a:p>
+            <a:pPr marL="152396" indent="0">
+              <a:buNone/>
+            </a:pPr>
+            <a:endParaRPr lang="nb-NO" dirty="0"/>
+          </a:p>
+        </p:txBody>
+      </p:sp>
       <p:pic>
         <p:nvPicPr>
-          <p:cNvPr id="4" name="Graphic 4">
-            <a:extLst>
-              <a:ext uri="{FF2B5EF4-FFF2-40B4-BE49-F238E27FC236}">
-                <a16:creationId xmlns:a16="http://schemas.microsoft.com/office/drawing/2014/main" id="{0DFA98A8-5A4D-49E4-832A-BB2FD120FBC7}"/>
+          <p:cNvPr id="6" name="Graphic 5">
+            <a:extLst>
+              <a:ext uri="{FF2B5EF4-FFF2-40B4-BE49-F238E27FC236}">
+                <a16:creationId xmlns:a16="http://schemas.microsoft.com/office/drawing/2014/main" id="{0EFD094A-8F71-D661-2EFA-7A1BA16BECC8}"/>
+              </a:ext>
+            </a:extLst>
+          </p:cNvPr>
+          <p:cNvPicPr>
+            <a:picLocks noChangeAspect="1"/>
+          </p:cNvPicPr>
+          <p:nvPr/>
+        </p:nvPicPr>
+        <p:blipFill>
+          <a:blip r:embed="rId3">
+            <a:extLst>
+              <a:ext uri="{28A0092B-C50C-407E-A947-70E740481C1C}">
+                <a14:useLocalDpi xmlns:a14="http://schemas.microsoft.com/office/drawing/2010/main" val="0"/>
+              </a:ext>
+              <a:ext uri="{96DAC541-7B7A-43D3-8B79-37D633B846F1}">
+                <asvg:svgBlip xmlns:asvg="http://schemas.microsoft.com/office/drawing/2016/SVG/main" r:embed="rId4"/>
+              </a:ext>
+            </a:extLst>
+          </a:blip>
+          <a:stretch>
+            <a:fillRect/>
+          </a:stretch>
+        </p:blipFill>
+        <p:spPr>
+          <a:xfrm>
+            <a:off x="10642732" y="458231"/>
+            <a:ext cx="866617" cy="866617"/>
+          </a:xfrm>
+          <a:prstGeom prst="rect">
+            <a:avLst/>
+          </a:prstGeom>
+        </p:spPr>
+      </p:pic>
+    </p:spTree>
+    <p:extLst>
+      <p:ext uri="{BB962C8B-B14F-4D97-AF65-F5344CB8AC3E}">
+        <p14:creationId xmlns:p14="http://schemas.microsoft.com/office/powerpoint/2010/main" val="3251854635"/>
+      </p:ext>
+    </p:extLst>
+  </p:cSld>
+  <p:clrMapOvr>
+    <a:masterClrMapping/>
+  </p:clrMapOvr>
+</p:sld>
+</file>
+
+<file path=ppt/slides/slide8.xml><?xml version="1.0" encoding="utf-8"?>
+<p:sld xmlns:a="http://schemas.openxmlformats.org/drawingml/2006/main" xmlns:r="http://schemas.openxmlformats.org/officeDocument/2006/relationships" xmlns:p="http://schemas.openxmlformats.org/presentationml/2006/main">
+  <p:cSld>
+    <p:spTree>
+      <p:nvGrpSpPr>
+        <p:cNvPr id="1" name=""/>
+        <p:cNvGrpSpPr/>
+        <p:nvPr/>
+      </p:nvGrpSpPr>
+      <p:grpSpPr>
+        <a:xfrm>
+          <a:off x="0" y="0"/>
+          <a:ext cx="0" cy="0"/>
+          <a:chOff x="0" y="0"/>
+          <a:chExt cx="0" cy="0"/>
+        </a:xfrm>
+      </p:grpSpPr>
+      <p:sp>
+        <p:nvSpPr>
+          <p:cNvPr id="4" name="Title 1">
+            <a:extLst>
+              <a:ext uri="{FF2B5EF4-FFF2-40B4-BE49-F238E27FC236}">
+                <a16:creationId xmlns:a16="http://schemas.microsoft.com/office/drawing/2014/main" id="{EC4EA889-4A1B-81F7-85D2-1A1D8D6EAAF4}"/>
+              </a:ext>
+            </a:extLst>
+          </p:cNvPr>
+          <p:cNvSpPr>
+            <a:spLocks noGrp="1"/>
+          </p:cNvSpPr>
+          <p:nvPr>
+            <p:ph type="title"/>
+          </p:nvPr>
+        </p:nvSpPr>
+        <p:spPr>
+          <a:xfrm>
+            <a:off x="838200" y="365125"/>
+            <a:ext cx="10515600" cy="1325563"/>
+          </a:xfrm>
+        </p:spPr>
+        <p:txBody>
+          <a:bodyPr/>
+          <a:lstStyle/>
+          <a:p>
+            <a:r>
+              <a:rPr lang="nb-NO" dirty="0" err="1"/>
+              <a:t>Azure</a:t>
+            </a:r>
+            <a:r>
+              <a:rPr lang="nb-NO" dirty="0"/>
+              <a:t> Virtual Network</a:t>
+            </a:r>
+          </a:p>
+        </p:txBody>
+      </p:sp>
+      <p:sp>
+        <p:nvSpPr>
+          <p:cNvPr id="5" name="Content Placeholder 2">
+            <a:extLst>
+              <a:ext uri="{FF2B5EF4-FFF2-40B4-BE49-F238E27FC236}">
+                <a16:creationId xmlns:a16="http://schemas.microsoft.com/office/drawing/2014/main" id="{68DD4096-B7E1-3FE4-E66A-9BCCC528C514}"/>
+              </a:ext>
+            </a:extLst>
+          </p:cNvPr>
+          <p:cNvSpPr txBox="1">
+            <a:spLocks/>
+          </p:cNvSpPr>
+          <p:nvPr/>
+        </p:nvSpPr>
+        <p:spPr>
+          <a:xfrm>
+            <a:off x="838200" y="1825625"/>
+            <a:ext cx="5257800" cy="4351338"/>
+          </a:xfrm>
+          <a:prstGeom prst="rect">
+            <a:avLst/>
+          </a:prstGeom>
+        </p:spPr>
+        <p:txBody>
+          <a:bodyPr spcFirstLastPara="1" vert="horz" wrap="square" lIns="91425" tIns="91425" rIns="91425" bIns="91425" rtlCol="0" anchor="t" anchorCtr="0">
+            <a:noAutofit/>
+          </a:bodyPr>
+          <a:lstStyle>
+            <a:lvl1pPr marL="609585" lvl="0" indent="-457189" algn="l" defTabSz="914400" rtl="0" eaLnBrk="1" latinLnBrk="0" hangingPunct="1">
+              <a:lnSpc>
+                <a:spcPct val="90000"/>
+              </a:lnSpc>
+              <a:spcBef>
+                <a:spcPts val="0"/>
+              </a:spcBef>
+              <a:spcAft>
+                <a:spcPts val="0"/>
+              </a:spcAft>
+              <a:buSzPts val="1800"/>
+              <a:buFont typeface="Arial" panose="020B0604020202020204" pitchFamily="34" charset="0"/>
+              <a:buChar char="●"/>
+              <a:defRPr sz="2800" kern="1200">
+                <a:solidFill>
+                  <a:schemeClr val="tx1"/>
+                </a:solidFill>
+                <a:latin typeface="+mn-lt"/>
+                <a:ea typeface="+mn-ea"/>
+                <a:cs typeface="+mn-cs"/>
+              </a:defRPr>
+            </a:lvl1pPr>
+            <a:lvl2pPr marL="1219170" lvl="1" indent="-423323" algn="l" defTabSz="914400" rtl="0" eaLnBrk="1" latinLnBrk="0" hangingPunct="1">
+              <a:lnSpc>
+                <a:spcPct val="90000"/>
+              </a:lnSpc>
+              <a:spcBef>
+                <a:spcPts val="2133"/>
+              </a:spcBef>
+              <a:spcAft>
+                <a:spcPts val="0"/>
+              </a:spcAft>
+              <a:buSzPts val="1400"/>
+              <a:buFont typeface="Arial" panose="020B0604020202020204" pitchFamily="34" charset="0"/>
+              <a:buChar char="○"/>
+              <a:defRPr sz="2400" kern="1200">
+                <a:solidFill>
+                  <a:schemeClr val="tx1"/>
+                </a:solidFill>
+                <a:latin typeface="+mn-lt"/>
+                <a:ea typeface="+mn-ea"/>
+                <a:cs typeface="+mn-cs"/>
+              </a:defRPr>
+            </a:lvl2pPr>
+            <a:lvl3pPr marL="1828754" lvl="2" indent="-423323" algn="l" defTabSz="914400" rtl="0" eaLnBrk="1" latinLnBrk="0" hangingPunct="1">
+              <a:lnSpc>
+                <a:spcPct val="90000"/>
+              </a:lnSpc>
+              <a:spcBef>
+                <a:spcPts val="2133"/>
+              </a:spcBef>
+              <a:spcAft>
+                <a:spcPts val="0"/>
+              </a:spcAft>
+              <a:buSzPts val="1400"/>
+              <a:buFont typeface="Arial" panose="020B0604020202020204" pitchFamily="34" charset="0"/>
+              <a:buChar char="■"/>
+              <a:defRPr sz="2000" kern="1200">
+                <a:solidFill>
+                  <a:schemeClr val="tx1"/>
+                </a:solidFill>
+                <a:latin typeface="+mn-lt"/>
+                <a:ea typeface="+mn-ea"/>
+                <a:cs typeface="+mn-cs"/>
+              </a:defRPr>
+            </a:lvl3pPr>
+            <a:lvl4pPr marL="2438339" lvl="3" indent="-423323" algn="l" defTabSz="914400" rtl="0" eaLnBrk="1" latinLnBrk="0" hangingPunct="1">
+              <a:lnSpc>
+                <a:spcPct val="90000"/>
+              </a:lnSpc>
+              <a:spcBef>
+                <a:spcPts val="2133"/>
+              </a:spcBef>
+              <a:spcAft>
+                <a:spcPts val="0"/>
+              </a:spcAft>
+              <a:buSzPts val="1400"/>
+              <a:buFont typeface="Arial" panose="020B0604020202020204" pitchFamily="34" charset="0"/>
+              <a:buChar char="●"/>
+              <a:defRPr sz="1800" kern="1200">
+                <a:solidFill>
+                  <a:schemeClr val="tx1"/>
+                </a:solidFill>
+                <a:latin typeface="+mn-lt"/>
+                <a:ea typeface="+mn-ea"/>
+                <a:cs typeface="+mn-cs"/>
+              </a:defRPr>
+            </a:lvl4pPr>
+            <a:lvl5pPr marL="3047924" lvl="4" indent="-423323" algn="l" defTabSz="914400" rtl="0" eaLnBrk="1" latinLnBrk="0" hangingPunct="1">
+              <a:lnSpc>
+                <a:spcPct val="90000"/>
+              </a:lnSpc>
+              <a:spcBef>
+                <a:spcPts val="2133"/>
+              </a:spcBef>
+              <a:spcAft>
+                <a:spcPts val="0"/>
+              </a:spcAft>
+              <a:buSzPts val="1400"/>
+              <a:buFont typeface="Arial" panose="020B0604020202020204" pitchFamily="34" charset="0"/>
+              <a:buChar char="○"/>
+              <a:defRPr sz="1800" kern="1200">
+                <a:solidFill>
+                  <a:schemeClr val="tx1"/>
+                </a:solidFill>
+                <a:latin typeface="+mn-lt"/>
+                <a:ea typeface="+mn-ea"/>
+                <a:cs typeface="+mn-cs"/>
+              </a:defRPr>
+            </a:lvl5pPr>
+            <a:lvl6pPr marL="3657509" lvl="5" indent="-423323" algn="l" defTabSz="914400" rtl="0" eaLnBrk="1" latinLnBrk="0" hangingPunct="1">
+              <a:lnSpc>
+                <a:spcPct val="90000"/>
+              </a:lnSpc>
+              <a:spcBef>
+                <a:spcPts val="2133"/>
+              </a:spcBef>
+              <a:spcAft>
+                <a:spcPts val="0"/>
+              </a:spcAft>
+              <a:buSzPts val="1400"/>
+              <a:buFont typeface="Arial" panose="020B0604020202020204" pitchFamily="34" charset="0"/>
+              <a:buChar char="■"/>
+              <a:defRPr sz="1800" kern="1200">
+                <a:solidFill>
+                  <a:schemeClr val="tx1"/>
+                </a:solidFill>
+                <a:latin typeface="+mn-lt"/>
+                <a:ea typeface="+mn-ea"/>
+                <a:cs typeface="+mn-cs"/>
+              </a:defRPr>
+            </a:lvl6pPr>
+            <a:lvl7pPr marL="4267093" lvl="6" indent="-423323" algn="l" defTabSz="914400" rtl="0" eaLnBrk="1" latinLnBrk="0" hangingPunct="1">
+              <a:lnSpc>
+                <a:spcPct val="90000"/>
+              </a:lnSpc>
+              <a:spcBef>
+                <a:spcPts val="2133"/>
+              </a:spcBef>
+              <a:spcAft>
+                <a:spcPts val="0"/>
+              </a:spcAft>
+              <a:buSzPts val="1400"/>
+              <a:buFont typeface="Arial" panose="020B0604020202020204" pitchFamily="34" charset="0"/>
+              <a:buChar char="●"/>
+              <a:defRPr sz="1800" kern="1200">
+                <a:solidFill>
+                  <a:schemeClr val="tx1"/>
+                </a:solidFill>
+                <a:latin typeface="+mn-lt"/>
+                <a:ea typeface="+mn-ea"/>
+                <a:cs typeface="+mn-cs"/>
+              </a:defRPr>
+            </a:lvl7pPr>
+            <a:lvl8pPr marL="4876678" lvl="7" indent="-423323" algn="l" defTabSz="914400" rtl="0" eaLnBrk="1" latinLnBrk="0" hangingPunct="1">
+              <a:lnSpc>
+                <a:spcPct val="90000"/>
+              </a:lnSpc>
+              <a:spcBef>
+                <a:spcPts val="2133"/>
+              </a:spcBef>
+              <a:spcAft>
+                <a:spcPts val="0"/>
+              </a:spcAft>
+              <a:buSzPts val="1400"/>
+              <a:buFont typeface="Arial" panose="020B0604020202020204" pitchFamily="34" charset="0"/>
+              <a:buChar char="○"/>
+              <a:defRPr sz="1800" kern="1200">
+                <a:solidFill>
+                  <a:schemeClr val="tx1"/>
+                </a:solidFill>
+                <a:latin typeface="+mn-lt"/>
+                <a:ea typeface="+mn-ea"/>
+                <a:cs typeface="+mn-cs"/>
+              </a:defRPr>
+            </a:lvl8pPr>
+            <a:lvl9pPr marL="5486263" lvl="8" indent="-423323" algn="l" defTabSz="914400" rtl="0" eaLnBrk="1" latinLnBrk="0" hangingPunct="1">
+              <a:lnSpc>
+                <a:spcPct val="90000"/>
+              </a:lnSpc>
+              <a:spcBef>
+                <a:spcPts val="2133"/>
+              </a:spcBef>
+              <a:spcAft>
+                <a:spcPts val="2133"/>
+              </a:spcAft>
+              <a:buSzPts val="1400"/>
+              <a:buFont typeface="Arial" panose="020B0604020202020204" pitchFamily="34" charset="0"/>
+              <a:buChar char="■"/>
+              <a:defRPr sz="1800" kern="1200">
+                <a:solidFill>
+                  <a:schemeClr val="tx1"/>
+                </a:solidFill>
+                <a:latin typeface="+mn-lt"/>
+                <a:ea typeface="+mn-ea"/>
+                <a:cs typeface="+mn-cs"/>
+              </a:defRPr>
+            </a:lvl9pPr>
+          </a:lstStyle>
+          <a:p>
+            <a:r>
+              <a:rPr lang="nb-NO"/>
+              <a:t>Scoped to a subscription </a:t>
+            </a:r>
+          </a:p>
+          <a:p>
+            <a:r>
+              <a:rPr lang="nb-NO"/>
+              <a:t>Regional resource</a:t>
+            </a:r>
+          </a:p>
+          <a:p>
+            <a:r>
+              <a:rPr lang="nb-NO"/>
+              <a:t>Address space (IPv4 CIDR) </a:t>
+            </a:r>
+          </a:p>
+          <a:p>
+            <a:r>
+              <a:rPr lang="nb-NO"/>
+              <a:t>At least one subnet</a:t>
+            </a:r>
+          </a:p>
+          <a:p>
+            <a:r>
+              <a:rPr lang="nb-NO"/>
+              <a:t>-5 IPs from subnet (0-3, 255)</a:t>
+            </a:r>
+          </a:p>
+          <a:p>
+            <a:r>
+              <a:rPr lang="nb-NO"/>
+              <a:t>Min subnet size - /29 (3 IPs)</a:t>
+            </a:r>
+            <a:endParaRPr lang="nb-NO" dirty="0"/>
+          </a:p>
+        </p:txBody>
+      </p:sp>
+      <p:sp>
+        <p:nvSpPr>
+          <p:cNvPr id="6" name="Rectangle 5">
+            <a:extLst>
+              <a:ext uri="{FF2B5EF4-FFF2-40B4-BE49-F238E27FC236}">
+                <a16:creationId xmlns:a16="http://schemas.microsoft.com/office/drawing/2014/main" id="{66A76866-D045-4973-4D36-829054841258}"/>
+              </a:ext>
+            </a:extLst>
+          </p:cNvPr>
+          <p:cNvSpPr/>
+          <p:nvPr/>
+        </p:nvSpPr>
+        <p:spPr>
+          <a:xfrm>
+            <a:off x="6111428" y="2612149"/>
+            <a:ext cx="5418387" cy="2372604"/>
+          </a:xfrm>
+          <a:prstGeom prst="rect">
+            <a:avLst/>
+          </a:prstGeom>
+          <a:noFill/>
+        </p:spPr>
+        <p:style>
+          <a:lnRef idx="2">
+            <a:schemeClr val="accent1">
+              <a:shade val="50000"/>
+            </a:schemeClr>
+          </a:lnRef>
+          <a:fillRef idx="1">
+            <a:schemeClr val="accent1"/>
+          </a:fillRef>
+          <a:effectRef idx="0">
+            <a:schemeClr val="accent1"/>
+          </a:effectRef>
+          <a:fontRef idx="minor">
+            <a:schemeClr val="lt1"/>
+          </a:fontRef>
+        </p:style>
+        <p:txBody>
+          <a:bodyPr rtlCol="0" anchor="ctr"/>
+          <a:lstStyle/>
+          <a:p>
+            <a:pPr algn="ctr"/>
+            <a:endParaRPr lang="nb-NO" dirty="0">
+              <a:solidFill>
+                <a:schemeClr val="tx1"/>
+              </a:solidFill>
+            </a:endParaRPr>
+          </a:p>
+        </p:txBody>
+      </p:sp>
+      <p:pic>
+        <p:nvPicPr>
+          <p:cNvPr id="7" name="Graphic 6">
+            <a:extLst>
+              <a:ext uri="{FF2B5EF4-FFF2-40B4-BE49-F238E27FC236}">
+                <a16:creationId xmlns:a16="http://schemas.microsoft.com/office/drawing/2014/main" id="{D118E7A4-74AA-A727-0D20-20B7253B4B9E}"/>
+              </a:ext>
+            </a:extLst>
+          </p:cNvPr>
+          <p:cNvPicPr>
+            <a:picLocks noChangeAspect="1"/>
+          </p:cNvPicPr>
+          <p:nvPr/>
+        </p:nvPicPr>
+        <p:blipFill>
+          <a:blip r:embed="rId2">
+            <a:extLst>
+              <a:ext uri="{28A0092B-C50C-407E-A947-70E740481C1C}">
+                <a14:useLocalDpi xmlns:a14="http://schemas.microsoft.com/office/drawing/2010/main" val="0"/>
+              </a:ext>
+              <a:ext uri="{96DAC541-7B7A-43D3-8B79-37D633B846F1}">
+                <asvg:svgBlip xmlns:asvg="http://schemas.microsoft.com/office/drawing/2016/SVG/main" r:embed="rId3"/>
+              </a:ext>
+            </a:extLst>
+          </a:blip>
+          <a:stretch>
+            <a:fillRect/>
+          </a:stretch>
+        </p:blipFill>
+        <p:spPr>
+          <a:xfrm>
+            <a:off x="6111088" y="4761433"/>
+            <a:ext cx="180000" cy="180000"/>
+          </a:xfrm>
+          <a:prstGeom prst="rect">
+            <a:avLst/>
+          </a:prstGeom>
+        </p:spPr>
+      </p:pic>
+      <p:sp>
+        <p:nvSpPr>
+          <p:cNvPr id="8" name="Rectangle 7">
+            <a:extLst>
+              <a:ext uri="{FF2B5EF4-FFF2-40B4-BE49-F238E27FC236}">
+                <a16:creationId xmlns:a16="http://schemas.microsoft.com/office/drawing/2014/main" id="{8DF72DC2-8D77-3424-7AFF-1749F1BD03F9}"/>
+              </a:ext>
+            </a:extLst>
+          </p:cNvPr>
+          <p:cNvSpPr/>
+          <p:nvPr/>
+        </p:nvSpPr>
+        <p:spPr>
+          <a:xfrm>
+            <a:off x="6290747" y="2826011"/>
+            <a:ext cx="4936788" cy="1927738"/>
+          </a:xfrm>
+          <a:prstGeom prst="rect">
+            <a:avLst/>
+          </a:prstGeom>
+          <a:noFill/>
+          <a:ln>
+            <a:solidFill>
+              <a:schemeClr val="accent1"/>
+            </a:solidFill>
+          </a:ln>
+        </p:spPr>
+        <p:style>
+          <a:lnRef idx="2">
+            <a:schemeClr val="accent1">
+              <a:shade val="50000"/>
+            </a:schemeClr>
+          </a:lnRef>
+          <a:fillRef idx="1">
+            <a:schemeClr val="accent1"/>
+          </a:fillRef>
+          <a:effectRef idx="0">
+            <a:schemeClr val="accent1"/>
+          </a:effectRef>
+          <a:fontRef idx="minor">
+            <a:schemeClr val="lt1"/>
+          </a:fontRef>
+        </p:style>
+        <p:txBody>
+          <a:bodyPr rtlCol="0" anchor="ctr"/>
+          <a:lstStyle/>
+          <a:p>
+            <a:pPr algn="ctr"/>
+            <a:endParaRPr lang="nb-NO" sz="1000" dirty="0">
+              <a:solidFill>
+                <a:schemeClr val="tx1"/>
+              </a:solidFill>
+            </a:endParaRPr>
+          </a:p>
+        </p:txBody>
+      </p:sp>
+      <p:sp>
+        <p:nvSpPr>
+          <p:cNvPr id="9" name="TextBox 8">
+            <a:extLst>
+              <a:ext uri="{FF2B5EF4-FFF2-40B4-BE49-F238E27FC236}">
+                <a16:creationId xmlns:a16="http://schemas.microsoft.com/office/drawing/2014/main" id="{75D50E6B-F992-C5E6-3984-A7F9D9DD00D5}"/>
+              </a:ext>
+            </a:extLst>
+          </p:cNvPr>
+          <p:cNvSpPr txBox="1"/>
+          <p:nvPr/>
+        </p:nvSpPr>
+        <p:spPr>
+          <a:xfrm>
+            <a:off x="6253422" y="4535674"/>
+            <a:ext cx="1074688" cy="246221"/>
+          </a:xfrm>
+          <a:prstGeom prst="rect">
+            <a:avLst/>
+          </a:prstGeom>
+          <a:noFill/>
+        </p:spPr>
+        <p:txBody>
+          <a:bodyPr wrap="square" rtlCol="0">
+            <a:spAutoFit/>
+          </a:bodyPr>
+          <a:lstStyle/>
+          <a:p>
+            <a:r>
+              <a:rPr lang="nb-NO" sz="1000" dirty="0" err="1">
+                <a:solidFill>
+                  <a:schemeClr val="tx1"/>
+                </a:solidFill>
+              </a:rPr>
+              <a:t>Sweden</a:t>
+            </a:r>
+            <a:r>
+              <a:rPr lang="nb-NO" sz="1000" dirty="0">
+                <a:solidFill>
+                  <a:schemeClr val="tx1"/>
+                </a:solidFill>
+              </a:rPr>
+              <a:t> East</a:t>
+            </a:r>
+          </a:p>
+        </p:txBody>
+      </p:sp>
+      <p:pic>
+        <p:nvPicPr>
+          <p:cNvPr id="10" name="Graphic 9">
+            <a:extLst>
+              <a:ext uri="{FF2B5EF4-FFF2-40B4-BE49-F238E27FC236}">
+                <a16:creationId xmlns:a16="http://schemas.microsoft.com/office/drawing/2014/main" id="{39C7822A-069C-C62A-C3CB-A97899853BCF}"/>
               </a:ext>
             </a:extLst>
           </p:cNvPr>
@@ -7096,20 +13339,714 @@
         </p:blipFill>
         <p:spPr>
           <a:xfrm>
-            <a:off x="375137" y="6121057"/>
-            <a:ext cx="1718444" cy="574556"/>
+            <a:off x="6476739" y="4348614"/>
+            <a:ext cx="180000" cy="180000"/>
           </a:xfrm>
           <a:prstGeom prst="rect">
             <a:avLst/>
           </a:prstGeom>
         </p:spPr>
       </p:pic>
+      <p:sp>
+        <p:nvSpPr>
+          <p:cNvPr id="11" name="Rectangle 10">
+            <a:extLst>
+              <a:ext uri="{FF2B5EF4-FFF2-40B4-BE49-F238E27FC236}">
+                <a16:creationId xmlns:a16="http://schemas.microsoft.com/office/drawing/2014/main" id="{C125C5C7-EDBD-ED4F-9F92-B82DF4410A19}"/>
+              </a:ext>
+            </a:extLst>
+          </p:cNvPr>
+          <p:cNvSpPr/>
+          <p:nvPr/>
+        </p:nvSpPr>
+        <p:spPr>
+          <a:xfrm>
+            <a:off x="6442677" y="3012672"/>
+            <a:ext cx="4550589" cy="1537824"/>
+          </a:xfrm>
+          <a:prstGeom prst="rect">
+            <a:avLst/>
+          </a:prstGeom>
+          <a:noFill/>
+          <a:ln>
+            <a:solidFill>
+              <a:schemeClr val="accent5">
+                <a:lumMod val="75000"/>
+              </a:schemeClr>
+            </a:solidFill>
+          </a:ln>
+        </p:spPr>
+        <p:style>
+          <a:lnRef idx="2">
+            <a:schemeClr val="accent1">
+              <a:shade val="50000"/>
+            </a:schemeClr>
+          </a:lnRef>
+          <a:fillRef idx="1">
+            <a:schemeClr val="accent1"/>
+          </a:fillRef>
+          <a:effectRef idx="0">
+            <a:schemeClr val="accent1"/>
+          </a:effectRef>
+          <a:fontRef idx="minor">
+            <a:schemeClr val="lt1"/>
+          </a:fontRef>
+        </p:style>
+        <p:txBody>
+          <a:bodyPr rtlCol="0" anchor="ctr"/>
+          <a:lstStyle/>
+          <a:p>
+            <a:pPr algn="ctr"/>
+            <a:endParaRPr lang="nb-NO" sz="1000" dirty="0">
+              <a:solidFill>
+                <a:schemeClr val="tx1"/>
+              </a:solidFill>
+            </a:endParaRPr>
+          </a:p>
+        </p:txBody>
+      </p:sp>
+      <p:sp>
+        <p:nvSpPr>
+          <p:cNvPr id="12" name="Rectangle 11">
+            <a:extLst>
+              <a:ext uri="{FF2B5EF4-FFF2-40B4-BE49-F238E27FC236}">
+                <a16:creationId xmlns:a16="http://schemas.microsoft.com/office/drawing/2014/main" id="{7F776C96-8DFB-7F47-4E4D-091DC677859A}"/>
+              </a:ext>
+            </a:extLst>
+          </p:cNvPr>
+          <p:cNvSpPr/>
+          <p:nvPr/>
+        </p:nvSpPr>
+        <p:spPr>
+          <a:xfrm>
+            <a:off x="6656738" y="3201597"/>
+            <a:ext cx="4040986" cy="1100075"/>
+          </a:xfrm>
+          <a:prstGeom prst="rect">
+            <a:avLst/>
+          </a:prstGeom>
+          <a:noFill/>
+          <a:ln>
+            <a:solidFill>
+              <a:srgbClr val="FFC000"/>
+            </a:solidFill>
+          </a:ln>
+        </p:spPr>
+        <p:style>
+          <a:lnRef idx="2">
+            <a:schemeClr val="accent1">
+              <a:shade val="50000"/>
+            </a:schemeClr>
+          </a:lnRef>
+          <a:fillRef idx="1">
+            <a:schemeClr val="accent1"/>
+          </a:fillRef>
+          <a:effectRef idx="0">
+            <a:schemeClr val="accent1"/>
+          </a:effectRef>
+          <a:fontRef idx="minor">
+            <a:schemeClr val="lt1"/>
+          </a:fontRef>
+        </p:style>
+        <p:txBody>
+          <a:bodyPr rtlCol="0" anchor="ctr"/>
+          <a:lstStyle/>
+          <a:p>
+            <a:pPr algn="ctr"/>
+            <a:endParaRPr lang="nb-NO" sz="1000" dirty="0">
+              <a:solidFill>
+                <a:schemeClr val="tx1"/>
+              </a:solidFill>
+            </a:endParaRPr>
+          </a:p>
+        </p:txBody>
+      </p:sp>
       <p:pic>
         <p:nvPicPr>
-          <p:cNvPr id="5" name="Google Shape;56;p13">
-            <a:extLst>
-              <a:ext uri="{FF2B5EF4-FFF2-40B4-BE49-F238E27FC236}">
-                <a16:creationId xmlns:a16="http://schemas.microsoft.com/office/drawing/2014/main" id="{0A29C5F4-A042-4CF1-B499-7EC5D0A4F145}"/>
+          <p:cNvPr id="13" name="Graphic 12">
+            <a:extLst>
+              <a:ext uri="{FF2B5EF4-FFF2-40B4-BE49-F238E27FC236}">
+                <a16:creationId xmlns:a16="http://schemas.microsoft.com/office/drawing/2014/main" id="{BD198B81-0E09-FFED-B40E-412DA8E44A39}"/>
+              </a:ext>
+            </a:extLst>
+          </p:cNvPr>
+          <p:cNvPicPr>
+            <a:picLocks noChangeAspect="1"/>
+          </p:cNvPicPr>
+          <p:nvPr/>
+        </p:nvPicPr>
+        <p:blipFill>
+          <a:blip r:embed="rId6">
+            <a:extLst>
+              <a:ext uri="{28A0092B-C50C-407E-A947-70E740481C1C}">
+                <a14:useLocalDpi xmlns:a14="http://schemas.microsoft.com/office/drawing/2010/main" val="0"/>
+              </a:ext>
+              <a:ext uri="{96DAC541-7B7A-43D3-8B79-37D633B846F1}">
+                <asvg:svgBlip xmlns:asvg="http://schemas.microsoft.com/office/drawing/2016/SVG/main" r:embed="rId7"/>
+              </a:ext>
+            </a:extLst>
+          </a:blip>
+          <a:stretch>
+            <a:fillRect/>
+          </a:stretch>
+        </p:blipFill>
+        <p:spPr>
+          <a:xfrm>
+            <a:off x="6710874" y="4120775"/>
+            <a:ext cx="171450" cy="171450"/>
+          </a:xfrm>
+          <a:prstGeom prst="rect">
+            <a:avLst/>
+          </a:prstGeom>
+        </p:spPr>
+      </p:pic>
+      <p:sp>
+        <p:nvSpPr>
+          <p:cNvPr id="14" name="TextBox 13">
+            <a:extLst>
+              <a:ext uri="{FF2B5EF4-FFF2-40B4-BE49-F238E27FC236}">
+                <a16:creationId xmlns:a16="http://schemas.microsoft.com/office/drawing/2014/main" id="{B49439AE-77D7-0EAC-210F-C5DF3CF2826A}"/>
+              </a:ext>
+            </a:extLst>
+          </p:cNvPr>
+          <p:cNvSpPr txBox="1"/>
+          <p:nvPr/>
+        </p:nvSpPr>
+        <p:spPr>
+          <a:xfrm>
+            <a:off x="6599839" y="4309744"/>
+            <a:ext cx="1366014" cy="246221"/>
+          </a:xfrm>
+          <a:prstGeom prst="rect">
+            <a:avLst/>
+          </a:prstGeom>
+          <a:noFill/>
+        </p:spPr>
+        <p:txBody>
+          <a:bodyPr wrap="square" rtlCol="0">
+            <a:spAutoFit/>
+          </a:bodyPr>
+          <a:lstStyle/>
+          <a:p>
+            <a:r>
+              <a:rPr lang="nb-NO" sz="1000" dirty="0" err="1">
+                <a:solidFill>
+                  <a:schemeClr val="tx1"/>
+                </a:solidFill>
+              </a:rPr>
+              <a:t>ndx-foobar-rg</a:t>
+            </a:r>
+            <a:endParaRPr lang="nb-NO" sz="1000" dirty="0">
+              <a:solidFill>
+                <a:schemeClr val="tx1"/>
+              </a:solidFill>
+            </a:endParaRPr>
+          </a:p>
+        </p:txBody>
+      </p:sp>
+      <p:sp>
+        <p:nvSpPr>
+          <p:cNvPr id="15" name="TextBox 14">
+            <a:extLst>
+              <a:ext uri="{FF2B5EF4-FFF2-40B4-BE49-F238E27FC236}">
+                <a16:creationId xmlns:a16="http://schemas.microsoft.com/office/drawing/2014/main" id="{9872DFDB-C8C5-06D9-3CC3-A7E0E73B5243}"/>
+              </a:ext>
+            </a:extLst>
+          </p:cNvPr>
+          <p:cNvSpPr txBox="1"/>
+          <p:nvPr/>
+        </p:nvSpPr>
+        <p:spPr>
+          <a:xfrm>
+            <a:off x="6804076" y="4070716"/>
+            <a:ext cx="1778042" cy="246221"/>
+          </a:xfrm>
+          <a:prstGeom prst="rect">
+            <a:avLst/>
+          </a:prstGeom>
+          <a:noFill/>
+        </p:spPr>
+        <p:txBody>
+          <a:bodyPr wrap="square" rtlCol="0">
+            <a:spAutoFit/>
+          </a:bodyPr>
+          <a:lstStyle/>
+          <a:p>
+            <a:r>
+              <a:rPr lang="nb-NO" sz="1000" dirty="0" err="1">
+                <a:solidFill>
+                  <a:schemeClr val="tx1"/>
+                </a:solidFill>
+              </a:rPr>
+              <a:t>ndx-appa-vnet</a:t>
+            </a:r>
+            <a:r>
+              <a:rPr lang="nb-NO" sz="1000" dirty="0">
+                <a:solidFill>
+                  <a:schemeClr val="tx1"/>
+                </a:solidFill>
+              </a:rPr>
+              <a:t> 10.20.0.0/22</a:t>
+            </a:r>
+          </a:p>
+        </p:txBody>
+      </p:sp>
+      <p:sp>
+        <p:nvSpPr>
+          <p:cNvPr id="16" name="Rectangle 15">
+            <a:extLst>
+              <a:ext uri="{FF2B5EF4-FFF2-40B4-BE49-F238E27FC236}">
+                <a16:creationId xmlns:a16="http://schemas.microsoft.com/office/drawing/2014/main" id="{39A69865-9D18-5076-5890-9A8DD752C133}"/>
+              </a:ext>
+            </a:extLst>
+          </p:cNvPr>
+          <p:cNvSpPr/>
+          <p:nvPr/>
+        </p:nvSpPr>
+        <p:spPr>
+          <a:xfrm>
+            <a:off x="6809138" y="3352737"/>
+            <a:ext cx="1570533" cy="694429"/>
+          </a:xfrm>
+          <a:prstGeom prst="rect">
+            <a:avLst/>
+          </a:prstGeom>
+          <a:noFill/>
+          <a:ln>
+            <a:solidFill>
+              <a:schemeClr val="tx1"/>
+            </a:solidFill>
+            <a:prstDash val="dash"/>
+          </a:ln>
+        </p:spPr>
+        <p:style>
+          <a:lnRef idx="2">
+            <a:schemeClr val="accent1">
+              <a:shade val="50000"/>
+            </a:schemeClr>
+          </a:lnRef>
+          <a:fillRef idx="1">
+            <a:schemeClr val="accent1"/>
+          </a:fillRef>
+          <a:effectRef idx="0">
+            <a:schemeClr val="accent1"/>
+          </a:effectRef>
+          <a:fontRef idx="minor">
+            <a:schemeClr val="lt1"/>
+          </a:fontRef>
+        </p:style>
+        <p:txBody>
+          <a:bodyPr rtlCol="0" anchor="ctr"/>
+          <a:lstStyle/>
+          <a:p>
+            <a:pPr algn="ctr"/>
+            <a:endParaRPr lang="nb-NO" sz="1000" dirty="0">
+              <a:solidFill>
+                <a:schemeClr val="tx1"/>
+              </a:solidFill>
+            </a:endParaRPr>
+          </a:p>
+        </p:txBody>
+      </p:sp>
+      <p:sp>
+        <p:nvSpPr>
+          <p:cNvPr id="17" name="TextBox 16">
+            <a:extLst>
+              <a:ext uri="{FF2B5EF4-FFF2-40B4-BE49-F238E27FC236}">
+                <a16:creationId xmlns:a16="http://schemas.microsoft.com/office/drawing/2014/main" id="{5FB170FF-0F3F-D708-3292-A0AC3877367A}"/>
+              </a:ext>
+            </a:extLst>
+          </p:cNvPr>
+          <p:cNvSpPr txBox="1"/>
+          <p:nvPr/>
+        </p:nvSpPr>
+        <p:spPr>
+          <a:xfrm>
+            <a:off x="6808662" y="3336623"/>
+            <a:ext cx="1366842" cy="246221"/>
+          </a:xfrm>
+          <a:prstGeom prst="rect">
+            <a:avLst/>
+          </a:prstGeom>
+          <a:noFill/>
+        </p:spPr>
+        <p:txBody>
+          <a:bodyPr wrap="square" rtlCol="0">
+            <a:spAutoFit/>
+          </a:bodyPr>
+          <a:lstStyle/>
+          <a:p>
+            <a:r>
+              <a:rPr lang="nb-NO" sz="1000" dirty="0">
+                <a:solidFill>
+                  <a:schemeClr val="tx1"/>
+                </a:solidFill>
+              </a:rPr>
+              <a:t>app-</a:t>
+            </a:r>
+            <a:r>
+              <a:rPr lang="nb-NO" sz="1000" dirty="0" err="1">
+                <a:solidFill>
+                  <a:schemeClr val="tx1"/>
+                </a:solidFill>
+              </a:rPr>
+              <a:t>snet</a:t>
+            </a:r>
+            <a:r>
+              <a:rPr lang="nb-NO" sz="1000" dirty="0">
+                <a:solidFill>
+                  <a:schemeClr val="tx1"/>
+                </a:solidFill>
+              </a:rPr>
+              <a:t> 10.20.0.0/23</a:t>
+            </a:r>
+          </a:p>
+        </p:txBody>
+      </p:sp>
+      <p:sp>
+        <p:nvSpPr>
+          <p:cNvPr id="18" name="TextBox 17">
+            <a:extLst>
+              <a:ext uri="{FF2B5EF4-FFF2-40B4-BE49-F238E27FC236}">
+                <a16:creationId xmlns:a16="http://schemas.microsoft.com/office/drawing/2014/main" id="{6427D1BC-0C70-ED05-2241-5A1C7A86A0AF}"/>
+              </a:ext>
+            </a:extLst>
+          </p:cNvPr>
+          <p:cNvSpPr txBox="1"/>
+          <p:nvPr/>
+        </p:nvSpPr>
+        <p:spPr>
+          <a:xfrm>
+            <a:off x="6238078" y="4738228"/>
+            <a:ext cx="1184216" cy="246221"/>
+          </a:xfrm>
+          <a:prstGeom prst="rect">
+            <a:avLst/>
+          </a:prstGeom>
+          <a:noFill/>
+        </p:spPr>
+        <p:txBody>
+          <a:bodyPr wrap="square" rtlCol="0">
+            <a:spAutoFit/>
+          </a:bodyPr>
+          <a:lstStyle/>
+          <a:p>
+            <a:r>
+              <a:rPr lang="nb-NO" sz="1000" dirty="0">
+                <a:solidFill>
+                  <a:schemeClr val="tx1"/>
+                </a:solidFill>
+              </a:rPr>
+              <a:t>Subscription B</a:t>
+            </a:r>
+          </a:p>
+        </p:txBody>
+      </p:sp>
+      <p:pic>
+        <p:nvPicPr>
+          <p:cNvPr id="19" name="Graphic 18">
+            <a:extLst>
+              <a:ext uri="{FF2B5EF4-FFF2-40B4-BE49-F238E27FC236}">
+                <a16:creationId xmlns:a16="http://schemas.microsoft.com/office/drawing/2014/main" id="{CF98E64A-BA58-CC68-EFF2-2C08D8D99828}"/>
+              </a:ext>
+            </a:extLst>
+          </p:cNvPr>
+          <p:cNvPicPr>
+            <a:picLocks noChangeAspect="1"/>
+          </p:cNvPicPr>
+          <p:nvPr/>
+        </p:nvPicPr>
+        <p:blipFill>
+          <a:blip r:embed="rId8">
+            <a:extLst>
+              <a:ext uri="{28A0092B-C50C-407E-A947-70E740481C1C}">
+                <a14:useLocalDpi xmlns:a14="http://schemas.microsoft.com/office/drawing/2010/main" val="0"/>
+              </a:ext>
+              <a:ext uri="{96DAC541-7B7A-43D3-8B79-37D633B846F1}">
+                <asvg:svgBlip xmlns:asvg="http://schemas.microsoft.com/office/drawing/2016/SVG/main" r:embed="rId9"/>
+              </a:ext>
+            </a:extLst>
+          </a:blip>
+          <a:stretch>
+            <a:fillRect/>
+          </a:stretch>
+        </p:blipFill>
+        <p:spPr>
+          <a:xfrm>
+            <a:off x="7753689" y="3606394"/>
+            <a:ext cx="336571" cy="336571"/>
+          </a:xfrm>
+          <a:prstGeom prst="rect">
+            <a:avLst/>
+          </a:prstGeom>
+        </p:spPr>
+      </p:pic>
+      <p:pic>
+        <p:nvPicPr>
+          <p:cNvPr id="20" name="Graphic 19">
+            <a:extLst>
+              <a:ext uri="{FF2B5EF4-FFF2-40B4-BE49-F238E27FC236}">
+                <a16:creationId xmlns:a16="http://schemas.microsoft.com/office/drawing/2014/main" id="{72AF5413-71C2-2B8C-260B-24D8CB26C083}"/>
+              </a:ext>
+            </a:extLst>
+          </p:cNvPr>
+          <p:cNvPicPr>
+            <a:picLocks noChangeAspect="1"/>
+          </p:cNvPicPr>
+          <p:nvPr/>
+        </p:nvPicPr>
+        <p:blipFill>
+          <a:blip r:embed="rId6">
+            <a:extLst>
+              <a:ext uri="{28A0092B-C50C-407E-A947-70E740481C1C}">
+                <a14:useLocalDpi xmlns:a14="http://schemas.microsoft.com/office/drawing/2010/main" val="0"/>
+              </a:ext>
+              <a:ext uri="{96DAC541-7B7A-43D3-8B79-37D633B846F1}">
+                <asvg:svgBlip xmlns:asvg="http://schemas.microsoft.com/office/drawing/2016/SVG/main" r:embed="rId7"/>
+              </a:ext>
+            </a:extLst>
+          </a:blip>
+          <a:stretch>
+            <a:fillRect/>
+          </a:stretch>
+        </p:blipFill>
+        <p:spPr>
+          <a:xfrm>
+            <a:off x="10669528" y="358420"/>
+            <a:ext cx="860287" cy="860287"/>
+          </a:xfrm>
+          <a:prstGeom prst="rect">
+            <a:avLst/>
+          </a:prstGeom>
+        </p:spPr>
+      </p:pic>
+      <p:sp>
+        <p:nvSpPr>
+          <p:cNvPr id="21" name="Rectangle 20">
+            <a:extLst>
+              <a:ext uri="{FF2B5EF4-FFF2-40B4-BE49-F238E27FC236}">
+                <a16:creationId xmlns:a16="http://schemas.microsoft.com/office/drawing/2014/main" id="{3CE2DCD3-0478-8428-C488-CA8FB3320BCA}"/>
+              </a:ext>
+            </a:extLst>
+          </p:cNvPr>
+          <p:cNvSpPr/>
+          <p:nvPr/>
+        </p:nvSpPr>
+        <p:spPr>
+          <a:xfrm>
+            <a:off x="8820621" y="3361801"/>
+            <a:ext cx="1570533" cy="694429"/>
+          </a:xfrm>
+          <a:prstGeom prst="rect">
+            <a:avLst/>
+          </a:prstGeom>
+          <a:noFill/>
+          <a:ln>
+            <a:solidFill>
+              <a:schemeClr val="tx1"/>
+            </a:solidFill>
+            <a:prstDash val="dash"/>
+          </a:ln>
+        </p:spPr>
+        <p:style>
+          <a:lnRef idx="2">
+            <a:schemeClr val="accent1">
+              <a:shade val="50000"/>
+            </a:schemeClr>
+          </a:lnRef>
+          <a:fillRef idx="1">
+            <a:schemeClr val="accent1"/>
+          </a:fillRef>
+          <a:effectRef idx="0">
+            <a:schemeClr val="accent1"/>
+          </a:effectRef>
+          <a:fontRef idx="minor">
+            <a:schemeClr val="lt1"/>
+          </a:fontRef>
+        </p:style>
+        <p:txBody>
+          <a:bodyPr rtlCol="0" anchor="ctr"/>
+          <a:lstStyle/>
+          <a:p>
+            <a:pPr algn="ctr"/>
+            <a:endParaRPr lang="nb-NO" sz="1000" dirty="0">
+              <a:solidFill>
+                <a:schemeClr val="tx1"/>
+              </a:solidFill>
+            </a:endParaRPr>
+          </a:p>
+        </p:txBody>
+      </p:sp>
+      <p:sp>
+        <p:nvSpPr>
+          <p:cNvPr id="22" name="TextBox 21">
+            <a:extLst>
+              <a:ext uri="{FF2B5EF4-FFF2-40B4-BE49-F238E27FC236}">
+                <a16:creationId xmlns:a16="http://schemas.microsoft.com/office/drawing/2014/main" id="{56E60934-4905-B108-0510-629CD506D57F}"/>
+              </a:ext>
+            </a:extLst>
+          </p:cNvPr>
+          <p:cNvSpPr txBox="1"/>
+          <p:nvPr/>
+        </p:nvSpPr>
+        <p:spPr>
+          <a:xfrm>
+            <a:off x="8793977" y="3346536"/>
+            <a:ext cx="1366842" cy="246221"/>
+          </a:xfrm>
+          <a:prstGeom prst="rect">
+            <a:avLst/>
+          </a:prstGeom>
+          <a:noFill/>
+        </p:spPr>
+        <p:txBody>
+          <a:bodyPr wrap="square" rtlCol="0">
+            <a:spAutoFit/>
+          </a:bodyPr>
+          <a:lstStyle/>
+          <a:p>
+            <a:r>
+              <a:rPr lang="nb-NO" sz="1000" dirty="0" err="1">
+                <a:solidFill>
+                  <a:schemeClr val="tx1"/>
+                </a:solidFill>
+              </a:rPr>
+              <a:t>api-snet</a:t>
+            </a:r>
+            <a:r>
+              <a:rPr lang="nb-NO" sz="1000" dirty="0">
+                <a:solidFill>
+                  <a:schemeClr val="tx1"/>
+                </a:solidFill>
+              </a:rPr>
+              <a:t> 10.20.2.0/23</a:t>
+            </a:r>
+          </a:p>
+        </p:txBody>
+      </p:sp>
+      <p:pic>
+        <p:nvPicPr>
+          <p:cNvPr id="23" name="Graphic 22">
+            <a:extLst>
+              <a:ext uri="{FF2B5EF4-FFF2-40B4-BE49-F238E27FC236}">
+                <a16:creationId xmlns:a16="http://schemas.microsoft.com/office/drawing/2014/main" id="{A6FAA1D6-6158-47BE-C334-87BD9C71863A}"/>
+              </a:ext>
+            </a:extLst>
+          </p:cNvPr>
+          <p:cNvPicPr>
+            <a:picLocks noChangeAspect="1"/>
+          </p:cNvPicPr>
+          <p:nvPr/>
+        </p:nvPicPr>
+        <p:blipFill>
+          <a:blip r:embed="rId10">
+            <a:extLst>
+              <a:ext uri="{28A0092B-C50C-407E-A947-70E740481C1C}">
+                <a14:useLocalDpi xmlns:a14="http://schemas.microsoft.com/office/drawing/2010/main" val="0"/>
+              </a:ext>
+              <a:ext uri="{96DAC541-7B7A-43D3-8B79-37D633B846F1}">
+                <asvg:svgBlip xmlns:asvg="http://schemas.microsoft.com/office/drawing/2016/SVG/main" r:embed="rId11"/>
+              </a:ext>
+            </a:extLst>
+          </a:blip>
+          <a:stretch>
+            <a:fillRect/>
+          </a:stretch>
+        </p:blipFill>
+        <p:spPr>
+          <a:xfrm>
+            <a:off x="9455994" y="3601741"/>
+            <a:ext cx="299786" cy="299786"/>
+          </a:xfrm>
+          <a:prstGeom prst="rect">
+            <a:avLst/>
+          </a:prstGeom>
+        </p:spPr>
+      </p:pic>
+      <p:pic>
+        <p:nvPicPr>
+          <p:cNvPr id="24" name="Graphic 23">
+            <a:extLst>
+              <a:ext uri="{FF2B5EF4-FFF2-40B4-BE49-F238E27FC236}">
+                <a16:creationId xmlns:a16="http://schemas.microsoft.com/office/drawing/2014/main" id="{6FF94CCE-A4EB-6E89-CE68-A22A39F5B313}"/>
+              </a:ext>
+            </a:extLst>
+          </p:cNvPr>
+          <p:cNvPicPr>
+            <a:picLocks noChangeAspect="1"/>
+          </p:cNvPicPr>
+          <p:nvPr/>
+        </p:nvPicPr>
+        <p:blipFill>
+          <a:blip r:embed="rId12">
+            <a:extLst>
+              <a:ext uri="{28A0092B-C50C-407E-A947-70E740481C1C}">
+                <a14:useLocalDpi xmlns:a14="http://schemas.microsoft.com/office/drawing/2010/main" val="0"/>
+              </a:ext>
+              <a:ext uri="{96DAC541-7B7A-43D3-8B79-37D633B846F1}">
+                <asvg:svgBlip xmlns:asvg="http://schemas.microsoft.com/office/drawing/2016/SVG/main" r:embed="rId13"/>
+              </a:ext>
+            </a:extLst>
+          </a:blip>
+          <a:stretch>
+            <a:fillRect/>
+          </a:stretch>
+        </p:blipFill>
+        <p:spPr>
+          <a:xfrm>
+            <a:off x="7223449" y="3563091"/>
+            <a:ext cx="350921" cy="350921"/>
+          </a:xfrm>
+          <a:prstGeom prst="rect">
+            <a:avLst/>
+          </a:prstGeom>
+        </p:spPr>
+      </p:pic>
+      <p:sp>
+        <p:nvSpPr>
+          <p:cNvPr id="25" name="TextBox 24">
+            <a:extLst>
+              <a:ext uri="{FF2B5EF4-FFF2-40B4-BE49-F238E27FC236}">
+                <a16:creationId xmlns:a16="http://schemas.microsoft.com/office/drawing/2014/main" id="{894FA32E-CBCF-E5C8-54D4-82BE4861D908}"/>
+              </a:ext>
+            </a:extLst>
+          </p:cNvPr>
+          <p:cNvSpPr txBox="1"/>
+          <p:nvPr/>
+        </p:nvSpPr>
+        <p:spPr>
+          <a:xfrm>
+            <a:off x="7055259" y="3824191"/>
+            <a:ext cx="1366842" cy="246221"/>
+          </a:xfrm>
+          <a:prstGeom prst="rect">
+            <a:avLst/>
+          </a:prstGeom>
+          <a:noFill/>
+        </p:spPr>
+        <p:txBody>
+          <a:bodyPr wrap="square" rtlCol="0">
+            <a:spAutoFit/>
+          </a:bodyPr>
+          <a:lstStyle/>
+          <a:p>
+            <a:r>
+              <a:rPr lang="nb-NO" sz="1000" dirty="0">
+                <a:solidFill>
+                  <a:schemeClr val="tx1"/>
+                </a:solidFill>
+              </a:rPr>
+              <a:t>10.20.0.4</a:t>
+            </a:r>
+          </a:p>
+        </p:txBody>
+      </p:sp>
+      <p:pic>
+        <p:nvPicPr>
+          <p:cNvPr id="26" name="Google Shape;56;p13">
+            <a:extLst>
+              <a:ext uri="{FF2B5EF4-FFF2-40B4-BE49-F238E27FC236}">
+                <a16:creationId xmlns:a16="http://schemas.microsoft.com/office/drawing/2014/main" id="{FD3F0DB1-D31C-0EDA-3F53-25E313D266EF}"/>
               </a:ext>
             </a:extLst>
           </p:cNvPr>
@@ -7117,7 +14054,7 @@
           <p:nvPr/>
         </p:nvPicPr>
         <p:blipFill>
-          <a:blip r:embed="rId6">
+          <a:blip r:embed="rId14">
             <a:alphaModFix/>
           </a:blip>
           <a:stretch>
@@ -7138,10 +14075,1126 @@
           </a:ln>
         </p:spPr>
       </p:pic>
+      <p:pic>
+        <p:nvPicPr>
+          <p:cNvPr id="27" name="Graphic 4">
+            <a:extLst>
+              <a:ext uri="{FF2B5EF4-FFF2-40B4-BE49-F238E27FC236}">
+                <a16:creationId xmlns:a16="http://schemas.microsoft.com/office/drawing/2014/main" id="{5080CD06-4DAD-57E2-8C5A-93EB420B491B}"/>
+              </a:ext>
+            </a:extLst>
+          </p:cNvPr>
+          <p:cNvPicPr>
+            <a:picLocks noChangeAspect="1"/>
+          </p:cNvPicPr>
+          <p:nvPr/>
+        </p:nvPicPr>
+        <p:blipFill>
+          <a:blip r:embed="rId15">
+            <a:extLst>
+              <a:ext uri="{28A0092B-C50C-407E-A947-70E740481C1C}">
+                <a14:useLocalDpi xmlns:a14="http://schemas.microsoft.com/office/drawing/2010/main" val="0"/>
+              </a:ext>
+              <a:ext uri="{96DAC541-7B7A-43D3-8B79-37D633B846F1}">
+                <asvg:svgBlip xmlns:asvg="http://schemas.microsoft.com/office/drawing/2016/SVG/main" r:embed="rId16"/>
+              </a:ext>
+            </a:extLst>
+          </a:blip>
+          <a:stretch>
+            <a:fillRect/>
+          </a:stretch>
+        </p:blipFill>
+        <p:spPr>
+          <a:xfrm>
+            <a:off x="375137" y="6121057"/>
+            <a:ext cx="1718444" cy="574556"/>
+          </a:xfrm>
+          <a:prstGeom prst="rect">
+            <a:avLst/>
+          </a:prstGeom>
+        </p:spPr>
+      </p:pic>
     </p:spTree>
     <p:extLst>
       <p:ext uri="{BB962C8B-B14F-4D97-AF65-F5344CB8AC3E}">
-        <p14:creationId xmlns:p14="http://schemas.microsoft.com/office/powerpoint/2010/main" val="3340194559"/>
+        <p14:creationId xmlns:p14="http://schemas.microsoft.com/office/powerpoint/2010/main" val="558039886"/>
+      </p:ext>
+    </p:extLst>
+  </p:cSld>
+  <p:clrMapOvr>
+    <a:masterClrMapping/>
+  </p:clrMapOvr>
+  <p:timing>
+    <p:tnLst>
+      <p:par>
+        <p:cTn id="1" dur="indefinite" restart="never" nodeType="tmRoot">
+          <p:childTnLst>
+            <p:seq concurrent="1" nextAc="seek">
+              <p:cTn id="2" dur="indefinite" nodeType="mainSeq">
+                <p:childTnLst>
+                  <p:par>
+                    <p:cTn id="3" fill="hold">
+                      <p:stCondLst>
+                        <p:cond delay="indefinite"/>
+                      </p:stCondLst>
+                      <p:childTnLst>
+                        <p:par>
+                          <p:cTn id="4" fill="hold">
+                            <p:stCondLst>
+                              <p:cond delay="0"/>
+                            </p:stCondLst>
+                            <p:childTnLst>
+                              <p:par>
+                                <p:cTn id="5" presetID="1" presetClass="entr" presetSubtype="0" fill="hold" grpId="0" nodeType="clickEffect">
+                                  <p:stCondLst>
+                                    <p:cond delay="0"/>
+                                  </p:stCondLst>
+                                  <p:childTnLst>
+                                    <p:set>
+                                      <p:cBhvr>
+                                        <p:cTn id="6" dur="1" fill="hold">
+                                          <p:stCondLst>
+                                            <p:cond delay="0"/>
+                                          </p:stCondLst>
+                                        </p:cTn>
+                                        <p:tgtEl>
+                                          <p:spTgt spid="6"/>
+                                        </p:tgtEl>
+                                        <p:attrNameLst>
+                                          <p:attrName>style.visibility</p:attrName>
+                                        </p:attrNameLst>
+                                      </p:cBhvr>
+                                      <p:to>
+                                        <p:strVal val="visible"/>
+                                      </p:to>
+                                    </p:set>
+                                  </p:childTnLst>
+                                </p:cTn>
+                              </p:par>
+                              <p:par>
+                                <p:cTn id="7" presetID="1" presetClass="entr" presetSubtype="0" fill="hold" nodeType="withEffect">
+                                  <p:stCondLst>
+                                    <p:cond delay="0"/>
+                                  </p:stCondLst>
+                                  <p:childTnLst>
+                                    <p:set>
+                                      <p:cBhvr>
+                                        <p:cTn id="8" dur="1" fill="hold">
+                                          <p:stCondLst>
+                                            <p:cond delay="0"/>
+                                          </p:stCondLst>
+                                        </p:cTn>
+                                        <p:tgtEl>
+                                          <p:spTgt spid="7"/>
+                                        </p:tgtEl>
+                                        <p:attrNameLst>
+                                          <p:attrName>style.visibility</p:attrName>
+                                        </p:attrNameLst>
+                                      </p:cBhvr>
+                                      <p:to>
+                                        <p:strVal val="visible"/>
+                                      </p:to>
+                                    </p:set>
+                                  </p:childTnLst>
+                                </p:cTn>
+                              </p:par>
+                              <p:par>
+                                <p:cTn id="9" presetID="1" presetClass="entr" presetSubtype="0" fill="hold" grpId="0" nodeType="withEffect">
+                                  <p:stCondLst>
+                                    <p:cond delay="0"/>
+                                  </p:stCondLst>
+                                  <p:childTnLst>
+                                    <p:set>
+                                      <p:cBhvr>
+                                        <p:cTn id="10" dur="1" fill="hold">
+                                          <p:stCondLst>
+                                            <p:cond delay="0"/>
+                                          </p:stCondLst>
+                                        </p:cTn>
+                                        <p:tgtEl>
+                                          <p:spTgt spid="18"/>
+                                        </p:tgtEl>
+                                        <p:attrNameLst>
+                                          <p:attrName>style.visibility</p:attrName>
+                                        </p:attrNameLst>
+                                      </p:cBhvr>
+                                      <p:to>
+                                        <p:strVal val="visible"/>
+                                      </p:to>
+                                    </p:set>
+                                  </p:childTnLst>
+                                </p:cTn>
+                              </p:par>
+                            </p:childTnLst>
+                          </p:cTn>
+                        </p:par>
+                      </p:childTnLst>
+                    </p:cTn>
+                  </p:par>
+                  <p:par>
+                    <p:cTn id="11" fill="hold">
+                      <p:stCondLst>
+                        <p:cond delay="indefinite"/>
+                      </p:stCondLst>
+                      <p:childTnLst>
+                        <p:par>
+                          <p:cTn id="12" fill="hold">
+                            <p:stCondLst>
+                              <p:cond delay="0"/>
+                            </p:stCondLst>
+                            <p:childTnLst>
+                              <p:par>
+                                <p:cTn id="13" presetID="1" presetClass="entr" presetSubtype="0" fill="hold" grpId="0" nodeType="clickEffect">
+                                  <p:stCondLst>
+                                    <p:cond delay="0"/>
+                                  </p:stCondLst>
+                                  <p:childTnLst>
+                                    <p:set>
+                                      <p:cBhvr>
+                                        <p:cTn id="14" dur="1" fill="hold">
+                                          <p:stCondLst>
+                                            <p:cond delay="0"/>
+                                          </p:stCondLst>
+                                        </p:cTn>
+                                        <p:tgtEl>
+                                          <p:spTgt spid="8"/>
+                                        </p:tgtEl>
+                                        <p:attrNameLst>
+                                          <p:attrName>style.visibility</p:attrName>
+                                        </p:attrNameLst>
+                                      </p:cBhvr>
+                                      <p:to>
+                                        <p:strVal val="visible"/>
+                                      </p:to>
+                                    </p:set>
+                                  </p:childTnLst>
+                                </p:cTn>
+                              </p:par>
+                              <p:par>
+                                <p:cTn id="15" presetID="1" presetClass="entr" presetSubtype="0" fill="hold" grpId="0" nodeType="withEffect">
+                                  <p:stCondLst>
+                                    <p:cond delay="0"/>
+                                  </p:stCondLst>
+                                  <p:childTnLst>
+                                    <p:set>
+                                      <p:cBhvr>
+                                        <p:cTn id="16" dur="1" fill="hold">
+                                          <p:stCondLst>
+                                            <p:cond delay="0"/>
+                                          </p:stCondLst>
+                                        </p:cTn>
+                                        <p:tgtEl>
+                                          <p:spTgt spid="9"/>
+                                        </p:tgtEl>
+                                        <p:attrNameLst>
+                                          <p:attrName>style.visibility</p:attrName>
+                                        </p:attrNameLst>
+                                      </p:cBhvr>
+                                      <p:to>
+                                        <p:strVal val="visible"/>
+                                      </p:to>
+                                    </p:set>
+                                  </p:childTnLst>
+                                </p:cTn>
+                              </p:par>
+                            </p:childTnLst>
+                          </p:cTn>
+                        </p:par>
+                      </p:childTnLst>
+                    </p:cTn>
+                  </p:par>
+                  <p:par>
+                    <p:cTn id="17" fill="hold">
+                      <p:stCondLst>
+                        <p:cond delay="indefinite"/>
+                      </p:stCondLst>
+                      <p:childTnLst>
+                        <p:par>
+                          <p:cTn id="18" fill="hold">
+                            <p:stCondLst>
+                              <p:cond delay="0"/>
+                            </p:stCondLst>
+                            <p:childTnLst>
+                              <p:par>
+                                <p:cTn id="19" presetID="1" presetClass="entr" presetSubtype="0" fill="hold" grpId="0" nodeType="clickEffect">
+                                  <p:stCondLst>
+                                    <p:cond delay="0"/>
+                                  </p:stCondLst>
+                                  <p:childTnLst>
+                                    <p:set>
+                                      <p:cBhvr>
+                                        <p:cTn id="20" dur="1" fill="hold">
+                                          <p:stCondLst>
+                                            <p:cond delay="0"/>
+                                          </p:stCondLst>
+                                        </p:cTn>
+                                        <p:tgtEl>
+                                          <p:spTgt spid="11"/>
+                                        </p:tgtEl>
+                                        <p:attrNameLst>
+                                          <p:attrName>style.visibility</p:attrName>
+                                        </p:attrNameLst>
+                                      </p:cBhvr>
+                                      <p:to>
+                                        <p:strVal val="visible"/>
+                                      </p:to>
+                                    </p:set>
+                                  </p:childTnLst>
+                                </p:cTn>
+                              </p:par>
+                              <p:par>
+                                <p:cTn id="21" presetID="1" presetClass="entr" presetSubtype="0" fill="hold" grpId="0" nodeType="withEffect">
+                                  <p:stCondLst>
+                                    <p:cond delay="0"/>
+                                  </p:stCondLst>
+                                  <p:childTnLst>
+                                    <p:set>
+                                      <p:cBhvr>
+                                        <p:cTn id="22" dur="1" fill="hold">
+                                          <p:stCondLst>
+                                            <p:cond delay="0"/>
+                                          </p:stCondLst>
+                                        </p:cTn>
+                                        <p:tgtEl>
+                                          <p:spTgt spid="14"/>
+                                        </p:tgtEl>
+                                        <p:attrNameLst>
+                                          <p:attrName>style.visibility</p:attrName>
+                                        </p:attrNameLst>
+                                      </p:cBhvr>
+                                      <p:to>
+                                        <p:strVal val="visible"/>
+                                      </p:to>
+                                    </p:set>
+                                  </p:childTnLst>
+                                </p:cTn>
+                              </p:par>
+                              <p:par>
+                                <p:cTn id="23" presetID="1" presetClass="entr" presetSubtype="0" fill="hold" nodeType="withEffect">
+                                  <p:stCondLst>
+                                    <p:cond delay="0"/>
+                                  </p:stCondLst>
+                                  <p:childTnLst>
+                                    <p:set>
+                                      <p:cBhvr>
+                                        <p:cTn id="24" dur="1" fill="hold">
+                                          <p:stCondLst>
+                                            <p:cond delay="0"/>
+                                          </p:stCondLst>
+                                        </p:cTn>
+                                        <p:tgtEl>
+                                          <p:spTgt spid="10"/>
+                                        </p:tgtEl>
+                                        <p:attrNameLst>
+                                          <p:attrName>style.visibility</p:attrName>
+                                        </p:attrNameLst>
+                                      </p:cBhvr>
+                                      <p:to>
+                                        <p:strVal val="visible"/>
+                                      </p:to>
+                                    </p:set>
+                                  </p:childTnLst>
+                                </p:cTn>
+                              </p:par>
+                            </p:childTnLst>
+                          </p:cTn>
+                        </p:par>
+                      </p:childTnLst>
+                    </p:cTn>
+                  </p:par>
+                  <p:par>
+                    <p:cTn id="25" fill="hold">
+                      <p:stCondLst>
+                        <p:cond delay="indefinite"/>
+                      </p:stCondLst>
+                      <p:childTnLst>
+                        <p:par>
+                          <p:cTn id="26" fill="hold">
+                            <p:stCondLst>
+                              <p:cond delay="0"/>
+                            </p:stCondLst>
+                            <p:childTnLst>
+                              <p:par>
+                                <p:cTn id="27" presetID="1" presetClass="entr" presetSubtype="0" fill="hold" grpId="0" nodeType="clickEffect">
+                                  <p:stCondLst>
+                                    <p:cond delay="0"/>
+                                  </p:stCondLst>
+                                  <p:childTnLst>
+                                    <p:set>
+                                      <p:cBhvr>
+                                        <p:cTn id="28" dur="1" fill="hold">
+                                          <p:stCondLst>
+                                            <p:cond delay="0"/>
+                                          </p:stCondLst>
+                                        </p:cTn>
+                                        <p:tgtEl>
+                                          <p:spTgt spid="15"/>
+                                        </p:tgtEl>
+                                        <p:attrNameLst>
+                                          <p:attrName>style.visibility</p:attrName>
+                                        </p:attrNameLst>
+                                      </p:cBhvr>
+                                      <p:to>
+                                        <p:strVal val="visible"/>
+                                      </p:to>
+                                    </p:set>
+                                  </p:childTnLst>
+                                </p:cTn>
+                              </p:par>
+                              <p:par>
+                                <p:cTn id="29" presetID="1" presetClass="entr" presetSubtype="0" fill="hold" nodeType="withEffect">
+                                  <p:stCondLst>
+                                    <p:cond delay="0"/>
+                                  </p:stCondLst>
+                                  <p:childTnLst>
+                                    <p:set>
+                                      <p:cBhvr>
+                                        <p:cTn id="30" dur="1" fill="hold">
+                                          <p:stCondLst>
+                                            <p:cond delay="0"/>
+                                          </p:stCondLst>
+                                        </p:cTn>
+                                        <p:tgtEl>
+                                          <p:spTgt spid="13"/>
+                                        </p:tgtEl>
+                                        <p:attrNameLst>
+                                          <p:attrName>style.visibility</p:attrName>
+                                        </p:attrNameLst>
+                                      </p:cBhvr>
+                                      <p:to>
+                                        <p:strVal val="visible"/>
+                                      </p:to>
+                                    </p:set>
+                                  </p:childTnLst>
+                                </p:cTn>
+                              </p:par>
+                              <p:par>
+                                <p:cTn id="31" presetID="1" presetClass="entr" presetSubtype="0" fill="hold" grpId="0" nodeType="withEffect">
+                                  <p:stCondLst>
+                                    <p:cond delay="0"/>
+                                  </p:stCondLst>
+                                  <p:childTnLst>
+                                    <p:set>
+                                      <p:cBhvr>
+                                        <p:cTn id="32" dur="1" fill="hold">
+                                          <p:stCondLst>
+                                            <p:cond delay="0"/>
+                                          </p:stCondLst>
+                                        </p:cTn>
+                                        <p:tgtEl>
+                                          <p:spTgt spid="12"/>
+                                        </p:tgtEl>
+                                        <p:attrNameLst>
+                                          <p:attrName>style.visibility</p:attrName>
+                                        </p:attrNameLst>
+                                      </p:cBhvr>
+                                      <p:to>
+                                        <p:strVal val="visible"/>
+                                      </p:to>
+                                    </p:set>
+                                  </p:childTnLst>
+                                </p:cTn>
+                              </p:par>
+                            </p:childTnLst>
+                          </p:cTn>
+                        </p:par>
+                      </p:childTnLst>
+                    </p:cTn>
+                  </p:par>
+                  <p:par>
+                    <p:cTn id="33" fill="hold">
+                      <p:stCondLst>
+                        <p:cond delay="indefinite"/>
+                      </p:stCondLst>
+                      <p:childTnLst>
+                        <p:par>
+                          <p:cTn id="34" fill="hold">
+                            <p:stCondLst>
+                              <p:cond delay="0"/>
+                            </p:stCondLst>
+                            <p:childTnLst>
+                              <p:par>
+                                <p:cTn id="35" presetID="1" presetClass="entr" presetSubtype="0" fill="hold" nodeType="clickEffect">
+                                  <p:stCondLst>
+                                    <p:cond delay="0"/>
+                                  </p:stCondLst>
+                                  <p:childTnLst>
+                                    <p:set>
+                                      <p:cBhvr>
+                                        <p:cTn id="36" dur="1" fill="hold">
+                                          <p:stCondLst>
+                                            <p:cond delay="0"/>
+                                          </p:stCondLst>
+                                        </p:cTn>
+                                        <p:tgtEl>
+                                          <p:spTgt spid="19"/>
+                                        </p:tgtEl>
+                                        <p:attrNameLst>
+                                          <p:attrName>style.visibility</p:attrName>
+                                        </p:attrNameLst>
+                                      </p:cBhvr>
+                                      <p:to>
+                                        <p:strVal val="visible"/>
+                                      </p:to>
+                                    </p:set>
+                                  </p:childTnLst>
+                                </p:cTn>
+                              </p:par>
+                              <p:par>
+                                <p:cTn id="37" presetID="1" presetClass="entr" presetSubtype="0" fill="hold" grpId="0" nodeType="withEffect">
+                                  <p:stCondLst>
+                                    <p:cond delay="0"/>
+                                  </p:stCondLst>
+                                  <p:childTnLst>
+                                    <p:set>
+                                      <p:cBhvr>
+                                        <p:cTn id="38" dur="1" fill="hold">
+                                          <p:stCondLst>
+                                            <p:cond delay="0"/>
+                                          </p:stCondLst>
+                                        </p:cTn>
+                                        <p:tgtEl>
+                                          <p:spTgt spid="17"/>
+                                        </p:tgtEl>
+                                        <p:attrNameLst>
+                                          <p:attrName>style.visibility</p:attrName>
+                                        </p:attrNameLst>
+                                      </p:cBhvr>
+                                      <p:to>
+                                        <p:strVal val="visible"/>
+                                      </p:to>
+                                    </p:set>
+                                  </p:childTnLst>
+                                </p:cTn>
+                              </p:par>
+                              <p:par>
+                                <p:cTn id="39" presetID="1" presetClass="entr" presetSubtype="0" fill="hold" grpId="0" nodeType="withEffect">
+                                  <p:stCondLst>
+                                    <p:cond delay="0"/>
+                                  </p:stCondLst>
+                                  <p:childTnLst>
+                                    <p:set>
+                                      <p:cBhvr>
+                                        <p:cTn id="40" dur="1" fill="hold">
+                                          <p:stCondLst>
+                                            <p:cond delay="0"/>
+                                          </p:stCondLst>
+                                        </p:cTn>
+                                        <p:tgtEl>
+                                          <p:spTgt spid="16"/>
+                                        </p:tgtEl>
+                                        <p:attrNameLst>
+                                          <p:attrName>style.visibility</p:attrName>
+                                        </p:attrNameLst>
+                                      </p:cBhvr>
+                                      <p:to>
+                                        <p:strVal val="visible"/>
+                                      </p:to>
+                                    </p:set>
+                                  </p:childTnLst>
+                                </p:cTn>
+                              </p:par>
+                              <p:par>
+                                <p:cTn id="41" presetID="1" presetClass="entr" presetSubtype="0" fill="hold" grpId="0" nodeType="withEffect">
+                                  <p:stCondLst>
+                                    <p:cond delay="0"/>
+                                  </p:stCondLst>
+                                  <p:childTnLst>
+                                    <p:set>
+                                      <p:cBhvr>
+                                        <p:cTn id="42" dur="1" fill="hold">
+                                          <p:stCondLst>
+                                            <p:cond delay="0"/>
+                                          </p:stCondLst>
+                                        </p:cTn>
+                                        <p:tgtEl>
+                                          <p:spTgt spid="21"/>
+                                        </p:tgtEl>
+                                        <p:attrNameLst>
+                                          <p:attrName>style.visibility</p:attrName>
+                                        </p:attrNameLst>
+                                      </p:cBhvr>
+                                      <p:to>
+                                        <p:strVal val="visible"/>
+                                      </p:to>
+                                    </p:set>
+                                  </p:childTnLst>
+                                </p:cTn>
+                              </p:par>
+                              <p:par>
+                                <p:cTn id="43" presetID="1" presetClass="entr" presetSubtype="0" fill="hold" grpId="0" nodeType="withEffect">
+                                  <p:stCondLst>
+                                    <p:cond delay="0"/>
+                                  </p:stCondLst>
+                                  <p:childTnLst>
+                                    <p:set>
+                                      <p:cBhvr>
+                                        <p:cTn id="44" dur="1" fill="hold">
+                                          <p:stCondLst>
+                                            <p:cond delay="0"/>
+                                          </p:stCondLst>
+                                        </p:cTn>
+                                        <p:tgtEl>
+                                          <p:spTgt spid="22"/>
+                                        </p:tgtEl>
+                                        <p:attrNameLst>
+                                          <p:attrName>style.visibility</p:attrName>
+                                        </p:attrNameLst>
+                                      </p:cBhvr>
+                                      <p:to>
+                                        <p:strVal val="visible"/>
+                                      </p:to>
+                                    </p:set>
+                                  </p:childTnLst>
+                                </p:cTn>
+                              </p:par>
+                              <p:par>
+                                <p:cTn id="45" presetID="1" presetClass="entr" presetSubtype="0" fill="hold" nodeType="withEffect">
+                                  <p:stCondLst>
+                                    <p:cond delay="0"/>
+                                  </p:stCondLst>
+                                  <p:childTnLst>
+                                    <p:set>
+                                      <p:cBhvr>
+                                        <p:cTn id="46" dur="1" fill="hold">
+                                          <p:stCondLst>
+                                            <p:cond delay="0"/>
+                                          </p:stCondLst>
+                                        </p:cTn>
+                                        <p:tgtEl>
+                                          <p:spTgt spid="24"/>
+                                        </p:tgtEl>
+                                        <p:attrNameLst>
+                                          <p:attrName>style.visibility</p:attrName>
+                                        </p:attrNameLst>
+                                      </p:cBhvr>
+                                      <p:to>
+                                        <p:strVal val="visible"/>
+                                      </p:to>
+                                    </p:set>
+                                  </p:childTnLst>
+                                </p:cTn>
+                              </p:par>
+                              <p:par>
+                                <p:cTn id="47" presetID="1" presetClass="entr" presetSubtype="0" fill="hold" nodeType="withEffect">
+                                  <p:stCondLst>
+                                    <p:cond delay="0"/>
+                                  </p:stCondLst>
+                                  <p:childTnLst>
+                                    <p:set>
+                                      <p:cBhvr>
+                                        <p:cTn id="48" dur="1" fill="hold">
+                                          <p:stCondLst>
+                                            <p:cond delay="0"/>
+                                          </p:stCondLst>
+                                        </p:cTn>
+                                        <p:tgtEl>
+                                          <p:spTgt spid="23"/>
+                                        </p:tgtEl>
+                                        <p:attrNameLst>
+                                          <p:attrName>style.visibility</p:attrName>
+                                        </p:attrNameLst>
+                                      </p:cBhvr>
+                                      <p:to>
+                                        <p:strVal val="visible"/>
+                                      </p:to>
+                                    </p:set>
+                                  </p:childTnLst>
+                                </p:cTn>
+                              </p:par>
+                              <p:par>
+                                <p:cTn id="49" presetID="1" presetClass="entr" presetSubtype="0" fill="hold" grpId="0" nodeType="withEffect">
+                                  <p:stCondLst>
+                                    <p:cond delay="0"/>
+                                  </p:stCondLst>
+                                  <p:childTnLst>
+                                    <p:set>
+                                      <p:cBhvr>
+                                        <p:cTn id="50" dur="1" fill="hold">
+                                          <p:stCondLst>
+                                            <p:cond delay="0"/>
+                                          </p:stCondLst>
+                                        </p:cTn>
+                                        <p:tgtEl>
+                                          <p:spTgt spid="25"/>
+                                        </p:tgtEl>
+                                        <p:attrNameLst>
+                                          <p:attrName>style.visibility</p:attrName>
+                                        </p:attrNameLst>
+                                      </p:cBhvr>
+                                      <p:to>
+                                        <p:strVal val="visible"/>
+                                      </p:to>
+                                    </p:set>
+                                  </p:childTnLst>
+                                </p:cTn>
+                              </p:par>
+                            </p:childTnLst>
+                          </p:cTn>
+                        </p:par>
+                      </p:childTnLst>
+                    </p:cTn>
+                  </p:par>
+                </p:childTnLst>
+              </p:cTn>
+              <p:prevCondLst>
+                <p:cond evt="onPrev" delay="0">
+                  <p:tgtEl>
+                    <p:sldTgt/>
+                  </p:tgtEl>
+                </p:cond>
+              </p:prevCondLst>
+              <p:nextCondLst>
+                <p:cond evt="onNext" delay="0">
+                  <p:tgtEl>
+                    <p:sldTgt/>
+                  </p:tgtEl>
+                </p:cond>
+              </p:nextCondLst>
+            </p:seq>
+          </p:childTnLst>
+        </p:cTn>
+      </p:par>
+    </p:tnLst>
+    <p:bldLst>
+      <p:bldP spid="6" grpId="0" animBg="1"/>
+      <p:bldP spid="8" grpId="0" animBg="1"/>
+      <p:bldP spid="9" grpId="0"/>
+      <p:bldP spid="11" grpId="0" animBg="1"/>
+      <p:bldP spid="12" grpId="0" animBg="1"/>
+      <p:bldP spid="14" grpId="0"/>
+      <p:bldP spid="15" grpId="0"/>
+      <p:bldP spid="16" grpId="0" animBg="1"/>
+      <p:bldP spid="17" grpId="0"/>
+      <p:bldP spid="18" grpId="0"/>
+      <p:bldP spid="21" grpId="0" animBg="1"/>
+      <p:bldP spid="22" grpId="0"/>
+      <p:bldP spid="25" grpId="0"/>
+    </p:bldLst>
+  </p:timing>
+</p:sld>
+</file>
+
+<file path=ppt/slides/slide9.xml><?xml version="1.0" encoding="utf-8"?>
+<p:sld xmlns:a="http://schemas.openxmlformats.org/drawingml/2006/main" xmlns:r="http://schemas.openxmlformats.org/officeDocument/2006/relationships" xmlns:p="http://schemas.openxmlformats.org/presentationml/2006/main">
+  <p:cSld>
+    <p:spTree>
+      <p:nvGrpSpPr>
+        <p:cNvPr id="1" name=""/>
+        <p:cNvGrpSpPr/>
+        <p:nvPr/>
+      </p:nvGrpSpPr>
+      <p:grpSpPr>
+        <a:xfrm>
+          <a:off x="0" y="0"/>
+          <a:ext cx="0" cy="0"/>
+          <a:chOff x="0" y="0"/>
+          <a:chExt cx="0" cy="0"/>
+        </a:xfrm>
+      </p:grpSpPr>
+      <p:sp>
+        <p:nvSpPr>
+          <p:cNvPr id="4" name="Title 1">
+            <a:extLst>
+              <a:ext uri="{FF2B5EF4-FFF2-40B4-BE49-F238E27FC236}">
+                <a16:creationId xmlns:a16="http://schemas.microsoft.com/office/drawing/2014/main" id="{ECBCEDBC-091E-4BA6-E2B7-068714BD2E92}"/>
+              </a:ext>
+            </a:extLst>
+          </p:cNvPr>
+          <p:cNvSpPr>
+            <a:spLocks noGrp="1"/>
+          </p:cNvSpPr>
+          <p:nvPr>
+            <p:ph type="title"/>
+          </p:nvPr>
+        </p:nvSpPr>
+        <p:spPr>
+          <a:xfrm>
+            <a:off x="838200" y="365125"/>
+            <a:ext cx="10515600" cy="1325563"/>
+          </a:xfrm>
+        </p:spPr>
+        <p:txBody>
+          <a:bodyPr/>
+          <a:lstStyle/>
+          <a:p>
+            <a:r>
+              <a:rPr lang="nb-NO" dirty="0" err="1"/>
+              <a:t>Azure</a:t>
+            </a:r>
+            <a:r>
+              <a:rPr lang="nb-NO" dirty="0"/>
+              <a:t> Virtual Network</a:t>
+            </a:r>
+          </a:p>
+        </p:txBody>
+      </p:sp>
+      <p:pic>
+        <p:nvPicPr>
+          <p:cNvPr id="5" name="Picture 2" descr="Azure Virtual Network peering | Microsoft Learn">
+            <a:extLst>
+              <a:ext uri="{FF2B5EF4-FFF2-40B4-BE49-F238E27FC236}">
+                <a16:creationId xmlns:a16="http://schemas.microsoft.com/office/drawing/2014/main" id="{957E725B-93A9-1255-5400-ADA91C761AD4}"/>
+              </a:ext>
+            </a:extLst>
+          </p:cNvPr>
+          <p:cNvPicPr>
+            <a:picLocks noChangeAspect="1" noChangeArrowheads="1"/>
+          </p:cNvPicPr>
+          <p:nvPr/>
+        </p:nvPicPr>
+        <p:blipFill>
+          <a:blip r:embed="rId2">
+            <a:extLst>
+              <a:ext uri="{28A0092B-C50C-407E-A947-70E740481C1C}">
+                <a14:useLocalDpi xmlns:a14="http://schemas.microsoft.com/office/drawing/2010/main" val="0"/>
+              </a:ext>
+            </a:extLst>
+          </a:blip>
+          <a:srcRect/>
+          <a:stretch>
+            <a:fillRect/>
+          </a:stretch>
+        </p:blipFill>
+        <p:spPr bwMode="auto">
+          <a:xfrm>
+            <a:off x="5073968" y="1825625"/>
+            <a:ext cx="6753225" cy="3781425"/>
+          </a:xfrm>
+          <a:prstGeom prst="rect">
+            <a:avLst/>
+          </a:prstGeom>
+          <a:noFill/>
+          <a:extLst>
+            <a:ext uri="{909E8E84-426E-40DD-AFC4-6F175D3DCCD1}">
+              <a14:hiddenFill xmlns:a14="http://schemas.microsoft.com/office/drawing/2010/main">
+                <a:solidFill>
+                  <a:srgbClr val="FFFFFF"/>
+                </a:solidFill>
+              </a14:hiddenFill>
+            </a:ext>
+          </a:extLst>
+        </p:spPr>
+      </p:pic>
+      <p:sp>
+        <p:nvSpPr>
+          <p:cNvPr id="6" name="Content Placeholder 4">
+            <a:extLst>
+              <a:ext uri="{FF2B5EF4-FFF2-40B4-BE49-F238E27FC236}">
+                <a16:creationId xmlns:a16="http://schemas.microsoft.com/office/drawing/2014/main" id="{B6B9AFEF-BEBE-0F52-2926-7A93C36D1D86}"/>
+              </a:ext>
+            </a:extLst>
+          </p:cNvPr>
+          <p:cNvSpPr txBox="1">
+            <a:spLocks/>
+          </p:cNvSpPr>
+          <p:nvPr/>
+        </p:nvSpPr>
+        <p:spPr>
+          <a:xfrm>
+            <a:off x="838200" y="1825625"/>
+            <a:ext cx="4419600" cy="4351338"/>
+          </a:xfrm>
+          <a:prstGeom prst="rect">
+            <a:avLst/>
+          </a:prstGeom>
+        </p:spPr>
+        <p:txBody>
+          <a:bodyPr spcFirstLastPara="1" vert="horz" wrap="square" lIns="91425" tIns="91425" rIns="91425" bIns="91425" rtlCol="0" anchor="t" anchorCtr="0">
+            <a:noAutofit/>
+          </a:bodyPr>
+          <a:lstStyle>
+            <a:lvl1pPr marL="609585" lvl="0" indent="-457189" algn="l" defTabSz="914400" rtl="0" eaLnBrk="1" latinLnBrk="0" hangingPunct="1">
+              <a:lnSpc>
+                <a:spcPct val="90000"/>
+              </a:lnSpc>
+              <a:spcBef>
+                <a:spcPts val="0"/>
+              </a:spcBef>
+              <a:spcAft>
+                <a:spcPts val="0"/>
+              </a:spcAft>
+              <a:buSzPts val="1800"/>
+              <a:buFont typeface="Arial" panose="020B0604020202020204" pitchFamily="34" charset="0"/>
+              <a:buChar char="●"/>
+              <a:defRPr sz="2800" kern="1200">
+                <a:solidFill>
+                  <a:schemeClr val="tx1"/>
+                </a:solidFill>
+                <a:latin typeface="+mn-lt"/>
+                <a:ea typeface="+mn-ea"/>
+                <a:cs typeface="+mn-cs"/>
+              </a:defRPr>
+            </a:lvl1pPr>
+            <a:lvl2pPr marL="1219170" lvl="1" indent="-423323" algn="l" defTabSz="914400" rtl="0" eaLnBrk="1" latinLnBrk="0" hangingPunct="1">
+              <a:lnSpc>
+                <a:spcPct val="90000"/>
+              </a:lnSpc>
+              <a:spcBef>
+                <a:spcPts val="2133"/>
+              </a:spcBef>
+              <a:spcAft>
+                <a:spcPts val="0"/>
+              </a:spcAft>
+              <a:buSzPts val="1400"/>
+              <a:buFont typeface="Arial" panose="020B0604020202020204" pitchFamily="34" charset="0"/>
+              <a:buChar char="○"/>
+              <a:defRPr sz="2400" kern="1200">
+                <a:solidFill>
+                  <a:schemeClr val="tx1"/>
+                </a:solidFill>
+                <a:latin typeface="+mn-lt"/>
+                <a:ea typeface="+mn-ea"/>
+                <a:cs typeface="+mn-cs"/>
+              </a:defRPr>
+            </a:lvl2pPr>
+            <a:lvl3pPr marL="1828754" lvl="2" indent="-423323" algn="l" defTabSz="914400" rtl="0" eaLnBrk="1" latinLnBrk="0" hangingPunct="1">
+              <a:lnSpc>
+                <a:spcPct val="90000"/>
+              </a:lnSpc>
+              <a:spcBef>
+                <a:spcPts val="2133"/>
+              </a:spcBef>
+              <a:spcAft>
+                <a:spcPts val="0"/>
+              </a:spcAft>
+              <a:buSzPts val="1400"/>
+              <a:buFont typeface="Arial" panose="020B0604020202020204" pitchFamily="34" charset="0"/>
+              <a:buChar char="■"/>
+              <a:defRPr sz="2000" kern="1200">
+                <a:solidFill>
+                  <a:schemeClr val="tx1"/>
+                </a:solidFill>
+                <a:latin typeface="+mn-lt"/>
+                <a:ea typeface="+mn-ea"/>
+                <a:cs typeface="+mn-cs"/>
+              </a:defRPr>
+            </a:lvl3pPr>
+            <a:lvl4pPr marL="2438339" lvl="3" indent="-423323" algn="l" defTabSz="914400" rtl="0" eaLnBrk="1" latinLnBrk="0" hangingPunct="1">
+              <a:lnSpc>
+                <a:spcPct val="90000"/>
+              </a:lnSpc>
+              <a:spcBef>
+                <a:spcPts val="2133"/>
+              </a:spcBef>
+              <a:spcAft>
+                <a:spcPts val="0"/>
+              </a:spcAft>
+              <a:buSzPts val="1400"/>
+              <a:buFont typeface="Arial" panose="020B0604020202020204" pitchFamily="34" charset="0"/>
+              <a:buChar char="●"/>
+              <a:defRPr sz="1800" kern="1200">
+                <a:solidFill>
+                  <a:schemeClr val="tx1"/>
+                </a:solidFill>
+                <a:latin typeface="+mn-lt"/>
+                <a:ea typeface="+mn-ea"/>
+                <a:cs typeface="+mn-cs"/>
+              </a:defRPr>
+            </a:lvl4pPr>
+            <a:lvl5pPr marL="3047924" lvl="4" indent="-423323" algn="l" defTabSz="914400" rtl="0" eaLnBrk="1" latinLnBrk="0" hangingPunct="1">
+              <a:lnSpc>
+                <a:spcPct val="90000"/>
+              </a:lnSpc>
+              <a:spcBef>
+                <a:spcPts val="2133"/>
+              </a:spcBef>
+              <a:spcAft>
+                <a:spcPts val="0"/>
+              </a:spcAft>
+              <a:buSzPts val="1400"/>
+              <a:buFont typeface="Arial" panose="020B0604020202020204" pitchFamily="34" charset="0"/>
+              <a:buChar char="○"/>
+              <a:defRPr sz="1800" kern="1200">
+                <a:solidFill>
+                  <a:schemeClr val="tx1"/>
+                </a:solidFill>
+                <a:latin typeface="+mn-lt"/>
+                <a:ea typeface="+mn-ea"/>
+                <a:cs typeface="+mn-cs"/>
+              </a:defRPr>
+            </a:lvl5pPr>
+            <a:lvl6pPr marL="3657509" lvl="5" indent="-423323" algn="l" defTabSz="914400" rtl="0" eaLnBrk="1" latinLnBrk="0" hangingPunct="1">
+              <a:lnSpc>
+                <a:spcPct val="90000"/>
+              </a:lnSpc>
+              <a:spcBef>
+                <a:spcPts val="2133"/>
+              </a:spcBef>
+              <a:spcAft>
+                <a:spcPts val="0"/>
+              </a:spcAft>
+              <a:buSzPts val="1400"/>
+              <a:buFont typeface="Arial" panose="020B0604020202020204" pitchFamily="34" charset="0"/>
+              <a:buChar char="■"/>
+              <a:defRPr sz="1800" kern="1200">
+                <a:solidFill>
+                  <a:schemeClr val="tx1"/>
+                </a:solidFill>
+                <a:latin typeface="+mn-lt"/>
+                <a:ea typeface="+mn-ea"/>
+                <a:cs typeface="+mn-cs"/>
+              </a:defRPr>
+            </a:lvl6pPr>
+            <a:lvl7pPr marL="4267093" lvl="6" indent="-423323" algn="l" defTabSz="914400" rtl="0" eaLnBrk="1" latinLnBrk="0" hangingPunct="1">
+              <a:lnSpc>
+                <a:spcPct val="90000"/>
+              </a:lnSpc>
+              <a:spcBef>
+                <a:spcPts val="2133"/>
+              </a:spcBef>
+              <a:spcAft>
+                <a:spcPts val="0"/>
+              </a:spcAft>
+              <a:buSzPts val="1400"/>
+              <a:buFont typeface="Arial" panose="020B0604020202020204" pitchFamily="34" charset="0"/>
+              <a:buChar char="●"/>
+              <a:defRPr sz="1800" kern="1200">
+                <a:solidFill>
+                  <a:schemeClr val="tx1"/>
+                </a:solidFill>
+                <a:latin typeface="+mn-lt"/>
+                <a:ea typeface="+mn-ea"/>
+                <a:cs typeface="+mn-cs"/>
+              </a:defRPr>
+            </a:lvl7pPr>
+            <a:lvl8pPr marL="4876678" lvl="7" indent="-423323" algn="l" defTabSz="914400" rtl="0" eaLnBrk="1" latinLnBrk="0" hangingPunct="1">
+              <a:lnSpc>
+                <a:spcPct val="90000"/>
+              </a:lnSpc>
+              <a:spcBef>
+                <a:spcPts val="2133"/>
+              </a:spcBef>
+              <a:spcAft>
+                <a:spcPts val="0"/>
+              </a:spcAft>
+              <a:buSzPts val="1400"/>
+              <a:buFont typeface="Arial" panose="020B0604020202020204" pitchFamily="34" charset="0"/>
+              <a:buChar char="○"/>
+              <a:defRPr sz="1800" kern="1200">
+                <a:solidFill>
+                  <a:schemeClr val="tx1"/>
+                </a:solidFill>
+                <a:latin typeface="+mn-lt"/>
+                <a:ea typeface="+mn-ea"/>
+                <a:cs typeface="+mn-cs"/>
+              </a:defRPr>
+            </a:lvl8pPr>
+            <a:lvl9pPr marL="5486263" lvl="8" indent="-423323" algn="l" defTabSz="914400" rtl="0" eaLnBrk="1" latinLnBrk="0" hangingPunct="1">
+              <a:lnSpc>
+                <a:spcPct val="90000"/>
+              </a:lnSpc>
+              <a:spcBef>
+                <a:spcPts val="2133"/>
+              </a:spcBef>
+              <a:spcAft>
+                <a:spcPts val="2133"/>
+              </a:spcAft>
+              <a:buSzPts val="1400"/>
+              <a:buFont typeface="Arial" panose="020B0604020202020204" pitchFamily="34" charset="0"/>
+              <a:buChar char="■"/>
+              <a:defRPr sz="1800" kern="1200">
+                <a:solidFill>
+                  <a:schemeClr val="tx1"/>
+                </a:solidFill>
+                <a:latin typeface="+mn-lt"/>
+                <a:ea typeface="+mn-ea"/>
+                <a:cs typeface="+mn-cs"/>
+              </a:defRPr>
+            </a:lvl9pPr>
+          </a:lstStyle>
+          <a:p>
+            <a:r>
+              <a:rPr lang="nb-NO"/>
+              <a:t>Virtual network peering</a:t>
+            </a:r>
+          </a:p>
+          <a:p>
+            <a:r>
+              <a:rPr lang="nb-NO"/>
+              <a:t>Global Virtual network peering (cross region)</a:t>
+            </a:r>
+            <a:endParaRPr lang="nb-NO" dirty="0"/>
+          </a:p>
+        </p:txBody>
+      </p:sp>
+      <p:pic>
+        <p:nvPicPr>
+          <p:cNvPr id="7" name="Google Shape;56;p13">
+            <a:extLst>
+              <a:ext uri="{FF2B5EF4-FFF2-40B4-BE49-F238E27FC236}">
+                <a16:creationId xmlns:a16="http://schemas.microsoft.com/office/drawing/2014/main" id="{0CF1E96C-A3F4-D88B-75E5-2805E377300C}"/>
+              </a:ext>
+            </a:extLst>
+          </p:cNvPr>
+          <p:cNvPicPr preferRelativeResize="0"/>
+          <p:nvPr/>
+        </p:nvPicPr>
+        <p:blipFill>
+          <a:blip r:embed="rId3">
+            <a:alphaModFix/>
+          </a:blip>
+          <a:stretch>
+            <a:fillRect/>
+          </a:stretch>
+        </p:blipFill>
+        <p:spPr>
+          <a:xfrm>
+            <a:off x="10989179" y="5736492"/>
+            <a:ext cx="1202821" cy="1121508"/>
+          </a:xfrm>
+          <a:prstGeom prst="rect">
+            <a:avLst/>
+          </a:prstGeom>
+          <a:noFill/>
+          <a:ln>
+            <a:noFill/>
+          </a:ln>
+        </p:spPr>
+      </p:pic>
+      <p:pic>
+        <p:nvPicPr>
+          <p:cNvPr id="8" name="Graphic 4">
+            <a:extLst>
+              <a:ext uri="{FF2B5EF4-FFF2-40B4-BE49-F238E27FC236}">
+                <a16:creationId xmlns:a16="http://schemas.microsoft.com/office/drawing/2014/main" id="{A38E2EC9-1BC7-9D2D-9FB2-CFEF6A29B32C}"/>
+              </a:ext>
+            </a:extLst>
+          </p:cNvPr>
+          <p:cNvPicPr>
+            <a:picLocks noChangeAspect="1"/>
+          </p:cNvPicPr>
+          <p:nvPr/>
+        </p:nvPicPr>
+        <p:blipFill>
+          <a:blip r:embed="rId4">
+            <a:extLst>
+              <a:ext uri="{28A0092B-C50C-407E-A947-70E740481C1C}">
+                <a14:useLocalDpi xmlns:a14="http://schemas.microsoft.com/office/drawing/2010/main" val="0"/>
+              </a:ext>
+              <a:ext uri="{96DAC541-7B7A-43D3-8B79-37D633B846F1}">
+                <asvg:svgBlip xmlns:asvg="http://schemas.microsoft.com/office/drawing/2016/SVG/main" r:embed="rId5"/>
+              </a:ext>
+            </a:extLst>
+          </a:blip>
+          <a:stretch>
+            <a:fillRect/>
+          </a:stretch>
+        </p:blipFill>
+        <p:spPr>
+          <a:xfrm>
+            <a:off x="375137" y="6121057"/>
+            <a:ext cx="1718444" cy="574556"/>
+          </a:xfrm>
+          <a:prstGeom prst="rect">
+            <a:avLst/>
+          </a:prstGeom>
+        </p:spPr>
+      </p:pic>
+    </p:spTree>
+    <p:extLst>
+      <p:ext uri="{BB962C8B-B14F-4D97-AF65-F5344CB8AC3E}">
+        <p14:creationId xmlns:p14="http://schemas.microsoft.com/office/powerpoint/2010/main" val="1927975279"/>
       </p:ext>
     </p:extLst>
   </p:cSld>

--- a/slides/private-links.pptx
+++ b/slides/private-links.pptx
@@ -5,7 +5,7 @@
     <p:sldMasterId id="2147483660" r:id="rId1"/>
   </p:sldMasterIdLst>
   <p:notesMasterIdLst>
-    <p:notesMasterId r:id="rId25"/>
+    <p:notesMasterId r:id="rId28"/>
   </p:notesMasterIdLst>
   <p:sldIdLst>
     <p:sldId id="2076136299" r:id="rId2"/>
@@ -21,16 +21,19 @@
     <p:sldId id="2076136328" r:id="rId12"/>
     <p:sldId id="2076136330" r:id="rId13"/>
     <p:sldId id="2076136331" r:id="rId14"/>
-    <p:sldId id="2076136332" r:id="rId15"/>
-    <p:sldId id="2076136333" r:id="rId16"/>
-    <p:sldId id="2076136334" r:id="rId17"/>
-    <p:sldId id="2076136335" r:id="rId18"/>
-    <p:sldId id="2076136339" r:id="rId19"/>
-    <p:sldId id="2076136337" r:id="rId20"/>
-    <p:sldId id="2076136341" r:id="rId21"/>
-    <p:sldId id="2076136343" r:id="rId22"/>
-    <p:sldId id="2076136342" r:id="rId23"/>
-    <p:sldId id="2076136302" r:id="rId24"/>
+    <p:sldId id="2076136333" r:id="rId15"/>
+    <p:sldId id="2076136332" r:id="rId16"/>
+    <p:sldId id="2076136346" r:id="rId17"/>
+    <p:sldId id="2076136334" r:id="rId18"/>
+    <p:sldId id="2076136335" r:id="rId19"/>
+    <p:sldId id="2076136339" r:id="rId20"/>
+    <p:sldId id="2076136337" r:id="rId21"/>
+    <p:sldId id="2076136341" r:id="rId22"/>
+    <p:sldId id="2076136343" r:id="rId23"/>
+    <p:sldId id="2076136342" r:id="rId24"/>
+    <p:sldId id="2076136345" r:id="rId25"/>
+    <p:sldId id="2076136344" r:id="rId26"/>
+    <p:sldId id="2076136302" r:id="rId27"/>
   </p:sldIdLst>
   <p:sldSz cx="12192000" cy="6858000"/>
   <p:notesSz cx="6858000" cy="9144000"/>
@@ -1070,7 +1073,7 @@
           <a:p>
             <a:fld id="{FB3A52E1-8A48-429C-8A5A-7D4445DBC12D}" type="slidenum">
               <a:rPr lang="nb-NO" smtClean="0"/>
-              <a:t>18</a:t>
+              <a:t>19</a:t>
             </a:fld>
             <a:endParaRPr lang="nb-NO"/>
           </a:p>
@@ -1171,7 +1174,7 @@
           <a:p>
             <a:fld id="{FB3A52E1-8A48-429C-8A5A-7D4445DBC12D}" type="slidenum">
               <a:rPr lang="nb-NO" smtClean="0"/>
-              <a:t>19</a:t>
+              <a:t>20</a:t>
             </a:fld>
             <a:endParaRPr lang="nb-NO"/>
           </a:p>
@@ -1255,7 +1258,7 @@
           <a:p>
             <a:fld id="{FB3A52E1-8A48-429C-8A5A-7D4445DBC12D}" type="slidenum">
               <a:rPr lang="nb-NO" smtClean="0"/>
-              <a:t>20</a:t>
+              <a:t>21</a:t>
             </a:fld>
             <a:endParaRPr lang="nb-NO"/>
           </a:p>
@@ -1275,6 +1278,280 @@
 </file>
 
 <file path=ppt/notesSlides/notesSlide13.xml><?xml version="1.0" encoding="utf-8"?>
+<p:notes xmlns:a="http://schemas.openxmlformats.org/drawingml/2006/main" xmlns:r="http://schemas.openxmlformats.org/officeDocument/2006/relationships" xmlns:p="http://schemas.openxmlformats.org/presentationml/2006/main">
+  <p:cSld>
+    <p:spTree>
+      <p:nvGrpSpPr>
+        <p:cNvPr id="1" name=""/>
+        <p:cNvGrpSpPr/>
+        <p:nvPr/>
+      </p:nvGrpSpPr>
+      <p:grpSpPr>
+        <a:xfrm>
+          <a:off x="0" y="0"/>
+          <a:ext cx="0" cy="0"/>
+          <a:chOff x="0" y="0"/>
+          <a:chExt cx="0" cy="0"/>
+        </a:xfrm>
+      </p:grpSpPr>
+      <p:sp>
+        <p:nvSpPr>
+          <p:cNvPr id="2" name="Slide Image Placeholder 1"/>
+          <p:cNvSpPr>
+            <a:spLocks noGrp="1" noRot="1" noChangeAspect="1"/>
+          </p:cNvSpPr>
+          <p:nvPr>
+            <p:ph type="sldImg"/>
+          </p:nvPr>
+        </p:nvSpPr>
+        <p:spPr/>
+      </p:sp>
+      <p:sp>
+        <p:nvSpPr>
+          <p:cNvPr id="3" name="Notes Placeholder 2"/>
+          <p:cNvSpPr>
+            <a:spLocks noGrp="1"/>
+          </p:cNvSpPr>
+          <p:nvPr>
+            <p:ph type="body" idx="1"/>
+          </p:nvPr>
+        </p:nvSpPr>
+        <p:spPr/>
+        <p:txBody>
+          <a:bodyPr/>
+          <a:lstStyle/>
+          <a:p>
+            <a:pPr algn="l"/>
+            <a:r>
+              <a:rPr lang="en-US" b="0" i="0" dirty="0">
+                <a:solidFill>
+                  <a:srgbClr val="161616"/>
+                </a:solidFill>
+                <a:effectLst/>
+                <a:latin typeface="Segoe UI" panose="020B0502040204020203" pitchFamily="34" charset="0"/>
+              </a:rPr>
+              <a:t>It's important to correctly configure your DNS settings to resolve the private endpoint IP address to the fully qualified domain name (FQDN) of the connection string.</a:t>
+            </a:r>
+          </a:p>
+          <a:p>
+            <a:pPr algn="l"/>
+            <a:r>
+              <a:rPr lang="en-US" b="0" i="0" dirty="0">
+                <a:solidFill>
+                  <a:srgbClr val="161616"/>
+                </a:solidFill>
+                <a:effectLst/>
+                <a:latin typeface="Segoe UI" panose="020B0502040204020203" pitchFamily="34" charset="0"/>
+              </a:rPr>
+              <a:t>Existing Microsoft Azure services might already have a DNS configuration for a public endpoint. This configuration must be overridden to connect using your private endpoint.</a:t>
+            </a:r>
+          </a:p>
+          <a:p>
+            <a:pPr algn="l"/>
+            <a:r>
+              <a:rPr lang="en-US" b="0" i="0" dirty="0">
+                <a:solidFill>
+                  <a:srgbClr val="161616"/>
+                </a:solidFill>
+                <a:effectLst/>
+                <a:latin typeface="Segoe UI" panose="020B0502040204020203" pitchFamily="34" charset="0"/>
+              </a:rPr>
+              <a:t>The network interface associated with the private endpoint contains the information to configure your DNS. The network interface information includes FQDN and private IP addresses for your private link resource.</a:t>
+            </a:r>
+          </a:p>
+          <a:p>
+            <a:endParaRPr lang="en-US" dirty="0"/>
+          </a:p>
+        </p:txBody>
+      </p:sp>
+      <p:sp>
+        <p:nvSpPr>
+          <p:cNvPr id="4" name="Slide Number Placeholder 3"/>
+          <p:cNvSpPr>
+            <a:spLocks noGrp="1"/>
+          </p:cNvSpPr>
+          <p:nvPr>
+            <p:ph type="sldNum" sz="quarter" idx="5"/>
+          </p:nvPr>
+        </p:nvSpPr>
+        <p:spPr/>
+        <p:txBody>
+          <a:bodyPr/>
+          <a:lstStyle/>
+          <a:p>
+            <a:fld id="{FB3A52E1-8A48-429C-8A5A-7D4445DBC12D}" type="slidenum">
+              <a:rPr lang="nb-NO" smtClean="0"/>
+              <a:t>22</a:t>
+            </a:fld>
+            <a:endParaRPr lang="nb-NO"/>
+          </a:p>
+        </p:txBody>
+      </p:sp>
+    </p:spTree>
+    <p:extLst>
+      <p:ext uri="{BB962C8B-B14F-4D97-AF65-F5344CB8AC3E}">
+        <p14:creationId xmlns:p14="http://schemas.microsoft.com/office/powerpoint/2010/main" val="55569854"/>
+      </p:ext>
+    </p:extLst>
+  </p:cSld>
+  <p:clrMapOvr>
+    <a:masterClrMapping/>
+  </p:clrMapOvr>
+</p:notes>
+</file>
+
+<file path=ppt/notesSlides/notesSlide14.xml><?xml version="1.0" encoding="utf-8"?>
+<p:notes xmlns:a="http://schemas.openxmlformats.org/drawingml/2006/main" xmlns:r="http://schemas.openxmlformats.org/officeDocument/2006/relationships" xmlns:p="http://schemas.openxmlformats.org/presentationml/2006/main">
+  <p:cSld>
+    <p:spTree>
+      <p:nvGrpSpPr>
+        <p:cNvPr id="1" name=""/>
+        <p:cNvGrpSpPr/>
+        <p:nvPr/>
+      </p:nvGrpSpPr>
+      <p:grpSpPr>
+        <a:xfrm>
+          <a:off x="0" y="0"/>
+          <a:ext cx="0" cy="0"/>
+          <a:chOff x="0" y="0"/>
+          <a:chExt cx="0" cy="0"/>
+        </a:xfrm>
+      </p:grpSpPr>
+      <p:sp>
+        <p:nvSpPr>
+          <p:cNvPr id="2" name="Slide Image Placeholder 1"/>
+          <p:cNvSpPr>
+            <a:spLocks noGrp="1" noRot="1" noChangeAspect="1"/>
+          </p:cNvSpPr>
+          <p:nvPr>
+            <p:ph type="sldImg"/>
+          </p:nvPr>
+        </p:nvSpPr>
+        <p:spPr/>
+      </p:sp>
+      <p:sp>
+        <p:nvSpPr>
+          <p:cNvPr id="3" name="Notes Placeholder 2"/>
+          <p:cNvSpPr>
+            <a:spLocks noGrp="1"/>
+          </p:cNvSpPr>
+          <p:nvPr>
+            <p:ph type="body" idx="1"/>
+          </p:nvPr>
+        </p:nvSpPr>
+        <p:spPr/>
+        <p:txBody>
+          <a:bodyPr/>
+          <a:lstStyle/>
+          <a:p>
+            <a:r>
+              <a:rPr lang="en-US" b="0" i="0" dirty="0">
+                <a:solidFill>
+                  <a:srgbClr val="161616"/>
+                </a:solidFill>
+                <a:effectLst/>
+                <a:latin typeface="Segoe UI" panose="020B0502040204020203" pitchFamily="34" charset="0"/>
+              </a:rPr>
+              <a:t>Azure DNS Private Resolver is a service that enables you to query Azure DNS private zones from an on-premises environment and vice versa without deploying VM based DNS servers.</a:t>
+            </a:r>
+          </a:p>
+          <a:p>
+            <a:endParaRPr lang="en-US" b="0" i="0" dirty="0">
+              <a:solidFill>
+                <a:srgbClr val="161616"/>
+              </a:solidFill>
+              <a:effectLst/>
+              <a:latin typeface="Segoe UI" panose="020B0502040204020203" pitchFamily="34" charset="0"/>
+            </a:endParaRPr>
+          </a:p>
+          <a:p>
+            <a:r>
+              <a:rPr lang="en-US" b="0" i="0" dirty="0">
+                <a:solidFill>
+                  <a:srgbClr val="161616"/>
+                </a:solidFill>
+                <a:effectLst/>
+                <a:latin typeface="Segoe UI" panose="020B0502040204020203" pitchFamily="34" charset="0"/>
+              </a:rPr>
+              <a:t>Azure DNS Private Resolver requires an </a:t>
+            </a:r>
+            <a:r>
+              <a:rPr lang="en-US" b="0" i="0" u="none" strike="noStrike" dirty="0">
+                <a:effectLst/>
+                <a:latin typeface="Segoe UI" panose="020B0502040204020203" pitchFamily="34" charset="0"/>
+                <a:hlinkClick r:id="rId3"/>
+              </a:rPr>
+              <a:t>Azure Virtual Network</a:t>
+            </a:r>
+            <a:r>
+              <a:rPr lang="en-US" b="0" i="0" dirty="0">
+                <a:solidFill>
+                  <a:srgbClr val="161616"/>
+                </a:solidFill>
+                <a:effectLst/>
+                <a:latin typeface="Segoe UI" panose="020B0502040204020203" pitchFamily="34" charset="0"/>
+              </a:rPr>
+              <a:t>. When you create an Azure DNS Private Resolver inside a virtual network, one or more </a:t>
+            </a:r>
+            <a:r>
+              <a:rPr lang="en-US" b="0" i="0" u="none" strike="noStrike" dirty="0">
+                <a:effectLst/>
+                <a:latin typeface="Segoe UI" panose="020B0502040204020203" pitchFamily="34" charset="0"/>
+                <a:hlinkClick r:id="rId4"/>
+              </a:rPr>
+              <a:t>inbound endpoints</a:t>
+            </a:r>
+            <a:r>
+              <a:rPr lang="en-US" b="0" i="0" dirty="0">
+                <a:solidFill>
+                  <a:srgbClr val="161616"/>
+                </a:solidFill>
+                <a:effectLst/>
+                <a:latin typeface="Segoe UI" panose="020B0502040204020203" pitchFamily="34" charset="0"/>
+              </a:rPr>
+              <a:t> are established that can be used as the destination for DNS queries. </a:t>
+            </a:r>
+            <a:endParaRPr lang="en-US" dirty="0"/>
+          </a:p>
+        </p:txBody>
+      </p:sp>
+      <p:sp>
+        <p:nvSpPr>
+          <p:cNvPr id="4" name="Slide Number Placeholder 3"/>
+          <p:cNvSpPr>
+            <a:spLocks noGrp="1"/>
+          </p:cNvSpPr>
+          <p:nvPr>
+            <p:ph type="sldNum" sz="quarter" idx="5"/>
+          </p:nvPr>
+        </p:nvSpPr>
+        <p:spPr/>
+        <p:txBody>
+          <a:bodyPr/>
+          <a:lstStyle/>
+          <a:p>
+            <a:fld id="{FB3A52E1-8A48-429C-8A5A-7D4445DBC12D}" type="slidenum">
+              <a:rPr lang="nb-NO" smtClean="0"/>
+              <a:t>25</a:t>
+            </a:fld>
+            <a:endParaRPr lang="nb-NO"/>
+          </a:p>
+        </p:txBody>
+      </p:sp>
+    </p:spTree>
+    <p:extLst>
+      <p:ext uri="{BB962C8B-B14F-4D97-AF65-F5344CB8AC3E}">
+        <p14:creationId xmlns:p14="http://schemas.microsoft.com/office/powerpoint/2010/main" val="1055756310"/>
+      </p:ext>
+    </p:extLst>
+  </p:cSld>
+  <p:clrMapOvr>
+    <a:masterClrMapping/>
+  </p:clrMapOvr>
+</p:notes>
+</file>
+
+<file path=ppt/notesSlides/notesSlide15.xml><?xml version="1.0" encoding="utf-8"?>
 <p:notes xmlns:a="http://schemas.openxmlformats.org/drawingml/2006/main" xmlns:r="http://schemas.openxmlformats.org/officeDocument/2006/relationships" xmlns:p="http://schemas.openxmlformats.org/presentationml/2006/main">
   <p:cSld>
     <p:spTree>
@@ -1386,7 +1663,7 @@
                 <a:tabLst/>
                 <a:defRPr/>
               </a:pPr>
-              <a:t>23</a:t>
+              <a:t>26</a:t>
             </a:fld>
             <a:endParaRPr kumimoji="0" lang="en-US" sz="1200" b="0" i="0" u="none" strike="noStrike" kern="1200" cap="none" spc="0" normalizeH="0" baseline="0" noProof="0">
               <a:ln>
@@ -1931,9 +2208,34 @@
               <a:defRPr/>
             </a:pPr>
             <a:r>
-              <a:rPr lang="nb-NO" dirty="0"/>
-              <a:t>https://learn.microsoft.com/en-us/azure/virtual-network/network-security-groups-overview</a:t>
-            </a:r>
+              <a:rPr lang="en-US" b="0" i="0" dirty="0">
+                <a:solidFill>
+                  <a:srgbClr val="161616"/>
+                </a:solidFill>
+                <a:effectLst/>
+                <a:latin typeface="Segoe UI" panose="020B0502040204020203" pitchFamily="34" charset="0"/>
+              </a:rPr>
+              <a:t>You can use an Azure network security group to filter network traffic between Azure resources in an Azure virtual network. A network security group contains </a:t>
+            </a:r>
+            <a:r>
+              <a:rPr lang="en-US" b="0" i="0" u="none" strike="noStrike" dirty="0">
+                <a:effectLst/>
+                <a:latin typeface="Segoe UI" panose="020B0502040204020203" pitchFamily="34" charset="0"/>
+                <a:hlinkClick r:id="rId3"/>
+              </a:rPr>
+              <a:t>security rules</a:t>
+            </a:r>
+            <a:r>
+              <a:rPr lang="en-US" b="0" i="0" dirty="0">
+                <a:solidFill>
+                  <a:srgbClr val="161616"/>
+                </a:solidFill>
+                <a:effectLst/>
+                <a:latin typeface="Segoe UI" panose="020B0502040204020203" pitchFamily="34" charset="0"/>
+              </a:rPr>
+              <a:t> that allow or deny inbound network traffic to, or outbound network traffic from, several types of Azure resources. For each rule, you can specify source and destination, port, and protocol.</a:t>
+            </a:r>
+            <a:endParaRPr lang="nb-NO" dirty="0"/>
           </a:p>
           <a:p>
             <a:endParaRPr lang="en-US" dirty="0"/>
@@ -2064,7 +2366,7 @@
           <a:p>
             <a:fld id="{FB3A52E1-8A48-429C-8A5A-7D4445DBC12D}" type="slidenum">
               <a:rPr lang="nb-NO" smtClean="0"/>
-              <a:t>15</a:t>
+              <a:t>14</a:t>
             </a:fld>
             <a:endParaRPr lang="nb-NO"/>
           </a:p>
@@ -2170,7 +2472,7 @@
           <a:p>
             <a:fld id="{FB3A52E1-8A48-429C-8A5A-7D4445DBC12D}" type="slidenum">
               <a:rPr lang="nb-NO" smtClean="0"/>
-              <a:t>16</a:t>
+              <a:t>17</a:t>
             </a:fld>
             <a:endParaRPr lang="nb-NO"/>
           </a:p>
@@ -2339,7 +2641,7 @@
           <a:p>
             <a:fld id="{FB3A52E1-8A48-429C-8A5A-7D4445DBC12D}" type="slidenum">
               <a:rPr lang="nb-NO" smtClean="0"/>
-              <a:t>17</a:t>
+              <a:t>18</a:t>
             </a:fld>
             <a:endParaRPr lang="nb-NO"/>
           </a:p>
@@ -8692,8 +8994,8 @@
         </p:blipFill>
         <p:spPr bwMode="auto">
           <a:xfrm>
-            <a:off x="5953124" y="1225190"/>
-            <a:ext cx="6238876" cy="5552207"/>
+            <a:off x="5953124" y="1225191"/>
+            <a:ext cx="5538965" cy="4929330"/>
           </a:xfrm>
           <a:prstGeom prst="rect">
             <a:avLst/>
@@ -9103,6 +9405,49 @@
           </a:prstGeom>
         </p:spPr>
       </p:pic>
+      <p:sp>
+        <p:nvSpPr>
+          <p:cNvPr id="3" name="TextBox 2">
+            <a:extLst>
+              <a:ext uri="{FF2B5EF4-FFF2-40B4-BE49-F238E27FC236}">
+                <a16:creationId xmlns:a16="http://schemas.microsoft.com/office/drawing/2014/main" id="{B144803E-3525-DB5C-08B8-8CE1582DD8F3}"/>
+              </a:ext>
+            </a:extLst>
+          </p:cNvPr>
+          <p:cNvSpPr txBox="1"/>
+          <p:nvPr/>
+        </p:nvSpPr>
+        <p:spPr>
+          <a:xfrm>
+            <a:off x="2580350" y="6289458"/>
+            <a:ext cx="8911739" cy="369332"/>
+          </a:xfrm>
+          <a:prstGeom prst="rect">
+            <a:avLst/>
+          </a:prstGeom>
+          <a:noFill/>
+        </p:spPr>
+        <p:txBody>
+          <a:bodyPr wrap="square">
+            <a:spAutoFit/>
+          </a:bodyPr>
+          <a:lstStyle/>
+          <a:p>
+            <a:pPr algn="ctr"/>
+            <a:r>
+              <a:rPr lang="nb-NO" dirty="0">
+                <a:hlinkClick r:id="rId8"/>
+              </a:rPr>
+              <a:t>https://learn.microsoft.com/en-us/azure/virtual-network/network-security-groups-overview</a:t>
+            </a:r>
+            <a:r>
+              <a:rPr lang="nb-NO" dirty="0"/>
+              <a:t> </a:t>
+            </a:r>
+            <a:endParaRPr lang="en-US" dirty="0"/>
+          </a:p>
+        </p:txBody>
+      </p:sp>
     </p:spTree>
     <p:extLst>
       <p:ext uri="{BB962C8B-B14F-4D97-AF65-F5344CB8AC3E}">
@@ -9138,7 +9483,7 @@
           <p:cNvPr id="4" name="Title 1">
             <a:extLst>
               <a:ext uri="{FF2B5EF4-FFF2-40B4-BE49-F238E27FC236}">
-                <a16:creationId xmlns:a16="http://schemas.microsoft.com/office/drawing/2014/main" id="{DC4BA8F7-A539-7498-3953-E9FD37264E38}"/>
+                <a16:creationId xmlns:a16="http://schemas.microsoft.com/office/drawing/2014/main" id="{9CE9F9D2-4F96-215A-2A2D-AF3CAAF3CE85}"/>
               </a:ext>
             </a:extLst>
           </p:cNvPr>
@@ -9161,149 +9506,64 @@
           <a:p>
             <a:r>
               <a:rPr lang="nb-NO" dirty="0"/>
-              <a:t>Network Security Group – default NSG rules</a:t>
+              <a:t>Service tags</a:t>
             </a:r>
           </a:p>
         </p:txBody>
       </p:sp>
       <p:pic>
         <p:nvPicPr>
-          <p:cNvPr id="5" name="Picture 4">
-            <a:extLst>
-              <a:ext uri="{FF2B5EF4-FFF2-40B4-BE49-F238E27FC236}">
-                <a16:creationId xmlns:a16="http://schemas.microsoft.com/office/drawing/2014/main" id="{49D27FC2-CE3E-BC75-4D6E-1D346AF9C419}"/>
+          <p:cNvPr id="5" name="Picture 2" descr="Network isolation of Azure services using service tags">
+            <a:extLst>
+              <a:ext uri="{FF2B5EF4-FFF2-40B4-BE49-F238E27FC236}">
+                <a16:creationId xmlns:a16="http://schemas.microsoft.com/office/drawing/2014/main" id="{940C2CE2-DA25-BBA5-1532-7022CF40354E}"/>
               </a:ext>
             </a:extLst>
           </p:cNvPr>
           <p:cNvPicPr>
-            <a:picLocks noChangeAspect="1"/>
+            <a:picLocks noChangeAspect="1" noChangeArrowheads="1"/>
           </p:cNvPicPr>
           <p:nvPr/>
         </p:nvPicPr>
         <p:blipFill>
-          <a:blip r:embed="rId2"/>
+          <a:blip r:embed="rId3">
+            <a:extLst>
+              <a:ext uri="{28A0092B-C50C-407E-A947-70E740481C1C}">
+                <a14:useLocalDpi xmlns:a14="http://schemas.microsoft.com/office/drawing/2010/main" val="0"/>
+              </a:ext>
+            </a:extLst>
+          </a:blip>
+          <a:srcRect/>
           <a:stretch>
             <a:fillRect/>
           </a:stretch>
         </p:blipFill>
-        <p:spPr>
-          <a:xfrm>
-            <a:off x="602685" y="4964504"/>
-            <a:ext cx="11276190" cy="1180952"/>
-          </a:xfrm>
-          <a:prstGeom prst="rect">
-            <a:avLst/>
-          </a:prstGeom>
-        </p:spPr>
-      </p:pic>
-      <p:pic>
-        <p:nvPicPr>
-          <p:cNvPr id="6" name="Picture 5">
-            <a:extLst>
-              <a:ext uri="{FF2B5EF4-FFF2-40B4-BE49-F238E27FC236}">
-                <a16:creationId xmlns:a16="http://schemas.microsoft.com/office/drawing/2014/main" id="{8BA779A6-4F14-D947-40DC-AF9AD15FADA5}"/>
-              </a:ext>
-            </a:extLst>
-          </p:cNvPr>
-          <p:cNvPicPr>
-            <a:picLocks noChangeAspect="1"/>
-          </p:cNvPicPr>
-          <p:nvPr/>
-        </p:nvPicPr>
-        <p:blipFill>
-          <a:blip r:embed="rId3"/>
-          <a:stretch>
-            <a:fillRect/>
-          </a:stretch>
-        </p:blipFill>
-        <p:spPr>
-          <a:xfrm>
-            <a:off x="362666" y="2393710"/>
-            <a:ext cx="11466667" cy="1247619"/>
-          </a:xfrm>
-          <a:prstGeom prst="rect">
-            <a:avLst/>
-          </a:prstGeom>
-        </p:spPr>
-      </p:pic>
-      <p:sp>
-        <p:nvSpPr>
-          <p:cNvPr id="7" name="TextBox 6">
-            <a:extLst>
-              <a:ext uri="{FF2B5EF4-FFF2-40B4-BE49-F238E27FC236}">
-                <a16:creationId xmlns:a16="http://schemas.microsoft.com/office/drawing/2014/main" id="{14109DBA-6AEF-AEDF-4950-FEBF15CB159A}"/>
-              </a:ext>
-            </a:extLst>
-          </p:cNvPr>
-          <p:cNvSpPr txBox="1"/>
-          <p:nvPr/>
-        </p:nvSpPr>
-        <p:spPr>
-          <a:xfrm>
-            <a:off x="525780" y="2004060"/>
-            <a:ext cx="986167" cy="369332"/>
+        <p:spPr bwMode="auto">
+          <a:xfrm>
+            <a:off x="3626069" y="1690688"/>
+            <a:ext cx="5272837" cy="4594035"/>
           </a:xfrm>
           <a:prstGeom prst="rect">
             <a:avLst/>
           </a:prstGeom>
           <a:noFill/>
-        </p:spPr>
-        <p:txBody>
-          <a:bodyPr wrap="none" rtlCol="0">
-            <a:spAutoFit/>
-          </a:bodyPr>
-          <a:lstStyle/>
-          <a:p>
-            <a:r>
-              <a:rPr lang="nb-NO" b="1" u="sng" dirty="0" err="1"/>
-              <a:t>Inbound</a:t>
-            </a:r>
-            <a:endParaRPr lang="nb-NO" b="1" u="sng" dirty="0"/>
-          </a:p>
-        </p:txBody>
-      </p:sp>
-      <p:sp>
-        <p:nvSpPr>
-          <p:cNvPr id="8" name="TextBox 7">
-            <a:extLst>
-              <a:ext uri="{FF2B5EF4-FFF2-40B4-BE49-F238E27FC236}">
-                <a16:creationId xmlns:a16="http://schemas.microsoft.com/office/drawing/2014/main" id="{412CE2B8-6EF0-AE37-0CB2-103E0DDCF44C}"/>
-              </a:ext>
-            </a:extLst>
-          </p:cNvPr>
-          <p:cNvSpPr txBox="1"/>
-          <p:nvPr/>
-        </p:nvSpPr>
-        <p:spPr>
-          <a:xfrm>
-            <a:off x="525780" y="4511040"/>
-            <a:ext cx="1160895" cy="369332"/>
-          </a:xfrm>
-          <a:prstGeom prst="rect">
-            <a:avLst/>
-          </a:prstGeom>
-          <a:noFill/>
-        </p:spPr>
-        <p:txBody>
-          <a:bodyPr wrap="none" rtlCol="0">
-            <a:spAutoFit/>
-          </a:bodyPr>
-          <a:lstStyle/>
-          <a:p>
-            <a:r>
-              <a:rPr lang="nb-NO" b="1" u="sng" dirty="0" err="1"/>
-              <a:t>Outbound</a:t>
-            </a:r>
-            <a:endParaRPr lang="nb-NO" b="1" u="sng" dirty="0"/>
-          </a:p>
-        </p:txBody>
-      </p:sp>
+          <a:extLst>
+            <a:ext uri="{909E8E84-426E-40DD-AFC4-6F175D3DCCD1}">
+              <a14:hiddenFill xmlns:a14="http://schemas.microsoft.com/office/drawing/2010/main">
+                <a:solidFill>
+                  <a:srgbClr val="FFFFFF"/>
+                </a:solidFill>
+              </a14:hiddenFill>
+            </a:ext>
+          </a:extLst>
+        </p:spPr>
+      </p:pic>
       <p:pic>
         <p:nvPicPr>
-          <p:cNvPr id="9" name="Google Shape;56;p13">
-            <a:extLst>
-              <a:ext uri="{FF2B5EF4-FFF2-40B4-BE49-F238E27FC236}">
-                <a16:creationId xmlns:a16="http://schemas.microsoft.com/office/drawing/2014/main" id="{CFEC41A2-C7F4-D6B4-9EEA-569C3F602F72}"/>
+          <p:cNvPr id="6" name="Google Shape;56;p13">
+            <a:extLst>
+              <a:ext uri="{FF2B5EF4-FFF2-40B4-BE49-F238E27FC236}">
+                <a16:creationId xmlns:a16="http://schemas.microsoft.com/office/drawing/2014/main" id="{98E90CBB-9422-C5D4-94FE-7E93329797B0}"/>
               </a:ext>
             </a:extLst>
           </p:cNvPr>
@@ -9334,10 +9594,10 @@
       </p:pic>
       <p:pic>
         <p:nvPicPr>
-          <p:cNvPr id="10" name="Graphic 4">
-            <a:extLst>
-              <a:ext uri="{FF2B5EF4-FFF2-40B4-BE49-F238E27FC236}">
-                <a16:creationId xmlns:a16="http://schemas.microsoft.com/office/drawing/2014/main" id="{6DBF065E-DDC2-DA2B-B27A-C4618ED555F5}"/>
+          <p:cNvPr id="7" name="Graphic 4">
+            <a:extLst>
+              <a:ext uri="{FF2B5EF4-FFF2-40B4-BE49-F238E27FC236}">
+                <a16:creationId xmlns:a16="http://schemas.microsoft.com/office/drawing/2014/main" id="{F4BEA66B-BB61-749C-412B-3AF961A26B44}"/>
               </a:ext>
             </a:extLst>
           </p:cNvPr>
@@ -9374,7 +9634,7 @@
     </p:spTree>
     <p:extLst>
       <p:ext uri="{BB962C8B-B14F-4D97-AF65-F5344CB8AC3E}">
-        <p14:creationId xmlns:p14="http://schemas.microsoft.com/office/powerpoint/2010/main" val="4031739153"/>
+        <p14:creationId xmlns:p14="http://schemas.microsoft.com/office/powerpoint/2010/main" val="955387538"/>
       </p:ext>
     </p:extLst>
   </p:cSld>
@@ -9406,7 +9666,7 @@
           <p:cNvPr id="4" name="Title 1">
             <a:extLst>
               <a:ext uri="{FF2B5EF4-FFF2-40B4-BE49-F238E27FC236}">
-                <a16:creationId xmlns:a16="http://schemas.microsoft.com/office/drawing/2014/main" id="{9CE9F9D2-4F96-215A-2A2D-AF3CAAF3CE85}"/>
+                <a16:creationId xmlns:a16="http://schemas.microsoft.com/office/drawing/2014/main" id="{DC4BA8F7-A539-7498-3953-E9FD37264E38}"/>
               </a:ext>
             </a:extLst>
           </p:cNvPr>
@@ -9429,64 +9689,149 @@
           <a:p>
             <a:r>
               <a:rPr lang="nb-NO" dirty="0"/>
-              <a:t>Service tags</a:t>
+              <a:t>Network Security Group – default NSG rules</a:t>
             </a:r>
           </a:p>
         </p:txBody>
       </p:sp>
       <p:pic>
         <p:nvPicPr>
-          <p:cNvPr id="5" name="Picture 2" descr="Network isolation of Azure services using service tags">
-            <a:extLst>
-              <a:ext uri="{FF2B5EF4-FFF2-40B4-BE49-F238E27FC236}">
-                <a16:creationId xmlns:a16="http://schemas.microsoft.com/office/drawing/2014/main" id="{940C2CE2-DA25-BBA5-1532-7022CF40354E}"/>
+          <p:cNvPr id="5" name="Picture 4">
+            <a:extLst>
+              <a:ext uri="{FF2B5EF4-FFF2-40B4-BE49-F238E27FC236}">
+                <a16:creationId xmlns:a16="http://schemas.microsoft.com/office/drawing/2014/main" id="{49D27FC2-CE3E-BC75-4D6E-1D346AF9C419}"/>
               </a:ext>
             </a:extLst>
           </p:cNvPr>
           <p:cNvPicPr>
-            <a:picLocks noChangeAspect="1" noChangeArrowheads="1"/>
+            <a:picLocks noChangeAspect="1"/>
           </p:cNvPicPr>
           <p:nvPr/>
         </p:nvPicPr>
         <p:blipFill>
-          <a:blip r:embed="rId3">
-            <a:extLst>
-              <a:ext uri="{28A0092B-C50C-407E-A947-70E740481C1C}">
-                <a14:useLocalDpi xmlns:a14="http://schemas.microsoft.com/office/drawing/2010/main" val="0"/>
-              </a:ext>
-            </a:extLst>
-          </a:blip>
-          <a:srcRect/>
+          <a:blip r:embed="rId2"/>
           <a:stretch>
             <a:fillRect/>
           </a:stretch>
         </p:blipFill>
-        <p:spPr bwMode="auto">
-          <a:xfrm>
-            <a:off x="3626069" y="1690688"/>
-            <a:ext cx="5272837" cy="4594035"/>
+        <p:spPr>
+          <a:xfrm>
+            <a:off x="602685" y="4964504"/>
+            <a:ext cx="11276190" cy="1180952"/>
+          </a:xfrm>
+          <a:prstGeom prst="rect">
+            <a:avLst/>
+          </a:prstGeom>
+        </p:spPr>
+      </p:pic>
+      <p:pic>
+        <p:nvPicPr>
+          <p:cNvPr id="6" name="Picture 5">
+            <a:extLst>
+              <a:ext uri="{FF2B5EF4-FFF2-40B4-BE49-F238E27FC236}">
+                <a16:creationId xmlns:a16="http://schemas.microsoft.com/office/drawing/2014/main" id="{8BA779A6-4F14-D947-40DC-AF9AD15FADA5}"/>
+              </a:ext>
+            </a:extLst>
+          </p:cNvPr>
+          <p:cNvPicPr>
+            <a:picLocks noChangeAspect="1"/>
+          </p:cNvPicPr>
+          <p:nvPr/>
+        </p:nvPicPr>
+        <p:blipFill>
+          <a:blip r:embed="rId3"/>
+          <a:stretch>
+            <a:fillRect/>
+          </a:stretch>
+        </p:blipFill>
+        <p:spPr>
+          <a:xfrm>
+            <a:off x="362666" y="2393710"/>
+            <a:ext cx="11466667" cy="1247619"/>
+          </a:xfrm>
+          <a:prstGeom prst="rect">
+            <a:avLst/>
+          </a:prstGeom>
+        </p:spPr>
+      </p:pic>
+      <p:sp>
+        <p:nvSpPr>
+          <p:cNvPr id="7" name="TextBox 6">
+            <a:extLst>
+              <a:ext uri="{FF2B5EF4-FFF2-40B4-BE49-F238E27FC236}">
+                <a16:creationId xmlns:a16="http://schemas.microsoft.com/office/drawing/2014/main" id="{14109DBA-6AEF-AEDF-4950-FEBF15CB159A}"/>
+              </a:ext>
+            </a:extLst>
+          </p:cNvPr>
+          <p:cNvSpPr txBox="1"/>
+          <p:nvPr/>
+        </p:nvSpPr>
+        <p:spPr>
+          <a:xfrm>
+            <a:off x="525780" y="2004060"/>
+            <a:ext cx="986167" cy="369332"/>
           </a:xfrm>
           <a:prstGeom prst="rect">
             <a:avLst/>
           </a:prstGeom>
           <a:noFill/>
-          <a:extLst>
-            <a:ext uri="{909E8E84-426E-40DD-AFC4-6F175D3DCCD1}">
-              <a14:hiddenFill xmlns:a14="http://schemas.microsoft.com/office/drawing/2010/main">
-                <a:solidFill>
-                  <a:srgbClr val="FFFFFF"/>
-                </a:solidFill>
-              </a14:hiddenFill>
-            </a:ext>
-          </a:extLst>
-        </p:spPr>
-      </p:pic>
+        </p:spPr>
+        <p:txBody>
+          <a:bodyPr wrap="none" rtlCol="0">
+            <a:spAutoFit/>
+          </a:bodyPr>
+          <a:lstStyle/>
+          <a:p>
+            <a:r>
+              <a:rPr lang="nb-NO" b="1" u="sng" dirty="0" err="1"/>
+              <a:t>Inbound</a:t>
+            </a:r>
+            <a:endParaRPr lang="nb-NO" b="1" u="sng" dirty="0"/>
+          </a:p>
+        </p:txBody>
+      </p:sp>
+      <p:sp>
+        <p:nvSpPr>
+          <p:cNvPr id="8" name="TextBox 7">
+            <a:extLst>
+              <a:ext uri="{FF2B5EF4-FFF2-40B4-BE49-F238E27FC236}">
+                <a16:creationId xmlns:a16="http://schemas.microsoft.com/office/drawing/2014/main" id="{412CE2B8-6EF0-AE37-0CB2-103E0DDCF44C}"/>
+              </a:ext>
+            </a:extLst>
+          </p:cNvPr>
+          <p:cNvSpPr txBox="1"/>
+          <p:nvPr/>
+        </p:nvSpPr>
+        <p:spPr>
+          <a:xfrm>
+            <a:off x="525780" y="4511040"/>
+            <a:ext cx="1160895" cy="369332"/>
+          </a:xfrm>
+          <a:prstGeom prst="rect">
+            <a:avLst/>
+          </a:prstGeom>
+          <a:noFill/>
+        </p:spPr>
+        <p:txBody>
+          <a:bodyPr wrap="none" rtlCol="0">
+            <a:spAutoFit/>
+          </a:bodyPr>
+          <a:lstStyle/>
+          <a:p>
+            <a:r>
+              <a:rPr lang="nb-NO" b="1" u="sng" dirty="0" err="1"/>
+              <a:t>Outbound</a:t>
+            </a:r>
+            <a:endParaRPr lang="nb-NO" b="1" u="sng" dirty="0"/>
+          </a:p>
+        </p:txBody>
+      </p:sp>
       <p:pic>
         <p:nvPicPr>
-          <p:cNvPr id="6" name="Google Shape;56;p13">
-            <a:extLst>
-              <a:ext uri="{FF2B5EF4-FFF2-40B4-BE49-F238E27FC236}">
-                <a16:creationId xmlns:a16="http://schemas.microsoft.com/office/drawing/2014/main" id="{98E90CBB-9422-C5D4-94FE-7E93329797B0}"/>
+          <p:cNvPr id="9" name="Google Shape;56;p13">
+            <a:extLst>
+              <a:ext uri="{FF2B5EF4-FFF2-40B4-BE49-F238E27FC236}">
+                <a16:creationId xmlns:a16="http://schemas.microsoft.com/office/drawing/2014/main" id="{CFEC41A2-C7F4-D6B4-9EEA-569C3F602F72}"/>
               </a:ext>
             </a:extLst>
           </p:cNvPr>
@@ -9517,10 +9862,10 @@
       </p:pic>
       <p:pic>
         <p:nvPicPr>
-          <p:cNvPr id="7" name="Graphic 4">
-            <a:extLst>
-              <a:ext uri="{FF2B5EF4-FFF2-40B4-BE49-F238E27FC236}">
-                <a16:creationId xmlns:a16="http://schemas.microsoft.com/office/drawing/2014/main" id="{F4BEA66B-BB61-749C-412B-3AF961A26B44}"/>
+          <p:cNvPr id="10" name="Graphic 4">
+            <a:extLst>
+              <a:ext uri="{FF2B5EF4-FFF2-40B4-BE49-F238E27FC236}">
+                <a16:creationId xmlns:a16="http://schemas.microsoft.com/office/drawing/2014/main" id="{6DBF065E-DDC2-DA2B-B27A-C4618ED555F5}"/>
               </a:ext>
             </a:extLst>
           </p:cNvPr>
@@ -9557,7 +9902,7 @@
     </p:spTree>
     <p:extLst>
       <p:ext uri="{BB962C8B-B14F-4D97-AF65-F5344CB8AC3E}">
-        <p14:creationId xmlns:p14="http://schemas.microsoft.com/office/powerpoint/2010/main" val="955387538"/>
+        <p14:creationId xmlns:p14="http://schemas.microsoft.com/office/powerpoint/2010/main" val="4031739153"/>
       </p:ext>
     </p:extLst>
   </p:cSld>
@@ -9584,59 +9929,12 @@
           <a:chExt cx="0" cy="0"/>
         </a:xfrm>
       </p:grpSpPr>
-      <p:pic>
-        <p:nvPicPr>
-          <p:cNvPr id="4" name="Picture 2" descr="Securing Azure services to virtual networks">
-            <a:extLst>
-              <a:ext uri="{FF2B5EF4-FFF2-40B4-BE49-F238E27FC236}">
-                <a16:creationId xmlns:a16="http://schemas.microsoft.com/office/drawing/2014/main" id="{AB146F59-0695-53F3-C4AD-8DE48228AF88}"/>
-              </a:ext>
-            </a:extLst>
-          </p:cNvPr>
-          <p:cNvPicPr>
-            <a:picLocks noChangeAspect="1" noChangeArrowheads="1"/>
-          </p:cNvPicPr>
-          <p:nvPr/>
-        </p:nvPicPr>
-        <p:blipFill>
-          <a:blip r:embed="rId3">
-            <a:extLst>
-              <a:ext uri="{28A0092B-C50C-407E-A947-70E740481C1C}">
-                <a14:useLocalDpi xmlns:a14="http://schemas.microsoft.com/office/drawing/2010/main" val="0"/>
-              </a:ext>
-            </a:extLst>
-          </a:blip>
-          <a:srcRect/>
-          <a:stretch>
-            <a:fillRect/>
-          </a:stretch>
-        </p:blipFill>
-        <p:spPr bwMode="auto">
-          <a:xfrm>
-            <a:off x="3288349" y="533400"/>
-            <a:ext cx="7108544" cy="6195060"/>
-          </a:xfrm>
-          <a:prstGeom prst="rect">
-            <a:avLst/>
-          </a:prstGeom>
-          <a:noFill/>
-          <a:extLst>
-            <a:ext uri="{909E8E84-426E-40DD-AFC4-6F175D3DCCD1}">
-              <a14:hiddenFill xmlns:a14="http://schemas.microsoft.com/office/drawing/2010/main">
-                <a:solidFill>
-                  <a:srgbClr val="FFFFFF"/>
-                </a:solidFill>
-              </a14:hiddenFill>
-            </a:ext>
-          </a:extLst>
-        </p:spPr>
-      </p:pic>
-      <p:sp>
-        <p:nvSpPr>
-          <p:cNvPr id="5" name="Title 1">
-            <a:extLst>
-              <a:ext uri="{FF2B5EF4-FFF2-40B4-BE49-F238E27FC236}">
-                <a16:creationId xmlns:a16="http://schemas.microsoft.com/office/drawing/2014/main" id="{C51A7366-51C3-8C43-C340-3B7D95B20F67}"/>
+      <p:sp>
+        <p:nvSpPr>
+          <p:cNvPr id="4" name="Title 1">
+            <a:extLst>
+              <a:ext uri="{FF2B5EF4-FFF2-40B4-BE49-F238E27FC236}">
+                <a16:creationId xmlns:a16="http://schemas.microsoft.com/office/drawing/2014/main" id="{DC4BA8F7-A539-7498-3953-E9FD37264E38}"/>
               </a:ext>
             </a:extLst>
           </p:cNvPr>
@@ -9659,22 +9957,53 @@
           <a:p>
             <a:r>
               <a:rPr lang="nb-NO" dirty="0"/>
-              <a:t>Service </a:t>
-            </a:r>
-            <a:r>
-              <a:rPr lang="nb-NO" dirty="0" err="1"/>
-              <a:t>endpoints</a:t>
-            </a:r>
-            <a:endParaRPr lang="nb-NO" dirty="0"/>
+              <a:t>Network Security Group – examples</a:t>
+            </a:r>
+          </a:p>
+        </p:txBody>
+      </p:sp>
+      <p:sp>
+        <p:nvSpPr>
+          <p:cNvPr id="7" name="TextBox 6">
+            <a:extLst>
+              <a:ext uri="{FF2B5EF4-FFF2-40B4-BE49-F238E27FC236}">
+                <a16:creationId xmlns:a16="http://schemas.microsoft.com/office/drawing/2014/main" id="{14109DBA-6AEF-AEDF-4950-FEBF15CB159A}"/>
+              </a:ext>
+            </a:extLst>
+          </p:cNvPr>
+          <p:cNvSpPr txBox="1"/>
+          <p:nvPr/>
+        </p:nvSpPr>
+        <p:spPr>
+          <a:xfrm>
+            <a:off x="525780" y="2004060"/>
+            <a:ext cx="986167" cy="369332"/>
+          </a:xfrm>
+          <a:prstGeom prst="rect">
+            <a:avLst/>
+          </a:prstGeom>
+          <a:noFill/>
+        </p:spPr>
+        <p:txBody>
+          <a:bodyPr wrap="none" rtlCol="0">
+            <a:spAutoFit/>
+          </a:bodyPr>
+          <a:lstStyle/>
+          <a:p>
+            <a:r>
+              <a:rPr lang="nb-NO" b="1" u="sng" dirty="0" err="1"/>
+              <a:t>Inbound</a:t>
+            </a:r>
+            <a:endParaRPr lang="nb-NO" b="1" u="sng" dirty="0"/>
           </a:p>
         </p:txBody>
       </p:sp>
       <p:pic>
         <p:nvPicPr>
-          <p:cNvPr id="6" name="Google Shape;56;p13">
-            <a:extLst>
-              <a:ext uri="{FF2B5EF4-FFF2-40B4-BE49-F238E27FC236}">
-                <a16:creationId xmlns:a16="http://schemas.microsoft.com/office/drawing/2014/main" id="{437B9BAE-D32A-96BF-5C68-FF453D37D47C}"/>
+          <p:cNvPr id="9" name="Google Shape;56;p13">
+            <a:extLst>
+              <a:ext uri="{FF2B5EF4-FFF2-40B4-BE49-F238E27FC236}">
+                <a16:creationId xmlns:a16="http://schemas.microsoft.com/office/drawing/2014/main" id="{CFEC41A2-C7F4-D6B4-9EEA-569C3F602F72}"/>
               </a:ext>
             </a:extLst>
           </p:cNvPr>
@@ -9682,7 +10011,7 @@
           <p:nvPr/>
         </p:nvPicPr>
         <p:blipFill>
-          <a:blip r:embed="rId4">
+          <a:blip r:embed="rId2">
             <a:alphaModFix/>
           </a:blip>
           <a:stretch>
@@ -9705,10 +10034,10 @@
       </p:pic>
       <p:pic>
         <p:nvPicPr>
-          <p:cNvPr id="7" name="Graphic 4">
-            <a:extLst>
-              <a:ext uri="{FF2B5EF4-FFF2-40B4-BE49-F238E27FC236}">
-                <a16:creationId xmlns:a16="http://schemas.microsoft.com/office/drawing/2014/main" id="{2552AB2E-1599-341C-868D-9D1E8EF4AA95}"/>
+          <p:cNvPr id="10" name="Graphic 4">
+            <a:extLst>
+              <a:ext uri="{FF2B5EF4-FFF2-40B4-BE49-F238E27FC236}">
+                <a16:creationId xmlns:a16="http://schemas.microsoft.com/office/drawing/2014/main" id="{6DBF065E-DDC2-DA2B-B27A-C4618ED555F5}"/>
               </a:ext>
             </a:extLst>
           </p:cNvPr>
@@ -9718,13 +10047,13 @@
           <p:nvPr/>
         </p:nvPicPr>
         <p:blipFill>
-          <a:blip r:embed="rId5">
+          <a:blip r:embed="rId3">
             <a:extLst>
               <a:ext uri="{28A0092B-C50C-407E-A947-70E740481C1C}">
                 <a14:useLocalDpi xmlns:a14="http://schemas.microsoft.com/office/drawing/2010/main" val="0"/>
               </a:ext>
               <a:ext uri="{96DAC541-7B7A-43D3-8B79-37D633B846F1}">
-                <asvg:svgBlip xmlns:asvg="http://schemas.microsoft.com/office/drawing/2016/SVG/main" r:embed="rId6"/>
+                <asvg:svgBlip xmlns:asvg="http://schemas.microsoft.com/office/drawing/2016/SVG/main" r:embed="rId4"/>
               </a:ext>
             </a:extLst>
           </a:blip>
@@ -9742,10 +10071,40 @@
           </a:prstGeom>
         </p:spPr>
       </p:pic>
+      <p:pic>
+        <p:nvPicPr>
+          <p:cNvPr id="3" name="Picture 2">
+            <a:extLst>
+              <a:ext uri="{FF2B5EF4-FFF2-40B4-BE49-F238E27FC236}">
+                <a16:creationId xmlns:a16="http://schemas.microsoft.com/office/drawing/2014/main" id="{220D2255-C367-54F2-5560-5E2F22F92AC3}"/>
+              </a:ext>
+            </a:extLst>
+          </p:cNvPr>
+          <p:cNvPicPr>
+            <a:picLocks noChangeAspect="1"/>
+          </p:cNvPicPr>
+          <p:nvPr/>
+        </p:nvPicPr>
+        <p:blipFill>
+          <a:blip r:embed="rId5"/>
+          <a:stretch>
+            <a:fillRect/>
+          </a:stretch>
+        </p:blipFill>
+        <p:spPr>
+          <a:xfrm>
+            <a:off x="525780" y="2885320"/>
+            <a:ext cx="10238095" cy="2723809"/>
+          </a:xfrm>
+          <a:prstGeom prst="rect">
+            <a:avLst/>
+          </a:prstGeom>
+        </p:spPr>
+      </p:pic>
     </p:spTree>
     <p:extLst>
       <p:ext uri="{BB962C8B-B14F-4D97-AF65-F5344CB8AC3E}">
-        <p14:creationId xmlns:p14="http://schemas.microsoft.com/office/powerpoint/2010/main" val="2215336523"/>
+        <p14:creationId xmlns:p14="http://schemas.microsoft.com/office/powerpoint/2010/main" val="385791743"/>
       </p:ext>
     </p:extLst>
   </p:cSld>
@@ -9774,82 +10133,10 @@
       </p:grpSpPr>
       <p:pic>
         <p:nvPicPr>
-          <p:cNvPr id="6" name="Google Shape;56;p13">
-            <a:extLst>
-              <a:ext uri="{FF2B5EF4-FFF2-40B4-BE49-F238E27FC236}">
-                <a16:creationId xmlns:a16="http://schemas.microsoft.com/office/drawing/2014/main" id="{64AE39D8-E574-A44B-39FB-3357EFB87CD3}"/>
-              </a:ext>
-            </a:extLst>
-          </p:cNvPr>
-          <p:cNvPicPr preferRelativeResize="0"/>
-          <p:nvPr/>
-        </p:nvPicPr>
-        <p:blipFill>
-          <a:blip r:embed="rId3">
-            <a:alphaModFix/>
-          </a:blip>
-          <a:stretch>
-            <a:fillRect/>
-          </a:stretch>
-        </p:blipFill>
-        <p:spPr>
-          <a:xfrm>
-            <a:off x="10989179" y="5736492"/>
-            <a:ext cx="1202821" cy="1121508"/>
-          </a:xfrm>
-          <a:prstGeom prst="rect">
-            <a:avLst/>
-          </a:prstGeom>
-          <a:noFill/>
-          <a:ln>
-            <a:noFill/>
-          </a:ln>
-        </p:spPr>
-      </p:pic>
-      <p:sp>
-        <p:nvSpPr>
-          <p:cNvPr id="4" name="Title 1">
-            <a:extLst>
-              <a:ext uri="{FF2B5EF4-FFF2-40B4-BE49-F238E27FC236}">
-                <a16:creationId xmlns:a16="http://schemas.microsoft.com/office/drawing/2014/main" id="{B5EF3408-3A5E-95CF-24BC-930418F15B35}"/>
-              </a:ext>
-            </a:extLst>
-          </p:cNvPr>
-          <p:cNvSpPr>
-            <a:spLocks noGrp="1"/>
-          </p:cNvSpPr>
-          <p:nvPr>
-            <p:ph type="title"/>
-          </p:nvPr>
-        </p:nvSpPr>
-        <p:spPr>
-          <a:xfrm>
-            <a:off x="838200" y="365125"/>
-            <a:ext cx="10515600" cy="1325563"/>
-          </a:xfrm>
-        </p:spPr>
-        <p:txBody>
-          <a:bodyPr/>
-          <a:lstStyle/>
-          <a:p>
-            <a:r>
-              <a:rPr lang="nb-NO" dirty="0"/>
-              <a:t>Service </a:t>
-            </a:r>
-            <a:r>
-              <a:rPr lang="nb-NO" dirty="0" err="1"/>
-              <a:t>endpoints</a:t>
-            </a:r>
-            <a:endParaRPr lang="nb-NO" dirty="0"/>
-          </a:p>
-        </p:txBody>
-      </p:sp>
-      <p:pic>
-        <p:nvPicPr>
-          <p:cNvPr id="5" name="Picture 2" descr="Service Endpoints">
-            <a:extLst>
-              <a:ext uri="{FF2B5EF4-FFF2-40B4-BE49-F238E27FC236}">
-                <a16:creationId xmlns:a16="http://schemas.microsoft.com/office/drawing/2014/main" id="{187CF094-8894-BD97-CF11-CDA4AEBC66BF}"/>
+          <p:cNvPr id="4" name="Picture 2" descr="Securing Azure services to virtual networks">
+            <a:extLst>
+              <a:ext uri="{FF2B5EF4-FFF2-40B4-BE49-F238E27FC236}">
+                <a16:creationId xmlns:a16="http://schemas.microsoft.com/office/drawing/2014/main" id="{AB146F59-0695-53F3-C4AD-8DE48228AF88}"/>
               </a:ext>
             </a:extLst>
           </p:cNvPr>
@@ -9859,7 +10146,7 @@
           <p:nvPr/>
         </p:nvPicPr>
         <p:blipFill>
-          <a:blip r:embed="rId4">
+          <a:blip r:embed="rId3">
             <a:extLst>
               <a:ext uri="{28A0092B-C50C-407E-A947-70E740481C1C}">
                 <a14:useLocalDpi xmlns:a14="http://schemas.microsoft.com/office/drawing/2010/main" val="0"/>
@@ -9873,8 +10160,8 @@
         </p:blipFill>
         <p:spPr bwMode="auto">
           <a:xfrm>
-            <a:off x="1120140" y="1270440"/>
-            <a:ext cx="9951720" cy="4886320"/>
+            <a:off x="3288349" y="533400"/>
+            <a:ext cx="7108544" cy="6195060"/>
           </a:xfrm>
           <a:prstGeom prst="rect">
             <a:avLst/>
@@ -9891,12 +10178,84 @@
           </a:extLst>
         </p:spPr>
       </p:pic>
+      <p:sp>
+        <p:nvSpPr>
+          <p:cNvPr id="5" name="Title 1">
+            <a:extLst>
+              <a:ext uri="{FF2B5EF4-FFF2-40B4-BE49-F238E27FC236}">
+                <a16:creationId xmlns:a16="http://schemas.microsoft.com/office/drawing/2014/main" id="{C51A7366-51C3-8C43-C340-3B7D95B20F67}"/>
+              </a:ext>
+            </a:extLst>
+          </p:cNvPr>
+          <p:cNvSpPr>
+            <a:spLocks noGrp="1"/>
+          </p:cNvSpPr>
+          <p:nvPr>
+            <p:ph type="title"/>
+          </p:nvPr>
+        </p:nvSpPr>
+        <p:spPr>
+          <a:xfrm>
+            <a:off x="838200" y="365125"/>
+            <a:ext cx="10515600" cy="1325563"/>
+          </a:xfrm>
+        </p:spPr>
+        <p:txBody>
+          <a:bodyPr/>
+          <a:lstStyle/>
+          <a:p>
+            <a:r>
+              <a:rPr lang="nb-NO" dirty="0"/>
+              <a:t>Service </a:t>
+            </a:r>
+            <a:r>
+              <a:rPr lang="nb-NO" dirty="0" err="1"/>
+              <a:t>endpoints</a:t>
+            </a:r>
+            <a:endParaRPr lang="nb-NO" dirty="0"/>
+          </a:p>
+        </p:txBody>
+      </p:sp>
+      <p:pic>
+        <p:nvPicPr>
+          <p:cNvPr id="6" name="Google Shape;56;p13">
+            <a:extLst>
+              <a:ext uri="{FF2B5EF4-FFF2-40B4-BE49-F238E27FC236}">
+                <a16:creationId xmlns:a16="http://schemas.microsoft.com/office/drawing/2014/main" id="{437B9BAE-D32A-96BF-5C68-FF453D37D47C}"/>
+              </a:ext>
+            </a:extLst>
+          </p:cNvPr>
+          <p:cNvPicPr preferRelativeResize="0"/>
+          <p:nvPr/>
+        </p:nvPicPr>
+        <p:blipFill>
+          <a:blip r:embed="rId4">
+            <a:alphaModFix/>
+          </a:blip>
+          <a:stretch>
+            <a:fillRect/>
+          </a:stretch>
+        </p:blipFill>
+        <p:spPr>
+          <a:xfrm>
+            <a:off x="10989179" y="5736492"/>
+            <a:ext cx="1202821" cy="1121508"/>
+          </a:xfrm>
+          <a:prstGeom prst="rect">
+            <a:avLst/>
+          </a:prstGeom>
+          <a:noFill/>
+          <a:ln>
+            <a:noFill/>
+          </a:ln>
+        </p:spPr>
+      </p:pic>
       <p:pic>
         <p:nvPicPr>
           <p:cNvPr id="7" name="Graphic 4">
             <a:extLst>
               <a:ext uri="{FF2B5EF4-FFF2-40B4-BE49-F238E27FC236}">
-                <a16:creationId xmlns:a16="http://schemas.microsoft.com/office/drawing/2014/main" id="{659C9C74-55F9-F296-1192-2C5799B8C0D0}"/>
+                <a16:creationId xmlns:a16="http://schemas.microsoft.com/office/drawing/2014/main" id="{2552AB2E-1599-341C-868D-9D1E8EF4AA95}"/>
               </a:ext>
             </a:extLst>
           </p:cNvPr>
@@ -9933,7 +10292,7 @@
     </p:spTree>
     <p:extLst>
       <p:ext uri="{BB962C8B-B14F-4D97-AF65-F5344CB8AC3E}">
-        <p14:creationId xmlns:p14="http://schemas.microsoft.com/office/powerpoint/2010/main" val="2436997806"/>
+        <p14:creationId xmlns:p14="http://schemas.microsoft.com/office/powerpoint/2010/main" val="2215336523"/>
       </p:ext>
     </p:extLst>
   </p:cSld>
@@ -9960,12 +10319,46 @@
           <a:chExt cx="0" cy="0"/>
         </a:xfrm>
       </p:grpSpPr>
-      <p:sp>
-        <p:nvSpPr>
-          <p:cNvPr id="2" name="Title 1">
-            <a:extLst>
-              <a:ext uri="{FF2B5EF4-FFF2-40B4-BE49-F238E27FC236}">
-                <a16:creationId xmlns:a16="http://schemas.microsoft.com/office/drawing/2014/main" id="{CE06C0FD-17AD-5A86-D7E4-9F8B19EDB8BE}"/>
+      <p:pic>
+        <p:nvPicPr>
+          <p:cNvPr id="6" name="Google Shape;56;p13">
+            <a:extLst>
+              <a:ext uri="{FF2B5EF4-FFF2-40B4-BE49-F238E27FC236}">
+                <a16:creationId xmlns:a16="http://schemas.microsoft.com/office/drawing/2014/main" id="{64AE39D8-E574-A44B-39FB-3357EFB87CD3}"/>
+              </a:ext>
+            </a:extLst>
+          </p:cNvPr>
+          <p:cNvPicPr preferRelativeResize="0"/>
+          <p:nvPr/>
+        </p:nvPicPr>
+        <p:blipFill>
+          <a:blip r:embed="rId3">
+            <a:alphaModFix/>
+          </a:blip>
+          <a:stretch>
+            <a:fillRect/>
+          </a:stretch>
+        </p:blipFill>
+        <p:spPr>
+          <a:xfrm>
+            <a:off x="10989179" y="5736492"/>
+            <a:ext cx="1202821" cy="1121508"/>
+          </a:xfrm>
+          <a:prstGeom prst="rect">
+            <a:avLst/>
+          </a:prstGeom>
+          <a:noFill/>
+          <a:ln>
+            <a:noFill/>
+          </a:ln>
+        </p:spPr>
+      </p:pic>
+      <p:sp>
+        <p:nvSpPr>
+          <p:cNvPr id="4" name="Title 1">
+            <a:extLst>
+              <a:ext uri="{FF2B5EF4-FFF2-40B4-BE49-F238E27FC236}">
+                <a16:creationId xmlns:a16="http://schemas.microsoft.com/office/drawing/2014/main" id="{B5EF3408-3A5E-95CF-24BC-930418F15B35}"/>
               </a:ext>
             </a:extLst>
           </p:cNvPr>
@@ -9976,118 +10369,81 @@
             <p:ph type="title"/>
           </p:nvPr>
         </p:nvSpPr>
-        <p:spPr/>
+        <p:spPr>
+          <a:xfrm>
+            <a:off x="838200" y="365125"/>
+            <a:ext cx="10515600" cy="1325563"/>
+          </a:xfrm>
+        </p:spPr>
         <p:txBody>
           <a:bodyPr/>
           <a:lstStyle/>
           <a:p>
             <a:r>
               <a:rPr lang="nb-NO" dirty="0"/>
-              <a:t>Private Endpoints and Private links</a:t>
-            </a:r>
-            <a:endParaRPr lang="en-US" dirty="0"/>
-          </a:p>
-        </p:txBody>
-      </p:sp>
-      <p:sp>
-        <p:nvSpPr>
-          <p:cNvPr id="3" name="Text Placeholder 2">
-            <a:extLst>
-              <a:ext uri="{FF2B5EF4-FFF2-40B4-BE49-F238E27FC236}">
-                <a16:creationId xmlns:a16="http://schemas.microsoft.com/office/drawing/2014/main" id="{F3573E1E-0EF5-AAA2-CA6A-EA2A0E5671A1}"/>
-              </a:ext>
-            </a:extLst>
-          </p:cNvPr>
-          <p:cNvSpPr>
-            <a:spLocks noGrp="1"/>
-          </p:cNvSpPr>
-          <p:nvPr>
-            <p:ph type="body" idx="1"/>
-          </p:nvPr>
-        </p:nvSpPr>
-        <p:spPr>
-          <a:xfrm>
-            <a:off x="415600" y="1536633"/>
-            <a:ext cx="9816971" cy="4555200"/>
-          </a:xfrm>
-        </p:spPr>
-        <p:txBody>
-          <a:bodyPr/>
-          <a:lstStyle/>
-          <a:p>
-            <a:r>
-              <a:rPr lang="en-US" dirty="0"/>
-              <a:t>Privately access services on the Azure platform</a:t>
-            </a:r>
-          </a:p>
-          <a:p>
-            <a:r>
-              <a:rPr lang="en-US" dirty="0"/>
-              <a:t>On-premises and peered networks</a:t>
-            </a:r>
-          </a:p>
-          <a:p>
-            <a:r>
-              <a:rPr lang="en-US" dirty="0"/>
-              <a:t>Protection against data leakage</a:t>
-            </a:r>
-          </a:p>
-          <a:p>
-            <a:r>
-              <a:rPr lang="en-US" dirty="0"/>
-              <a:t>Extend to your own services</a:t>
-            </a:r>
-          </a:p>
-          <a:p>
-            <a:endParaRPr lang="en-US" dirty="0"/>
+              <a:t>Service </a:t>
+            </a:r>
+            <a:r>
+              <a:rPr lang="nb-NO" dirty="0" err="1"/>
+              <a:t>endpoints</a:t>
+            </a:r>
+            <a:endParaRPr lang="nb-NO" dirty="0"/>
           </a:p>
         </p:txBody>
       </p:sp>
       <p:pic>
         <p:nvPicPr>
-          <p:cNvPr id="5" name="Graphic 4">
-            <a:extLst>
-              <a:ext uri="{FF2B5EF4-FFF2-40B4-BE49-F238E27FC236}">
-                <a16:creationId xmlns:a16="http://schemas.microsoft.com/office/drawing/2014/main" id="{0EA27CB8-8340-5A1C-F770-C3908B90DB3E}"/>
+          <p:cNvPr id="5" name="Picture 2" descr="Service Endpoints">
+            <a:extLst>
+              <a:ext uri="{FF2B5EF4-FFF2-40B4-BE49-F238E27FC236}">
+                <a16:creationId xmlns:a16="http://schemas.microsoft.com/office/drawing/2014/main" id="{187CF094-8894-BD97-CF11-CDA4AEBC66BF}"/>
               </a:ext>
             </a:extLst>
           </p:cNvPr>
           <p:cNvPicPr>
-            <a:picLocks noChangeAspect="1"/>
+            <a:picLocks noChangeAspect="1" noChangeArrowheads="1"/>
           </p:cNvPicPr>
           <p:nvPr/>
         </p:nvPicPr>
         <p:blipFill>
-          <a:blip r:embed="rId3">
+          <a:blip r:embed="rId4">
             <a:extLst>
               <a:ext uri="{28A0092B-C50C-407E-A947-70E740481C1C}">
                 <a14:useLocalDpi xmlns:a14="http://schemas.microsoft.com/office/drawing/2010/main" val="0"/>
               </a:ext>
-              <a:ext uri="{96DAC541-7B7A-43D3-8B79-37D633B846F1}">
-                <asvg:svgBlip xmlns:asvg="http://schemas.microsoft.com/office/drawing/2016/SVG/main" r:embed="rId4"/>
-              </a:ext>
             </a:extLst>
           </a:blip>
+          <a:srcRect/>
           <a:stretch>
             <a:fillRect/>
           </a:stretch>
         </p:blipFill>
-        <p:spPr>
-          <a:xfrm>
-            <a:off x="375137" y="6121057"/>
-            <a:ext cx="1718444" cy="574556"/>
+        <p:spPr bwMode="auto">
+          <a:xfrm>
+            <a:off x="1120140" y="1270440"/>
+            <a:ext cx="9951720" cy="4886320"/>
           </a:xfrm>
           <a:prstGeom prst="rect">
             <a:avLst/>
           </a:prstGeom>
+          <a:noFill/>
+          <a:extLst>
+            <a:ext uri="{909E8E84-426E-40DD-AFC4-6F175D3DCCD1}">
+              <a14:hiddenFill xmlns:a14="http://schemas.microsoft.com/office/drawing/2010/main">
+                <a:solidFill>
+                  <a:srgbClr val="FFFFFF"/>
+                </a:solidFill>
+              </a14:hiddenFill>
+            </a:ext>
+          </a:extLst>
         </p:spPr>
       </p:pic>
       <p:pic>
         <p:nvPicPr>
-          <p:cNvPr id="7" name="Graphic 6">
-            <a:extLst>
-              <a:ext uri="{FF2B5EF4-FFF2-40B4-BE49-F238E27FC236}">
-                <a16:creationId xmlns:a16="http://schemas.microsoft.com/office/drawing/2014/main" id="{A6F93A32-B015-AFD9-3272-41FB676F2CF3}"/>
+          <p:cNvPr id="7" name="Graphic 4">
+            <a:extLst>
+              <a:ext uri="{FF2B5EF4-FFF2-40B4-BE49-F238E27FC236}">
+                <a16:creationId xmlns:a16="http://schemas.microsoft.com/office/drawing/2014/main" id="{659C9C74-55F9-F296-1192-2C5799B8C0D0}"/>
               </a:ext>
             </a:extLst>
           </p:cNvPr>
@@ -10113,77 +10469,8 @@
         </p:blipFill>
         <p:spPr>
           <a:xfrm>
-            <a:off x="10749914" y="689655"/>
-            <a:ext cx="504825" cy="504825"/>
-          </a:xfrm>
-          <a:prstGeom prst="rect">
-            <a:avLst/>
-          </a:prstGeom>
-        </p:spPr>
-      </p:pic>
-      <p:pic>
-        <p:nvPicPr>
-          <p:cNvPr id="8" name="Graphic 7">
-            <a:extLst>
-              <a:ext uri="{FF2B5EF4-FFF2-40B4-BE49-F238E27FC236}">
-                <a16:creationId xmlns:a16="http://schemas.microsoft.com/office/drawing/2014/main" id="{EB2288CB-7369-C8D3-ECA2-E1BDC79D55B2}"/>
-              </a:ext>
-            </a:extLst>
-          </p:cNvPr>
-          <p:cNvPicPr>
-            <a:picLocks noChangeAspect="1"/>
-          </p:cNvPicPr>
-          <p:nvPr/>
-        </p:nvPicPr>
-        <p:blipFill>
-          <a:blip r:embed="rId7">
-            <a:extLst>
-              <a:ext uri="{28A0092B-C50C-407E-A947-70E740481C1C}">
-                <a14:useLocalDpi xmlns:a14="http://schemas.microsoft.com/office/drawing/2010/main" val="0"/>
-              </a:ext>
-              <a:ext uri="{96DAC541-7B7A-43D3-8B79-37D633B846F1}">
-                <asvg:svgBlip xmlns:asvg="http://schemas.microsoft.com/office/drawing/2016/SVG/main" r:embed="rId8"/>
-              </a:ext>
-            </a:extLst>
-          </a:blip>
-          <a:stretch>
-            <a:fillRect/>
-          </a:stretch>
-        </p:blipFill>
-        <p:spPr>
-          <a:xfrm>
-            <a:off x="9896474" y="682035"/>
-            <a:ext cx="512445" cy="512445"/>
-          </a:xfrm>
-          <a:prstGeom prst="rect">
-            <a:avLst/>
-          </a:prstGeom>
-        </p:spPr>
-      </p:pic>
-      <p:pic>
-        <p:nvPicPr>
-          <p:cNvPr id="12" name="Picture 11">
-            <a:extLst>
-              <a:ext uri="{FF2B5EF4-FFF2-40B4-BE49-F238E27FC236}">
-                <a16:creationId xmlns:a16="http://schemas.microsoft.com/office/drawing/2014/main" id="{5440BA41-7AD3-536D-DFC2-8162EF583A16}"/>
-              </a:ext>
-            </a:extLst>
-          </p:cNvPr>
-          <p:cNvPicPr>
-            <a:picLocks noChangeAspect="1"/>
-          </p:cNvPicPr>
-          <p:nvPr/>
-        </p:nvPicPr>
-        <p:blipFill>
-          <a:blip r:embed="rId9"/>
-          <a:stretch>
-            <a:fillRect/>
-          </a:stretch>
-        </p:blipFill>
-        <p:spPr>
-          <a:xfrm>
-            <a:off x="3204753" y="3123982"/>
-            <a:ext cx="8831383" cy="3734017"/>
+            <a:off x="375137" y="6121057"/>
+            <a:ext cx="1718444" cy="574556"/>
           </a:xfrm>
           <a:prstGeom prst="rect">
             <a:avLst/>
@@ -10193,7 +10480,7 @@
     </p:spTree>
     <p:extLst>
       <p:ext uri="{BB962C8B-B14F-4D97-AF65-F5344CB8AC3E}">
-        <p14:creationId xmlns:p14="http://schemas.microsoft.com/office/powerpoint/2010/main" val="2657661432"/>
+        <p14:creationId xmlns:p14="http://schemas.microsoft.com/office/powerpoint/2010/main" val="2436997806"/>
       </p:ext>
     </p:extLst>
   </p:cSld>
@@ -10222,10 +10509,10 @@
       </p:grpSpPr>
       <p:sp>
         <p:nvSpPr>
-          <p:cNvPr id="4" name="Title 1">
-            <a:extLst>
-              <a:ext uri="{FF2B5EF4-FFF2-40B4-BE49-F238E27FC236}">
-                <a16:creationId xmlns:a16="http://schemas.microsoft.com/office/drawing/2014/main" id="{43D70B8D-F4A3-86FA-9A6F-58153D20A1E2}"/>
+          <p:cNvPr id="2" name="Title 1">
+            <a:extLst>
+              <a:ext uri="{FF2B5EF4-FFF2-40B4-BE49-F238E27FC236}">
+                <a16:creationId xmlns:a16="http://schemas.microsoft.com/office/drawing/2014/main" id="{CE06C0FD-17AD-5A86-D7E4-9F8B19EDB8BE}"/>
               </a:ext>
             </a:extLst>
           </p:cNvPr>
@@ -10236,12 +10523,7 @@
             <p:ph type="title"/>
           </p:nvPr>
         </p:nvSpPr>
-        <p:spPr>
-          <a:xfrm>
-            <a:off x="829491" y="365125"/>
-            <a:ext cx="10515600" cy="1325563"/>
-          </a:xfrm>
-        </p:spPr>
+        <p:spPr/>
         <p:txBody>
           <a:bodyPr/>
           <a:lstStyle/>
@@ -10250,15 +10532,70 @@
               <a:rPr lang="nb-NO" dirty="0"/>
               <a:t>Private Endpoints and Private links</a:t>
             </a:r>
+            <a:endParaRPr lang="en-US" dirty="0"/>
+          </a:p>
+        </p:txBody>
+      </p:sp>
+      <p:sp>
+        <p:nvSpPr>
+          <p:cNvPr id="3" name="Text Placeholder 2">
+            <a:extLst>
+              <a:ext uri="{FF2B5EF4-FFF2-40B4-BE49-F238E27FC236}">
+                <a16:creationId xmlns:a16="http://schemas.microsoft.com/office/drawing/2014/main" id="{F3573E1E-0EF5-AAA2-CA6A-EA2A0E5671A1}"/>
+              </a:ext>
+            </a:extLst>
+          </p:cNvPr>
+          <p:cNvSpPr>
+            <a:spLocks noGrp="1"/>
+          </p:cNvSpPr>
+          <p:nvPr>
+            <p:ph type="body" idx="1"/>
+          </p:nvPr>
+        </p:nvSpPr>
+        <p:spPr>
+          <a:xfrm>
+            <a:off x="415600" y="1536633"/>
+            <a:ext cx="9816971" cy="4555200"/>
+          </a:xfrm>
+        </p:spPr>
+        <p:txBody>
+          <a:bodyPr/>
+          <a:lstStyle/>
+          <a:p>
+            <a:r>
+              <a:rPr lang="en-US" dirty="0"/>
+              <a:t>Privately access services on the Azure platform</a:t>
+            </a:r>
+          </a:p>
+          <a:p>
+            <a:r>
+              <a:rPr lang="en-US" dirty="0"/>
+              <a:t>On-premises and peered networks</a:t>
+            </a:r>
+          </a:p>
+          <a:p>
+            <a:r>
+              <a:rPr lang="en-US" dirty="0"/>
+              <a:t>Protection against data leakage</a:t>
+            </a:r>
+          </a:p>
+          <a:p>
+            <a:r>
+              <a:rPr lang="en-US" dirty="0"/>
+              <a:t>Extend to your own services</a:t>
+            </a:r>
+          </a:p>
+          <a:p>
+            <a:endParaRPr lang="en-US" dirty="0"/>
           </a:p>
         </p:txBody>
       </p:sp>
       <p:pic>
         <p:nvPicPr>
-          <p:cNvPr id="6" name="Graphic 5">
-            <a:extLst>
-              <a:ext uri="{FF2B5EF4-FFF2-40B4-BE49-F238E27FC236}">
-                <a16:creationId xmlns:a16="http://schemas.microsoft.com/office/drawing/2014/main" id="{72E6C37A-4761-0879-FCC4-87FA90144CE9}"/>
+          <p:cNvPr id="5" name="Graphic 4">
+            <a:extLst>
+              <a:ext uri="{FF2B5EF4-FFF2-40B4-BE49-F238E27FC236}">
+                <a16:creationId xmlns:a16="http://schemas.microsoft.com/office/drawing/2014/main" id="{0EA27CB8-8340-5A1C-F770-C3908B90DB3E}"/>
               </a:ext>
             </a:extLst>
           </p:cNvPr>
@@ -10284,8 +10621,8 @@
         </p:blipFill>
         <p:spPr>
           <a:xfrm>
-            <a:off x="10741205" y="689655"/>
-            <a:ext cx="504825" cy="504825"/>
+            <a:off x="375137" y="6121057"/>
+            <a:ext cx="1718444" cy="574556"/>
           </a:xfrm>
           <a:prstGeom prst="rect">
             <a:avLst/>
@@ -10297,7 +10634,7 @@
           <p:cNvPr id="7" name="Graphic 6">
             <a:extLst>
               <a:ext uri="{FF2B5EF4-FFF2-40B4-BE49-F238E27FC236}">
-                <a16:creationId xmlns:a16="http://schemas.microsoft.com/office/drawing/2014/main" id="{3C9AEE6C-7595-3B30-2D91-B1F1E5006D83}"/>
+                <a16:creationId xmlns:a16="http://schemas.microsoft.com/office/drawing/2014/main" id="{A6F93A32-B015-AFD9-3272-41FB676F2CF3}"/>
               </a:ext>
             </a:extLst>
           </p:cNvPr>
@@ -10323,8 +10660,8 @@
         </p:blipFill>
         <p:spPr>
           <a:xfrm>
-            <a:off x="9887765" y="682035"/>
-            <a:ext cx="512445" cy="512445"/>
+            <a:off x="10749914" y="689655"/>
+            <a:ext cx="504825" cy="504825"/>
           </a:xfrm>
           <a:prstGeom prst="rect">
             <a:avLst/>
@@ -10333,19 +10670,28 @@
       </p:pic>
       <p:pic>
         <p:nvPicPr>
-          <p:cNvPr id="8" name="Google Shape;56;p13">
-            <a:extLst>
-              <a:ext uri="{FF2B5EF4-FFF2-40B4-BE49-F238E27FC236}">
-                <a16:creationId xmlns:a16="http://schemas.microsoft.com/office/drawing/2014/main" id="{A6456909-D685-4140-DFD9-7F11E5F1F19C}"/>
-              </a:ext>
-            </a:extLst>
-          </p:cNvPr>
-          <p:cNvPicPr preferRelativeResize="0"/>
+          <p:cNvPr id="8" name="Graphic 7">
+            <a:extLst>
+              <a:ext uri="{FF2B5EF4-FFF2-40B4-BE49-F238E27FC236}">
+                <a16:creationId xmlns:a16="http://schemas.microsoft.com/office/drawing/2014/main" id="{EB2288CB-7369-C8D3-ECA2-E1BDC79D55B2}"/>
+              </a:ext>
+            </a:extLst>
+          </p:cNvPr>
+          <p:cNvPicPr>
+            <a:picLocks noChangeAspect="1"/>
+          </p:cNvPicPr>
           <p:nvPr/>
         </p:nvPicPr>
         <p:blipFill>
           <a:blip r:embed="rId7">
-            <a:alphaModFix/>
+            <a:extLst>
+              <a:ext uri="{28A0092B-C50C-407E-A947-70E740481C1C}">
+                <a14:useLocalDpi xmlns:a14="http://schemas.microsoft.com/office/drawing/2010/main" val="0"/>
+              </a:ext>
+              <a:ext uri="{96DAC541-7B7A-43D3-8B79-37D633B846F1}">
+                <asvg:svgBlip xmlns:asvg="http://schemas.microsoft.com/office/drawing/2016/SVG/main" r:embed="rId8"/>
+              </a:ext>
+            </a:extLst>
           </a:blip>
           <a:stretch>
             <a:fillRect/>
@@ -10353,24 +10699,20 @@
         </p:blipFill>
         <p:spPr>
           <a:xfrm>
-            <a:off x="10989179" y="5736492"/>
-            <a:ext cx="1202821" cy="1121508"/>
+            <a:off x="9896474" y="682035"/>
+            <a:ext cx="512445" cy="512445"/>
           </a:xfrm>
           <a:prstGeom prst="rect">
             <a:avLst/>
           </a:prstGeom>
-          <a:noFill/>
-          <a:ln>
-            <a:noFill/>
-          </a:ln>
         </p:spPr>
       </p:pic>
       <p:pic>
         <p:nvPicPr>
-          <p:cNvPr id="9" name="Graphic 4">
-            <a:extLst>
-              <a:ext uri="{FF2B5EF4-FFF2-40B4-BE49-F238E27FC236}">
-                <a16:creationId xmlns:a16="http://schemas.microsoft.com/office/drawing/2014/main" id="{CD948D9C-3987-BB03-C1B3-9E45EB45F861}"/>
+          <p:cNvPr id="12" name="Picture 11">
+            <a:extLst>
+              <a:ext uri="{FF2B5EF4-FFF2-40B4-BE49-F238E27FC236}">
+                <a16:creationId xmlns:a16="http://schemas.microsoft.com/office/drawing/2014/main" id="{5440BA41-7AD3-536D-DFC2-8162EF583A16}"/>
               </a:ext>
             </a:extLst>
           </p:cNvPr>
@@ -10380,81 +10722,25 @@
           <p:nvPr/>
         </p:nvPicPr>
         <p:blipFill>
-          <a:blip r:embed="rId8">
-            <a:extLst>
-              <a:ext uri="{28A0092B-C50C-407E-A947-70E740481C1C}">
-                <a14:useLocalDpi xmlns:a14="http://schemas.microsoft.com/office/drawing/2010/main" val="0"/>
-              </a:ext>
-              <a:ext uri="{96DAC541-7B7A-43D3-8B79-37D633B846F1}">
-                <asvg:svgBlip xmlns:asvg="http://schemas.microsoft.com/office/drawing/2016/SVG/main" r:embed="rId9"/>
-              </a:ext>
-            </a:extLst>
-          </a:blip>
+          <a:blip r:embed="rId9"/>
           <a:stretch>
             <a:fillRect/>
           </a:stretch>
         </p:blipFill>
         <p:spPr>
           <a:xfrm>
-            <a:off x="375137" y="6121057"/>
-            <a:ext cx="1718444" cy="574556"/>
+            <a:off x="3204753" y="3123982"/>
+            <a:ext cx="8831383" cy="3734017"/>
           </a:xfrm>
           <a:prstGeom prst="rect">
             <a:avLst/>
           </a:prstGeom>
-        </p:spPr>
-      </p:pic>
-      <p:pic>
-        <p:nvPicPr>
-          <p:cNvPr id="5" name="Picture 2" descr="Private Endpoints">
-            <a:extLst>
-              <a:ext uri="{FF2B5EF4-FFF2-40B4-BE49-F238E27FC236}">
-                <a16:creationId xmlns:a16="http://schemas.microsoft.com/office/drawing/2014/main" id="{BEC9D205-D857-592C-8D3D-A217147F8BA2}"/>
-              </a:ext>
-            </a:extLst>
-          </p:cNvPr>
-          <p:cNvPicPr>
-            <a:picLocks noChangeAspect="1" noChangeArrowheads="1"/>
-          </p:cNvPicPr>
-          <p:nvPr/>
-        </p:nvPicPr>
-        <p:blipFill>
-          <a:blip r:embed="rId10">
-            <a:extLst>
-              <a:ext uri="{28A0092B-C50C-407E-A947-70E740481C1C}">
-                <a14:useLocalDpi xmlns:a14="http://schemas.microsoft.com/office/drawing/2010/main" val="0"/>
-              </a:ext>
-            </a:extLst>
-          </a:blip>
-          <a:srcRect/>
-          <a:stretch>
-            <a:fillRect/>
-          </a:stretch>
-        </p:blipFill>
-        <p:spPr bwMode="auto">
-          <a:xfrm>
-            <a:off x="1210491" y="1449341"/>
-            <a:ext cx="9466218" cy="4647937"/>
-          </a:xfrm>
-          <a:prstGeom prst="rect">
-            <a:avLst/>
-          </a:prstGeom>
-          <a:noFill/>
-          <a:extLst>
-            <a:ext uri="{909E8E84-426E-40DD-AFC4-6F175D3DCCD1}">
-              <a14:hiddenFill xmlns:a14="http://schemas.microsoft.com/office/drawing/2010/main">
-                <a:solidFill>
-                  <a:srgbClr val="FFFFFF"/>
-                </a:solidFill>
-              </a14:hiddenFill>
-            </a:ext>
-          </a:extLst>
         </p:spPr>
       </p:pic>
     </p:spTree>
     <p:extLst>
       <p:ext uri="{BB962C8B-B14F-4D97-AF65-F5344CB8AC3E}">
-        <p14:creationId xmlns:p14="http://schemas.microsoft.com/office/powerpoint/2010/main" val="1748496824"/>
+        <p14:creationId xmlns:p14="http://schemas.microsoft.com/office/powerpoint/2010/main" val="2657661432"/>
       </p:ext>
     </p:extLst>
   </p:cSld>
@@ -10581,17 +10867,13 @@
           <a:p>
             <a:r>
               <a:rPr lang="en-US" dirty="0"/>
-              <a:t>[  ] Azure Landing Zones 101</a:t>
-            </a:r>
-          </a:p>
-          <a:p>
-            <a:r>
-              <a:rPr lang="en-US"/>
-              <a:t>[  </a:t>
-            </a:r>
+              <a:t>[  ] Azure Landing Zones 101 (August)</a:t>
+            </a:r>
+          </a:p>
+          <a:p>
             <a:r>
               <a:rPr lang="en-US" dirty="0"/>
-              <a:t>] Security in AKS</a:t>
+              <a:t>[  ] Security in AKS</a:t>
             </a:r>
           </a:p>
           <a:p>
@@ -10720,10 +11002,10 @@
       </p:grpSpPr>
       <p:sp>
         <p:nvSpPr>
-          <p:cNvPr id="2" name="Title 1">
-            <a:extLst>
-              <a:ext uri="{FF2B5EF4-FFF2-40B4-BE49-F238E27FC236}">
-                <a16:creationId xmlns:a16="http://schemas.microsoft.com/office/drawing/2014/main" id="{41B425AF-0E78-4B16-15F9-E711B76B28EF}"/>
+          <p:cNvPr id="4" name="Title 1">
+            <a:extLst>
+              <a:ext uri="{FF2B5EF4-FFF2-40B4-BE49-F238E27FC236}">
+                <a16:creationId xmlns:a16="http://schemas.microsoft.com/office/drawing/2014/main" id="{43D70B8D-F4A3-86FA-9A6F-58153D20A1E2}"/>
               </a:ext>
             </a:extLst>
           </p:cNvPr>
@@ -10734,24 +11016,29 @@
             <p:ph type="title"/>
           </p:nvPr>
         </p:nvSpPr>
-        <p:spPr/>
+        <p:spPr>
+          <a:xfrm>
+            <a:off x="829491" y="365125"/>
+            <a:ext cx="10515600" cy="1325563"/>
+          </a:xfrm>
+        </p:spPr>
         <p:txBody>
           <a:bodyPr/>
           <a:lstStyle/>
           <a:p>
             <a:r>
-              <a:rPr lang="en-US" dirty="0"/>
-              <a:t>Private connectivity to your own service</a:t>
+              <a:rPr lang="nb-NO" dirty="0"/>
+              <a:t>Private Endpoints and Private links</a:t>
             </a:r>
           </a:p>
         </p:txBody>
       </p:sp>
       <p:pic>
         <p:nvPicPr>
-          <p:cNvPr id="7" name="Picture 6">
-            <a:extLst>
-              <a:ext uri="{FF2B5EF4-FFF2-40B4-BE49-F238E27FC236}">
-                <a16:creationId xmlns:a16="http://schemas.microsoft.com/office/drawing/2014/main" id="{B1D682F2-5444-1467-5B34-3539E23636D1}"/>
+          <p:cNvPr id="6" name="Graphic 5">
+            <a:extLst>
+              <a:ext uri="{FF2B5EF4-FFF2-40B4-BE49-F238E27FC236}">
+                <a16:creationId xmlns:a16="http://schemas.microsoft.com/office/drawing/2014/main" id="{72E6C37A-4761-0879-FCC4-87FA90144CE9}"/>
               </a:ext>
             </a:extLst>
           </p:cNvPr>
@@ -10761,67 +11048,193 @@
           <p:nvPr/>
         </p:nvPicPr>
         <p:blipFill>
-          <a:blip r:embed="rId3"/>
+          <a:blip r:embed="rId3">
+            <a:extLst>
+              <a:ext uri="{28A0092B-C50C-407E-A947-70E740481C1C}">
+                <a14:useLocalDpi xmlns:a14="http://schemas.microsoft.com/office/drawing/2010/main" val="0"/>
+              </a:ext>
+              <a:ext uri="{96DAC541-7B7A-43D3-8B79-37D633B846F1}">
+                <asvg:svgBlip xmlns:asvg="http://schemas.microsoft.com/office/drawing/2016/SVG/main" r:embed="rId4"/>
+              </a:ext>
+            </a:extLst>
+          </a:blip>
           <a:stretch>
             <a:fillRect/>
           </a:stretch>
         </p:blipFill>
         <p:spPr>
           <a:xfrm>
-            <a:off x="871930" y="2154386"/>
-            <a:ext cx="10657143" cy="3838095"/>
+            <a:off x="10741205" y="689655"/>
+            <a:ext cx="504825" cy="504825"/>
           </a:xfrm>
           <a:prstGeom prst="rect">
             <a:avLst/>
           </a:prstGeom>
         </p:spPr>
       </p:pic>
-      <p:sp>
-        <p:nvSpPr>
-          <p:cNvPr id="9" name="TextBox 8">
-            <a:extLst>
-              <a:ext uri="{FF2B5EF4-FFF2-40B4-BE49-F238E27FC236}">
-                <a16:creationId xmlns:a16="http://schemas.microsoft.com/office/drawing/2014/main" id="{FC4B0CBB-CE0A-E448-22B2-3DD9A60443C6}"/>
-              </a:ext>
-            </a:extLst>
-          </p:cNvPr>
-          <p:cNvSpPr txBox="1"/>
+      <p:pic>
+        <p:nvPicPr>
+          <p:cNvPr id="7" name="Graphic 6">
+            <a:extLst>
+              <a:ext uri="{FF2B5EF4-FFF2-40B4-BE49-F238E27FC236}">
+                <a16:creationId xmlns:a16="http://schemas.microsoft.com/office/drawing/2014/main" id="{3C9AEE6C-7595-3B30-2D91-B1F1E5006D83}"/>
+              </a:ext>
+            </a:extLst>
+          </p:cNvPr>
+          <p:cNvPicPr>
+            <a:picLocks noChangeAspect="1"/>
+          </p:cNvPicPr>
           <p:nvPr/>
-        </p:nvSpPr>
+        </p:nvPicPr>
+        <p:blipFill>
+          <a:blip r:embed="rId5">
+            <a:extLst>
+              <a:ext uri="{28A0092B-C50C-407E-A947-70E740481C1C}">
+                <a14:useLocalDpi xmlns:a14="http://schemas.microsoft.com/office/drawing/2010/main" val="0"/>
+              </a:ext>
+              <a:ext uri="{96DAC541-7B7A-43D3-8B79-37D633B846F1}">
+                <asvg:svgBlip xmlns:asvg="http://schemas.microsoft.com/office/drawing/2016/SVG/main" r:embed="rId6"/>
+              </a:ext>
+            </a:extLst>
+          </a:blip>
+          <a:stretch>
+            <a:fillRect/>
+          </a:stretch>
+        </p:blipFill>
         <p:spPr>
           <a:xfrm>
-            <a:off x="1785257" y="6420568"/>
-            <a:ext cx="8621486" cy="369332"/>
+            <a:off x="9887765" y="682035"/>
+            <a:ext cx="512445" cy="512445"/>
+          </a:xfrm>
+          <a:prstGeom prst="rect">
+            <a:avLst/>
+          </a:prstGeom>
+        </p:spPr>
+      </p:pic>
+      <p:pic>
+        <p:nvPicPr>
+          <p:cNvPr id="8" name="Google Shape;56;p13">
+            <a:extLst>
+              <a:ext uri="{FF2B5EF4-FFF2-40B4-BE49-F238E27FC236}">
+                <a16:creationId xmlns:a16="http://schemas.microsoft.com/office/drawing/2014/main" id="{A6456909-D685-4140-DFD9-7F11E5F1F19C}"/>
+              </a:ext>
+            </a:extLst>
+          </p:cNvPr>
+          <p:cNvPicPr preferRelativeResize="0"/>
+          <p:nvPr/>
+        </p:nvPicPr>
+        <p:blipFill>
+          <a:blip r:embed="rId7">
+            <a:alphaModFix/>
+          </a:blip>
+          <a:stretch>
+            <a:fillRect/>
+          </a:stretch>
+        </p:blipFill>
+        <p:spPr>
+          <a:xfrm>
+            <a:off x="10989179" y="5736492"/>
+            <a:ext cx="1202821" cy="1121508"/>
           </a:xfrm>
           <a:prstGeom prst="rect">
             <a:avLst/>
           </a:prstGeom>
           <a:noFill/>
-        </p:spPr>
-        <p:txBody>
-          <a:bodyPr wrap="square">
-            <a:spAutoFit/>
-          </a:bodyPr>
-          <a:lstStyle/>
-          <a:p>
-            <a:pPr algn="ctr"/>
-            <a:r>
-              <a:rPr lang="en-US" dirty="0">
-                <a:hlinkClick r:id="rId4"/>
-              </a:rPr>
-              <a:t>https://learn.microsoft.com/en-us/azure/private-link/private-link-service-overview</a:t>
-            </a:r>
-            <a:r>
-              <a:rPr lang="en-US" dirty="0"/>
-              <a:t> </a:t>
-            </a:r>
-          </a:p>
-        </p:txBody>
-      </p:sp>
+          <a:ln>
+            <a:noFill/>
+          </a:ln>
+        </p:spPr>
+      </p:pic>
+      <p:pic>
+        <p:nvPicPr>
+          <p:cNvPr id="9" name="Graphic 4">
+            <a:extLst>
+              <a:ext uri="{FF2B5EF4-FFF2-40B4-BE49-F238E27FC236}">
+                <a16:creationId xmlns:a16="http://schemas.microsoft.com/office/drawing/2014/main" id="{CD948D9C-3987-BB03-C1B3-9E45EB45F861}"/>
+              </a:ext>
+            </a:extLst>
+          </p:cNvPr>
+          <p:cNvPicPr>
+            <a:picLocks noChangeAspect="1"/>
+          </p:cNvPicPr>
+          <p:nvPr/>
+        </p:nvPicPr>
+        <p:blipFill>
+          <a:blip r:embed="rId8">
+            <a:extLst>
+              <a:ext uri="{28A0092B-C50C-407E-A947-70E740481C1C}">
+                <a14:useLocalDpi xmlns:a14="http://schemas.microsoft.com/office/drawing/2010/main" val="0"/>
+              </a:ext>
+              <a:ext uri="{96DAC541-7B7A-43D3-8B79-37D633B846F1}">
+                <asvg:svgBlip xmlns:asvg="http://schemas.microsoft.com/office/drawing/2016/SVG/main" r:embed="rId9"/>
+              </a:ext>
+            </a:extLst>
+          </a:blip>
+          <a:stretch>
+            <a:fillRect/>
+          </a:stretch>
+        </p:blipFill>
+        <p:spPr>
+          <a:xfrm>
+            <a:off x="375137" y="6121057"/>
+            <a:ext cx="1718444" cy="574556"/>
+          </a:xfrm>
+          <a:prstGeom prst="rect">
+            <a:avLst/>
+          </a:prstGeom>
+        </p:spPr>
+      </p:pic>
+      <p:pic>
+        <p:nvPicPr>
+          <p:cNvPr id="5" name="Picture 2" descr="Private Endpoints">
+            <a:extLst>
+              <a:ext uri="{FF2B5EF4-FFF2-40B4-BE49-F238E27FC236}">
+                <a16:creationId xmlns:a16="http://schemas.microsoft.com/office/drawing/2014/main" id="{BEC9D205-D857-592C-8D3D-A217147F8BA2}"/>
+              </a:ext>
+            </a:extLst>
+          </p:cNvPr>
+          <p:cNvPicPr>
+            <a:picLocks noChangeAspect="1" noChangeArrowheads="1"/>
+          </p:cNvPicPr>
+          <p:nvPr/>
+        </p:nvPicPr>
+        <p:blipFill>
+          <a:blip r:embed="rId10">
+            <a:extLst>
+              <a:ext uri="{28A0092B-C50C-407E-A947-70E740481C1C}">
+                <a14:useLocalDpi xmlns:a14="http://schemas.microsoft.com/office/drawing/2010/main" val="0"/>
+              </a:ext>
+            </a:extLst>
+          </a:blip>
+          <a:srcRect/>
+          <a:stretch>
+            <a:fillRect/>
+          </a:stretch>
+        </p:blipFill>
+        <p:spPr bwMode="auto">
+          <a:xfrm>
+            <a:off x="1210491" y="1449341"/>
+            <a:ext cx="9466218" cy="4647937"/>
+          </a:xfrm>
+          <a:prstGeom prst="rect">
+            <a:avLst/>
+          </a:prstGeom>
+          <a:noFill/>
+          <a:extLst>
+            <a:ext uri="{909E8E84-426E-40DD-AFC4-6F175D3DCCD1}">
+              <a14:hiddenFill xmlns:a14="http://schemas.microsoft.com/office/drawing/2010/main">
+                <a:solidFill>
+                  <a:srgbClr val="FFFFFF"/>
+                </a:solidFill>
+              </a14:hiddenFill>
+            </a:ext>
+          </a:extLst>
+        </p:spPr>
+      </p:pic>
     </p:spTree>
     <p:extLst>
       <p:ext uri="{BB962C8B-B14F-4D97-AF65-F5344CB8AC3E}">
-        <p14:creationId xmlns:p14="http://schemas.microsoft.com/office/powerpoint/2010/main" val="3631785976"/>
+        <p14:creationId xmlns:p14="http://schemas.microsoft.com/office/powerpoint/2010/main" val="1748496824"/>
       </p:ext>
     </p:extLst>
   </p:cSld>
@@ -10853,7 +11266,7 @@
           <p:cNvPr id="2" name="Title 1">
             <a:extLst>
               <a:ext uri="{FF2B5EF4-FFF2-40B4-BE49-F238E27FC236}">
-                <a16:creationId xmlns:a16="http://schemas.microsoft.com/office/drawing/2014/main" id="{0B0B7B95-3A98-8E1E-B970-45DD1A5C3165}"/>
+                <a16:creationId xmlns:a16="http://schemas.microsoft.com/office/drawing/2014/main" id="{41B425AF-0E78-4B16-15F9-E711B76B28EF}"/>
               </a:ext>
             </a:extLst>
           </p:cNvPr>
@@ -10870,52 +11283,88 @@
           <a:lstStyle/>
           <a:p>
             <a:r>
-              <a:rPr lang="nb-NO" dirty="0"/>
-              <a:t>Private Endpoint Name Resolution</a:t>
-            </a:r>
-            <a:endParaRPr lang="en-US" dirty="0"/>
+              <a:rPr lang="en-US" dirty="0"/>
+              <a:t>Private connectivity to your own service</a:t>
+            </a:r>
           </a:p>
         </p:txBody>
       </p:sp>
-      <p:sp>
-        <p:nvSpPr>
-          <p:cNvPr id="3" name="Text Placeholder 2">
-            <a:extLst>
-              <a:ext uri="{FF2B5EF4-FFF2-40B4-BE49-F238E27FC236}">
-                <a16:creationId xmlns:a16="http://schemas.microsoft.com/office/drawing/2014/main" id="{7A1826FA-9E0A-CE06-D788-E33F97678F83}"/>
-              </a:ext>
-            </a:extLst>
-          </p:cNvPr>
-          <p:cNvSpPr>
-            <a:spLocks noGrp="1"/>
-          </p:cNvSpPr>
-          <p:nvPr>
-            <p:ph type="body" idx="1"/>
-          </p:nvPr>
-        </p:nvSpPr>
-        <p:spPr/>
+      <p:pic>
+        <p:nvPicPr>
+          <p:cNvPr id="7" name="Picture 6">
+            <a:extLst>
+              <a:ext uri="{FF2B5EF4-FFF2-40B4-BE49-F238E27FC236}">
+                <a16:creationId xmlns:a16="http://schemas.microsoft.com/office/drawing/2014/main" id="{B1D682F2-5444-1467-5B34-3539E23636D1}"/>
+              </a:ext>
+            </a:extLst>
+          </p:cNvPr>
+          <p:cNvPicPr>
+            <a:picLocks noChangeAspect="1"/>
+          </p:cNvPicPr>
+          <p:nvPr/>
+        </p:nvPicPr>
+        <p:blipFill>
+          <a:blip r:embed="rId3"/>
+          <a:stretch>
+            <a:fillRect/>
+          </a:stretch>
+        </p:blipFill>
+        <p:spPr>
+          <a:xfrm>
+            <a:off x="871930" y="2154386"/>
+            <a:ext cx="10657143" cy="3838095"/>
+          </a:xfrm>
+          <a:prstGeom prst="rect">
+            <a:avLst/>
+          </a:prstGeom>
+        </p:spPr>
+      </p:pic>
+      <p:sp>
+        <p:nvSpPr>
+          <p:cNvPr id="9" name="TextBox 8">
+            <a:extLst>
+              <a:ext uri="{FF2B5EF4-FFF2-40B4-BE49-F238E27FC236}">
+                <a16:creationId xmlns:a16="http://schemas.microsoft.com/office/drawing/2014/main" id="{FC4B0CBB-CE0A-E448-22B2-3DD9A60443C6}"/>
+              </a:ext>
+            </a:extLst>
+          </p:cNvPr>
+          <p:cNvSpPr txBox="1"/>
+          <p:nvPr/>
+        </p:nvSpPr>
+        <p:spPr>
+          <a:xfrm>
+            <a:off x="1785257" y="6420568"/>
+            <a:ext cx="8621486" cy="369332"/>
+          </a:xfrm>
+          <a:prstGeom prst="rect">
+            <a:avLst/>
+          </a:prstGeom>
+          <a:noFill/>
+        </p:spPr>
         <p:txBody>
-          <a:bodyPr/>
+          <a:bodyPr wrap="square">
+            <a:spAutoFit/>
+          </a:bodyPr>
           <a:lstStyle/>
           <a:p>
-            <a:r>
-              <a:rPr lang="nb-NO" dirty="0"/>
-              <a:t>Host file</a:t>
-            </a:r>
-          </a:p>
-          <a:p>
-            <a:r>
-              <a:rPr lang="nb-NO"/>
-              <a:t>Conditional Forwarders</a:t>
-            </a:r>
-            <a:endParaRPr lang="en-US" dirty="0"/>
+            <a:pPr algn="ctr"/>
+            <a:r>
+              <a:rPr lang="en-US" dirty="0">
+                <a:hlinkClick r:id="rId4"/>
+              </a:rPr>
+              <a:t>https://learn.microsoft.com/en-us/azure/private-link/private-link-service-overview</a:t>
+            </a:r>
+            <a:r>
+              <a:rPr lang="en-US" dirty="0"/>
+              <a:t> </a:t>
+            </a:r>
           </a:p>
         </p:txBody>
       </p:sp>
     </p:spTree>
     <p:extLst>
       <p:ext uri="{BB962C8B-B14F-4D97-AF65-F5344CB8AC3E}">
-        <p14:creationId xmlns:p14="http://schemas.microsoft.com/office/powerpoint/2010/main" val="1967842306"/>
+        <p14:creationId xmlns:p14="http://schemas.microsoft.com/office/powerpoint/2010/main" val="3631785976"/>
       </p:ext>
     </p:extLst>
   </p:cSld>
@@ -10947,7 +11396,7 @@
           <p:cNvPr id="2" name="Title 1">
             <a:extLst>
               <a:ext uri="{FF2B5EF4-FFF2-40B4-BE49-F238E27FC236}">
-                <a16:creationId xmlns:a16="http://schemas.microsoft.com/office/drawing/2014/main" id="{B7D536D9-4000-58B4-C82D-D4D2379C8F84}"/>
+                <a16:creationId xmlns:a16="http://schemas.microsoft.com/office/drawing/2014/main" id="{0B0B7B95-3A98-8E1E-B970-45DD1A5C3165}"/>
               </a:ext>
             </a:extLst>
           </p:cNvPr>
@@ -10964,27 +11413,192 @@
           <a:lstStyle/>
           <a:p>
             <a:r>
-              <a:rPr lang="fr-FR" dirty="0"/>
-              <a:t>Azure </a:t>
-            </a:r>
-            <a:r>
-              <a:rPr lang="fr-FR" dirty="0" err="1"/>
-              <a:t>Private</a:t>
-            </a:r>
-            <a:r>
-              <a:rPr lang="fr-FR" dirty="0"/>
-              <a:t> Endpoint DNS configuration</a:t>
+              <a:rPr lang="nb-NO" dirty="0"/>
+              <a:t>Private Endpoint Name Resolution</a:t>
             </a:r>
             <a:endParaRPr lang="en-US" dirty="0"/>
+          </a:p>
+        </p:txBody>
+      </p:sp>
+      <p:sp>
+        <p:nvSpPr>
+          <p:cNvPr id="3" name="Text Placeholder 2">
+            <a:extLst>
+              <a:ext uri="{FF2B5EF4-FFF2-40B4-BE49-F238E27FC236}">
+                <a16:creationId xmlns:a16="http://schemas.microsoft.com/office/drawing/2014/main" id="{7A1826FA-9E0A-CE06-D788-E33F97678F83}"/>
+              </a:ext>
+            </a:extLst>
+          </p:cNvPr>
+          <p:cNvSpPr>
+            <a:spLocks noGrp="1"/>
+          </p:cNvSpPr>
+          <p:nvPr>
+            <p:ph type="body" idx="1"/>
+          </p:nvPr>
+        </p:nvSpPr>
+        <p:spPr/>
+        <p:txBody>
+          <a:bodyPr/>
+          <a:lstStyle/>
+          <a:p>
+            <a:r>
+              <a:rPr lang="nb-NO" dirty="0"/>
+              <a:t>Host file</a:t>
+            </a:r>
+          </a:p>
+          <a:p>
+            <a:r>
+              <a:rPr lang="it-IT" dirty="0"/>
+              <a:t>Use a private DNS zone</a:t>
+            </a:r>
+            <a:endParaRPr lang="nb-NO" dirty="0"/>
+          </a:p>
+          <a:p>
+            <a:r>
+              <a:rPr lang="nb-NO" dirty="0"/>
+              <a:t>Use your DNS forwarder </a:t>
+            </a:r>
+            <a:endParaRPr lang="en-US" dirty="0"/>
+          </a:p>
+        </p:txBody>
+      </p:sp>
+    </p:spTree>
+    <p:extLst>
+      <p:ext uri="{BB962C8B-B14F-4D97-AF65-F5344CB8AC3E}">
+        <p14:creationId xmlns:p14="http://schemas.microsoft.com/office/powerpoint/2010/main" val="1967842306"/>
+      </p:ext>
+    </p:extLst>
+  </p:cSld>
+  <p:clrMapOvr>
+    <a:masterClrMapping/>
+  </p:clrMapOvr>
+</p:sld>
+</file>
+
+<file path=ppt/slides/slide23.xml><?xml version="1.0" encoding="utf-8"?>
+<p:sld xmlns:a="http://schemas.openxmlformats.org/drawingml/2006/main" xmlns:r="http://schemas.openxmlformats.org/officeDocument/2006/relationships" xmlns:p="http://schemas.openxmlformats.org/presentationml/2006/main">
+  <p:cSld>
+    <p:spTree>
+      <p:nvGrpSpPr>
+        <p:cNvPr id="1" name=""/>
+        <p:cNvGrpSpPr/>
+        <p:nvPr/>
+      </p:nvGrpSpPr>
+      <p:grpSpPr>
+        <a:xfrm>
+          <a:off x="0" y="0"/>
+          <a:ext cx="0" cy="0"/>
+          <a:chOff x="0" y="0"/>
+          <a:chExt cx="0" cy="0"/>
+        </a:xfrm>
+      </p:grpSpPr>
+      <p:sp>
+        <p:nvSpPr>
+          <p:cNvPr id="2" name="Title 1">
+            <a:extLst>
+              <a:ext uri="{FF2B5EF4-FFF2-40B4-BE49-F238E27FC236}">
+                <a16:creationId xmlns:a16="http://schemas.microsoft.com/office/drawing/2014/main" id="{B7D536D9-4000-58B4-C82D-D4D2379C8F84}"/>
+              </a:ext>
+            </a:extLst>
+          </p:cNvPr>
+          <p:cNvSpPr>
+            <a:spLocks noGrp="1"/>
+          </p:cNvSpPr>
+          <p:nvPr>
+            <p:ph type="title"/>
+          </p:nvPr>
+        </p:nvSpPr>
+        <p:spPr/>
+        <p:txBody>
+          <a:bodyPr/>
+          <a:lstStyle/>
+          <a:p>
+            <a:r>
+              <a:rPr lang="en-US" dirty="0"/>
+              <a:t>Virtual network workloads without custom DNS server</a:t>
+            </a:r>
           </a:p>
         </p:txBody>
       </p:sp>
       <p:pic>
         <p:nvPicPr>
-          <p:cNvPr id="3074" name="Picture 2" descr="On-premises forwarding to Azure DNS">
-            <a:extLst>
-              <a:ext uri="{FF2B5EF4-FFF2-40B4-BE49-F238E27FC236}">
-                <a16:creationId xmlns:a16="http://schemas.microsoft.com/office/drawing/2014/main" id="{7C390BF0-ED53-3F1A-AC49-C7ADA34971AE}"/>
+          <p:cNvPr id="4" name="Google Shape;56;p13">
+            <a:extLst>
+              <a:ext uri="{FF2B5EF4-FFF2-40B4-BE49-F238E27FC236}">
+                <a16:creationId xmlns:a16="http://schemas.microsoft.com/office/drawing/2014/main" id="{B9988D63-600E-20EA-F018-EF88DB7CA097}"/>
+              </a:ext>
+            </a:extLst>
+          </p:cNvPr>
+          <p:cNvPicPr preferRelativeResize="0"/>
+          <p:nvPr/>
+        </p:nvPicPr>
+        <p:blipFill>
+          <a:blip r:embed="rId2">
+            <a:alphaModFix/>
+          </a:blip>
+          <a:stretch>
+            <a:fillRect/>
+          </a:stretch>
+        </p:blipFill>
+        <p:spPr>
+          <a:xfrm>
+            <a:off x="10989179" y="5736492"/>
+            <a:ext cx="1202821" cy="1121508"/>
+          </a:xfrm>
+          <a:prstGeom prst="rect">
+            <a:avLst/>
+          </a:prstGeom>
+          <a:noFill/>
+          <a:ln>
+            <a:noFill/>
+          </a:ln>
+        </p:spPr>
+      </p:pic>
+      <p:pic>
+        <p:nvPicPr>
+          <p:cNvPr id="5" name="Graphic 4">
+            <a:extLst>
+              <a:ext uri="{FF2B5EF4-FFF2-40B4-BE49-F238E27FC236}">
+                <a16:creationId xmlns:a16="http://schemas.microsoft.com/office/drawing/2014/main" id="{03020930-8093-FB9A-277B-22C10696C15B}"/>
+              </a:ext>
+            </a:extLst>
+          </p:cNvPr>
+          <p:cNvPicPr>
+            <a:picLocks noChangeAspect="1"/>
+          </p:cNvPicPr>
+          <p:nvPr/>
+        </p:nvPicPr>
+        <p:blipFill>
+          <a:blip r:embed="rId3">
+            <a:extLst>
+              <a:ext uri="{28A0092B-C50C-407E-A947-70E740481C1C}">
+                <a14:useLocalDpi xmlns:a14="http://schemas.microsoft.com/office/drawing/2010/main" val="0"/>
+              </a:ext>
+              <a:ext uri="{96DAC541-7B7A-43D3-8B79-37D633B846F1}">
+                <asvg:svgBlip xmlns:asvg="http://schemas.microsoft.com/office/drawing/2016/SVG/main" r:embed="rId4"/>
+              </a:ext>
+            </a:extLst>
+          </a:blip>
+          <a:stretch>
+            <a:fillRect/>
+          </a:stretch>
+        </p:blipFill>
+        <p:spPr>
+          <a:xfrm>
+            <a:off x="375137" y="6121057"/>
+            <a:ext cx="1718444" cy="574556"/>
+          </a:xfrm>
+          <a:prstGeom prst="rect">
+            <a:avLst/>
+          </a:prstGeom>
+        </p:spPr>
+      </p:pic>
+      <p:pic>
+        <p:nvPicPr>
+          <p:cNvPr id="3" name="Picture 2" descr="Single virtual network and Azure-provided DNS">
+            <a:extLst>
+              <a:ext uri="{FF2B5EF4-FFF2-40B4-BE49-F238E27FC236}">
+                <a16:creationId xmlns:a16="http://schemas.microsoft.com/office/drawing/2014/main" id="{95B6E968-14E2-A19F-C19F-9BE21AE75FE8}"/>
               </a:ext>
             </a:extLst>
           </p:cNvPr>
@@ -10994,7 +11608,7 @@
           <p:nvPr/>
         </p:nvPicPr>
         <p:blipFill>
-          <a:blip r:embed="rId2">
+          <a:blip r:embed="rId5">
             <a:extLst>
               <a:ext uri="{28A0092B-C50C-407E-A947-70E740481C1C}">
                 <a14:useLocalDpi xmlns:a14="http://schemas.microsoft.com/office/drawing/2010/main" val="0"/>
@@ -11008,8 +11622,8 @@
         </p:blipFill>
         <p:spPr bwMode="auto">
           <a:xfrm>
-            <a:off x="2492965" y="1575435"/>
-            <a:ext cx="7362825" cy="5048250"/>
+            <a:off x="2093581" y="1659825"/>
+            <a:ext cx="8591256" cy="4604808"/>
           </a:xfrm>
           <a:prstGeom prst="rect">
             <a:avLst/>
@@ -11024,79 +11638,6 @@
               </a14:hiddenFill>
             </a:ext>
           </a:extLst>
-        </p:spPr>
-      </p:pic>
-      <p:pic>
-        <p:nvPicPr>
-          <p:cNvPr id="4" name="Google Shape;56;p13">
-            <a:extLst>
-              <a:ext uri="{FF2B5EF4-FFF2-40B4-BE49-F238E27FC236}">
-                <a16:creationId xmlns:a16="http://schemas.microsoft.com/office/drawing/2014/main" id="{B9988D63-600E-20EA-F018-EF88DB7CA097}"/>
-              </a:ext>
-            </a:extLst>
-          </p:cNvPr>
-          <p:cNvPicPr preferRelativeResize="0"/>
-          <p:nvPr/>
-        </p:nvPicPr>
-        <p:blipFill>
-          <a:blip r:embed="rId3">
-            <a:alphaModFix/>
-          </a:blip>
-          <a:stretch>
-            <a:fillRect/>
-          </a:stretch>
-        </p:blipFill>
-        <p:spPr>
-          <a:xfrm>
-            <a:off x="10989179" y="5736492"/>
-            <a:ext cx="1202821" cy="1121508"/>
-          </a:xfrm>
-          <a:prstGeom prst="rect">
-            <a:avLst/>
-          </a:prstGeom>
-          <a:noFill/>
-          <a:ln>
-            <a:noFill/>
-          </a:ln>
-        </p:spPr>
-      </p:pic>
-      <p:pic>
-        <p:nvPicPr>
-          <p:cNvPr id="5" name="Graphic 4">
-            <a:extLst>
-              <a:ext uri="{FF2B5EF4-FFF2-40B4-BE49-F238E27FC236}">
-                <a16:creationId xmlns:a16="http://schemas.microsoft.com/office/drawing/2014/main" id="{03020930-8093-FB9A-277B-22C10696C15B}"/>
-              </a:ext>
-            </a:extLst>
-          </p:cNvPr>
-          <p:cNvPicPr>
-            <a:picLocks noChangeAspect="1"/>
-          </p:cNvPicPr>
-          <p:nvPr/>
-        </p:nvPicPr>
-        <p:blipFill>
-          <a:blip r:embed="rId4">
-            <a:extLst>
-              <a:ext uri="{28A0092B-C50C-407E-A947-70E740481C1C}">
-                <a14:useLocalDpi xmlns:a14="http://schemas.microsoft.com/office/drawing/2010/main" val="0"/>
-              </a:ext>
-              <a:ext uri="{96DAC541-7B7A-43D3-8B79-37D633B846F1}">
-                <asvg:svgBlip xmlns:asvg="http://schemas.microsoft.com/office/drawing/2016/SVG/main" r:embed="rId5"/>
-              </a:ext>
-            </a:extLst>
-          </a:blip>
-          <a:stretch>
-            <a:fillRect/>
-          </a:stretch>
-        </p:blipFill>
-        <p:spPr>
-          <a:xfrm>
-            <a:off x="375137" y="6121057"/>
-            <a:ext cx="1718444" cy="574556"/>
-          </a:xfrm>
-          <a:prstGeom prst="rect">
-            <a:avLst/>
-          </a:prstGeom>
         </p:spPr>
       </p:pic>
     </p:spTree>
@@ -11112,7 +11653,333 @@
 </p:sld>
 </file>
 
-<file path=ppt/slides/slide23.xml><?xml version="1.0" encoding="utf-8"?>
+<file path=ppt/slides/slide24.xml><?xml version="1.0" encoding="utf-8"?>
+<p:sld xmlns:a="http://schemas.openxmlformats.org/drawingml/2006/main" xmlns:r="http://schemas.openxmlformats.org/officeDocument/2006/relationships" xmlns:p="http://schemas.openxmlformats.org/presentationml/2006/main">
+  <p:cSld>
+    <p:spTree>
+      <p:nvGrpSpPr>
+        <p:cNvPr id="1" name=""/>
+        <p:cNvGrpSpPr/>
+        <p:nvPr/>
+      </p:nvGrpSpPr>
+      <p:grpSpPr>
+        <a:xfrm>
+          <a:off x="0" y="0"/>
+          <a:ext cx="0" cy="0"/>
+          <a:chOff x="0" y="0"/>
+          <a:chExt cx="0" cy="0"/>
+        </a:xfrm>
+      </p:grpSpPr>
+      <p:sp>
+        <p:nvSpPr>
+          <p:cNvPr id="2" name="Title 1">
+            <a:extLst>
+              <a:ext uri="{FF2B5EF4-FFF2-40B4-BE49-F238E27FC236}">
+                <a16:creationId xmlns:a16="http://schemas.microsoft.com/office/drawing/2014/main" id="{B7D536D9-4000-58B4-C82D-D4D2379C8F84}"/>
+              </a:ext>
+            </a:extLst>
+          </p:cNvPr>
+          <p:cNvSpPr>
+            <a:spLocks noGrp="1"/>
+          </p:cNvSpPr>
+          <p:nvPr>
+            <p:ph type="title"/>
+          </p:nvPr>
+        </p:nvSpPr>
+        <p:spPr/>
+        <p:txBody>
+          <a:bodyPr/>
+          <a:lstStyle/>
+          <a:p>
+            <a:r>
+              <a:rPr lang="en-US" dirty="0"/>
+              <a:t>On-premises workloads using a DNS forwarder</a:t>
+            </a:r>
+          </a:p>
+        </p:txBody>
+      </p:sp>
+      <p:pic>
+        <p:nvPicPr>
+          <p:cNvPr id="4" name="Google Shape;56;p13">
+            <a:extLst>
+              <a:ext uri="{FF2B5EF4-FFF2-40B4-BE49-F238E27FC236}">
+                <a16:creationId xmlns:a16="http://schemas.microsoft.com/office/drawing/2014/main" id="{B9988D63-600E-20EA-F018-EF88DB7CA097}"/>
+              </a:ext>
+            </a:extLst>
+          </p:cNvPr>
+          <p:cNvPicPr preferRelativeResize="0"/>
+          <p:nvPr/>
+        </p:nvPicPr>
+        <p:blipFill>
+          <a:blip r:embed="rId2">
+            <a:alphaModFix/>
+          </a:blip>
+          <a:stretch>
+            <a:fillRect/>
+          </a:stretch>
+        </p:blipFill>
+        <p:spPr>
+          <a:xfrm>
+            <a:off x="10989179" y="5736492"/>
+            <a:ext cx="1202821" cy="1121508"/>
+          </a:xfrm>
+          <a:prstGeom prst="rect">
+            <a:avLst/>
+          </a:prstGeom>
+          <a:noFill/>
+          <a:ln>
+            <a:noFill/>
+          </a:ln>
+        </p:spPr>
+      </p:pic>
+      <p:pic>
+        <p:nvPicPr>
+          <p:cNvPr id="5" name="Graphic 4">
+            <a:extLst>
+              <a:ext uri="{FF2B5EF4-FFF2-40B4-BE49-F238E27FC236}">
+                <a16:creationId xmlns:a16="http://schemas.microsoft.com/office/drawing/2014/main" id="{03020930-8093-FB9A-277B-22C10696C15B}"/>
+              </a:ext>
+            </a:extLst>
+          </p:cNvPr>
+          <p:cNvPicPr>
+            <a:picLocks noChangeAspect="1"/>
+          </p:cNvPicPr>
+          <p:nvPr/>
+        </p:nvPicPr>
+        <p:blipFill>
+          <a:blip r:embed="rId3">
+            <a:extLst>
+              <a:ext uri="{28A0092B-C50C-407E-A947-70E740481C1C}">
+                <a14:useLocalDpi xmlns:a14="http://schemas.microsoft.com/office/drawing/2010/main" val="0"/>
+              </a:ext>
+              <a:ext uri="{96DAC541-7B7A-43D3-8B79-37D633B846F1}">
+                <asvg:svgBlip xmlns:asvg="http://schemas.microsoft.com/office/drawing/2016/SVG/main" r:embed="rId4"/>
+              </a:ext>
+            </a:extLst>
+          </a:blip>
+          <a:stretch>
+            <a:fillRect/>
+          </a:stretch>
+        </p:blipFill>
+        <p:spPr>
+          <a:xfrm>
+            <a:off x="375137" y="6121057"/>
+            <a:ext cx="1718444" cy="574556"/>
+          </a:xfrm>
+          <a:prstGeom prst="rect">
+            <a:avLst/>
+          </a:prstGeom>
+        </p:spPr>
+      </p:pic>
+      <p:pic>
+        <p:nvPicPr>
+          <p:cNvPr id="2050" name="Picture 2" descr="On-premises using Azure DNS">
+            <a:extLst>
+              <a:ext uri="{FF2B5EF4-FFF2-40B4-BE49-F238E27FC236}">
+                <a16:creationId xmlns:a16="http://schemas.microsoft.com/office/drawing/2014/main" id="{85246742-DEA9-F611-6666-D14D6678226C}"/>
+              </a:ext>
+            </a:extLst>
+          </p:cNvPr>
+          <p:cNvPicPr>
+            <a:picLocks noChangeAspect="1" noChangeArrowheads="1"/>
+          </p:cNvPicPr>
+          <p:nvPr/>
+        </p:nvPicPr>
+        <p:blipFill>
+          <a:blip r:embed="rId5">
+            <a:extLst>
+              <a:ext uri="{28A0092B-C50C-407E-A947-70E740481C1C}">
+                <a14:useLocalDpi xmlns:a14="http://schemas.microsoft.com/office/drawing/2010/main" val="0"/>
+              </a:ext>
+            </a:extLst>
+          </a:blip>
+          <a:srcRect/>
+          <a:stretch>
+            <a:fillRect/>
+          </a:stretch>
+        </p:blipFill>
+        <p:spPr bwMode="auto">
+          <a:xfrm>
+            <a:off x="2462212" y="1702158"/>
+            <a:ext cx="7267575" cy="4562475"/>
+          </a:xfrm>
+          <a:prstGeom prst="rect">
+            <a:avLst/>
+          </a:prstGeom>
+          <a:noFill/>
+          <a:extLst>
+            <a:ext uri="{909E8E84-426E-40DD-AFC4-6F175D3DCCD1}">
+              <a14:hiddenFill xmlns:a14="http://schemas.microsoft.com/office/drawing/2010/main">
+                <a:solidFill>
+                  <a:srgbClr val="FFFFFF"/>
+                </a:solidFill>
+              </a14:hiddenFill>
+            </a:ext>
+          </a:extLst>
+        </p:spPr>
+      </p:pic>
+    </p:spTree>
+    <p:extLst>
+      <p:ext uri="{BB962C8B-B14F-4D97-AF65-F5344CB8AC3E}">
+        <p14:creationId xmlns:p14="http://schemas.microsoft.com/office/powerpoint/2010/main" val="2300835387"/>
+      </p:ext>
+    </p:extLst>
+  </p:cSld>
+  <p:clrMapOvr>
+    <a:masterClrMapping/>
+  </p:clrMapOvr>
+</p:sld>
+</file>
+
+<file path=ppt/slides/slide25.xml><?xml version="1.0" encoding="utf-8"?>
+<p:sld xmlns:a="http://schemas.openxmlformats.org/drawingml/2006/main" xmlns:r="http://schemas.openxmlformats.org/officeDocument/2006/relationships" xmlns:p="http://schemas.openxmlformats.org/presentationml/2006/main">
+  <p:cSld>
+    <p:spTree>
+      <p:nvGrpSpPr>
+        <p:cNvPr id="1" name=""/>
+        <p:cNvGrpSpPr/>
+        <p:nvPr/>
+      </p:nvGrpSpPr>
+      <p:grpSpPr>
+        <a:xfrm>
+          <a:off x="0" y="0"/>
+          <a:ext cx="0" cy="0"/>
+          <a:chOff x="0" y="0"/>
+          <a:chExt cx="0" cy="0"/>
+        </a:xfrm>
+      </p:grpSpPr>
+      <p:sp>
+        <p:nvSpPr>
+          <p:cNvPr id="2" name="Title 1">
+            <a:extLst>
+              <a:ext uri="{FF2B5EF4-FFF2-40B4-BE49-F238E27FC236}">
+                <a16:creationId xmlns:a16="http://schemas.microsoft.com/office/drawing/2014/main" id="{44FDB668-9D07-468F-2826-CDA0A50E6950}"/>
+              </a:ext>
+            </a:extLst>
+          </p:cNvPr>
+          <p:cNvSpPr>
+            <a:spLocks noGrp="1"/>
+          </p:cNvSpPr>
+          <p:nvPr>
+            <p:ph type="title"/>
+          </p:nvPr>
+        </p:nvSpPr>
+        <p:spPr/>
+        <p:txBody>
+          <a:bodyPr/>
+          <a:lstStyle/>
+          <a:p>
+            <a:r>
+              <a:rPr lang="nb-NO" dirty="0"/>
+              <a:t>Azure Private DNS Resolver</a:t>
+            </a:r>
+            <a:endParaRPr lang="en-US" dirty="0"/>
+          </a:p>
+        </p:txBody>
+      </p:sp>
+      <p:pic>
+        <p:nvPicPr>
+          <p:cNvPr id="1026" name="Picture 2" descr="arch">
+            <a:extLst>
+              <a:ext uri="{FF2B5EF4-FFF2-40B4-BE49-F238E27FC236}">
+                <a16:creationId xmlns:a16="http://schemas.microsoft.com/office/drawing/2014/main" id="{739D6B31-D0C6-02F0-27D7-EB1BE267567F}"/>
+              </a:ext>
+            </a:extLst>
+          </p:cNvPr>
+          <p:cNvPicPr>
+            <a:picLocks noChangeAspect="1" noChangeArrowheads="1"/>
+          </p:cNvPicPr>
+          <p:nvPr/>
+        </p:nvPicPr>
+        <p:blipFill>
+          <a:blip r:embed="rId3">
+            <a:extLst>
+              <a:ext uri="{28A0092B-C50C-407E-A947-70E740481C1C}">
+                <a14:useLocalDpi xmlns:a14="http://schemas.microsoft.com/office/drawing/2010/main" val="0"/>
+              </a:ext>
+            </a:extLst>
+          </a:blip>
+          <a:srcRect/>
+          <a:stretch>
+            <a:fillRect/>
+          </a:stretch>
+        </p:blipFill>
+        <p:spPr bwMode="auto">
+          <a:xfrm>
+            <a:off x="643580" y="1892618"/>
+            <a:ext cx="11132820" cy="3974765"/>
+          </a:xfrm>
+          <a:prstGeom prst="rect">
+            <a:avLst/>
+          </a:prstGeom>
+          <a:noFill/>
+          <a:extLst>
+            <a:ext uri="{909E8E84-426E-40DD-AFC4-6F175D3DCCD1}">
+              <a14:hiddenFill xmlns:a14="http://schemas.microsoft.com/office/drawing/2010/main">
+                <a:solidFill>
+                  <a:srgbClr val="FFFFFF"/>
+                </a:solidFill>
+              </a14:hiddenFill>
+            </a:ext>
+          </a:extLst>
+        </p:spPr>
+      </p:pic>
+      <p:sp>
+        <p:nvSpPr>
+          <p:cNvPr id="5" name="TextBox 4">
+            <a:extLst>
+              <a:ext uri="{FF2B5EF4-FFF2-40B4-BE49-F238E27FC236}">
+                <a16:creationId xmlns:a16="http://schemas.microsoft.com/office/drawing/2014/main" id="{F9F66604-75AB-AD5F-07D0-33364C0AC025}"/>
+              </a:ext>
+            </a:extLst>
+          </p:cNvPr>
+          <p:cNvSpPr txBox="1"/>
+          <p:nvPr/>
+        </p:nvSpPr>
+        <p:spPr>
+          <a:xfrm>
+            <a:off x="1950886" y="6264633"/>
+            <a:ext cx="8518207" cy="369332"/>
+          </a:xfrm>
+          <a:prstGeom prst="rect">
+            <a:avLst/>
+          </a:prstGeom>
+          <a:noFill/>
+        </p:spPr>
+        <p:txBody>
+          <a:bodyPr wrap="square">
+            <a:spAutoFit/>
+          </a:bodyPr>
+          <a:lstStyle/>
+          <a:p>
+            <a:pPr algn="ctr"/>
+            <a:r>
+              <a:rPr lang="en-US" dirty="0">
+                <a:hlinkClick r:id="rId4"/>
+              </a:rPr>
+              <a:t>https://learn.microsoft.com/en-us/azure/dns/dns-private-resolver-overview</a:t>
+            </a:r>
+            <a:r>
+              <a:rPr lang="en-US" dirty="0"/>
+              <a:t> </a:t>
+            </a:r>
+          </a:p>
+        </p:txBody>
+      </p:sp>
+    </p:spTree>
+    <p:extLst>
+      <p:ext uri="{BB962C8B-B14F-4D97-AF65-F5344CB8AC3E}">
+        <p14:creationId xmlns:p14="http://schemas.microsoft.com/office/powerpoint/2010/main" val="196664992"/>
+      </p:ext>
+    </p:extLst>
+  </p:cSld>
+  <p:clrMapOvr>
+    <a:masterClrMapping/>
+  </p:clrMapOvr>
+</p:sld>
+</file>
+
+<file path=ppt/slides/slide26.xml><?xml version="1.0" encoding="utf-8"?>
 <p:sld xmlns:a="http://schemas.openxmlformats.org/drawingml/2006/main" xmlns:r="http://schemas.openxmlformats.org/officeDocument/2006/relationships" xmlns:p="http://schemas.openxmlformats.org/presentationml/2006/main">
   <p:cSld>
     <p:spTree>
@@ -11564,15 +12431,13 @@
             </a:r>
           </a:p>
           <a:p>
-            <a:pPr marL="380990" indent="-380990">
+            <a:pPr marL="0" indent="0">
               <a:spcAft>
                 <a:spcPts val="2133"/>
               </a:spcAft>
+              <a:buNone/>
             </a:pPr>
-            <a:r>
-              <a:rPr lang="en-US" dirty="0"/>
-              <a:t>Feel free to use video</a:t>
-            </a:r>
+            <a:endParaRPr lang="en-US" dirty="0"/>
           </a:p>
           <a:p>
             <a:pPr marL="380990" indent="-380990">

--- a/slides/private-links.pptx
+++ b/slides/private-links.pptx
@@ -5,7 +5,7 @@
     <p:sldMasterId id="2147483660" r:id="rId1"/>
   </p:sldMasterIdLst>
   <p:notesMasterIdLst>
-    <p:notesMasterId r:id="rId28"/>
+    <p:notesMasterId r:id="rId29"/>
   </p:notesMasterIdLst>
   <p:sldIdLst>
     <p:sldId id="2076136299" r:id="rId2"/>
@@ -33,7 +33,8 @@
     <p:sldId id="2076136342" r:id="rId24"/>
     <p:sldId id="2076136345" r:id="rId25"/>
     <p:sldId id="2076136344" r:id="rId26"/>
-    <p:sldId id="2076136302" r:id="rId27"/>
+    <p:sldId id="2076136347" r:id="rId27"/>
+    <p:sldId id="2076136302" r:id="rId28"/>
   </p:sldIdLst>
   <p:sldSz cx="12192000" cy="6858000"/>
   <p:notesSz cx="6858000" cy="9144000"/>
@@ -1663,7 +1664,7 @@
                 <a:tabLst/>
                 <a:defRPr/>
               </a:pPr>
-              <a:t>26</a:t>
+              <a:t>27</a:t>
             </a:fld>
             <a:endParaRPr kumimoji="0" lang="en-US" sz="1200" b="0" i="0" u="none" strike="noStrike" kern="1200" cap="none" spc="0" normalizeH="0" baseline="0" noProof="0">
               <a:ln>
@@ -11436,7 +11437,12 @@
             <p:ph type="body" idx="1"/>
           </p:nvPr>
         </p:nvSpPr>
-        <p:spPr/>
+        <p:spPr>
+          <a:xfrm>
+            <a:off x="415600" y="1536633"/>
+            <a:ext cx="4513451" cy="1354613"/>
+          </a:xfrm>
+        </p:spPr>
         <p:txBody>
           <a:bodyPr/>
           <a:lstStyle/>
@@ -11462,6 +11468,757 @@
           </a:p>
         </p:txBody>
       </p:sp>
+      <p:pic>
+        <p:nvPicPr>
+          <p:cNvPr id="5" name="Graphic 4">
+            <a:extLst>
+              <a:ext uri="{FF2B5EF4-FFF2-40B4-BE49-F238E27FC236}">
+                <a16:creationId xmlns:a16="http://schemas.microsoft.com/office/drawing/2014/main" id="{2CF69948-15EB-6370-1F8F-0B954DC09FDE}"/>
+              </a:ext>
+            </a:extLst>
+          </p:cNvPr>
+          <p:cNvPicPr>
+            <a:picLocks noChangeAspect="1"/>
+          </p:cNvPicPr>
+          <p:nvPr/>
+        </p:nvPicPr>
+        <p:blipFill>
+          <a:blip r:embed="rId3">
+            <a:extLst>
+              <a:ext uri="{28A0092B-C50C-407E-A947-70E740481C1C}">
+                <a14:useLocalDpi xmlns:a14="http://schemas.microsoft.com/office/drawing/2010/main" val="0"/>
+              </a:ext>
+              <a:ext uri="{96DAC541-7B7A-43D3-8B79-37D633B846F1}">
+                <asvg:svgBlip xmlns:asvg="http://schemas.microsoft.com/office/drawing/2016/SVG/main" r:embed="rId4"/>
+              </a:ext>
+            </a:extLst>
+          </a:blip>
+          <a:stretch>
+            <a:fillRect/>
+          </a:stretch>
+        </p:blipFill>
+        <p:spPr>
+          <a:xfrm>
+            <a:off x="9450160" y="3140816"/>
+            <a:ext cx="763600" cy="763600"/>
+          </a:xfrm>
+          <a:prstGeom prst="rect">
+            <a:avLst/>
+          </a:prstGeom>
+        </p:spPr>
+      </p:pic>
+      <p:sp>
+        <p:nvSpPr>
+          <p:cNvPr id="6" name="Rectangle 5">
+            <a:extLst>
+              <a:ext uri="{FF2B5EF4-FFF2-40B4-BE49-F238E27FC236}">
+                <a16:creationId xmlns:a16="http://schemas.microsoft.com/office/drawing/2014/main" id="{D92D8630-B0A9-0CCB-D7DA-1FD8673A70A1}"/>
+              </a:ext>
+            </a:extLst>
+          </p:cNvPr>
+          <p:cNvSpPr/>
+          <p:nvPr/>
+        </p:nvSpPr>
+        <p:spPr>
+          <a:xfrm>
+            <a:off x="5982789" y="3047199"/>
+            <a:ext cx="2081348" cy="1202583"/>
+          </a:xfrm>
+          <a:prstGeom prst="rect">
+            <a:avLst/>
+          </a:prstGeom>
+          <a:noFill/>
+          <a:ln>
+            <a:solidFill>
+              <a:schemeClr val="accent1"/>
+            </a:solidFill>
+          </a:ln>
+        </p:spPr>
+        <p:style>
+          <a:lnRef idx="2">
+            <a:schemeClr val="accent1">
+              <a:shade val="15000"/>
+            </a:schemeClr>
+          </a:lnRef>
+          <a:fillRef idx="1">
+            <a:schemeClr val="accent1"/>
+          </a:fillRef>
+          <a:effectRef idx="0">
+            <a:schemeClr val="accent1"/>
+          </a:effectRef>
+          <a:fontRef idx="minor">
+            <a:schemeClr val="lt1"/>
+          </a:fontRef>
+        </p:style>
+        <p:txBody>
+          <a:bodyPr rtlCol="0" anchor="ctr"/>
+          <a:lstStyle/>
+          <a:p>
+            <a:pPr algn="ctr"/>
+            <a:endParaRPr lang="en-US"/>
+          </a:p>
+        </p:txBody>
+      </p:sp>
+      <p:pic>
+        <p:nvPicPr>
+          <p:cNvPr id="10" name="Graphic 9">
+            <a:extLst>
+              <a:ext uri="{FF2B5EF4-FFF2-40B4-BE49-F238E27FC236}">
+                <a16:creationId xmlns:a16="http://schemas.microsoft.com/office/drawing/2014/main" id="{DAB0C7E9-0946-8AE3-6A6A-1A3139BB3E1B}"/>
+              </a:ext>
+            </a:extLst>
+          </p:cNvPr>
+          <p:cNvPicPr>
+            <a:picLocks noChangeAspect="1"/>
+          </p:cNvPicPr>
+          <p:nvPr/>
+        </p:nvPicPr>
+        <p:blipFill>
+          <a:blip r:embed="rId5">
+            <a:extLst>
+              <a:ext uri="{28A0092B-C50C-407E-A947-70E740481C1C}">
+                <a14:useLocalDpi xmlns:a14="http://schemas.microsoft.com/office/drawing/2010/main" val="0"/>
+              </a:ext>
+              <a:ext uri="{96DAC541-7B7A-43D3-8B79-37D633B846F1}">
+                <asvg:svgBlip xmlns:asvg="http://schemas.microsoft.com/office/drawing/2016/SVG/main" r:embed="rId6"/>
+              </a:ext>
+            </a:extLst>
+          </a:blip>
+          <a:stretch>
+            <a:fillRect/>
+          </a:stretch>
+        </p:blipFill>
+        <p:spPr>
+          <a:xfrm>
+            <a:off x="5982789" y="4007303"/>
+            <a:ext cx="242479" cy="242479"/>
+          </a:xfrm>
+          <a:prstGeom prst="rect">
+            <a:avLst/>
+          </a:prstGeom>
+        </p:spPr>
+      </p:pic>
+      <p:sp>
+        <p:nvSpPr>
+          <p:cNvPr id="11" name="Rectangle 10">
+            <a:extLst>
+              <a:ext uri="{FF2B5EF4-FFF2-40B4-BE49-F238E27FC236}">
+                <a16:creationId xmlns:a16="http://schemas.microsoft.com/office/drawing/2014/main" id="{B33AF6BE-5B65-A6A0-F157-EFC7702CA4E7}"/>
+              </a:ext>
+            </a:extLst>
+          </p:cNvPr>
+          <p:cNvSpPr/>
+          <p:nvPr/>
+        </p:nvSpPr>
+        <p:spPr>
+          <a:xfrm>
+            <a:off x="6096000" y="3143794"/>
+            <a:ext cx="757646" cy="792480"/>
+          </a:xfrm>
+          <a:prstGeom prst="rect">
+            <a:avLst/>
+          </a:prstGeom>
+          <a:noFill/>
+          <a:ln>
+            <a:prstDash val="dash"/>
+          </a:ln>
+        </p:spPr>
+        <p:style>
+          <a:lnRef idx="2">
+            <a:schemeClr val="accent1">
+              <a:shade val="15000"/>
+            </a:schemeClr>
+          </a:lnRef>
+          <a:fillRef idx="1">
+            <a:schemeClr val="accent1"/>
+          </a:fillRef>
+          <a:effectRef idx="0">
+            <a:schemeClr val="accent1"/>
+          </a:effectRef>
+          <a:fontRef idx="minor">
+            <a:schemeClr val="lt1"/>
+          </a:fontRef>
+        </p:style>
+        <p:txBody>
+          <a:bodyPr rtlCol="0" anchor="ctr"/>
+          <a:lstStyle/>
+          <a:p>
+            <a:pPr algn="ctr"/>
+            <a:endParaRPr lang="en-US"/>
+          </a:p>
+        </p:txBody>
+      </p:sp>
+      <p:sp>
+        <p:nvSpPr>
+          <p:cNvPr id="12" name="Rectangle 11">
+            <a:extLst>
+              <a:ext uri="{FF2B5EF4-FFF2-40B4-BE49-F238E27FC236}">
+                <a16:creationId xmlns:a16="http://schemas.microsoft.com/office/drawing/2014/main" id="{B1D5E9FC-CAD0-B908-B9D1-B0D0BAEA4B5E}"/>
+              </a:ext>
+            </a:extLst>
+          </p:cNvPr>
+          <p:cNvSpPr/>
+          <p:nvPr/>
+        </p:nvSpPr>
+        <p:spPr>
+          <a:xfrm>
+            <a:off x="7119257" y="3143794"/>
+            <a:ext cx="757646" cy="792480"/>
+          </a:xfrm>
+          <a:prstGeom prst="rect">
+            <a:avLst/>
+          </a:prstGeom>
+          <a:noFill/>
+          <a:ln>
+            <a:prstDash val="dash"/>
+          </a:ln>
+        </p:spPr>
+        <p:style>
+          <a:lnRef idx="2">
+            <a:schemeClr val="accent1">
+              <a:shade val="15000"/>
+            </a:schemeClr>
+          </a:lnRef>
+          <a:fillRef idx="1">
+            <a:schemeClr val="accent1"/>
+          </a:fillRef>
+          <a:effectRef idx="0">
+            <a:schemeClr val="accent1"/>
+          </a:effectRef>
+          <a:fontRef idx="minor">
+            <a:schemeClr val="lt1"/>
+          </a:fontRef>
+        </p:style>
+        <p:txBody>
+          <a:bodyPr rtlCol="0" anchor="ctr"/>
+          <a:lstStyle/>
+          <a:p>
+            <a:pPr algn="ctr"/>
+            <a:endParaRPr lang="en-US"/>
+          </a:p>
+        </p:txBody>
+      </p:sp>
+      <p:pic>
+        <p:nvPicPr>
+          <p:cNvPr id="13" name="Graphic 12">
+            <a:extLst>
+              <a:ext uri="{FF2B5EF4-FFF2-40B4-BE49-F238E27FC236}">
+                <a16:creationId xmlns:a16="http://schemas.microsoft.com/office/drawing/2014/main" id="{001065D0-629A-B4D5-27B4-9CD18FEDA3C3}"/>
+              </a:ext>
+            </a:extLst>
+          </p:cNvPr>
+          <p:cNvPicPr>
+            <a:picLocks noChangeAspect="1"/>
+          </p:cNvPicPr>
+          <p:nvPr/>
+        </p:nvPicPr>
+        <p:blipFill>
+          <a:blip r:embed="rId7">
+            <a:extLst>
+              <a:ext uri="{28A0092B-C50C-407E-A947-70E740481C1C}">
+                <a14:useLocalDpi xmlns:a14="http://schemas.microsoft.com/office/drawing/2010/main" val="0"/>
+              </a:ext>
+              <a:ext uri="{96DAC541-7B7A-43D3-8B79-37D633B846F1}">
+                <asvg:svgBlip xmlns:asvg="http://schemas.microsoft.com/office/drawing/2016/SVG/main" r:embed="rId8"/>
+              </a:ext>
+            </a:extLst>
+          </a:blip>
+          <a:stretch>
+            <a:fillRect/>
+          </a:stretch>
+        </p:blipFill>
+        <p:spPr>
+          <a:xfrm>
+            <a:off x="7339803" y="3358459"/>
+            <a:ext cx="333974" cy="333974"/>
+          </a:xfrm>
+          <a:prstGeom prst="rect">
+            <a:avLst/>
+          </a:prstGeom>
+        </p:spPr>
+      </p:pic>
+      <p:sp>
+        <p:nvSpPr>
+          <p:cNvPr id="14" name="TextBox 13">
+            <a:extLst>
+              <a:ext uri="{FF2B5EF4-FFF2-40B4-BE49-F238E27FC236}">
+                <a16:creationId xmlns:a16="http://schemas.microsoft.com/office/drawing/2014/main" id="{77C1DF8C-B9F2-ABAF-362D-6338FDA6456D}"/>
+              </a:ext>
+            </a:extLst>
+          </p:cNvPr>
+          <p:cNvSpPr txBox="1"/>
+          <p:nvPr/>
+        </p:nvSpPr>
+        <p:spPr>
+          <a:xfrm>
+            <a:off x="8819182" y="3990042"/>
+            <a:ext cx="3271088" cy="276999"/>
+          </a:xfrm>
+          <a:prstGeom prst="rect">
+            <a:avLst/>
+          </a:prstGeom>
+          <a:noFill/>
+        </p:spPr>
+        <p:txBody>
+          <a:bodyPr wrap="none" rtlCol="0">
+            <a:spAutoFit/>
+          </a:bodyPr>
+          <a:lstStyle/>
+          <a:p>
+            <a:r>
+              <a:rPr lang="nb-NO" sz="1200" dirty="0"/>
+              <a:t>foobar.database.windows.net  A   52.236.184.163</a:t>
+            </a:r>
+            <a:endParaRPr lang="en-US" sz="1200" dirty="0"/>
+          </a:p>
+        </p:txBody>
+      </p:sp>
+      <p:pic>
+        <p:nvPicPr>
+          <p:cNvPr id="16" name="Graphic 15">
+            <a:extLst>
+              <a:ext uri="{FF2B5EF4-FFF2-40B4-BE49-F238E27FC236}">
+                <a16:creationId xmlns:a16="http://schemas.microsoft.com/office/drawing/2014/main" id="{AFB62DB9-036F-DCA7-CC91-C698031EACB9}"/>
+              </a:ext>
+            </a:extLst>
+          </p:cNvPr>
+          <p:cNvPicPr>
+            <a:picLocks noChangeAspect="1"/>
+          </p:cNvPicPr>
+          <p:nvPr/>
+        </p:nvPicPr>
+        <p:blipFill>
+          <a:blip r:embed="rId9">
+            <a:extLst>
+              <a:ext uri="{28A0092B-C50C-407E-A947-70E740481C1C}">
+                <a14:useLocalDpi xmlns:a14="http://schemas.microsoft.com/office/drawing/2010/main" val="0"/>
+              </a:ext>
+              <a:ext uri="{96DAC541-7B7A-43D3-8B79-37D633B846F1}">
+                <asvg:svgBlip xmlns:asvg="http://schemas.microsoft.com/office/drawing/2016/SVG/main" r:embed="rId10"/>
+              </a:ext>
+            </a:extLst>
+          </a:blip>
+          <a:stretch>
+            <a:fillRect/>
+          </a:stretch>
+        </p:blipFill>
+        <p:spPr>
+          <a:xfrm>
+            <a:off x="6292854" y="3347571"/>
+            <a:ext cx="353937" cy="353937"/>
+          </a:xfrm>
+          <a:prstGeom prst="rect">
+            <a:avLst/>
+          </a:prstGeom>
+        </p:spPr>
+      </p:pic>
+      <p:pic>
+        <p:nvPicPr>
+          <p:cNvPr id="18" name="Graphic 17">
+            <a:extLst>
+              <a:ext uri="{FF2B5EF4-FFF2-40B4-BE49-F238E27FC236}">
+                <a16:creationId xmlns:a16="http://schemas.microsoft.com/office/drawing/2014/main" id="{F074AA67-A355-6615-D04A-514829AFFA34}"/>
+              </a:ext>
+            </a:extLst>
+          </p:cNvPr>
+          <p:cNvPicPr>
+            <a:picLocks noChangeAspect="1"/>
+          </p:cNvPicPr>
+          <p:nvPr/>
+        </p:nvPicPr>
+        <p:blipFill>
+          <a:blip r:embed="rId11">
+            <a:extLst>
+              <a:ext uri="{28A0092B-C50C-407E-A947-70E740481C1C}">
+                <a14:useLocalDpi xmlns:a14="http://schemas.microsoft.com/office/drawing/2010/main" val="0"/>
+              </a:ext>
+              <a:ext uri="{96DAC541-7B7A-43D3-8B79-37D633B846F1}">
+                <asvg:svgBlip xmlns:asvg="http://schemas.microsoft.com/office/drawing/2016/SVG/main" r:embed="rId12"/>
+              </a:ext>
+            </a:extLst>
+          </a:blip>
+          <a:stretch>
+            <a:fillRect/>
+          </a:stretch>
+        </p:blipFill>
+        <p:spPr>
+          <a:xfrm>
+            <a:off x="8360553" y="1994191"/>
+            <a:ext cx="458629" cy="458629"/>
+          </a:xfrm>
+          <a:prstGeom prst="rect">
+            <a:avLst/>
+          </a:prstGeom>
+        </p:spPr>
+      </p:pic>
+      <p:sp>
+        <p:nvSpPr>
+          <p:cNvPr id="19" name="TextBox 18">
+            <a:extLst>
+              <a:ext uri="{FF2B5EF4-FFF2-40B4-BE49-F238E27FC236}">
+                <a16:creationId xmlns:a16="http://schemas.microsoft.com/office/drawing/2014/main" id="{5BEECB07-F8D5-B570-7B6B-0910D05641BF}"/>
+              </a:ext>
+            </a:extLst>
+          </p:cNvPr>
+          <p:cNvSpPr txBox="1"/>
+          <p:nvPr/>
+        </p:nvSpPr>
+        <p:spPr>
+          <a:xfrm>
+            <a:off x="7418841" y="1753385"/>
+            <a:ext cx="2342051" cy="276999"/>
+          </a:xfrm>
+          <a:prstGeom prst="rect">
+            <a:avLst/>
+          </a:prstGeom>
+          <a:noFill/>
+        </p:spPr>
+        <p:txBody>
+          <a:bodyPr wrap="none" rtlCol="0">
+            <a:spAutoFit/>
+          </a:bodyPr>
+          <a:lstStyle/>
+          <a:p>
+            <a:r>
+              <a:rPr lang="nb-NO" sz="1200" dirty="0"/>
+              <a:t>privatelink.database.windows.net</a:t>
+            </a:r>
+            <a:endParaRPr lang="en-US" sz="1200" dirty="0"/>
+          </a:p>
+        </p:txBody>
+      </p:sp>
+      <p:sp>
+        <p:nvSpPr>
+          <p:cNvPr id="20" name="TextBox 19">
+            <a:extLst>
+              <a:ext uri="{FF2B5EF4-FFF2-40B4-BE49-F238E27FC236}">
+                <a16:creationId xmlns:a16="http://schemas.microsoft.com/office/drawing/2014/main" id="{F9BB1316-A461-0AD1-E00C-00188CD4323F}"/>
+              </a:ext>
+            </a:extLst>
+          </p:cNvPr>
+          <p:cNvSpPr txBox="1"/>
+          <p:nvPr/>
+        </p:nvSpPr>
+        <p:spPr>
+          <a:xfrm>
+            <a:off x="6168777" y="3990042"/>
+            <a:ext cx="987771" cy="276999"/>
+          </a:xfrm>
+          <a:prstGeom prst="rect">
+            <a:avLst/>
+          </a:prstGeom>
+          <a:noFill/>
+        </p:spPr>
+        <p:txBody>
+          <a:bodyPr wrap="none" rtlCol="0">
+            <a:spAutoFit/>
+          </a:bodyPr>
+          <a:lstStyle/>
+          <a:p>
+            <a:r>
+              <a:rPr lang="nb-NO" sz="1200" dirty="0"/>
+              <a:t>10.10.0.0/24</a:t>
+            </a:r>
+            <a:endParaRPr lang="en-US" sz="1200" dirty="0"/>
+          </a:p>
+        </p:txBody>
+      </p:sp>
+      <p:sp>
+        <p:nvSpPr>
+          <p:cNvPr id="21" name="TextBox 20">
+            <a:extLst>
+              <a:ext uri="{FF2B5EF4-FFF2-40B4-BE49-F238E27FC236}">
+                <a16:creationId xmlns:a16="http://schemas.microsoft.com/office/drawing/2014/main" id="{51F8C59E-3550-1AF1-3A0F-284A822D9FC3}"/>
+              </a:ext>
+            </a:extLst>
+          </p:cNvPr>
+          <p:cNvSpPr txBox="1"/>
+          <p:nvPr/>
+        </p:nvSpPr>
+        <p:spPr>
+          <a:xfrm>
+            <a:off x="7118929" y="3692433"/>
+            <a:ext cx="771365" cy="276999"/>
+          </a:xfrm>
+          <a:prstGeom prst="rect">
+            <a:avLst/>
+          </a:prstGeom>
+          <a:noFill/>
+        </p:spPr>
+        <p:txBody>
+          <a:bodyPr wrap="none" rtlCol="0">
+            <a:spAutoFit/>
+          </a:bodyPr>
+          <a:lstStyle/>
+          <a:p>
+            <a:r>
+              <a:rPr lang="nb-NO" sz="1200" dirty="0"/>
+              <a:t>10.10.0.6</a:t>
+            </a:r>
+            <a:endParaRPr lang="en-US" sz="1200" dirty="0"/>
+          </a:p>
+        </p:txBody>
+      </p:sp>
+      <p:sp>
+        <p:nvSpPr>
+          <p:cNvPr id="22" name="TextBox 21">
+            <a:extLst>
+              <a:ext uri="{FF2B5EF4-FFF2-40B4-BE49-F238E27FC236}">
+                <a16:creationId xmlns:a16="http://schemas.microsoft.com/office/drawing/2014/main" id="{AF32389D-3C68-0032-B19F-D540077C88CB}"/>
+              </a:ext>
+            </a:extLst>
+          </p:cNvPr>
+          <p:cNvSpPr txBox="1"/>
+          <p:nvPr/>
+        </p:nvSpPr>
+        <p:spPr>
+          <a:xfrm>
+            <a:off x="7685051" y="2503866"/>
+            <a:ext cx="3642472" cy="276999"/>
+          </a:xfrm>
+          <a:prstGeom prst="rect">
+            <a:avLst/>
+          </a:prstGeom>
+          <a:noFill/>
+        </p:spPr>
+        <p:txBody>
+          <a:bodyPr wrap="none" rtlCol="0">
+            <a:spAutoFit/>
+          </a:bodyPr>
+          <a:lstStyle/>
+          <a:p>
+            <a:r>
+              <a:rPr lang="nb-NO" sz="1200" dirty="0"/>
+              <a:t>foobar.privatelink.database.windows.net    A    10.10.0.6</a:t>
+            </a:r>
+            <a:endParaRPr lang="en-US" sz="1200" dirty="0"/>
+          </a:p>
+        </p:txBody>
+      </p:sp>
+      <p:cxnSp>
+        <p:nvCxnSpPr>
+          <p:cNvPr id="24" name="Straight Arrow Connector 23">
+            <a:extLst>
+              <a:ext uri="{FF2B5EF4-FFF2-40B4-BE49-F238E27FC236}">
+                <a16:creationId xmlns:a16="http://schemas.microsoft.com/office/drawing/2014/main" id="{CBC2E845-1067-0A7A-9BC8-1E605B45A460}"/>
+              </a:ext>
+            </a:extLst>
+          </p:cNvPr>
+          <p:cNvCxnSpPr>
+            <a:stCxn id="13" idx="3"/>
+            <a:endCxn id="5" idx="1"/>
+          </p:cNvCxnSpPr>
+          <p:nvPr/>
+        </p:nvCxnSpPr>
+        <p:spPr>
+          <a:xfrm flipV="1">
+            <a:off x="7673777" y="3522616"/>
+            <a:ext cx="1776383" cy="2830"/>
+          </a:xfrm>
+          <a:prstGeom prst="straightConnector1">
+            <a:avLst/>
+          </a:prstGeom>
+          <a:ln>
+            <a:tailEnd type="triangle"/>
+          </a:ln>
+        </p:spPr>
+        <p:style>
+          <a:lnRef idx="1">
+            <a:schemeClr val="accent1"/>
+          </a:lnRef>
+          <a:fillRef idx="0">
+            <a:schemeClr val="accent1"/>
+          </a:fillRef>
+          <a:effectRef idx="0">
+            <a:schemeClr val="accent1"/>
+          </a:effectRef>
+          <a:fontRef idx="minor">
+            <a:schemeClr val="tx1"/>
+          </a:fontRef>
+        </p:style>
+      </p:cxnSp>
+      <p:cxnSp>
+        <p:nvCxnSpPr>
+          <p:cNvPr id="26" name="Straight Arrow Connector 25">
+            <a:extLst>
+              <a:ext uri="{FF2B5EF4-FFF2-40B4-BE49-F238E27FC236}">
+                <a16:creationId xmlns:a16="http://schemas.microsoft.com/office/drawing/2014/main" id="{AEF8DFE5-AE4E-ABBD-0FE5-DE9D89E283AB}"/>
+              </a:ext>
+            </a:extLst>
+          </p:cNvPr>
+          <p:cNvCxnSpPr>
+            <a:cxnSpLocks/>
+          </p:cNvCxnSpPr>
+          <p:nvPr/>
+        </p:nvCxnSpPr>
+        <p:spPr>
+          <a:xfrm flipV="1">
+            <a:off x="6662452" y="3424175"/>
+            <a:ext cx="2803369" cy="1924"/>
+          </a:xfrm>
+          <a:prstGeom prst="straightConnector1">
+            <a:avLst/>
+          </a:prstGeom>
+          <a:ln>
+            <a:tailEnd type="triangle"/>
+          </a:ln>
+        </p:spPr>
+        <p:style>
+          <a:lnRef idx="1">
+            <a:schemeClr val="accent1"/>
+          </a:lnRef>
+          <a:fillRef idx="0">
+            <a:schemeClr val="accent1"/>
+          </a:fillRef>
+          <a:effectRef idx="0">
+            <a:schemeClr val="accent1"/>
+          </a:effectRef>
+          <a:fontRef idx="minor">
+            <a:schemeClr val="tx1"/>
+          </a:fontRef>
+        </p:style>
+      </p:cxnSp>
+      <p:cxnSp>
+        <p:nvCxnSpPr>
+          <p:cNvPr id="28" name="Straight Arrow Connector 27">
+            <a:extLst>
+              <a:ext uri="{FF2B5EF4-FFF2-40B4-BE49-F238E27FC236}">
+                <a16:creationId xmlns:a16="http://schemas.microsoft.com/office/drawing/2014/main" id="{578832CF-4C4B-B551-028E-5B381C5D481B}"/>
+              </a:ext>
+            </a:extLst>
+          </p:cNvPr>
+          <p:cNvCxnSpPr>
+            <a:stCxn id="13" idx="0"/>
+          </p:cNvCxnSpPr>
+          <p:nvPr/>
+        </p:nvCxnSpPr>
+        <p:spPr>
+          <a:xfrm flipV="1">
+            <a:off x="7506790" y="2351314"/>
+            <a:ext cx="940524" cy="1007145"/>
+          </a:xfrm>
+          <a:prstGeom prst="straightConnector1">
+            <a:avLst/>
+          </a:prstGeom>
+          <a:ln>
+            <a:tailEnd type="triangle"/>
+          </a:ln>
+        </p:spPr>
+        <p:style>
+          <a:lnRef idx="1">
+            <a:schemeClr val="accent1"/>
+          </a:lnRef>
+          <a:fillRef idx="0">
+            <a:schemeClr val="accent1"/>
+          </a:fillRef>
+          <a:effectRef idx="0">
+            <a:schemeClr val="accent1"/>
+          </a:effectRef>
+          <a:fontRef idx="minor">
+            <a:schemeClr val="tx1"/>
+          </a:fontRef>
+        </p:style>
+      </p:cxnSp>
+      <p:pic>
+        <p:nvPicPr>
+          <p:cNvPr id="31" name="Picture 30">
+            <a:extLst>
+              <a:ext uri="{FF2B5EF4-FFF2-40B4-BE49-F238E27FC236}">
+                <a16:creationId xmlns:a16="http://schemas.microsoft.com/office/drawing/2014/main" id="{AF603146-2F0C-A52D-5709-6A61728A2BDB}"/>
+              </a:ext>
+            </a:extLst>
+          </p:cNvPr>
+          <p:cNvPicPr>
+            <a:picLocks noChangeAspect="1"/>
+          </p:cNvPicPr>
+          <p:nvPr/>
+        </p:nvPicPr>
+        <p:blipFill>
+          <a:blip r:embed="rId13"/>
+          <a:stretch>
+            <a:fillRect/>
+          </a:stretch>
+        </p:blipFill>
+        <p:spPr>
+          <a:xfrm>
+            <a:off x="198044" y="4703710"/>
+            <a:ext cx="5408935" cy="1709721"/>
+          </a:xfrm>
+          <a:prstGeom prst="rect">
+            <a:avLst/>
+          </a:prstGeom>
+        </p:spPr>
+      </p:pic>
+      <p:pic>
+        <p:nvPicPr>
+          <p:cNvPr id="33" name="Picture 32">
+            <a:extLst>
+              <a:ext uri="{FF2B5EF4-FFF2-40B4-BE49-F238E27FC236}">
+                <a16:creationId xmlns:a16="http://schemas.microsoft.com/office/drawing/2014/main" id="{B48F445A-FE1D-E82D-426B-BF98BC1E347F}"/>
+              </a:ext>
+            </a:extLst>
+          </p:cNvPr>
+          <p:cNvPicPr>
+            <a:picLocks noChangeAspect="1"/>
+          </p:cNvPicPr>
+          <p:nvPr/>
+        </p:nvPicPr>
+        <p:blipFill>
+          <a:blip r:embed="rId14"/>
+          <a:stretch>
+            <a:fillRect/>
+          </a:stretch>
+        </p:blipFill>
+        <p:spPr>
+          <a:xfrm>
+            <a:off x="5690270" y="4722315"/>
+            <a:ext cx="6400000" cy="1657143"/>
+          </a:xfrm>
+          <a:prstGeom prst="rect">
+            <a:avLst/>
+          </a:prstGeom>
+        </p:spPr>
+      </p:pic>
+      <p:cxnSp>
+        <p:nvCxnSpPr>
+          <p:cNvPr id="35" name="Connector: Elbow 34">
+            <a:extLst>
+              <a:ext uri="{FF2B5EF4-FFF2-40B4-BE49-F238E27FC236}">
+                <a16:creationId xmlns:a16="http://schemas.microsoft.com/office/drawing/2014/main" id="{41CBFCDD-4727-3D3E-22F8-D140BA600328}"/>
+              </a:ext>
+            </a:extLst>
+          </p:cNvPr>
+          <p:cNvCxnSpPr>
+            <a:cxnSpLocks/>
+            <a:stCxn id="18" idx="1"/>
+            <a:endCxn id="6" idx="0"/>
+          </p:cNvCxnSpPr>
+          <p:nvPr/>
+        </p:nvCxnSpPr>
+        <p:spPr>
+          <a:xfrm rot="10800000" flipV="1">
+            <a:off x="7023463" y="2223505"/>
+            <a:ext cx="1337090" cy="823693"/>
+          </a:xfrm>
+          <a:prstGeom prst="bentConnector2">
+            <a:avLst/>
+          </a:prstGeom>
+        </p:spPr>
+        <p:style>
+          <a:lnRef idx="1">
+            <a:schemeClr val="accent1"/>
+          </a:lnRef>
+          <a:fillRef idx="0">
+            <a:schemeClr val="accent1"/>
+          </a:fillRef>
+          <a:effectRef idx="0">
+            <a:schemeClr val="accent1"/>
+          </a:effectRef>
+          <a:fontRef idx="minor">
+            <a:schemeClr val="tx1"/>
+          </a:fontRef>
+        </p:style>
+      </p:cxnSp>
     </p:spTree>
     <p:extLst>
       <p:ext uri="{BB962C8B-B14F-4D97-AF65-F5344CB8AC3E}">
@@ -11472,6 +12229,770 @@
   <p:clrMapOvr>
     <a:masterClrMapping/>
   </p:clrMapOvr>
+  <p:timing>
+    <p:tnLst>
+      <p:par>
+        <p:cTn id="1" dur="indefinite" restart="never" nodeType="tmRoot">
+          <p:childTnLst>
+            <p:seq concurrent="1" nextAc="seek">
+              <p:cTn id="2" dur="indefinite" nodeType="mainSeq">
+                <p:childTnLst>
+                  <p:par>
+                    <p:cTn id="3" fill="hold">
+                      <p:stCondLst>
+                        <p:cond delay="indefinite"/>
+                      </p:stCondLst>
+                      <p:childTnLst>
+                        <p:par>
+                          <p:cTn id="4" fill="hold">
+                            <p:stCondLst>
+                              <p:cond delay="0"/>
+                            </p:stCondLst>
+                            <p:childTnLst>
+                              <p:par>
+                                <p:cTn id="5" presetID="1" presetClass="entr" presetSubtype="0" fill="hold" grpId="0" nodeType="clickEffect">
+                                  <p:stCondLst>
+                                    <p:cond delay="0"/>
+                                  </p:stCondLst>
+                                  <p:childTnLst>
+                                    <p:set>
+                                      <p:cBhvr>
+                                        <p:cTn id="6" dur="1" fill="hold">
+                                          <p:stCondLst>
+                                            <p:cond delay="0"/>
+                                          </p:stCondLst>
+                                        </p:cTn>
+                                        <p:tgtEl>
+                                          <p:spTgt spid="20"/>
+                                        </p:tgtEl>
+                                        <p:attrNameLst>
+                                          <p:attrName>style.visibility</p:attrName>
+                                        </p:attrNameLst>
+                                      </p:cBhvr>
+                                      <p:to>
+                                        <p:strVal val="visible"/>
+                                      </p:to>
+                                    </p:set>
+                                  </p:childTnLst>
+                                </p:cTn>
+                              </p:par>
+                              <p:par>
+                                <p:cTn id="7" presetID="1" presetClass="entr" presetSubtype="0" fill="hold" grpId="0" nodeType="withEffect">
+                                  <p:stCondLst>
+                                    <p:cond delay="0"/>
+                                  </p:stCondLst>
+                                  <p:childTnLst>
+                                    <p:set>
+                                      <p:cBhvr>
+                                        <p:cTn id="8" dur="1" fill="hold">
+                                          <p:stCondLst>
+                                            <p:cond delay="0"/>
+                                          </p:stCondLst>
+                                        </p:cTn>
+                                        <p:tgtEl>
+                                          <p:spTgt spid="11"/>
+                                        </p:tgtEl>
+                                        <p:attrNameLst>
+                                          <p:attrName>style.visibility</p:attrName>
+                                        </p:attrNameLst>
+                                      </p:cBhvr>
+                                      <p:to>
+                                        <p:strVal val="visible"/>
+                                      </p:to>
+                                    </p:set>
+                                  </p:childTnLst>
+                                </p:cTn>
+                              </p:par>
+                              <p:par>
+                                <p:cTn id="9" presetID="1" presetClass="entr" presetSubtype="0" fill="hold" nodeType="withEffect">
+                                  <p:stCondLst>
+                                    <p:cond delay="0"/>
+                                  </p:stCondLst>
+                                  <p:childTnLst>
+                                    <p:set>
+                                      <p:cBhvr>
+                                        <p:cTn id="10" dur="1" fill="hold">
+                                          <p:stCondLst>
+                                            <p:cond delay="0"/>
+                                          </p:stCondLst>
+                                        </p:cTn>
+                                        <p:tgtEl>
+                                          <p:spTgt spid="16"/>
+                                        </p:tgtEl>
+                                        <p:attrNameLst>
+                                          <p:attrName>style.visibility</p:attrName>
+                                        </p:attrNameLst>
+                                      </p:cBhvr>
+                                      <p:to>
+                                        <p:strVal val="visible"/>
+                                      </p:to>
+                                    </p:set>
+                                  </p:childTnLst>
+                                </p:cTn>
+                              </p:par>
+                              <p:par>
+                                <p:cTn id="11" presetID="1" presetClass="entr" presetSubtype="0" fill="hold" grpId="0" nodeType="withEffect">
+                                  <p:stCondLst>
+                                    <p:cond delay="0"/>
+                                  </p:stCondLst>
+                                  <p:childTnLst>
+                                    <p:set>
+                                      <p:cBhvr>
+                                        <p:cTn id="12" dur="1" fill="hold">
+                                          <p:stCondLst>
+                                            <p:cond delay="0"/>
+                                          </p:stCondLst>
+                                        </p:cTn>
+                                        <p:tgtEl>
+                                          <p:spTgt spid="12"/>
+                                        </p:tgtEl>
+                                        <p:attrNameLst>
+                                          <p:attrName>style.visibility</p:attrName>
+                                        </p:attrNameLst>
+                                      </p:cBhvr>
+                                      <p:to>
+                                        <p:strVal val="visible"/>
+                                      </p:to>
+                                    </p:set>
+                                  </p:childTnLst>
+                                </p:cTn>
+                              </p:par>
+                              <p:par>
+                                <p:cTn id="13" presetID="1" presetClass="entr" presetSubtype="0" fill="hold" grpId="0" nodeType="withEffect">
+                                  <p:stCondLst>
+                                    <p:cond delay="0"/>
+                                  </p:stCondLst>
+                                  <p:childTnLst>
+                                    <p:set>
+                                      <p:cBhvr>
+                                        <p:cTn id="14" dur="1" fill="hold">
+                                          <p:stCondLst>
+                                            <p:cond delay="0"/>
+                                          </p:stCondLst>
+                                        </p:cTn>
+                                        <p:tgtEl>
+                                          <p:spTgt spid="6"/>
+                                        </p:tgtEl>
+                                        <p:attrNameLst>
+                                          <p:attrName>style.visibility</p:attrName>
+                                        </p:attrNameLst>
+                                      </p:cBhvr>
+                                      <p:to>
+                                        <p:strVal val="visible"/>
+                                      </p:to>
+                                    </p:set>
+                                  </p:childTnLst>
+                                </p:cTn>
+                              </p:par>
+                              <p:par>
+                                <p:cTn id="15" presetID="1" presetClass="entr" presetSubtype="0" fill="hold" nodeType="withEffect">
+                                  <p:stCondLst>
+                                    <p:cond delay="0"/>
+                                  </p:stCondLst>
+                                  <p:childTnLst>
+                                    <p:set>
+                                      <p:cBhvr>
+                                        <p:cTn id="16" dur="1" fill="hold">
+                                          <p:stCondLst>
+                                            <p:cond delay="0"/>
+                                          </p:stCondLst>
+                                        </p:cTn>
+                                        <p:tgtEl>
+                                          <p:spTgt spid="10"/>
+                                        </p:tgtEl>
+                                        <p:attrNameLst>
+                                          <p:attrName>style.visibility</p:attrName>
+                                        </p:attrNameLst>
+                                      </p:cBhvr>
+                                      <p:to>
+                                        <p:strVal val="visible"/>
+                                      </p:to>
+                                    </p:set>
+                                  </p:childTnLst>
+                                </p:cTn>
+                              </p:par>
+                              <p:par>
+                                <p:cTn id="17" presetID="1" presetClass="entr" presetSubtype="0" fill="hold" nodeType="withEffect">
+                                  <p:stCondLst>
+                                    <p:cond delay="0"/>
+                                  </p:stCondLst>
+                                  <p:childTnLst>
+                                    <p:set>
+                                      <p:cBhvr>
+                                        <p:cTn id="18" dur="1" fill="hold">
+                                          <p:stCondLst>
+                                            <p:cond delay="0"/>
+                                          </p:stCondLst>
+                                        </p:cTn>
+                                        <p:tgtEl>
+                                          <p:spTgt spid="5"/>
+                                        </p:tgtEl>
+                                        <p:attrNameLst>
+                                          <p:attrName>style.visibility</p:attrName>
+                                        </p:attrNameLst>
+                                      </p:cBhvr>
+                                      <p:to>
+                                        <p:strVal val="visible"/>
+                                      </p:to>
+                                    </p:set>
+                                  </p:childTnLst>
+                                </p:cTn>
+                              </p:par>
+                              <p:par>
+                                <p:cTn id="19" presetID="1" presetClass="entr" presetSubtype="0" fill="hold" grpId="0" nodeType="withEffect">
+                                  <p:stCondLst>
+                                    <p:cond delay="0"/>
+                                  </p:stCondLst>
+                                  <p:childTnLst>
+                                    <p:set>
+                                      <p:cBhvr>
+                                        <p:cTn id="20" dur="1" fill="hold">
+                                          <p:stCondLst>
+                                            <p:cond delay="0"/>
+                                          </p:stCondLst>
+                                        </p:cTn>
+                                        <p:tgtEl>
+                                          <p:spTgt spid="14"/>
+                                        </p:tgtEl>
+                                        <p:attrNameLst>
+                                          <p:attrName>style.visibility</p:attrName>
+                                        </p:attrNameLst>
+                                      </p:cBhvr>
+                                      <p:to>
+                                        <p:strVal val="visible"/>
+                                      </p:to>
+                                    </p:set>
+                                  </p:childTnLst>
+                                </p:cTn>
+                              </p:par>
+                              <p:par>
+                                <p:cTn id="21" presetID="1" presetClass="entr" presetSubtype="0" fill="hold" nodeType="withEffect">
+                                  <p:stCondLst>
+                                    <p:cond delay="0"/>
+                                  </p:stCondLst>
+                                  <p:childTnLst>
+                                    <p:set>
+                                      <p:cBhvr>
+                                        <p:cTn id="22" dur="1" fill="hold">
+                                          <p:stCondLst>
+                                            <p:cond delay="0"/>
+                                          </p:stCondLst>
+                                        </p:cTn>
+                                        <p:tgtEl>
+                                          <p:spTgt spid="26"/>
+                                        </p:tgtEl>
+                                        <p:attrNameLst>
+                                          <p:attrName>style.visibility</p:attrName>
+                                        </p:attrNameLst>
+                                      </p:cBhvr>
+                                      <p:to>
+                                        <p:strVal val="visible"/>
+                                      </p:to>
+                                    </p:set>
+                                  </p:childTnLst>
+                                </p:cTn>
+                              </p:par>
+                              <p:par>
+                                <p:cTn id="23" presetID="1" presetClass="entr" presetSubtype="0" fill="hold" nodeType="withEffect">
+                                  <p:stCondLst>
+                                    <p:cond delay="0"/>
+                                  </p:stCondLst>
+                                  <p:childTnLst>
+                                    <p:set>
+                                      <p:cBhvr>
+                                        <p:cTn id="24" dur="1" fill="hold">
+                                          <p:stCondLst>
+                                            <p:cond delay="0"/>
+                                          </p:stCondLst>
+                                        </p:cTn>
+                                        <p:tgtEl>
+                                          <p:spTgt spid="31"/>
+                                        </p:tgtEl>
+                                        <p:attrNameLst>
+                                          <p:attrName>style.visibility</p:attrName>
+                                        </p:attrNameLst>
+                                      </p:cBhvr>
+                                      <p:to>
+                                        <p:strVal val="visible"/>
+                                      </p:to>
+                                    </p:set>
+                                  </p:childTnLst>
+                                </p:cTn>
+                              </p:par>
+                            </p:childTnLst>
+                          </p:cTn>
+                        </p:par>
+                      </p:childTnLst>
+                    </p:cTn>
+                  </p:par>
+                  <p:par>
+                    <p:cTn id="25" fill="hold">
+                      <p:stCondLst>
+                        <p:cond delay="indefinite"/>
+                      </p:stCondLst>
+                      <p:childTnLst>
+                        <p:par>
+                          <p:cTn id="26" fill="hold">
+                            <p:stCondLst>
+                              <p:cond delay="0"/>
+                            </p:stCondLst>
+                            <p:childTnLst>
+                              <p:par>
+                                <p:cTn id="27" presetID="1" presetClass="entr" presetSubtype="0" fill="hold" nodeType="clickEffect">
+                                  <p:stCondLst>
+                                    <p:cond delay="0"/>
+                                  </p:stCondLst>
+                                  <p:childTnLst>
+                                    <p:set>
+                                      <p:cBhvr>
+                                        <p:cTn id="28" dur="1" fill="hold">
+                                          <p:stCondLst>
+                                            <p:cond delay="0"/>
+                                          </p:stCondLst>
+                                        </p:cTn>
+                                        <p:tgtEl>
+                                          <p:spTgt spid="13"/>
+                                        </p:tgtEl>
+                                        <p:attrNameLst>
+                                          <p:attrName>style.visibility</p:attrName>
+                                        </p:attrNameLst>
+                                      </p:cBhvr>
+                                      <p:to>
+                                        <p:strVal val="visible"/>
+                                      </p:to>
+                                    </p:set>
+                                  </p:childTnLst>
+                                </p:cTn>
+                              </p:par>
+                              <p:par>
+                                <p:cTn id="29" presetID="1" presetClass="entr" presetSubtype="0" fill="hold" nodeType="withEffect">
+                                  <p:stCondLst>
+                                    <p:cond delay="0"/>
+                                  </p:stCondLst>
+                                  <p:childTnLst>
+                                    <p:set>
+                                      <p:cBhvr>
+                                        <p:cTn id="30" dur="1" fill="hold">
+                                          <p:stCondLst>
+                                            <p:cond delay="0"/>
+                                          </p:stCondLst>
+                                        </p:cTn>
+                                        <p:tgtEl>
+                                          <p:spTgt spid="18"/>
+                                        </p:tgtEl>
+                                        <p:attrNameLst>
+                                          <p:attrName>style.visibility</p:attrName>
+                                        </p:attrNameLst>
+                                      </p:cBhvr>
+                                      <p:to>
+                                        <p:strVal val="visible"/>
+                                      </p:to>
+                                    </p:set>
+                                  </p:childTnLst>
+                                </p:cTn>
+                              </p:par>
+                            </p:childTnLst>
+                          </p:cTn>
+                        </p:par>
+                        <p:par>
+                          <p:cTn id="31" fill="hold">
+                            <p:stCondLst>
+                              <p:cond delay="0"/>
+                            </p:stCondLst>
+                            <p:childTnLst>
+                              <p:par>
+                                <p:cTn id="32" presetID="1" presetClass="entr" presetSubtype="0" fill="hold" nodeType="afterEffect">
+                                  <p:stCondLst>
+                                    <p:cond delay="0"/>
+                                  </p:stCondLst>
+                                  <p:childTnLst>
+                                    <p:set>
+                                      <p:cBhvr>
+                                        <p:cTn id="33" dur="1" fill="hold">
+                                          <p:stCondLst>
+                                            <p:cond delay="0"/>
+                                          </p:stCondLst>
+                                        </p:cTn>
+                                        <p:tgtEl>
+                                          <p:spTgt spid="35"/>
+                                        </p:tgtEl>
+                                        <p:attrNameLst>
+                                          <p:attrName>style.visibility</p:attrName>
+                                        </p:attrNameLst>
+                                      </p:cBhvr>
+                                      <p:to>
+                                        <p:strVal val="visible"/>
+                                      </p:to>
+                                    </p:set>
+                                  </p:childTnLst>
+                                </p:cTn>
+                              </p:par>
+                              <p:par>
+                                <p:cTn id="34" presetID="1" presetClass="entr" presetSubtype="0" fill="hold" grpId="0" nodeType="withEffect">
+                                  <p:stCondLst>
+                                    <p:cond delay="0"/>
+                                  </p:stCondLst>
+                                  <p:childTnLst>
+                                    <p:set>
+                                      <p:cBhvr>
+                                        <p:cTn id="35" dur="1" fill="hold">
+                                          <p:stCondLst>
+                                            <p:cond delay="0"/>
+                                          </p:stCondLst>
+                                        </p:cTn>
+                                        <p:tgtEl>
+                                          <p:spTgt spid="19"/>
+                                        </p:tgtEl>
+                                        <p:attrNameLst>
+                                          <p:attrName>style.visibility</p:attrName>
+                                        </p:attrNameLst>
+                                      </p:cBhvr>
+                                      <p:to>
+                                        <p:strVal val="visible"/>
+                                      </p:to>
+                                    </p:set>
+                                  </p:childTnLst>
+                                </p:cTn>
+                              </p:par>
+                              <p:par>
+                                <p:cTn id="36" presetID="1" presetClass="entr" presetSubtype="0" fill="hold" grpId="0" nodeType="withEffect">
+                                  <p:stCondLst>
+                                    <p:cond delay="0"/>
+                                  </p:stCondLst>
+                                  <p:childTnLst>
+                                    <p:set>
+                                      <p:cBhvr>
+                                        <p:cTn id="37" dur="1" fill="hold">
+                                          <p:stCondLst>
+                                            <p:cond delay="0"/>
+                                          </p:stCondLst>
+                                        </p:cTn>
+                                        <p:tgtEl>
+                                          <p:spTgt spid="21"/>
+                                        </p:tgtEl>
+                                        <p:attrNameLst>
+                                          <p:attrName>style.visibility</p:attrName>
+                                        </p:attrNameLst>
+                                      </p:cBhvr>
+                                      <p:to>
+                                        <p:strVal val="visible"/>
+                                      </p:to>
+                                    </p:set>
+                                  </p:childTnLst>
+                                </p:cTn>
+                              </p:par>
+                            </p:childTnLst>
+                          </p:cTn>
+                        </p:par>
+                      </p:childTnLst>
+                    </p:cTn>
+                  </p:par>
+                  <p:par>
+                    <p:cTn id="38" fill="hold">
+                      <p:stCondLst>
+                        <p:cond delay="indefinite"/>
+                      </p:stCondLst>
+                      <p:childTnLst>
+                        <p:par>
+                          <p:cTn id="39" fill="hold">
+                            <p:stCondLst>
+                              <p:cond delay="0"/>
+                            </p:stCondLst>
+                            <p:childTnLst>
+                              <p:par>
+                                <p:cTn id="40" presetID="1" presetClass="entr" presetSubtype="0" fill="hold" nodeType="clickEffect">
+                                  <p:stCondLst>
+                                    <p:cond delay="0"/>
+                                  </p:stCondLst>
+                                  <p:childTnLst>
+                                    <p:set>
+                                      <p:cBhvr>
+                                        <p:cTn id="41" dur="1" fill="hold">
+                                          <p:stCondLst>
+                                            <p:cond delay="0"/>
+                                          </p:stCondLst>
+                                        </p:cTn>
+                                        <p:tgtEl>
+                                          <p:spTgt spid="24"/>
+                                        </p:tgtEl>
+                                        <p:attrNameLst>
+                                          <p:attrName>style.visibility</p:attrName>
+                                        </p:attrNameLst>
+                                      </p:cBhvr>
+                                      <p:to>
+                                        <p:strVal val="visible"/>
+                                      </p:to>
+                                    </p:set>
+                                  </p:childTnLst>
+                                </p:cTn>
+                              </p:par>
+                              <p:par>
+                                <p:cTn id="42" presetID="1" presetClass="entr" presetSubtype="0" fill="hold" grpId="0" nodeType="withEffect">
+                                  <p:stCondLst>
+                                    <p:cond delay="0"/>
+                                  </p:stCondLst>
+                                  <p:childTnLst>
+                                    <p:set>
+                                      <p:cBhvr>
+                                        <p:cTn id="43" dur="1" fill="hold">
+                                          <p:stCondLst>
+                                            <p:cond delay="0"/>
+                                          </p:stCondLst>
+                                        </p:cTn>
+                                        <p:tgtEl>
+                                          <p:spTgt spid="22"/>
+                                        </p:tgtEl>
+                                        <p:attrNameLst>
+                                          <p:attrName>style.visibility</p:attrName>
+                                        </p:attrNameLst>
+                                      </p:cBhvr>
+                                      <p:to>
+                                        <p:strVal val="visible"/>
+                                      </p:to>
+                                    </p:set>
+                                  </p:childTnLst>
+                                </p:cTn>
+                              </p:par>
+                              <p:par>
+                                <p:cTn id="44" presetID="1" presetClass="entr" presetSubtype="0" fill="hold" nodeType="withEffect">
+                                  <p:stCondLst>
+                                    <p:cond delay="0"/>
+                                  </p:stCondLst>
+                                  <p:childTnLst>
+                                    <p:set>
+                                      <p:cBhvr>
+                                        <p:cTn id="45" dur="1" fill="hold">
+                                          <p:stCondLst>
+                                            <p:cond delay="0"/>
+                                          </p:stCondLst>
+                                        </p:cTn>
+                                        <p:tgtEl>
+                                          <p:spTgt spid="28"/>
+                                        </p:tgtEl>
+                                        <p:attrNameLst>
+                                          <p:attrName>style.visibility</p:attrName>
+                                        </p:attrNameLst>
+                                      </p:cBhvr>
+                                      <p:to>
+                                        <p:strVal val="visible"/>
+                                      </p:to>
+                                    </p:set>
+                                  </p:childTnLst>
+                                </p:cTn>
+                              </p:par>
+                              <p:par>
+                                <p:cTn id="46" presetID="1" presetClass="entr" presetSubtype="0" fill="hold" nodeType="withEffect">
+                                  <p:stCondLst>
+                                    <p:cond delay="0"/>
+                                  </p:stCondLst>
+                                  <p:childTnLst>
+                                    <p:set>
+                                      <p:cBhvr>
+                                        <p:cTn id="47" dur="1" fill="hold">
+                                          <p:stCondLst>
+                                            <p:cond delay="0"/>
+                                          </p:stCondLst>
+                                        </p:cTn>
+                                        <p:tgtEl>
+                                          <p:spTgt spid="33"/>
+                                        </p:tgtEl>
+                                        <p:attrNameLst>
+                                          <p:attrName>style.visibility</p:attrName>
+                                        </p:attrNameLst>
+                                      </p:cBhvr>
+                                      <p:to>
+                                        <p:strVal val="visible"/>
+                                      </p:to>
+                                    </p:set>
+                                  </p:childTnLst>
+                                </p:cTn>
+                              </p:par>
+                            </p:childTnLst>
+                          </p:cTn>
+                        </p:par>
+                      </p:childTnLst>
+                    </p:cTn>
+                  </p:par>
+                  <p:par>
+                    <p:cTn id="48" fill="hold">
+                      <p:stCondLst>
+                        <p:cond delay="indefinite"/>
+                      </p:stCondLst>
+                      <p:childTnLst>
+                        <p:par>
+                          <p:cTn id="49" fill="hold">
+                            <p:stCondLst>
+                              <p:cond delay="0"/>
+                            </p:stCondLst>
+                            <p:childTnLst>
+                              <p:par>
+                                <p:cTn id="50" presetID="1" presetClass="entr" presetSubtype="0" fill="hold" grpId="0" nodeType="clickEffect">
+                                  <p:stCondLst>
+                                    <p:cond delay="0"/>
+                                  </p:stCondLst>
+                                  <p:childTnLst>
+                                    <p:set>
+                                      <p:cBhvr>
+                                        <p:cTn id="51" dur="1" fill="hold">
+                                          <p:stCondLst>
+                                            <p:cond delay="0"/>
+                                          </p:stCondLst>
+                                        </p:cTn>
+                                        <p:tgtEl>
+                                          <p:spTgt spid="3">
+                                            <p:txEl>
+                                              <p:pRg st="0" end="0"/>
+                                            </p:txEl>
+                                          </p:spTgt>
+                                        </p:tgtEl>
+                                        <p:attrNameLst>
+                                          <p:attrName>style.visibility</p:attrName>
+                                        </p:attrNameLst>
+                                      </p:cBhvr>
+                                      <p:to>
+                                        <p:strVal val="visible"/>
+                                      </p:to>
+                                    </p:set>
+                                  </p:childTnLst>
+                                </p:cTn>
+                              </p:par>
+                            </p:childTnLst>
+                          </p:cTn>
+                        </p:par>
+                      </p:childTnLst>
+                    </p:cTn>
+                  </p:par>
+                  <p:par>
+                    <p:cTn id="52" fill="hold">
+                      <p:stCondLst>
+                        <p:cond delay="indefinite"/>
+                      </p:stCondLst>
+                      <p:childTnLst>
+                        <p:par>
+                          <p:cTn id="53" fill="hold">
+                            <p:stCondLst>
+                              <p:cond delay="0"/>
+                            </p:stCondLst>
+                            <p:childTnLst>
+                              <p:par>
+                                <p:cTn id="54" presetID="1" presetClass="entr" presetSubtype="0" fill="hold" grpId="0" nodeType="clickEffect">
+                                  <p:stCondLst>
+                                    <p:cond delay="0"/>
+                                  </p:stCondLst>
+                                  <p:childTnLst>
+                                    <p:set>
+                                      <p:cBhvr>
+                                        <p:cTn id="55" dur="1" fill="hold">
+                                          <p:stCondLst>
+                                            <p:cond delay="0"/>
+                                          </p:stCondLst>
+                                        </p:cTn>
+                                        <p:tgtEl>
+                                          <p:spTgt spid="3">
+                                            <p:txEl>
+                                              <p:pRg st="1" end="1"/>
+                                            </p:txEl>
+                                          </p:spTgt>
+                                        </p:tgtEl>
+                                        <p:attrNameLst>
+                                          <p:attrName>style.visibility</p:attrName>
+                                        </p:attrNameLst>
+                                      </p:cBhvr>
+                                      <p:to>
+                                        <p:strVal val="visible"/>
+                                      </p:to>
+                                    </p:set>
+                                  </p:childTnLst>
+                                </p:cTn>
+                              </p:par>
+                            </p:childTnLst>
+                          </p:cTn>
+                        </p:par>
+                      </p:childTnLst>
+                    </p:cTn>
+                  </p:par>
+                  <p:par>
+                    <p:cTn id="56" fill="hold">
+                      <p:stCondLst>
+                        <p:cond delay="indefinite"/>
+                      </p:stCondLst>
+                      <p:childTnLst>
+                        <p:par>
+                          <p:cTn id="57" fill="hold">
+                            <p:stCondLst>
+                              <p:cond delay="0"/>
+                            </p:stCondLst>
+                            <p:childTnLst>
+                              <p:par>
+                                <p:cTn id="58" presetID="1" presetClass="entr" presetSubtype="0" fill="hold" grpId="0" nodeType="clickEffect">
+                                  <p:stCondLst>
+                                    <p:cond delay="0"/>
+                                  </p:stCondLst>
+                                  <p:childTnLst>
+                                    <p:set>
+                                      <p:cBhvr>
+                                        <p:cTn id="59" dur="1" fill="hold">
+                                          <p:stCondLst>
+                                            <p:cond delay="0"/>
+                                          </p:stCondLst>
+                                        </p:cTn>
+                                        <p:tgtEl>
+                                          <p:spTgt spid="3">
+                                            <p:txEl>
+                                              <p:pRg st="2" end="2"/>
+                                            </p:txEl>
+                                          </p:spTgt>
+                                        </p:tgtEl>
+                                        <p:attrNameLst>
+                                          <p:attrName>style.visibility</p:attrName>
+                                        </p:attrNameLst>
+                                      </p:cBhvr>
+                                      <p:to>
+                                        <p:strVal val="visible"/>
+                                      </p:to>
+                                    </p:set>
+                                  </p:childTnLst>
+                                </p:cTn>
+                              </p:par>
+                            </p:childTnLst>
+                          </p:cTn>
+                        </p:par>
+                      </p:childTnLst>
+                    </p:cTn>
+                  </p:par>
+                </p:childTnLst>
+              </p:cTn>
+              <p:prevCondLst>
+                <p:cond evt="onPrev" delay="0">
+                  <p:tgtEl>
+                    <p:sldTgt/>
+                  </p:tgtEl>
+                </p:cond>
+              </p:prevCondLst>
+              <p:nextCondLst>
+                <p:cond evt="onNext" delay="0">
+                  <p:tgtEl>
+                    <p:sldTgt/>
+                  </p:tgtEl>
+                </p:cond>
+              </p:nextCondLst>
+            </p:seq>
+          </p:childTnLst>
+        </p:cTn>
+      </p:par>
+    </p:tnLst>
+    <p:bldLst>
+      <p:bldP spid="3" grpId="0" build="p"/>
+      <p:bldP spid="6" grpId="0" animBg="1"/>
+      <p:bldP spid="11" grpId="0" animBg="1"/>
+      <p:bldP spid="12" grpId="0" animBg="1"/>
+      <p:bldP spid="14" grpId="0"/>
+      <p:bldP spid="19" grpId="0"/>
+      <p:bldP spid="20" grpId="0"/>
+      <p:bldP spid="21" grpId="0"/>
+      <p:bldP spid="22" grpId="0"/>
+    </p:bldLst>
+  </p:timing>
 </p:sld>
 </file>
 
@@ -11773,10 +13294,10 @@
       </p:pic>
       <p:pic>
         <p:nvPicPr>
-          <p:cNvPr id="2050" name="Picture 2" descr="On-premises using Azure DNS">
-            <a:extLst>
-              <a:ext uri="{FF2B5EF4-FFF2-40B4-BE49-F238E27FC236}">
-                <a16:creationId xmlns:a16="http://schemas.microsoft.com/office/drawing/2014/main" id="{85246742-DEA9-F611-6666-D14D6678226C}"/>
+          <p:cNvPr id="2052" name="Picture 4" descr="On-premises forwarding to Azure DNS">
+            <a:extLst>
+              <a:ext uri="{FF2B5EF4-FFF2-40B4-BE49-F238E27FC236}">
+                <a16:creationId xmlns:a16="http://schemas.microsoft.com/office/drawing/2014/main" id="{C8A185D7-48BC-F78F-79F4-B40AED8B0B88}"/>
               </a:ext>
             </a:extLst>
           </p:cNvPr>
@@ -11800,8 +13321,8 @@
         </p:blipFill>
         <p:spPr bwMode="auto">
           <a:xfrm>
-            <a:off x="2462212" y="1702158"/>
-            <a:ext cx="7267575" cy="4562475"/>
+            <a:off x="2859967" y="1356967"/>
+            <a:ext cx="7362825" cy="5048250"/>
           </a:xfrm>
           <a:prstGeom prst="rect">
             <a:avLst/>
@@ -11980,6 +13501,95 @@
 </file>
 
 <file path=ppt/slides/slide26.xml><?xml version="1.0" encoding="utf-8"?>
+<p:sld xmlns:a="http://schemas.openxmlformats.org/drawingml/2006/main" xmlns:r="http://schemas.openxmlformats.org/officeDocument/2006/relationships" xmlns:p="http://schemas.openxmlformats.org/presentationml/2006/main">
+  <p:cSld>
+    <p:spTree>
+      <p:nvGrpSpPr>
+        <p:cNvPr id="1" name=""/>
+        <p:cNvGrpSpPr/>
+        <p:nvPr/>
+      </p:nvGrpSpPr>
+      <p:grpSpPr>
+        <a:xfrm>
+          <a:off x="0" y="0"/>
+          <a:ext cx="0" cy="0"/>
+          <a:chOff x="0" y="0"/>
+          <a:chExt cx="0" cy="0"/>
+        </a:xfrm>
+      </p:grpSpPr>
+      <p:sp>
+        <p:nvSpPr>
+          <p:cNvPr id="2" name="Title 1">
+            <a:extLst>
+              <a:ext uri="{FF2B5EF4-FFF2-40B4-BE49-F238E27FC236}">
+                <a16:creationId xmlns:a16="http://schemas.microsoft.com/office/drawing/2014/main" id="{E35F925F-7C4B-9A04-FAEC-3268DD70660D}"/>
+              </a:ext>
+            </a:extLst>
+          </p:cNvPr>
+          <p:cNvSpPr>
+            <a:spLocks noGrp="1"/>
+          </p:cNvSpPr>
+          <p:nvPr>
+            <p:ph type="title"/>
+          </p:nvPr>
+        </p:nvSpPr>
+        <p:spPr/>
+        <p:txBody>
+          <a:bodyPr/>
+          <a:lstStyle/>
+          <a:p>
+            <a:r>
+              <a:rPr lang="nb-NO" dirty="0"/>
+              <a:t>Labs</a:t>
+            </a:r>
+            <a:endParaRPr lang="en-US" dirty="0"/>
+          </a:p>
+        </p:txBody>
+      </p:sp>
+      <p:pic>
+        <p:nvPicPr>
+          <p:cNvPr id="5" name="Picture 4">
+            <a:extLst>
+              <a:ext uri="{FF2B5EF4-FFF2-40B4-BE49-F238E27FC236}">
+                <a16:creationId xmlns:a16="http://schemas.microsoft.com/office/drawing/2014/main" id="{AFD38941-BF4D-9F3F-7965-86DADBD63EFA}"/>
+              </a:ext>
+            </a:extLst>
+          </p:cNvPr>
+          <p:cNvPicPr>
+            <a:picLocks noChangeAspect="1"/>
+          </p:cNvPicPr>
+          <p:nvPr/>
+        </p:nvPicPr>
+        <p:blipFill>
+          <a:blip r:embed="rId2"/>
+          <a:stretch>
+            <a:fillRect/>
+          </a:stretch>
+        </p:blipFill>
+        <p:spPr>
+          <a:xfrm>
+            <a:off x="0" y="1555400"/>
+            <a:ext cx="11991416" cy="4461578"/>
+          </a:xfrm>
+          <a:prstGeom prst="rect">
+            <a:avLst/>
+          </a:prstGeom>
+        </p:spPr>
+      </p:pic>
+    </p:spTree>
+    <p:extLst>
+      <p:ext uri="{BB962C8B-B14F-4D97-AF65-F5344CB8AC3E}">
+        <p14:creationId xmlns:p14="http://schemas.microsoft.com/office/powerpoint/2010/main" val="1758931061"/>
+      </p:ext>
+    </p:extLst>
+  </p:cSld>
+  <p:clrMapOvr>
+    <a:masterClrMapping/>
+  </p:clrMapOvr>
+</p:sld>
+</file>
+
+<file path=ppt/slides/slide27.xml><?xml version="1.0" encoding="utf-8"?>
 <p:sld xmlns:a="http://schemas.openxmlformats.org/drawingml/2006/main" xmlns:r="http://schemas.openxmlformats.org/officeDocument/2006/relationships" xmlns:p="http://schemas.openxmlformats.org/presentationml/2006/main">
   <p:cSld>
     <p:spTree>

--- a/slides/private-links.pptx
+++ b/slides/private-links.pptx
@@ -5,7 +5,7 @@
     <p:sldMasterId id="2147483660" r:id="rId1"/>
   </p:sldMasterIdLst>
   <p:notesMasterIdLst>
-    <p:notesMasterId r:id="rId29"/>
+    <p:notesMasterId r:id="rId33"/>
   </p:notesMasterIdLst>
   <p:sldIdLst>
     <p:sldId id="2076136299" r:id="rId2"/>
@@ -33,8 +33,12 @@
     <p:sldId id="2076136342" r:id="rId24"/>
     <p:sldId id="2076136345" r:id="rId25"/>
     <p:sldId id="2076136344" r:id="rId26"/>
-    <p:sldId id="2076136347" r:id="rId27"/>
-    <p:sldId id="2076136302" r:id="rId28"/>
+    <p:sldId id="2076136348" r:id="rId27"/>
+    <p:sldId id="2076136349" r:id="rId28"/>
+    <p:sldId id="2076136350" r:id="rId29"/>
+    <p:sldId id="2076136351" r:id="rId30"/>
+    <p:sldId id="2076136347" r:id="rId31"/>
+    <p:sldId id="2076136302" r:id="rId32"/>
   </p:sldIdLst>
   <p:sldSz cx="12192000" cy="6858000"/>
   <p:notesSz cx="6858000" cy="9144000"/>
@@ -1596,6 +1600,120 @@
           <a:bodyPr/>
           <a:lstStyle/>
           <a:p>
+            <a:pPr marL="0" marR="0" lvl="0" indent="0" algn="l" defTabSz="914400" rtl="0" eaLnBrk="1" fontAlgn="auto" latinLnBrk="0" hangingPunct="1">
+              <a:lnSpc>
+                <a:spcPct val="100000"/>
+              </a:lnSpc>
+              <a:spcBef>
+                <a:spcPts val="0"/>
+              </a:spcBef>
+              <a:spcAft>
+                <a:spcPts val="0"/>
+              </a:spcAft>
+              <a:buClrTx/>
+              <a:buSzTx/>
+              <a:buFontTx/>
+              <a:buNone/>
+              <a:tabLst/>
+              <a:defRPr/>
+            </a:pPr>
+            <a:r>
+              <a:rPr lang="en-US" b="0" i="0" dirty="0">
+                <a:solidFill>
+                  <a:srgbClr val="161616"/>
+                </a:solidFill>
+                <a:effectLst/>
+                <a:latin typeface="Segoe UI" panose="020B0502040204020203" pitchFamily="34" charset="0"/>
+              </a:rPr>
+              <a:t>Azure Policy evaluates resources and actions in Azure by comparing the properties of those resources to business rules.</a:t>
+            </a:r>
+            <a:endParaRPr lang="nb-NO" dirty="0"/>
+          </a:p>
+          <a:p>
+            <a:endParaRPr lang="en-US" dirty="0"/>
+          </a:p>
+        </p:txBody>
+      </p:sp>
+      <p:sp>
+        <p:nvSpPr>
+          <p:cNvPr id="4" name="Slide Number Placeholder 3"/>
+          <p:cNvSpPr>
+            <a:spLocks noGrp="1"/>
+          </p:cNvSpPr>
+          <p:nvPr>
+            <p:ph type="sldNum" sz="quarter" idx="5"/>
+          </p:nvPr>
+        </p:nvSpPr>
+        <p:spPr/>
+        <p:txBody>
+          <a:bodyPr/>
+          <a:lstStyle/>
+          <a:p>
+            <a:fld id="{FB3A52E1-8A48-429C-8A5A-7D4445DBC12D}" type="slidenum">
+              <a:rPr lang="nb-NO" smtClean="0"/>
+              <a:t>28</a:t>
+            </a:fld>
+            <a:endParaRPr lang="nb-NO"/>
+          </a:p>
+        </p:txBody>
+      </p:sp>
+    </p:spTree>
+    <p:extLst>
+      <p:ext uri="{BB962C8B-B14F-4D97-AF65-F5344CB8AC3E}">
+        <p14:creationId xmlns:p14="http://schemas.microsoft.com/office/powerpoint/2010/main" val="3577364540"/>
+      </p:ext>
+    </p:extLst>
+  </p:cSld>
+  <p:clrMapOvr>
+    <a:masterClrMapping/>
+  </p:clrMapOvr>
+</p:notes>
+</file>
+
+<file path=ppt/notesSlides/notesSlide16.xml><?xml version="1.0" encoding="utf-8"?>
+<p:notes xmlns:a="http://schemas.openxmlformats.org/drawingml/2006/main" xmlns:r="http://schemas.openxmlformats.org/officeDocument/2006/relationships" xmlns:p="http://schemas.openxmlformats.org/presentationml/2006/main">
+  <p:cSld>
+    <p:spTree>
+      <p:nvGrpSpPr>
+        <p:cNvPr id="1" name=""/>
+        <p:cNvGrpSpPr/>
+        <p:nvPr/>
+      </p:nvGrpSpPr>
+      <p:grpSpPr>
+        <a:xfrm>
+          <a:off x="0" y="0"/>
+          <a:ext cx="0" cy="0"/>
+          <a:chOff x="0" y="0"/>
+          <a:chExt cx="0" cy="0"/>
+        </a:xfrm>
+      </p:grpSpPr>
+      <p:sp>
+        <p:nvSpPr>
+          <p:cNvPr id="2" name="Slide Image Placeholder 1"/>
+          <p:cNvSpPr>
+            <a:spLocks noGrp="1" noRot="1" noChangeAspect="1"/>
+          </p:cNvSpPr>
+          <p:nvPr>
+            <p:ph type="sldImg"/>
+          </p:nvPr>
+        </p:nvSpPr>
+        <p:spPr/>
+      </p:sp>
+      <p:sp>
+        <p:nvSpPr>
+          <p:cNvPr id="3" name="Notes Placeholder 2"/>
+          <p:cNvSpPr>
+            <a:spLocks noGrp="1"/>
+          </p:cNvSpPr>
+          <p:nvPr>
+            <p:ph type="body" idx="1"/>
+          </p:nvPr>
+        </p:nvSpPr>
+        <p:spPr/>
+        <p:txBody>
+          <a:bodyPr/>
+          <a:lstStyle/>
+          <a:p>
             <a:endParaRPr lang="nb-NO" dirty="0"/>
           </a:p>
         </p:txBody>
@@ -1664,7 +1782,7 @@
                 <a:tabLst/>
                 <a:defRPr/>
               </a:pPr>
-              <a:t>27</a:t>
+              <a:t>31</a:t>
             </a:fld>
             <a:endParaRPr kumimoji="0" lang="en-US" sz="1200" b="0" i="0" u="none" strike="noStrike" kern="1200" cap="none" spc="0" normalizeH="0" baseline="0" noProof="0">
               <a:ln>
@@ -10862,19 +10980,24 @@
           <a:p>
             <a:r>
               <a:rPr lang="en-US" b="1" dirty="0"/>
-              <a:t>[  ] Working with Azure Private Links</a:t>
+              <a:t>[  ] Working with Azure Private Links (June)</a:t>
             </a:r>
           </a:p>
           <a:p>
             <a:r>
               <a:rPr lang="en-US" dirty="0"/>
-              <a:t>[  ] Azure Landing Zones 101 (August)</a:t>
-            </a:r>
+              <a:t>[  ] Working with Azure Policy </a:t>
+            </a:r>
+            <a:r>
+              <a:rPr lang="en-US"/>
+              <a:t>(August)</a:t>
+            </a:r>
+            <a:endParaRPr lang="en-US" dirty="0"/>
           </a:p>
           <a:p>
             <a:r>
               <a:rPr lang="en-US" dirty="0"/>
-              <a:t>[  ] Security in AKS</a:t>
+              <a:t>[  ] Azure Landing Zones 101 (September)</a:t>
             </a:r>
           </a:p>
           <a:p>
@@ -11362,6 +11485,79 @@
           </a:p>
         </p:txBody>
       </p:sp>
+      <p:pic>
+        <p:nvPicPr>
+          <p:cNvPr id="3" name="Google Shape;56;p13">
+            <a:extLst>
+              <a:ext uri="{FF2B5EF4-FFF2-40B4-BE49-F238E27FC236}">
+                <a16:creationId xmlns:a16="http://schemas.microsoft.com/office/drawing/2014/main" id="{833766AA-73C5-CC3A-7C6E-7424B820A916}"/>
+              </a:ext>
+            </a:extLst>
+          </p:cNvPr>
+          <p:cNvPicPr preferRelativeResize="0"/>
+          <p:nvPr/>
+        </p:nvPicPr>
+        <p:blipFill>
+          <a:blip r:embed="rId5">
+            <a:alphaModFix/>
+          </a:blip>
+          <a:stretch>
+            <a:fillRect/>
+          </a:stretch>
+        </p:blipFill>
+        <p:spPr>
+          <a:xfrm>
+            <a:off x="10989179" y="5736492"/>
+            <a:ext cx="1202821" cy="1121508"/>
+          </a:xfrm>
+          <a:prstGeom prst="rect">
+            <a:avLst/>
+          </a:prstGeom>
+          <a:noFill/>
+          <a:ln>
+            <a:noFill/>
+          </a:ln>
+        </p:spPr>
+      </p:pic>
+      <p:pic>
+        <p:nvPicPr>
+          <p:cNvPr id="4" name="Graphic 3">
+            <a:extLst>
+              <a:ext uri="{FF2B5EF4-FFF2-40B4-BE49-F238E27FC236}">
+                <a16:creationId xmlns:a16="http://schemas.microsoft.com/office/drawing/2014/main" id="{2EB83ACD-1A15-1E9D-FA26-E970C8232213}"/>
+              </a:ext>
+            </a:extLst>
+          </p:cNvPr>
+          <p:cNvPicPr>
+            <a:picLocks noChangeAspect="1"/>
+          </p:cNvPicPr>
+          <p:nvPr/>
+        </p:nvPicPr>
+        <p:blipFill>
+          <a:blip r:embed="rId6">
+            <a:extLst>
+              <a:ext uri="{28A0092B-C50C-407E-A947-70E740481C1C}">
+                <a14:useLocalDpi xmlns:a14="http://schemas.microsoft.com/office/drawing/2010/main" val="0"/>
+              </a:ext>
+              <a:ext uri="{96DAC541-7B7A-43D3-8B79-37D633B846F1}">
+                <asvg:svgBlip xmlns:asvg="http://schemas.microsoft.com/office/drawing/2016/SVG/main" r:embed="rId7"/>
+              </a:ext>
+            </a:extLst>
+          </a:blip>
+          <a:stretch>
+            <a:fillRect/>
+          </a:stretch>
+        </p:blipFill>
+        <p:spPr>
+          <a:xfrm>
+            <a:off x="375137" y="6121057"/>
+            <a:ext cx="1718444" cy="574556"/>
+          </a:xfrm>
+          <a:prstGeom prst="rect">
+            <a:avLst/>
+          </a:prstGeom>
+        </p:spPr>
+      </p:pic>
     </p:spTree>
     <p:extLst>
       <p:ext uri="{BB962C8B-B14F-4D97-AF65-F5344CB8AC3E}">
@@ -13487,6 +13683,79 @@
           </a:p>
         </p:txBody>
       </p:sp>
+      <p:pic>
+        <p:nvPicPr>
+          <p:cNvPr id="3" name="Google Shape;56;p13">
+            <a:extLst>
+              <a:ext uri="{FF2B5EF4-FFF2-40B4-BE49-F238E27FC236}">
+                <a16:creationId xmlns:a16="http://schemas.microsoft.com/office/drawing/2014/main" id="{CD3774D5-F270-0889-F17C-DB02AE6FECB6}"/>
+              </a:ext>
+            </a:extLst>
+          </p:cNvPr>
+          <p:cNvPicPr preferRelativeResize="0"/>
+          <p:nvPr/>
+        </p:nvPicPr>
+        <p:blipFill>
+          <a:blip r:embed="rId5">
+            <a:alphaModFix/>
+          </a:blip>
+          <a:stretch>
+            <a:fillRect/>
+          </a:stretch>
+        </p:blipFill>
+        <p:spPr>
+          <a:xfrm>
+            <a:off x="10989179" y="5736492"/>
+            <a:ext cx="1202821" cy="1121508"/>
+          </a:xfrm>
+          <a:prstGeom prst="rect">
+            <a:avLst/>
+          </a:prstGeom>
+          <a:noFill/>
+          <a:ln>
+            <a:noFill/>
+          </a:ln>
+        </p:spPr>
+      </p:pic>
+      <p:pic>
+        <p:nvPicPr>
+          <p:cNvPr id="4" name="Graphic 3">
+            <a:extLst>
+              <a:ext uri="{FF2B5EF4-FFF2-40B4-BE49-F238E27FC236}">
+                <a16:creationId xmlns:a16="http://schemas.microsoft.com/office/drawing/2014/main" id="{DD7B855C-2AE7-F486-9985-CE74EC4A83C3}"/>
+              </a:ext>
+            </a:extLst>
+          </p:cNvPr>
+          <p:cNvPicPr>
+            <a:picLocks noChangeAspect="1"/>
+          </p:cNvPicPr>
+          <p:nvPr/>
+        </p:nvPicPr>
+        <p:blipFill>
+          <a:blip r:embed="rId6">
+            <a:extLst>
+              <a:ext uri="{28A0092B-C50C-407E-A947-70E740481C1C}">
+                <a14:useLocalDpi xmlns:a14="http://schemas.microsoft.com/office/drawing/2010/main" val="0"/>
+              </a:ext>
+              <a:ext uri="{96DAC541-7B7A-43D3-8B79-37D633B846F1}">
+                <asvg:svgBlip xmlns:asvg="http://schemas.microsoft.com/office/drawing/2016/SVG/main" r:embed="rId7"/>
+              </a:ext>
+            </a:extLst>
+          </a:blip>
+          <a:stretch>
+            <a:fillRect/>
+          </a:stretch>
+        </p:blipFill>
+        <p:spPr>
+          <a:xfrm>
+            <a:off x="375137" y="6121057"/>
+            <a:ext cx="1718444" cy="574556"/>
+          </a:xfrm>
+          <a:prstGeom prst="rect">
+            <a:avLst/>
+          </a:prstGeom>
+        </p:spPr>
+      </p:pic>
     </p:spTree>
     <p:extLst>
       <p:ext uri="{BB962C8B-B14F-4D97-AF65-F5344CB8AC3E}">
@@ -13522,7 +13791,7 @@
           <p:cNvPr id="2" name="Title 1">
             <a:extLst>
               <a:ext uri="{FF2B5EF4-FFF2-40B4-BE49-F238E27FC236}">
-                <a16:creationId xmlns:a16="http://schemas.microsoft.com/office/drawing/2014/main" id="{E35F925F-7C4B-9A04-FAEC-3268DD70660D}"/>
+                <a16:creationId xmlns:a16="http://schemas.microsoft.com/office/drawing/2014/main" id="{0EBC4857-8A2C-7F63-6524-6D81421671D9}"/>
               </a:ext>
             </a:extLst>
           </p:cNvPr>
@@ -13540,7 +13809,56 @@
           <a:p>
             <a:r>
               <a:rPr lang="nb-NO" dirty="0"/>
-              <a:t>Labs</a:t>
+              <a:t>NSG support for Private Endpoint</a:t>
+            </a:r>
+            <a:endParaRPr lang="en-US" dirty="0"/>
+          </a:p>
+        </p:txBody>
+      </p:sp>
+      <p:sp>
+        <p:nvSpPr>
+          <p:cNvPr id="3" name="Text Placeholder 2">
+            <a:extLst>
+              <a:ext uri="{FF2B5EF4-FFF2-40B4-BE49-F238E27FC236}">
+                <a16:creationId xmlns:a16="http://schemas.microsoft.com/office/drawing/2014/main" id="{6E55AA66-CF8A-CA1B-11D9-975B20340B65}"/>
+              </a:ext>
+            </a:extLst>
+          </p:cNvPr>
+          <p:cNvSpPr>
+            <a:spLocks noGrp="1"/>
+          </p:cNvSpPr>
+          <p:nvPr>
+            <p:ph type="body" idx="1"/>
+          </p:nvPr>
+        </p:nvSpPr>
+        <p:spPr/>
+        <p:txBody>
+          <a:bodyPr/>
+          <a:lstStyle/>
+          <a:p>
+            <a:r>
+              <a:rPr lang="nb-NO" dirty="0"/>
+              <a:t>Enable </a:t>
+            </a:r>
+            <a:r>
+              <a:rPr lang="nb-NO" b="1" dirty="0"/>
+              <a:t>PrivateEndpointNetworkPolicies</a:t>
+            </a:r>
+            <a:r>
+              <a:rPr lang="nb-NO" dirty="0"/>
+              <a:t> at the subnet </a:t>
+            </a:r>
+          </a:p>
+          <a:p>
+            <a:r>
+              <a:rPr lang="nb-NO" dirty="0"/>
+              <a:t>Doesn’t support NSG flow logs </a:t>
+            </a:r>
+            <a:r>
+              <a:rPr lang="nb-NO" dirty="0">
+                <a:sym typeface="Wingdings" panose="05000000000000000000" pitchFamily="2" charset="2"/>
+              </a:rPr>
+              <a:t> </a:t>
             </a:r>
             <a:endParaRPr lang="en-US" dirty="0"/>
           </a:p>
@@ -13551,7 +13869,7 @@
           <p:cNvPr id="5" name="Picture 4">
             <a:extLst>
               <a:ext uri="{FF2B5EF4-FFF2-40B4-BE49-F238E27FC236}">
-                <a16:creationId xmlns:a16="http://schemas.microsoft.com/office/drawing/2014/main" id="{AFD38941-BF4D-9F3F-7965-86DADBD63EFA}"/>
+                <a16:creationId xmlns:a16="http://schemas.microsoft.com/office/drawing/2014/main" id="{10EFF769-6BE4-7629-734B-FD0551E95D6B}"/>
               </a:ext>
             </a:extLst>
           </p:cNvPr>
@@ -13568,8 +13886,81 @@
         </p:blipFill>
         <p:spPr>
           <a:xfrm>
-            <a:off x="0" y="1555400"/>
-            <a:ext cx="11991416" cy="4461578"/>
+            <a:off x="1959108" y="2535316"/>
+            <a:ext cx="7942857" cy="533333"/>
+          </a:xfrm>
+          <a:prstGeom prst="rect">
+            <a:avLst/>
+          </a:prstGeom>
+        </p:spPr>
+      </p:pic>
+      <p:pic>
+        <p:nvPicPr>
+          <p:cNvPr id="6" name="Google Shape;56;p13">
+            <a:extLst>
+              <a:ext uri="{FF2B5EF4-FFF2-40B4-BE49-F238E27FC236}">
+                <a16:creationId xmlns:a16="http://schemas.microsoft.com/office/drawing/2014/main" id="{01F05D2D-5FA4-EA4A-4BBF-846391A3500F}"/>
+              </a:ext>
+            </a:extLst>
+          </p:cNvPr>
+          <p:cNvPicPr preferRelativeResize="0"/>
+          <p:nvPr/>
+        </p:nvPicPr>
+        <p:blipFill>
+          <a:blip r:embed="rId3">
+            <a:alphaModFix/>
+          </a:blip>
+          <a:stretch>
+            <a:fillRect/>
+          </a:stretch>
+        </p:blipFill>
+        <p:spPr>
+          <a:xfrm>
+            <a:off x="10989179" y="5736492"/>
+            <a:ext cx="1202821" cy="1121508"/>
+          </a:xfrm>
+          <a:prstGeom prst="rect">
+            <a:avLst/>
+          </a:prstGeom>
+          <a:noFill/>
+          <a:ln>
+            <a:noFill/>
+          </a:ln>
+        </p:spPr>
+      </p:pic>
+      <p:pic>
+        <p:nvPicPr>
+          <p:cNvPr id="7" name="Graphic 6">
+            <a:extLst>
+              <a:ext uri="{FF2B5EF4-FFF2-40B4-BE49-F238E27FC236}">
+                <a16:creationId xmlns:a16="http://schemas.microsoft.com/office/drawing/2014/main" id="{742837ED-4AE5-3911-2B34-71A06AA93A1C}"/>
+              </a:ext>
+            </a:extLst>
+          </p:cNvPr>
+          <p:cNvPicPr>
+            <a:picLocks noChangeAspect="1"/>
+          </p:cNvPicPr>
+          <p:nvPr/>
+        </p:nvPicPr>
+        <p:blipFill>
+          <a:blip r:embed="rId4">
+            <a:extLst>
+              <a:ext uri="{28A0092B-C50C-407E-A947-70E740481C1C}">
+                <a14:useLocalDpi xmlns:a14="http://schemas.microsoft.com/office/drawing/2010/main" val="0"/>
+              </a:ext>
+              <a:ext uri="{96DAC541-7B7A-43D3-8B79-37D633B846F1}">
+                <asvg:svgBlip xmlns:asvg="http://schemas.microsoft.com/office/drawing/2016/SVG/main" r:embed="rId5"/>
+              </a:ext>
+            </a:extLst>
+          </a:blip>
+          <a:stretch>
+            <a:fillRect/>
+          </a:stretch>
+        </p:blipFill>
+        <p:spPr>
+          <a:xfrm>
+            <a:off x="375137" y="6121057"/>
+            <a:ext cx="1718444" cy="574556"/>
           </a:xfrm>
           <a:prstGeom prst="rect">
             <a:avLst/>
@@ -13579,7 +13970,7 @@
     </p:spTree>
     <p:extLst>
       <p:ext uri="{BB962C8B-B14F-4D97-AF65-F5344CB8AC3E}">
-        <p14:creationId xmlns:p14="http://schemas.microsoft.com/office/powerpoint/2010/main" val="1758931061"/>
+        <p14:creationId xmlns:p14="http://schemas.microsoft.com/office/powerpoint/2010/main" val="1796182712"/>
       </p:ext>
     </p:extLst>
   </p:cSld>
@@ -13606,12 +13997,642 @@
           <a:chExt cx="0" cy="0"/>
         </a:xfrm>
       </p:grpSpPr>
+      <p:sp>
+        <p:nvSpPr>
+          <p:cNvPr id="2" name="Title 1">
+            <a:extLst>
+              <a:ext uri="{FF2B5EF4-FFF2-40B4-BE49-F238E27FC236}">
+                <a16:creationId xmlns:a16="http://schemas.microsoft.com/office/drawing/2014/main" id="{67D943B2-6B76-7EA1-BA2A-62C60E4A051C}"/>
+              </a:ext>
+            </a:extLst>
+          </p:cNvPr>
+          <p:cNvSpPr>
+            <a:spLocks noGrp="1"/>
+          </p:cNvSpPr>
+          <p:nvPr>
+            <p:ph type="title"/>
+          </p:nvPr>
+        </p:nvSpPr>
+        <p:spPr/>
+        <p:txBody>
+          <a:bodyPr/>
+          <a:lstStyle/>
+          <a:p>
+            <a:r>
+              <a:rPr lang="en-US" dirty="0"/>
+              <a:t>Private Endpoints in Azure Landing Zone</a:t>
+            </a:r>
+          </a:p>
+        </p:txBody>
+      </p:sp>
       <p:pic>
         <p:nvPicPr>
-          <p:cNvPr id="3" name="Picture 2">
-            <a:extLst>
-              <a:ext uri="{FF2B5EF4-FFF2-40B4-BE49-F238E27FC236}">
-                <a16:creationId xmlns:a16="http://schemas.microsoft.com/office/drawing/2014/main" id="{CFAD4C39-42D6-45D1-9E0D-E17B5050B154}"/>
+          <p:cNvPr id="5" name="Picture 4">
+            <a:extLst>
+              <a:ext uri="{FF2B5EF4-FFF2-40B4-BE49-F238E27FC236}">
+                <a16:creationId xmlns:a16="http://schemas.microsoft.com/office/drawing/2014/main" id="{CCDDA3B0-61D8-86A9-7481-E9370645CED1}"/>
+              </a:ext>
+            </a:extLst>
+          </p:cNvPr>
+          <p:cNvPicPr>
+            <a:picLocks noChangeAspect="1"/>
+          </p:cNvPicPr>
+          <p:nvPr/>
+        </p:nvPicPr>
+        <p:blipFill>
+          <a:blip r:embed="rId2"/>
+          <a:stretch>
+            <a:fillRect/>
+          </a:stretch>
+        </p:blipFill>
+        <p:spPr>
+          <a:xfrm>
+            <a:off x="4156196" y="1841566"/>
+            <a:ext cx="8035804" cy="5016434"/>
+          </a:xfrm>
+          <a:prstGeom prst="rect">
+            <a:avLst/>
+          </a:prstGeom>
+        </p:spPr>
+      </p:pic>
+      <p:sp>
+        <p:nvSpPr>
+          <p:cNvPr id="6" name="Text Placeholder 2">
+            <a:extLst>
+              <a:ext uri="{FF2B5EF4-FFF2-40B4-BE49-F238E27FC236}">
+                <a16:creationId xmlns:a16="http://schemas.microsoft.com/office/drawing/2014/main" id="{95687C93-9A93-93EE-36B2-77B7D6FF4A6A}"/>
+              </a:ext>
+            </a:extLst>
+          </p:cNvPr>
+          <p:cNvSpPr>
+            <a:spLocks noGrp="1"/>
+          </p:cNvSpPr>
+          <p:nvPr>
+            <p:ph type="body" idx="1"/>
+          </p:nvPr>
+        </p:nvSpPr>
+        <p:spPr>
+          <a:xfrm>
+            <a:off x="415600" y="1536633"/>
+            <a:ext cx="5323349" cy="4555200"/>
+          </a:xfrm>
+        </p:spPr>
+        <p:txBody>
+          <a:bodyPr/>
+          <a:lstStyle/>
+          <a:p>
+            <a:r>
+              <a:rPr lang="en-US" dirty="0"/>
+              <a:t>Private Zones at Connectivity LZ</a:t>
+            </a:r>
+          </a:p>
+          <a:p>
+            <a:r>
+              <a:rPr lang="en-US" dirty="0"/>
+              <a:t>Private Endpoint at</a:t>
+            </a:r>
+            <a:br>
+              <a:rPr lang="en-US" dirty="0"/>
+            </a:br>
+            <a:r>
+              <a:rPr lang="en-US" dirty="0"/>
+              <a:t>Workload LZ</a:t>
+            </a:r>
+          </a:p>
+          <a:p>
+            <a:r>
+              <a:rPr lang="en-US" dirty="0"/>
+              <a:t>Workload SPN </a:t>
+            </a:r>
+            <a:br>
+              <a:rPr lang="en-US" dirty="0"/>
+            </a:br>
+            <a:r>
+              <a:rPr lang="en-US" dirty="0"/>
+              <a:t>doesn’t have permissions</a:t>
+            </a:r>
+            <a:br>
+              <a:rPr lang="en-US" dirty="0"/>
+            </a:br>
+            <a:r>
+              <a:rPr lang="en-US" dirty="0"/>
+              <a:t>at Connectivity LZ</a:t>
+            </a:r>
+          </a:p>
+          <a:p>
+            <a:endParaRPr lang="en-US" dirty="0"/>
+          </a:p>
+          <a:p>
+            <a:endParaRPr lang="en-US" dirty="0"/>
+          </a:p>
+        </p:txBody>
+      </p:sp>
+      <p:pic>
+        <p:nvPicPr>
+          <p:cNvPr id="7" name="Google Shape;56;p13">
+            <a:extLst>
+              <a:ext uri="{FF2B5EF4-FFF2-40B4-BE49-F238E27FC236}">
+                <a16:creationId xmlns:a16="http://schemas.microsoft.com/office/drawing/2014/main" id="{89716BFC-D840-66C2-527E-F5D7E2B7572F}"/>
+              </a:ext>
+            </a:extLst>
+          </p:cNvPr>
+          <p:cNvPicPr preferRelativeResize="0"/>
+          <p:nvPr/>
+        </p:nvPicPr>
+        <p:blipFill>
+          <a:blip r:embed="rId3">
+            <a:alphaModFix/>
+          </a:blip>
+          <a:stretch>
+            <a:fillRect/>
+          </a:stretch>
+        </p:blipFill>
+        <p:spPr>
+          <a:xfrm>
+            <a:off x="10989179" y="5736492"/>
+            <a:ext cx="1202821" cy="1121508"/>
+          </a:xfrm>
+          <a:prstGeom prst="rect">
+            <a:avLst/>
+          </a:prstGeom>
+          <a:noFill/>
+          <a:ln>
+            <a:noFill/>
+          </a:ln>
+        </p:spPr>
+      </p:pic>
+      <p:pic>
+        <p:nvPicPr>
+          <p:cNvPr id="8" name="Graphic 7">
+            <a:extLst>
+              <a:ext uri="{FF2B5EF4-FFF2-40B4-BE49-F238E27FC236}">
+                <a16:creationId xmlns:a16="http://schemas.microsoft.com/office/drawing/2014/main" id="{E703B249-F523-B371-2E88-C39AFB58A373}"/>
+              </a:ext>
+            </a:extLst>
+          </p:cNvPr>
+          <p:cNvPicPr>
+            <a:picLocks noChangeAspect="1"/>
+          </p:cNvPicPr>
+          <p:nvPr/>
+        </p:nvPicPr>
+        <p:blipFill>
+          <a:blip r:embed="rId4">
+            <a:extLst>
+              <a:ext uri="{28A0092B-C50C-407E-A947-70E740481C1C}">
+                <a14:useLocalDpi xmlns:a14="http://schemas.microsoft.com/office/drawing/2010/main" val="0"/>
+              </a:ext>
+              <a:ext uri="{96DAC541-7B7A-43D3-8B79-37D633B846F1}">
+                <asvg:svgBlip xmlns:asvg="http://schemas.microsoft.com/office/drawing/2016/SVG/main" r:embed="rId5"/>
+              </a:ext>
+            </a:extLst>
+          </a:blip>
+          <a:stretch>
+            <a:fillRect/>
+          </a:stretch>
+        </p:blipFill>
+        <p:spPr>
+          <a:xfrm>
+            <a:off x="375137" y="6121057"/>
+            <a:ext cx="1718444" cy="574556"/>
+          </a:xfrm>
+          <a:prstGeom prst="rect">
+            <a:avLst/>
+          </a:prstGeom>
+        </p:spPr>
+      </p:pic>
+    </p:spTree>
+    <p:extLst>
+      <p:ext uri="{BB962C8B-B14F-4D97-AF65-F5344CB8AC3E}">
+        <p14:creationId xmlns:p14="http://schemas.microsoft.com/office/powerpoint/2010/main" val="1167624715"/>
+      </p:ext>
+    </p:extLst>
+  </p:cSld>
+  <p:clrMapOvr>
+    <a:masterClrMapping/>
+  </p:clrMapOvr>
+</p:sld>
+</file>
+
+<file path=ppt/slides/slide28.xml><?xml version="1.0" encoding="utf-8"?>
+<p:sld xmlns:a="http://schemas.openxmlformats.org/drawingml/2006/main" xmlns:r="http://schemas.openxmlformats.org/officeDocument/2006/relationships" xmlns:p="http://schemas.openxmlformats.org/presentationml/2006/main">
+  <p:cSld>
+    <p:spTree>
+      <p:nvGrpSpPr>
+        <p:cNvPr id="1" name=""/>
+        <p:cNvGrpSpPr/>
+        <p:nvPr/>
+      </p:nvGrpSpPr>
+      <p:grpSpPr>
+        <a:xfrm>
+          <a:off x="0" y="0"/>
+          <a:ext cx="0" cy="0"/>
+          <a:chOff x="0" y="0"/>
+          <a:chExt cx="0" cy="0"/>
+        </a:xfrm>
+      </p:grpSpPr>
+      <p:sp>
+        <p:nvSpPr>
+          <p:cNvPr id="4" name="Title 1">
+            <a:extLst>
+              <a:ext uri="{FF2B5EF4-FFF2-40B4-BE49-F238E27FC236}">
+                <a16:creationId xmlns:a16="http://schemas.microsoft.com/office/drawing/2014/main" id="{AA31DCC8-DBC5-E954-D8B7-3C7891537C21}"/>
+              </a:ext>
+            </a:extLst>
+          </p:cNvPr>
+          <p:cNvSpPr>
+            <a:spLocks noGrp="1"/>
+          </p:cNvSpPr>
+          <p:nvPr/>
+        </p:nvSpPr>
+        <p:spPr>
+          <a:xfrm>
+            <a:off x="419100" y="523081"/>
+            <a:ext cx="10515600" cy="1325563"/>
+          </a:xfrm>
+          <a:prstGeom prst="rect">
+            <a:avLst/>
+          </a:prstGeom>
+        </p:spPr>
+        <p:txBody>
+          <a:bodyPr vert="horz" lIns="91440" tIns="45720" rIns="91440" bIns="45720" rtlCol="0" anchor="ctr">
+            <a:normAutofit/>
+          </a:bodyPr>
+          <a:lstStyle>
+            <a:lvl1pPr algn="l" defTabSz="914400" rtl="0" eaLnBrk="1" latinLnBrk="0" hangingPunct="1">
+              <a:lnSpc>
+                <a:spcPct val="90000"/>
+              </a:lnSpc>
+              <a:spcBef>
+                <a:spcPct val="0"/>
+              </a:spcBef>
+              <a:buNone/>
+              <a:defRPr sz="4400" kern="1200">
+                <a:solidFill>
+                  <a:schemeClr val="tx1"/>
+                </a:solidFill>
+                <a:latin typeface="+mj-lt"/>
+                <a:ea typeface="+mj-ea"/>
+                <a:cs typeface="+mj-cs"/>
+              </a:defRPr>
+            </a:lvl1pPr>
+          </a:lstStyle>
+          <a:p>
+            <a:r>
+              <a:rPr lang="nb-NO" dirty="0" err="1"/>
+              <a:t>Governance</a:t>
+            </a:r>
+            <a:r>
+              <a:rPr lang="nb-NO" dirty="0"/>
+              <a:t> : </a:t>
+            </a:r>
+            <a:r>
+              <a:rPr lang="nb-NO" dirty="0" err="1"/>
+              <a:t>Azure</a:t>
+            </a:r>
+            <a:r>
+              <a:rPr lang="nb-NO" dirty="0"/>
+              <a:t> Policy</a:t>
+            </a:r>
+          </a:p>
+        </p:txBody>
+      </p:sp>
+      <p:sp>
+        <p:nvSpPr>
+          <p:cNvPr id="5" name="Content Placeholder 2">
+            <a:extLst>
+              <a:ext uri="{FF2B5EF4-FFF2-40B4-BE49-F238E27FC236}">
+                <a16:creationId xmlns:a16="http://schemas.microsoft.com/office/drawing/2014/main" id="{A203090E-1681-4B5F-8095-71944D207162}"/>
+              </a:ext>
+            </a:extLst>
+          </p:cNvPr>
+          <p:cNvSpPr>
+            <a:spLocks noGrp="1"/>
+          </p:cNvSpPr>
+          <p:nvPr/>
+        </p:nvSpPr>
+        <p:spPr>
+          <a:xfrm>
+            <a:off x="419100" y="1983581"/>
+            <a:ext cx="5257800" cy="4351338"/>
+          </a:xfrm>
+          <a:prstGeom prst="rect">
+            <a:avLst/>
+          </a:prstGeom>
+        </p:spPr>
+        <p:txBody>
+          <a:bodyPr vert="horz" lIns="91440" tIns="45720" rIns="91440" bIns="45720" rtlCol="0">
+            <a:normAutofit/>
+          </a:bodyPr>
+          <a:lstStyle>
+            <a:lvl1pPr marL="228600" indent="-228600" algn="l" defTabSz="914400" rtl="0" eaLnBrk="1" latinLnBrk="0" hangingPunct="1">
+              <a:lnSpc>
+                <a:spcPct val="90000"/>
+              </a:lnSpc>
+              <a:spcBef>
+                <a:spcPts val="1000"/>
+              </a:spcBef>
+              <a:buFont typeface="Arial" panose="020B0604020202020204" pitchFamily="34" charset="0"/>
+              <a:buChar char="•"/>
+              <a:defRPr sz="2800" kern="1200">
+                <a:solidFill>
+                  <a:schemeClr val="tx1"/>
+                </a:solidFill>
+                <a:latin typeface="+mn-lt"/>
+                <a:ea typeface="+mn-ea"/>
+                <a:cs typeface="+mn-cs"/>
+              </a:defRPr>
+            </a:lvl1pPr>
+            <a:lvl2pPr marL="685800" indent="-228600" algn="l" defTabSz="914400" rtl="0" eaLnBrk="1" latinLnBrk="0" hangingPunct="1">
+              <a:lnSpc>
+                <a:spcPct val="90000"/>
+              </a:lnSpc>
+              <a:spcBef>
+                <a:spcPts val="500"/>
+              </a:spcBef>
+              <a:buFont typeface="Arial" panose="020B0604020202020204" pitchFamily="34" charset="0"/>
+              <a:buChar char="•"/>
+              <a:defRPr sz="2400" kern="1200">
+                <a:solidFill>
+                  <a:schemeClr val="tx1"/>
+                </a:solidFill>
+                <a:latin typeface="+mn-lt"/>
+                <a:ea typeface="+mn-ea"/>
+                <a:cs typeface="+mn-cs"/>
+              </a:defRPr>
+            </a:lvl2pPr>
+            <a:lvl3pPr marL="1143000" indent="-228600" algn="l" defTabSz="914400" rtl="0" eaLnBrk="1" latinLnBrk="0" hangingPunct="1">
+              <a:lnSpc>
+                <a:spcPct val="90000"/>
+              </a:lnSpc>
+              <a:spcBef>
+                <a:spcPts val="500"/>
+              </a:spcBef>
+              <a:buFont typeface="Arial" panose="020B0604020202020204" pitchFamily="34" charset="0"/>
+              <a:buChar char="•"/>
+              <a:defRPr sz="2000" kern="1200">
+                <a:solidFill>
+                  <a:schemeClr val="tx1"/>
+                </a:solidFill>
+                <a:latin typeface="+mn-lt"/>
+                <a:ea typeface="+mn-ea"/>
+                <a:cs typeface="+mn-cs"/>
+              </a:defRPr>
+            </a:lvl3pPr>
+            <a:lvl4pPr marL="1600200" indent="-228600" algn="l" defTabSz="914400" rtl="0" eaLnBrk="1" latinLnBrk="0" hangingPunct="1">
+              <a:lnSpc>
+                <a:spcPct val="90000"/>
+              </a:lnSpc>
+              <a:spcBef>
+                <a:spcPts val="500"/>
+              </a:spcBef>
+              <a:buFont typeface="Arial" panose="020B0604020202020204" pitchFamily="34" charset="0"/>
+              <a:buChar char="•"/>
+              <a:defRPr sz="1800" kern="1200">
+                <a:solidFill>
+                  <a:schemeClr val="tx1"/>
+                </a:solidFill>
+                <a:latin typeface="+mn-lt"/>
+                <a:ea typeface="+mn-ea"/>
+                <a:cs typeface="+mn-cs"/>
+              </a:defRPr>
+            </a:lvl4pPr>
+            <a:lvl5pPr marL="2057400" indent="-228600" algn="l" defTabSz="914400" rtl="0" eaLnBrk="1" latinLnBrk="0" hangingPunct="1">
+              <a:lnSpc>
+                <a:spcPct val="90000"/>
+              </a:lnSpc>
+              <a:spcBef>
+                <a:spcPts val="500"/>
+              </a:spcBef>
+              <a:buFont typeface="Arial" panose="020B0604020202020204" pitchFamily="34" charset="0"/>
+              <a:buChar char="•"/>
+              <a:defRPr sz="1800" kern="1200">
+                <a:solidFill>
+                  <a:schemeClr val="tx1"/>
+                </a:solidFill>
+                <a:latin typeface="+mn-lt"/>
+                <a:ea typeface="+mn-ea"/>
+                <a:cs typeface="+mn-cs"/>
+              </a:defRPr>
+            </a:lvl5pPr>
+            <a:lvl6pPr marL="2514600" indent="-228600" algn="l" defTabSz="914400" rtl="0" eaLnBrk="1" latinLnBrk="0" hangingPunct="1">
+              <a:lnSpc>
+                <a:spcPct val="90000"/>
+              </a:lnSpc>
+              <a:spcBef>
+                <a:spcPts val="500"/>
+              </a:spcBef>
+              <a:buFont typeface="Arial" panose="020B0604020202020204" pitchFamily="34" charset="0"/>
+              <a:buChar char="•"/>
+              <a:defRPr sz="1800" kern="1200">
+                <a:solidFill>
+                  <a:schemeClr val="tx1"/>
+                </a:solidFill>
+                <a:latin typeface="+mn-lt"/>
+                <a:ea typeface="+mn-ea"/>
+                <a:cs typeface="+mn-cs"/>
+              </a:defRPr>
+            </a:lvl6pPr>
+            <a:lvl7pPr marL="2971800" indent="-228600" algn="l" defTabSz="914400" rtl="0" eaLnBrk="1" latinLnBrk="0" hangingPunct="1">
+              <a:lnSpc>
+                <a:spcPct val="90000"/>
+              </a:lnSpc>
+              <a:spcBef>
+                <a:spcPts val="500"/>
+              </a:spcBef>
+              <a:buFont typeface="Arial" panose="020B0604020202020204" pitchFamily="34" charset="0"/>
+              <a:buChar char="•"/>
+              <a:defRPr sz="1800" kern="1200">
+                <a:solidFill>
+                  <a:schemeClr val="tx1"/>
+                </a:solidFill>
+                <a:latin typeface="+mn-lt"/>
+                <a:ea typeface="+mn-ea"/>
+                <a:cs typeface="+mn-cs"/>
+              </a:defRPr>
+            </a:lvl7pPr>
+            <a:lvl8pPr marL="3429000" indent="-228600" algn="l" defTabSz="914400" rtl="0" eaLnBrk="1" latinLnBrk="0" hangingPunct="1">
+              <a:lnSpc>
+                <a:spcPct val="90000"/>
+              </a:lnSpc>
+              <a:spcBef>
+                <a:spcPts val="500"/>
+              </a:spcBef>
+              <a:buFont typeface="Arial" panose="020B0604020202020204" pitchFamily="34" charset="0"/>
+              <a:buChar char="•"/>
+              <a:defRPr sz="1800" kern="1200">
+                <a:solidFill>
+                  <a:schemeClr val="tx1"/>
+                </a:solidFill>
+                <a:latin typeface="+mn-lt"/>
+                <a:ea typeface="+mn-ea"/>
+                <a:cs typeface="+mn-cs"/>
+              </a:defRPr>
+            </a:lvl8pPr>
+            <a:lvl9pPr marL="3886200" indent="-228600" algn="l" defTabSz="914400" rtl="0" eaLnBrk="1" latinLnBrk="0" hangingPunct="1">
+              <a:lnSpc>
+                <a:spcPct val="90000"/>
+              </a:lnSpc>
+              <a:spcBef>
+                <a:spcPts val="500"/>
+              </a:spcBef>
+              <a:buFont typeface="Arial" panose="020B0604020202020204" pitchFamily="34" charset="0"/>
+              <a:buChar char="•"/>
+              <a:defRPr sz="1800" kern="1200">
+                <a:solidFill>
+                  <a:schemeClr val="tx1"/>
+                </a:solidFill>
+                <a:latin typeface="+mn-lt"/>
+                <a:ea typeface="+mn-ea"/>
+                <a:cs typeface="+mn-cs"/>
+              </a:defRPr>
+            </a:lvl9pPr>
+          </a:lstStyle>
+          <a:p>
+            <a:r>
+              <a:rPr lang="nb-NO" dirty="0" err="1"/>
+              <a:t>Evaluates</a:t>
+            </a:r>
+            <a:r>
+              <a:rPr lang="nb-NO" dirty="0"/>
+              <a:t> </a:t>
+            </a:r>
+            <a:r>
+              <a:rPr lang="nb-NO" dirty="0" err="1"/>
+              <a:t>resources</a:t>
+            </a:r>
+            <a:r>
+              <a:rPr lang="nb-NO" dirty="0"/>
+              <a:t> and </a:t>
+            </a:r>
+            <a:r>
+              <a:rPr lang="nb-NO" dirty="0" err="1"/>
+              <a:t>actions</a:t>
+            </a:r>
+            <a:endParaRPr lang="nb-NO" dirty="0"/>
+          </a:p>
+          <a:p>
+            <a:r>
+              <a:rPr lang="nb-NO" dirty="0" err="1"/>
+              <a:t>Compares</a:t>
+            </a:r>
+            <a:r>
+              <a:rPr lang="nb-NO" dirty="0"/>
+              <a:t> </a:t>
+            </a:r>
+            <a:r>
+              <a:rPr lang="nb-NO" dirty="0" err="1"/>
+              <a:t>properties</a:t>
+            </a:r>
+            <a:r>
+              <a:rPr lang="nb-NO" dirty="0"/>
+              <a:t> </a:t>
+            </a:r>
+            <a:r>
+              <a:rPr lang="nb-NO" dirty="0" err="1"/>
+              <a:t>of</a:t>
+            </a:r>
+            <a:r>
+              <a:rPr lang="nb-NO" dirty="0"/>
+              <a:t> </a:t>
+            </a:r>
+            <a:r>
+              <a:rPr lang="nb-NO" dirty="0" err="1"/>
+              <a:t>the</a:t>
+            </a:r>
+            <a:r>
+              <a:rPr lang="nb-NO" dirty="0"/>
+              <a:t> </a:t>
+            </a:r>
+            <a:r>
+              <a:rPr lang="nb-NO" dirty="0" err="1"/>
+              <a:t>resourse</a:t>
+            </a:r>
+            <a:r>
+              <a:rPr lang="nb-NO" dirty="0"/>
+              <a:t> to </a:t>
+            </a:r>
+            <a:r>
+              <a:rPr lang="nb-NO" dirty="0" err="1"/>
+              <a:t>rules</a:t>
+            </a:r>
+            <a:endParaRPr lang="nb-NO" dirty="0"/>
+          </a:p>
+          <a:p>
+            <a:r>
+              <a:rPr lang="nb-NO" dirty="0"/>
+              <a:t>Rules </a:t>
+            </a:r>
+            <a:r>
+              <a:rPr lang="nb-NO" dirty="0" err="1"/>
+              <a:t>are</a:t>
+            </a:r>
+            <a:r>
+              <a:rPr lang="nb-NO" dirty="0"/>
+              <a:t> JSON </a:t>
+            </a:r>
+          </a:p>
+          <a:p>
+            <a:r>
+              <a:rPr lang="nb-NO" dirty="0"/>
+              <a:t>Policy </a:t>
+            </a:r>
+            <a:r>
+              <a:rPr lang="nb-NO" dirty="0" err="1"/>
+              <a:t>effects</a:t>
+            </a:r>
+            <a:r>
+              <a:rPr lang="nb-NO" dirty="0"/>
+              <a:t> (not </a:t>
+            </a:r>
+            <a:r>
+              <a:rPr lang="nb-NO" dirty="0" err="1"/>
+              <a:t>completed</a:t>
+            </a:r>
+            <a:r>
+              <a:rPr lang="nb-NO" dirty="0"/>
+              <a:t>):</a:t>
+            </a:r>
+          </a:p>
+          <a:p>
+            <a:pPr lvl="1"/>
+            <a:r>
+              <a:rPr lang="nb-NO" dirty="0" err="1"/>
+              <a:t>Deny</a:t>
+            </a:r>
+            <a:endParaRPr lang="nb-NO" dirty="0"/>
+          </a:p>
+          <a:p>
+            <a:pPr lvl="1"/>
+            <a:r>
+              <a:rPr lang="nb-NO" dirty="0" err="1"/>
+              <a:t>Audit</a:t>
+            </a:r>
+            <a:endParaRPr lang="nb-NO" dirty="0"/>
+          </a:p>
+          <a:p>
+            <a:pPr lvl="1"/>
+            <a:r>
+              <a:rPr lang="nb-NO" dirty="0" err="1"/>
+              <a:t>DeployIfNotExists</a:t>
+            </a:r>
+            <a:endParaRPr lang="nb-NO" dirty="0"/>
+          </a:p>
+          <a:p>
+            <a:pPr lvl="1"/>
+            <a:r>
+              <a:rPr lang="nb-NO" dirty="0" err="1"/>
+              <a:t>Modify</a:t>
+            </a:r>
+            <a:endParaRPr lang="nb-NO" dirty="0"/>
+          </a:p>
+        </p:txBody>
+      </p:sp>
+      <p:pic>
+        <p:nvPicPr>
+          <p:cNvPr id="6" name="Picture 5">
+            <a:extLst>
+              <a:ext uri="{FF2B5EF4-FFF2-40B4-BE49-F238E27FC236}">
+                <a16:creationId xmlns:a16="http://schemas.microsoft.com/office/drawing/2014/main" id="{4D38A004-386B-6F48-F927-5B9082F1E988}"/>
               </a:ext>
             </a:extLst>
           </p:cNvPr>
@@ -13628,8 +14649,8 @@
         </p:blipFill>
         <p:spPr>
           <a:xfrm>
-            <a:off x="2678915" y="1014786"/>
-            <a:ext cx="6527731" cy="4684974"/>
+            <a:off x="5573874" y="2222057"/>
+            <a:ext cx="6199026" cy="3437414"/>
           </a:xfrm>
           <a:prstGeom prst="rect">
             <a:avLst/>
@@ -13638,10 +14659,10 @@
       </p:pic>
       <p:pic>
         <p:nvPicPr>
-          <p:cNvPr id="4" name="Graphic 4">
-            <a:extLst>
-              <a:ext uri="{FF2B5EF4-FFF2-40B4-BE49-F238E27FC236}">
-                <a16:creationId xmlns:a16="http://schemas.microsoft.com/office/drawing/2014/main" id="{0DFA98A8-5A4D-49E4-832A-BB2FD120FBC7}"/>
+          <p:cNvPr id="7" name="Graphic 3">
+            <a:extLst>
+              <a:ext uri="{FF2B5EF4-FFF2-40B4-BE49-F238E27FC236}">
+                <a16:creationId xmlns:a16="http://schemas.microsoft.com/office/drawing/2014/main" id="{92154FB9-BA8E-B603-D784-954C6EB1A0E9}"/>
               </a:ext>
             </a:extLst>
           </p:cNvPr>
@@ -13667,8 +14688,8 @@
         </p:blipFill>
         <p:spPr>
           <a:xfrm>
-            <a:off x="375137" y="6121057"/>
-            <a:ext cx="1718444" cy="574556"/>
+            <a:off x="10590462" y="702752"/>
+            <a:ext cx="688475" cy="688475"/>
           </a:xfrm>
           <a:prstGeom prst="rect">
             <a:avLst/>
@@ -13677,10 +14698,10 @@
       </p:pic>
       <p:pic>
         <p:nvPicPr>
-          <p:cNvPr id="5" name="Google Shape;56;p13">
-            <a:extLst>
-              <a:ext uri="{FF2B5EF4-FFF2-40B4-BE49-F238E27FC236}">
-                <a16:creationId xmlns:a16="http://schemas.microsoft.com/office/drawing/2014/main" id="{0A29C5F4-A042-4CF1-B499-7EC5D0A4F145}"/>
+          <p:cNvPr id="8" name="Google Shape;56;p13">
+            <a:extLst>
+              <a:ext uri="{FF2B5EF4-FFF2-40B4-BE49-F238E27FC236}">
+                <a16:creationId xmlns:a16="http://schemas.microsoft.com/office/drawing/2014/main" id="{7202D3A6-7BDB-39E2-07F1-0D6D4F4219CE}"/>
               </a:ext>
             </a:extLst>
           </p:cNvPr>
@@ -13709,10 +14730,167 @@
           </a:ln>
         </p:spPr>
       </p:pic>
+      <p:pic>
+        <p:nvPicPr>
+          <p:cNvPr id="9" name="Graphic 8">
+            <a:extLst>
+              <a:ext uri="{FF2B5EF4-FFF2-40B4-BE49-F238E27FC236}">
+                <a16:creationId xmlns:a16="http://schemas.microsoft.com/office/drawing/2014/main" id="{CC5C011C-E25C-19C2-3057-1FBDEB6EDFF4}"/>
+              </a:ext>
+            </a:extLst>
+          </p:cNvPr>
+          <p:cNvPicPr>
+            <a:picLocks noChangeAspect="1"/>
+          </p:cNvPicPr>
+          <p:nvPr/>
+        </p:nvPicPr>
+        <p:blipFill>
+          <a:blip r:embed="rId7">
+            <a:extLst>
+              <a:ext uri="{28A0092B-C50C-407E-A947-70E740481C1C}">
+                <a14:useLocalDpi xmlns:a14="http://schemas.microsoft.com/office/drawing/2010/main" val="0"/>
+              </a:ext>
+              <a:ext uri="{96DAC541-7B7A-43D3-8B79-37D633B846F1}">
+                <asvg:svgBlip xmlns:asvg="http://schemas.microsoft.com/office/drawing/2016/SVG/main" r:embed="rId8"/>
+              </a:ext>
+            </a:extLst>
+          </a:blip>
+          <a:stretch>
+            <a:fillRect/>
+          </a:stretch>
+        </p:blipFill>
+        <p:spPr>
+          <a:xfrm>
+            <a:off x="375137" y="6121057"/>
+            <a:ext cx="1718444" cy="574556"/>
+          </a:xfrm>
+          <a:prstGeom prst="rect">
+            <a:avLst/>
+          </a:prstGeom>
+        </p:spPr>
+      </p:pic>
     </p:spTree>
     <p:extLst>
       <p:ext uri="{BB962C8B-B14F-4D97-AF65-F5344CB8AC3E}">
-        <p14:creationId xmlns:p14="http://schemas.microsoft.com/office/powerpoint/2010/main" val="3340194559"/>
+        <p14:creationId xmlns:p14="http://schemas.microsoft.com/office/powerpoint/2010/main" val="4264003894"/>
+      </p:ext>
+    </p:extLst>
+  </p:cSld>
+  <p:clrMapOvr>
+    <a:masterClrMapping/>
+  </p:clrMapOvr>
+</p:sld>
+</file>
+
+<file path=ppt/slides/slide29.xml><?xml version="1.0" encoding="utf-8"?>
+<p:sld xmlns:a="http://schemas.openxmlformats.org/drawingml/2006/main" xmlns:r="http://schemas.openxmlformats.org/officeDocument/2006/relationships" xmlns:p="http://schemas.openxmlformats.org/presentationml/2006/main">
+  <p:cSld>
+    <p:spTree>
+      <p:nvGrpSpPr>
+        <p:cNvPr id="1" name=""/>
+        <p:cNvGrpSpPr/>
+        <p:nvPr/>
+      </p:nvGrpSpPr>
+      <p:grpSpPr>
+        <a:xfrm>
+          <a:off x="0" y="0"/>
+          <a:ext cx="0" cy="0"/>
+          <a:chOff x="0" y="0"/>
+          <a:chExt cx="0" cy="0"/>
+        </a:xfrm>
+      </p:grpSpPr>
+      <p:sp>
+        <p:nvSpPr>
+          <p:cNvPr id="2" name="Title 1">
+            <a:extLst>
+              <a:ext uri="{FF2B5EF4-FFF2-40B4-BE49-F238E27FC236}">
+                <a16:creationId xmlns:a16="http://schemas.microsoft.com/office/drawing/2014/main" id="{46B6DF40-BFCB-AFB0-94A5-19AD4DFACB99}"/>
+              </a:ext>
+            </a:extLst>
+          </p:cNvPr>
+          <p:cNvSpPr>
+            <a:spLocks noGrp="1"/>
+          </p:cNvSpPr>
+          <p:nvPr>
+            <p:ph type="title"/>
+          </p:nvPr>
+        </p:nvSpPr>
+        <p:spPr/>
+        <p:txBody>
+          <a:bodyPr/>
+          <a:lstStyle/>
+          <a:p>
+            <a:r>
+              <a:rPr lang="en-US" dirty="0"/>
+              <a:t>Deploy Storage Account Blob Private Endpoint DNS Record Policy</a:t>
+            </a:r>
+          </a:p>
+        </p:txBody>
+      </p:sp>
+      <p:pic>
+        <p:nvPicPr>
+          <p:cNvPr id="5" name="Picture 4">
+            <a:extLst>
+              <a:ext uri="{FF2B5EF4-FFF2-40B4-BE49-F238E27FC236}">
+                <a16:creationId xmlns:a16="http://schemas.microsoft.com/office/drawing/2014/main" id="{70141492-7A45-0C22-78A8-C23709DD8287}"/>
+              </a:ext>
+            </a:extLst>
+          </p:cNvPr>
+          <p:cNvPicPr>
+            <a:picLocks noChangeAspect="1"/>
+          </p:cNvPicPr>
+          <p:nvPr/>
+        </p:nvPicPr>
+        <p:blipFill>
+          <a:blip r:embed="rId2"/>
+          <a:stretch>
+            <a:fillRect/>
+          </a:stretch>
+        </p:blipFill>
+        <p:spPr>
+          <a:xfrm>
+            <a:off x="415600" y="2154813"/>
+            <a:ext cx="6028743" cy="2523119"/>
+          </a:xfrm>
+          <a:prstGeom prst="rect">
+            <a:avLst/>
+          </a:prstGeom>
+        </p:spPr>
+      </p:pic>
+      <p:pic>
+        <p:nvPicPr>
+          <p:cNvPr id="7" name="Picture 6">
+            <a:extLst>
+              <a:ext uri="{FF2B5EF4-FFF2-40B4-BE49-F238E27FC236}">
+                <a16:creationId xmlns:a16="http://schemas.microsoft.com/office/drawing/2014/main" id="{2FCE5458-AF3C-440E-13D8-4B9011F8CD95}"/>
+              </a:ext>
+            </a:extLst>
+          </p:cNvPr>
+          <p:cNvPicPr>
+            <a:picLocks noChangeAspect="1"/>
+          </p:cNvPicPr>
+          <p:nvPr/>
+        </p:nvPicPr>
+        <p:blipFill>
+          <a:blip r:embed="rId3"/>
+          <a:stretch>
+            <a:fillRect/>
+          </a:stretch>
+        </p:blipFill>
+        <p:spPr>
+          <a:xfrm>
+            <a:off x="6514011" y="3724462"/>
+            <a:ext cx="5617029" cy="2994201"/>
+          </a:xfrm>
+          <a:prstGeom prst="rect">
+            <a:avLst/>
+          </a:prstGeom>
+        </p:spPr>
+      </p:pic>
+    </p:spTree>
+    <p:extLst>
+      <p:ext uri="{BB962C8B-B14F-4D97-AF65-F5344CB8AC3E}">
+        <p14:creationId xmlns:p14="http://schemas.microsoft.com/office/powerpoint/2010/main" val="4004805574"/>
       </p:ext>
     </p:extLst>
   </p:cSld>
@@ -13946,6 +15124,301 @@
     <p:extLst>
       <p:ext uri="{BB962C8B-B14F-4D97-AF65-F5344CB8AC3E}">
         <p14:creationId xmlns:p14="http://schemas.microsoft.com/office/powerpoint/2010/main" val="4114130333"/>
+      </p:ext>
+    </p:extLst>
+  </p:cSld>
+  <p:clrMapOvr>
+    <a:masterClrMapping/>
+  </p:clrMapOvr>
+</p:sld>
+</file>
+
+<file path=ppt/slides/slide30.xml><?xml version="1.0" encoding="utf-8"?>
+<p:sld xmlns:a="http://schemas.openxmlformats.org/drawingml/2006/main" xmlns:r="http://schemas.openxmlformats.org/officeDocument/2006/relationships" xmlns:p="http://schemas.openxmlformats.org/presentationml/2006/main">
+  <p:cSld>
+    <p:spTree>
+      <p:nvGrpSpPr>
+        <p:cNvPr id="1" name=""/>
+        <p:cNvGrpSpPr/>
+        <p:nvPr/>
+      </p:nvGrpSpPr>
+      <p:grpSpPr>
+        <a:xfrm>
+          <a:off x="0" y="0"/>
+          <a:ext cx="0" cy="0"/>
+          <a:chOff x="0" y="0"/>
+          <a:chExt cx="0" cy="0"/>
+        </a:xfrm>
+      </p:grpSpPr>
+      <p:sp>
+        <p:nvSpPr>
+          <p:cNvPr id="2" name="Title 1">
+            <a:extLst>
+              <a:ext uri="{FF2B5EF4-FFF2-40B4-BE49-F238E27FC236}">
+                <a16:creationId xmlns:a16="http://schemas.microsoft.com/office/drawing/2014/main" id="{E35F925F-7C4B-9A04-FAEC-3268DD70660D}"/>
+              </a:ext>
+            </a:extLst>
+          </p:cNvPr>
+          <p:cNvSpPr>
+            <a:spLocks noGrp="1"/>
+          </p:cNvSpPr>
+          <p:nvPr>
+            <p:ph type="title"/>
+          </p:nvPr>
+        </p:nvSpPr>
+        <p:spPr/>
+        <p:txBody>
+          <a:bodyPr/>
+          <a:lstStyle/>
+          <a:p>
+            <a:r>
+              <a:rPr lang="nb-NO" dirty="0"/>
+              <a:t>Labs</a:t>
+            </a:r>
+            <a:endParaRPr lang="en-US" dirty="0"/>
+          </a:p>
+        </p:txBody>
+      </p:sp>
+      <p:pic>
+        <p:nvPicPr>
+          <p:cNvPr id="5" name="Picture 4">
+            <a:extLst>
+              <a:ext uri="{FF2B5EF4-FFF2-40B4-BE49-F238E27FC236}">
+                <a16:creationId xmlns:a16="http://schemas.microsoft.com/office/drawing/2014/main" id="{AFD38941-BF4D-9F3F-7965-86DADBD63EFA}"/>
+              </a:ext>
+            </a:extLst>
+          </p:cNvPr>
+          <p:cNvPicPr>
+            <a:picLocks noChangeAspect="1"/>
+          </p:cNvPicPr>
+          <p:nvPr/>
+        </p:nvPicPr>
+        <p:blipFill>
+          <a:blip r:embed="rId2"/>
+          <a:stretch>
+            <a:fillRect/>
+          </a:stretch>
+        </p:blipFill>
+        <p:spPr>
+          <a:xfrm>
+            <a:off x="0" y="1555400"/>
+            <a:ext cx="11991416" cy="4461578"/>
+          </a:xfrm>
+          <a:prstGeom prst="rect">
+            <a:avLst/>
+          </a:prstGeom>
+        </p:spPr>
+      </p:pic>
+      <p:pic>
+        <p:nvPicPr>
+          <p:cNvPr id="3" name="Google Shape;56;p13">
+            <a:extLst>
+              <a:ext uri="{FF2B5EF4-FFF2-40B4-BE49-F238E27FC236}">
+                <a16:creationId xmlns:a16="http://schemas.microsoft.com/office/drawing/2014/main" id="{784183D5-F0A0-38CD-1AA1-AB743AA06EEC}"/>
+              </a:ext>
+            </a:extLst>
+          </p:cNvPr>
+          <p:cNvPicPr preferRelativeResize="0"/>
+          <p:nvPr/>
+        </p:nvPicPr>
+        <p:blipFill>
+          <a:blip r:embed="rId3">
+            <a:alphaModFix/>
+          </a:blip>
+          <a:stretch>
+            <a:fillRect/>
+          </a:stretch>
+        </p:blipFill>
+        <p:spPr>
+          <a:xfrm>
+            <a:off x="10989179" y="5736492"/>
+            <a:ext cx="1202821" cy="1121508"/>
+          </a:xfrm>
+          <a:prstGeom prst="rect">
+            <a:avLst/>
+          </a:prstGeom>
+          <a:noFill/>
+          <a:ln>
+            <a:noFill/>
+          </a:ln>
+        </p:spPr>
+      </p:pic>
+      <p:pic>
+        <p:nvPicPr>
+          <p:cNvPr id="4" name="Graphic 3">
+            <a:extLst>
+              <a:ext uri="{FF2B5EF4-FFF2-40B4-BE49-F238E27FC236}">
+                <a16:creationId xmlns:a16="http://schemas.microsoft.com/office/drawing/2014/main" id="{528180BB-A110-6A23-58EF-D986D1A6171B}"/>
+              </a:ext>
+            </a:extLst>
+          </p:cNvPr>
+          <p:cNvPicPr>
+            <a:picLocks noChangeAspect="1"/>
+          </p:cNvPicPr>
+          <p:nvPr/>
+        </p:nvPicPr>
+        <p:blipFill>
+          <a:blip r:embed="rId4">
+            <a:extLst>
+              <a:ext uri="{28A0092B-C50C-407E-A947-70E740481C1C}">
+                <a14:useLocalDpi xmlns:a14="http://schemas.microsoft.com/office/drawing/2010/main" val="0"/>
+              </a:ext>
+              <a:ext uri="{96DAC541-7B7A-43D3-8B79-37D633B846F1}">
+                <asvg:svgBlip xmlns:asvg="http://schemas.microsoft.com/office/drawing/2016/SVG/main" r:embed="rId5"/>
+              </a:ext>
+            </a:extLst>
+          </a:blip>
+          <a:stretch>
+            <a:fillRect/>
+          </a:stretch>
+        </p:blipFill>
+        <p:spPr>
+          <a:xfrm>
+            <a:off x="375137" y="6121057"/>
+            <a:ext cx="1718444" cy="574556"/>
+          </a:xfrm>
+          <a:prstGeom prst="rect">
+            <a:avLst/>
+          </a:prstGeom>
+        </p:spPr>
+      </p:pic>
+    </p:spTree>
+    <p:extLst>
+      <p:ext uri="{BB962C8B-B14F-4D97-AF65-F5344CB8AC3E}">
+        <p14:creationId xmlns:p14="http://schemas.microsoft.com/office/powerpoint/2010/main" val="1758931061"/>
+      </p:ext>
+    </p:extLst>
+  </p:cSld>
+  <p:clrMapOvr>
+    <a:masterClrMapping/>
+  </p:clrMapOvr>
+</p:sld>
+</file>
+
+<file path=ppt/slides/slide31.xml><?xml version="1.0" encoding="utf-8"?>
+<p:sld xmlns:a="http://schemas.openxmlformats.org/drawingml/2006/main" xmlns:r="http://schemas.openxmlformats.org/officeDocument/2006/relationships" xmlns:p="http://schemas.openxmlformats.org/presentationml/2006/main">
+  <p:cSld>
+    <p:spTree>
+      <p:nvGrpSpPr>
+        <p:cNvPr id="1" name=""/>
+        <p:cNvGrpSpPr/>
+        <p:nvPr/>
+      </p:nvGrpSpPr>
+      <p:grpSpPr>
+        <a:xfrm>
+          <a:off x="0" y="0"/>
+          <a:ext cx="0" cy="0"/>
+          <a:chOff x="0" y="0"/>
+          <a:chExt cx="0" cy="0"/>
+        </a:xfrm>
+      </p:grpSpPr>
+      <p:pic>
+        <p:nvPicPr>
+          <p:cNvPr id="3" name="Picture 2">
+            <a:extLst>
+              <a:ext uri="{FF2B5EF4-FFF2-40B4-BE49-F238E27FC236}">
+                <a16:creationId xmlns:a16="http://schemas.microsoft.com/office/drawing/2014/main" id="{CFAD4C39-42D6-45D1-9E0D-E17B5050B154}"/>
+              </a:ext>
+            </a:extLst>
+          </p:cNvPr>
+          <p:cNvPicPr>
+            <a:picLocks noChangeAspect="1"/>
+          </p:cNvPicPr>
+          <p:nvPr/>
+        </p:nvPicPr>
+        <p:blipFill>
+          <a:blip r:embed="rId3"/>
+          <a:stretch>
+            <a:fillRect/>
+          </a:stretch>
+        </p:blipFill>
+        <p:spPr>
+          <a:xfrm>
+            <a:off x="2678915" y="1014786"/>
+            <a:ext cx="6527731" cy="4684974"/>
+          </a:xfrm>
+          <a:prstGeom prst="rect">
+            <a:avLst/>
+          </a:prstGeom>
+        </p:spPr>
+      </p:pic>
+      <p:pic>
+        <p:nvPicPr>
+          <p:cNvPr id="4" name="Graphic 4">
+            <a:extLst>
+              <a:ext uri="{FF2B5EF4-FFF2-40B4-BE49-F238E27FC236}">
+                <a16:creationId xmlns:a16="http://schemas.microsoft.com/office/drawing/2014/main" id="{0DFA98A8-5A4D-49E4-832A-BB2FD120FBC7}"/>
+              </a:ext>
+            </a:extLst>
+          </p:cNvPr>
+          <p:cNvPicPr>
+            <a:picLocks noChangeAspect="1"/>
+          </p:cNvPicPr>
+          <p:nvPr/>
+        </p:nvPicPr>
+        <p:blipFill>
+          <a:blip r:embed="rId4">
+            <a:extLst>
+              <a:ext uri="{28A0092B-C50C-407E-A947-70E740481C1C}">
+                <a14:useLocalDpi xmlns:a14="http://schemas.microsoft.com/office/drawing/2010/main" val="0"/>
+              </a:ext>
+              <a:ext uri="{96DAC541-7B7A-43D3-8B79-37D633B846F1}">
+                <asvg:svgBlip xmlns:asvg="http://schemas.microsoft.com/office/drawing/2016/SVG/main" r:embed="rId5"/>
+              </a:ext>
+            </a:extLst>
+          </a:blip>
+          <a:stretch>
+            <a:fillRect/>
+          </a:stretch>
+        </p:blipFill>
+        <p:spPr>
+          <a:xfrm>
+            <a:off x="375137" y="6121057"/>
+            <a:ext cx="1718444" cy="574556"/>
+          </a:xfrm>
+          <a:prstGeom prst="rect">
+            <a:avLst/>
+          </a:prstGeom>
+        </p:spPr>
+      </p:pic>
+      <p:pic>
+        <p:nvPicPr>
+          <p:cNvPr id="5" name="Google Shape;56;p13">
+            <a:extLst>
+              <a:ext uri="{FF2B5EF4-FFF2-40B4-BE49-F238E27FC236}">
+                <a16:creationId xmlns:a16="http://schemas.microsoft.com/office/drawing/2014/main" id="{0A29C5F4-A042-4CF1-B499-7EC5D0A4F145}"/>
+              </a:ext>
+            </a:extLst>
+          </p:cNvPr>
+          <p:cNvPicPr preferRelativeResize="0"/>
+          <p:nvPr/>
+        </p:nvPicPr>
+        <p:blipFill>
+          <a:blip r:embed="rId6">
+            <a:alphaModFix/>
+          </a:blip>
+          <a:stretch>
+            <a:fillRect/>
+          </a:stretch>
+        </p:blipFill>
+        <p:spPr>
+          <a:xfrm>
+            <a:off x="10989179" y="5736492"/>
+            <a:ext cx="1202821" cy="1121508"/>
+          </a:xfrm>
+          <a:prstGeom prst="rect">
+            <a:avLst/>
+          </a:prstGeom>
+          <a:noFill/>
+          <a:ln>
+            <a:noFill/>
+          </a:ln>
+        </p:spPr>
+      </p:pic>
+    </p:spTree>
+    <p:extLst>
+      <p:ext uri="{BB962C8B-B14F-4D97-AF65-F5344CB8AC3E}">
+        <p14:creationId xmlns:p14="http://schemas.microsoft.com/office/powerpoint/2010/main" val="3340194559"/>
       </p:ext>
     </p:extLst>
   </p:cSld>

--- a/slides/private-links.pptx
+++ b/slides/private-links.pptx
@@ -32,7 +32,7 @@
     <p:sldId id="2076136343" r:id="rId23"/>
     <p:sldId id="2076136342" r:id="rId24"/>
     <p:sldId id="2076136345" r:id="rId25"/>
-    <p:sldId id="2076136344" r:id="rId26"/>
+    <p:sldId id="2076137282" r:id="rId26"/>
     <p:sldId id="2076136348" r:id="rId27"/>
     <p:sldId id="2076136349" r:id="rId28"/>
     <p:sldId id="2076136350" r:id="rId29"/>
@@ -1518,6 +1518,9 @@
             </a:r>
             <a:endParaRPr lang="en-US" dirty="0"/>
           </a:p>
+          <a:p>
+            <a:endParaRPr lang="en-US" dirty="0"/>
+          </a:p>
         </p:txBody>
       </p:sp>
       <p:sp>
@@ -1535,18 +1538,18 @@
           <a:bodyPr/>
           <a:lstStyle/>
           <a:p>
-            <a:fld id="{FB3A52E1-8A48-429C-8A5A-7D4445DBC12D}" type="slidenum">
-              <a:rPr lang="nb-NO" smtClean="0"/>
+            <a:fld id="{30FEB7C3-9183-43FC-A268-FF9AAEAAAA55}" type="slidenum">
+              <a:rPr lang="en-US" smtClean="0"/>
               <a:t>25</a:t>
             </a:fld>
-            <a:endParaRPr lang="nb-NO"/>
+            <a:endParaRPr lang="en-US"/>
           </a:p>
         </p:txBody>
       </p:sp>
     </p:spTree>
     <p:extLst>
       <p:ext uri="{BB962C8B-B14F-4D97-AF65-F5344CB8AC3E}">
-        <p14:creationId xmlns:p14="http://schemas.microsoft.com/office/powerpoint/2010/main" val="1055756310"/>
+        <p14:creationId xmlns:p14="http://schemas.microsoft.com/office/powerpoint/2010/main" val="2912448886"/>
       </p:ext>
     </p:extLst>
   </p:cSld>
@@ -10986,13 +10989,8 @@
           <a:p>
             <a:r>
               <a:rPr lang="en-US" dirty="0"/>
-              <a:t>[  ] Working with Azure Policy </a:t>
-            </a:r>
-            <a:r>
-              <a:rPr lang="en-US"/>
-              <a:t>(August)</a:t>
-            </a:r>
-            <a:endParaRPr lang="en-US" dirty="0"/>
+              <a:t>[  ] Working with Azure Policy (August)</a:t>
+            </a:r>
           </a:p>
           <a:p>
             <a:r>
@@ -13567,39 +13565,1178 @@
       </p:grpSpPr>
       <p:sp>
         <p:nvSpPr>
-          <p:cNvPr id="2" name="Title 1">
-            <a:extLst>
-              <a:ext uri="{FF2B5EF4-FFF2-40B4-BE49-F238E27FC236}">
-                <a16:creationId xmlns:a16="http://schemas.microsoft.com/office/drawing/2014/main" id="{44FDB668-9D07-468F-2826-CDA0A50E6950}"/>
-              </a:ext>
-            </a:extLst>
-          </p:cNvPr>
-          <p:cNvSpPr>
-            <a:spLocks noGrp="1"/>
-          </p:cNvSpPr>
-          <p:nvPr>
-            <p:ph type="title"/>
-          </p:nvPr>
+          <p:cNvPr id="6" name="Rectangle 5">
+            <a:extLst>
+              <a:ext uri="{FF2B5EF4-FFF2-40B4-BE49-F238E27FC236}">
+                <a16:creationId xmlns:a16="http://schemas.microsoft.com/office/drawing/2014/main" id="{9216BA57-9883-4FC3-AC4D-47723E31BEF2}"/>
+              </a:ext>
+            </a:extLst>
+          </p:cNvPr>
+          <p:cNvSpPr/>
+          <p:nvPr/>
         </p:nvSpPr>
-        <p:spPr/>
+        <p:spPr>
+          <a:xfrm>
+            <a:off x="6096000" y="2842607"/>
+            <a:ext cx="2492232" cy="2802377"/>
+          </a:xfrm>
+          <a:prstGeom prst="rect">
+            <a:avLst/>
+          </a:prstGeom>
+          <a:noFill/>
+          <a:ln w="12700">
+            <a:solidFill>
+              <a:srgbClr val="0078D7"/>
+            </a:solidFill>
+            <a:prstDash val="sysDash"/>
+          </a:ln>
+        </p:spPr>
+        <p:style>
+          <a:lnRef idx="2">
+            <a:schemeClr val="accent1">
+              <a:shade val="50000"/>
+            </a:schemeClr>
+          </a:lnRef>
+          <a:fillRef idx="1">
+            <a:schemeClr val="accent1"/>
+          </a:fillRef>
+          <a:effectRef idx="0">
+            <a:schemeClr val="accent1"/>
+          </a:effectRef>
+          <a:fontRef idx="minor">
+            <a:schemeClr val="lt1"/>
+          </a:fontRef>
+        </p:style>
         <p:txBody>
-          <a:bodyPr/>
+          <a:bodyPr rtlCol="0" anchor="ctr"/>
           <a:lstStyle/>
           <a:p>
-            <a:r>
-              <a:rPr lang="nb-NO" dirty="0"/>
-              <a:t>Azure Private DNS Resolver</a:t>
-            </a:r>
-            <a:endParaRPr lang="en-US" dirty="0"/>
+            <a:pPr algn="ctr"/>
+            <a:endParaRPr lang="en-US"/>
+          </a:p>
+        </p:txBody>
+      </p:sp>
+      <p:sp>
+        <p:nvSpPr>
+          <p:cNvPr id="212" name="Rectangle 211">
+            <a:extLst>
+              <a:ext uri="{FF2B5EF4-FFF2-40B4-BE49-F238E27FC236}">
+                <a16:creationId xmlns:a16="http://schemas.microsoft.com/office/drawing/2014/main" id="{D2B1FD39-DB0A-421C-9231-A0E025014092}"/>
+              </a:ext>
+            </a:extLst>
+          </p:cNvPr>
+          <p:cNvSpPr/>
+          <p:nvPr/>
+        </p:nvSpPr>
+        <p:spPr>
+          <a:xfrm>
+            <a:off x="1628699" y="2842607"/>
+            <a:ext cx="1836950" cy="2108845"/>
+          </a:xfrm>
+          <a:prstGeom prst="rect">
+            <a:avLst/>
+          </a:prstGeom>
+          <a:ln w="12700">
+            <a:solidFill>
+              <a:schemeClr val="tx1">
+                <a:lumMod val="50000"/>
+                <a:lumOff val="50000"/>
+              </a:schemeClr>
+            </a:solidFill>
+            <a:prstDash val="dash"/>
+            <a:headEnd type="none" w="med" len="med"/>
+            <a:tailEnd type="none" w="med" len="med"/>
+          </a:ln>
+        </p:spPr>
+        <p:style>
+          <a:lnRef idx="2">
+            <a:schemeClr val="accent1"/>
+          </a:lnRef>
+          <a:fillRef idx="1">
+            <a:schemeClr val="lt1"/>
+          </a:fillRef>
+          <a:effectRef idx="0">
+            <a:schemeClr val="accent1"/>
+          </a:effectRef>
+          <a:fontRef idx="minor">
+            <a:schemeClr val="dk1"/>
+          </a:fontRef>
+        </p:style>
+        <p:txBody>
+          <a:bodyPr rot="0" spcFirstLastPara="0" vert="horz" wrap="square" lIns="179191" tIns="143354" rIns="179191" bIns="143354" numCol="1" spcCol="0" rtlCol="0" fromWordArt="0" anchor="t" anchorCtr="0" forceAA="0" compatLnSpc="1">
+            <a:prstTxWarp prst="textNoShape">
+              <a:avLst/>
+            </a:prstTxWarp>
+            <a:noAutofit/>
+          </a:bodyPr>
+          <a:lstStyle/>
+          <a:p>
+            <a:pPr algn="ctr" defTabSz="913642" fontAlgn="base">
+              <a:lnSpc>
+                <a:spcPct val="90000"/>
+              </a:lnSpc>
+              <a:spcBef>
+                <a:spcPct val="0"/>
+              </a:spcBef>
+              <a:spcAft>
+                <a:spcPct val="0"/>
+              </a:spcAft>
+            </a:pPr>
+            <a:endParaRPr lang="en-US" sz="800" dirty="0">
+              <a:solidFill>
+                <a:prstClr val="black">
+                  <a:lumMod val="50000"/>
+                  <a:lumOff val="50000"/>
+                </a:prstClr>
+              </a:solidFill>
+              <a:latin typeface="Arial"/>
+              <a:cs typeface="Segoe UI" pitchFamily="34" charset="0"/>
+            </a:endParaRPr>
+          </a:p>
+        </p:txBody>
+      </p:sp>
+      <p:sp>
+        <p:nvSpPr>
+          <p:cNvPr id="221" name="Rectangle 220">
+            <a:extLst>
+              <a:ext uri="{FF2B5EF4-FFF2-40B4-BE49-F238E27FC236}">
+                <a16:creationId xmlns:a16="http://schemas.microsoft.com/office/drawing/2014/main" id="{561DCA59-B52D-4944-BE3F-A8CA91A65582}"/>
+              </a:ext>
+            </a:extLst>
+          </p:cNvPr>
+          <p:cNvSpPr/>
+          <p:nvPr/>
+        </p:nvSpPr>
+        <p:spPr>
+          <a:xfrm>
+            <a:off x="1711577" y="3401706"/>
+            <a:ext cx="842526" cy="369332"/>
+          </a:xfrm>
+          <a:prstGeom prst="rect">
+            <a:avLst/>
+          </a:prstGeom>
+        </p:spPr>
+        <p:txBody>
+          <a:bodyPr wrap="square">
+            <a:spAutoFit/>
+          </a:bodyPr>
+          <a:lstStyle/>
+          <a:p>
+            <a:pPr algn="ctr" defTabSz="1087965"/>
+            <a:r>
+              <a:rPr lang="en-US" sz="900" dirty="0">
+                <a:latin typeface="Segoe UI" panose="020B0502040204020203" pitchFamily="34" charset="0"/>
+                <a:cs typeface="Segoe UI" panose="020B0502040204020203" pitchFamily="34" charset="0"/>
+              </a:rPr>
+              <a:t>On-premises server</a:t>
+            </a:r>
+          </a:p>
+        </p:txBody>
+      </p:sp>
+      <p:grpSp>
+        <p:nvGrpSpPr>
+          <p:cNvPr id="216" name="Group 215">
+            <a:extLst>
+              <a:ext uri="{FF2B5EF4-FFF2-40B4-BE49-F238E27FC236}">
+                <a16:creationId xmlns:a16="http://schemas.microsoft.com/office/drawing/2014/main" id="{64EB974A-467A-454A-BECF-3D754F665A02}"/>
+              </a:ext>
+            </a:extLst>
+          </p:cNvPr>
+          <p:cNvGrpSpPr/>
+          <p:nvPr/>
+        </p:nvGrpSpPr>
+        <p:grpSpPr>
+          <a:xfrm>
+            <a:off x="1823801" y="3722548"/>
+            <a:ext cx="671253" cy="594673"/>
+            <a:chOff x="8052416" y="3591832"/>
+            <a:chExt cx="671253" cy="594826"/>
+          </a:xfrm>
+        </p:grpSpPr>
+        <p:sp>
+          <p:nvSpPr>
+            <p:cNvPr id="217" name="Rectangle 216">
+              <a:extLst>
+                <a:ext uri="{FF2B5EF4-FFF2-40B4-BE49-F238E27FC236}">
+                  <a16:creationId xmlns:a16="http://schemas.microsoft.com/office/drawing/2014/main" id="{E73D0C4A-C81D-4C72-84AB-C88F142137C1}"/>
+                </a:ext>
+              </a:extLst>
+            </p:cNvPr>
+            <p:cNvSpPr/>
+            <p:nvPr/>
+          </p:nvSpPr>
+          <p:spPr>
+            <a:xfrm>
+              <a:off x="8052416" y="3817231"/>
+              <a:ext cx="671253" cy="369427"/>
+            </a:xfrm>
+            <a:prstGeom prst="rect">
+              <a:avLst/>
+            </a:prstGeom>
+          </p:spPr>
+          <p:txBody>
+            <a:bodyPr wrap="square">
+              <a:spAutoFit/>
+            </a:bodyPr>
+            <a:lstStyle/>
+            <a:p>
+              <a:pPr algn="ctr" defTabSz="1087965"/>
+              <a:r>
+                <a:rPr lang="en-US" sz="900" dirty="0">
+                  <a:latin typeface="Segoe UI" panose="020B0502040204020203" pitchFamily="34" charset="0"/>
+                  <a:cs typeface="Segoe UI" panose="020B0502040204020203" pitchFamily="34" charset="0"/>
+                </a:rPr>
+                <a:t>Windows desktops</a:t>
+              </a:r>
+            </a:p>
+          </p:txBody>
+        </p:sp>
+        <p:pic>
+          <p:nvPicPr>
+            <p:cNvPr id="218" name="Picture 217">
+              <a:extLst>
+                <a:ext uri="{FF2B5EF4-FFF2-40B4-BE49-F238E27FC236}">
+                  <a16:creationId xmlns:a16="http://schemas.microsoft.com/office/drawing/2014/main" id="{45EEA875-AFA1-4822-AA9F-80707CDEA701}"/>
+                </a:ext>
+              </a:extLst>
+            </p:cNvPr>
+            <p:cNvPicPr>
+              <a:picLocks noChangeAspect="1"/>
+            </p:cNvPicPr>
+            <p:nvPr/>
+          </p:nvPicPr>
+          <p:blipFill>
+            <a:blip r:embed="rId3"/>
+            <a:stretch>
+              <a:fillRect/>
+            </a:stretch>
+          </p:blipFill>
+          <p:spPr>
+            <a:xfrm>
+              <a:off x="8278024" y="3591832"/>
+              <a:ext cx="329224" cy="255271"/>
+            </a:xfrm>
+            <a:prstGeom prst="rect">
+              <a:avLst/>
+            </a:prstGeom>
+          </p:spPr>
+        </p:pic>
+      </p:grpSp>
+      <p:sp>
+        <p:nvSpPr>
+          <p:cNvPr id="242" name="Rectangle 241">
+            <a:extLst>
+              <a:ext uri="{FF2B5EF4-FFF2-40B4-BE49-F238E27FC236}">
+                <a16:creationId xmlns:a16="http://schemas.microsoft.com/office/drawing/2014/main" id="{4F70EF68-24D7-42C8-BD75-7E8DACD6483E}"/>
+              </a:ext>
+            </a:extLst>
+          </p:cNvPr>
+          <p:cNvSpPr/>
+          <p:nvPr/>
+        </p:nvSpPr>
+        <p:spPr>
+          <a:xfrm>
+            <a:off x="2456067" y="3552673"/>
+            <a:ext cx="596884" cy="193867"/>
+          </a:xfrm>
+          <a:prstGeom prst="rect">
+            <a:avLst/>
+          </a:prstGeom>
+          <a:solidFill>
+            <a:schemeClr val="accent6">
+              <a:alpha val="50000"/>
+            </a:schemeClr>
+          </a:solidFill>
+          <a:ln>
+            <a:noFill/>
+          </a:ln>
+        </p:spPr>
+        <p:style>
+          <a:lnRef idx="0">
+            <a:scrgbClr r="0" g="0" b="0"/>
+          </a:lnRef>
+          <a:fillRef idx="0">
+            <a:scrgbClr r="0" g="0" b="0"/>
+          </a:fillRef>
+          <a:effectRef idx="0">
+            <a:scrgbClr r="0" g="0" b="0"/>
+          </a:effectRef>
+          <a:fontRef idx="minor">
+            <a:schemeClr val="lt1"/>
+          </a:fontRef>
+        </p:style>
+        <p:txBody>
+          <a:bodyPr rtlCol="0" anchor="ctr"/>
+          <a:lstStyle/>
+          <a:p>
+            <a:pPr algn="ctr"/>
+            <a:r>
+              <a:rPr lang="en-US" sz="1050" dirty="0">
+                <a:solidFill>
+                  <a:schemeClr val="dk1"/>
+                </a:solidFill>
+                <a:latin typeface="Segoe UI" panose="020B0502040204020203" pitchFamily="34" charset="0"/>
+                <a:cs typeface="Segoe UI" panose="020B0502040204020203" pitchFamily="34" charset="0"/>
+              </a:rPr>
+              <a:t>APP 2</a:t>
+            </a:r>
+          </a:p>
+        </p:txBody>
+      </p:sp>
+      <p:sp>
+        <p:nvSpPr>
+          <p:cNvPr id="244" name="Rectangle 243">
+            <a:extLst>
+              <a:ext uri="{FF2B5EF4-FFF2-40B4-BE49-F238E27FC236}">
+                <a16:creationId xmlns:a16="http://schemas.microsoft.com/office/drawing/2014/main" id="{CE75696C-FE6E-47DE-B9B4-B5A2AD917A20}"/>
+              </a:ext>
+            </a:extLst>
+          </p:cNvPr>
+          <p:cNvSpPr/>
+          <p:nvPr/>
+        </p:nvSpPr>
+        <p:spPr>
+          <a:xfrm>
+            <a:off x="2456067" y="3847649"/>
+            <a:ext cx="596884" cy="193867"/>
+          </a:xfrm>
+          <a:prstGeom prst="rect">
+            <a:avLst/>
+          </a:prstGeom>
+          <a:solidFill>
+            <a:schemeClr val="accent6">
+              <a:alpha val="50000"/>
+            </a:schemeClr>
+          </a:solidFill>
+          <a:ln>
+            <a:noFill/>
+          </a:ln>
+        </p:spPr>
+        <p:style>
+          <a:lnRef idx="0">
+            <a:scrgbClr r="0" g="0" b="0"/>
+          </a:lnRef>
+          <a:fillRef idx="0">
+            <a:scrgbClr r="0" g="0" b="0"/>
+          </a:fillRef>
+          <a:effectRef idx="0">
+            <a:scrgbClr r="0" g="0" b="0"/>
+          </a:effectRef>
+          <a:fontRef idx="minor">
+            <a:schemeClr val="lt1"/>
+          </a:fontRef>
+        </p:style>
+        <p:txBody>
+          <a:bodyPr rtlCol="0" anchor="ctr"/>
+          <a:lstStyle/>
+          <a:p>
+            <a:pPr algn="ctr"/>
+            <a:r>
+              <a:rPr lang="en-US" sz="1050" dirty="0">
+                <a:solidFill>
+                  <a:schemeClr val="dk1"/>
+                </a:solidFill>
+                <a:latin typeface="Segoe UI" panose="020B0502040204020203" pitchFamily="34" charset="0"/>
+                <a:cs typeface="Segoe UI" panose="020B0502040204020203" pitchFamily="34" charset="0"/>
+              </a:rPr>
+              <a:t>APP 3</a:t>
+            </a:r>
+          </a:p>
+        </p:txBody>
+      </p:sp>
+      <p:sp>
+        <p:nvSpPr>
+          <p:cNvPr id="246" name="Rectangle 245">
+            <a:extLst>
+              <a:ext uri="{FF2B5EF4-FFF2-40B4-BE49-F238E27FC236}">
+                <a16:creationId xmlns:a16="http://schemas.microsoft.com/office/drawing/2014/main" id="{F4819000-BA09-4657-9204-7BCB280F322F}"/>
+              </a:ext>
+            </a:extLst>
+          </p:cNvPr>
+          <p:cNvSpPr/>
+          <p:nvPr/>
+        </p:nvSpPr>
+        <p:spPr>
+          <a:xfrm>
+            <a:off x="2456067" y="3257697"/>
+            <a:ext cx="596884" cy="193867"/>
+          </a:xfrm>
+          <a:prstGeom prst="rect">
+            <a:avLst/>
+          </a:prstGeom>
+          <a:solidFill>
+            <a:schemeClr val="accent6">
+              <a:alpha val="50000"/>
+            </a:schemeClr>
+          </a:solidFill>
+          <a:ln>
+            <a:noFill/>
+          </a:ln>
+        </p:spPr>
+        <p:style>
+          <a:lnRef idx="0">
+            <a:scrgbClr r="0" g="0" b="0"/>
+          </a:lnRef>
+          <a:fillRef idx="0">
+            <a:scrgbClr r="0" g="0" b="0"/>
+          </a:fillRef>
+          <a:effectRef idx="0">
+            <a:scrgbClr r="0" g="0" b="0"/>
+          </a:effectRef>
+          <a:fontRef idx="minor">
+            <a:schemeClr val="lt1"/>
+          </a:fontRef>
+        </p:style>
+        <p:txBody>
+          <a:bodyPr rtlCol="0" anchor="ctr"/>
+          <a:lstStyle/>
+          <a:p>
+            <a:pPr algn="ctr"/>
+            <a:r>
+              <a:rPr lang="en-US" sz="1050" dirty="0">
+                <a:solidFill>
+                  <a:schemeClr val="dk1"/>
+                </a:solidFill>
+                <a:latin typeface="Segoe UI" panose="020B0502040204020203" pitchFamily="34" charset="0"/>
+                <a:cs typeface="Segoe UI" panose="020B0502040204020203" pitchFamily="34" charset="0"/>
+              </a:rPr>
+              <a:t>APP 1</a:t>
+            </a:r>
           </a:p>
         </p:txBody>
       </p:sp>
       <p:pic>
         <p:nvPicPr>
-          <p:cNvPr id="1026" name="Picture 2" descr="arch">
-            <a:extLst>
-              <a:ext uri="{FF2B5EF4-FFF2-40B4-BE49-F238E27FC236}">
-                <a16:creationId xmlns:a16="http://schemas.microsoft.com/office/drawing/2014/main" id="{739D6B31-D0C6-02F0-27D7-EB1BE267567F}"/>
+          <p:cNvPr id="47" name="Picture 46">
+            <a:extLst>
+              <a:ext uri="{FF2B5EF4-FFF2-40B4-BE49-F238E27FC236}">
+                <a16:creationId xmlns:a16="http://schemas.microsoft.com/office/drawing/2014/main" id="{29AF18DB-C7BF-8461-E891-A372FB06AF72}"/>
+              </a:ext>
+            </a:extLst>
+          </p:cNvPr>
+          <p:cNvPicPr>
+            <a:picLocks noChangeAspect="1"/>
+          </p:cNvPicPr>
+          <p:nvPr/>
+        </p:nvPicPr>
+        <p:blipFill>
+          <a:blip r:embed="rId4"/>
+          <a:stretch>
+            <a:fillRect/>
+          </a:stretch>
+        </p:blipFill>
+        <p:spPr>
+          <a:xfrm>
+            <a:off x="3245255" y="3601640"/>
+            <a:ext cx="442913" cy="442913"/>
+          </a:xfrm>
+          <a:prstGeom prst="rect">
+            <a:avLst/>
+          </a:prstGeom>
+        </p:spPr>
+      </p:pic>
+      <p:pic>
+        <p:nvPicPr>
+          <p:cNvPr id="53" name="Picture 52">
+            <a:extLst>
+              <a:ext uri="{FF2B5EF4-FFF2-40B4-BE49-F238E27FC236}">
+                <a16:creationId xmlns:a16="http://schemas.microsoft.com/office/drawing/2014/main" id="{4EADB1DC-1825-C2DC-1AAD-105D7A92BDFE}"/>
+              </a:ext>
+            </a:extLst>
+          </p:cNvPr>
+          <p:cNvPicPr>
+            <a:picLocks noChangeAspect="1"/>
+          </p:cNvPicPr>
+          <p:nvPr/>
+        </p:nvPicPr>
+        <p:blipFill>
+          <a:blip r:embed="rId5">
+            <a:duotone>
+              <a:schemeClr val="accent6">
+                <a:shade val="45000"/>
+                <a:satMod val="135000"/>
+              </a:schemeClr>
+              <a:prstClr val="white"/>
+            </a:duotone>
+          </a:blip>
+          <a:stretch>
+            <a:fillRect/>
+          </a:stretch>
+        </p:blipFill>
+        <p:spPr>
+          <a:xfrm>
+            <a:off x="7568002" y="2223712"/>
+            <a:ext cx="452438" cy="452438"/>
+          </a:xfrm>
+          <a:prstGeom prst="rect">
+            <a:avLst/>
+          </a:prstGeom>
+        </p:spPr>
+      </p:pic>
+      <p:pic>
+        <p:nvPicPr>
+          <p:cNvPr id="68" name="Picture 67">
+            <a:extLst>
+              <a:ext uri="{FF2B5EF4-FFF2-40B4-BE49-F238E27FC236}">
+                <a16:creationId xmlns:a16="http://schemas.microsoft.com/office/drawing/2014/main" id="{90DB43C7-2073-0500-DBF5-DC85204F002C}"/>
+              </a:ext>
+            </a:extLst>
+          </p:cNvPr>
+          <p:cNvPicPr>
+            <a:picLocks noChangeAspect="1"/>
+          </p:cNvPicPr>
+          <p:nvPr/>
+        </p:nvPicPr>
+        <p:blipFill>
+          <a:blip r:embed="rId6"/>
+          <a:stretch>
+            <a:fillRect/>
+          </a:stretch>
+        </p:blipFill>
+        <p:spPr>
+          <a:xfrm>
+            <a:off x="2525152" y="4178636"/>
+            <a:ext cx="319088" cy="428625"/>
+          </a:xfrm>
+          <a:prstGeom prst="rect">
+            <a:avLst/>
+          </a:prstGeom>
+        </p:spPr>
+      </p:pic>
+      <p:pic>
+        <p:nvPicPr>
+          <p:cNvPr id="70" name="Picture 69">
+            <a:extLst>
+              <a:ext uri="{FF2B5EF4-FFF2-40B4-BE49-F238E27FC236}">
+                <a16:creationId xmlns:a16="http://schemas.microsoft.com/office/drawing/2014/main" id="{598EDD63-7598-CE5B-43BB-B10C457788E2}"/>
+              </a:ext>
+            </a:extLst>
+          </p:cNvPr>
+          <p:cNvPicPr>
+            <a:picLocks noChangeAspect="1"/>
+          </p:cNvPicPr>
+          <p:nvPr/>
+        </p:nvPicPr>
+        <p:blipFill>
+          <a:blip r:embed="rId6"/>
+          <a:stretch>
+            <a:fillRect/>
+          </a:stretch>
+        </p:blipFill>
+        <p:spPr>
+          <a:xfrm>
+            <a:off x="2871395" y="4178635"/>
+            <a:ext cx="319088" cy="428625"/>
+          </a:xfrm>
+          <a:prstGeom prst="rect">
+            <a:avLst/>
+          </a:prstGeom>
+        </p:spPr>
+      </p:pic>
+      <p:pic>
+        <p:nvPicPr>
+          <p:cNvPr id="28" name="Picture 27">
+            <a:extLst>
+              <a:ext uri="{FF2B5EF4-FFF2-40B4-BE49-F238E27FC236}">
+                <a16:creationId xmlns:a16="http://schemas.microsoft.com/office/drawing/2014/main" id="{74CE88AB-9E2D-49A1-BC8D-D76DB5FD51C8}"/>
+              </a:ext>
+            </a:extLst>
+          </p:cNvPr>
+          <p:cNvPicPr>
+            <a:picLocks noChangeAspect="1"/>
+          </p:cNvPicPr>
+          <p:nvPr/>
+        </p:nvPicPr>
+        <p:blipFill rotWithShape="1">
+          <a:blip r:embed="rId7"/>
+          <a:srcRect l="20252" r="20464"/>
+          <a:stretch/>
+        </p:blipFill>
+        <p:spPr>
+          <a:xfrm>
+            <a:off x="6312115" y="3500576"/>
+            <a:ext cx="352660" cy="318846"/>
+          </a:xfrm>
+          <a:prstGeom prst="rect">
+            <a:avLst/>
+          </a:prstGeom>
+        </p:spPr>
+      </p:pic>
+      <p:sp>
+        <p:nvSpPr>
+          <p:cNvPr id="227" name="Rectangle 226">
+            <a:extLst>
+              <a:ext uri="{FF2B5EF4-FFF2-40B4-BE49-F238E27FC236}">
+                <a16:creationId xmlns:a16="http://schemas.microsoft.com/office/drawing/2014/main" id="{8DA2EC65-5B5F-EEBD-C445-55C059F33243}"/>
+              </a:ext>
+            </a:extLst>
+          </p:cNvPr>
+          <p:cNvSpPr/>
+          <p:nvPr/>
+        </p:nvSpPr>
+        <p:spPr>
+          <a:xfrm>
+            <a:off x="7197931" y="4536744"/>
+            <a:ext cx="1236425" cy="1024128"/>
+          </a:xfrm>
+          <a:prstGeom prst="rect">
+            <a:avLst/>
+          </a:prstGeom>
+          <a:noFill/>
+          <a:ln w="9525">
+            <a:solidFill>
+              <a:schemeClr val="tx1"/>
+            </a:solidFill>
+            <a:prstDash val="solid"/>
+          </a:ln>
+        </p:spPr>
+        <p:style>
+          <a:lnRef idx="2">
+            <a:schemeClr val="accent1">
+              <a:shade val="50000"/>
+            </a:schemeClr>
+          </a:lnRef>
+          <a:fillRef idx="1">
+            <a:schemeClr val="accent1"/>
+          </a:fillRef>
+          <a:effectRef idx="0">
+            <a:schemeClr val="accent1"/>
+          </a:effectRef>
+          <a:fontRef idx="minor">
+            <a:schemeClr val="lt1"/>
+          </a:fontRef>
+        </p:style>
+        <p:txBody>
+          <a:bodyPr rtlCol="0" anchor="ctr"/>
+          <a:lstStyle/>
+          <a:p>
+            <a:pPr algn="ctr"/>
+            <a:endParaRPr lang="en-US"/>
+          </a:p>
+        </p:txBody>
+      </p:sp>
+      <p:pic>
+        <p:nvPicPr>
+          <p:cNvPr id="229" name="Picture 228">
+            <a:extLst>
+              <a:ext uri="{FF2B5EF4-FFF2-40B4-BE49-F238E27FC236}">
+                <a16:creationId xmlns:a16="http://schemas.microsoft.com/office/drawing/2014/main" id="{330C480E-F7E8-EBFD-D17A-86D0009A21DD}"/>
+              </a:ext>
+            </a:extLst>
+          </p:cNvPr>
+          <p:cNvPicPr>
+            <a:picLocks noChangeAspect="1"/>
+          </p:cNvPicPr>
+          <p:nvPr/>
+        </p:nvPicPr>
+        <p:blipFill>
+          <a:blip r:embed="rId8"/>
+          <a:stretch>
+            <a:fillRect/>
+          </a:stretch>
+        </p:blipFill>
+        <p:spPr>
+          <a:xfrm>
+            <a:off x="8134969" y="5475930"/>
+            <a:ext cx="252056" cy="168037"/>
+          </a:xfrm>
+          <a:prstGeom prst="rect">
+            <a:avLst/>
+          </a:prstGeom>
+        </p:spPr>
+      </p:pic>
+      <p:grpSp>
+        <p:nvGrpSpPr>
+          <p:cNvPr id="26" name="Group 25">
+            <a:extLst>
+              <a:ext uri="{FF2B5EF4-FFF2-40B4-BE49-F238E27FC236}">
+                <a16:creationId xmlns:a16="http://schemas.microsoft.com/office/drawing/2014/main" id="{8CD3D1AA-C508-49CC-E6D6-850F0C02EB34}"/>
+              </a:ext>
+            </a:extLst>
+          </p:cNvPr>
+          <p:cNvGrpSpPr/>
+          <p:nvPr/>
+        </p:nvGrpSpPr>
+        <p:grpSpPr>
+          <a:xfrm>
+            <a:off x="7236648" y="4762593"/>
+            <a:ext cx="1158991" cy="684141"/>
+            <a:chOff x="6200616" y="3870359"/>
+            <a:chExt cx="1158991" cy="684141"/>
+          </a:xfrm>
+        </p:grpSpPr>
+        <p:sp>
+          <p:nvSpPr>
+            <p:cNvPr id="228" name="TextBox 227">
+              <a:extLst>
+                <a:ext uri="{FF2B5EF4-FFF2-40B4-BE49-F238E27FC236}">
+                  <a16:creationId xmlns:a16="http://schemas.microsoft.com/office/drawing/2014/main" id="{38D2211C-225B-BCC4-A6E1-B42B0DEC624E}"/>
+                </a:ext>
+              </a:extLst>
+            </p:cNvPr>
+            <p:cNvSpPr txBox="1"/>
+            <p:nvPr/>
+          </p:nvSpPr>
+          <p:spPr>
+            <a:xfrm>
+              <a:off x="6200616" y="4277501"/>
+              <a:ext cx="1158991" cy="276999"/>
+            </a:xfrm>
+            <a:prstGeom prst="rect">
+              <a:avLst/>
+            </a:prstGeom>
+            <a:noFill/>
+          </p:spPr>
+          <p:txBody>
+            <a:bodyPr wrap="square" lIns="0" tIns="0" rIns="0" bIns="0" rtlCol="0">
+              <a:spAutoFit/>
+            </a:bodyPr>
+            <a:lstStyle/>
+            <a:p>
+              <a:pPr algn="ctr">
+                <a:lnSpc>
+                  <a:spcPct val="90000"/>
+                </a:lnSpc>
+                <a:spcAft>
+                  <a:spcPts val="600"/>
+                </a:spcAft>
+              </a:pPr>
+              <a:r>
+                <a:rPr lang="en-US" sz="1000" dirty="0">
+                  <a:latin typeface="Segoe UI" panose="020B0502040204020203" pitchFamily="34" charset="0"/>
+                  <a:cs typeface="Segoe UI" panose="020B0502040204020203" pitchFamily="34" charset="0"/>
+                </a:rPr>
+                <a:t>Outbound endpoint 10.0.0.19</a:t>
+              </a:r>
+            </a:p>
+          </p:txBody>
+        </p:sp>
+        <p:grpSp>
+          <p:nvGrpSpPr>
+            <p:cNvPr id="92" name="Group 91">
+              <a:extLst>
+                <a:ext uri="{FF2B5EF4-FFF2-40B4-BE49-F238E27FC236}">
+                  <a16:creationId xmlns:a16="http://schemas.microsoft.com/office/drawing/2014/main" id="{C9D66C72-92BA-B189-575F-F0F272CDA23F}"/>
+                </a:ext>
+              </a:extLst>
+            </p:cNvPr>
+            <p:cNvGrpSpPr/>
+            <p:nvPr/>
+          </p:nvGrpSpPr>
+          <p:grpSpPr>
+            <a:xfrm>
+              <a:off x="6563900" y="3870359"/>
+              <a:ext cx="432422" cy="295564"/>
+              <a:chOff x="7388618" y="5616779"/>
+              <a:chExt cx="519417" cy="497926"/>
+            </a:xfrm>
+          </p:grpSpPr>
+          <p:sp>
+            <p:nvSpPr>
+              <p:cNvPr id="83" name="Rectangle 82">
+                <a:extLst>
+                  <a:ext uri="{FF2B5EF4-FFF2-40B4-BE49-F238E27FC236}">
+                    <a16:creationId xmlns:a16="http://schemas.microsoft.com/office/drawing/2014/main" id="{F52AEFD6-6F44-38CE-8E7D-DDDBD9E1B456}"/>
+                  </a:ext>
+                </a:extLst>
+              </p:cNvPr>
+              <p:cNvSpPr/>
+              <p:nvPr/>
+            </p:nvSpPr>
+            <p:spPr>
+              <a:xfrm>
+                <a:off x="7546085" y="5616779"/>
+                <a:ext cx="361950" cy="497926"/>
+              </a:xfrm>
+              <a:prstGeom prst="rect">
+                <a:avLst/>
+              </a:prstGeom>
+              <a:noFill/>
+              <a:ln w="57150">
+                <a:solidFill>
+                  <a:schemeClr val="bg1">
+                    <a:lumMod val="75000"/>
+                  </a:schemeClr>
+                </a:solidFill>
+              </a:ln>
+            </p:spPr>
+            <p:style>
+              <a:lnRef idx="2">
+                <a:schemeClr val="accent1">
+                  <a:shade val="50000"/>
+                </a:schemeClr>
+              </a:lnRef>
+              <a:fillRef idx="1">
+                <a:schemeClr val="accent1"/>
+              </a:fillRef>
+              <a:effectRef idx="0">
+                <a:schemeClr val="accent1"/>
+              </a:effectRef>
+              <a:fontRef idx="minor">
+                <a:schemeClr val="lt1"/>
+              </a:fontRef>
+            </p:style>
+            <p:txBody>
+              <a:bodyPr rtlCol="0" anchor="ctr"/>
+              <a:lstStyle/>
+              <a:p>
+                <a:pPr algn="ctr"/>
+                <a:endParaRPr lang="en-SG"/>
+              </a:p>
+            </p:txBody>
+          </p:sp>
+          <p:sp>
+            <p:nvSpPr>
+              <p:cNvPr id="85" name="Arrow: Right 84">
+                <a:extLst>
+                  <a:ext uri="{FF2B5EF4-FFF2-40B4-BE49-F238E27FC236}">
+                    <a16:creationId xmlns:a16="http://schemas.microsoft.com/office/drawing/2014/main" id="{C07DB96E-1CAE-83EF-E2CD-AABD6B598397}"/>
+                  </a:ext>
+                </a:extLst>
+              </p:cNvPr>
+              <p:cNvSpPr/>
+              <p:nvPr/>
+            </p:nvSpPr>
+            <p:spPr>
+              <a:xfrm flipH="1">
+                <a:off x="7388618" y="5815098"/>
+                <a:ext cx="361950" cy="133635"/>
+              </a:xfrm>
+              <a:prstGeom prst="rightArrow">
+                <a:avLst/>
+              </a:prstGeom>
+              <a:solidFill>
+                <a:srgbClr val="00B050"/>
+              </a:solidFill>
+              <a:ln>
+                <a:solidFill>
+                  <a:srgbClr val="00B050"/>
+                </a:solidFill>
+              </a:ln>
+              <a:effectLst>
+                <a:glow rad="63500">
+                  <a:schemeClr val="accent6">
+                    <a:satMod val="175000"/>
+                    <a:alpha val="40000"/>
+                  </a:schemeClr>
+                </a:glow>
+              </a:effectLst>
+            </p:spPr>
+            <p:style>
+              <a:lnRef idx="2">
+                <a:schemeClr val="accent1">
+                  <a:shade val="50000"/>
+                </a:schemeClr>
+              </a:lnRef>
+              <a:fillRef idx="1">
+                <a:schemeClr val="accent1"/>
+              </a:fillRef>
+              <a:effectRef idx="0">
+                <a:schemeClr val="accent1"/>
+              </a:effectRef>
+              <a:fontRef idx="minor">
+                <a:schemeClr val="lt1"/>
+              </a:fontRef>
+            </p:style>
+            <p:txBody>
+              <a:bodyPr rtlCol="0" anchor="ctr"/>
+              <a:lstStyle/>
+              <a:p>
+                <a:pPr algn="ctr"/>
+                <a:endParaRPr lang="en-SG"/>
+              </a:p>
+            </p:txBody>
+          </p:sp>
+        </p:grpSp>
+      </p:grpSp>
+      <p:sp>
+        <p:nvSpPr>
+          <p:cNvPr id="234" name="Rectangle 233">
+            <a:extLst>
+              <a:ext uri="{FF2B5EF4-FFF2-40B4-BE49-F238E27FC236}">
+                <a16:creationId xmlns:a16="http://schemas.microsoft.com/office/drawing/2014/main" id="{D9EDDA55-45CC-175D-F2DD-9BE2D426CAF0}"/>
+              </a:ext>
+            </a:extLst>
+          </p:cNvPr>
+          <p:cNvSpPr/>
+          <p:nvPr/>
+        </p:nvSpPr>
+        <p:spPr>
+          <a:xfrm>
+            <a:off x="7200316" y="3315354"/>
+            <a:ext cx="1236425" cy="1024128"/>
+          </a:xfrm>
+          <a:prstGeom prst="rect">
+            <a:avLst/>
+          </a:prstGeom>
+          <a:noFill/>
+          <a:ln w="9525">
+            <a:solidFill>
+              <a:schemeClr val="tx1"/>
+            </a:solidFill>
+            <a:prstDash val="solid"/>
+          </a:ln>
+        </p:spPr>
+        <p:style>
+          <a:lnRef idx="2">
+            <a:schemeClr val="accent1">
+              <a:shade val="50000"/>
+            </a:schemeClr>
+          </a:lnRef>
+          <a:fillRef idx="1">
+            <a:schemeClr val="accent1"/>
+          </a:fillRef>
+          <a:effectRef idx="0">
+            <a:schemeClr val="accent1"/>
+          </a:effectRef>
+          <a:fontRef idx="minor">
+            <a:schemeClr val="lt1"/>
+          </a:fontRef>
+        </p:style>
+        <p:txBody>
+          <a:bodyPr rtlCol="0" anchor="ctr"/>
+          <a:lstStyle/>
+          <a:p>
+            <a:pPr algn="ctr"/>
+            <a:endParaRPr lang="en-US"/>
+          </a:p>
+        </p:txBody>
+      </p:sp>
+      <p:grpSp>
+        <p:nvGrpSpPr>
+          <p:cNvPr id="25" name="Group 24">
+            <a:extLst>
+              <a:ext uri="{FF2B5EF4-FFF2-40B4-BE49-F238E27FC236}">
+                <a16:creationId xmlns:a16="http://schemas.microsoft.com/office/drawing/2014/main" id="{1BE6C6CE-221C-6019-62C5-EDADA4DB88F2}"/>
+              </a:ext>
+            </a:extLst>
+          </p:cNvPr>
+          <p:cNvGrpSpPr/>
+          <p:nvPr/>
+        </p:nvGrpSpPr>
+        <p:grpSpPr>
+          <a:xfrm>
+            <a:off x="7235254" y="3610116"/>
+            <a:ext cx="1166549" cy="683053"/>
+            <a:chOff x="6208770" y="2741735"/>
+            <a:chExt cx="1166549" cy="683053"/>
+          </a:xfrm>
+        </p:grpSpPr>
+        <p:grpSp>
+          <p:nvGrpSpPr>
+            <p:cNvPr id="88" name="Group 87">
+              <a:extLst>
+                <a:ext uri="{FF2B5EF4-FFF2-40B4-BE49-F238E27FC236}">
+                  <a16:creationId xmlns:a16="http://schemas.microsoft.com/office/drawing/2014/main" id="{8A951D58-A7AD-2106-71A6-41BB4729E033}"/>
+                </a:ext>
+              </a:extLst>
+            </p:cNvPr>
+            <p:cNvGrpSpPr/>
+            <p:nvPr/>
+          </p:nvGrpSpPr>
+          <p:grpSpPr>
+            <a:xfrm>
+              <a:off x="6575833" y="2741735"/>
+              <a:ext cx="432422" cy="295564"/>
+              <a:chOff x="7880109" y="4767796"/>
+              <a:chExt cx="519417" cy="497926"/>
+            </a:xfrm>
+          </p:grpSpPr>
+          <p:sp>
+            <p:nvSpPr>
+              <p:cNvPr id="81" name="Rectangle 80">
+                <a:extLst>
+                  <a:ext uri="{FF2B5EF4-FFF2-40B4-BE49-F238E27FC236}">
+                    <a16:creationId xmlns:a16="http://schemas.microsoft.com/office/drawing/2014/main" id="{0556346D-3FDC-F1A5-D15D-0FADB99E1686}"/>
+                  </a:ext>
+                </a:extLst>
+              </p:cNvPr>
+              <p:cNvSpPr/>
+              <p:nvPr/>
+            </p:nvSpPr>
+            <p:spPr>
+              <a:xfrm>
+                <a:off x="8037576" y="4767796"/>
+                <a:ext cx="361950" cy="497926"/>
+              </a:xfrm>
+              <a:prstGeom prst="rect">
+                <a:avLst/>
+              </a:prstGeom>
+              <a:noFill/>
+              <a:ln w="57150">
+                <a:solidFill>
+                  <a:schemeClr val="bg1">
+                    <a:lumMod val="75000"/>
+                  </a:schemeClr>
+                </a:solidFill>
+              </a:ln>
+            </p:spPr>
+            <p:style>
+              <a:lnRef idx="2">
+                <a:schemeClr val="accent1">
+                  <a:shade val="50000"/>
+                </a:schemeClr>
+              </a:lnRef>
+              <a:fillRef idx="1">
+                <a:schemeClr val="accent1"/>
+              </a:fillRef>
+              <a:effectRef idx="0">
+                <a:schemeClr val="accent1"/>
+              </a:effectRef>
+              <a:fontRef idx="minor">
+                <a:schemeClr val="lt1"/>
+              </a:fontRef>
+            </p:style>
+            <p:txBody>
+              <a:bodyPr rtlCol="0" anchor="ctr"/>
+              <a:lstStyle/>
+              <a:p>
+                <a:pPr algn="ctr"/>
+                <a:endParaRPr lang="en-SG"/>
+              </a:p>
+            </p:txBody>
+          </p:sp>
+          <p:sp>
+            <p:nvSpPr>
+              <p:cNvPr id="82" name="Arrow: Right 81">
+                <a:extLst>
+                  <a:ext uri="{FF2B5EF4-FFF2-40B4-BE49-F238E27FC236}">
+                    <a16:creationId xmlns:a16="http://schemas.microsoft.com/office/drawing/2014/main" id="{0C6146E6-C054-28AE-3035-DA73ED80983C}"/>
+                  </a:ext>
+                </a:extLst>
+              </p:cNvPr>
+              <p:cNvSpPr/>
+              <p:nvPr/>
+            </p:nvSpPr>
+            <p:spPr>
+              <a:xfrm>
+                <a:off x="7880109" y="4966115"/>
+                <a:ext cx="361950" cy="133635"/>
+              </a:xfrm>
+              <a:prstGeom prst="rightArrow">
+                <a:avLst/>
+              </a:prstGeom>
+              <a:solidFill>
+                <a:srgbClr val="7030A0"/>
+              </a:solidFill>
+              <a:effectLst>
+                <a:glow rad="63500">
+                  <a:schemeClr val="accent1">
+                    <a:satMod val="175000"/>
+                    <a:alpha val="40000"/>
+                  </a:schemeClr>
+                </a:glow>
+              </a:effectLst>
+            </p:spPr>
+            <p:style>
+              <a:lnRef idx="2">
+                <a:schemeClr val="accent1">
+                  <a:shade val="50000"/>
+                </a:schemeClr>
+              </a:lnRef>
+              <a:fillRef idx="1">
+                <a:schemeClr val="accent1"/>
+              </a:fillRef>
+              <a:effectRef idx="0">
+                <a:schemeClr val="accent1"/>
+              </a:effectRef>
+              <a:fontRef idx="minor">
+                <a:schemeClr val="lt1"/>
+              </a:fontRef>
+            </p:style>
+            <p:txBody>
+              <a:bodyPr rtlCol="0" anchor="ctr"/>
+              <a:lstStyle/>
+              <a:p>
+                <a:pPr algn="ctr"/>
+                <a:endParaRPr lang="en-SG"/>
+              </a:p>
+            </p:txBody>
+          </p:sp>
+        </p:grpSp>
+        <p:sp>
+          <p:nvSpPr>
+            <p:cNvPr id="235" name="TextBox 234">
+              <a:extLst>
+                <a:ext uri="{FF2B5EF4-FFF2-40B4-BE49-F238E27FC236}">
+                  <a16:creationId xmlns:a16="http://schemas.microsoft.com/office/drawing/2014/main" id="{A0C0939A-2951-88F1-50BD-6ABAD983D26A}"/>
+                </a:ext>
+              </a:extLst>
+            </p:cNvPr>
+            <p:cNvSpPr txBox="1"/>
+            <p:nvPr/>
+          </p:nvSpPr>
+          <p:spPr>
+            <a:xfrm>
+              <a:off x="6208770" y="3147789"/>
+              <a:ext cx="1166549" cy="276999"/>
+            </a:xfrm>
+            <a:prstGeom prst="rect">
+              <a:avLst/>
+            </a:prstGeom>
+            <a:noFill/>
+          </p:spPr>
+          <p:txBody>
+            <a:bodyPr wrap="square" lIns="0" tIns="0" rIns="0" bIns="0" rtlCol="0">
+              <a:spAutoFit/>
+            </a:bodyPr>
+            <a:lstStyle/>
+            <a:p>
+              <a:pPr algn="ctr">
+                <a:lnSpc>
+                  <a:spcPct val="90000"/>
+                </a:lnSpc>
+                <a:spcAft>
+                  <a:spcPts val="600"/>
+                </a:spcAft>
+              </a:pPr>
+              <a:r>
+                <a:rPr lang="en-US" sz="1000" dirty="0">
+                  <a:latin typeface="Segoe UI" panose="020B0502040204020203" pitchFamily="34" charset="0"/>
+                  <a:cs typeface="Segoe UI" panose="020B0502040204020203" pitchFamily="34" charset="0"/>
+                </a:rPr>
+                <a:t>Inbound endpoint 10.0.0.8</a:t>
+              </a:r>
+            </a:p>
+          </p:txBody>
+        </p:sp>
+      </p:grpSp>
+      <p:pic>
+        <p:nvPicPr>
+          <p:cNvPr id="236" name="Picture 235">
+            <a:extLst>
+              <a:ext uri="{FF2B5EF4-FFF2-40B4-BE49-F238E27FC236}">
+                <a16:creationId xmlns:a16="http://schemas.microsoft.com/office/drawing/2014/main" id="{A2B38E7F-00FD-361E-59F3-F5D5C8EB2A1B}"/>
+              </a:ext>
+            </a:extLst>
+          </p:cNvPr>
+          <p:cNvPicPr>
+            <a:picLocks noChangeAspect="1"/>
+          </p:cNvPicPr>
+          <p:nvPr/>
+        </p:nvPicPr>
+        <p:blipFill>
+          <a:blip r:embed="rId8"/>
+          <a:stretch>
+            <a:fillRect/>
+          </a:stretch>
+        </p:blipFill>
+        <p:spPr>
+          <a:xfrm>
+            <a:off x="8155889" y="3205940"/>
+            <a:ext cx="252056" cy="168037"/>
+          </a:xfrm>
+          <a:prstGeom prst="rect">
+            <a:avLst/>
+          </a:prstGeom>
+        </p:spPr>
+      </p:pic>
+      <p:pic>
+        <p:nvPicPr>
+          <p:cNvPr id="97" name="Picture 2" descr="Ultimate guide for Azure DNS Private resolver | by Sharmila Musunuru |  Microsoft Azure | May, 2022 | Medium">
+            <a:extLst>
+              <a:ext uri="{FF2B5EF4-FFF2-40B4-BE49-F238E27FC236}">
+                <a16:creationId xmlns:a16="http://schemas.microsoft.com/office/drawing/2014/main" id="{124DBBA1-D972-32BB-D947-A3D789537199}"/>
               </a:ext>
             </a:extLst>
           </p:cNvPr>
@@ -13608,23 +14745,21 @@
           </p:cNvPicPr>
           <p:nvPr/>
         </p:nvPicPr>
-        <p:blipFill>
-          <a:blip r:embed="rId3">
+        <p:blipFill rotWithShape="1">
+          <a:blip r:embed="rId9">
             <a:extLst>
               <a:ext uri="{28A0092B-C50C-407E-A947-70E740481C1C}">
                 <a14:useLocalDpi xmlns:a14="http://schemas.microsoft.com/office/drawing/2010/main" val="0"/>
               </a:ext>
             </a:extLst>
           </a:blip>
-          <a:srcRect/>
-          <a:stretch>
-            <a:fillRect/>
-          </a:stretch>
+          <a:srcRect l="11699" t="18036" r="13948" b="12470"/>
+          <a:stretch/>
         </p:blipFill>
         <p:spPr bwMode="auto">
           <a:xfrm>
-            <a:off x="643580" y="1892618"/>
-            <a:ext cx="11132820" cy="3974765"/>
+            <a:off x="8380379" y="4059274"/>
+            <a:ext cx="1106498" cy="993360"/>
           </a:xfrm>
           <a:prstGeom prst="rect">
             <a:avLst/>
@@ -13641,88 +14776,12 @@
           </a:extLst>
         </p:spPr>
       </p:pic>
-      <p:sp>
-        <p:nvSpPr>
-          <p:cNvPr id="5" name="TextBox 4">
-            <a:extLst>
-              <a:ext uri="{FF2B5EF4-FFF2-40B4-BE49-F238E27FC236}">
-                <a16:creationId xmlns:a16="http://schemas.microsoft.com/office/drawing/2014/main" id="{F9F66604-75AB-AD5F-07D0-33364C0AC025}"/>
-              </a:ext>
-            </a:extLst>
-          </p:cNvPr>
-          <p:cNvSpPr txBox="1"/>
-          <p:nvPr/>
-        </p:nvSpPr>
-        <p:spPr>
-          <a:xfrm>
-            <a:off x="1950886" y="6264633"/>
-            <a:ext cx="8518207" cy="369332"/>
-          </a:xfrm>
-          <a:prstGeom prst="rect">
-            <a:avLst/>
-          </a:prstGeom>
-          <a:noFill/>
-        </p:spPr>
-        <p:txBody>
-          <a:bodyPr wrap="square">
-            <a:spAutoFit/>
-          </a:bodyPr>
-          <a:lstStyle/>
-          <a:p>
-            <a:pPr algn="ctr"/>
-            <a:r>
-              <a:rPr lang="en-US" dirty="0">
-                <a:hlinkClick r:id="rId4"/>
-              </a:rPr>
-              <a:t>https://learn.microsoft.com/en-us/azure/dns/dns-private-resolver-overview</a:t>
-            </a:r>
-            <a:r>
-              <a:rPr lang="en-US" dirty="0"/>
-              <a:t> </a:t>
-            </a:r>
-          </a:p>
-        </p:txBody>
-      </p:sp>
       <p:pic>
         <p:nvPicPr>
-          <p:cNvPr id="3" name="Google Shape;56;p13">
-            <a:extLst>
-              <a:ext uri="{FF2B5EF4-FFF2-40B4-BE49-F238E27FC236}">
-                <a16:creationId xmlns:a16="http://schemas.microsoft.com/office/drawing/2014/main" id="{CD3774D5-F270-0889-F17C-DB02AE6FECB6}"/>
-              </a:ext>
-            </a:extLst>
-          </p:cNvPr>
-          <p:cNvPicPr preferRelativeResize="0"/>
-          <p:nvPr/>
-        </p:nvPicPr>
-        <p:blipFill>
-          <a:blip r:embed="rId5">
-            <a:alphaModFix/>
-          </a:blip>
-          <a:stretch>
-            <a:fillRect/>
-          </a:stretch>
-        </p:blipFill>
-        <p:spPr>
-          <a:xfrm>
-            <a:off x="10989179" y="5736492"/>
-            <a:ext cx="1202821" cy="1121508"/>
-          </a:xfrm>
-          <a:prstGeom prst="rect">
-            <a:avLst/>
-          </a:prstGeom>
-          <a:noFill/>
-          <a:ln>
-            <a:noFill/>
-          </a:ln>
-        </p:spPr>
-      </p:pic>
-      <p:pic>
-        <p:nvPicPr>
-          <p:cNvPr id="4" name="Graphic 3">
-            <a:extLst>
-              <a:ext uri="{FF2B5EF4-FFF2-40B4-BE49-F238E27FC236}">
-                <a16:creationId xmlns:a16="http://schemas.microsoft.com/office/drawing/2014/main" id="{DD7B855C-2AE7-F486-9985-CE74EC4A83C3}"/>
+          <p:cNvPr id="100" name="Picture 99">
+            <a:extLst>
+              <a:ext uri="{FF2B5EF4-FFF2-40B4-BE49-F238E27FC236}">
+                <a16:creationId xmlns:a16="http://schemas.microsoft.com/office/drawing/2014/main" id="{3E7477AE-3D55-AD4E-876B-463B5031E1D7}"/>
               </a:ext>
             </a:extLst>
           </p:cNvPr>
@@ -13732,23 +14791,3022 @@
           <p:nvPr/>
         </p:nvPicPr>
         <p:blipFill>
-          <a:blip r:embed="rId6">
-            <a:extLst>
-              <a:ext uri="{28A0092B-C50C-407E-A947-70E740481C1C}">
-                <a14:useLocalDpi xmlns:a14="http://schemas.microsoft.com/office/drawing/2010/main" val="0"/>
-              </a:ext>
-              <a:ext uri="{96DAC541-7B7A-43D3-8B79-37D633B846F1}">
-                <asvg:svgBlip xmlns:asvg="http://schemas.microsoft.com/office/drawing/2016/SVG/main" r:embed="rId7"/>
-              </a:ext>
-            </a:extLst>
+          <a:blip r:embed="rId5"/>
+          <a:stretch>
+            <a:fillRect/>
+          </a:stretch>
+        </p:blipFill>
+        <p:spPr>
+          <a:xfrm>
+            <a:off x="8588231" y="1172743"/>
+            <a:ext cx="452438" cy="452438"/>
+          </a:xfrm>
+          <a:prstGeom prst="rect">
+            <a:avLst/>
+          </a:prstGeom>
+        </p:spPr>
+      </p:pic>
+      <p:sp>
+        <p:nvSpPr>
+          <p:cNvPr id="170" name="TextBox 169">
+            <a:extLst>
+              <a:ext uri="{FF2B5EF4-FFF2-40B4-BE49-F238E27FC236}">
+                <a16:creationId xmlns:a16="http://schemas.microsoft.com/office/drawing/2014/main" id="{61F2A692-84EF-A7EE-8D6C-7518919E8C5F}"/>
+              </a:ext>
+            </a:extLst>
+          </p:cNvPr>
+          <p:cNvSpPr txBox="1"/>
+          <p:nvPr/>
+        </p:nvSpPr>
+        <p:spPr>
+          <a:xfrm>
+            <a:off x="2804914" y="4047550"/>
+            <a:ext cx="730347" cy="138499"/>
+          </a:xfrm>
+          <a:prstGeom prst="rect">
+            <a:avLst/>
+          </a:prstGeom>
+          <a:noFill/>
+        </p:spPr>
+        <p:txBody>
+          <a:bodyPr wrap="square" lIns="0" tIns="0" rIns="0" bIns="0" rtlCol="0">
+            <a:spAutoFit/>
+          </a:bodyPr>
+          <a:lstStyle/>
+          <a:p>
+            <a:pPr algn="ctr">
+              <a:lnSpc>
+                <a:spcPct val="90000"/>
+              </a:lnSpc>
+              <a:spcAft>
+                <a:spcPts val="600"/>
+              </a:spcAft>
+            </a:pPr>
+            <a:r>
+              <a:rPr lang="en-US" sz="1000" dirty="0">
+                <a:latin typeface="Segoe UI" panose="020B0502040204020203" pitchFamily="34" charset="0"/>
+                <a:cs typeface="Segoe UI" panose="020B0502040204020203" pitchFamily="34" charset="0"/>
+              </a:rPr>
+              <a:t>DNS Query</a:t>
+            </a:r>
+          </a:p>
+        </p:txBody>
+      </p:sp>
+      <p:sp>
+        <p:nvSpPr>
+          <p:cNvPr id="171" name="Rectangle 170">
+            <a:extLst>
+              <a:ext uri="{FF2B5EF4-FFF2-40B4-BE49-F238E27FC236}">
+                <a16:creationId xmlns:a16="http://schemas.microsoft.com/office/drawing/2014/main" id="{91D248E0-13BE-4C2C-951B-429D7F77BBF6}"/>
+              </a:ext>
+            </a:extLst>
+          </p:cNvPr>
+          <p:cNvSpPr/>
+          <p:nvPr/>
+        </p:nvSpPr>
+        <p:spPr bwMode="auto">
+          <a:xfrm>
+            <a:off x="5593473" y="982311"/>
+            <a:ext cx="6260531" cy="4926938"/>
+          </a:xfrm>
+          <a:prstGeom prst="rect">
+            <a:avLst/>
+          </a:prstGeom>
+          <a:noFill/>
+          <a:ln w="12700">
+            <a:solidFill>
+              <a:schemeClr val="tx1">
+                <a:lumMod val="50000"/>
+                <a:lumOff val="50000"/>
+              </a:schemeClr>
+            </a:solidFill>
+            <a:prstDash val="dash"/>
+            <a:headEnd type="none" w="med" len="med"/>
+            <a:tailEnd type="none" w="med" len="med"/>
+          </a:ln>
+          <a:effectLst/>
+        </p:spPr>
+        <p:style>
+          <a:lnRef idx="1">
+            <a:schemeClr val="accent2"/>
+          </a:lnRef>
+          <a:fillRef idx="3">
+            <a:schemeClr val="accent2"/>
+          </a:fillRef>
+          <a:effectRef idx="2">
+            <a:schemeClr val="accent2"/>
+          </a:effectRef>
+          <a:fontRef idx="minor">
+            <a:schemeClr val="lt1"/>
+          </a:fontRef>
+        </p:style>
+        <p:txBody>
+          <a:bodyPr rot="0" spcFirstLastPara="0" vertOverflow="overflow" horzOverflow="overflow" vert="horz" wrap="square" lIns="179259" tIns="143407" rIns="179259" bIns="143407" numCol="1" spcCol="0" rtlCol="0" fromWordArt="0" anchor="t" anchorCtr="0" forceAA="0" compatLnSpc="1">
+            <a:prstTxWarp prst="textNoShape">
+              <a:avLst/>
+            </a:prstTxWarp>
+            <a:noAutofit/>
+          </a:bodyPr>
+          <a:lstStyle/>
+          <a:p>
+            <a:pPr algn="ctr" defTabSz="913927" fontAlgn="base">
+              <a:lnSpc>
+                <a:spcPct val="90000"/>
+              </a:lnSpc>
+              <a:spcBef>
+                <a:spcPct val="0"/>
+              </a:spcBef>
+              <a:spcAft>
+                <a:spcPct val="0"/>
+              </a:spcAft>
+            </a:pPr>
+            <a:endParaRPr lang="it-IT" sz="600" dirty="0">
+              <a:solidFill>
+                <a:srgbClr val="4472C4"/>
+              </a:solidFill>
+              <a:latin typeface="Calibri Light" panose="020F0302020204030204"/>
+              <a:ea typeface="Segoe UI" pitchFamily="34" charset="0"/>
+              <a:cs typeface="Segoe UI" pitchFamily="34" charset="0"/>
+            </a:endParaRPr>
+          </a:p>
+        </p:txBody>
+      </p:sp>
+      <p:cxnSp>
+        <p:nvCxnSpPr>
+          <p:cNvPr id="181" name="Connector: Elbow 180">
+            <a:extLst>
+              <a:ext uri="{FF2B5EF4-FFF2-40B4-BE49-F238E27FC236}">
+                <a16:creationId xmlns:a16="http://schemas.microsoft.com/office/drawing/2014/main" id="{0D63DFC9-FCAB-58AA-A1C7-D2183C877AA6}"/>
+              </a:ext>
+            </a:extLst>
+          </p:cNvPr>
+          <p:cNvCxnSpPr>
+            <a:cxnSpLocks/>
+            <a:endCxn id="100" idx="3"/>
+          </p:cNvCxnSpPr>
+          <p:nvPr/>
+        </p:nvCxnSpPr>
+        <p:spPr>
+          <a:xfrm rot="16200000" flipV="1">
+            <a:off x="9204695" y="1234936"/>
+            <a:ext cx="1553328" cy="1881380"/>
+          </a:xfrm>
+          <a:prstGeom prst="bentConnector2">
+            <a:avLst/>
+          </a:prstGeom>
+          <a:ln w="12700">
+            <a:solidFill>
+              <a:schemeClr val="tx1"/>
+            </a:solidFill>
+            <a:headEnd type="none" w="med" len="med"/>
+            <a:tailEnd type="none" w="med" len="med"/>
+          </a:ln>
+        </p:spPr>
+        <p:style>
+          <a:lnRef idx="1">
+            <a:schemeClr val="accent3"/>
+          </a:lnRef>
+          <a:fillRef idx="0">
+            <a:schemeClr val="accent3"/>
+          </a:fillRef>
+          <a:effectRef idx="0">
+            <a:schemeClr val="accent3"/>
+          </a:effectRef>
+          <a:fontRef idx="minor">
+            <a:schemeClr val="tx1"/>
+          </a:fontRef>
+        </p:style>
+      </p:cxnSp>
+      <p:cxnSp>
+        <p:nvCxnSpPr>
+          <p:cNvPr id="186" name="Connector: Elbow 185">
+            <a:extLst>
+              <a:ext uri="{FF2B5EF4-FFF2-40B4-BE49-F238E27FC236}">
+                <a16:creationId xmlns:a16="http://schemas.microsoft.com/office/drawing/2014/main" id="{E48491A6-8016-6870-41E4-840EADC2CB2D}"/>
+              </a:ext>
+            </a:extLst>
+          </p:cNvPr>
+          <p:cNvCxnSpPr>
+            <a:cxnSpLocks/>
+          </p:cNvCxnSpPr>
+          <p:nvPr/>
+        </p:nvCxnSpPr>
+        <p:spPr>
+          <a:xfrm flipV="1">
+            <a:off x="8617529" y="3092820"/>
+            <a:ext cx="196922" cy="1"/>
+          </a:xfrm>
+          <a:prstGeom prst="bentConnector3">
+            <a:avLst>
+              <a:gd name="adj1" fmla="val 50000"/>
+            </a:avLst>
+          </a:prstGeom>
+          <a:ln w="12700">
+            <a:solidFill>
+              <a:schemeClr val="tx1"/>
+            </a:solidFill>
+            <a:headEnd type="none" w="med" len="med"/>
+            <a:tailEnd type="none" w="med" len="med"/>
+          </a:ln>
+        </p:spPr>
+        <p:style>
+          <a:lnRef idx="1">
+            <a:schemeClr val="accent3"/>
+          </a:lnRef>
+          <a:fillRef idx="0">
+            <a:schemeClr val="accent3"/>
+          </a:fillRef>
+          <a:effectRef idx="0">
+            <a:schemeClr val="accent3"/>
+          </a:effectRef>
+          <a:fontRef idx="minor">
+            <a:schemeClr val="tx1"/>
+          </a:fontRef>
+        </p:style>
+      </p:cxnSp>
+      <p:pic>
+        <p:nvPicPr>
+          <p:cNvPr id="14" name="Picture 2" descr="\\MAGNUM\Projects\Microsoft\Cloud Power FY12\Design\ICONS_PNG\Tower.png">
+            <a:extLst>
+              <a:ext uri="{FF2B5EF4-FFF2-40B4-BE49-F238E27FC236}">
+                <a16:creationId xmlns:a16="http://schemas.microsoft.com/office/drawing/2014/main" id="{48A76D63-338B-8439-818D-6FE59D49915B}"/>
+              </a:ext>
+            </a:extLst>
+          </p:cNvPr>
+          <p:cNvPicPr>
+            <a:picLocks noChangeAspect="1" noChangeArrowheads="1"/>
+          </p:cNvPicPr>
+          <p:nvPr/>
+        </p:nvPicPr>
+        <p:blipFill>
+          <a:blip r:embed="rId10" cstate="print">
+            <a:duotone>
+              <a:prstClr val="black"/>
+              <a:srgbClr val="4472C4">
+                <a:tint val="45000"/>
+                <a:satMod val="400000"/>
+              </a:srgbClr>
+            </a:duotone>
           </a:blip>
           <a:stretch>
             <a:fillRect/>
           </a:stretch>
         </p:blipFill>
-        <p:spPr>
-          <a:xfrm>
-            <a:off x="375137" y="6121057"/>
+        <p:spPr bwMode="auto">
+          <a:xfrm>
+            <a:off x="1277823" y="4440545"/>
+            <a:ext cx="739436" cy="739436"/>
+          </a:xfrm>
+          <a:prstGeom prst="rect">
+            <a:avLst/>
+          </a:prstGeom>
+          <a:noFill/>
+        </p:spPr>
+      </p:pic>
+      <p:cxnSp>
+        <p:nvCxnSpPr>
+          <p:cNvPr id="20" name="Connector: Curved 19">
+            <a:extLst>
+              <a:ext uri="{FF2B5EF4-FFF2-40B4-BE49-F238E27FC236}">
+                <a16:creationId xmlns:a16="http://schemas.microsoft.com/office/drawing/2014/main" id="{A80C324E-2D72-D62C-FDEA-462B049242BE}"/>
+              </a:ext>
+            </a:extLst>
+          </p:cNvPr>
+          <p:cNvCxnSpPr>
+            <a:cxnSpLocks/>
+            <a:stCxn id="53" idx="2"/>
+            <a:endCxn id="81" idx="0"/>
+          </p:cNvCxnSpPr>
+          <p:nvPr/>
+        </p:nvCxnSpPr>
+        <p:spPr>
+          <a:xfrm rot="16200000" flipH="1">
+            <a:off x="7372165" y="3098206"/>
+            <a:ext cx="933966" cy="89854"/>
+          </a:xfrm>
+          <a:prstGeom prst="curvedConnector3">
+            <a:avLst>
+              <a:gd name="adj1" fmla="val 50000"/>
+            </a:avLst>
+          </a:prstGeom>
+          <a:ln w="19050">
+            <a:solidFill>
+              <a:srgbClr val="7030A0"/>
+            </a:solidFill>
+            <a:prstDash val="dash"/>
+            <a:headEnd type="triangle" w="med" len="med"/>
+            <a:tailEnd type="none" w="med" len="med"/>
+          </a:ln>
+        </p:spPr>
+        <p:style>
+          <a:lnRef idx="1">
+            <a:schemeClr val="accent5"/>
+          </a:lnRef>
+          <a:fillRef idx="0">
+            <a:schemeClr val="accent5"/>
+          </a:fillRef>
+          <a:effectRef idx="0">
+            <a:schemeClr val="accent5"/>
+          </a:effectRef>
+          <a:fontRef idx="minor">
+            <a:schemeClr val="tx1"/>
+          </a:fontRef>
+        </p:style>
+      </p:cxnSp>
+      <p:cxnSp>
+        <p:nvCxnSpPr>
+          <p:cNvPr id="24" name="Connector: Curved 23">
+            <a:extLst>
+              <a:ext uri="{FF2B5EF4-FFF2-40B4-BE49-F238E27FC236}">
+                <a16:creationId xmlns:a16="http://schemas.microsoft.com/office/drawing/2014/main" id="{8729E742-91AC-40F7-1FED-71EF9CBAD08B}"/>
+              </a:ext>
+            </a:extLst>
+          </p:cNvPr>
+          <p:cNvCxnSpPr>
+            <a:cxnSpLocks/>
+            <a:stCxn id="100" idx="1"/>
+            <a:endCxn id="53" idx="0"/>
+          </p:cNvCxnSpPr>
+          <p:nvPr/>
+        </p:nvCxnSpPr>
+        <p:spPr>
+          <a:xfrm rot="10800000" flipV="1">
+            <a:off x="7794221" y="1398962"/>
+            <a:ext cx="794010" cy="824750"/>
+          </a:xfrm>
+          <a:prstGeom prst="curvedConnector2">
+            <a:avLst/>
+          </a:prstGeom>
+          <a:ln w="19050">
+            <a:solidFill>
+              <a:srgbClr val="7030A0"/>
+            </a:solidFill>
+            <a:prstDash val="dash"/>
+            <a:headEnd type="triangle" w="lg" len="lg"/>
+            <a:tailEnd type="none" w="lg" len="lg"/>
+          </a:ln>
+        </p:spPr>
+        <p:style>
+          <a:lnRef idx="1">
+            <a:schemeClr val="accent5"/>
+          </a:lnRef>
+          <a:fillRef idx="0">
+            <a:schemeClr val="accent5"/>
+          </a:fillRef>
+          <a:effectRef idx="0">
+            <a:schemeClr val="accent5"/>
+          </a:effectRef>
+          <a:fontRef idx="minor">
+            <a:schemeClr val="tx1"/>
+          </a:fontRef>
+        </p:style>
+      </p:cxnSp>
+      <p:pic>
+        <p:nvPicPr>
+          <p:cNvPr id="104" name="Picture 2">
+            <a:extLst>
+              <a:ext uri="{FF2B5EF4-FFF2-40B4-BE49-F238E27FC236}">
+                <a16:creationId xmlns:a16="http://schemas.microsoft.com/office/drawing/2014/main" id="{6F084D31-9F8A-FC45-4D2A-F1DCC1EF25C8}"/>
+              </a:ext>
+            </a:extLst>
+          </p:cNvPr>
+          <p:cNvPicPr>
+            <a:picLocks noChangeAspect="1" noChangeArrowheads="1"/>
+          </p:cNvPicPr>
+          <p:nvPr/>
+        </p:nvPicPr>
+        <p:blipFill>
+          <a:blip r:embed="rId11">
+            <a:extLst>
+              <a:ext uri="{96DAC541-7B7A-43D3-8B79-37D633B846F1}">
+                <asvg:svgBlip xmlns:asvg="http://schemas.microsoft.com/office/drawing/2016/SVG/main" r:embed="rId12"/>
+              </a:ext>
+            </a:extLst>
+          </a:blip>
+          <a:srcRect/>
+          <a:stretch/>
+        </p:blipFill>
+        <p:spPr bwMode="auto">
+          <a:xfrm>
+            <a:off x="10985267" y="3225653"/>
+            <a:ext cx="210018" cy="322769"/>
+          </a:xfrm>
+          <a:prstGeom prst="rect">
+            <a:avLst/>
+          </a:prstGeom>
+          <a:noFill/>
+          <a:effectLst>
+            <a:outerShdw blurRad="63500" sx="102000" sy="102000" algn="ctr" rotWithShape="0">
+              <a:prstClr val="black">
+                <a:alpha val="40000"/>
+              </a:prstClr>
+            </a:outerShdw>
+          </a:effectLst>
+        </p:spPr>
+      </p:pic>
+      <p:sp>
+        <p:nvSpPr>
+          <p:cNvPr id="32" name="Rectangle 31">
+            <a:extLst>
+              <a:ext uri="{FF2B5EF4-FFF2-40B4-BE49-F238E27FC236}">
+                <a16:creationId xmlns:a16="http://schemas.microsoft.com/office/drawing/2014/main" id="{32AE7708-C09E-6369-1601-259EC5148642}"/>
+              </a:ext>
+            </a:extLst>
+          </p:cNvPr>
+          <p:cNvSpPr/>
+          <p:nvPr/>
+        </p:nvSpPr>
+        <p:spPr>
+          <a:xfrm>
+            <a:off x="10779154" y="3048169"/>
+            <a:ext cx="999374" cy="657049"/>
+          </a:xfrm>
+          <a:prstGeom prst="rect">
+            <a:avLst/>
+          </a:prstGeom>
+          <a:noFill/>
+          <a:ln w="12700">
+            <a:prstDash val="sysDash"/>
+            <a:headEnd type="none" w="med" len="med"/>
+            <a:tailEnd type="none" w="med" len="med"/>
+          </a:ln>
+        </p:spPr>
+        <p:style>
+          <a:lnRef idx="2">
+            <a:schemeClr val="accent1"/>
+          </a:lnRef>
+          <a:fillRef idx="1">
+            <a:schemeClr val="lt1"/>
+          </a:fillRef>
+          <a:effectRef idx="0">
+            <a:schemeClr val="accent1"/>
+          </a:effectRef>
+          <a:fontRef idx="minor">
+            <a:schemeClr val="dk1"/>
+          </a:fontRef>
+        </p:style>
+        <p:txBody>
+          <a:bodyPr rot="0" spcFirstLastPara="0" vert="horz" wrap="square" lIns="179191" tIns="143354" rIns="179191" bIns="143354" numCol="1" spcCol="0" rtlCol="0" fromWordArt="0" anchor="t" anchorCtr="1" forceAA="0" compatLnSpc="1">
+            <a:prstTxWarp prst="textNoShape">
+              <a:avLst/>
+            </a:prstTxWarp>
+            <a:noAutofit/>
+          </a:bodyPr>
+          <a:lstStyle/>
+          <a:p>
+            <a:pPr algn="ctr" defTabSz="913642" fontAlgn="base">
+              <a:lnSpc>
+                <a:spcPct val="90000"/>
+              </a:lnSpc>
+              <a:spcBef>
+                <a:spcPct val="0"/>
+              </a:spcBef>
+              <a:spcAft>
+                <a:spcPct val="0"/>
+              </a:spcAft>
+            </a:pPr>
+            <a:endParaRPr lang="en-US" sz="800" dirty="0">
+              <a:solidFill>
+                <a:prstClr val="black">
+                  <a:lumMod val="50000"/>
+                  <a:lumOff val="50000"/>
+                </a:prstClr>
+              </a:solidFill>
+              <a:latin typeface="Arial"/>
+              <a:cs typeface="Segoe UI" pitchFamily="34" charset="0"/>
+            </a:endParaRPr>
+          </a:p>
+        </p:txBody>
+      </p:sp>
+      <p:sp>
+        <p:nvSpPr>
+          <p:cNvPr id="35" name="TextBox 34">
+            <a:extLst>
+              <a:ext uri="{FF2B5EF4-FFF2-40B4-BE49-F238E27FC236}">
+                <a16:creationId xmlns:a16="http://schemas.microsoft.com/office/drawing/2014/main" id="{8A796B1F-596E-F0FA-6698-35EF17BF4F2F}"/>
+              </a:ext>
+            </a:extLst>
+          </p:cNvPr>
+          <p:cNvSpPr txBox="1"/>
+          <p:nvPr/>
+        </p:nvSpPr>
+        <p:spPr>
+          <a:xfrm>
+            <a:off x="11183132" y="3152704"/>
+            <a:ext cx="602477" cy="138499"/>
+          </a:xfrm>
+          <a:prstGeom prst="rect">
+            <a:avLst/>
+          </a:prstGeom>
+          <a:noFill/>
+        </p:spPr>
+        <p:txBody>
+          <a:bodyPr wrap="square" lIns="0" tIns="0" rIns="0" bIns="0" rtlCol="0">
+            <a:spAutoFit/>
+          </a:bodyPr>
+          <a:lstStyle/>
+          <a:p>
+            <a:pPr algn="ctr">
+              <a:lnSpc>
+                <a:spcPct val="90000"/>
+              </a:lnSpc>
+              <a:spcAft>
+                <a:spcPts val="600"/>
+              </a:spcAft>
+            </a:pPr>
+            <a:r>
+              <a:rPr lang="en-US" sz="1000" dirty="0">
+                <a:latin typeface="Segoe UI" panose="020B0502040204020203" pitchFamily="34" charset="0"/>
+                <a:cs typeface="Segoe UI" panose="020B0502040204020203" pitchFamily="34" charset="0"/>
+              </a:rPr>
+              <a:t>Spoke 1</a:t>
+            </a:r>
+          </a:p>
+        </p:txBody>
+      </p:sp>
+      <p:pic>
+        <p:nvPicPr>
+          <p:cNvPr id="119" name="Picture 2">
+            <a:extLst>
+              <a:ext uri="{FF2B5EF4-FFF2-40B4-BE49-F238E27FC236}">
+                <a16:creationId xmlns:a16="http://schemas.microsoft.com/office/drawing/2014/main" id="{EDB259B1-4DFA-DD8D-17C0-6E35929D9E7A}"/>
+              </a:ext>
+            </a:extLst>
+          </p:cNvPr>
+          <p:cNvPicPr>
+            <a:picLocks noChangeAspect="1" noChangeArrowheads="1"/>
+          </p:cNvPicPr>
+          <p:nvPr/>
+        </p:nvPicPr>
+        <p:blipFill>
+          <a:blip r:embed="rId11">
+            <a:extLst>
+              <a:ext uri="{96DAC541-7B7A-43D3-8B79-37D633B846F1}">
+                <asvg:svgBlip xmlns:asvg="http://schemas.microsoft.com/office/drawing/2016/SVG/main" r:embed="rId12"/>
+              </a:ext>
+            </a:extLst>
+          </a:blip>
+          <a:srcRect/>
+          <a:stretch/>
+        </p:blipFill>
+        <p:spPr bwMode="auto">
+          <a:xfrm>
+            <a:off x="10578772" y="4096681"/>
+            <a:ext cx="210018" cy="322769"/>
+          </a:xfrm>
+          <a:prstGeom prst="rect">
+            <a:avLst/>
+          </a:prstGeom>
+          <a:noFill/>
+          <a:effectLst>
+            <a:outerShdw blurRad="63500" sx="102000" sy="102000" algn="ctr" rotWithShape="0">
+              <a:prstClr val="black">
+                <a:alpha val="40000"/>
+              </a:prstClr>
+            </a:outerShdw>
+          </a:effectLst>
+        </p:spPr>
+      </p:pic>
+      <p:sp>
+        <p:nvSpPr>
+          <p:cNvPr id="121" name="Rectangle 120">
+            <a:extLst>
+              <a:ext uri="{FF2B5EF4-FFF2-40B4-BE49-F238E27FC236}">
+                <a16:creationId xmlns:a16="http://schemas.microsoft.com/office/drawing/2014/main" id="{7662CB08-B8AB-DAC5-02B7-60A22CBD8B5B}"/>
+              </a:ext>
+            </a:extLst>
+          </p:cNvPr>
+          <p:cNvSpPr/>
+          <p:nvPr/>
+        </p:nvSpPr>
+        <p:spPr>
+          <a:xfrm>
+            <a:off x="10333473" y="3919197"/>
+            <a:ext cx="1105204" cy="657049"/>
+          </a:xfrm>
+          <a:prstGeom prst="rect">
+            <a:avLst/>
+          </a:prstGeom>
+          <a:noFill/>
+          <a:ln w="12700">
+            <a:solidFill>
+              <a:srgbClr val="4472C4"/>
+            </a:solidFill>
+            <a:prstDash val="sysDash"/>
+            <a:headEnd type="none" w="med" len="med"/>
+            <a:tailEnd type="none" w="med" len="med"/>
+          </a:ln>
+        </p:spPr>
+        <p:style>
+          <a:lnRef idx="2">
+            <a:schemeClr val="accent1"/>
+          </a:lnRef>
+          <a:fillRef idx="1">
+            <a:schemeClr val="lt1"/>
+          </a:fillRef>
+          <a:effectRef idx="0">
+            <a:schemeClr val="accent1"/>
+          </a:effectRef>
+          <a:fontRef idx="minor">
+            <a:schemeClr val="dk1"/>
+          </a:fontRef>
+        </p:style>
+        <p:txBody>
+          <a:bodyPr rot="0" spcFirstLastPara="0" vert="horz" wrap="square" lIns="179191" tIns="143354" rIns="179191" bIns="143354" numCol="1" spcCol="0" rtlCol="0" fromWordArt="0" anchor="t" anchorCtr="1" forceAA="0" compatLnSpc="1">
+            <a:prstTxWarp prst="textNoShape">
+              <a:avLst/>
+            </a:prstTxWarp>
+            <a:noAutofit/>
+          </a:bodyPr>
+          <a:lstStyle/>
+          <a:p>
+            <a:pPr algn="ctr" defTabSz="913642" fontAlgn="base">
+              <a:lnSpc>
+                <a:spcPct val="90000"/>
+              </a:lnSpc>
+              <a:spcBef>
+                <a:spcPct val="0"/>
+              </a:spcBef>
+              <a:spcAft>
+                <a:spcPct val="0"/>
+              </a:spcAft>
+            </a:pPr>
+            <a:endParaRPr lang="en-US" sz="800" dirty="0">
+              <a:solidFill>
+                <a:prstClr val="black">
+                  <a:lumMod val="50000"/>
+                  <a:lumOff val="50000"/>
+                </a:prstClr>
+              </a:solidFill>
+              <a:latin typeface="Arial"/>
+              <a:cs typeface="Segoe UI" pitchFamily="34" charset="0"/>
+            </a:endParaRPr>
+          </a:p>
+        </p:txBody>
+      </p:sp>
+      <p:sp>
+        <p:nvSpPr>
+          <p:cNvPr id="122" name="TextBox 121">
+            <a:extLst>
+              <a:ext uri="{FF2B5EF4-FFF2-40B4-BE49-F238E27FC236}">
+                <a16:creationId xmlns:a16="http://schemas.microsoft.com/office/drawing/2014/main" id="{FDD7A3F2-38D8-DF11-4ED6-4178DAF4072B}"/>
+              </a:ext>
+            </a:extLst>
+          </p:cNvPr>
+          <p:cNvSpPr txBox="1"/>
+          <p:nvPr/>
+        </p:nvSpPr>
+        <p:spPr>
+          <a:xfrm>
+            <a:off x="10776637" y="4023732"/>
+            <a:ext cx="602477" cy="138499"/>
+          </a:xfrm>
+          <a:prstGeom prst="rect">
+            <a:avLst/>
+          </a:prstGeom>
+          <a:noFill/>
+        </p:spPr>
+        <p:txBody>
+          <a:bodyPr wrap="square" lIns="0" tIns="0" rIns="0" bIns="0" rtlCol="0">
+            <a:spAutoFit/>
+          </a:bodyPr>
+          <a:lstStyle/>
+          <a:p>
+            <a:pPr algn="ctr">
+              <a:lnSpc>
+                <a:spcPct val="90000"/>
+              </a:lnSpc>
+              <a:spcAft>
+                <a:spcPts val="600"/>
+              </a:spcAft>
+            </a:pPr>
+            <a:r>
+              <a:rPr lang="en-US" sz="1000" dirty="0">
+                <a:latin typeface="Segoe UI" panose="020B0502040204020203" pitchFamily="34" charset="0"/>
+                <a:cs typeface="Segoe UI" panose="020B0502040204020203" pitchFamily="34" charset="0"/>
+              </a:rPr>
+              <a:t>Spoke 2</a:t>
+            </a:r>
+          </a:p>
+        </p:txBody>
+      </p:sp>
+      <p:cxnSp>
+        <p:nvCxnSpPr>
+          <p:cNvPr id="38" name="Connector: Elbow 37">
+            <a:extLst>
+              <a:ext uri="{FF2B5EF4-FFF2-40B4-BE49-F238E27FC236}">
+                <a16:creationId xmlns:a16="http://schemas.microsoft.com/office/drawing/2014/main" id="{2D8BAEE4-6E9F-B871-8E77-7B6F20D8B2D7}"/>
+              </a:ext>
+            </a:extLst>
+          </p:cNvPr>
+          <p:cNvCxnSpPr>
+            <a:cxnSpLocks/>
+            <a:endCxn id="100" idx="3"/>
+          </p:cNvCxnSpPr>
+          <p:nvPr/>
+        </p:nvCxnSpPr>
+        <p:spPr>
+          <a:xfrm rot="16200000" flipV="1">
+            <a:off x="8546341" y="1893290"/>
+            <a:ext cx="2424356" cy="1435699"/>
+          </a:xfrm>
+          <a:prstGeom prst="bentConnector2">
+            <a:avLst/>
+          </a:prstGeom>
+          <a:ln w="12700">
+            <a:solidFill>
+              <a:schemeClr val="tx1"/>
+            </a:solidFill>
+            <a:headEnd type="none" w="med" len="med"/>
+            <a:tailEnd type="none" w="med" len="med"/>
+          </a:ln>
+        </p:spPr>
+        <p:style>
+          <a:lnRef idx="1">
+            <a:schemeClr val="accent3"/>
+          </a:lnRef>
+          <a:fillRef idx="0">
+            <a:schemeClr val="accent3"/>
+          </a:fillRef>
+          <a:effectRef idx="0">
+            <a:schemeClr val="accent3"/>
+          </a:effectRef>
+          <a:fontRef idx="minor">
+            <a:schemeClr val="tx1"/>
+          </a:fontRef>
+        </p:style>
+      </p:cxnSp>
+      <p:cxnSp>
+        <p:nvCxnSpPr>
+          <p:cNvPr id="46" name="Connector: Curved 45">
+            <a:extLst>
+              <a:ext uri="{FF2B5EF4-FFF2-40B4-BE49-F238E27FC236}">
+                <a16:creationId xmlns:a16="http://schemas.microsoft.com/office/drawing/2014/main" id="{19B22477-8BC7-57BD-6FE5-87B005E16533}"/>
+              </a:ext>
+            </a:extLst>
+          </p:cNvPr>
+          <p:cNvCxnSpPr>
+            <a:cxnSpLocks/>
+            <a:stCxn id="53" idx="3"/>
+            <a:endCxn id="32" idx="1"/>
+          </p:cNvCxnSpPr>
+          <p:nvPr/>
+        </p:nvCxnSpPr>
+        <p:spPr>
+          <a:xfrm>
+            <a:off x="8020440" y="2449931"/>
+            <a:ext cx="2758714" cy="926763"/>
+          </a:xfrm>
+          <a:prstGeom prst="curvedConnector3">
+            <a:avLst>
+              <a:gd name="adj1" fmla="val 50000"/>
+            </a:avLst>
+          </a:prstGeom>
+          <a:ln w="19050">
+            <a:solidFill>
+              <a:srgbClr val="00B050"/>
+            </a:solidFill>
+            <a:prstDash val="dash"/>
+            <a:headEnd type="triangle" w="lg" len="lg"/>
+            <a:tailEnd type="none" w="med" len="med"/>
+          </a:ln>
+        </p:spPr>
+        <p:style>
+          <a:lnRef idx="1">
+            <a:schemeClr val="accent5"/>
+          </a:lnRef>
+          <a:fillRef idx="0">
+            <a:schemeClr val="accent5"/>
+          </a:fillRef>
+          <a:effectRef idx="0">
+            <a:schemeClr val="accent5"/>
+          </a:effectRef>
+          <a:fontRef idx="minor">
+            <a:schemeClr val="tx1"/>
+          </a:fontRef>
+        </p:style>
+      </p:cxnSp>
+      <p:cxnSp>
+        <p:nvCxnSpPr>
+          <p:cNvPr id="58" name="Connector: Curved 57">
+            <a:extLst>
+              <a:ext uri="{FF2B5EF4-FFF2-40B4-BE49-F238E27FC236}">
+                <a16:creationId xmlns:a16="http://schemas.microsoft.com/office/drawing/2014/main" id="{5630D6A0-E4C5-B57D-CA3F-289389FF3B0D}"/>
+              </a:ext>
+            </a:extLst>
+          </p:cNvPr>
+          <p:cNvCxnSpPr>
+            <a:cxnSpLocks/>
+            <a:stCxn id="53" idx="3"/>
+            <a:endCxn id="121" idx="1"/>
+          </p:cNvCxnSpPr>
+          <p:nvPr/>
+        </p:nvCxnSpPr>
+        <p:spPr>
+          <a:xfrm>
+            <a:off x="8020440" y="2449931"/>
+            <a:ext cx="2313033" cy="1797791"/>
+          </a:xfrm>
+          <a:prstGeom prst="curvedConnector3">
+            <a:avLst>
+              <a:gd name="adj1" fmla="val 50000"/>
+            </a:avLst>
+          </a:prstGeom>
+          <a:ln w="19050">
+            <a:solidFill>
+              <a:srgbClr val="00B050"/>
+            </a:solidFill>
+            <a:prstDash val="dash"/>
+            <a:headEnd type="triangle" w="lg" len="lg"/>
+            <a:tailEnd type="none" w="med" len="med"/>
+          </a:ln>
+        </p:spPr>
+        <p:style>
+          <a:lnRef idx="1">
+            <a:schemeClr val="accent5"/>
+          </a:lnRef>
+          <a:fillRef idx="0">
+            <a:schemeClr val="accent5"/>
+          </a:fillRef>
+          <a:effectRef idx="0">
+            <a:schemeClr val="accent5"/>
+          </a:effectRef>
+          <a:fontRef idx="minor">
+            <a:schemeClr val="tx1"/>
+          </a:fontRef>
+        </p:style>
+      </p:cxnSp>
+      <p:sp>
+        <p:nvSpPr>
+          <p:cNvPr id="89" name="TextBox 88">
+            <a:extLst>
+              <a:ext uri="{FF2B5EF4-FFF2-40B4-BE49-F238E27FC236}">
+                <a16:creationId xmlns:a16="http://schemas.microsoft.com/office/drawing/2014/main" id="{05C67E3F-9817-0749-8D81-F8FA3AB124FB}"/>
+              </a:ext>
+            </a:extLst>
+          </p:cNvPr>
+          <p:cNvSpPr txBox="1"/>
+          <p:nvPr/>
+        </p:nvSpPr>
+        <p:spPr>
+          <a:xfrm>
+            <a:off x="9442596" y="4499257"/>
+            <a:ext cx="739437" cy="276999"/>
+          </a:xfrm>
+          <a:prstGeom prst="rect">
+            <a:avLst/>
+          </a:prstGeom>
+          <a:noFill/>
+        </p:spPr>
+        <p:txBody>
+          <a:bodyPr wrap="square" lIns="0" tIns="0" rIns="0" bIns="0" rtlCol="0">
+            <a:spAutoFit/>
+          </a:bodyPr>
+          <a:lstStyle/>
+          <a:p>
+            <a:pPr algn="ctr">
+              <a:lnSpc>
+                <a:spcPct val="90000"/>
+              </a:lnSpc>
+              <a:spcAft>
+                <a:spcPts val="600"/>
+              </a:spcAft>
+            </a:pPr>
+            <a:r>
+              <a:rPr lang="en-US" sz="1000" dirty="0">
+                <a:latin typeface="Segoe UI" panose="020B0502040204020203" pitchFamily="34" charset="0"/>
+                <a:cs typeface="Segoe UI" panose="020B0502040204020203" pitchFamily="34" charset="0"/>
+              </a:rPr>
+              <a:t>Peering (optional)</a:t>
+            </a:r>
+          </a:p>
+        </p:txBody>
+      </p:sp>
+      <p:sp>
+        <p:nvSpPr>
+          <p:cNvPr id="90" name="TextBox 89">
+            <a:extLst>
+              <a:ext uri="{FF2B5EF4-FFF2-40B4-BE49-F238E27FC236}">
+                <a16:creationId xmlns:a16="http://schemas.microsoft.com/office/drawing/2014/main" id="{130E8829-34BA-9C11-4DAC-E8BC8AFB3B6E}"/>
+              </a:ext>
+            </a:extLst>
+          </p:cNvPr>
+          <p:cNvSpPr txBox="1"/>
+          <p:nvPr/>
+        </p:nvSpPr>
+        <p:spPr>
+          <a:xfrm>
+            <a:off x="5885238" y="2659000"/>
+            <a:ext cx="1050653" cy="210575"/>
+          </a:xfrm>
+          <a:prstGeom prst="rect">
+            <a:avLst/>
+          </a:prstGeom>
+          <a:noFill/>
+        </p:spPr>
+        <p:txBody>
+          <a:bodyPr wrap="square" lIns="0" tIns="0" rIns="0" bIns="0" rtlCol="0">
+            <a:noAutofit/>
+          </a:bodyPr>
+          <a:lstStyle/>
+          <a:p>
+            <a:pPr algn="ctr">
+              <a:lnSpc>
+                <a:spcPct val="90000"/>
+              </a:lnSpc>
+              <a:spcAft>
+                <a:spcPts val="600"/>
+              </a:spcAft>
+            </a:pPr>
+            <a:r>
+              <a:rPr lang="en-US" sz="1000" dirty="0">
+                <a:latin typeface="Segoe UI" panose="020B0502040204020203" pitchFamily="34" charset="0"/>
+                <a:cs typeface="Segoe UI" panose="020B0502040204020203" pitchFamily="34" charset="0"/>
+              </a:rPr>
+              <a:t>10.0.0.0/24</a:t>
+            </a:r>
+          </a:p>
+        </p:txBody>
+      </p:sp>
+      <p:sp>
+        <p:nvSpPr>
+          <p:cNvPr id="91" name="TextBox 90">
+            <a:extLst>
+              <a:ext uri="{FF2B5EF4-FFF2-40B4-BE49-F238E27FC236}">
+                <a16:creationId xmlns:a16="http://schemas.microsoft.com/office/drawing/2014/main" id="{7D5542B6-E342-CA64-EEE5-047AEB8A9538}"/>
+              </a:ext>
+            </a:extLst>
+          </p:cNvPr>
+          <p:cNvSpPr txBox="1"/>
+          <p:nvPr/>
+        </p:nvSpPr>
+        <p:spPr>
+          <a:xfrm>
+            <a:off x="7081909" y="3162876"/>
+            <a:ext cx="806210" cy="138499"/>
+          </a:xfrm>
+          <a:prstGeom prst="rect">
+            <a:avLst/>
+          </a:prstGeom>
+          <a:noFill/>
+        </p:spPr>
+        <p:txBody>
+          <a:bodyPr wrap="square" lIns="0" tIns="0" rIns="0" bIns="0" rtlCol="0">
+            <a:spAutoFit/>
+          </a:bodyPr>
+          <a:lstStyle/>
+          <a:p>
+            <a:pPr algn="ctr">
+              <a:lnSpc>
+                <a:spcPct val="90000"/>
+              </a:lnSpc>
+              <a:spcAft>
+                <a:spcPts val="600"/>
+              </a:spcAft>
+            </a:pPr>
+            <a:r>
+              <a:rPr lang="en-US" sz="1000" dirty="0">
+                <a:latin typeface="Segoe UI" panose="020B0502040204020203" pitchFamily="34" charset="0"/>
+                <a:cs typeface="Segoe UI" panose="020B0502040204020203" pitchFamily="34" charset="0"/>
+              </a:rPr>
+              <a:t>10.0.0.0/28</a:t>
+            </a:r>
+          </a:p>
+        </p:txBody>
+      </p:sp>
+      <p:sp>
+        <p:nvSpPr>
+          <p:cNvPr id="101" name="TextBox 100">
+            <a:extLst>
+              <a:ext uri="{FF2B5EF4-FFF2-40B4-BE49-F238E27FC236}">
+                <a16:creationId xmlns:a16="http://schemas.microsoft.com/office/drawing/2014/main" id="{4EBA5E69-10CA-73E0-5030-B30420B0F31A}"/>
+              </a:ext>
+            </a:extLst>
+          </p:cNvPr>
+          <p:cNvSpPr txBox="1"/>
+          <p:nvPr/>
+        </p:nvSpPr>
+        <p:spPr>
+          <a:xfrm>
+            <a:off x="7121732" y="4378639"/>
+            <a:ext cx="806210" cy="138499"/>
+          </a:xfrm>
+          <a:prstGeom prst="rect">
+            <a:avLst/>
+          </a:prstGeom>
+          <a:noFill/>
+        </p:spPr>
+        <p:txBody>
+          <a:bodyPr wrap="square" lIns="0" tIns="0" rIns="0" bIns="0" rtlCol="0">
+            <a:spAutoFit/>
+          </a:bodyPr>
+          <a:lstStyle/>
+          <a:p>
+            <a:pPr algn="ctr">
+              <a:lnSpc>
+                <a:spcPct val="90000"/>
+              </a:lnSpc>
+              <a:spcAft>
+                <a:spcPts val="600"/>
+              </a:spcAft>
+            </a:pPr>
+            <a:r>
+              <a:rPr lang="en-US" sz="1000" dirty="0">
+                <a:latin typeface="Segoe UI" panose="020B0502040204020203" pitchFamily="34" charset="0"/>
+                <a:cs typeface="Segoe UI" panose="020B0502040204020203" pitchFamily="34" charset="0"/>
+              </a:rPr>
+              <a:t>10.0.0.16/28</a:t>
+            </a:r>
+          </a:p>
+        </p:txBody>
+      </p:sp>
+      <p:sp>
+        <p:nvSpPr>
+          <p:cNvPr id="115" name="TextBox 114">
+            <a:extLst>
+              <a:ext uri="{FF2B5EF4-FFF2-40B4-BE49-F238E27FC236}">
+                <a16:creationId xmlns:a16="http://schemas.microsoft.com/office/drawing/2014/main" id="{E91CFEB1-4825-50F5-0566-DF966DA3BCEA}"/>
+              </a:ext>
+            </a:extLst>
+          </p:cNvPr>
+          <p:cNvSpPr txBox="1"/>
+          <p:nvPr/>
+        </p:nvSpPr>
+        <p:spPr>
+          <a:xfrm>
+            <a:off x="11141849" y="2884950"/>
+            <a:ext cx="673333" cy="138499"/>
+          </a:xfrm>
+          <a:prstGeom prst="rect">
+            <a:avLst/>
+          </a:prstGeom>
+          <a:noFill/>
+        </p:spPr>
+        <p:txBody>
+          <a:bodyPr wrap="square" lIns="0" tIns="0" rIns="0" bIns="0" rtlCol="0">
+            <a:spAutoFit/>
+          </a:bodyPr>
+          <a:lstStyle/>
+          <a:p>
+            <a:pPr algn="ctr">
+              <a:lnSpc>
+                <a:spcPct val="90000"/>
+              </a:lnSpc>
+              <a:spcAft>
+                <a:spcPts val="600"/>
+              </a:spcAft>
+            </a:pPr>
+            <a:r>
+              <a:rPr lang="en-US" sz="1000" dirty="0">
+                <a:latin typeface="Segoe UI" panose="020B0502040204020203" pitchFamily="34" charset="0"/>
+                <a:cs typeface="Segoe UI" panose="020B0502040204020203" pitchFamily="34" charset="0"/>
+              </a:rPr>
+              <a:t>10.1.0.0/24</a:t>
+            </a:r>
+          </a:p>
+        </p:txBody>
+      </p:sp>
+      <p:sp>
+        <p:nvSpPr>
+          <p:cNvPr id="129" name="TextBox 128">
+            <a:extLst>
+              <a:ext uri="{FF2B5EF4-FFF2-40B4-BE49-F238E27FC236}">
+                <a16:creationId xmlns:a16="http://schemas.microsoft.com/office/drawing/2014/main" id="{91BA21C4-9E2C-F75A-40C6-E7F6570A70A5}"/>
+              </a:ext>
+            </a:extLst>
+          </p:cNvPr>
+          <p:cNvSpPr txBox="1"/>
+          <p:nvPr/>
+        </p:nvSpPr>
+        <p:spPr>
+          <a:xfrm>
+            <a:off x="10728150" y="3757251"/>
+            <a:ext cx="673333" cy="138499"/>
+          </a:xfrm>
+          <a:prstGeom prst="rect">
+            <a:avLst/>
+          </a:prstGeom>
+          <a:noFill/>
+        </p:spPr>
+        <p:txBody>
+          <a:bodyPr wrap="square" lIns="0" tIns="0" rIns="0" bIns="0" rtlCol="0">
+            <a:spAutoFit/>
+          </a:bodyPr>
+          <a:lstStyle/>
+          <a:p>
+            <a:pPr algn="ctr">
+              <a:lnSpc>
+                <a:spcPct val="90000"/>
+              </a:lnSpc>
+              <a:spcAft>
+                <a:spcPts val="600"/>
+              </a:spcAft>
+            </a:pPr>
+            <a:r>
+              <a:rPr lang="en-US" sz="1000" dirty="0">
+                <a:latin typeface="Segoe UI" panose="020B0502040204020203" pitchFamily="34" charset="0"/>
+                <a:cs typeface="Segoe UI" panose="020B0502040204020203" pitchFamily="34" charset="0"/>
+              </a:rPr>
+              <a:t>10.2.0.0/24</a:t>
+            </a:r>
+          </a:p>
+        </p:txBody>
+      </p:sp>
+      <p:sp>
+        <p:nvSpPr>
+          <p:cNvPr id="189" name="TextBox 188">
+            <a:extLst>
+              <a:ext uri="{FF2B5EF4-FFF2-40B4-BE49-F238E27FC236}">
+                <a16:creationId xmlns:a16="http://schemas.microsoft.com/office/drawing/2014/main" id="{0993EE8D-5DEE-3F87-0ACA-02A13E3240B5}"/>
+              </a:ext>
+            </a:extLst>
+          </p:cNvPr>
+          <p:cNvSpPr txBox="1"/>
+          <p:nvPr/>
+        </p:nvSpPr>
+        <p:spPr>
+          <a:xfrm>
+            <a:off x="5731501" y="1115865"/>
+            <a:ext cx="2838757" cy="381643"/>
+          </a:xfrm>
+          <a:prstGeom prst="rect">
+            <a:avLst/>
+          </a:prstGeom>
+          <a:noFill/>
+        </p:spPr>
+        <p:txBody>
+          <a:bodyPr wrap="square" lIns="0" tIns="0" rIns="0" bIns="0" rtlCol="0">
+            <a:spAutoFit/>
+          </a:bodyPr>
+          <a:lstStyle>
+            <a:defPPr>
+              <a:defRPr lang="en-US"/>
+            </a:defPPr>
+            <a:lvl1pPr algn="ctr">
+              <a:lnSpc>
+                <a:spcPct val="90000"/>
+              </a:lnSpc>
+              <a:spcAft>
+                <a:spcPts val="600"/>
+              </a:spcAft>
+              <a:defRPr sz="900">
+                <a:solidFill>
+                  <a:srgbClr val="0070C0"/>
+                </a:solidFill>
+              </a:defRPr>
+            </a:lvl1pPr>
+          </a:lstStyle>
+          <a:p>
+            <a:pPr algn="l"/>
+            <a:r>
+              <a:rPr lang="en-US" sz="1100" dirty="0">
+                <a:solidFill>
+                  <a:schemeClr val="tx1"/>
+                </a:solidFill>
+                <a:latin typeface="Segoe UI" panose="020B0502040204020203" pitchFamily="34" charset="0"/>
+                <a:cs typeface="Segoe UI" panose="020B0502040204020203" pitchFamily="34" charset="0"/>
+              </a:rPr>
+              <a:t>abc.privatelink.blob.core.windows.net – 7.7.7.7</a:t>
+            </a:r>
+          </a:p>
+          <a:p>
+            <a:pPr algn="l"/>
+            <a:r>
+              <a:rPr lang="en-US" sz="1100" dirty="0">
+                <a:solidFill>
+                  <a:schemeClr val="tx1"/>
+                </a:solidFill>
+                <a:latin typeface="Segoe UI" panose="020B0502040204020203" pitchFamily="34" charset="0"/>
+                <a:cs typeface="Segoe UI" panose="020B0502040204020203" pitchFamily="34" charset="0"/>
+              </a:rPr>
+              <a:t>abc.privatelink.azure-api.net  - 6.6.6.6</a:t>
+            </a:r>
+            <a:endParaRPr lang="en-SG" sz="1100" dirty="0">
+              <a:solidFill>
+                <a:schemeClr val="tx1"/>
+              </a:solidFill>
+              <a:latin typeface="Segoe UI" panose="020B0502040204020203" pitchFamily="34" charset="0"/>
+              <a:cs typeface="Segoe UI" panose="020B0502040204020203" pitchFamily="34" charset="0"/>
+            </a:endParaRPr>
+          </a:p>
+        </p:txBody>
+      </p:sp>
+      <p:sp>
+        <p:nvSpPr>
+          <p:cNvPr id="137" name="TextBox 136">
+            <a:extLst>
+              <a:ext uri="{FF2B5EF4-FFF2-40B4-BE49-F238E27FC236}">
+                <a16:creationId xmlns:a16="http://schemas.microsoft.com/office/drawing/2014/main" id="{D0C1C00F-634E-B4B6-1CC9-DBA9025B41E0}"/>
+              </a:ext>
+            </a:extLst>
+          </p:cNvPr>
+          <p:cNvSpPr txBox="1"/>
+          <p:nvPr/>
+        </p:nvSpPr>
+        <p:spPr>
+          <a:xfrm>
+            <a:off x="2450839" y="4658262"/>
+            <a:ext cx="864190" cy="138499"/>
+          </a:xfrm>
+          <a:prstGeom prst="rect">
+            <a:avLst/>
+          </a:prstGeom>
+          <a:noFill/>
+        </p:spPr>
+        <p:txBody>
+          <a:bodyPr wrap="square" lIns="0" tIns="0" rIns="0" bIns="0" rtlCol="0">
+            <a:spAutoFit/>
+          </a:bodyPr>
+          <a:lstStyle/>
+          <a:p>
+            <a:pPr algn="ctr">
+              <a:lnSpc>
+                <a:spcPct val="90000"/>
+              </a:lnSpc>
+              <a:spcAft>
+                <a:spcPts val="600"/>
+              </a:spcAft>
+            </a:pPr>
+            <a:r>
+              <a:rPr lang="en-US" sz="1000" dirty="0">
+                <a:latin typeface="Segoe UI" panose="020B0502040204020203" pitchFamily="34" charset="0"/>
+                <a:cs typeface="Segoe UI" panose="020B0502040204020203" pitchFamily="34" charset="0"/>
+              </a:rPr>
+              <a:t>192.168.0.1 / 2</a:t>
+            </a:r>
+          </a:p>
+        </p:txBody>
+      </p:sp>
+      <p:sp>
+        <p:nvSpPr>
+          <p:cNvPr id="138" name="TextBox 137">
+            <a:extLst>
+              <a:ext uri="{FF2B5EF4-FFF2-40B4-BE49-F238E27FC236}">
+                <a16:creationId xmlns:a16="http://schemas.microsoft.com/office/drawing/2014/main" id="{6071FE4B-42F9-581A-DE3A-410E0C8F665A}"/>
+              </a:ext>
+            </a:extLst>
+          </p:cNvPr>
+          <p:cNvSpPr txBox="1"/>
+          <p:nvPr/>
+        </p:nvSpPr>
+        <p:spPr>
+          <a:xfrm>
+            <a:off x="9015938" y="1152073"/>
+            <a:ext cx="1772852" cy="261610"/>
+          </a:xfrm>
+          <a:prstGeom prst="rect">
+            <a:avLst/>
+          </a:prstGeom>
+          <a:noFill/>
+        </p:spPr>
+        <p:txBody>
+          <a:bodyPr wrap="square" rtlCol="0">
+            <a:spAutoFit/>
+          </a:bodyPr>
+          <a:lstStyle/>
+          <a:p>
+            <a:r>
+              <a:rPr lang="en-US" sz="1100" b="1" dirty="0">
+                <a:latin typeface="Segoe UI" panose="020B0502040204020203" pitchFamily="34" charset="0"/>
+                <a:cs typeface="Segoe UI" panose="020B0502040204020203" pitchFamily="34" charset="0"/>
+              </a:rPr>
+              <a:t>Azure Private DNS</a:t>
+            </a:r>
+          </a:p>
+        </p:txBody>
+      </p:sp>
+      <p:sp>
+        <p:nvSpPr>
+          <p:cNvPr id="139" name="TextBox 138">
+            <a:extLst>
+              <a:ext uri="{FF2B5EF4-FFF2-40B4-BE49-F238E27FC236}">
+                <a16:creationId xmlns:a16="http://schemas.microsoft.com/office/drawing/2014/main" id="{D5515289-62F5-B820-11A2-9AEB465351FA}"/>
+              </a:ext>
+            </a:extLst>
+          </p:cNvPr>
+          <p:cNvSpPr txBox="1"/>
+          <p:nvPr/>
+        </p:nvSpPr>
+        <p:spPr>
+          <a:xfrm>
+            <a:off x="6890396" y="2101293"/>
+            <a:ext cx="1205157" cy="276999"/>
+          </a:xfrm>
+          <a:prstGeom prst="rect">
+            <a:avLst/>
+          </a:prstGeom>
+          <a:noFill/>
+        </p:spPr>
+        <p:txBody>
+          <a:bodyPr wrap="square" rtlCol="0">
+            <a:spAutoFit/>
+          </a:bodyPr>
+          <a:lstStyle/>
+          <a:p>
+            <a:r>
+              <a:rPr lang="en-US" sz="1200" b="1" dirty="0"/>
+              <a:t>Azure DNS</a:t>
+            </a:r>
+          </a:p>
+        </p:txBody>
+      </p:sp>
+      <p:pic>
+        <p:nvPicPr>
+          <p:cNvPr id="145" name="Picture 2">
+            <a:extLst>
+              <a:ext uri="{FF2B5EF4-FFF2-40B4-BE49-F238E27FC236}">
+                <a16:creationId xmlns:a16="http://schemas.microsoft.com/office/drawing/2014/main" id="{6CDFE434-3AD9-E7AA-735A-90CEFD10C30F}"/>
+              </a:ext>
+            </a:extLst>
+          </p:cNvPr>
+          <p:cNvPicPr>
+            <a:picLocks noChangeAspect="1" noChangeArrowheads="1"/>
+          </p:cNvPicPr>
+          <p:nvPr/>
+        </p:nvPicPr>
+        <p:blipFill>
+          <a:blip r:embed="rId11">
+            <a:extLst>
+              <a:ext uri="{96DAC541-7B7A-43D3-8B79-37D633B846F1}">
+                <asvg:svgBlip xmlns:asvg="http://schemas.microsoft.com/office/drawing/2016/SVG/main" r:embed="rId12"/>
+              </a:ext>
+            </a:extLst>
+          </a:blip>
+          <a:srcRect/>
+          <a:stretch/>
+        </p:blipFill>
+        <p:spPr bwMode="auto">
+          <a:xfrm>
+            <a:off x="2088675" y="3123011"/>
+            <a:ext cx="210018" cy="322769"/>
+          </a:xfrm>
+          <a:prstGeom prst="rect">
+            <a:avLst/>
+          </a:prstGeom>
+          <a:noFill/>
+          <a:effectLst>
+            <a:outerShdw blurRad="63500" sx="102000" sy="102000" algn="ctr" rotWithShape="0">
+              <a:prstClr val="black">
+                <a:alpha val="40000"/>
+              </a:prstClr>
+            </a:outerShdw>
+          </a:effectLst>
+        </p:spPr>
+      </p:pic>
+      <p:cxnSp>
+        <p:nvCxnSpPr>
+          <p:cNvPr id="149" name="Connector: Curved 148">
+            <a:extLst>
+              <a:ext uri="{FF2B5EF4-FFF2-40B4-BE49-F238E27FC236}">
+                <a16:creationId xmlns:a16="http://schemas.microsoft.com/office/drawing/2014/main" id="{E373F6EC-032B-B6A6-8C17-17E3C58944AC}"/>
+              </a:ext>
+            </a:extLst>
+          </p:cNvPr>
+          <p:cNvCxnSpPr>
+            <a:cxnSpLocks/>
+            <a:endCxn id="145" idx="3"/>
+          </p:cNvCxnSpPr>
+          <p:nvPr/>
+        </p:nvCxnSpPr>
+        <p:spPr>
+          <a:xfrm rot="16200000" flipV="1">
+            <a:off x="2092400" y="3490689"/>
+            <a:ext cx="919600" cy="507013"/>
+          </a:xfrm>
+          <a:prstGeom prst="curvedConnector2">
+            <a:avLst/>
+          </a:prstGeom>
+          <a:ln w="19050">
+            <a:solidFill>
+              <a:srgbClr val="7030A0"/>
+            </a:solidFill>
+            <a:prstDash val="dash"/>
+            <a:headEnd type="triangle" w="med" len="med"/>
+            <a:tailEnd type="none" w="med" len="med"/>
+          </a:ln>
+        </p:spPr>
+        <p:style>
+          <a:lnRef idx="1">
+            <a:schemeClr val="accent5"/>
+          </a:lnRef>
+          <a:fillRef idx="0">
+            <a:schemeClr val="accent5"/>
+          </a:fillRef>
+          <a:effectRef idx="0">
+            <a:schemeClr val="accent5"/>
+          </a:effectRef>
+          <a:fontRef idx="minor">
+            <a:schemeClr val="tx1"/>
+          </a:fontRef>
+        </p:style>
+      </p:cxnSp>
+      <p:cxnSp>
+        <p:nvCxnSpPr>
+          <p:cNvPr id="154" name="Connector: Curved 153">
+            <a:extLst>
+              <a:ext uri="{FF2B5EF4-FFF2-40B4-BE49-F238E27FC236}">
+                <a16:creationId xmlns:a16="http://schemas.microsoft.com/office/drawing/2014/main" id="{AD13FC62-3EA3-A579-616E-DCF66C1B1921}"/>
+              </a:ext>
+            </a:extLst>
+          </p:cNvPr>
+          <p:cNvCxnSpPr>
+            <a:cxnSpLocks/>
+          </p:cNvCxnSpPr>
+          <p:nvPr/>
+        </p:nvCxnSpPr>
+        <p:spPr>
+          <a:xfrm rot="10800000" flipV="1">
+            <a:off x="7946621" y="1551362"/>
+            <a:ext cx="794010" cy="824750"/>
+          </a:xfrm>
+          <a:prstGeom prst="curvedConnector2">
+            <a:avLst/>
+          </a:prstGeom>
+          <a:ln w="19050">
+            <a:solidFill>
+              <a:srgbClr val="00B050"/>
+            </a:solidFill>
+            <a:prstDash val="dash"/>
+            <a:headEnd type="triangle" w="lg" len="lg"/>
+            <a:tailEnd type="none" w="lg" len="lg"/>
+          </a:ln>
+        </p:spPr>
+        <p:style>
+          <a:lnRef idx="1">
+            <a:schemeClr val="accent5"/>
+          </a:lnRef>
+          <a:fillRef idx="0">
+            <a:schemeClr val="accent5"/>
+          </a:fillRef>
+          <a:effectRef idx="0">
+            <a:schemeClr val="accent5"/>
+          </a:effectRef>
+          <a:fontRef idx="minor">
+            <a:schemeClr val="tx1"/>
+          </a:fontRef>
+        </p:style>
+      </p:cxnSp>
+      <p:cxnSp>
+        <p:nvCxnSpPr>
+          <p:cNvPr id="2" name="Connector: Elbow 1">
+            <a:extLst>
+              <a:ext uri="{FF2B5EF4-FFF2-40B4-BE49-F238E27FC236}">
+                <a16:creationId xmlns:a16="http://schemas.microsoft.com/office/drawing/2014/main" id="{D6496574-1A29-4ED3-5744-0DBB511277F2}"/>
+              </a:ext>
+            </a:extLst>
+          </p:cNvPr>
+          <p:cNvCxnSpPr>
+            <a:cxnSpLocks/>
+          </p:cNvCxnSpPr>
+          <p:nvPr/>
+        </p:nvCxnSpPr>
+        <p:spPr>
+          <a:xfrm rot="16200000" flipV="1">
+            <a:off x="8080633" y="2358999"/>
+            <a:ext cx="1467637" cy="2"/>
+          </a:xfrm>
+          <a:prstGeom prst="bentConnector3">
+            <a:avLst>
+              <a:gd name="adj1" fmla="val 50000"/>
+            </a:avLst>
+          </a:prstGeom>
+          <a:ln w="12700">
+            <a:solidFill>
+              <a:schemeClr val="tx1"/>
+            </a:solidFill>
+            <a:headEnd type="none" w="med" len="med"/>
+            <a:tailEnd type="none" w="med" len="med"/>
+          </a:ln>
+        </p:spPr>
+        <p:style>
+          <a:lnRef idx="1">
+            <a:schemeClr val="accent3"/>
+          </a:lnRef>
+          <a:fillRef idx="0">
+            <a:schemeClr val="accent3"/>
+          </a:fillRef>
+          <a:effectRef idx="0">
+            <a:schemeClr val="accent3"/>
+          </a:effectRef>
+          <a:fontRef idx="minor">
+            <a:schemeClr val="tx1"/>
+          </a:fontRef>
+        </p:style>
+      </p:cxnSp>
+      <p:sp>
+        <p:nvSpPr>
+          <p:cNvPr id="15" name="TextBox 14">
+            <a:extLst>
+              <a:ext uri="{FF2B5EF4-FFF2-40B4-BE49-F238E27FC236}">
+                <a16:creationId xmlns:a16="http://schemas.microsoft.com/office/drawing/2014/main" id="{840CAC6D-8F47-D51B-24E2-80AD992E131F}"/>
+              </a:ext>
+            </a:extLst>
+          </p:cNvPr>
+          <p:cNvSpPr txBox="1"/>
+          <p:nvPr/>
+        </p:nvSpPr>
+        <p:spPr>
+          <a:xfrm>
+            <a:off x="11167089" y="3485920"/>
+            <a:ext cx="390415" cy="138499"/>
+          </a:xfrm>
+          <a:prstGeom prst="rect">
+            <a:avLst/>
+          </a:prstGeom>
+          <a:noFill/>
+        </p:spPr>
+        <p:txBody>
+          <a:bodyPr wrap="square" lIns="0" tIns="0" rIns="0" bIns="0" rtlCol="0">
+            <a:spAutoFit/>
+          </a:bodyPr>
+          <a:lstStyle/>
+          <a:p>
+            <a:pPr algn="ctr">
+              <a:lnSpc>
+                <a:spcPct val="90000"/>
+              </a:lnSpc>
+              <a:spcAft>
+                <a:spcPts val="600"/>
+              </a:spcAft>
+            </a:pPr>
+            <a:r>
+              <a:rPr lang="en-US" sz="1000" dirty="0">
+                <a:latin typeface="Segoe UI" panose="020B0502040204020203" pitchFamily="34" charset="0"/>
+                <a:cs typeface="Segoe UI" panose="020B0502040204020203" pitchFamily="34" charset="0"/>
+              </a:rPr>
+              <a:t>VM 1</a:t>
+            </a:r>
+          </a:p>
+        </p:txBody>
+      </p:sp>
+      <p:sp>
+        <p:nvSpPr>
+          <p:cNvPr id="16" name="TextBox 15">
+            <a:extLst>
+              <a:ext uri="{FF2B5EF4-FFF2-40B4-BE49-F238E27FC236}">
+                <a16:creationId xmlns:a16="http://schemas.microsoft.com/office/drawing/2014/main" id="{CC0BC5A9-208D-D977-F7EE-56C2C163D62C}"/>
+              </a:ext>
+            </a:extLst>
+          </p:cNvPr>
+          <p:cNvSpPr txBox="1"/>
+          <p:nvPr/>
+        </p:nvSpPr>
+        <p:spPr>
+          <a:xfrm>
+            <a:off x="10801247" y="4339482"/>
+            <a:ext cx="390415" cy="138499"/>
+          </a:xfrm>
+          <a:prstGeom prst="rect">
+            <a:avLst/>
+          </a:prstGeom>
+          <a:noFill/>
+        </p:spPr>
+        <p:txBody>
+          <a:bodyPr wrap="square" lIns="0" tIns="0" rIns="0" bIns="0" rtlCol="0">
+            <a:spAutoFit/>
+          </a:bodyPr>
+          <a:lstStyle/>
+          <a:p>
+            <a:pPr algn="ctr">
+              <a:lnSpc>
+                <a:spcPct val="90000"/>
+              </a:lnSpc>
+              <a:spcAft>
+                <a:spcPts val="600"/>
+              </a:spcAft>
+            </a:pPr>
+            <a:r>
+              <a:rPr lang="en-US" sz="1000" dirty="0">
+                <a:latin typeface="Segoe UI" panose="020B0502040204020203" pitchFamily="34" charset="0"/>
+                <a:cs typeface="Segoe UI" panose="020B0502040204020203" pitchFamily="34" charset="0"/>
+              </a:rPr>
+              <a:t>VM 2</a:t>
+            </a:r>
+          </a:p>
+        </p:txBody>
+      </p:sp>
+      <p:sp>
+        <p:nvSpPr>
+          <p:cNvPr id="18" name="TextBox 17">
+            <a:extLst>
+              <a:ext uri="{FF2B5EF4-FFF2-40B4-BE49-F238E27FC236}">
+                <a16:creationId xmlns:a16="http://schemas.microsoft.com/office/drawing/2014/main" id="{2B74F647-DB20-32E0-1ED9-9B3FEC5638B0}"/>
+              </a:ext>
+            </a:extLst>
+          </p:cNvPr>
+          <p:cNvSpPr txBox="1"/>
+          <p:nvPr/>
+        </p:nvSpPr>
+        <p:spPr>
+          <a:xfrm>
+            <a:off x="8909694" y="1520375"/>
+            <a:ext cx="730347" cy="249299"/>
+          </a:xfrm>
+          <a:prstGeom prst="rect">
+            <a:avLst/>
+          </a:prstGeom>
+          <a:noFill/>
+        </p:spPr>
+        <p:txBody>
+          <a:bodyPr wrap="square" lIns="0" tIns="0" rIns="0" bIns="0" rtlCol="0">
+            <a:spAutoFit/>
+          </a:bodyPr>
+          <a:lstStyle/>
+          <a:p>
+            <a:pPr algn="ctr">
+              <a:lnSpc>
+                <a:spcPct val="90000"/>
+              </a:lnSpc>
+              <a:spcAft>
+                <a:spcPts val="600"/>
+              </a:spcAft>
+            </a:pPr>
+            <a:r>
+              <a:rPr lang="en-US" sz="900" dirty="0">
+                <a:latin typeface="Segoe UI" panose="020B0502040204020203" pitchFamily="34" charset="0"/>
+                <a:cs typeface="Segoe UI" panose="020B0502040204020203" pitchFamily="34" charset="0"/>
+              </a:rPr>
+              <a:t>Virtual network link</a:t>
+            </a:r>
+          </a:p>
+        </p:txBody>
+      </p:sp>
+      <p:sp>
+        <p:nvSpPr>
+          <p:cNvPr id="3" name="TextBox 2">
+            <a:extLst>
+              <a:ext uri="{FF2B5EF4-FFF2-40B4-BE49-F238E27FC236}">
+                <a16:creationId xmlns:a16="http://schemas.microsoft.com/office/drawing/2014/main" id="{0A2A2D8C-626B-0AE3-8D74-D2C39C73D553}"/>
+              </a:ext>
+            </a:extLst>
+          </p:cNvPr>
+          <p:cNvSpPr txBox="1"/>
+          <p:nvPr/>
+        </p:nvSpPr>
+        <p:spPr>
+          <a:xfrm>
+            <a:off x="1727870" y="5087178"/>
+            <a:ext cx="3513766" cy="1069524"/>
+          </a:xfrm>
+          <a:prstGeom prst="rect">
+            <a:avLst/>
+          </a:prstGeom>
+          <a:noFill/>
+        </p:spPr>
+        <p:txBody>
+          <a:bodyPr wrap="square" lIns="0" tIns="0" rIns="0" bIns="0" rtlCol="0">
+            <a:spAutoFit/>
+          </a:bodyPr>
+          <a:lstStyle>
+            <a:defPPr>
+              <a:defRPr lang="en-US"/>
+            </a:defPPr>
+            <a:lvl1pPr algn="ctr">
+              <a:lnSpc>
+                <a:spcPct val="90000"/>
+              </a:lnSpc>
+              <a:spcAft>
+                <a:spcPts val="600"/>
+              </a:spcAft>
+              <a:defRPr sz="900">
+                <a:solidFill>
+                  <a:srgbClr val="0070C0"/>
+                </a:solidFill>
+              </a:defRPr>
+            </a:lvl1pPr>
+          </a:lstStyle>
+          <a:p>
+            <a:pPr algn="l"/>
+            <a:r>
+              <a:rPr lang="en-US" sz="1100" dirty="0">
+                <a:solidFill>
+                  <a:schemeClr val="tx1"/>
+                </a:solidFill>
+                <a:latin typeface="Segoe UI" panose="020B0502040204020203" pitchFamily="34" charset="0"/>
+                <a:cs typeface="Segoe UI" panose="020B0502040204020203" pitchFamily="34" charset="0"/>
+              </a:rPr>
+              <a:t>App1.onprem.company.com  - 192.168.0.8</a:t>
+            </a:r>
+          </a:p>
+          <a:p>
+            <a:pPr algn="l"/>
+            <a:r>
+              <a:rPr lang="en-US" sz="1100" dirty="0">
+                <a:solidFill>
+                  <a:schemeClr val="tx1"/>
+                </a:solidFill>
+                <a:latin typeface="Segoe UI" panose="020B0502040204020203" pitchFamily="34" charset="0"/>
+                <a:cs typeface="Segoe UI" panose="020B0502040204020203" pitchFamily="34" charset="0"/>
+              </a:rPr>
+              <a:t>App2.onprem.company.com  - 192.168.0.9</a:t>
+            </a:r>
+          </a:p>
+          <a:p>
+            <a:pPr algn="l"/>
+            <a:r>
+              <a:rPr lang="en-US" sz="1100" dirty="0">
+                <a:solidFill>
+                  <a:schemeClr val="tx1"/>
+                </a:solidFill>
+                <a:latin typeface="Segoe UI" panose="020B0502040204020203" pitchFamily="34" charset="0"/>
+                <a:cs typeface="Segoe UI" panose="020B0502040204020203" pitchFamily="34" charset="0"/>
+              </a:rPr>
+              <a:t>privatelink.blob.core.windows.net – 10.0.0.8 (forwarder)</a:t>
+            </a:r>
+          </a:p>
+          <a:p>
+            <a:pPr algn="l"/>
+            <a:r>
+              <a:rPr lang="en-US" sz="1100" dirty="0">
+                <a:solidFill>
+                  <a:schemeClr val="tx1"/>
+                </a:solidFill>
+                <a:latin typeface="Segoe UI" panose="020B0502040204020203" pitchFamily="34" charset="0"/>
+                <a:cs typeface="Segoe UI" panose="020B0502040204020203" pitchFamily="34" charset="0"/>
+              </a:rPr>
+              <a:t>privatelink.azure-api.net – 10.0.0.8 (forwarder)</a:t>
+            </a:r>
+          </a:p>
+          <a:p>
+            <a:pPr algn="l"/>
+            <a:endParaRPr lang="en-US" sz="1100" dirty="0">
+              <a:solidFill>
+                <a:schemeClr val="tx1"/>
+              </a:solidFill>
+              <a:latin typeface="Segoe UI" panose="020B0502040204020203" pitchFamily="34" charset="0"/>
+              <a:cs typeface="Segoe UI" panose="020B0502040204020203" pitchFamily="34" charset="0"/>
+            </a:endParaRPr>
+          </a:p>
+        </p:txBody>
+      </p:sp>
+      <p:sp>
+        <p:nvSpPr>
+          <p:cNvPr id="5" name="TextBox 4">
+            <a:extLst>
+              <a:ext uri="{FF2B5EF4-FFF2-40B4-BE49-F238E27FC236}">
+                <a16:creationId xmlns:a16="http://schemas.microsoft.com/office/drawing/2014/main" id="{D22DAF40-F84B-6373-6911-DB21606935B6}"/>
+              </a:ext>
+            </a:extLst>
+          </p:cNvPr>
+          <p:cNvSpPr txBox="1"/>
+          <p:nvPr/>
+        </p:nvSpPr>
+        <p:spPr>
+          <a:xfrm>
+            <a:off x="2088675" y="2803868"/>
+            <a:ext cx="1058342" cy="261610"/>
+          </a:xfrm>
+          <a:prstGeom prst="rect">
+            <a:avLst/>
+          </a:prstGeom>
+          <a:noFill/>
+        </p:spPr>
+        <p:txBody>
+          <a:bodyPr wrap="square" rtlCol="0">
+            <a:spAutoFit/>
+          </a:bodyPr>
+          <a:lstStyle/>
+          <a:p>
+            <a:r>
+              <a:rPr lang="en-US" sz="1100" b="1" dirty="0">
+                <a:latin typeface="Segoe UI" panose="020B0502040204020203" pitchFamily="34" charset="0"/>
+                <a:cs typeface="Segoe UI" panose="020B0502040204020203" pitchFamily="34" charset="0"/>
+              </a:rPr>
+              <a:t>On-premises</a:t>
+            </a:r>
+          </a:p>
+        </p:txBody>
+      </p:sp>
+      <p:grpSp>
+        <p:nvGrpSpPr>
+          <p:cNvPr id="93" name="Group 92">
+            <a:extLst>
+              <a:ext uri="{FF2B5EF4-FFF2-40B4-BE49-F238E27FC236}">
+                <a16:creationId xmlns:a16="http://schemas.microsoft.com/office/drawing/2014/main" id="{EF52108F-B699-CC05-CFD9-136ACAFD3E93}"/>
+              </a:ext>
+            </a:extLst>
+          </p:cNvPr>
+          <p:cNvGrpSpPr/>
+          <p:nvPr/>
+        </p:nvGrpSpPr>
+        <p:grpSpPr>
+          <a:xfrm>
+            <a:off x="8198127" y="2737362"/>
+            <a:ext cx="285790" cy="214343"/>
+            <a:chOff x="2849996" y="792540"/>
+            <a:chExt cx="285790" cy="214343"/>
+          </a:xfrm>
+        </p:grpSpPr>
+        <p:sp>
+          <p:nvSpPr>
+            <p:cNvPr id="96" name="Rectangle 95">
+              <a:extLst>
+                <a:ext uri="{FF2B5EF4-FFF2-40B4-BE49-F238E27FC236}">
+                  <a16:creationId xmlns:a16="http://schemas.microsoft.com/office/drawing/2014/main" id="{7F23D935-6ABE-40DC-4747-F4461F334112}"/>
+                </a:ext>
+              </a:extLst>
+            </p:cNvPr>
+            <p:cNvSpPr/>
+            <p:nvPr/>
+          </p:nvSpPr>
+          <p:spPr>
+            <a:xfrm>
+              <a:off x="2858196" y="839005"/>
+              <a:ext cx="269390" cy="121414"/>
+            </a:xfrm>
+            <a:prstGeom prst="rect">
+              <a:avLst/>
+            </a:prstGeom>
+            <a:solidFill>
+              <a:schemeClr val="bg1"/>
+            </a:solidFill>
+            <a:ln w="9525">
+              <a:noFill/>
+            </a:ln>
+          </p:spPr>
+          <p:style>
+            <a:lnRef idx="2">
+              <a:schemeClr val="accent1">
+                <a:shade val="50000"/>
+              </a:schemeClr>
+            </a:lnRef>
+            <a:fillRef idx="1">
+              <a:schemeClr val="accent1"/>
+            </a:fillRef>
+            <a:effectRef idx="0">
+              <a:schemeClr val="accent1"/>
+            </a:effectRef>
+            <a:fontRef idx="minor">
+              <a:schemeClr val="lt1"/>
+            </a:fontRef>
+          </p:style>
+          <p:txBody>
+            <a:bodyPr rtlCol="0" anchor="ctr"/>
+            <a:lstStyle/>
+            <a:p>
+              <a:pPr algn="ctr"/>
+              <a:endParaRPr lang="en-US"/>
+            </a:p>
+          </p:txBody>
+        </p:sp>
+        <p:pic>
+          <p:nvPicPr>
+            <p:cNvPr id="99" name="Picture 98">
+              <a:extLst>
+                <a:ext uri="{FF2B5EF4-FFF2-40B4-BE49-F238E27FC236}">
+                  <a16:creationId xmlns:a16="http://schemas.microsoft.com/office/drawing/2014/main" id="{84A417C1-7563-7AD9-FDE8-CC822F52B42B}"/>
+                </a:ext>
+              </a:extLst>
+            </p:cNvPr>
+            <p:cNvPicPr>
+              <a:picLocks noChangeAspect="1"/>
+            </p:cNvPicPr>
+            <p:nvPr/>
+          </p:nvPicPr>
+          <p:blipFill>
+            <a:blip r:embed="rId13">
+              <a:clrChange>
+                <a:clrFrom>
+                  <a:srgbClr val="FFFFFF"/>
+                </a:clrFrom>
+                <a:clrTo>
+                  <a:srgbClr val="FFFFFF">
+                    <a:alpha val="0"/>
+                  </a:srgbClr>
+                </a:clrTo>
+              </a:clrChange>
+            </a:blip>
+            <a:stretch>
+              <a:fillRect/>
+            </a:stretch>
+          </p:blipFill>
+          <p:spPr>
+            <a:xfrm>
+              <a:off x="2849996" y="792540"/>
+              <a:ext cx="285790" cy="214343"/>
+            </a:xfrm>
+            <a:prstGeom prst="rect">
+              <a:avLst/>
+            </a:prstGeom>
+            <a:ln>
+              <a:noFill/>
+            </a:ln>
+          </p:spPr>
+        </p:pic>
+      </p:grpSp>
+      <p:grpSp>
+        <p:nvGrpSpPr>
+          <p:cNvPr id="102" name="Group 101">
+            <a:extLst>
+              <a:ext uri="{FF2B5EF4-FFF2-40B4-BE49-F238E27FC236}">
+                <a16:creationId xmlns:a16="http://schemas.microsoft.com/office/drawing/2014/main" id="{E96A6D50-767D-C6C0-1D56-ECC70A44BB1A}"/>
+              </a:ext>
+            </a:extLst>
+          </p:cNvPr>
+          <p:cNvGrpSpPr/>
+          <p:nvPr/>
+        </p:nvGrpSpPr>
+        <p:grpSpPr>
+          <a:xfrm>
+            <a:off x="10812052" y="2934673"/>
+            <a:ext cx="285790" cy="214343"/>
+            <a:chOff x="2849996" y="792540"/>
+            <a:chExt cx="285790" cy="214343"/>
+          </a:xfrm>
+        </p:grpSpPr>
+        <p:sp>
+          <p:nvSpPr>
+            <p:cNvPr id="103" name="Rectangle 102">
+              <a:extLst>
+                <a:ext uri="{FF2B5EF4-FFF2-40B4-BE49-F238E27FC236}">
+                  <a16:creationId xmlns:a16="http://schemas.microsoft.com/office/drawing/2014/main" id="{B50F369B-D832-B0E8-1957-52C91BC924B2}"/>
+                </a:ext>
+              </a:extLst>
+            </p:cNvPr>
+            <p:cNvSpPr/>
+            <p:nvPr/>
+          </p:nvSpPr>
+          <p:spPr>
+            <a:xfrm>
+              <a:off x="2858196" y="839005"/>
+              <a:ext cx="269390" cy="121414"/>
+            </a:xfrm>
+            <a:prstGeom prst="rect">
+              <a:avLst/>
+            </a:prstGeom>
+            <a:solidFill>
+              <a:schemeClr val="bg1"/>
+            </a:solidFill>
+            <a:ln w="9525">
+              <a:noFill/>
+            </a:ln>
+          </p:spPr>
+          <p:style>
+            <a:lnRef idx="2">
+              <a:schemeClr val="accent1">
+                <a:shade val="50000"/>
+              </a:schemeClr>
+            </a:lnRef>
+            <a:fillRef idx="1">
+              <a:schemeClr val="accent1"/>
+            </a:fillRef>
+            <a:effectRef idx="0">
+              <a:schemeClr val="accent1"/>
+            </a:effectRef>
+            <a:fontRef idx="minor">
+              <a:schemeClr val="lt1"/>
+            </a:fontRef>
+          </p:style>
+          <p:txBody>
+            <a:bodyPr rtlCol="0" anchor="ctr"/>
+            <a:lstStyle/>
+            <a:p>
+              <a:pPr algn="ctr"/>
+              <a:endParaRPr lang="en-US"/>
+            </a:p>
+          </p:txBody>
+        </p:sp>
+        <p:pic>
+          <p:nvPicPr>
+            <p:cNvPr id="105" name="Picture 104">
+              <a:extLst>
+                <a:ext uri="{FF2B5EF4-FFF2-40B4-BE49-F238E27FC236}">
+                  <a16:creationId xmlns:a16="http://schemas.microsoft.com/office/drawing/2014/main" id="{5237F669-FCE7-9351-F9CF-8ED1FF08AD70}"/>
+                </a:ext>
+              </a:extLst>
+            </p:cNvPr>
+            <p:cNvPicPr>
+              <a:picLocks noChangeAspect="1"/>
+            </p:cNvPicPr>
+            <p:nvPr/>
+          </p:nvPicPr>
+          <p:blipFill>
+            <a:blip r:embed="rId13">
+              <a:clrChange>
+                <a:clrFrom>
+                  <a:srgbClr val="FFFFFF"/>
+                </a:clrFrom>
+                <a:clrTo>
+                  <a:srgbClr val="FFFFFF">
+                    <a:alpha val="0"/>
+                  </a:srgbClr>
+                </a:clrTo>
+              </a:clrChange>
+            </a:blip>
+            <a:stretch>
+              <a:fillRect/>
+            </a:stretch>
+          </p:blipFill>
+          <p:spPr>
+            <a:xfrm>
+              <a:off x="2849996" y="792540"/>
+              <a:ext cx="285790" cy="214343"/>
+            </a:xfrm>
+            <a:prstGeom prst="rect">
+              <a:avLst/>
+            </a:prstGeom>
+            <a:ln>
+              <a:noFill/>
+            </a:ln>
+          </p:spPr>
+        </p:pic>
+      </p:grpSp>
+      <p:grpSp>
+        <p:nvGrpSpPr>
+          <p:cNvPr id="106" name="Group 105">
+            <a:extLst>
+              <a:ext uri="{FF2B5EF4-FFF2-40B4-BE49-F238E27FC236}">
+                <a16:creationId xmlns:a16="http://schemas.microsoft.com/office/drawing/2014/main" id="{13B04EEF-CF9E-559C-5C03-C71EA69666AA}"/>
+              </a:ext>
+            </a:extLst>
+          </p:cNvPr>
+          <p:cNvGrpSpPr/>
+          <p:nvPr/>
+        </p:nvGrpSpPr>
+        <p:grpSpPr>
+          <a:xfrm>
+            <a:off x="10366640" y="3819422"/>
+            <a:ext cx="285790" cy="214343"/>
+            <a:chOff x="2849996" y="792540"/>
+            <a:chExt cx="285790" cy="214343"/>
+          </a:xfrm>
+        </p:grpSpPr>
+        <p:sp>
+          <p:nvSpPr>
+            <p:cNvPr id="107" name="Rectangle 106">
+              <a:extLst>
+                <a:ext uri="{FF2B5EF4-FFF2-40B4-BE49-F238E27FC236}">
+                  <a16:creationId xmlns:a16="http://schemas.microsoft.com/office/drawing/2014/main" id="{89D30E3C-48F3-055A-9431-CC01E3238449}"/>
+                </a:ext>
+              </a:extLst>
+            </p:cNvPr>
+            <p:cNvSpPr/>
+            <p:nvPr/>
+          </p:nvSpPr>
+          <p:spPr>
+            <a:xfrm>
+              <a:off x="2858196" y="839005"/>
+              <a:ext cx="269390" cy="121414"/>
+            </a:xfrm>
+            <a:prstGeom prst="rect">
+              <a:avLst/>
+            </a:prstGeom>
+            <a:solidFill>
+              <a:schemeClr val="bg1"/>
+            </a:solidFill>
+            <a:ln w="9525">
+              <a:noFill/>
+            </a:ln>
+          </p:spPr>
+          <p:style>
+            <a:lnRef idx="2">
+              <a:schemeClr val="accent1">
+                <a:shade val="50000"/>
+              </a:schemeClr>
+            </a:lnRef>
+            <a:fillRef idx="1">
+              <a:schemeClr val="accent1"/>
+            </a:fillRef>
+            <a:effectRef idx="0">
+              <a:schemeClr val="accent1"/>
+            </a:effectRef>
+            <a:fontRef idx="minor">
+              <a:schemeClr val="lt1"/>
+            </a:fontRef>
+          </p:style>
+          <p:txBody>
+            <a:bodyPr rtlCol="0" anchor="ctr"/>
+            <a:lstStyle/>
+            <a:p>
+              <a:pPr algn="ctr"/>
+              <a:endParaRPr lang="en-US"/>
+            </a:p>
+          </p:txBody>
+        </p:sp>
+        <p:pic>
+          <p:nvPicPr>
+            <p:cNvPr id="108" name="Picture 107">
+              <a:extLst>
+                <a:ext uri="{FF2B5EF4-FFF2-40B4-BE49-F238E27FC236}">
+                  <a16:creationId xmlns:a16="http://schemas.microsoft.com/office/drawing/2014/main" id="{D002EF47-D410-AC6E-8D68-2FB12D3C5C3B}"/>
+                </a:ext>
+              </a:extLst>
+            </p:cNvPr>
+            <p:cNvPicPr>
+              <a:picLocks noChangeAspect="1"/>
+            </p:cNvPicPr>
+            <p:nvPr/>
+          </p:nvPicPr>
+          <p:blipFill>
+            <a:blip r:embed="rId13">
+              <a:clrChange>
+                <a:clrFrom>
+                  <a:srgbClr val="FFFFFF"/>
+                </a:clrFrom>
+                <a:clrTo>
+                  <a:srgbClr val="FFFFFF">
+                    <a:alpha val="0"/>
+                  </a:srgbClr>
+                </a:clrTo>
+              </a:clrChange>
+            </a:blip>
+            <a:stretch>
+              <a:fillRect/>
+            </a:stretch>
+          </p:blipFill>
+          <p:spPr>
+            <a:xfrm>
+              <a:off x="2849996" y="792540"/>
+              <a:ext cx="285790" cy="214343"/>
+            </a:xfrm>
+            <a:prstGeom prst="rect">
+              <a:avLst/>
+            </a:prstGeom>
+            <a:ln>
+              <a:noFill/>
+            </a:ln>
+          </p:spPr>
+        </p:pic>
+      </p:grpSp>
+      <p:sp>
+        <p:nvSpPr>
+          <p:cNvPr id="8" name="Oval 7">
+            <a:extLst>
+              <a:ext uri="{FF2B5EF4-FFF2-40B4-BE49-F238E27FC236}">
+                <a16:creationId xmlns:a16="http://schemas.microsoft.com/office/drawing/2014/main" id="{3EDD32E3-D13E-B98A-4146-2EA731C7473F}"/>
+              </a:ext>
+            </a:extLst>
+          </p:cNvPr>
+          <p:cNvSpPr/>
+          <p:nvPr/>
+        </p:nvSpPr>
+        <p:spPr>
+          <a:xfrm>
+            <a:off x="2502141" y="3558885"/>
+            <a:ext cx="292608" cy="292608"/>
+          </a:xfrm>
+          <a:prstGeom prst="ellipse">
+            <a:avLst/>
+          </a:prstGeom>
+          <a:solidFill>
+            <a:srgbClr val="107C10"/>
+          </a:solidFill>
+          <a:ln>
+            <a:noFill/>
+          </a:ln>
+        </p:spPr>
+        <p:style>
+          <a:lnRef idx="2">
+            <a:schemeClr val="accent1">
+              <a:shade val="50000"/>
+            </a:schemeClr>
+          </a:lnRef>
+          <a:fillRef idx="1">
+            <a:schemeClr val="accent1"/>
+          </a:fillRef>
+          <a:effectRef idx="0">
+            <a:schemeClr val="accent1"/>
+          </a:effectRef>
+          <a:fontRef idx="minor">
+            <a:schemeClr val="lt1"/>
+          </a:fontRef>
+        </p:style>
+        <p:txBody>
+          <a:bodyPr rtlCol="0" anchor="ctr"/>
+          <a:lstStyle/>
+          <a:p>
+            <a:pPr algn="ctr"/>
+            <a:r>
+              <a:rPr lang="en-US" sz="1100" dirty="0">
+                <a:latin typeface="Segoe UI" panose="020B0502040204020203" pitchFamily="34" charset="0"/>
+                <a:cs typeface="Segoe UI" panose="020B0502040204020203" pitchFamily="34" charset="0"/>
+              </a:rPr>
+              <a:t>1</a:t>
+            </a:r>
+          </a:p>
+        </p:txBody>
+      </p:sp>
+      <p:sp>
+        <p:nvSpPr>
+          <p:cNvPr id="11" name="Oval 10">
+            <a:extLst>
+              <a:ext uri="{FF2B5EF4-FFF2-40B4-BE49-F238E27FC236}">
+                <a16:creationId xmlns:a16="http://schemas.microsoft.com/office/drawing/2014/main" id="{1D164A69-678B-484C-2D9E-B8E1DA784F61}"/>
+              </a:ext>
+            </a:extLst>
+          </p:cNvPr>
+          <p:cNvSpPr/>
+          <p:nvPr/>
+        </p:nvSpPr>
+        <p:spPr>
+          <a:xfrm>
+            <a:off x="7648491" y="2813446"/>
+            <a:ext cx="292608" cy="292608"/>
+          </a:xfrm>
+          <a:prstGeom prst="ellipse">
+            <a:avLst/>
+          </a:prstGeom>
+          <a:solidFill>
+            <a:srgbClr val="107C10"/>
+          </a:solidFill>
+          <a:ln>
+            <a:noFill/>
+          </a:ln>
+        </p:spPr>
+        <p:style>
+          <a:lnRef idx="2">
+            <a:schemeClr val="accent1">
+              <a:shade val="50000"/>
+            </a:schemeClr>
+          </a:lnRef>
+          <a:fillRef idx="1">
+            <a:schemeClr val="accent1"/>
+          </a:fillRef>
+          <a:effectRef idx="0">
+            <a:schemeClr val="accent1"/>
+          </a:effectRef>
+          <a:fontRef idx="minor">
+            <a:schemeClr val="lt1"/>
+          </a:fontRef>
+        </p:style>
+        <p:txBody>
+          <a:bodyPr rtlCol="0" anchor="ctr"/>
+          <a:lstStyle/>
+          <a:p>
+            <a:pPr algn="ctr"/>
+            <a:r>
+              <a:rPr lang="en-US" sz="1100" dirty="0">
+                <a:latin typeface="Segoe UI" panose="020B0502040204020203" pitchFamily="34" charset="0"/>
+                <a:cs typeface="Segoe UI" panose="020B0502040204020203" pitchFamily="34" charset="0"/>
+              </a:rPr>
+              <a:t>3</a:t>
+            </a:r>
+          </a:p>
+        </p:txBody>
+      </p:sp>
+      <p:sp>
+        <p:nvSpPr>
+          <p:cNvPr id="13" name="Oval 12">
+            <a:extLst>
+              <a:ext uri="{FF2B5EF4-FFF2-40B4-BE49-F238E27FC236}">
+                <a16:creationId xmlns:a16="http://schemas.microsoft.com/office/drawing/2014/main" id="{2B052750-D012-4D70-11A7-61CBE3BA977A}"/>
+              </a:ext>
+            </a:extLst>
+          </p:cNvPr>
+          <p:cNvSpPr/>
+          <p:nvPr/>
+        </p:nvSpPr>
+        <p:spPr>
+          <a:xfrm>
+            <a:off x="7649301" y="1673336"/>
+            <a:ext cx="320040" cy="320040"/>
+          </a:xfrm>
+          <a:prstGeom prst="ellipse">
+            <a:avLst/>
+          </a:prstGeom>
+          <a:solidFill>
+            <a:srgbClr val="107C10"/>
+          </a:solidFill>
+          <a:ln>
+            <a:noFill/>
+          </a:ln>
+        </p:spPr>
+        <p:style>
+          <a:lnRef idx="2">
+            <a:schemeClr val="accent1">
+              <a:shade val="50000"/>
+            </a:schemeClr>
+          </a:lnRef>
+          <a:fillRef idx="1">
+            <a:schemeClr val="accent1"/>
+          </a:fillRef>
+          <a:effectRef idx="0">
+            <a:schemeClr val="accent1"/>
+          </a:effectRef>
+          <a:fontRef idx="minor">
+            <a:schemeClr val="lt1"/>
+          </a:fontRef>
+        </p:style>
+        <p:txBody>
+          <a:bodyPr rtlCol="0" anchor="ctr"/>
+          <a:lstStyle/>
+          <a:p>
+            <a:pPr algn="ctr"/>
+            <a:r>
+              <a:rPr lang="en-US" sz="1100" dirty="0">
+                <a:latin typeface="Segoe UI" panose="020B0502040204020203" pitchFamily="34" charset="0"/>
+                <a:cs typeface="Segoe UI" panose="020B0502040204020203" pitchFamily="34" charset="0"/>
+              </a:rPr>
+              <a:t>4</a:t>
+            </a:r>
+          </a:p>
+        </p:txBody>
+      </p:sp>
+      <p:sp>
+        <p:nvSpPr>
+          <p:cNvPr id="17" name="Oval 16">
+            <a:extLst>
+              <a:ext uri="{FF2B5EF4-FFF2-40B4-BE49-F238E27FC236}">
+                <a16:creationId xmlns:a16="http://schemas.microsoft.com/office/drawing/2014/main" id="{BA74F809-E0AF-9CF0-88DD-E9050083219D}"/>
+              </a:ext>
+            </a:extLst>
+          </p:cNvPr>
+          <p:cNvSpPr/>
+          <p:nvPr/>
+        </p:nvSpPr>
+        <p:spPr>
+          <a:xfrm>
+            <a:off x="9236551" y="2677640"/>
+            <a:ext cx="292608" cy="292608"/>
+          </a:xfrm>
+          <a:prstGeom prst="ellipse">
+            <a:avLst/>
+          </a:prstGeom>
+          <a:solidFill>
+            <a:srgbClr val="107C10"/>
+          </a:solidFill>
+          <a:ln>
+            <a:noFill/>
+          </a:ln>
+        </p:spPr>
+        <p:style>
+          <a:lnRef idx="2">
+            <a:schemeClr val="accent1">
+              <a:shade val="50000"/>
+            </a:schemeClr>
+          </a:lnRef>
+          <a:fillRef idx="1">
+            <a:schemeClr val="accent1"/>
+          </a:fillRef>
+          <a:effectRef idx="0">
+            <a:schemeClr val="accent1"/>
+          </a:effectRef>
+          <a:fontRef idx="minor">
+            <a:schemeClr val="lt1"/>
+          </a:fontRef>
+        </p:style>
+        <p:txBody>
+          <a:bodyPr rtlCol="0" anchor="ctr"/>
+          <a:lstStyle/>
+          <a:p>
+            <a:pPr algn="ctr"/>
+            <a:r>
+              <a:rPr lang="en-US" sz="1100" dirty="0">
+                <a:latin typeface="Segoe UI" panose="020B0502040204020203" pitchFamily="34" charset="0"/>
+                <a:cs typeface="Segoe UI" panose="020B0502040204020203" pitchFamily="34" charset="0"/>
+              </a:rPr>
+              <a:t>A</a:t>
+            </a:r>
+          </a:p>
+        </p:txBody>
+      </p:sp>
+      <p:sp>
+        <p:nvSpPr>
+          <p:cNvPr id="19" name="Oval 18">
+            <a:extLst>
+              <a:ext uri="{FF2B5EF4-FFF2-40B4-BE49-F238E27FC236}">
+                <a16:creationId xmlns:a16="http://schemas.microsoft.com/office/drawing/2014/main" id="{81834A38-95DA-B947-3215-5FD1AE3F0F74}"/>
+              </a:ext>
+            </a:extLst>
+          </p:cNvPr>
+          <p:cNvSpPr/>
+          <p:nvPr/>
+        </p:nvSpPr>
+        <p:spPr>
+          <a:xfrm>
+            <a:off x="8184974" y="1611438"/>
+            <a:ext cx="292608" cy="292608"/>
+          </a:xfrm>
+          <a:prstGeom prst="ellipse">
+            <a:avLst/>
+          </a:prstGeom>
+          <a:solidFill>
+            <a:srgbClr val="107C10"/>
+          </a:solidFill>
+          <a:ln>
+            <a:noFill/>
+          </a:ln>
+        </p:spPr>
+        <p:style>
+          <a:lnRef idx="2">
+            <a:schemeClr val="accent1">
+              <a:shade val="50000"/>
+            </a:schemeClr>
+          </a:lnRef>
+          <a:fillRef idx="1">
+            <a:schemeClr val="accent1"/>
+          </a:fillRef>
+          <a:effectRef idx="0">
+            <a:schemeClr val="accent1"/>
+          </a:effectRef>
+          <a:fontRef idx="minor">
+            <a:schemeClr val="lt1"/>
+          </a:fontRef>
+        </p:style>
+        <p:txBody>
+          <a:bodyPr rtlCol="0" anchor="ctr"/>
+          <a:lstStyle/>
+          <a:p>
+            <a:pPr algn="ctr"/>
+            <a:r>
+              <a:rPr lang="en-US" sz="1100" dirty="0">
+                <a:latin typeface="Segoe UI" panose="020B0502040204020203" pitchFamily="34" charset="0"/>
+                <a:cs typeface="Segoe UI" panose="020B0502040204020203" pitchFamily="34" charset="0"/>
+              </a:rPr>
+              <a:t>B</a:t>
+            </a:r>
+          </a:p>
+        </p:txBody>
+      </p:sp>
+      <p:sp>
+        <p:nvSpPr>
+          <p:cNvPr id="21" name="Oval 20">
+            <a:extLst>
+              <a:ext uri="{FF2B5EF4-FFF2-40B4-BE49-F238E27FC236}">
+                <a16:creationId xmlns:a16="http://schemas.microsoft.com/office/drawing/2014/main" id="{D391983F-C9BA-2286-8553-05CC4F093B8E}"/>
+              </a:ext>
+            </a:extLst>
+          </p:cNvPr>
+          <p:cNvSpPr/>
+          <p:nvPr/>
+        </p:nvSpPr>
+        <p:spPr>
+          <a:xfrm>
+            <a:off x="9128563" y="3433613"/>
+            <a:ext cx="292608" cy="292608"/>
+          </a:xfrm>
+          <a:prstGeom prst="ellipse">
+            <a:avLst/>
+          </a:prstGeom>
+          <a:solidFill>
+            <a:srgbClr val="107C10"/>
+          </a:solidFill>
+          <a:ln>
+            <a:noFill/>
+          </a:ln>
+        </p:spPr>
+        <p:style>
+          <a:lnRef idx="2">
+            <a:schemeClr val="accent1">
+              <a:shade val="50000"/>
+            </a:schemeClr>
+          </a:lnRef>
+          <a:fillRef idx="1">
+            <a:schemeClr val="accent1"/>
+          </a:fillRef>
+          <a:effectRef idx="0">
+            <a:schemeClr val="accent1"/>
+          </a:effectRef>
+          <a:fontRef idx="minor">
+            <a:schemeClr val="lt1"/>
+          </a:fontRef>
+        </p:style>
+        <p:txBody>
+          <a:bodyPr rtlCol="0" anchor="ctr"/>
+          <a:lstStyle/>
+          <a:p>
+            <a:pPr algn="ctr"/>
+            <a:r>
+              <a:rPr lang="en-US" sz="1100" dirty="0">
+                <a:latin typeface="Segoe UI" panose="020B0502040204020203" pitchFamily="34" charset="0"/>
+                <a:cs typeface="Segoe UI" panose="020B0502040204020203" pitchFamily="34" charset="0"/>
+              </a:rPr>
+              <a:t>A</a:t>
+            </a:r>
+          </a:p>
+        </p:txBody>
+      </p:sp>
+      <p:sp>
+        <p:nvSpPr>
+          <p:cNvPr id="301" name="Up-Down Arrow 79">
+            <a:extLst>
+              <a:ext uri="{FF2B5EF4-FFF2-40B4-BE49-F238E27FC236}">
+                <a16:creationId xmlns:a16="http://schemas.microsoft.com/office/drawing/2014/main" id="{22A1F14B-3B12-43E6-9737-59D6E95EBB75}"/>
+              </a:ext>
+            </a:extLst>
+          </p:cNvPr>
+          <p:cNvSpPr/>
+          <p:nvPr/>
+        </p:nvSpPr>
+        <p:spPr bwMode="auto">
+          <a:xfrm rot="5400000">
+            <a:off x="4662089" y="2604264"/>
+            <a:ext cx="428518" cy="2439304"/>
+          </a:xfrm>
+          <a:prstGeom prst="upDownArrow">
+            <a:avLst>
+              <a:gd name="adj1" fmla="val 66185"/>
+              <a:gd name="adj2" fmla="val 40938"/>
+            </a:avLst>
+          </a:prstGeom>
+          <a:ln w="6350">
+            <a:solidFill>
+              <a:schemeClr val="tx1"/>
+            </a:solidFill>
+            <a:headEnd type="none" w="med" len="med"/>
+            <a:tailEnd type="none" w="med" len="med"/>
+          </a:ln>
+        </p:spPr>
+        <p:style>
+          <a:lnRef idx="2">
+            <a:schemeClr val="accent5"/>
+          </a:lnRef>
+          <a:fillRef idx="1">
+            <a:schemeClr val="lt1"/>
+          </a:fillRef>
+          <a:effectRef idx="0">
+            <a:schemeClr val="accent5"/>
+          </a:effectRef>
+          <a:fontRef idx="minor">
+            <a:schemeClr val="dk1"/>
+          </a:fontRef>
+        </p:style>
+        <p:txBody>
+          <a:bodyPr vert="vert270" wrap="square" lIns="0" tIns="46637" rIns="0" bIns="46637" numCol="1" rtlCol="0" anchor="ctr" anchorCtr="0" compatLnSpc="1">
+            <a:prstTxWarp prst="textNoShape">
+              <a:avLst/>
+            </a:prstTxWarp>
+          </a:bodyPr>
+          <a:lstStyle/>
+          <a:p>
+            <a:pPr algn="ctr" defTabSz="932398" fontAlgn="base">
+              <a:spcBef>
+                <a:spcPct val="0"/>
+              </a:spcBef>
+              <a:spcAft>
+                <a:spcPct val="0"/>
+              </a:spcAft>
+              <a:defRPr/>
+            </a:pPr>
+            <a:r>
+              <a:rPr lang="en-US" sz="1100" b="1" dirty="0">
+                <a:solidFill>
+                  <a:schemeClr val="tx1"/>
+                </a:solidFill>
+                <a:latin typeface="Segoe UI" panose="020B0502040204020203" pitchFamily="34" charset="0"/>
+                <a:ea typeface="Segoe UI" panose="020B0502040204020203" pitchFamily="34" charset="0"/>
+                <a:cs typeface="Segoe UI" panose="020B0502040204020203" pitchFamily="34" charset="0"/>
+              </a:rPr>
+              <a:t>Azure ExpressRoute</a:t>
+            </a:r>
+            <a:endParaRPr kumimoji="0" lang="en-US" sz="1100" b="0" i="0" u="none" strike="noStrike" kern="0" cap="none" spc="0" normalizeH="0" baseline="0" noProof="0" dirty="0">
+              <a:ln>
+                <a:noFill/>
+              </a:ln>
+              <a:solidFill>
+                <a:schemeClr val="tx1"/>
+              </a:solidFill>
+              <a:effectLst/>
+              <a:uLnTx/>
+              <a:uFillTx/>
+              <a:latin typeface="Segoe UI" panose="020B0502040204020203" pitchFamily="34" charset="0"/>
+              <a:cs typeface="Segoe UI" panose="020B0502040204020203" pitchFamily="34" charset="0"/>
+            </a:endParaRPr>
+          </a:p>
+        </p:txBody>
+      </p:sp>
+      <p:pic>
+        <p:nvPicPr>
+          <p:cNvPr id="209" name="Picture 208">
+            <a:extLst>
+              <a:ext uri="{FF2B5EF4-FFF2-40B4-BE49-F238E27FC236}">
+                <a16:creationId xmlns:a16="http://schemas.microsoft.com/office/drawing/2014/main" id="{6647C0D7-6427-4F50-A200-801E95427FE4}"/>
+              </a:ext>
+            </a:extLst>
+          </p:cNvPr>
+          <p:cNvPicPr>
+            <a:picLocks noChangeAspect="1"/>
+          </p:cNvPicPr>
+          <p:nvPr/>
+        </p:nvPicPr>
+        <p:blipFill>
+          <a:blip r:embed="rId14"/>
+          <a:stretch>
+            <a:fillRect/>
+          </a:stretch>
+        </p:blipFill>
+        <p:spPr>
+          <a:xfrm>
+            <a:off x="4410816" y="3211297"/>
+            <a:ext cx="979104" cy="535243"/>
+          </a:xfrm>
+          <a:prstGeom prst="rect">
+            <a:avLst/>
+          </a:prstGeom>
+        </p:spPr>
+      </p:pic>
+      <p:cxnSp>
+        <p:nvCxnSpPr>
+          <p:cNvPr id="10" name="Connector: Curved 9">
+            <a:extLst>
+              <a:ext uri="{FF2B5EF4-FFF2-40B4-BE49-F238E27FC236}">
+                <a16:creationId xmlns:a16="http://schemas.microsoft.com/office/drawing/2014/main" id="{E3E965F4-B8E9-5BAC-63CC-3B945C536D6B}"/>
+              </a:ext>
+            </a:extLst>
+          </p:cNvPr>
+          <p:cNvCxnSpPr>
+            <a:cxnSpLocks/>
+          </p:cNvCxnSpPr>
+          <p:nvPr/>
+        </p:nvCxnSpPr>
+        <p:spPr>
+          <a:xfrm rot="10800000" flipV="1">
+            <a:off x="3220043" y="3827424"/>
+            <a:ext cx="4009833" cy="565530"/>
+          </a:xfrm>
+          <a:prstGeom prst="curvedConnector3">
+            <a:avLst>
+              <a:gd name="adj1" fmla="val 30406"/>
+            </a:avLst>
+          </a:prstGeom>
+          <a:ln w="19050">
+            <a:solidFill>
+              <a:srgbClr val="7030A0"/>
+            </a:solidFill>
+            <a:prstDash val="dash"/>
+            <a:headEnd type="triangle" w="lg" len="lg"/>
+            <a:tailEnd type="none" w="lg" len="lg"/>
+          </a:ln>
+        </p:spPr>
+        <p:style>
+          <a:lnRef idx="1">
+            <a:schemeClr val="accent5"/>
+          </a:lnRef>
+          <a:fillRef idx="0">
+            <a:schemeClr val="accent5"/>
+          </a:fillRef>
+          <a:effectRef idx="0">
+            <a:schemeClr val="accent5"/>
+          </a:effectRef>
+          <a:fontRef idx="minor">
+            <a:schemeClr val="tx1"/>
+          </a:fontRef>
+        </p:style>
+      </p:cxnSp>
+      <p:sp>
+        <p:nvSpPr>
+          <p:cNvPr id="9" name="Oval 8">
+            <a:extLst>
+              <a:ext uri="{FF2B5EF4-FFF2-40B4-BE49-F238E27FC236}">
+                <a16:creationId xmlns:a16="http://schemas.microsoft.com/office/drawing/2014/main" id="{47A0DCAC-A474-56AC-E2A8-21F8AF97B730}"/>
+              </a:ext>
+            </a:extLst>
+          </p:cNvPr>
+          <p:cNvSpPr/>
+          <p:nvPr/>
+        </p:nvSpPr>
+        <p:spPr>
+          <a:xfrm>
+            <a:off x="4281571" y="4222394"/>
+            <a:ext cx="292608" cy="292608"/>
+          </a:xfrm>
+          <a:prstGeom prst="ellipse">
+            <a:avLst/>
+          </a:prstGeom>
+          <a:solidFill>
+            <a:srgbClr val="107C10"/>
+          </a:solidFill>
+          <a:ln>
+            <a:noFill/>
+          </a:ln>
+        </p:spPr>
+        <p:style>
+          <a:lnRef idx="2">
+            <a:schemeClr val="accent1">
+              <a:shade val="50000"/>
+            </a:schemeClr>
+          </a:lnRef>
+          <a:fillRef idx="1">
+            <a:schemeClr val="accent1"/>
+          </a:fillRef>
+          <a:effectRef idx="0">
+            <a:schemeClr val="accent1"/>
+          </a:effectRef>
+          <a:fontRef idx="minor">
+            <a:schemeClr val="lt1"/>
+          </a:fontRef>
+        </p:style>
+        <p:txBody>
+          <a:bodyPr rtlCol="0" anchor="ctr"/>
+          <a:lstStyle/>
+          <a:p>
+            <a:pPr algn="ctr"/>
+            <a:r>
+              <a:rPr lang="en-US" sz="1100" dirty="0">
+                <a:latin typeface="Segoe UI" panose="020B0502040204020203" pitchFamily="34" charset="0"/>
+                <a:cs typeface="Segoe UI" panose="020B0502040204020203" pitchFamily="34" charset="0"/>
+              </a:rPr>
+              <a:t>2</a:t>
+            </a:r>
+          </a:p>
+        </p:txBody>
+      </p:sp>
+      <p:sp>
+        <p:nvSpPr>
+          <p:cNvPr id="12" name="TextBox 11">
+            <a:extLst>
+              <a:ext uri="{FF2B5EF4-FFF2-40B4-BE49-F238E27FC236}">
+                <a16:creationId xmlns:a16="http://schemas.microsoft.com/office/drawing/2014/main" id="{44C2E7D7-95C4-434E-8516-ACB3122B340F}"/>
+              </a:ext>
+            </a:extLst>
+          </p:cNvPr>
+          <p:cNvSpPr txBox="1"/>
+          <p:nvPr/>
+        </p:nvSpPr>
+        <p:spPr>
+          <a:xfrm>
+            <a:off x="5749126" y="4117167"/>
+            <a:ext cx="830153" cy="553998"/>
+          </a:xfrm>
+          <a:prstGeom prst="rect">
+            <a:avLst/>
+          </a:prstGeom>
+          <a:solidFill>
+            <a:schemeClr val="bg1"/>
+          </a:solidFill>
+          <a:ln>
+            <a:noFill/>
+          </a:ln>
+        </p:spPr>
+        <p:txBody>
+          <a:bodyPr wrap="square" lIns="0" tIns="0" rIns="0" bIns="0" rtlCol="0">
+            <a:spAutoFit/>
+          </a:bodyPr>
+          <a:lstStyle/>
+          <a:p>
+            <a:pPr algn="ctr">
+              <a:lnSpc>
+                <a:spcPct val="90000"/>
+              </a:lnSpc>
+              <a:spcAft>
+                <a:spcPts val="600"/>
+              </a:spcAft>
+            </a:pPr>
+            <a:r>
+              <a:rPr lang="en-US" sz="1000" dirty="0">
+                <a:latin typeface="Segoe UI" panose="020B0502040204020203" pitchFamily="34" charset="0"/>
+                <a:cs typeface="Segoe UI" panose="020B0502040204020203" pitchFamily="34" charset="0"/>
+              </a:rPr>
+              <a:t>Site-to-site or Azure ExpressRoute gateway</a:t>
+            </a:r>
+          </a:p>
+        </p:txBody>
+      </p:sp>
+      <p:pic>
+        <p:nvPicPr>
+          <p:cNvPr id="4" name="Graphic 3">
+            <a:extLst>
+              <a:ext uri="{FF2B5EF4-FFF2-40B4-BE49-F238E27FC236}">
+                <a16:creationId xmlns:a16="http://schemas.microsoft.com/office/drawing/2014/main" id="{96B389D6-3F2E-B050-AD7A-57353429D368}"/>
+              </a:ext>
+            </a:extLst>
+          </p:cNvPr>
+          <p:cNvPicPr>
+            <a:picLocks noChangeAspect="1"/>
+          </p:cNvPicPr>
+          <p:nvPr/>
+        </p:nvPicPr>
+        <p:blipFill>
+          <a:blip r:embed="rId15">
+            <a:extLst>
+              <a:ext uri="{28A0092B-C50C-407E-A947-70E740481C1C}">
+                <a14:useLocalDpi xmlns:a14="http://schemas.microsoft.com/office/drawing/2010/main" val="0"/>
+              </a:ext>
+              <a:ext uri="{96DAC541-7B7A-43D3-8B79-37D633B846F1}">
+                <asvg:svgBlip xmlns:asvg="http://schemas.microsoft.com/office/drawing/2016/SVG/main" r:embed="rId16"/>
+              </a:ext>
+            </a:extLst>
+          </a:blip>
+          <a:stretch>
+            <a:fillRect/>
+          </a:stretch>
+        </p:blipFill>
+        <p:spPr>
+          <a:xfrm>
+            <a:off x="5836651" y="3360839"/>
+            <a:ext cx="720226" cy="813317"/>
+          </a:xfrm>
+          <a:prstGeom prst="rect">
+            <a:avLst/>
+          </a:prstGeom>
+        </p:spPr>
+      </p:pic>
+      <p:sp>
+        <p:nvSpPr>
+          <p:cNvPr id="22" name="TextBox 21">
+            <a:extLst>
+              <a:ext uri="{FF2B5EF4-FFF2-40B4-BE49-F238E27FC236}">
+                <a16:creationId xmlns:a16="http://schemas.microsoft.com/office/drawing/2014/main" id="{E0FCA09A-9233-8C2F-892A-D472D5FEA299}"/>
+              </a:ext>
+            </a:extLst>
+          </p:cNvPr>
+          <p:cNvSpPr txBox="1"/>
+          <p:nvPr/>
+        </p:nvSpPr>
+        <p:spPr>
+          <a:xfrm>
+            <a:off x="11159707" y="844138"/>
+            <a:ext cx="537134" cy="313125"/>
+          </a:xfrm>
+          <a:prstGeom prst="rect">
+            <a:avLst/>
+          </a:prstGeom>
+          <a:solidFill>
+            <a:schemeClr val="bg1"/>
+          </a:solidFill>
+        </p:spPr>
+        <p:txBody>
+          <a:bodyPr wrap="square" lIns="0" rIns="0" rtlCol="0">
+            <a:spAutoFit/>
+          </a:bodyPr>
+          <a:lstStyle/>
+          <a:p>
+            <a:r>
+              <a:rPr lang="en-US" sz="1400" b="1" dirty="0">
+                <a:latin typeface="Segoe UI Semibold" panose="020B0702040204020203" pitchFamily="34" charset="0"/>
+                <a:cs typeface="Segoe UI Semibold" panose="020B0702040204020203" pitchFamily="34" charset="0"/>
+              </a:rPr>
+              <a:t>Azure</a:t>
+            </a:r>
+          </a:p>
+        </p:txBody>
+      </p:sp>
+      <p:pic>
+        <p:nvPicPr>
+          <p:cNvPr id="29" name="Picture 28">
+            <a:extLst>
+              <a:ext uri="{FF2B5EF4-FFF2-40B4-BE49-F238E27FC236}">
+                <a16:creationId xmlns:a16="http://schemas.microsoft.com/office/drawing/2014/main" id="{BD5898E5-B77B-F02C-25AB-1B0CD9C461EE}"/>
+              </a:ext>
+            </a:extLst>
+          </p:cNvPr>
+          <p:cNvPicPr>
+            <a:picLocks noChangeAspect="1"/>
+          </p:cNvPicPr>
+          <p:nvPr/>
+        </p:nvPicPr>
+        <p:blipFill>
+          <a:blip r:embed="rId17"/>
+          <a:stretch>
+            <a:fillRect/>
+          </a:stretch>
+        </p:blipFill>
+        <p:spPr>
+          <a:xfrm>
+            <a:off x="1284346" y="6240780"/>
+            <a:ext cx="1333500" cy="617220"/>
+          </a:xfrm>
+          <a:prstGeom prst="rect">
+            <a:avLst/>
+          </a:prstGeom>
+        </p:spPr>
+      </p:pic>
+      <p:sp>
+        <p:nvSpPr>
+          <p:cNvPr id="23" name="TextBox 22">
+            <a:extLst>
+              <a:ext uri="{FF2B5EF4-FFF2-40B4-BE49-F238E27FC236}">
+                <a16:creationId xmlns:a16="http://schemas.microsoft.com/office/drawing/2014/main" id="{89DA6D6C-52F7-C3BF-2E22-B0DAF9746D8D}"/>
+              </a:ext>
+            </a:extLst>
+          </p:cNvPr>
+          <p:cNvSpPr txBox="1"/>
+          <p:nvPr/>
+        </p:nvSpPr>
+        <p:spPr>
+          <a:xfrm>
+            <a:off x="8948171" y="4927979"/>
+            <a:ext cx="1323384" cy="430887"/>
+          </a:xfrm>
+          <a:prstGeom prst="rect">
+            <a:avLst/>
+          </a:prstGeom>
+          <a:noFill/>
+        </p:spPr>
+        <p:txBody>
+          <a:bodyPr wrap="square">
+            <a:spAutoFit/>
+          </a:bodyPr>
+          <a:lstStyle/>
+          <a:p>
+            <a:r>
+              <a:rPr lang="en-US" sz="1100" b="1" dirty="0">
+                <a:latin typeface="Segoe UI" panose="020B0502040204020203" pitchFamily="34" charset="0"/>
+                <a:cs typeface="Segoe UI" panose="020B0502040204020203" pitchFamily="34" charset="0"/>
+              </a:rPr>
+              <a:t>Azure DNS Private Resolver</a:t>
+            </a:r>
+          </a:p>
+        </p:txBody>
+      </p:sp>
+      <p:sp>
+        <p:nvSpPr>
+          <p:cNvPr id="27" name="Title 1">
+            <a:extLst>
+              <a:ext uri="{FF2B5EF4-FFF2-40B4-BE49-F238E27FC236}">
+                <a16:creationId xmlns:a16="http://schemas.microsoft.com/office/drawing/2014/main" id="{0031A70F-C93F-8948-6FAD-1FF164BB316F}"/>
+              </a:ext>
+            </a:extLst>
+          </p:cNvPr>
+          <p:cNvSpPr>
+            <a:spLocks noGrp="1"/>
+          </p:cNvSpPr>
+          <p:nvPr>
+            <p:ph type="title"/>
+          </p:nvPr>
+        </p:nvSpPr>
+        <p:spPr>
+          <a:xfrm>
+            <a:off x="204838" y="61967"/>
+            <a:ext cx="11360800" cy="763600"/>
+          </a:xfrm>
+        </p:spPr>
+        <p:txBody>
+          <a:bodyPr/>
+          <a:lstStyle/>
+          <a:p>
+            <a:r>
+              <a:rPr lang="nb-NO" dirty="0"/>
+              <a:t>Azure Private DNS Resolver</a:t>
+            </a:r>
+            <a:endParaRPr lang="en-US" dirty="0"/>
+          </a:p>
+        </p:txBody>
+      </p:sp>
+      <p:sp>
+        <p:nvSpPr>
+          <p:cNvPr id="30" name="TextBox 29">
+            <a:extLst>
+              <a:ext uri="{FF2B5EF4-FFF2-40B4-BE49-F238E27FC236}">
+                <a16:creationId xmlns:a16="http://schemas.microsoft.com/office/drawing/2014/main" id="{28B094C2-A0DE-C7AC-BD03-3DA581A43E60}"/>
+              </a:ext>
+            </a:extLst>
+          </p:cNvPr>
+          <p:cNvSpPr txBox="1"/>
+          <p:nvPr/>
+        </p:nvSpPr>
+        <p:spPr>
+          <a:xfrm>
+            <a:off x="3233870" y="6377667"/>
+            <a:ext cx="8518207" cy="369332"/>
+          </a:xfrm>
+          <a:prstGeom prst="rect">
+            <a:avLst/>
+          </a:prstGeom>
+          <a:noFill/>
+        </p:spPr>
+        <p:txBody>
+          <a:bodyPr wrap="square">
+            <a:spAutoFit/>
+          </a:bodyPr>
+          <a:lstStyle/>
+          <a:p>
+            <a:pPr algn="ctr"/>
+            <a:r>
+              <a:rPr lang="en-US" dirty="0">
+                <a:hlinkClick r:id="rId18"/>
+              </a:rPr>
+              <a:t>https://learn.microsoft.com/en-us/azure/dns/dns-private-resolver-overview</a:t>
+            </a:r>
+            <a:r>
+              <a:rPr lang="en-US" dirty="0"/>
+              <a:t> </a:t>
+            </a:r>
+          </a:p>
+        </p:txBody>
+      </p:sp>
+      <p:pic>
+        <p:nvPicPr>
+          <p:cNvPr id="31" name="Graphic 30">
+            <a:extLst>
+              <a:ext uri="{FF2B5EF4-FFF2-40B4-BE49-F238E27FC236}">
+                <a16:creationId xmlns:a16="http://schemas.microsoft.com/office/drawing/2014/main" id="{99AB9EE6-8D87-A28C-2641-1EB49D2E58F6}"/>
+              </a:ext>
+            </a:extLst>
+          </p:cNvPr>
+          <p:cNvPicPr>
+            <a:picLocks noChangeAspect="1"/>
+          </p:cNvPicPr>
+          <p:nvPr/>
+        </p:nvPicPr>
+        <p:blipFill>
+          <a:blip r:embed="rId19">
+            <a:extLst>
+              <a:ext uri="{28A0092B-C50C-407E-A947-70E740481C1C}">
+                <a14:useLocalDpi xmlns:a14="http://schemas.microsoft.com/office/drawing/2010/main" val="0"/>
+              </a:ext>
+              <a:ext uri="{96DAC541-7B7A-43D3-8B79-37D633B846F1}">
+                <asvg:svgBlip xmlns:asvg="http://schemas.microsoft.com/office/drawing/2016/SVG/main" r:embed="rId20"/>
+              </a:ext>
+            </a:extLst>
+          </a:blip>
+          <a:stretch>
+            <a:fillRect/>
+          </a:stretch>
+        </p:blipFill>
+        <p:spPr>
+          <a:xfrm>
+            <a:off x="10238620" y="120477"/>
             <a:ext cx="1718444" cy="574556"/>
           </a:xfrm>
           <a:prstGeom prst="rect">
@@ -13759,7 +17817,7 @@
     </p:spTree>
     <p:extLst>
       <p:ext uri="{BB962C8B-B14F-4D97-AF65-F5344CB8AC3E}">
-        <p14:creationId xmlns:p14="http://schemas.microsoft.com/office/powerpoint/2010/main" val="196664992"/>
+        <p14:creationId xmlns:p14="http://schemas.microsoft.com/office/powerpoint/2010/main" val="1989338096"/>
       </p:ext>
     </p:extLst>
   </p:cSld>

--- a/slides/private-links.pptx
+++ b/slides/private-links.pptx
@@ -5,7 +5,7 @@
     <p:sldMasterId id="2147483660" r:id="rId1"/>
   </p:sldMasterIdLst>
   <p:notesMasterIdLst>
-    <p:notesMasterId r:id="rId33"/>
+    <p:notesMasterId r:id="rId34"/>
   </p:notesMasterIdLst>
   <p:sldIdLst>
     <p:sldId id="2076136299" r:id="rId2"/>
@@ -19,26 +19,27 @@
     <p:sldId id="2076136329" r:id="rId10"/>
     <p:sldId id="2076136327" r:id="rId11"/>
     <p:sldId id="2076136328" r:id="rId12"/>
-    <p:sldId id="2076136330" r:id="rId13"/>
-    <p:sldId id="2076136331" r:id="rId14"/>
-    <p:sldId id="2076136333" r:id="rId15"/>
-    <p:sldId id="2076136332" r:id="rId16"/>
-    <p:sldId id="2076136346" r:id="rId17"/>
-    <p:sldId id="2076136334" r:id="rId18"/>
-    <p:sldId id="2076136335" r:id="rId19"/>
-    <p:sldId id="2076136339" r:id="rId20"/>
-    <p:sldId id="2076136337" r:id="rId21"/>
-    <p:sldId id="2076136341" r:id="rId22"/>
-    <p:sldId id="2076136343" r:id="rId23"/>
-    <p:sldId id="2076136342" r:id="rId24"/>
-    <p:sldId id="2076136345" r:id="rId25"/>
-    <p:sldId id="2076137282" r:id="rId26"/>
-    <p:sldId id="2076136348" r:id="rId27"/>
-    <p:sldId id="2076136349" r:id="rId28"/>
-    <p:sldId id="2076136350" r:id="rId29"/>
-    <p:sldId id="2076136351" r:id="rId30"/>
-    <p:sldId id="2076136347" r:id="rId31"/>
-    <p:sldId id="2076136302" r:id="rId32"/>
+    <p:sldId id="2076137283" r:id="rId13"/>
+    <p:sldId id="2076136330" r:id="rId14"/>
+    <p:sldId id="2076136331" r:id="rId15"/>
+    <p:sldId id="2076136333" r:id="rId16"/>
+    <p:sldId id="2076136332" r:id="rId17"/>
+    <p:sldId id="2076136346" r:id="rId18"/>
+    <p:sldId id="2076136334" r:id="rId19"/>
+    <p:sldId id="2076136335" r:id="rId20"/>
+    <p:sldId id="2076136339" r:id="rId21"/>
+    <p:sldId id="2076136337" r:id="rId22"/>
+    <p:sldId id="2076136341" r:id="rId23"/>
+    <p:sldId id="2076136343" r:id="rId24"/>
+    <p:sldId id="2076136342" r:id="rId25"/>
+    <p:sldId id="2076136345" r:id="rId26"/>
+    <p:sldId id="2076137282" r:id="rId27"/>
+    <p:sldId id="2076136348" r:id="rId28"/>
+    <p:sldId id="2076136349" r:id="rId29"/>
+    <p:sldId id="2076136350" r:id="rId30"/>
+    <p:sldId id="2076136351" r:id="rId31"/>
+    <p:sldId id="2076136347" r:id="rId32"/>
+    <p:sldId id="2076136302" r:id="rId33"/>
   </p:sldIdLst>
   <p:sldSz cx="12192000" cy="6858000"/>
   <p:notesSz cx="6858000" cy="9144000"/>
@@ -683,260 +684,6 @@
           <a:bodyPr/>
           <a:lstStyle/>
           <a:p>
-            <a:pPr algn="l"/>
-            <a:r>
-              <a:rPr lang="en-US" b="0" i="0" dirty="0">
-                <a:solidFill>
-                  <a:srgbClr val="161616"/>
-                </a:solidFill>
-                <a:effectLst/>
-                <a:latin typeface="Segoe UI" panose="020B0502040204020203" pitchFamily="34" charset="0"/>
-              </a:rPr>
-              <a:t>Azure Private Link enables you to access Azure PaaS Services (for example, Azure KeyVault and SQL Database) and Azure hosted customer-owned/partner services over a </a:t>
-            </a:r>
-            <a:r>
-              <a:rPr lang="en-US" b="0" i="0" u="none" strike="noStrike" dirty="0">
-                <a:solidFill>
-                  <a:srgbClr val="161616"/>
-                </a:solidFill>
-                <a:effectLst/>
-                <a:latin typeface="Segoe UI" panose="020B0502040204020203" pitchFamily="34" charset="0"/>
-                <a:hlinkClick r:id="rId3"/>
-              </a:rPr>
-              <a:t>private endpoint</a:t>
-            </a:r>
-            <a:r>
-              <a:rPr lang="en-US" b="0" i="0" dirty="0">
-                <a:solidFill>
-                  <a:srgbClr val="161616"/>
-                </a:solidFill>
-                <a:effectLst/>
-                <a:latin typeface="Segoe UI" panose="020B0502040204020203" pitchFamily="34" charset="0"/>
-              </a:rPr>
-              <a:t> in your virtual network.</a:t>
-            </a:r>
-          </a:p>
-          <a:p>
-            <a:pPr algn="l"/>
-            <a:endParaRPr lang="en-US" b="0" i="0" dirty="0">
-              <a:solidFill>
-                <a:srgbClr val="161616"/>
-              </a:solidFill>
-              <a:effectLst/>
-              <a:latin typeface="Segoe UI" panose="020B0502040204020203" pitchFamily="34" charset="0"/>
-            </a:endParaRPr>
-          </a:p>
-          <a:p>
-            <a:pPr algn="l"/>
-            <a:r>
-              <a:rPr lang="en-US" b="0" i="0" dirty="0">
-                <a:solidFill>
-                  <a:srgbClr val="161616"/>
-                </a:solidFill>
-                <a:effectLst/>
-                <a:latin typeface="Segoe UI" panose="020B0502040204020203" pitchFamily="34" charset="0"/>
-              </a:rPr>
-              <a:t>Traffic between your virtual network and the service travels the Microsoft backbone network. </a:t>
-            </a:r>
-          </a:p>
-          <a:p>
-            <a:pPr algn="l"/>
-            <a:endParaRPr lang="en-US" b="0" i="0" dirty="0">
-              <a:solidFill>
-                <a:srgbClr val="161616"/>
-              </a:solidFill>
-              <a:effectLst/>
-              <a:latin typeface="Segoe UI" panose="020B0502040204020203" pitchFamily="34" charset="0"/>
-            </a:endParaRPr>
-          </a:p>
-          <a:p>
-            <a:pPr algn="l">
-              <a:buFont typeface="Arial" panose="020B0604020202020204" pitchFamily="34" charset="0"/>
-              <a:buNone/>
-            </a:pPr>
-            <a:r>
-              <a:rPr lang="en-US" b="1" i="0" dirty="0">
-                <a:solidFill>
-                  <a:srgbClr val="161616"/>
-                </a:solidFill>
-                <a:effectLst/>
-                <a:latin typeface="Segoe UI" panose="020B0502040204020203" pitchFamily="34" charset="0"/>
-              </a:rPr>
-              <a:t>Privately access services on the Azure platform</a:t>
-            </a:r>
-          </a:p>
-          <a:p>
-            <a:pPr algn="l">
-              <a:buFont typeface="Arial" panose="020B0604020202020204" pitchFamily="34" charset="0"/>
-              <a:buNone/>
-            </a:pPr>
-            <a:r>
-              <a:rPr lang="en-US" b="0" i="0" dirty="0">
-                <a:solidFill>
-                  <a:srgbClr val="161616"/>
-                </a:solidFill>
-                <a:effectLst/>
-                <a:latin typeface="Segoe UI" panose="020B0502040204020203" pitchFamily="34" charset="0"/>
-              </a:rPr>
-              <a:t>Connect your virtual network using private endpoints to all services that can be used as application components in Azure. Service providers can render their services in their own virtual network and consumers can access those services in their local virtual network. The Private Link platform will handle the connectivity between the consumer and services over the Azure backbone network.</a:t>
-            </a:r>
-          </a:p>
-          <a:p>
-            <a:pPr algn="l">
-              <a:buFont typeface="Arial" panose="020B0604020202020204" pitchFamily="34" charset="0"/>
-              <a:buNone/>
-            </a:pPr>
-            <a:endParaRPr lang="en-US" b="1" i="0" dirty="0">
-              <a:solidFill>
-                <a:srgbClr val="161616"/>
-              </a:solidFill>
-              <a:effectLst/>
-              <a:latin typeface="Segoe UI" panose="020B0502040204020203" pitchFamily="34" charset="0"/>
-            </a:endParaRPr>
-          </a:p>
-          <a:p>
-            <a:pPr algn="l">
-              <a:buFont typeface="Arial" panose="020B0604020202020204" pitchFamily="34" charset="0"/>
-              <a:buNone/>
-            </a:pPr>
-            <a:r>
-              <a:rPr lang="en-US" b="1" i="0" dirty="0">
-                <a:solidFill>
-                  <a:srgbClr val="161616"/>
-                </a:solidFill>
-                <a:effectLst/>
-                <a:latin typeface="Segoe UI" panose="020B0502040204020203" pitchFamily="34" charset="0"/>
-              </a:rPr>
-              <a:t>On-premises and peered networks</a:t>
-            </a:r>
-          </a:p>
-          <a:p>
-            <a:pPr algn="l">
-              <a:buFont typeface="Arial" panose="020B0604020202020204" pitchFamily="34" charset="0"/>
-              <a:buNone/>
-            </a:pPr>
-            <a:r>
-              <a:rPr lang="en-US" b="0" i="0" dirty="0">
-                <a:solidFill>
-                  <a:srgbClr val="161616"/>
-                </a:solidFill>
-                <a:effectLst/>
-                <a:latin typeface="Segoe UI" panose="020B0502040204020203" pitchFamily="34" charset="0"/>
-              </a:rPr>
-              <a:t>Access services running in Azure from on-premises over ExpressRoute private peering, VPN tunnels, and peered virtual networks using private endpoints. There's no need to configure ExpressRoute Microsoft peering or traverse the internet to reach the service. Private Link provides a secure way to migrate workloads to Azure.</a:t>
-            </a:r>
-          </a:p>
-          <a:p>
-            <a:pPr algn="l">
-              <a:buFont typeface="Arial" panose="020B0604020202020204" pitchFamily="34" charset="0"/>
-              <a:buNone/>
-            </a:pPr>
-            <a:endParaRPr lang="en-US" b="1" i="0" dirty="0">
-              <a:solidFill>
-                <a:srgbClr val="161616"/>
-              </a:solidFill>
-              <a:effectLst/>
-              <a:latin typeface="Segoe UI" panose="020B0502040204020203" pitchFamily="34" charset="0"/>
-            </a:endParaRPr>
-          </a:p>
-          <a:p>
-            <a:pPr algn="l">
-              <a:buFont typeface="Arial" panose="020B0604020202020204" pitchFamily="34" charset="0"/>
-              <a:buNone/>
-            </a:pPr>
-            <a:r>
-              <a:rPr lang="en-US" b="1" i="0" dirty="0">
-                <a:solidFill>
-                  <a:srgbClr val="161616"/>
-                </a:solidFill>
-                <a:effectLst/>
-                <a:latin typeface="Segoe UI" panose="020B0502040204020203" pitchFamily="34" charset="0"/>
-              </a:rPr>
-              <a:t>Protection against data leakage</a:t>
-            </a:r>
-          </a:p>
-          <a:p>
-            <a:pPr algn="l">
-              <a:buFont typeface="Arial" panose="020B0604020202020204" pitchFamily="34" charset="0"/>
-              <a:buNone/>
-            </a:pPr>
-            <a:r>
-              <a:rPr lang="en-US" b="0" i="0" dirty="0">
-                <a:solidFill>
-                  <a:srgbClr val="161616"/>
-                </a:solidFill>
-                <a:effectLst/>
-                <a:latin typeface="Segoe UI" panose="020B0502040204020203" pitchFamily="34" charset="0"/>
-              </a:rPr>
-              <a:t>A private endpoint is mapped to an instance of a PaaS resource instead of the entire service. Consumers can only connect to the specific resource. Access to any other resource in the service is blocked. This mechanism provides protection against data leakage risks.</a:t>
-            </a:r>
-          </a:p>
-          <a:p>
-            <a:pPr algn="l">
-              <a:buFont typeface="Arial" panose="020B0604020202020204" pitchFamily="34" charset="0"/>
-              <a:buNone/>
-            </a:pPr>
-            <a:endParaRPr lang="en-US" b="1" i="0" dirty="0">
-              <a:solidFill>
-                <a:srgbClr val="161616"/>
-              </a:solidFill>
-              <a:effectLst/>
-              <a:latin typeface="Segoe UI" panose="020B0502040204020203" pitchFamily="34" charset="0"/>
-            </a:endParaRPr>
-          </a:p>
-          <a:p>
-            <a:pPr algn="l">
-              <a:buFont typeface="Arial" panose="020B0604020202020204" pitchFamily="34" charset="0"/>
-              <a:buNone/>
-            </a:pPr>
-            <a:r>
-              <a:rPr lang="en-US" b="1" i="0" dirty="0">
-                <a:solidFill>
-                  <a:srgbClr val="161616"/>
-                </a:solidFill>
-                <a:effectLst/>
-                <a:latin typeface="Segoe UI" panose="020B0502040204020203" pitchFamily="34" charset="0"/>
-              </a:rPr>
-              <a:t>Extend to your own services</a:t>
-            </a:r>
-          </a:p>
-          <a:p>
-            <a:pPr algn="l">
-              <a:buFont typeface="Arial" panose="020B0604020202020204" pitchFamily="34" charset="0"/>
-              <a:buNone/>
-            </a:pPr>
-            <a:r>
-              <a:rPr lang="en-US" b="0" i="0" dirty="0">
-                <a:solidFill>
-                  <a:srgbClr val="161616"/>
-                </a:solidFill>
-                <a:effectLst/>
-                <a:latin typeface="Segoe UI" panose="020B0502040204020203" pitchFamily="34" charset="0"/>
-              </a:rPr>
-              <a:t>Enable the same experience and functionality to render your service privately to consumers in Azure. By placing your service behind a standard Azure Load Balancer, you can enable it for Private Link. The consumer can then connect directly to your service using a private endpoint in their own virtual network. You can manage the connection requests using an approval call flow. Azure Private Link works for consumers and services belonging to different Azure Active Directory tenants.</a:t>
-            </a:r>
-          </a:p>
-          <a:p>
-            <a:pPr algn="l"/>
-            <a:endParaRPr lang="en-US" b="0" i="0" dirty="0">
-              <a:solidFill>
-                <a:srgbClr val="161616"/>
-              </a:solidFill>
-              <a:effectLst/>
-              <a:latin typeface="Segoe UI" panose="020B0502040204020203" pitchFamily="34" charset="0"/>
-            </a:endParaRPr>
-          </a:p>
-          <a:p>
-            <a:pPr algn="l"/>
-            <a:endParaRPr lang="en-US" b="0" i="0" dirty="0">
-              <a:solidFill>
-                <a:srgbClr val="161616"/>
-              </a:solidFill>
-              <a:effectLst/>
-              <a:latin typeface="Segoe UI" panose="020B0502040204020203" pitchFamily="34" charset="0"/>
-            </a:endParaRPr>
-          </a:p>
-          <a:p>
             <a:pPr marL="0" marR="0" lvl="0" indent="0" algn="l" defTabSz="914400" rtl="0" eaLnBrk="1" fontAlgn="auto" latinLnBrk="0" hangingPunct="1">
               <a:lnSpc>
                 <a:spcPct val="100000"/>
@@ -962,16 +709,53 @@
                 <a:effectLst/>
                 <a:latin typeface="Segoe UI" panose="020B0502040204020203" pitchFamily="34" charset="0"/>
               </a:rPr>
-              <a:t>You can use </a:t>
-            </a:r>
-            <a:r>
-              <a:rPr lang="en-US" b="0" i="0" u="none" strike="noStrike" dirty="0">
-                <a:effectLst/>
-                <a:latin typeface="Segoe UI" panose="020B0502040204020203" pitchFamily="34" charset="0"/>
-                <a:hlinkClick r:id="rId3"/>
-              </a:rPr>
-              <a:t>private endpoints</a:t>
-            </a:r>
+              <a:t>Virtual Network (VNet) service endpoint provides secure and direct connectivity to Azure services over an optimized route over the Azure backbone network. Endpoints allow you to secure your critical Azure service resources to only your virtual networks. </a:t>
+            </a:r>
+          </a:p>
+          <a:p>
+            <a:pPr marL="0" marR="0" lvl="0" indent="0" algn="l" defTabSz="914400" rtl="0" eaLnBrk="1" fontAlgn="auto" latinLnBrk="0" hangingPunct="1">
+              <a:lnSpc>
+                <a:spcPct val="100000"/>
+              </a:lnSpc>
+              <a:spcBef>
+                <a:spcPts val="0"/>
+              </a:spcBef>
+              <a:spcAft>
+                <a:spcPts val="0"/>
+              </a:spcAft>
+              <a:buClrTx/>
+              <a:buSzTx/>
+              <a:buFontTx/>
+              <a:buNone/>
+              <a:tabLst/>
+              <a:defRPr/>
+            </a:pPr>
+            <a:endParaRPr lang="en-US" b="0" i="0" dirty="0">
+              <a:solidFill>
+                <a:srgbClr val="161616"/>
+              </a:solidFill>
+              <a:effectLst/>
+              <a:latin typeface="Segoe UI" panose="020B0502040204020203" pitchFamily="34" charset="0"/>
+            </a:endParaRPr>
+          </a:p>
+          <a:p>
+            <a:pPr marL="0" marR="0" lvl="0" indent="0" algn="l" defTabSz="914400" rtl="0" eaLnBrk="1" fontAlgn="auto" latinLnBrk="0" hangingPunct="1">
+              <a:lnSpc>
+                <a:spcPct val="100000"/>
+              </a:lnSpc>
+              <a:spcBef>
+                <a:spcPts val="0"/>
+              </a:spcBef>
+              <a:spcAft>
+                <a:spcPts val="0"/>
+              </a:spcAft>
+              <a:buClrTx/>
+              <a:buSzTx/>
+              <a:buFontTx/>
+              <a:buNone/>
+              <a:tabLst/>
+              <a:defRPr/>
+            </a:pPr>
             <a:r>
               <a:rPr lang="en-US" b="0" i="0" dirty="0">
                 <a:solidFill>
@@ -980,81 +764,9 @@
                 <a:effectLst/>
                 <a:latin typeface="Segoe UI" panose="020B0502040204020203" pitchFamily="34" charset="0"/>
               </a:rPr>
-              <a:t> for your Azure Storage accounts to allow clients on a virtual network (VNet) to securely access data over a </a:t>
-            </a:r>
-            <a:r>
-              <a:rPr lang="en-US" b="0" i="0" u="none" strike="noStrike" dirty="0">
-                <a:effectLst/>
-                <a:latin typeface="Segoe UI" panose="020B0502040204020203" pitchFamily="34" charset="0"/>
-                <a:hlinkClick r:id="rId4"/>
-              </a:rPr>
-              <a:t>Private Link</a:t>
-            </a:r>
-            <a:r>
-              <a:rPr lang="en-US" b="0" i="0" dirty="0">
-                <a:solidFill>
-                  <a:srgbClr val="161616"/>
-                </a:solidFill>
-                <a:effectLst/>
-                <a:latin typeface="Segoe UI" panose="020B0502040204020203" pitchFamily="34" charset="0"/>
-              </a:rPr>
-              <a:t>. The private endpoint uses a separate IP address from the VNet address space for each storage account service. Network traffic between the clients on the VNet and the storage account traverses over the VNet and a private link on the Microsoft backbone network, eliminating exposure from the public internet.</a:t>
+              <a:t>Service Endpoints enables private IP addresses in the VNet to reach the endpoint of an Azure service without needing a public IP address on the VNet.</a:t>
             </a:r>
             <a:endParaRPr lang="nb-NO" dirty="0"/>
-          </a:p>
-          <a:p>
-            <a:pPr algn="l"/>
-            <a:endParaRPr lang="en-US" b="0" i="0" dirty="0">
-              <a:solidFill>
-                <a:srgbClr val="161616"/>
-              </a:solidFill>
-              <a:effectLst/>
-              <a:latin typeface="Segoe UI" panose="020B0502040204020203" pitchFamily="34" charset="0"/>
-            </a:endParaRPr>
-          </a:p>
-          <a:p>
-            <a:pPr algn="l"/>
-            <a:endParaRPr lang="en-US" b="0" i="0" dirty="0">
-              <a:solidFill>
-                <a:srgbClr val="161616"/>
-              </a:solidFill>
-              <a:effectLst/>
-              <a:latin typeface="Segoe UI" panose="020B0502040204020203" pitchFamily="34" charset="0"/>
-            </a:endParaRPr>
-          </a:p>
-          <a:p>
-            <a:pPr algn="l"/>
-            <a:r>
-              <a:rPr lang="en-US" b="0" i="0" dirty="0">
-                <a:solidFill>
-                  <a:srgbClr val="161616"/>
-                </a:solidFill>
-                <a:effectLst/>
-                <a:latin typeface="Segoe UI" panose="020B0502040204020203" pitchFamily="34" charset="0"/>
-              </a:rPr>
-              <a:t>Exposing your service to the public internet is no longer necessary. You can create your own </a:t>
-            </a:r>
-            <a:r>
-              <a:rPr lang="en-US" b="0" i="0" u="none" strike="noStrike" dirty="0">
-                <a:solidFill>
-                  <a:srgbClr val="161616"/>
-                </a:solidFill>
-                <a:effectLst/>
-                <a:latin typeface="Segoe UI" panose="020B0502040204020203" pitchFamily="34" charset="0"/>
-                <a:hlinkClick r:id="rId5"/>
-              </a:rPr>
-              <a:t>private link service</a:t>
-            </a:r>
-            <a:r>
-              <a:rPr lang="en-US" b="0" i="0" dirty="0">
-                <a:solidFill>
-                  <a:srgbClr val="161616"/>
-                </a:solidFill>
-                <a:effectLst/>
-                <a:latin typeface="Segoe UI" panose="020B0502040204020203" pitchFamily="34" charset="0"/>
-              </a:rPr>
-              <a:t> in your virtual network and deliver it to your customers. </a:t>
-            </a:r>
           </a:p>
           <a:p>
             <a:endParaRPr lang="en-US" dirty="0"/>
@@ -1087,7 +799,7 @@
     </p:spTree>
     <p:extLst>
       <p:ext uri="{BB962C8B-B14F-4D97-AF65-F5344CB8AC3E}">
-        <p14:creationId xmlns:p14="http://schemas.microsoft.com/office/powerpoint/2010/main" val="899526221"/>
+        <p14:creationId xmlns:p14="http://schemas.microsoft.com/office/powerpoint/2010/main" val="670868076"/>
       </p:ext>
     </p:extLst>
   </p:cSld>
@@ -1141,6 +853,260 @@
           <a:bodyPr/>
           <a:lstStyle/>
           <a:p>
+            <a:pPr algn="l"/>
+            <a:r>
+              <a:rPr lang="en-US" b="0" i="0" dirty="0">
+                <a:solidFill>
+                  <a:srgbClr val="161616"/>
+                </a:solidFill>
+                <a:effectLst/>
+                <a:latin typeface="Segoe UI" panose="020B0502040204020203" pitchFamily="34" charset="0"/>
+              </a:rPr>
+              <a:t>Azure Private Link enables you to access Azure PaaS Services (for example, Azure KeyVault and SQL Database) and Azure hosted customer-owned/partner services over a </a:t>
+            </a:r>
+            <a:r>
+              <a:rPr lang="en-US" b="0" i="0" u="none" strike="noStrike" dirty="0">
+                <a:solidFill>
+                  <a:srgbClr val="161616"/>
+                </a:solidFill>
+                <a:effectLst/>
+                <a:latin typeface="Segoe UI" panose="020B0502040204020203" pitchFamily="34" charset="0"/>
+                <a:hlinkClick r:id="rId3"/>
+              </a:rPr>
+              <a:t>private endpoint</a:t>
+            </a:r>
+            <a:r>
+              <a:rPr lang="en-US" b="0" i="0" dirty="0">
+                <a:solidFill>
+                  <a:srgbClr val="161616"/>
+                </a:solidFill>
+                <a:effectLst/>
+                <a:latin typeface="Segoe UI" panose="020B0502040204020203" pitchFamily="34" charset="0"/>
+              </a:rPr>
+              <a:t> in your virtual network.</a:t>
+            </a:r>
+          </a:p>
+          <a:p>
+            <a:pPr algn="l"/>
+            <a:endParaRPr lang="en-US" b="0" i="0" dirty="0">
+              <a:solidFill>
+                <a:srgbClr val="161616"/>
+              </a:solidFill>
+              <a:effectLst/>
+              <a:latin typeface="Segoe UI" panose="020B0502040204020203" pitchFamily="34" charset="0"/>
+            </a:endParaRPr>
+          </a:p>
+          <a:p>
+            <a:pPr algn="l"/>
+            <a:r>
+              <a:rPr lang="en-US" b="0" i="0" dirty="0">
+                <a:solidFill>
+                  <a:srgbClr val="161616"/>
+                </a:solidFill>
+                <a:effectLst/>
+                <a:latin typeface="Segoe UI" panose="020B0502040204020203" pitchFamily="34" charset="0"/>
+              </a:rPr>
+              <a:t>Traffic between your virtual network and the service travels the Microsoft backbone network. </a:t>
+            </a:r>
+          </a:p>
+          <a:p>
+            <a:pPr algn="l"/>
+            <a:endParaRPr lang="en-US" b="0" i="0" dirty="0">
+              <a:solidFill>
+                <a:srgbClr val="161616"/>
+              </a:solidFill>
+              <a:effectLst/>
+              <a:latin typeface="Segoe UI" panose="020B0502040204020203" pitchFamily="34" charset="0"/>
+            </a:endParaRPr>
+          </a:p>
+          <a:p>
+            <a:pPr algn="l">
+              <a:buFont typeface="Arial" panose="020B0604020202020204" pitchFamily="34" charset="0"/>
+              <a:buNone/>
+            </a:pPr>
+            <a:r>
+              <a:rPr lang="en-US" b="1" i="0" dirty="0">
+                <a:solidFill>
+                  <a:srgbClr val="161616"/>
+                </a:solidFill>
+                <a:effectLst/>
+                <a:latin typeface="Segoe UI" panose="020B0502040204020203" pitchFamily="34" charset="0"/>
+              </a:rPr>
+              <a:t>Privately access services on the Azure platform</a:t>
+            </a:r>
+          </a:p>
+          <a:p>
+            <a:pPr algn="l">
+              <a:buFont typeface="Arial" panose="020B0604020202020204" pitchFamily="34" charset="0"/>
+              <a:buNone/>
+            </a:pPr>
+            <a:r>
+              <a:rPr lang="en-US" b="0" i="0" dirty="0">
+                <a:solidFill>
+                  <a:srgbClr val="161616"/>
+                </a:solidFill>
+                <a:effectLst/>
+                <a:latin typeface="Segoe UI" panose="020B0502040204020203" pitchFamily="34" charset="0"/>
+              </a:rPr>
+              <a:t>Connect your virtual network using private endpoints to all services that can be used as application components in Azure. Service providers can render their services in their own virtual network and consumers can access those services in their local virtual network. The Private Link platform will handle the connectivity between the consumer and services over the Azure backbone network.</a:t>
+            </a:r>
+          </a:p>
+          <a:p>
+            <a:pPr algn="l">
+              <a:buFont typeface="Arial" panose="020B0604020202020204" pitchFamily="34" charset="0"/>
+              <a:buNone/>
+            </a:pPr>
+            <a:endParaRPr lang="en-US" b="1" i="0" dirty="0">
+              <a:solidFill>
+                <a:srgbClr val="161616"/>
+              </a:solidFill>
+              <a:effectLst/>
+              <a:latin typeface="Segoe UI" panose="020B0502040204020203" pitchFamily="34" charset="0"/>
+            </a:endParaRPr>
+          </a:p>
+          <a:p>
+            <a:pPr algn="l">
+              <a:buFont typeface="Arial" panose="020B0604020202020204" pitchFamily="34" charset="0"/>
+              <a:buNone/>
+            </a:pPr>
+            <a:r>
+              <a:rPr lang="en-US" b="1" i="0" dirty="0">
+                <a:solidFill>
+                  <a:srgbClr val="161616"/>
+                </a:solidFill>
+                <a:effectLst/>
+                <a:latin typeface="Segoe UI" panose="020B0502040204020203" pitchFamily="34" charset="0"/>
+              </a:rPr>
+              <a:t>On-premises and peered networks</a:t>
+            </a:r>
+          </a:p>
+          <a:p>
+            <a:pPr algn="l">
+              <a:buFont typeface="Arial" panose="020B0604020202020204" pitchFamily="34" charset="0"/>
+              <a:buNone/>
+            </a:pPr>
+            <a:r>
+              <a:rPr lang="en-US" b="0" i="0" dirty="0">
+                <a:solidFill>
+                  <a:srgbClr val="161616"/>
+                </a:solidFill>
+                <a:effectLst/>
+                <a:latin typeface="Segoe UI" panose="020B0502040204020203" pitchFamily="34" charset="0"/>
+              </a:rPr>
+              <a:t>Access services running in Azure from on-premises over ExpressRoute private peering, VPN tunnels, and peered virtual networks using private endpoints. There's no need to configure ExpressRoute Microsoft peering or traverse the internet to reach the service. Private Link provides a secure way to migrate workloads to Azure.</a:t>
+            </a:r>
+          </a:p>
+          <a:p>
+            <a:pPr algn="l">
+              <a:buFont typeface="Arial" panose="020B0604020202020204" pitchFamily="34" charset="0"/>
+              <a:buNone/>
+            </a:pPr>
+            <a:endParaRPr lang="en-US" b="1" i="0" dirty="0">
+              <a:solidFill>
+                <a:srgbClr val="161616"/>
+              </a:solidFill>
+              <a:effectLst/>
+              <a:latin typeface="Segoe UI" panose="020B0502040204020203" pitchFamily="34" charset="0"/>
+            </a:endParaRPr>
+          </a:p>
+          <a:p>
+            <a:pPr algn="l">
+              <a:buFont typeface="Arial" panose="020B0604020202020204" pitchFamily="34" charset="0"/>
+              <a:buNone/>
+            </a:pPr>
+            <a:r>
+              <a:rPr lang="en-US" b="1" i="0" dirty="0">
+                <a:solidFill>
+                  <a:srgbClr val="161616"/>
+                </a:solidFill>
+                <a:effectLst/>
+                <a:latin typeface="Segoe UI" panose="020B0502040204020203" pitchFamily="34" charset="0"/>
+              </a:rPr>
+              <a:t>Protection against data leakage</a:t>
+            </a:r>
+          </a:p>
+          <a:p>
+            <a:pPr algn="l">
+              <a:buFont typeface="Arial" panose="020B0604020202020204" pitchFamily="34" charset="0"/>
+              <a:buNone/>
+            </a:pPr>
+            <a:r>
+              <a:rPr lang="en-US" b="0" i="0" dirty="0">
+                <a:solidFill>
+                  <a:srgbClr val="161616"/>
+                </a:solidFill>
+                <a:effectLst/>
+                <a:latin typeface="Segoe UI" panose="020B0502040204020203" pitchFamily="34" charset="0"/>
+              </a:rPr>
+              <a:t>A private endpoint is mapped to an instance of a PaaS resource instead of the entire service. Consumers can only connect to the specific resource. Access to any other resource in the service is blocked. This mechanism provides protection against data leakage risks.</a:t>
+            </a:r>
+          </a:p>
+          <a:p>
+            <a:pPr algn="l">
+              <a:buFont typeface="Arial" panose="020B0604020202020204" pitchFamily="34" charset="0"/>
+              <a:buNone/>
+            </a:pPr>
+            <a:endParaRPr lang="en-US" b="1" i="0" dirty="0">
+              <a:solidFill>
+                <a:srgbClr val="161616"/>
+              </a:solidFill>
+              <a:effectLst/>
+              <a:latin typeface="Segoe UI" panose="020B0502040204020203" pitchFamily="34" charset="0"/>
+            </a:endParaRPr>
+          </a:p>
+          <a:p>
+            <a:pPr algn="l">
+              <a:buFont typeface="Arial" panose="020B0604020202020204" pitchFamily="34" charset="0"/>
+              <a:buNone/>
+            </a:pPr>
+            <a:r>
+              <a:rPr lang="en-US" b="1" i="0" dirty="0">
+                <a:solidFill>
+                  <a:srgbClr val="161616"/>
+                </a:solidFill>
+                <a:effectLst/>
+                <a:latin typeface="Segoe UI" panose="020B0502040204020203" pitchFamily="34" charset="0"/>
+              </a:rPr>
+              <a:t>Extend to your own services</a:t>
+            </a:r>
+          </a:p>
+          <a:p>
+            <a:pPr algn="l">
+              <a:buFont typeface="Arial" panose="020B0604020202020204" pitchFamily="34" charset="0"/>
+              <a:buNone/>
+            </a:pPr>
+            <a:r>
+              <a:rPr lang="en-US" b="0" i="0" dirty="0">
+                <a:solidFill>
+                  <a:srgbClr val="161616"/>
+                </a:solidFill>
+                <a:effectLst/>
+                <a:latin typeface="Segoe UI" panose="020B0502040204020203" pitchFamily="34" charset="0"/>
+              </a:rPr>
+              <a:t>Enable the same experience and functionality to render your service privately to consumers in Azure. By placing your service behind a standard Azure Load Balancer, you can enable it for Private Link. The consumer can then connect directly to your service using a private endpoint in their own virtual network. You can manage the connection requests using an approval call flow. Azure Private Link works for consumers and services belonging to different Azure Active Directory tenants.</a:t>
+            </a:r>
+          </a:p>
+          <a:p>
+            <a:pPr algn="l"/>
+            <a:endParaRPr lang="en-US" b="0" i="0" dirty="0">
+              <a:solidFill>
+                <a:srgbClr val="161616"/>
+              </a:solidFill>
+              <a:effectLst/>
+              <a:latin typeface="Segoe UI" panose="020B0502040204020203" pitchFamily="34" charset="0"/>
+            </a:endParaRPr>
+          </a:p>
+          <a:p>
+            <a:pPr algn="l"/>
+            <a:endParaRPr lang="en-US" b="0" i="0" dirty="0">
+              <a:solidFill>
+                <a:srgbClr val="161616"/>
+              </a:solidFill>
+              <a:effectLst/>
+              <a:latin typeface="Segoe UI" panose="020B0502040204020203" pitchFamily="34" charset="0"/>
+            </a:endParaRPr>
+          </a:p>
+          <a:p>
             <a:pPr marL="0" marR="0" lvl="0" indent="0" algn="l" defTabSz="914400" rtl="0" eaLnBrk="1" fontAlgn="auto" latinLnBrk="0" hangingPunct="1">
               <a:lnSpc>
                 <a:spcPct val="100000"/>
@@ -1158,6 +1124,109 @@
               <a:tabLst/>
               <a:defRPr/>
             </a:pPr>
+            <a:r>
+              <a:rPr lang="en-US" b="0" i="0" dirty="0">
+                <a:solidFill>
+                  <a:srgbClr val="161616"/>
+                </a:solidFill>
+                <a:effectLst/>
+                <a:latin typeface="Segoe UI" panose="020B0502040204020203" pitchFamily="34" charset="0"/>
+              </a:rPr>
+              <a:t>You can use </a:t>
+            </a:r>
+            <a:r>
+              <a:rPr lang="en-US" b="0" i="0" u="none" strike="noStrike" dirty="0">
+                <a:effectLst/>
+                <a:latin typeface="Segoe UI" panose="020B0502040204020203" pitchFamily="34" charset="0"/>
+                <a:hlinkClick r:id="rId3"/>
+              </a:rPr>
+              <a:t>private endpoints</a:t>
+            </a:r>
+            <a:r>
+              <a:rPr lang="en-US" b="0" i="0" dirty="0">
+                <a:solidFill>
+                  <a:srgbClr val="161616"/>
+                </a:solidFill>
+                <a:effectLst/>
+                <a:latin typeface="Segoe UI" panose="020B0502040204020203" pitchFamily="34" charset="0"/>
+              </a:rPr>
+              <a:t> for your Azure Storage accounts to allow clients on a virtual network (VNet) to securely access data over a </a:t>
+            </a:r>
+            <a:r>
+              <a:rPr lang="en-US" b="0" i="0" u="none" strike="noStrike" dirty="0">
+                <a:effectLst/>
+                <a:latin typeface="Segoe UI" panose="020B0502040204020203" pitchFamily="34" charset="0"/>
+                <a:hlinkClick r:id="rId4"/>
+              </a:rPr>
+              <a:t>Private Link</a:t>
+            </a:r>
+            <a:r>
+              <a:rPr lang="en-US" b="0" i="0" dirty="0">
+                <a:solidFill>
+                  <a:srgbClr val="161616"/>
+                </a:solidFill>
+                <a:effectLst/>
+                <a:latin typeface="Segoe UI" panose="020B0502040204020203" pitchFamily="34" charset="0"/>
+              </a:rPr>
+              <a:t>. The private endpoint uses a separate IP address from the VNet address space for each storage account service. Network traffic between the clients on the VNet and the storage account traverses over the VNet and a private link on the Microsoft backbone network, eliminating exposure from the public internet.</a:t>
+            </a:r>
+            <a:endParaRPr lang="nb-NO" dirty="0"/>
+          </a:p>
+          <a:p>
+            <a:pPr algn="l"/>
+            <a:endParaRPr lang="en-US" b="0" i="0" dirty="0">
+              <a:solidFill>
+                <a:srgbClr val="161616"/>
+              </a:solidFill>
+              <a:effectLst/>
+              <a:latin typeface="Segoe UI" panose="020B0502040204020203" pitchFamily="34" charset="0"/>
+            </a:endParaRPr>
+          </a:p>
+          <a:p>
+            <a:pPr algn="l"/>
+            <a:endParaRPr lang="en-US" b="0" i="0" dirty="0">
+              <a:solidFill>
+                <a:srgbClr val="161616"/>
+              </a:solidFill>
+              <a:effectLst/>
+              <a:latin typeface="Segoe UI" panose="020B0502040204020203" pitchFamily="34" charset="0"/>
+            </a:endParaRPr>
+          </a:p>
+          <a:p>
+            <a:pPr algn="l"/>
+            <a:r>
+              <a:rPr lang="en-US" b="0" i="0" dirty="0">
+                <a:solidFill>
+                  <a:srgbClr val="161616"/>
+                </a:solidFill>
+                <a:effectLst/>
+                <a:latin typeface="Segoe UI" panose="020B0502040204020203" pitchFamily="34" charset="0"/>
+              </a:rPr>
+              <a:t>Exposing your service to the public internet is no longer necessary. You can create your own </a:t>
+            </a:r>
+            <a:r>
+              <a:rPr lang="en-US" b="0" i="0" u="none" strike="noStrike" dirty="0">
+                <a:solidFill>
+                  <a:srgbClr val="161616"/>
+                </a:solidFill>
+                <a:effectLst/>
+                <a:latin typeface="Segoe UI" panose="020B0502040204020203" pitchFamily="34" charset="0"/>
+                <a:hlinkClick r:id="rId5"/>
+              </a:rPr>
+              <a:t>private link service</a:t>
+            </a:r>
+            <a:r>
+              <a:rPr lang="en-US" b="0" i="0" dirty="0">
+                <a:solidFill>
+                  <a:srgbClr val="161616"/>
+                </a:solidFill>
+                <a:effectLst/>
+                <a:latin typeface="Segoe UI" panose="020B0502040204020203" pitchFamily="34" charset="0"/>
+              </a:rPr>
+              <a:t> in your virtual network and deliver it to your customers. </a:t>
+            </a:r>
+          </a:p>
+          <a:p>
             <a:endParaRPr lang="en-US" dirty="0"/>
           </a:p>
         </p:txBody>
@@ -1188,7 +1257,7 @@
     </p:spTree>
     <p:extLst>
       <p:ext uri="{BB962C8B-B14F-4D97-AF65-F5344CB8AC3E}">
-        <p14:creationId xmlns:p14="http://schemas.microsoft.com/office/powerpoint/2010/main" val="3464616183"/>
+        <p14:creationId xmlns:p14="http://schemas.microsoft.com/office/powerpoint/2010/main" val="899526221"/>
       </p:ext>
     </p:extLst>
   </p:cSld>
@@ -1242,6 +1311,23 @@
           <a:bodyPr/>
           <a:lstStyle/>
           <a:p>
+            <a:pPr marL="0" marR="0" lvl="0" indent="0" algn="l" defTabSz="914400" rtl="0" eaLnBrk="1" fontAlgn="auto" latinLnBrk="0" hangingPunct="1">
+              <a:lnSpc>
+                <a:spcPct val="100000"/>
+              </a:lnSpc>
+              <a:spcBef>
+                <a:spcPts val="0"/>
+              </a:spcBef>
+              <a:spcAft>
+                <a:spcPts val="0"/>
+              </a:spcAft>
+              <a:buClrTx/>
+              <a:buSzTx/>
+              <a:buFontTx/>
+              <a:buNone/>
+              <a:tabLst/>
+              <a:defRPr/>
+            </a:pPr>
             <a:endParaRPr lang="en-US" dirty="0"/>
           </a:p>
         </p:txBody>
@@ -1272,7 +1358,7 @@
     </p:spTree>
     <p:extLst>
       <p:ext uri="{BB962C8B-B14F-4D97-AF65-F5344CB8AC3E}">
-        <p14:creationId xmlns:p14="http://schemas.microsoft.com/office/powerpoint/2010/main" val="2845903844"/>
+        <p14:creationId xmlns:p14="http://schemas.microsoft.com/office/powerpoint/2010/main" val="3464616183"/>
       </p:ext>
     </p:extLst>
   </p:cSld>
@@ -1326,45 +1412,6 @@
           <a:bodyPr/>
           <a:lstStyle/>
           <a:p>
-            <a:pPr algn="l"/>
-            <a:r>
-              <a:rPr lang="en-US" b="0" i="0" dirty="0">
-                <a:solidFill>
-                  <a:srgbClr val="161616"/>
-                </a:solidFill>
-                <a:effectLst/>
-                <a:latin typeface="Segoe UI" panose="020B0502040204020203" pitchFamily="34" charset="0"/>
-              </a:rPr>
-              <a:t>It's important to correctly configure your DNS settings to resolve the private endpoint IP address to the fully qualified domain name (FQDN) of the connection string.</a:t>
-            </a:r>
-          </a:p>
-          <a:p>
-            <a:pPr algn="l"/>
-            <a:r>
-              <a:rPr lang="en-US" b="0" i="0" dirty="0">
-                <a:solidFill>
-                  <a:srgbClr val="161616"/>
-                </a:solidFill>
-                <a:effectLst/>
-                <a:latin typeface="Segoe UI" panose="020B0502040204020203" pitchFamily="34" charset="0"/>
-              </a:rPr>
-              <a:t>Existing Microsoft Azure services might already have a DNS configuration for a public endpoint. This configuration must be overridden to connect using your private endpoint.</a:t>
-            </a:r>
-          </a:p>
-          <a:p>
-            <a:pPr algn="l"/>
-            <a:r>
-              <a:rPr lang="en-US" b="0" i="0" dirty="0">
-                <a:solidFill>
-                  <a:srgbClr val="161616"/>
-                </a:solidFill>
-                <a:effectLst/>
-                <a:latin typeface="Segoe UI" panose="020B0502040204020203" pitchFamily="34" charset="0"/>
-              </a:rPr>
-              <a:t>The network interface associated with the private endpoint contains the information to configure your DNS. The network interface information includes FQDN and private IP addresses for your private link resource.</a:t>
-            </a:r>
-          </a:p>
-          <a:p>
             <a:endParaRPr lang="en-US" dirty="0"/>
           </a:p>
         </p:txBody>
@@ -1395,7 +1442,7 @@
     </p:spTree>
     <p:extLst>
       <p:ext uri="{BB962C8B-B14F-4D97-AF65-F5344CB8AC3E}">
-        <p14:creationId xmlns:p14="http://schemas.microsoft.com/office/powerpoint/2010/main" val="55569854"/>
+        <p14:creationId xmlns:p14="http://schemas.microsoft.com/office/powerpoint/2010/main" val="2845903844"/>
       </p:ext>
     </p:extLst>
   </p:cSld>
@@ -1449,6 +1496,7 @@
           <a:bodyPr/>
           <a:lstStyle/>
           <a:p>
+            <a:pPr algn="l"/>
             <a:r>
               <a:rPr lang="en-US" b="0" i="0" dirty="0">
                 <a:solidFill>
@@ -1457,19 +1505,11 @@
                 <a:effectLst/>
                 <a:latin typeface="Segoe UI" panose="020B0502040204020203" pitchFamily="34" charset="0"/>
               </a:rPr>
-              <a:t>Azure DNS Private Resolver is a service that enables you to query Azure DNS private zones from an on-premises environment and vice versa without deploying VM based DNS servers.</a:t>
-            </a:r>
-          </a:p>
-          <a:p>
-            <a:endParaRPr lang="en-US" b="0" i="0" dirty="0">
-              <a:solidFill>
-                <a:srgbClr val="161616"/>
-              </a:solidFill>
-              <a:effectLst/>
-              <a:latin typeface="Segoe UI" panose="020B0502040204020203" pitchFamily="34" charset="0"/>
-            </a:endParaRPr>
-          </a:p>
-          <a:p>
+              <a:t>It's important to correctly configure your DNS settings to resolve the private endpoint IP address to the fully qualified domain name (FQDN) of the connection string.</a:t>
+            </a:r>
+          </a:p>
+          <a:p>
+            <a:pPr algn="l"/>
             <a:r>
               <a:rPr lang="en-US" b="0" i="0" dirty="0">
                 <a:solidFill>
@@ -1478,16 +1518,11 @@
                 <a:effectLst/>
                 <a:latin typeface="Segoe UI" panose="020B0502040204020203" pitchFamily="34" charset="0"/>
               </a:rPr>
-              <a:t>Azure DNS Private Resolver requires an </a:t>
-            </a:r>
-            <a:r>
-              <a:rPr lang="en-US" b="0" i="0" u="none" strike="noStrike" dirty="0">
-                <a:effectLst/>
-                <a:latin typeface="Segoe UI" panose="020B0502040204020203" pitchFamily="34" charset="0"/>
-                <a:hlinkClick r:id="rId3"/>
-              </a:rPr>
-              <a:t>Azure Virtual Network</a:t>
-            </a:r>
+              <a:t>Existing Microsoft Azure services might already have a DNS configuration for a public endpoint. This configuration must be overridden to connect using your private endpoint.</a:t>
+            </a:r>
+          </a:p>
+          <a:p>
+            <a:pPr algn="l"/>
             <a:r>
               <a:rPr lang="en-US" b="0" i="0" dirty="0">
                 <a:solidFill>
@@ -1496,27 +1531,8 @@
                 <a:effectLst/>
                 <a:latin typeface="Segoe UI" panose="020B0502040204020203" pitchFamily="34" charset="0"/>
               </a:rPr>
-              <a:t>. When you create an Azure DNS Private Resolver inside a virtual network, one or more </a:t>
-            </a:r>
-            <a:r>
-              <a:rPr lang="en-US" b="0" i="0" u="none" strike="noStrike" dirty="0">
-                <a:effectLst/>
-                <a:latin typeface="Segoe UI" panose="020B0502040204020203" pitchFamily="34" charset="0"/>
-                <a:hlinkClick r:id="rId4"/>
-              </a:rPr>
-              <a:t>inbound endpoints</a:t>
-            </a:r>
-            <a:r>
-              <a:rPr lang="en-US" b="0" i="0" dirty="0">
-                <a:solidFill>
-                  <a:srgbClr val="161616"/>
-                </a:solidFill>
-                <a:effectLst/>
-                <a:latin typeface="Segoe UI" panose="020B0502040204020203" pitchFamily="34" charset="0"/>
-              </a:rPr>
-              <a:t> are established that can be used as the destination for DNS queries. </a:t>
-            </a:r>
-            <a:endParaRPr lang="en-US" dirty="0"/>
+              <a:t>The network interface associated with the private endpoint contains the information to configure your DNS. The network interface information includes FQDN and private IP addresses for your private link resource.</a:t>
+            </a:r>
           </a:p>
           <a:p>
             <a:endParaRPr lang="en-US" dirty="0"/>
@@ -1538,18 +1554,18 @@
           <a:bodyPr/>
           <a:lstStyle/>
           <a:p>
-            <a:fld id="{30FEB7C3-9183-43FC-A268-FF9AAEAAAA55}" type="slidenum">
-              <a:rPr lang="en-US" smtClean="0"/>
-              <a:t>25</a:t>
+            <a:fld id="{FB3A52E1-8A48-429C-8A5A-7D4445DBC12D}" type="slidenum">
+              <a:rPr lang="nb-NO" smtClean="0"/>
+              <a:t>23</a:t>
             </a:fld>
-            <a:endParaRPr lang="en-US"/>
+            <a:endParaRPr lang="nb-NO"/>
           </a:p>
         </p:txBody>
       </p:sp>
     </p:spTree>
     <p:extLst>
       <p:ext uri="{BB962C8B-B14F-4D97-AF65-F5344CB8AC3E}">
-        <p14:creationId xmlns:p14="http://schemas.microsoft.com/office/powerpoint/2010/main" val="2912448886"/>
+        <p14:creationId xmlns:p14="http://schemas.microsoft.com/office/powerpoint/2010/main" val="55569854"/>
       </p:ext>
     </p:extLst>
   </p:cSld>
@@ -1603,6 +1619,160 @@
           <a:bodyPr/>
           <a:lstStyle/>
           <a:p>
+            <a:r>
+              <a:rPr lang="en-US" b="0" i="0" dirty="0">
+                <a:solidFill>
+                  <a:srgbClr val="161616"/>
+                </a:solidFill>
+                <a:effectLst/>
+                <a:latin typeface="Segoe UI" panose="020B0502040204020203" pitchFamily="34" charset="0"/>
+              </a:rPr>
+              <a:t>Azure DNS Private Resolver is a service that enables you to query Azure DNS private zones from an on-premises environment and vice versa without deploying VM based DNS servers.</a:t>
+            </a:r>
+          </a:p>
+          <a:p>
+            <a:endParaRPr lang="en-US" b="0" i="0" dirty="0">
+              <a:solidFill>
+                <a:srgbClr val="161616"/>
+              </a:solidFill>
+              <a:effectLst/>
+              <a:latin typeface="Segoe UI" panose="020B0502040204020203" pitchFamily="34" charset="0"/>
+            </a:endParaRPr>
+          </a:p>
+          <a:p>
+            <a:r>
+              <a:rPr lang="en-US" b="0" i="0" dirty="0">
+                <a:solidFill>
+                  <a:srgbClr val="161616"/>
+                </a:solidFill>
+                <a:effectLst/>
+                <a:latin typeface="Segoe UI" panose="020B0502040204020203" pitchFamily="34" charset="0"/>
+              </a:rPr>
+              <a:t>Azure DNS Private Resolver requires an </a:t>
+            </a:r>
+            <a:r>
+              <a:rPr lang="en-US" b="0" i="0" u="none" strike="noStrike" dirty="0">
+                <a:effectLst/>
+                <a:latin typeface="Segoe UI" panose="020B0502040204020203" pitchFamily="34" charset="0"/>
+                <a:hlinkClick r:id="rId3"/>
+              </a:rPr>
+              <a:t>Azure Virtual Network</a:t>
+            </a:r>
+            <a:r>
+              <a:rPr lang="en-US" b="0" i="0" dirty="0">
+                <a:solidFill>
+                  <a:srgbClr val="161616"/>
+                </a:solidFill>
+                <a:effectLst/>
+                <a:latin typeface="Segoe UI" panose="020B0502040204020203" pitchFamily="34" charset="0"/>
+              </a:rPr>
+              <a:t>. When you create an Azure DNS Private Resolver inside a virtual network, one or more </a:t>
+            </a:r>
+            <a:r>
+              <a:rPr lang="en-US" b="0" i="0" u="none" strike="noStrike" dirty="0">
+                <a:effectLst/>
+                <a:latin typeface="Segoe UI" panose="020B0502040204020203" pitchFamily="34" charset="0"/>
+                <a:hlinkClick r:id="rId4"/>
+              </a:rPr>
+              <a:t>inbound endpoints</a:t>
+            </a:r>
+            <a:r>
+              <a:rPr lang="en-US" b="0" i="0" dirty="0">
+                <a:solidFill>
+                  <a:srgbClr val="161616"/>
+                </a:solidFill>
+                <a:effectLst/>
+                <a:latin typeface="Segoe UI" panose="020B0502040204020203" pitchFamily="34" charset="0"/>
+              </a:rPr>
+              <a:t> are established that can be used as the destination for DNS queries. </a:t>
+            </a:r>
+            <a:endParaRPr lang="en-US" dirty="0"/>
+          </a:p>
+          <a:p>
+            <a:endParaRPr lang="en-US" dirty="0"/>
+          </a:p>
+        </p:txBody>
+      </p:sp>
+      <p:sp>
+        <p:nvSpPr>
+          <p:cNvPr id="4" name="Slide Number Placeholder 3"/>
+          <p:cNvSpPr>
+            <a:spLocks noGrp="1"/>
+          </p:cNvSpPr>
+          <p:nvPr>
+            <p:ph type="sldNum" sz="quarter" idx="5"/>
+          </p:nvPr>
+        </p:nvSpPr>
+        <p:spPr/>
+        <p:txBody>
+          <a:bodyPr/>
+          <a:lstStyle/>
+          <a:p>
+            <a:fld id="{30FEB7C3-9183-43FC-A268-FF9AAEAAAA55}" type="slidenum">
+              <a:rPr lang="en-US" smtClean="0"/>
+              <a:t>26</a:t>
+            </a:fld>
+            <a:endParaRPr lang="en-US"/>
+          </a:p>
+        </p:txBody>
+      </p:sp>
+    </p:spTree>
+    <p:extLst>
+      <p:ext uri="{BB962C8B-B14F-4D97-AF65-F5344CB8AC3E}">
+        <p14:creationId xmlns:p14="http://schemas.microsoft.com/office/powerpoint/2010/main" val="2912448886"/>
+      </p:ext>
+    </p:extLst>
+  </p:cSld>
+  <p:clrMapOvr>
+    <a:masterClrMapping/>
+  </p:clrMapOvr>
+</p:notes>
+</file>
+
+<file path=ppt/notesSlides/notesSlide16.xml><?xml version="1.0" encoding="utf-8"?>
+<p:notes xmlns:a="http://schemas.openxmlformats.org/drawingml/2006/main" xmlns:r="http://schemas.openxmlformats.org/officeDocument/2006/relationships" xmlns:p="http://schemas.openxmlformats.org/presentationml/2006/main">
+  <p:cSld>
+    <p:spTree>
+      <p:nvGrpSpPr>
+        <p:cNvPr id="1" name=""/>
+        <p:cNvGrpSpPr/>
+        <p:nvPr/>
+      </p:nvGrpSpPr>
+      <p:grpSpPr>
+        <a:xfrm>
+          <a:off x="0" y="0"/>
+          <a:ext cx="0" cy="0"/>
+          <a:chOff x="0" y="0"/>
+          <a:chExt cx="0" cy="0"/>
+        </a:xfrm>
+      </p:grpSpPr>
+      <p:sp>
+        <p:nvSpPr>
+          <p:cNvPr id="2" name="Slide Image Placeholder 1"/>
+          <p:cNvSpPr>
+            <a:spLocks noGrp="1" noRot="1" noChangeAspect="1"/>
+          </p:cNvSpPr>
+          <p:nvPr>
+            <p:ph type="sldImg"/>
+          </p:nvPr>
+        </p:nvSpPr>
+        <p:spPr/>
+      </p:sp>
+      <p:sp>
+        <p:nvSpPr>
+          <p:cNvPr id="3" name="Notes Placeholder 2"/>
+          <p:cNvSpPr>
+            <a:spLocks noGrp="1"/>
+          </p:cNvSpPr>
+          <p:nvPr>
+            <p:ph type="body" idx="1"/>
+          </p:nvPr>
+        </p:nvSpPr>
+        <p:spPr/>
+        <p:txBody>
+          <a:bodyPr/>
+          <a:lstStyle/>
+          <a:p>
             <a:pPr marL="0" marR="0" lvl="0" indent="0" algn="l" defTabSz="914400" rtl="0" eaLnBrk="1" fontAlgn="auto" latinLnBrk="0" hangingPunct="1">
               <a:lnSpc>
                 <a:spcPct val="100000"/>
@@ -1654,7 +1824,7 @@
           <a:p>
             <a:fld id="{FB3A52E1-8A48-429C-8A5A-7D4445DBC12D}" type="slidenum">
               <a:rPr lang="nb-NO" smtClean="0"/>
-              <a:t>28</a:t>
+              <a:t>29</a:t>
             </a:fld>
             <a:endParaRPr lang="nb-NO"/>
           </a:p>
@@ -1673,7 +1843,7 @@
 </p:notes>
 </file>
 
-<file path=ppt/notesSlides/notesSlide16.xml><?xml version="1.0" encoding="utf-8"?>
+<file path=ppt/notesSlides/notesSlide17.xml><?xml version="1.0" encoding="utf-8"?>
 <p:notes xmlns:a="http://schemas.openxmlformats.org/drawingml/2006/main" xmlns:r="http://schemas.openxmlformats.org/officeDocument/2006/relationships" xmlns:p="http://schemas.openxmlformats.org/presentationml/2006/main">
   <p:cSld>
     <p:spTree>
@@ -1785,7 +1955,7 @@
                 <a:tabLst/>
                 <a:defRPr/>
               </a:pPr>
-              <a:t>31</a:t>
+              <a:t>32</a:t>
             </a:fld>
             <a:endParaRPr kumimoji="0" lang="en-US" sz="1200" b="0" i="0" u="none" strike="noStrike" kern="1200" cap="none" spc="0" normalizeH="0" baseline="0" noProof="0">
               <a:ln>
@@ -2337,27 +2507,8 @@
                 <a:effectLst/>
                 <a:latin typeface="Segoe UI" panose="020B0502040204020203" pitchFamily="34" charset="0"/>
               </a:rPr>
-              <a:t>You can use an Azure network security group to filter network traffic between Azure resources in an Azure virtual network. A network security group contains </a:t>
-            </a:r>
-            <a:r>
-              <a:rPr lang="en-US" b="0" i="0" u="none" strike="noStrike" dirty="0">
-                <a:effectLst/>
-                <a:latin typeface="Segoe UI" panose="020B0502040204020203" pitchFamily="34" charset="0"/>
-                <a:hlinkClick r:id="rId3"/>
-              </a:rPr>
-              <a:t>security rules</a:t>
-            </a:r>
-            <a:r>
-              <a:rPr lang="en-US" b="0" i="0" dirty="0">
-                <a:solidFill>
-                  <a:srgbClr val="161616"/>
-                </a:solidFill>
-                <a:effectLst/>
-                <a:latin typeface="Segoe UI" panose="020B0502040204020203" pitchFamily="34" charset="0"/>
-              </a:rPr>
-              <a:t> that allow or deny inbound network traffic to, or outbound network traffic from, several types of Azure resources. For each rule, you can specify source and destination, port, and protocol.</a:t>
-            </a:r>
-            <a:endParaRPr lang="nb-NO" dirty="0"/>
+              <a:t>ExpressRoute lets you extend your on-premises networks into the Microsoft cloud over a private connection with the help of a connectivity provider.</a:t>
+            </a:r>
           </a:p>
           <a:p>
             <a:endParaRPr lang="en-US" dirty="0"/>
@@ -2381,7 +2532,7 @@
           <a:p>
             <a:fld id="{FB3A52E1-8A48-429C-8A5A-7D4445DBC12D}" type="slidenum">
               <a:rPr lang="nb-NO" smtClean="0"/>
-              <a:t>13</a:t>
+              <a:t>12</a:t>
             </a:fld>
             <a:endParaRPr lang="nb-NO"/>
           </a:p>
@@ -2390,7 +2541,7 @@
     </p:spTree>
     <p:extLst>
       <p:ext uri="{BB962C8B-B14F-4D97-AF65-F5344CB8AC3E}">
-        <p14:creationId xmlns:p14="http://schemas.microsoft.com/office/powerpoint/2010/main" val="3605090697"/>
+        <p14:creationId xmlns:p14="http://schemas.microsoft.com/office/powerpoint/2010/main" val="2603770974"/>
       </p:ext>
     </p:extLst>
   </p:cSld>
@@ -2462,9 +2613,34 @@
               <a:defRPr/>
             </a:pPr>
             <a:r>
-              <a:rPr lang="nb-NO" dirty="0"/>
-              <a:t>https://learn.microsoft.com/en-us/azure/virtual-network/service-tags-overview</a:t>
-            </a:r>
+              <a:rPr lang="en-US" b="0" i="0" dirty="0">
+                <a:solidFill>
+                  <a:srgbClr val="161616"/>
+                </a:solidFill>
+                <a:effectLst/>
+                <a:latin typeface="Segoe UI" panose="020B0502040204020203" pitchFamily="34" charset="0"/>
+              </a:rPr>
+              <a:t>You can use an Azure network security group to filter network traffic between Azure resources in an Azure virtual network. A network security group contains </a:t>
+            </a:r>
+            <a:r>
+              <a:rPr lang="en-US" b="0" i="0" u="none" strike="noStrike" dirty="0">
+                <a:effectLst/>
+                <a:latin typeface="Segoe UI" panose="020B0502040204020203" pitchFamily="34" charset="0"/>
+                <a:hlinkClick r:id="rId3"/>
+              </a:rPr>
+              <a:t>security rules</a:t>
+            </a:r>
+            <a:r>
+              <a:rPr lang="en-US" b="0" i="0" dirty="0">
+                <a:solidFill>
+                  <a:srgbClr val="161616"/>
+                </a:solidFill>
+                <a:effectLst/>
+                <a:latin typeface="Segoe UI" panose="020B0502040204020203" pitchFamily="34" charset="0"/>
+              </a:rPr>
+              <a:t> that allow or deny inbound network traffic to, or outbound network traffic from, several types of Azure resources. For each rule, you can specify source and destination, port, and protocol.</a:t>
+            </a:r>
+            <a:endParaRPr lang="nb-NO" dirty="0"/>
           </a:p>
           <a:p>
             <a:endParaRPr lang="en-US" dirty="0"/>
@@ -2497,7 +2673,7 @@
     </p:spTree>
     <p:extLst>
       <p:ext uri="{BB962C8B-B14F-4D97-AF65-F5344CB8AC3E}">
-        <p14:creationId xmlns:p14="http://schemas.microsoft.com/office/powerpoint/2010/main" val="3894681399"/>
+        <p14:creationId xmlns:p14="http://schemas.microsoft.com/office/powerpoint/2010/main" val="3605090697"/>
       </p:ext>
     </p:extLst>
   </p:cSld>
@@ -2551,26 +2727,27 @@
           <a:bodyPr/>
           <a:lstStyle/>
           <a:p>
+            <a:pPr marL="0" marR="0" lvl="0" indent="0" algn="l" defTabSz="914400" rtl="0" eaLnBrk="1" fontAlgn="auto" latinLnBrk="0" hangingPunct="1">
+              <a:lnSpc>
+                <a:spcPct val="100000"/>
+              </a:lnSpc>
+              <a:spcBef>
+                <a:spcPts val="0"/>
+              </a:spcBef>
+              <a:spcAft>
+                <a:spcPts val="0"/>
+              </a:spcAft>
+              <a:buClrTx/>
+              <a:buSzTx/>
+              <a:buFontTx/>
+              <a:buNone/>
+              <a:tabLst/>
+              <a:defRPr/>
+            </a:pPr>
             <a:r>
               <a:rPr lang="nb-NO" dirty="0"/>
-              <a:t>https://learn.microsoft.com/en-us/azure/virtual-network/virtual-network-service-endpoints-overview</a:t>
-            </a:r>
-          </a:p>
-          <a:p>
-            <a:endParaRPr lang="nb-NO" dirty="0"/>
-          </a:p>
-          <a:p>
-            <a:r>
-              <a:rPr lang="en-US" b="0" i="0" dirty="0">
-                <a:solidFill>
-                  <a:srgbClr val="161616"/>
-                </a:solidFill>
-                <a:effectLst/>
-                <a:latin typeface="Segoe UI" panose="020B0502040204020203" pitchFamily="34" charset="0"/>
-              </a:rPr>
-              <a:t>Virtual Network (VNet) service endpoint provides secure and direct connectivity to Azure services over an optimized route over the Azure backbone network. Endpoints allow you to secure your critical Azure service resources to only your virtual networks. Service Endpoints enables private IP addresses in the VNet to reach the endpoint of an Azure service without needing a public IP address on the VNet.</a:t>
-            </a:r>
-            <a:endParaRPr lang="nb-NO" dirty="0"/>
+              <a:t>https://learn.microsoft.com/en-us/azure/virtual-network/service-tags-overview</a:t>
+            </a:r>
           </a:p>
           <a:p>
             <a:endParaRPr lang="en-US" dirty="0"/>
@@ -2594,7 +2771,7 @@
           <a:p>
             <a:fld id="{FB3A52E1-8A48-429C-8A5A-7D4445DBC12D}" type="slidenum">
               <a:rPr lang="nb-NO" smtClean="0"/>
-              <a:t>17</a:t>
+              <a:t>15</a:t>
             </a:fld>
             <a:endParaRPr lang="nb-NO"/>
           </a:p>
@@ -2603,7 +2780,7 @@
     </p:spTree>
     <p:extLst>
       <p:ext uri="{BB962C8B-B14F-4D97-AF65-F5344CB8AC3E}">
-        <p14:creationId xmlns:p14="http://schemas.microsoft.com/office/powerpoint/2010/main" val="1418818302"/>
+        <p14:creationId xmlns:p14="http://schemas.microsoft.com/office/powerpoint/2010/main" val="3894681399"/>
       </p:ext>
     </p:extLst>
   </p:cSld>
@@ -2657,23 +2834,15 @@
           <a:bodyPr/>
           <a:lstStyle/>
           <a:p>
-            <a:pPr marL="0" marR="0" lvl="0" indent="0" algn="l" defTabSz="914400" rtl="0" eaLnBrk="1" fontAlgn="auto" latinLnBrk="0" hangingPunct="1">
-              <a:lnSpc>
-                <a:spcPct val="100000"/>
-              </a:lnSpc>
-              <a:spcBef>
-                <a:spcPts val="0"/>
-              </a:spcBef>
-              <a:spcAft>
-                <a:spcPts val="0"/>
-              </a:spcAft>
-              <a:buClrTx/>
-              <a:buSzTx/>
-              <a:buFontTx/>
-              <a:buNone/>
-              <a:tabLst/>
-              <a:defRPr/>
-            </a:pPr>
+            <a:r>
+              <a:rPr lang="nb-NO" dirty="0"/>
+              <a:t>https://learn.microsoft.com/en-us/azure/virtual-network/virtual-network-service-endpoints-overview</a:t>
+            </a:r>
+          </a:p>
+          <a:p>
+            <a:endParaRPr lang="nb-NO" dirty="0"/>
+          </a:p>
+          <a:p>
             <a:r>
               <a:rPr lang="en-US" b="0" i="0" dirty="0">
                 <a:solidFill>
@@ -2682,62 +2851,7 @@
                 <a:effectLst/>
                 <a:latin typeface="Segoe UI" panose="020B0502040204020203" pitchFamily="34" charset="0"/>
               </a:rPr>
-              <a:t>Virtual Network (VNet) service endpoint provides secure and direct connectivity to Azure services over an optimized route over the Azure backbone network. Endpoints allow you to secure your critical Azure service resources to only your virtual networks. </a:t>
-            </a:r>
-          </a:p>
-          <a:p>
-            <a:pPr marL="0" marR="0" lvl="0" indent="0" algn="l" defTabSz="914400" rtl="0" eaLnBrk="1" fontAlgn="auto" latinLnBrk="0" hangingPunct="1">
-              <a:lnSpc>
-                <a:spcPct val="100000"/>
-              </a:lnSpc>
-              <a:spcBef>
-                <a:spcPts val="0"/>
-              </a:spcBef>
-              <a:spcAft>
-                <a:spcPts val="0"/>
-              </a:spcAft>
-              <a:buClrTx/>
-              <a:buSzTx/>
-              <a:buFontTx/>
-              <a:buNone/>
-              <a:tabLst/>
-              <a:defRPr/>
-            </a:pPr>
-            <a:endParaRPr lang="en-US" b="0" i="0" dirty="0">
-              <a:solidFill>
-                <a:srgbClr val="161616"/>
-              </a:solidFill>
-              <a:effectLst/>
-              <a:latin typeface="Segoe UI" panose="020B0502040204020203" pitchFamily="34" charset="0"/>
-            </a:endParaRPr>
-          </a:p>
-          <a:p>
-            <a:pPr marL="0" marR="0" lvl="0" indent="0" algn="l" defTabSz="914400" rtl="0" eaLnBrk="1" fontAlgn="auto" latinLnBrk="0" hangingPunct="1">
-              <a:lnSpc>
-                <a:spcPct val="100000"/>
-              </a:lnSpc>
-              <a:spcBef>
-                <a:spcPts val="0"/>
-              </a:spcBef>
-              <a:spcAft>
-                <a:spcPts val="0"/>
-              </a:spcAft>
-              <a:buClrTx/>
-              <a:buSzTx/>
-              <a:buFontTx/>
-              <a:buNone/>
-              <a:tabLst/>
-              <a:defRPr/>
-            </a:pPr>
-            <a:r>
-              <a:rPr lang="en-US" b="0" i="0" dirty="0">
-                <a:solidFill>
-                  <a:srgbClr val="161616"/>
-                </a:solidFill>
-                <a:effectLst/>
-                <a:latin typeface="Segoe UI" panose="020B0502040204020203" pitchFamily="34" charset="0"/>
-              </a:rPr>
-              <a:t>Service Endpoints enables private IP addresses in the VNet to reach the endpoint of an Azure service without needing a public IP address on the VNet.</a:t>
+              <a:t>Virtual Network (VNet) service endpoint provides secure and direct connectivity to Azure services over an optimized route over the Azure backbone network. Endpoints allow you to secure your critical Azure service resources to only your virtual networks. Service Endpoints enables private IP addresses in the VNet to reach the endpoint of an Azure service without needing a public IP address on the VNet.</a:t>
             </a:r>
             <a:endParaRPr lang="nb-NO" dirty="0"/>
           </a:p>
@@ -2772,7 +2886,7 @@
     </p:spTree>
     <p:extLst>
       <p:ext uri="{BB962C8B-B14F-4D97-AF65-F5344CB8AC3E}">
-        <p14:creationId xmlns:p14="http://schemas.microsoft.com/office/powerpoint/2010/main" val="670868076"/>
+        <p14:creationId xmlns:p14="http://schemas.microsoft.com/office/powerpoint/2010/main" val="1418818302"/>
       </p:ext>
     </p:extLst>
   </p:cSld>
@@ -8155,10 +8269,44 @@
       </p:sp>
       <p:pic>
         <p:nvPicPr>
-          <p:cNvPr id="8" name="Picture 7">
-            <a:extLst>
-              <a:ext uri="{FF2B5EF4-FFF2-40B4-BE49-F238E27FC236}">
-                <a16:creationId xmlns:a16="http://schemas.microsoft.com/office/drawing/2014/main" id="{A8BF53A4-DB5B-6A8E-7381-297B5E86C420}"/>
+          <p:cNvPr id="9" name="Google Shape;56;p13">
+            <a:extLst>
+              <a:ext uri="{FF2B5EF4-FFF2-40B4-BE49-F238E27FC236}">
+                <a16:creationId xmlns:a16="http://schemas.microsoft.com/office/drawing/2014/main" id="{CC50B964-6D7D-50E7-1963-887AE5DD5E37}"/>
+              </a:ext>
+            </a:extLst>
+          </p:cNvPr>
+          <p:cNvPicPr preferRelativeResize="0"/>
+          <p:nvPr/>
+        </p:nvPicPr>
+        <p:blipFill>
+          <a:blip r:embed="rId4">
+            <a:alphaModFix/>
+          </a:blip>
+          <a:stretch>
+            <a:fillRect/>
+          </a:stretch>
+        </p:blipFill>
+        <p:spPr>
+          <a:xfrm>
+            <a:off x="10989179" y="5736492"/>
+            <a:ext cx="1202821" cy="1121508"/>
+          </a:xfrm>
+          <a:prstGeom prst="rect">
+            <a:avLst/>
+          </a:prstGeom>
+          <a:noFill/>
+          <a:ln>
+            <a:noFill/>
+          </a:ln>
+        </p:spPr>
+      </p:pic>
+      <p:pic>
+        <p:nvPicPr>
+          <p:cNvPr id="10" name="Graphic 4">
+            <a:extLst>
+              <a:ext uri="{FF2B5EF4-FFF2-40B4-BE49-F238E27FC236}">
+                <a16:creationId xmlns:a16="http://schemas.microsoft.com/office/drawing/2014/main" id="{0C6DFA33-7954-EC30-77CB-2FC3FF120110}"/>
               </a:ext>
             </a:extLst>
           </p:cNvPr>
@@ -8168,77 +8316,13 @@
           <p:nvPr/>
         </p:nvPicPr>
         <p:blipFill>
-          <a:blip r:embed="rId4"/>
-          <a:stretch>
-            <a:fillRect/>
-          </a:stretch>
-        </p:blipFill>
-        <p:spPr>
-          <a:xfrm>
-            <a:off x="9442272" y="4539528"/>
-            <a:ext cx="1844037" cy="1757721"/>
-          </a:xfrm>
-          <a:prstGeom prst="rect">
-            <a:avLst/>
-          </a:prstGeom>
-        </p:spPr>
-      </p:pic>
-      <p:pic>
-        <p:nvPicPr>
-          <p:cNvPr id="9" name="Google Shape;56;p13">
-            <a:extLst>
-              <a:ext uri="{FF2B5EF4-FFF2-40B4-BE49-F238E27FC236}">
-                <a16:creationId xmlns:a16="http://schemas.microsoft.com/office/drawing/2014/main" id="{CC50B964-6D7D-50E7-1963-887AE5DD5E37}"/>
-              </a:ext>
-            </a:extLst>
-          </p:cNvPr>
-          <p:cNvPicPr preferRelativeResize="0"/>
-          <p:nvPr/>
-        </p:nvPicPr>
-        <p:blipFill>
           <a:blip r:embed="rId5">
-            <a:alphaModFix/>
-          </a:blip>
-          <a:stretch>
-            <a:fillRect/>
-          </a:stretch>
-        </p:blipFill>
-        <p:spPr>
-          <a:xfrm>
-            <a:off x="10989179" y="5736492"/>
-            <a:ext cx="1202821" cy="1121508"/>
-          </a:xfrm>
-          <a:prstGeom prst="rect">
-            <a:avLst/>
-          </a:prstGeom>
-          <a:noFill/>
-          <a:ln>
-            <a:noFill/>
-          </a:ln>
-        </p:spPr>
-      </p:pic>
-      <p:pic>
-        <p:nvPicPr>
-          <p:cNvPr id="10" name="Graphic 4">
-            <a:extLst>
-              <a:ext uri="{FF2B5EF4-FFF2-40B4-BE49-F238E27FC236}">
-                <a16:creationId xmlns:a16="http://schemas.microsoft.com/office/drawing/2014/main" id="{0C6DFA33-7954-EC30-77CB-2FC3FF120110}"/>
-              </a:ext>
-            </a:extLst>
-          </p:cNvPr>
-          <p:cNvPicPr>
-            <a:picLocks noChangeAspect="1"/>
-          </p:cNvPicPr>
-          <p:nvPr/>
-        </p:nvPicPr>
-        <p:blipFill>
-          <a:blip r:embed="rId6">
             <a:extLst>
               <a:ext uri="{28A0092B-C50C-407E-A947-70E740481C1C}">
                 <a14:useLocalDpi xmlns:a14="http://schemas.microsoft.com/office/drawing/2010/main" val="0"/>
               </a:ext>
               <a:ext uri="{96DAC541-7B7A-43D3-8B79-37D633B846F1}">
-                <asvg:svgBlip xmlns:asvg="http://schemas.microsoft.com/office/drawing/2016/SVG/main" r:embed="rId7"/>
+                <asvg:svgBlip xmlns:asvg="http://schemas.microsoft.com/office/drawing/2016/SVG/main" r:embed="rId6"/>
               </a:ext>
             </a:extLst>
           </a:blip>
@@ -8631,6 +8715,253 @@
 </file>
 
 <file path=ppt/slides/slide12.xml><?xml version="1.0" encoding="utf-8"?>
+<p:sld xmlns:a="http://schemas.openxmlformats.org/drawingml/2006/main" xmlns:r="http://schemas.openxmlformats.org/officeDocument/2006/relationships" xmlns:p="http://schemas.openxmlformats.org/presentationml/2006/main">
+  <p:cSld>
+    <p:spTree>
+      <p:nvGrpSpPr>
+        <p:cNvPr id="1" name=""/>
+        <p:cNvGrpSpPr/>
+        <p:nvPr/>
+      </p:nvGrpSpPr>
+      <p:grpSpPr>
+        <a:xfrm>
+          <a:off x="0" y="0"/>
+          <a:ext cx="0" cy="0"/>
+          <a:chOff x="0" y="0"/>
+          <a:chExt cx="0" cy="0"/>
+        </a:xfrm>
+      </p:grpSpPr>
+      <p:sp>
+        <p:nvSpPr>
+          <p:cNvPr id="4" name="Title 1">
+            <a:extLst>
+              <a:ext uri="{FF2B5EF4-FFF2-40B4-BE49-F238E27FC236}">
+                <a16:creationId xmlns:a16="http://schemas.microsoft.com/office/drawing/2014/main" id="{D799735A-94B2-B0A7-1065-9CF0E1BAF786}"/>
+              </a:ext>
+            </a:extLst>
+          </p:cNvPr>
+          <p:cNvSpPr>
+            <a:spLocks noGrp="1"/>
+          </p:cNvSpPr>
+          <p:nvPr>
+            <p:ph type="title"/>
+          </p:nvPr>
+        </p:nvSpPr>
+        <p:spPr>
+          <a:xfrm>
+            <a:off x="838200" y="365125"/>
+            <a:ext cx="10515600" cy="1325563"/>
+          </a:xfrm>
+        </p:spPr>
+        <p:txBody>
+          <a:bodyPr/>
+          <a:lstStyle/>
+          <a:p>
+            <a:r>
+              <a:rPr lang="nb-NO" dirty="0" err="1"/>
+              <a:t>Inbound</a:t>
+            </a:r>
+            <a:r>
+              <a:rPr lang="nb-NO" dirty="0"/>
+              <a:t> </a:t>
+            </a:r>
+            <a:r>
+              <a:rPr lang="nb-NO" dirty="0" err="1"/>
+              <a:t>access</a:t>
+            </a:r>
+            <a:r>
+              <a:rPr lang="nb-NO" dirty="0"/>
+              <a:t>: </a:t>
+            </a:r>
+            <a:r>
+              <a:rPr lang="nb-NO" dirty="0" err="1"/>
+              <a:t>Azure</a:t>
+            </a:r>
+            <a:r>
+              <a:rPr lang="nb-NO" dirty="0"/>
+              <a:t> Express </a:t>
+            </a:r>
+            <a:r>
+              <a:rPr lang="nb-NO" dirty="0" err="1"/>
+              <a:t>Route</a:t>
+            </a:r>
+            <a:endParaRPr lang="nb-NO" dirty="0"/>
+          </a:p>
+        </p:txBody>
+      </p:sp>
+      <p:pic>
+        <p:nvPicPr>
+          <p:cNvPr id="5" name="Graphic 4">
+            <a:extLst>
+              <a:ext uri="{FF2B5EF4-FFF2-40B4-BE49-F238E27FC236}">
+                <a16:creationId xmlns:a16="http://schemas.microsoft.com/office/drawing/2014/main" id="{2ED3EF1E-8A10-7206-59A1-0FE804037096}"/>
+              </a:ext>
+            </a:extLst>
+          </p:cNvPr>
+          <p:cNvPicPr>
+            <a:picLocks noChangeAspect="1"/>
+          </p:cNvPicPr>
+          <p:nvPr/>
+        </p:nvPicPr>
+        <p:blipFill>
+          <a:blip r:embed="rId3">
+            <a:extLst>
+              <a:ext uri="{28A0092B-C50C-407E-A947-70E740481C1C}">
+                <a14:useLocalDpi xmlns:a14="http://schemas.microsoft.com/office/drawing/2010/main" val="0"/>
+              </a:ext>
+              <a:ext uri="{96DAC541-7B7A-43D3-8B79-37D633B846F1}">
+                <asvg:svgBlip xmlns:asvg="http://schemas.microsoft.com/office/drawing/2016/SVG/main" r:embed="rId4"/>
+              </a:ext>
+            </a:extLst>
+          </a:blip>
+          <a:stretch>
+            <a:fillRect/>
+          </a:stretch>
+        </p:blipFill>
+        <p:spPr>
+          <a:xfrm>
+            <a:off x="10831744" y="365125"/>
+            <a:ext cx="806161" cy="806161"/>
+          </a:xfrm>
+          <a:prstGeom prst="rect">
+            <a:avLst/>
+          </a:prstGeom>
+        </p:spPr>
+      </p:pic>
+      <p:pic>
+        <p:nvPicPr>
+          <p:cNvPr id="6" name="Picture 4" descr="0">
+            <a:extLst>
+              <a:ext uri="{FF2B5EF4-FFF2-40B4-BE49-F238E27FC236}">
+                <a16:creationId xmlns:a16="http://schemas.microsoft.com/office/drawing/2014/main" id="{3887AEB1-8A30-9826-FFC4-1653449EE94D}"/>
+              </a:ext>
+            </a:extLst>
+          </p:cNvPr>
+          <p:cNvPicPr>
+            <a:picLocks noChangeAspect="1" noChangeArrowheads="1"/>
+          </p:cNvPicPr>
+          <p:nvPr/>
+        </p:nvPicPr>
+        <p:blipFill>
+          <a:blip r:embed="rId5">
+            <a:extLst>
+              <a:ext uri="{28A0092B-C50C-407E-A947-70E740481C1C}">
+                <a14:useLocalDpi xmlns:a14="http://schemas.microsoft.com/office/drawing/2010/main" val="0"/>
+              </a:ext>
+            </a:extLst>
+          </a:blip>
+          <a:srcRect/>
+          <a:stretch>
+            <a:fillRect/>
+          </a:stretch>
+        </p:blipFill>
+        <p:spPr bwMode="auto">
+          <a:xfrm>
+            <a:off x="2384022" y="1415124"/>
+            <a:ext cx="8447722" cy="4596933"/>
+          </a:xfrm>
+          <a:prstGeom prst="rect">
+            <a:avLst/>
+          </a:prstGeom>
+          <a:noFill/>
+          <a:extLst>
+            <a:ext uri="{909E8E84-426E-40DD-AFC4-6F175D3DCCD1}">
+              <a14:hiddenFill xmlns:a14="http://schemas.microsoft.com/office/drawing/2010/main">
+                <a:solidFill>
+                  <a:srgbClr val="FFFFFF"/>
+                </a:solidFill>
+              </a14:hiddenFill>
+            </a:ext>
+          </a:extLst>
+        </p:spPr>
+      </p:pic>
+      <p:pic>
+        <p:nvPicPr>
+          <p:cNvPr id="7" name="Google Shape;56;p13">
+            <a:extLst>
+              <a:ext uri="{FF2B5EF4-FFF2-40B4-BE49-F238E27FC236}">
+                <a16:creationId xmlns:a16="http://schemas.microsoft.com/office/drawing/2014/main" id="{C7C66F32-BF8A-724A-41E3-35B0E7DC31B4}"/>
+              </a:ext>
+            </a:extLst>
+          </p:cNvPr>
+          <p:cNvPicPr preferRelativeResize="0"/>
+          <p:nvPr/>
+        </p:nvPicPr>
+        <p:blipFill>
+          <a:blip r:embed="rId6">
+            <a:alphaModFix/>
+          </a:blip>
+          <a:stretch>
+            <a:fillRect/>
+          </a:stretch>
+        </p:blipFill>
+        <p:spPr>
+          <a:xfrm>
+            <a:off x="10989179" y="5736492"/>
+            <a:ext cx="1202821" cy="1121508"/>
+          </a:xfrm>
+          <a:prstGeom prst="rect">
+            <a:avLst/>
+          </a:prstGeom>
+          <a:noFill/>
+          <a:ln>
+            <a:noFill/>
+          </a:ln>
+        </p:spPr>
+      </p:pic>
+      <p:pic>
+        <p:nvPicPr>
+          <p:cNvPr id="8" name="Graphic 4">
+            <a:extLst>
+              <a:ext uri="{FF2B5EF4-FFF2-40B4-BE49-F238E27FC236}">
+                <a16:creationId xmlns:a16="http://schemas.microsoft.com/office/drawing/2014/main" id="{20538065-2BE3-87C4-F1F6-C3B8B39BCC25}"/>
+              </a:ext>
+            </a:extLst>
+          </p:cNvPr>
+          <p:cNvPicPr>
+            <a:picLocks noChangeAspect="1"/>
+          </p:cNvPicPr>
+          <p:nvPr/>
+        </p:nvPicPr>
+        <p:blipFill>
+          <a:blip r:embed="rId7">
+            <a:extLst>
+              <a:ext uri="{28A0092B-C50C-407E-A947-70E740481C1C}">
+                <a14:useLocalDpi xmlns:a14="http://schemas.microsoft.com/office/drawing/2010/main" val="0"/>
+              </a:ext>
+              <a:ext uri="{96DAC541-7B7A-43D3-8B79-37D633B846F1}">
+                <asvg:svgBlip xmlns:asvg="http://schemas.microsoft.com/office/drawing/2016/SVG/main" r:embed="rId8"/>
+              </a:ext>
+            </a:extLst>
+          </a:blip>
+          <a:stretch>
+            <a:fillRect/>
+          </a:stretch>
+        </p:blipFill>
+        <p:spPr>
+          <a:xfrm>
+            <a:off x="375137" y="6121057"/>
+            <a:ext cx="1718444" cy="574556"/>
+          </a:xfrm>
+          <a:prstGeom prst="rect">
+            <a:avLst/>
+          </a:prstGeom>
+        </p:spPr>
+      </p:pic>
+    </p:spTree>
+    <p:extLst>
+      <p:ext uri="{BB962C8B-B14F-4D97-AF65-F5344CB8AC3E}">
+        <p14:creationId xmlns:p14="http://schemas.microsoft.com/office/powerpoint/2010/main" val="475365141"/>
+      </p:ext>
+    </p:extLst>
+  </p:cSld>
+  <p:clrMapOvr>
+    <a:masterClrMapping/>
+  </p:clrMapOvr>
+</p:sld>
+</file>
+
+<file path=ppt/slides/slide13.xml><?xml version="1.0" encoding="utf-8"?>
 <p:sld xmlns:a="http://schemas.openxmlformats.org/drawingml/2006/main" xmlns:r="http://schemas.openxmlformats.org/officeDocument/2006/relationships" xmlns:p="http://schemas.openxmlformats.org/presentationml/2006/main">
   <p:cSld>
     <p:spTree>
@@ -9070,7 +9401,7 @@
 </p:sld>
 </file>
 
-<file path=ppt/slides/slide13.xml><?xml version="1.0" encoding="utf-8"?>
+<file path=ppt/slides/slide14.xml><?xml version="1.0" encoding="utf-8"?>
 <p:sld xmlns:a="http://schemas.openxmlformats.org/drawingml/2006/main" xmlns:r="http://schemas.openxmlformats.org/officeDocument/2006/relationships" xmlns:p="http://schemas.openxmlformats.org/presentationml/2006/main">
   <p:cSld>
     <p:spTree>
@@ -9583,189 +9914,6 @@
 </p:sld>
 </file>
 
-<file path=ppt/slides/slide14.xml><?xml version="1.0" encoding="utf-8"?>
-<p:sld xmlns:a="http://schemas.openxmlformats.org/drawingml/2006/main" xmlns:r="http://schemas.openxmlformats.org/officeDocument/2006/relationships" xmlns:p="http://schemas.openxmlformats.org/presentationml/2006/main">
-  <p:cSld>
-    <p:spTree>
-      <p:nvGrpSpPr>
-        <p:cNvPr id="1" name=""/>
-        <p:cNvGrpSpPr/>
-        <p:nvPr/>
-      </p:nvGrpSpPr>
-      <p:grpSpPr>
-        <a:xfrm>
-          <a:off x="0" y="0"/>
-          <a:ext cx="0" cy="0"/>
-          <a:chOff x="0" y="0"/>
-          <a:chExt cx="0" cy="0"/>
-        </a:xfrm>
-      </p:grpSpPr>
-      <p:sp>
-        <p:nvSpPr>
-          <p:cNvPr id="4" name="Title 1">
-            <a:extLst>
-              <a:ext uri="{FF2B5EF4-FFF2-40B4-BE49-F238E27FC236}">
-                <a16:creationId xmlns:a16="http://schemas.microsoft.com/office/drawing/2014/main" id="{9CE9F9D2-4F96-215A-2A2D-AF3CAAF3CE85}"/>
-              </a:ext>
-            </a:extLst>
-          </p:cNvPr>
-          <p:cNvSpPr>
-            <a:spLocks noGrp="1"/>
-          </p:cNvSpPr>
-          <p:nvPr>
-            <p:ph type="title"/>
-          </p:nvPr>
-        </p:nvSpPr>
-        <p:spPr>
-          <a:xfrm>
-            <a:off x="838200" y="365125"/>
-            <a:ext cx="10515600" cy="1325563"/>
-          </a:xfrm>
-        </p:spPr>
-        <p:txBody>
-          <a:bodyPr/>
-          <a:lstStyle/>
-          <a:p>
-            <a:r>
-              <a:rPr lang="nb-NO" dirty="0"/>
-              <a:t>Service tags</a:t>
-            </a:r>
-          </a:p>
-        </p:txBody>
-      </p:sp>
-      <p:pic>
-        <p:nvPicPr>
-          <p:cNvPr id="5" name="Picture 2" descr="Network isolation of Azure services using service tags">
-            <a:extLst>
-              <a:ext uri="{FF2B5EF4-FFF2-40B4-BE49-F238E27FC236}">
-                <a16:creationId xmlns:a16="http://schemas.microsoft.com/office/drawing/2014/main" id="{940C2CE2-DA25-BBA5-1532-7022CF40354E}"/>
-              </a:ext>
-            </a:extLst>
-          </p:cNvPr>
-          <p:cNvPicPr>
-            <a:picLocks noChangeAspect="1" noChangeArrowheads="1"/>
-          </p:cNvPicPr>
-          <p:nvPr/>
-        </p:nvPicPr>
-        <p:blipFill>
-          <a:blip r:embed="rId3">
-            <a:extLst>
-              <a:ext uri="{28A0092B-C50C-407E-A947-70E740481C1C}">
-                <a14:useLocalDpi xmlns:a14="http://schemas.microsoft.com/office/drawing/2010/main" val="0"/>
-              </a:ext>
-            </a:extLst>
-          </a:blip>
-          <a:srcRect/>
-          <a:stretch>
-            <a:fillRect/>
-          </a:stretch>
-        </p:blipFill>
-        <p:spPr bwMode="auto">
-          <a:xfrm>
-            <a:off x="3626069" y="1690688"/>
-            <a:ext cx="5272837" cy="4594035"/>
-          </a:xfrm>
-          <a:prstGeom prst="rect">
-            <a:avLst/>
-          </a:prstGeom>
-          <a:noFill/>
-          <a:extLst>
-            <a:ext uri="{909E8E84-426E-40DD-AFC4-6F175D3DCCD1}">
-              <a14:hiddenFill xmlns:a14="http://schemas.microsoft.com/office/drawing/2010/main">
-                <a:solidFill>
-                  <a:srgbClr val="FFFFFF"/>
-                </a:solidFill>
-              </a14:hiddenFill>
-            </a:ext>
-          </a:extLst>
-        </p:spPr>
-      </p:pic>
-      <p:pic>
-        <p:nvPicPr>
-          <p:cNvPr id="6" name="Google Shape;56;p13">
-            <a:extLst>
-              <a:ext uri="{FF2B5EF4-FFF2-40B4-BE49-F238E27FC236}">
-                <a16:creationId xmlns:a16="http://schemas.microsoft.com/office/drawing/2014/main" id="{98E90CBB-9422-C5D4-94FE-7E93329797B0}"/>
-              </a:ext>
-            </a:extLst>
-          </p:cNvPr>
-          <p:cNvPicPr preferRelativeResize="0"/>
-          <p:nvPr/>
-        </p:nvPicPr>
-        <p:blipFill>
-          <a:blip r:embed="rId4">
-            <a:alphaModFix/>
-          </a:blip>
-          <a:stretch>
-            <a:fillRect/>
-          </a:stretch>
-        </p:blipFill>
-        <p:spPr>
-          <a:xfrm>
-            <a:off x="10989179" y="5736492"/>
-            <a:ext cx="1202821" cy="1121508"/>
-          </a:xfrm>
-          <a:prstGeom prst="rect">
-            <a:avLst/>
-          </a:prstGeom>
-          <a:noFill/>
-          <a:ln>
-            <a:noFill/>
-          </a:ln>
-        </p:spPr>
-      </p:pic>
-      <p:pic>
-        <p:nvPicPr>
-          <p:cNvPr id="7" name="Graphic 4">
-            <a:extLst>
-              <a:ext uri="{FF2B5EF4-FFF2-40B4-BE49-F238E27FC236}">
-                <a16:creationId xmlns:a16="http://schemas.microsoft.com/office/drawing/2014/main" id="{F4BEA66B-BB61-749C-412B-3AF961A26B44}"/>
-              </a:ext>
-            </a:extLst>
-          </p:cNvPr>
-          <p:cNvPicPr>
-            <a:picLocks noChangeAspect="1"/>
-          </p:cNvPicPr>
-          <p:nvPr/>
-        </p:nvPicPr>
-        <p:blipFill>
-          <a:blip r:embed="rId5">
-            <a:extLst>
-              <a:ext uri="{28A0092B-C50C-407E-A947-70E740481C1C}">
-                <a14:useLocalDpi xmlns:a14="http://schemas.microsoft.com/office/drawing/2010/main" val="0"/>
-              </a:ext>
-              <a:ext uri="{96DAC541-7B7A-43D3-8B79-37D633B846F1}">
-                <asvg:svgBlip xmlns:asvg="http://schemas.microsoft.com/office/drawing/2016/SVG/main" r:embed="rId6"/>
-              </a:ext>
-            </a:extLst>
-          </a:blip>
-          <a:stretch>
-            <a:fillRect/>
-          </a:stretch>
-        </p:blipFill>
-        <p:spPr>
-          <a:xfrm>
-            <a:off x="375137" y="6121057"/>
-            <a:ext cx="1718444" cy="574556"/>
-          </a:xfrm>
-          <a:prstGeom prst="rect">
-            <a:avLst/>
-          </a:prstGeom>
-        </p:spPr>
-      </p:pic>
-    </p:spTree>
-    <p:extLst>
-      <p:ext uri="{BB962C8B-B14F-4D97-AF65-F5344CB8AC3E}">
-        <p14:creationId xmlns:p14="http://schemas.microsoft.com/office/powerpoint/2010/main" val="955387538"/>
-      </p:ext>
-    </p:extLst>
-  </p:cSld>
-  <p:clrMapOvr>
-    <a:masterClrMapping/>
-  </p:clrMapOvr>
-</p:sld>
-</file>
-
 <file path=ppt/slides/slide15.xml><?xml version="1.0" encoding="utf-8"?>
 <p:sld xmlns:a="http://schemas.openxmlformats.org/drawingml/2006/main" xmlns:r="http://schemas.openxmlformats.org/officeDocument/2006/relationships" xmlns:p="http://schemas.openxmlformats.org/presentationml/2006/main">
   <p:cSld>
@@ -9788,7 +9936,7 @@
           <p:cNvPr id="4" name="Title 1">
             <a:extLst>
               <a:ext uri="{FF2B5EF4-FFF2-40B4-BE49-F238E27FC236}">
-                <a16:creationId xmlns:a16="http://schemas.microsoft.com/office/drawing/2014/main" id="{DC4BA8F7-A539-7498-3953-E9FD37264E38}"/>
+                <a16:creationId xmlns:a16="http://schemas.microsoft.com/office/drawing/2014/main" id="{9CE9F9D2-4F96-215A-2A2D-AF3CAAF3CE85}"/>
               </a:ext>
             </a:extLst>
           </p:cNvPr>
@@ -9811,149 +9959,64 @@
           <a:p>
             <a:r>
               <a:rPr lang="nb-NO" dirty="0"/>
-              <a:t>Network Security Group – default NSG rules</a:t>
+              <a:t>Service tags</a:t>
             </a:r>
           </a:p>
         </p:txBody>
       </p:sp>
       <p:pic>
         <p:nvPicPr>
-          <p:cNvPr id="5" name="Picture 4">
-            <a:extLst>
-              <a:ext uri="{FF2B5EF4-FFF2-40B4-BE49-F238E27FC236}">
-                <a16:creationId xmlns:a16="http://schemas.microsoft.com/office/drawing/2014/main" id="{49D27FC2-CE3E-BC75-4D6E-1D346AF9C419}"/>
+          <p:cNvPr id="5" name="Picture 2" descr="Network isolation of Azure services using service tags">
+            <a:extLst>
+              <a:ext uri="{FF2B5EF4-FFF2-40B4-BE49-F238E27FC236}">
+                <a16:creationId xmlns:a16="http://schemas.microsoft.com/office/drawing/2014/main" id="{940C2CE2-DA25-BBA5-1532-7022CF40354E}"/>
               </a:ext>
             </a:extLst>
           </p:cNvPr>
           <p:cNvPicPr>
-            <a:picLocks noChangeAspect="1"/>
+            <a:picLocks noChangeAspect="1" noChangeArrowheads="1"/>
           </p:cNvPicPr>
           <p:nvPr/>
         </p:nvPicPr>
         <p:blipFill>
-          <a:blip r:embed="rId2"/>
+          <a:blip r:embed="rId3">
+            <a:extLst>
+              <a:ext uri="{28A0092B-C50C-407E-A947-70E740481C1C}">
+                <a14:useLocalDpi xmlns:a14="http://schemas.microsoft.com/office/drawing/2010/main" val="0"/>
+              </a:ext>
+            </a:extLst>
+          </a:blip>
+          <a:srcRect/>
           <a:stretch>
             <a:fillRect/>
           </a:stretch>
         </p:blipFill>
-        <p:spPr>
-          <a:xfrm>
-            <a:off x="602685" y="4964504"/>
-            <a:ext cx="11276190" cy="1180952"/>
+        <p:spPr bwMode="auto">
+          <a:xfrm>
+            <a:off x="3626069" y="1690688"/>
+            <a:ext cx="5272837" cy="4594035"/>
           </a:xfrm>
           <a:prstGeom prst="rect">
             <a:avLst/>
           </a:prstGeom>
+          <a:noFill/>
+          <a:extLst>
+            <a:ext uri="{909E8E84-426E-40DD-AFC4-6F175D3DCCD1}">
+              <a14:hiddenFill xmlns:a14="http://schemas.microsoft.com/office/drawing/2010/main">
+                <a:solidFill>
+                  <a:srgbClr val="FFFFFF"/>
+                </a:solidFill>
+              </a14:hiddenFill>
+            </a:ext>
+          </a:extLst>
         </p:spPr>
       </p:pic>
       <p:pic>
         <p:nvPicPr>
-          <p:cNvPr id="6" name="Picture 5">
-            <a:extLst>
-              <a:ext uri="{FF2B5EF4-FFF2-40B4-BE49-F238E27FC236}">
-                <a16:creationId xmlns:a16="http://schemas.microsoft.com/office/drawing/2014/main" id="{8BA779A6-4F14-D947-40DC-AF9AD15FADA5}"/>
-              </a:ext>
-            </a:extLst>
-          </p:cNvPr>
-          <p:cNvPicPr>
-            <a:picLocks noChangeAspect="1"/>
-          </p:cNvPicPr>
-          <p:nvPr/>
-        </p:nvPicPr>
-        <p:blipFill>
-          <a:blip r:embed="rId3"/>
-          <a:stretch>
-            <a:fillRect/>
-          </a:stretch>
-        </p:blipFill>
-        <p:spPr>
-          <a:xfrm>
-            <a:off x="362666" y="2393710"/>
-            <a:ext cx="11466667" cy="1247619"/>
-          </a:xfrm>
-          <a:prstGeom prst="rect">
-            <a:avLst/>
-          </a:prstGeom>
-        </p:spPr>
-      </p:pic>
-      <p:sp>
-        <p:nvSpPr>
-          <p:cNvPr id="7" name="TextBox 6">
-            <a:extLst>
-              <a:ext uri="{FF2B5EF4-FFF2-40B4-BE49-F238E27FC236}">
-                <a16:creationId xmlns:a16="http://schemas.microsoft.com/office/drawing/2014/main" id="{14109DBA-6AEF-AEDF-4950-FEBF15CB159A}"/>
-              </a:ext>
-            </a:extLst>
-          </p:cNvPr>
-          <p:cNvSpPr txBox="1"/>
-          <p:nvPr/>
-        </p:nvSpPr>
-        <p:spPr>
-          <a:xfrm>
-            <a:off x="525780" y="2004060"/>
-            <a:ext cx="986167" cy="369332"/>
-          </a:xfrm>
-          <a:prstGeom prst="rect">
-            <a:avLst/>
-          </a:prstGeom>
-          <a:noFill/>
-        </p:spPr>
-        <p:txBody>
-          <a:bodyPr wrap="none" rtlCol="0">
-            <a:spAutoFit/>
-          </a:bodyPr>
-          <a:lstStyle/>
-          <a:p>
-            <a:r>
-              <a:rPr lang="nb-NO" b="1" u="sng" dirty="0" err="1"/>
-              <a:t>Inbound</a:t>
-            </a:r>
-            <a:endParaRPr lang="nb-NO" b="1" u="sng" dirty="0"/>
-          </a:p>
-        </p:txBody>
-      </p:sp>
-      <p:sp>
-        <p:nvSpPr>
-          <p:cNvPr id="8" name="TextBox 7">
-            <a:extLst>
-              <a:ext uri="{FF2B5EF4-FFF2-40B4-BE49-F238E27FC236}">
-                <a16:creationId xmlns:a16="http://schemas.microsoft.com/office/drawing/2014/main" id="{412CE2B8-6EF0-AE37-0CB2-103E0DDCF44C}"/>
-              </a:ext>
-            </a:extLst>
-          </p:cNvPr>
-          <p:cNvSpPr txBox="1"/>
-          <p:nvPr/>
-        </p:nvSpPr>
-        <p:spPr>
-          <a:xfrm>
-            <a:off x="525780" y="4511040"/>
-            <a:ext cx="1160895" cy="369332"/>
-          </a:xfrm>
-          <a:prstGeom prst="rect">
-            <a:avLst/>
-          </a:prstGeom>
-          <a:noFill/>
-        </p:spPr>
-        <p:txBody>
-          <a:bodyPr wrap="none" rtlCol="0">
-            <a:spAutoFit/>
-          </a:bodyPr>
-          <a:lstStyle/>
-          <a:p>
-            <a:r>
-              <a:rPr lang="nb-NO" b="1" u="sng" dirty="0" err="1"/>
-              <a:t>Outbound</a:t>
-            </a:r>
-            <a:endParaRPr lang="nb-NO" b="1" u="sng" dirty="0"/>
-          </a:p>
-        </p:txBody>
-      </p:sp>
-      <p:pic>
-        <p:nvPicPr>
-          <p:cNvPr id="9" name="Google Shape;56;p13">
-            <a:extLst>
-              <a:ext uri="{FF2B5EF4-FFF2-40B4-BE49-F238E27FC236}">
-                <a16:creationId xmlns:a16="http://schemas.microsoft.com/office/drawing/2014/main" id="{CFEC41A2-C7F4-D6B4-9EEA-569C3F602F72}"/>
+          <p:cNvPr id="6" name="Google Shape;56;p13">
+            <a:extLst>
+              <a:ext uri="{FF2B5EF4-FFF2-40B4-BE49-F238E27FC236}">
+                <a16:creationId xmlns:a16="http://schemas.microsoft.com/office/drawing/2014/main" id="{98E90CBB-9422-C5D4-94FE-7E93329797B0}"/>
               </a:ext>
             </a:extLst>
           </p:cNvPr>
@@ -9984,10 +10047,10 @@
       </p:pic>
       <p:pic>
         <p:nvPicPr>
-          <p:cNvPr id="10" name="Graphic 4">
-            <a:extLst>
-              <a:ext uri="{FF2B5EF4-FFF2-40B4-BE49-F238E27FC236}">
-                <a16:creationId xmlns:a16="http://schemas.microsoft.com/office/drawing/2014/main" id="{6DBF065E-DDC2-DA2B-B27A-C4618ED555F5}"/>
+          <p:cNvPr id="7" name="Graphic 4">
+            <a:extLst>
+              <a:ext uri="{FF2B5EF4-FFF2-40B4-BE49-F238E27FC236}">
+                <a16:creationId xmlns:a16="http://schemas.microsoft.com/office/drawing/2014/main" id="{F4BEA66B-BB61-749C-412B-3AF961A26B44}"/>
               </a:ext>
             </a:extLst>
           </p:cNvPr>
@@ -10024,7 +10087,7 @@
     </p:spTree>
     <p:extLst>
       <p:ext uri="{BB962C8B-B14F-4D97-AF65-F5344CB8AC3E}">
-        <p14:creationId xmlns:p14="http://schemas.microsoft.com/office/powerpoint/2010/main" val="4031739153"/>
+        <p14:creationId xmlns:p14="http://schemas.microsoft.com/office/powerpoint/2010/main" val="955387538"/>
       </p:ext>
     </p:extLst>
   </p:cSld>
@@ -10079,11 +10142,71 @@
           <a:p>
             <a:r>
               <a:rPr lang="nb-NO" dirty="0"/>
-              <a:t>Network Security Group – examples</a:t>
+              <a:t>Network Security Group – default NSG rules</a:t>
             </a:r>
           </a:p>
         </p:txBody>
       </p:sp>
+      <p:pic>
+        <p:nvPicPr>
+          <p:cNvPr id="5" name="Picture 4">
+            <a:extLst>
+              <a:ext uri="{FF2B5EF4-FFF2-40B4-BE49-F238E27FC236}">
+                <a16:creationId xmlns:a16="http://schemas.microsoft.com/office/drawing/2014/main" id="{49D27FC2-CE3E-BC75-4D6E-1D346AF9C419}"/>
+              </a:ext>
+            </a:extLst>
+          </p:cNvPr>
+          <p:cNvPicPr>
+            <a:picLocks noChangeAspect="1"/>
+          </p:cNvPicPr>
+          <p:nvPr/>
+        </p:nvPicPr>
+        <p:blipFill>
+          <a:blip r:embed="rId2"/>
+          <a:stretch>
+            <a:fillRect/>
+          </a:stretch>
+        </p:blipFill>
+        <p:spPr>
+          <a:xfrm>
+            <a:off x="602685" y="4964504"/>
+            <a:ext cx="11276190" cy="1180952"/>
+          </a:xfrm>
+          <a:prstGeom prst="rect">
+            <a:avLst/>
+          </a:prstGeom>
+        </p:spPr>
+      </p:pic>
+      <p:pic>
+        <p:nvPicPr>
+          <p:cNvPr id="6" name="Picture 5">
+            <a:extLst>
+              <a:ext uri="{FF2B5EF4-FFF2-40B4-BE49-F238E27FC236}">
+                <a16:creationId xmlns:a16="http://schemas.microsoft.com/office/drawing/2014/main" id="{8BA779A6-4F14-D947-40DC-AF9AD15FADA5}"/>
+              </a:ext>
+            </a:extLst>
+          </p:cNvPr>
+          <p:cNvPicPr>
+            <a:picLocks noChangeAspect="1"/>
+          </p:cNvPicPr>
+          <p:nvPr/>
+        </p:nvPicPr>
+        <p:blipFill>
+          <a:blip r:embed="rId3"/>
+          <a:stretch>
+            <a:fillRect/>
+          </a:stretch>
+        </p:blipFill>
+        <p:spPr>
+          <a:xfrm>
+            <a:off x="362666" y="2393710"/>
+            <a:ext cx="11466667" cy="1247619"/>
+          </a:xfrm>
+          <a:prstGeom prst="rect">
+            <a:avLst/>
+          </a:prstGeom>
+        </p:spPr>
+      </p:pic>
       <p:sp>
         <p:nvSpPr>
           <p:cNvPr id="7" name="TextBox 6">
@@ -10120,6 +10243,42 @@
           </a:p>
         </p:txBody>
       </p:sp>
+      <p:sp>
+        <p:nvSpPr>
+          <p:cNvPr id="8" name="TextBox 7">
+            <a:extLst>
+              <a:ext uri="{FF2B5EF4-FFF2-40B4-BE49-F238E27FC236}">
+                <a16:creationId xmlns:a16="http://schemas.microsoft.com/office/drawing/2014/main" id="{412CE2B8-6EF0-AE37-0CB2-103E0DDCF44C}"/>
+              </a:ext>
+            </a:extLst>
+          </p:cNvPr>
+          <p:cNvSpPr txBox="1"/>
+          <p:nvPr/>
+        </p:nvSpPr>
+        <p:spPr>
+          <a:xfrm>
+            <a:off x="525780" y="4511040"/>
+            <a:ext cx="1160895" cy="369332"/>
+          </a:xfrm>
+          <a:prstGeom prst="rect">
+            <a:avLst/>
+          </a:prstGeom>
+          <a:noFill/>
+        </p:spPr>
+        <p:txBody>
+          <a:bodyPr wrap="none" rtlCol="0">
+            <a:spAutoFit/>
+          </a:bodyPr>
+          <a:lstStyle/>
+          <a:p>
+            <a:r>
+              <a:rPr lang="nb-NO" b="1" u="sng" dirty="0" err="1"/>
+              <a:t>Outbound</a:t>
+            </a:r>
+            <a:endParaRPr lang="nb-NO" b="1" u="sng" dirty="0"/>
+          </a:p>
+        </p:txBody>
+      </p:sp>
       <p:pic>
         <p:nvPicPr>
           <p:cNvPr id="9" name="Google Shape;56;p13">
@@ -10133,7 +10292,7 @@
           <p:nvPr/>
         </p:nvPicPr>
         <p:blipFill>
-          <a:blip r:embed="rId2">
+          <a:blip r:embed="rId4">
             <a:alphaModFix/>
           </a:blip>
           <a:stretch>
@@ -10169,13 +10328,13 @@
           <p:nvPr/>
         </p:nvPicPr>
         <p:blipFill>
-          <a:blip r:embed="rId3">
+          <a:blip r:embed="rId5">
             <a:extLst>
               <a:ext uri="{28A0092B-C50C-407E-A947-70E740481C1C}">
                 <a14:useLocalDpi xmlns:a14="http://schemas.microsoft.com/office/drawing/2010/main" val="0"/>
               </a:ext>
               <a:ext uri="{96DAC541-7B7A-43D3-8B79-37D633B846F1}">
-                <asvg:svgBlip xmlns:asvg="http://schemas.microsoft.com/office/drawing/2016/SVG/main" r:embed="rId4"/>
+                <asvg:svgBlip xmlns:asvg="http://schemas.microsoft.com/office/drawing/2016/SVG/main" r:embed="rId6"/>
               </a:ext>
             </a:extLst>
           </a:blip>
@@ -10193,40 +10352,10 @@
           </a:prstGeom>
         </p:spPr>
       </p:pic>
-      <p:pic>
-        <p:nvPicPr>
-          <p:cNvPr id="3" name="Picture 2">
-            <a:extLst>
-              <a:ext uri="{FF2B5EF4-FFF2-40B4-BE49-F238E27FC236}">
-                <a16:creationId xmlns:a16="http://schemas.microsoft.com/office/drawing/2014/main" id="{220D2255-C367-54F2-5560-5E2F22F92AC3}"/>
-              </a:ext>
-            </a:extLst>
-          </p:cNvPr>
-          <p:cNvPicPr>
-            <a:picLocks noChangeAspect="1"/>
-          </p:cNvPicPr>
-          <p:nvPr/>
-        </p:nvPicPr>
-        <p:blipFill>
-          <a:blip r:embed="rId5"/>
-          <a:stretch>
-            <a:fillRect/>
-          </a:stretch>
-        </p:blipFill>
-        <p:spPr>
-          <a:xfrm>
-            <a:off x="525780" y="2885320"/>
-            <a:ext cx="10238095" cy="2723809"/>
-          </a:xfrm>
-          <a:prstGeom prst="rect">
-            <a:avLst/>
-          </a:prstGeom>
-        </p:spPr>
-      </p:pic>
     </p:spTree>
     <p:extLst>
       <p:ext uri="{BB962C8B-B14F-4D97-AF65-F5344CB8AC3E}">
-        <p14:creationId xmlns:p14="http://schemas.microsoft.com/office/powerpoint/2010/main" val="385791743"/>
+        <p14:creationId xmlns:p14="http://schemas.microsoft.com/office/powerpoint/2010/main" val="4031739153"/>
       </p:ext>
     </p:extLst>
   </p:cSld>
@@ -10253,59 +10382,12 @@
           <a:chExt cx="0" cy="0"/>
         </a:xfrm>
       </p:grpSpPr>
-      <p:pic>
-        <p:nvPicPr>
-          <p:cNvPr id="4" name="Picture 2" descr="Securing Azure services to virtual networks">
-            <a:extLst>
-              <a:ext uri="{FF2B5EF4-FFF2-40B4-BE49-F238E27FC236}">
-                <a16:creationId xmlns:a16="http://schemas.microsoft.com/office/drawing/2014/main" id="{AB146F59-0695-53F3-C4AD-8DE48228AF88}"/>
-              </a:ext>
-            </a:extLst>
-          </p:cNvPr>
-          <p:cNvPicPr>
-            <a:picLocks noChangeAspect="1" noChangeArrowheads="1"/>
-          </p:cNvPicPr>
-          <p:nvPr/>
-        </p:nvPicPr>
-        <p:blipFill>
-          <a:blip r:embed="rId3">
-            <a:extLst>
-              <a:ext uri="{28A0092B-C50C-407E-A947-70E740481C1C}">
-                <a14:useLocalDpi xmlns:a14="http://schemas.microsoft.com/office/drawing/2010/main" val="0"/>
-              </a:ext>
-            </a:extLst>
-          </a:blip>
-          <a:srcRect/>
-          <a:stretch>
-            <a:fillRect/>
-          </a:stretch>
-        </p:blipFill>
-        <p:spPr bwMode="auto">
-          <a:xfrm>
-            <a:off x="3288349" y="533400"/>
-            <a:ext cx="7108544" cy="6195060"/>
-          </a:xfrm>
-          <a:prstGeom prst="rect">
-            <a:avLst/>
-          </a:prstGeom>
-          <a:noFill/>
-          <a:extLst>
-            <a:ext uri="{909E8E84-426E-40DD-AFC4-6F175D3DCCD1}">
-              <a14:hiddenFill xmlns:a14="http://schemas.microsoft.com/office/drawing/2010/main">
-                <a:solidFill>
-                  <a:srgbClr val="FFFFFF"/>
-                </a:solidFill>
-              </a14:hiddenFill>
-            </a:ext>
-          </a:extLst>
-        </p:spPr>
-      </p:pic>
-      <p:sp>
-        <p:nvSpPr>
-          <p:cNvPr id="5" name="Title 1">
-            <a:extLst>
-              <a:ext uri="{FF2B5EF4-FFF2-40B4-BE49-F238E27FC236}">
-                <a16:creationId xmlns:a16="http://schemas.microsoft.com/office/drawing/2014/main" id="{C51A7366-51C3-8C43-C340-3B7D95B20F67}"/>
+      <p:sp>
+        <p:nvSpPr>
+          <p:cNvPr id="4" name="Title 1">
+            <a:extLst>
+              <a:ext uri="{FF2B5EF4-FFF2-40B4-BE49-F238E27FC236}">
+                <a16:creationId xmlns:a16="http://schemas.microsoft.com/office/drawing/2014/main" id="{DC4BA8F7-A539-7498-3953-E9FD37264E38}"/>
               </a:ext>
             </a:extLst>
           </p:cNvPr>
@@ -10328,22 +10410,53 @@
           <a:p>
             <a:r>
               <a:rPr lang="nb-NO" dirty="0"/>
-              <a:t>Service </a:t>
-            </a:r>
-            <a:r>
-              <a:rPr lang="nb-NO" dirty="0" err="1"/>
-              <a:t>endpoints</a:t>
-            </a:r>
-            <a:endParaRPr lang="nb-NO" dirty="0"/>
+              <a:t>Network Security Group – examples</a:t>
+            </a:r>
+          </a:p>
+        </p:txBody>
+      </p:sp>
+      <p:sp>
+        <p:nvSpPr>
+          <p:cNvPr id="7" name="TextBox 6">
+            <a:extLst>
+              <a:ext uri="{FF2B5EF4-FFF2-40B4-BE49-F238E27FC236}">
+                <a16:creationId xmlns:a16="http://schemas.microsoft.com/office/drawing/2014/main" id="{14109DBA-6AEF-AEDF-4950-FEBF15CB159A}"/>
+              </a:ext>
+            </a:extLst>
+          </p:cNvPr>
+          <p:cNvSpPr txBox="1"/>
+          <p:nvPr/>
+        </p:nvSpPr>
+        <p:spPr>
+          <a:xfrm>
+            <a:off x="525780" y="2004060"/>
+            <a:ext cx="986167" cy="369332"/>
+          </a:xfrm>
+          <a:prstGeom prst="rect">
+            <a:avLst/>
+          </a:prstGeom>
+          <a:noFill/>
+        </p:spPr>
+        <p:txBody>
+          <a:bodyPr wrap="none" rtlCol="0">
+            <a:spAutoFit/>
+          </a:bodyPr>
+          <a:lstStyle/>
+          <a:p>
+            <a:r>
+              <a:rPr lang="nb-NO" b="1" u="sng" dirty="0" err="1"/>
+              <a:t>Inbound</a:t>
+            </a:r>
+            <a:endParaRPr lang="nb-NO" b="1" u="sng" dirty="0"/>
           </a:p>
         </p:txBody>
       </p:sp>
       <p:pic>
         <p:nvPicPr>
-          <p:cNvPr id="6" name="Google Shape;56;p13">
-            <a:extLst>
-              <a:ext uri="{FF2B5EF4-FFF2-40B4-BE49-F238E27FC236}">
-                <a16:creationId xmlns:a16="http://schemas.microsoft.com/office/drawing/2014/main" id="{437B9BAE-D32A-96BF-5C68-FF453D37D47C}"/>
+          <p:cNvPr id="9" name="Google Shape;56;p13">
+            <a:extLst>
+              <a:ext uri="{FF2B5EF4-FFF2-40B4-BE49-F238E27FC236}">
+                <a16:creationId xmlns:a16="http://schemas.microsoft.com/office/drawing/2014/main" id="{CFEC41A2-C7F4-D6B4-9EEA-569C3F602F72}"/>
               </a:ext>
             </a:extLst>
           </p:cNvPr>
@@ -10351,7 +10464,7 @@
           <p:nvPr/>
         </p:nvPicPr>
         <p:blipFill>
-          <a:blip r:embed="rId4">
+          <a:blip r:embed="rId2">
             <a:alphaModFix/>
           </a:blip>
           <a:stretch>
@@ -10374,10 +10487,10 @@
       </p:pic>
       <p:pic>
         <p:nvPicPr>
-          <p:cNvPr id="7" name="Graphic 4">
-            <a:extLst>
-              <a:ext uri="{FF2B5EF4-FFF2-40B4-BE49-F238E27FC236}">
-                <a16:creationId xmlns:a16="http://schemas.microsoft.com/office/drawing/2014/main" id="{2552AB2E-1599-341C-868D-9D1E8EF4AA95}"/>
+          <p:cNvPr id="10" name="Graphic 4">
+            <a:extLst>
+              <a:ext uri="{FF2B5EF4-FFF2-40B4-BE49-F238E27FC236}">
+                <a16:creationId xmlns:a16="http://schemas.microsoft.com/office/drawing/2014/main" id="{6DBF065E-DDC2-DA2B-B27A-C4618ED555F5}"/>
               </a:ext>
             </a:extLst>
           </p:cNvPr>
@@ -10387,13 +10500,13 @@
           <p:nvPr/>
         </p:nvPicPr>
         <p:blipFill>
-          <a:blip r:embed="rId5">
+          <a:blip r:embed="rId3">
             <a:extLst>
               <a:ext uri="{28A0092B-C50C-407E-A947-70E740481C1C}">
                 <a14:useLocalDpi xmlns:a14="http://schemas.microsoft.com/office/drawing/2010/main" val="0"/>
               </a:ext>
               <a:ext uri="{96DAC541-7B7A-43D3-8B79-37D633B846F1}">
-                <asvg:svgBlip xmlns:asvg="http://schemas.microsoft.com/office/drawing/2016/SVG/main" r:embed="rId6"/>
+                <asvg:svgBlip xmlns:asvg="http://schemas.microsoft.com/office/drawing/2016/SVG/main" r:embed="rId4"/>
               </a:ext>
             </a:extLst>
           </a:blip>
@@ -10411,10 +10524,40 @@
           </a:prstGeom>
         </p:spPr>
       </p:pic>
+      <p:pic>
+        <p:nvPicPr>
+          <p:cNvPr id="3" name="Picture 2">
+            <a:extLst>
+              <a:ext uri="{FF2B5EF4-FFF2-40B4-BE49-F238E27FC236}">
+                <a16:creationId xmlns:a16="http://schemas.microsoft.com/office/drawing/2014/main" id="{220D2255-C367-54F2-5560-5E2F22F92AC3}"/>
+              </a:ext>
+            </a:extLst>
+          </p:cNvPr>
+          <p:cNvPicPr>
+            <a:picLocks noChangeAspect="1"/>
+          </p:cNvPicPr>
+          <p:nvPr/>
+        </p:nvPicPr>
+        <p:blipFill>
+          <a:blip r:embed="rId5"/>
+          <a:stretch>
+            <a:fillRect/>
+          </a:stretch>
+        </p:blipFill>
+        <p:spPr>
+          <a:xfrm>
+            <a:off x="525780" y="2885320"/>
+            <a:ext cx="10238095" cy="2723809"/>
+          </a:xfrm>
+          <a:prstGeom prst="rect">
+            <a:avLst/>
+          </a:prstGeom>
+        </p:spPr>
+      </p:pic>
     </p:spTree>
     <p:extLst>
       <p:ext uri="{BB962C8B-B14F-4D97-AF65-F5344CB8AC3E}">
-        <p14:creationId xmlns:p14="http://schemas.microsoft.com/office/powerpoint/2010/main" val="2215336523"/>
+        <p14:creationId xmlns:p14="http://schemas.microsoft.com/office/powerpoint/2010/main" val="385791743"/>
       </p:ext>
     </p:extLst>
   </p:cSld>
@@ -10443,82 +10586,10 @@
       </p:grpSpPr>
       <p:pic>
         <p:nvPicPr>
-          <p:cNvPr id="6" name="Google Shape;56;p13">
-            <a:extLst>
-              <a:ext uri="{FF2B5EF4-FFF2-40B4-BE49-F238E27FC236}">
-                <a16:creationId xmlns:a16="http://schemas.microsoft.com/office/drawing/2014/main" id="{64AE39D8-E574-A44B-39FB-3357EFB87CD3}"/>
-              </a:ext>
-            </a:extLst>
-          </p:cNvPr>
-          <p:cNvPicPr preferRelativeResize="0"/>
-          <p:nvPr/>
-        </p:nvPicPr>
-        <p:blipFill>
-          <a:blip r:embed="rId3">
-            <a:alphaModFix/>
-          </a:blip>
-          <a:stretch>
-            <a:fillRect/>
-          </a:stretch>
-        </p:blipFill>
-        <p:spPr>
-          <a:xfrm>
-            <a:off x="10989179" y="5736492"/>
-            <a:ext cx="1202821" cy="1121508"/>
-          </a:xfrm>
-          <a:prstGeom prst="rect">
-            <a:avLst/>
-          </a:prstGeom>
-          <a:noFill/>
-          <a:ln>
-            <a:noFill/>
-          </a:ln>
-        </p:spPr>
-      </p:pic>
-      <p:sp>
-        <p:nvSpPr>
-          <p:cNvPr id="4" name="Title 1">
-            <a:extLst>
-              <a:ext uri="{FF2B5EF4-FFF2-40B4-BE49-F238E27FC236}">
-                <a16:creationId xmlns:a16="http://schemas.microsoft.com/office/drawing/2014/main" id="{B5EF3408-3A5E-95CF-24BC-930418F15B35}"/>
-              </a:ext>
-            </a:extLst>
-          </p:cNvPr>
-          <p:cNvSpPr>
-            <a:spLocks noGrp="1"/>
-          </p:cNvSpPr>
-          <p:nvPr>
-            <p:ph type="title"/>
-          </p:nvPr>
-        </p:nvSpPr>
-        <p:spPr>
-          <a:xfrm>
-            <a:off x="838200" y="365125"/>
-            <a:ext cx="10515600" cy="1325563"/>
-          </a:xfrm>
-        </p:spPr>
-        <p:txBody>
-          <a:bodyPr/>
-          <a:lstStyle/>
-          <a:p>
-            <a:r>
-              <a:rPr lang="nb-NO" dirty="0"/>
-              <a:t>Service </a:t>
-            </a:r>
-            <a:r>
-              <a:rPr lang="nb-NO" dirty="0" err="1"/>
-              <a:t>endpoints</a:t>
-            </a:r>
-            <a:endParaRPr lang="nb-NO" dirty="0"/>
-          </a:p>
-        </p:txBody>
-      </p:sp>
-      <p:pic>
-        <p:nvPicPr>
-          <p:cNvPr id="5" name="Picture 2" descr="Service Endpoints">
-            <a:extLst>
-              <a:ext uri="{FF2B5EF4-FFF2-40B4-BE49-F238E27FC236}">
-                <a16:creationId xmlns:a16="http://schemas.microsoft.com/office/drawing/2014/main" id="{187CF094-8894-BD97-CF11-CDA4AEBC66BF}"/>
+          <p:cNvPr id="4" name="Picture 2" descr="Securing Azure services to virtual networks">
+            <a:extLst>
+              <a:ext uri="{FF2B5EF4-FFF2-40B4-BE49-F238E27FC236}">
+                <a16:creationId xmlns:a16="http://schemas.microsoft.com/office/drawing/2014/main" id="{AB146F59-0695-53F3-C4AD-8DE48228AF88}"/>
               </a:ext>
             </a:extLst>
           </p:cNvPr>
@@ -10528,7 +10599,7 @@
           <p:nvPr/>
         </p:nvPicPr>
         <p:blipFill>
-          <a:blip r:embed="rId4">
+          <a:blip r:embed="rId3">
             <a:extLst>
               <a:ext uri="{28A0092B-C50C-407E-A947-70E740481C1C}">
                 <a14:useLocalDpi xmlns:a14="http://schemas.microsoft.com/office/drawing/2010/main" val="0"/>
@@ -10542,8 +10613,8 @@
         </p:blipFill>
         <p:spPr bwMode="auto">
           <a:xfrm>
-            <a:off x="1120140" y="1270440"/>
-            <a:ext cx="9951720" cy="4886320"/>
+            <a:off x="3288349" y="533400"/>
+            <a:ext cx="7108544" cy="6195060"/>
           </a:xfrm>
           <a:prstGeom prst="rect">
             <a:avLst/>
@@ -10560,12 +10631,84 @@
           </a:extLst>
         </p:spPr>
       </p:pic>
+      <p:sp>
+        <p:nvSpPr>
+          <p:cNvPr id="5" name="Title 1">
+            <a:extLst>
+              <a:ext uri="{FF2B5EF4-FFF2-40B4-BE49-F238E27FC236}">
+                <a16:creationId xmlns:a16="http://schemas.microsoft.com/office/drawing/2014/main" id="{C51A7366-51C3-8C43-C340-3B7D95B20F67}"/>
+              </a:ext>
+            </a:extLst>
+          </p:cNvPr>
+          <p:cNvSpPr>
+            <a:spLocks noGrp="1"/>
+          </p:cNvSpPr>
+          <p:nvPr>
+            <p:ph type="title"/>
+          </p:nvPr>
+        </p:nvSpPr>
+        <p:spPr>
+          <a:xfrm>
+            <a:off x="838200" y="365125"/>
+            <a:ext cx="10515600" cy="1325563"/>
+          </a:xfrm>
+        </p:spPr>
+        <p:txBody>
+          <a:bodyPr/>
+          <a:lstStyle/>
+          <a:p>
+            <a:r>
+              <a:rPr lang="nb-NO" dirty="0"/>
+              <a:t>Service </a:t>
+            </a:r>
+            <a:r>
+              <a:rPr lang="nb-NO" dirty="0" err="1"/>
+              <a:t>endpoints</a:t>
+            </a:r>
+            <a:endParaRPr lang="nb-NO" dirty="0"/>
+          </a:p>
+        </p:txBody>
+      </p:sp>
+      <p:pic>
+        <p:nvPicPr>
+          <p:cNvPr id="6" name="Google Shape;56;p13">
+            <a:extLst>
+              <a:ext uri="{FF2B5EF4-FFF2-40B4-BE49-F238E27FC236}">
+                <a16:creationId xmlns:a16="http://schemas.microsoft.com/office/drawing/2014/main" id="{437B9BAE-D32A-96BF-5C68-FF453D37D47C}"/>
+              </a:ext>
+            </a:extLst>
+          </p:cNvPr>
+          <p:cNvPicPr preferRelativeResize="0"/>
+          <p:nvPr/>
+        </p:nvPicPr>
+        <p:blipFill>
+          <a:blip r:embed="rId4">
+            <a:alphaModFix/>
+          </a:blip>
+          <a:stretch>
+            <a:fillRect/>
+          </a:stretch>
+        </p:blipFill>
+        <p:spPr>
+          <a:xfrm>
+            <a:off x="10989179" y="5736492"/>
+            <a:ext cx="1202821" cy="1121508"/>
+          </a:xfrm>
+          <a:prstGeom prst="rect">
+            <a:avLst/>
+          </a:prstGeom>
+          <a:noFill/>
+          <a:ln>
+            <a:noFill/>
+          </a:ln>
+        </p:spPr>
+      </p:pic>
       <p:pic>
         <p:nvPicPr>
           <p:cNvPr id="7" name="Graphic 4">
             <a:extLst>
               <a:ext uri="{FF2B5EF4-FFF2-40B4-BE49-F238E27FC236}">
-                <a16:creationId xmlns:a16="http://schemas.microsoft.com/office/drawing/2014/main" id="{659C9C74-55F9-F296-1192-2C5799B8C0D0}"/>
+                <a16:creationId xmlns:a16="http://schemas.microsoft.com/office/drawing/2014/main" id="{2552AB2E-1599-341C-868D-9D1E8EF4AA95}"/>
               </a:ext>
             </a:extLst>
           </p:cNvPr>
@@ -10602,7 +10745,7 @@
     </p:spTree>
     <p:extLst>
       <p:ext uri="{BB962C8B-B14F-4D97-AF65-F5344CB8AC3E}">
-        <p14:creationId xmlns:p14="http://schemas.microsoft.com/office/powerpoint/2010/main" val="2436997806"/>
+        <p14:creationId xmlns:p14="http://schemas.microsoft.com/office/powerpoint/2010/main" val="2215336523"/>
       </p:ext>
     </p:extLst>
   </p:cSld>
@@ -10629,12 +10772,46 @@
           <a:chExt cx="0" cy="0"/>
         </a:xfrm>
       </p:grpSpPr>
-      <p:sp>
-        <p:nvSpPr>
-          <p:cNvPr id="2" name="Title 1">
-            <a:extLst>
-              <a:ext uri="{FF2B5EF4-FFF2-40B4-BE49-F238E27FC236}">
-                <a16:creationId xmlns:a16="http://schemas.microsoft.com/office/drawing/2014/main" id="{CE06C0FD-17AD-5A86-D7E4-9F8B19EDB8BE}"/>
+      <p:pic>
+        <p:nvPicPr>
+          <p:cNvPr id="6" name="Google Shape;56;p13">
+            <a:extLst>
+              <a:ext uri="{FF2B5EF4-FFF2-40B4-BE49-F238E27FC236}">
+                <a16:creationId xmlns:a16="http://schemas.microsoft.com/office/drawing/2014/main" id="{64AE39D8-E574-A44B-39FB-3357EFB87CD3}"/>
+              </a:ext>
+            </a:extLst>
+          </p:cNvPr>
+          <p:cNvPicPr preferRelativeResize="0"/>
+          <p:nvPr/>
+        </p:nvPicPr>
+        <p:blipFill>
+          <a:blip r:embed="rId3">
+            <a:alphaModFix/>
+          </a:blip>
+          <a:stretch>
+            <a:fillRect/>
+          </a:stretch>
+        </p:blipFill>
+        <p:spPr>
+          <a:xfrm>
+            <a:off x="10989179" y="5736492"/>
+            <a:ext cx="1202821" cy="1121508"/>
+          </a:xfrm>
+          <a:prstGeom prst="rect">
+            <a:avLst/>
+          </a:prstGeom>
+          <a:noFill/>
+          <a:ln>
+            <a:noFill/>
+          </a:ln>
+        </p:spPr>
+      </p:pic>
+      <p:sp>
+        <p:nvSpPr>
+          <p:cNvPr id="4" name="Title 1">
+            <a:extLst>
+              <a:ext uri="{FF2B5EF4-FFF2-40B4-BE49-F238E27FC236}">
+                <a16:creationId xmlns:a16="http://schemas.microsoft.com/office/drawing/2014/main" id="{B5EF3408-3A5E-95CF-24BC-930418F15B35}"/>
               </a:ext>
             </a:extLst>
           </p:cNvPr>
@@ -10645,118 +10822,81 @@
             <p:ph type="title"/>
           </p:nvPr>
         </p:nvSpPr>
-        <p:spPr/>
+        <p:spPr>
+          <a:xfrm>
+            <a:off x="838200" y="365125"/>
+            <a:ext cx="10515600" cy="1325563"/>
+          </a:xfrm>
+        </p:spPr>
         <p:txBody>
           <a:bodyPr/>
           <a:lstStyle/>
           <a:p>
             <a:r>
               <a:rPr lang="nb-NO" dirty="0"/>
-              <a:t>Private Endpoints and Private links</a:t>
-            </a:r>
-            <a:endParaRPr lang="en-US" dirty="0"/>
-          </a:p>
-        </p:txBody>
-      </p:sp>
-      <p:sp>
-        <p:nvSpPr>
-          <p:cNvPr id="3" name="Text Placeholder 2">
-            <a:extLst>
-              <a:ext uri="{FF2B5EF4-FFF2-40B4-BE49-F238E27FC236}">
-                <a16:creationId xmlns:a16="http://schemas.microsoft.com/office/drawing/2014/main" id="{F3573E1E-0EF5-AAA2-CA6A-EA2A0E5671A1}"/>
-              </a:ext>
-            </a:extLst>
-          </p:cNvPr>
-          <p:cNvSpPr>
-            <a:spLocks noGrp="1"/>
-          </p:cNvSpPr>
-          <p:nvPr>
-            <p:ph type="body" idx="1"/>
-          </p:nvPr>
-        </p:nvSpPr>
-        <p:spPr>
-          <a:xfrm>
-            <a:off x="415600" y="1536633"/>
-            <a:ext cx="9816971" cy="4555200"/>
-          </a:xfrm>
-        </p:spPr>
-        <p:txBody>
-          <a:bodyPr/>
-          <a:lstStyle/>
-          <a:p>
-            <a:r>
-              <a:rPr lang="en-US" dirty="0"/>
-              <a:t>Privately access services on the Azure platform</a:t>
-            </a:r>
-          </a:p>
-          <a:p>
-            <a:r>
-              <a:rPr lang="en-US" dirty="0"/>
-              <a:t>On-premises and peered networks</a:t>
-            </a:r>
-          </a:p>
-          <a:p>
-            <a:r>
-              <a:rPr lang="en-US" dirty="0"/>
-              <a:t>Protection against data leakage</a:t>
-            </a:r>
-          </a:p>
-          <a:p>
-            <a:r>
-              <a:rPr lang="en-US" dirty="0"/>
-              <a:t>Extend to your own services</a:t>
-            </a:r>
-          </a:p>
-          <a:p>
-            <a:endParaRPr lang="en-US" dirty="0"/>
+              <a:t>Service </a:t>
+            </a:r>
+            <a:r>
+              <a:rPr lang="nb-NO" dirty="0" err="1"/>
+              <a:t>endpoints</a:t>
+            </a:r>
+            <a:endParaRPr lang="nb-NO" dirty="0"/>
           </a:p>
         </p:txBody>
       </p:sp>
       <p:pic>
         <p:nvPicPr>
-          <p:cNvPr id="5" name="Graphic 4">
-            <a:extLst>
-              <a:ext uri="{FF2B5EF4-FFF2-40B4-BE49-F238E27FC236}">
-                <a16:creationId xmlns:a16="http://schemas.microsoft.com/office/drawing/2014/main" id="{0EA27CB8-8340-5A1C-F770-C3908B90DB3E}"/>
+          <p:cNvPr id="5" name="Picture 2" descr="Service Endpoints">
+            <a:extLst>
+              <a:ext uri="{FF2B5EF4-FFF2-40B4-BE49-F238E27FC236}">
+                <a16:creationId xmlns:a16="http://schemas.microsoft.com/office/drawing/2014/main" id="{187CF094-8894-BD97-CF11-CDA4AEBC66BF}"/>
               </a:ext>
             </a:extLst>
           </p:cNvPr>
           <p:cNvPicPr>
-            <a:picLocks noChangeAspect="1"/>
+            <a:picLocks noChangeAspect="1" noChangeArrowheads="1"/>
           </p:cNvPicPr>
           <p:nvPr/>
         </p:nvPicPr>
         <p:blipFill>
-          <a:blip r:embed="rId3">
+          <a:blip r:embed="rId4">
             <a:extLst>
               <a:ext uri="{28A0092B-C50C-407E-A947-70E740481C1C}">
                 <a14:useLocalDpi xmlns:a14="http://schemas.microsoft.com/office/drawing/2010/main" val="0"/>
               </a:ext>
-              <a:ext uri="{96DAC541-7B7A-43D3-8B79-37D633B846F1}">
-                <asvg:svgBlip xmlns:asvg="http://schemas.microsoft.com/office/drawing/2016/SVG/main" r:embed="rId4"/>
-              </a:ext>
             </a:extLst>
           </a:blip>
+          <a:srcRect/>
           <a:stretch>
             <a:fillRect/>
           </a:stretch>
         </p:blipFill>
-        <p:spPr>
-          <a:xfrm>
-            <a:off x="375137" y="6121057"/>
-            <a:ext cx="1718444" cy="574556"/>
+        <p:spPr bwMode="auto">
+          <a:xfrm>
+            <a:off x="1120140" y="1270440"/>
+            <a:ext cx="9951720" cy="4886320"/>
           </a:xfrm>
           <a:prstGeom prst="rect">
             <a:avLst/>
           </a:prstGeom>
+          <a:noFill/>
+          <a:extLst>
+            <a:ext uri="{909E8E84-426E-40DD-AFC4-6F175D3DCCD1}">
+              <a14:hiddenFill xmlns:a14="http://schemas.microsoft.com/office/drawing/2010/main">
+                <a:solidFill>
+                  <a:srgbClr val="FFFFFF"/>
+                </a:solidFill>
+              </a14:hiddenFill>
+            </a:ext>
+          </a:extLst>
         </p:spPr>
       </p:pic>
       <p:pic>
         <p:nvPicPr>
-          <p:cNvPr id="7" name="Graphic 6">
-            <a:extLst>
-              <a:ext uri="{FF2B5EF4-FFF2-40B4-BE49-F238E27FC236}">
-                <a16:creationId xmlns:a16="http://schemas.microsoft.com/office/drawing/2014/main" id="{A6F93A32-B015-AFD9-3272-41FB676F2CF3}"/>
+          <p:cNvPr id="7" name="Graphic 4">
+            <a:extLst>
+              <a:ext uri="{FF2B5EF4-FFF2-40B4-BE49-F238E27FC236}">
+                <a16:creationId xmlns:a16="http://schemas.microsoft.com/office/drawing/2014/main" id="{659C9C74-55F9-F296-1192-2C5799B8C0D0}"/>
               </a:ext>
             </a:extLst>
           </p:cNvPr>
@@ -10782,77 +10922,8 @@
         </p:blipFill>
         <p:spPr>
           <a:xfrm>
-            <a:off x="10749914" y="689655"/>
-            <a:ext cx="504825" cy="504825"/>
-          </a:xfrm>
-          <a:prstGeom prst="rect">
-            <a:avLst/>
-          </a:prstGeom>
-        </p:spPr>
-      </p:pic>
-      <p:pic>
-        <p:nvPicPr>
-          <p:cNvPr id="8" name="Graphic 7">
-            <a:extLst>
-              <a:ext uri="{FF2B5EF4-FFF2-40B4-BE49-F238E27FC236}">
-                <a16:creationId xmlns:a16="http://schemas.microsoft.com/office/drawing/2014/main" id="{EB2288CB-7369-C8D3-ECA2-E1BDC79D55B2}"/>
-              </a:ext>
-            </a:extLst>
-          </p:cNvPr>
-          <p:cNvPicPr>
-            <a:picLocks noChangeAspect="1"/>
-          </p:cNvPicPr>
-          <p:nvPr/>
-        </p:nvPicPr>
-        <p:blipFill>
-          <a:blip r:embed="rId7">
-            <a:extLst>
-              <a:ext uri="{28A0092B-C50C-407E-A947-70E740481C1C}">
-                <a14:useLocalDpi xmlns:a14="http://schemas.microsoft.com/office/drawing/2010/main" val="0"/>
-              </a:ext>
-              <a:ext uri="{96DAC541-7B7A-43D3-8B79-37D633B846F1}">
-                <asvg:svgBlip xmlns:asvg="http://schemas.microsoft.com/office/drawing/2016/SVG/main" r:embed="rId8"/>
-              </a:ext>
-            </a:extLst>
-          </a:blip>
-          <a:stretch>
-            <a:fillRect/>
-          </a:stretch>
-        </p:blipFill>
-        <p:spPr>
-          <a:xfrm>
-            <a:off x="9896474" y="682035"/>
-            <a:ext cx="512445" cy="512445"/>
-          </a:xfrm>
-          <a:prstGeom prst="rect">
-            <a:avLst/>
-          </a:prstGeom>
-        </p:spPr>
-      </p:pic>
-      <p:pic>
-        <p:nvPicPr>
-          <p:cNvPr id="12" name="Picture 11">
-            <a:extLst>
-              <a:ext uri="{FF2B5EF4-FFF2-40B4-BE49-F238E27FC236}">
-                <a16:creationId xmlns:a16="http://schemas.microsoft.com/office/drawing/2014/main" id="{5440BA41-7AD3-536D-DFC2-8162EF583A16}"/>
-              </a:ext>
-            </a:extLst>
-          </p:cNvPr>
-          <p:cNvPicPr>
-            <a:picLocks noChangeAspect="1"/>
-          </p:cNvPicPr>
-          <p:nvPr/>
-        </p:nvPicPr>
-        <p:blipFill>
-          <a:blip r:embed="rId9"/>
-          <a:stretch>
-            <a:fillRect/>
-          </a:stretch>
-        </p:blipFill>
-        <p:spPr>
-          <a:xfrm>
-            <a:off x="3204753" y="3123982"/>
-            <a:ext cx="8831383" cy="3734017"/>
+            <a:off x="375137" y="6121057"/>
+            <a:ext cx="1718444" cy="574556"/>
           </a:xfrm>
           <a:prstGeom prst="rect">
             <a:avLst/>
@@ -10862,7 +10933,7 @@
     </p:spTree>
     <p:extLst>
       <p:ext uri="{BB962C8B-B14F-4D97-AF65-F5344CB8AC3E}">
-        <p14:creationId xmlns:p14="http://schemas.microsoft.com/office/powerpoint/2010/main" val="2657661432"/>
+        <p14:creationId xmlns:p14="http://schemas.microsoft.com/office/powerpoint/2010/main" val="2436997806"/>
       </p:ext>
     </p:extLst>
   </p:cSld>
@@ -11124,10 +11195,10 @@
       </p:grpSpPr>
       <p:sp>
         <p:nvSpPr>
-          <p:cNvPr id="4" name="Title 1">
-            <a:extLst>
-              <a:ext uri="{FF2B5EF4-FFF2-40B4-BE49-F238E27FC236}">
-                <a16:creationId xmlns:a16="http://schemas.microsoft.com/office/drawing/2014/main" id="{43D70B8D-F4A3-86FA-9A6F-58153D20A1E2}"/>
+          <p:cNvPr id="2" name="Title 1">
+            <a:extLst>
+              <a:ext uri="{FF2B5EF4-FFF2-40B4-BE49-F238E27FC236}">
+                <a16:creationId xmlns:a16="http://schemas.microsoft.com/office/drawing/2014/main" id="{CE06C0FD-17AD-5A86-D7E4-9F8B19EDB8BE}"/>
               </a:ext>
             </a:extLst>
           </p:cNvPr>
@@ -11138,12 +11209,7 @@
             <p:ph type="title"/>
           </p:nvPr>
         </p:nvSpPr>
-        <p:spPr>
-          <a:xfrm>
-            <a:off x="829491" y="365125"/>
-            <a:ext cx="10515600" cy="1325563"/>
-          </a:xfrm>
-        </p:spPr>
+        <p:spPr/>
         <p:txBody>
           <a:bodyPr/>
           <a:lstStyle/>
@@ -11152,15 +11218,70 @@
               <a:rPr lang="nb-NO" dirty="0"/>
               <a:t>Private Endpoints and Private links</a:t>
             </a:r>
+            <a:endParaRPr lang="en-US" dirty="0"/>
+          </a:p>
+        </p:txBody>
+      </p:sp>
+      <p:sp>
+        <p:nvSpPr>
+          <p:cNvPr id="3" name="Text Placeholder 2">
+            <a:extLst>
+              <a:ext uri="{FF2B5EF4-FFF2-40B4-BE49-F238E27FC236}">
+                <a16:creationId xmlns:a16="http://schemas.microsoft.com/office/drawing/2014/main" id="{F3573E1E-0EF5-AAA2-CA6A-EA2A0E5671A1}"/>
+              </a:ext>
+            </a:extLst>
+          </p:cNvPr>
+          <p:cNvSpPr>
+            <a:spLocks noGrp="1"/>
+          </p:cNvSpPr>
+          <p:nvPr>
+            <p:ph type="body" idx="1"/>
+          </p:nvPr>
+        </p:nvSpPr>
+        <p:spPr>
+          <a:xfrm>
+            <a:off x="415600" y="1536633"/>
+            <a:ext cx="9816971" cy="4555200"/>
+          </a:xfrm>
+        </p:spPr>
+        <p:txBody>
+          <a:bodyPr/>
+          <a:lstStyle/>
+          <a:p>
+            <a:r>
+              <a:rPr lang="en-US" dirty="0"/>
+              <a:t>Privately access services on the Azure platform</a:t>
+            </a:r>
+          </a:p>
+          <a:p>
+            <a:r>
+              <a:rPr lang="en-US" dirty="0"/>
+              <a:t>On-premises and peered networks</a:t>
+            </a:r>
+          </a:p>
+          <a:p>
+            <a:r>
+              <a:rPr lang="en-US" dirty="0"/>
+              <a:t>Protection against data leakage</a:t>
+            </a:r>
+          </a:p>
+          <a:p>
+            <a:r>
+              <a:rPr lang="en-US" dirty="0"/>
+              <a:t>Extend to your own services</a:t>
+            </a:r>
+          </a:p>
+          <a:p>
+            <a:endParaRPr lang="en-US" dirty="0"/>
           </a:p>
         </p:txBody>
       </p:sp>
       <p:pic>
         <p:nvPicPr>
-          <p:cNvPr id="6" name="Graphic 5">
-            <a:extLst>
-              <a:ext uri="{FF2B5EF4-FFF2-40B4-BE49-F238E27FC236}">
-                <a16:creationId xmlns:a16="http://schemas.microsoft.com/office/drawing/2014/main" id="{72E6C37A-4761-0879-FCC4-87FA90144CE9}"/>
+          <p:cNvPr id="5" name="Graphic 4">
+            <a:extLst>
+              <a:ext uri="{FF2B5EF4-FFF2-40B4-BE49-F238E27FC236}">
+                <a16:creationId xmlns:a16="http://schemas.microsoft.com/office/drawing/2014/main" id="{0EA27CB8-8340-5A1C-F770-C3908B90DB3E}"/>
               </a:ext>
             </a:extLst>
           </p:cNvPr>
@@ -11186,8 +11307,8 @@
         </p:blipFill>
         <p:spPr>
           <a:xfrm>
-            <a:off x="10741205" y="689655"/>
-            <a:ext cx="504825" cy="504825"/>
+            <a:off x="375137" y="6121057"/>
+            <a:ext cx="1718444" cy="574556"/>
           </a:xfrm>
           <a:prstGeom prst="rect">
             <a:avLst/>
@@ -11199,7 +11320,7 @@
           <p:cNvPr id="7" name="Graphic 6">
             <a:extLst>
               <a:ext uri="{FF2B5EF4-FFF2-40B4-BE49-F238E27FC236}">
-                <a16:creationId xmlns:a16="http://schemas.microsoft.com/office/drawing/2014/main" id="{3C9AEE6C-7595-3B30-2D91-B1F1E5006D83}"/>
+                <a16:creationId xmlns:a16="http://schemas.microsoft.com/office/drawing/2014/main" id="{A6F93A32-B015-AFD9-3272-41FB676F2CF3}"/>
               </a:ext>
             </a:extLst>
           </p:cNvPr>
@@ -11225,8 +11346,8 @@
         </p:blipFill>
         <p:spPr>
           <a:xfrm>
-            <a:off x="9887765" y="682035"/>
-            <a:ext cx="512445" cy="512445"/>
+            <a:off x="10749914" y="689655"/>
+            <a:ext cx="504825" cy="504825"/>
           </a:xfrm>
           <a:prstGeom prst="rect">
             <a:avLst/>
@@ -11235,44 +11356,10 @@
       </p:pic>
       <p:pic>
         <p:nvPicPr>
-          <p:cNvPr id="8" name="Google Shape;56;p13">
-            <a:extLst>
-              <a:ext uri="{FF2B5EF4-FFF2-40B4-BE49-F238E27FC236}">
-                <a16:creationId xmlns:a16="http://schemas.microsoft.com/office/drawing/2014/main" id="{A6456909-D685-4140-DFD9-7F11E5F1F19C}"/>
-              </a:ext>
-            </a:extLst>
-          </p:cNvPr>
-          <p:cNvPicPr preferRelativeResize="0"/>
-          <p:nvPr/>
-        </p:nvPicPr>
-        <p:blipFill>
-          <a:blip r:embed="rId7">
-            <a:alphaModFix/>
-          </a:blip>
-          <a:stretch>
-            <a:fillRect/>
-          </a:stretch>
-        </p:blipFill>
-        <p:spPr>
-          <a:xfrm>
-            <a:off x="10989179" y="5736492"/>
-            <a:ext cx="1202821" cy="1121508"/>
-          </a:xfrm>
-          <a:prstGeom prst="rect">
-            <a:avLst/>
-          </a:prstGeom>
-          <a:noFill/>
-          <a:ln>
-            <a:noFill/>
-          </a:ln>
-        </p:spPr>
-      </p:pic>
-      <p:pic>
-        <p:nvPicPr>
-          <p:cNvPr id="9" name="Graphic 4">
-            <a:extLst>
-              <a:ext uri="{FF2B5EF4-FFF2-40B4-BE49-F238E27FC236}">
-                <a16:creationId xmlns:a16="http://schemas.microsoft.com/office/drawing/2014/main" id="{CD948D9C-3987-BB03-C1B3-9E45EB45F861}"/>
+          <p:cNvPr id="8" name="Graphic 7">
+            <a:extLst>
+              <a:ext uri="{FF2B5EF4-FFF2-40B4-BE49-F238E27FC236}">
+                <a16:creationId xmlns:a16="http://schemas.microsoft.com/office/drawing/2014/main" id="{EB2288CB-7369-C8D3-ECA2-E1BDC79D55B2}"/>
               </a:ext>
             </a:extLst>
           </p:cNvPr>
@@ -11282,13 +11369,13 @@
           <p:nvPr/>
         </p:nvPicPr>
         <p:blipFill>
-          <a:blip r:embed="rId8">
+          <a:blip r:embed="rId7">
             <a:extLst>
               <a:ext uri="{28A0092B-C50C-407E-A947-70E740481C1C}">
                 <a14:useLocalDpi xmlns:a14="http://schemas.microsoft.com/office/drawing/2010/main" val="0"/>
               </a:ext>
               <a:ext uri="{96DAC541-7B7A-43D3-8B79-37D633B846F1}">
-                <asvg:svgBlip xmlns:asvg="http://schemas.microsoft.com/office/drawing/2016/SVG/main" r:embed="rId9"/>
+                <asvg:svgBlip xmlns:asvg="http://schemas.microsoft.com/office/drawing/2016/SVG/main" r:embed="rId8"/>
               </a:ext>
             </a:extLst>
           </a:blip>
@@ -11298,8 +11385,8 @@
         </p:blipFill>
         <p:spPr>
           <a:xfrm>
-            <a:off x="375137" y="6121057"/>
-            <a:ext cx="1718444" cy="574556"/>
+            <a:off x="9896474" y="682035"/>
+            <a:ext cx="512445" cy="512445"/>
           </a:xfrm>
           <a:prstGeom prst="rect">
             <a:avLst/>
@@ -11308,55 +11395,38 @@
       </p:pic>
       <p:pic>
         <p:nvPicPr>
-          <p:cNvPr id="5" name="Picture 2" descr="Private Endpoints">
-            <a:extLst>
-              <a:ext uri="{FF2B5EF4-FFF2-40B4-BE49-F238E27FC236}">
-                <a16:creationId xmlns:a16="http://schemas.microsoft.com/office/drawing/2014/main" id="{BEC9D205-D857-592C-8D3D-A217147F8BA2}"/>
+          <p:cNvPr id="12" name="Picture 11">
+            <a:extLst>
+              <a:ext uri="{FF2B5EF4-FFF2-40B4-BE49-F238E27FC236}">
+                <a16:creationId xmlns:a16="http://schemas.microsoft.com/office/drawing/2014/main" id="{5440BA41-7AD3-536D-DFC2-8162EF583A16}"/>
               </a:ext>
             </a:extLst>
           </p:cNvPr>
           <p:cNvPicPr>
-            <a:picLocks noChangeAspect="1" noChangeArrowheads="1"/>
+            <a:picLocks noChangeAspect="1"/>
           </p:cNvPicPr>
           <p:nvPr/>
         </p:nvPicPr>
         <p:blipFill>
-          <a:blip r:embed="rId10">
-            <a:extLst>
-              <a:ext uri="{28A0092B-C50C-407E-A947-70E740481C1C}">
-                <a14:useLocalDpi xmlns:a14="http://schemas.microsoft.com/office/drawing/2010/main" val="0"/>
-              </a:ext>
-            </a:extLst>
-          </a:blip>
-          <a:srcRect/>
+          <a:blip r:embed="rId9"/>
           <a:stretch>
             <a:fillRect/>
           </a:stretch>
         </p:blipFill>
-        <p:spPr bwMode="auto">
-          <a:xfrm>
-            <a:off x="1210491" y="1449341"/>
-            <a:ext cx="9466218" cy="4647937"/>
+        <p:spPr>
+          <a:xfrm>
+            <a:off x="3204753" y="3123982"/>
+            <a:ext cx="8831383" cy="3734017"/>
           </a:xfrm>
           <a:prstGeom prst="rect">
             <a:avLst/>
           </a:prstGeom>
-          <a:noFill/>
-          <a:extLst>
-            <a:ext uri="{909E8E84-426E-40DD-AFC4-6F175D3DCCD1}">
-              <a14:hiddenFill xmlns:a14="http://schemas.microsoft.com/office/drawing/2010/main">
-                <a:solidFill>
-                  <a:srgbClr val="FFFFFF"/>
-                </a:solidFill>
-              </a14:hiddenFill>
-            </a:ext>
-          </a:extLst>
         </p:spPr>
       </p:pic>
     </p:spTree>
     <p:extLst>
       <p:ext uri="{BB962C8B-B14F-4D97-AF65-F5344CB8AC3E}">
-        <p14:creationId xmlns:p14="http://schemas.microsoft.com/office/powerpoint/2010/main" val="1748496824"/>
+        <p14:creationId xmlns:p14="http://schemas.microsoft.com/office/powerpoint/2010/main" val="2657661432"/>
       </p:ext>
     </p:extLst>
   </p:cSld>
@@ -11385,6 +11455,267 @@
       </p:grpSpPr>
       <p:sp>
         <p:nvSpPr>
+          <p:cNvPr id="4" name="Title 1">
+            <a:extLst>
+              <a:ext uri="{FF2B5EF4-FFF2-40B4-BE49-F238E27FC236}">
+                <a16:creationId xmlns:a16="http://schemas.microsoft.com/office/drawing/2014/main" id="{43D70B8D-F4A3-86FA-9A6F-58153D20A1E2}"/>
+              </a:ext>
+            </a:extLst>
+          </p:cNvPr>
+          <p:cNvSpPr>
+            <a:spLocks noGrp="1"/>
+          </p:cNvSpPr>
+          <p:nvPr>
+            <p:ph type="title"/>
+          </p:nvPr>
+        </p:nvSpPr>
+        <p:spPr>
+          <a:xfrm>
+            <a:off x="829491" y="365125"/>
+            <a:ext cx="10515600" cy="1325563"/>
+          </a:xfrm>
+        </p:spPr>
+        <p:txBody>
+          <a:bodyPr/>
+          <a:lstStyle/>
+          <a:p>
+            <a:r>
+              <a:rPr lang="nb-NO" dirty="0"/>
+              <a:t>Private Endpoints and Private links</a:t>
+            </a:r>
+          </a:p>
+        </p:txBody>
+      </p:sp>
+      <p:pic>
+        <p:nvPicPr>
+          <p:cNvPr id="6" name="Graphic 5">
+            <a:extLst>
+              <a:ext uri="{FF2B5EF4-FFF2-40B4-BE49-F238E27FC236}">
+                <a16:creationId xmlns:a16="http://schemas.microsoft.com/office/drawing/2014/main" id="{72E6C37A-4761-0879-FCC4-87FA90144CE9}"/>
+              </a:ext>
+            </a:extLst>
+          </p:cNvPr>
+          <p:cNvPicPr>
+            <a:picLocks noChangeAspect="1"/>
+          </p:cNvPicPr>
+          <p:nvPr/>
+        </p:nvPicPr>
+        <p:blipFill>
+          <a:blip r:embed="rId3">
+            <a:extLst>
+              <a:ext uri="{28A0092B-C50C-407E-A947-70E740481C1C}">
+                <a14:useLocalDpi xmlns:a14="http://schemas.microsoft.com/office/drawing/2010/main" val="0"/>
+              </a:ext>
+              <a:ext uri="{96DAC541-7B7A-43D3-8B79-37D633B846F1}">
+                <asvg:svgBlip xmlns:asvg="http://schemas.microsoft.com/office/drawing/2016/SVG/main" r:embed="rId4"/>
+              </a:ext>
+            </a:extLst>
+          </a:blip>
+          <a:stretch>
+            <a:fillRect/>
+          </a:stretch>
+        </p:blipFill>
+        <p:spPr>
+          <a:xfrm>
+            <a:off x="10741205" y="689655"/>
+            <a:ext cx="504825" cy="504825"/>
+          </a:xfrm>
+          <a:prstGeom prst="rect">
+            <a:avLst/>
+          </a:prstGeom>
+        </p:spPr>
+      </p:pic>
+      <p:pic>
+        <p:nvPicPr>
+          <p:cNvPr id="7" name="Graphic 6">
+            <a:extLst>
+              <a:ext uri="{FF2B5EF4-FFF2-40B4-BE49-F238E27FC236}">
+                <a16:creationId xmlns:a16="http://schemas.microsoft.com/office/drawing/2014/main" id="{3C9AEE6C-7595-3B30-2D91-B1F1E5006D83}"/>
+              </a:ext>
+            </a:extLst>
+          </p:cNvPr>
+          <p:cNvPicPr>
+            <a:picLocks noChangeAspect="1"/>
+          </p:cNvPicPr>
+          <p:nvPr/>
+        </p:nvPicPr>
+        <p:blipFill>
+          <a:blip r:embed="rId5">
+            <a:extLst>
+              <a:ext uri="{28A0092B-C50C-407E-A947-70E740481C1C}">
+                <a14:useLocalDpi xmlns:a14="http://schemas.microsoft.com/office/drawing/2010/main" val="0"/>
+              </a:ext>
+              <a:ext uri="{96DAC541-7B7A-43D3-8B79-37D633B846F1}">
+                <asvg:svgBlip xmlns:asvg="http://schemas.microsoft.com/office/drawing/2016/SVG/main" r:embed="rId6"/>
+              </a:ext>
+            </a:extLst>
+          </a:blip>
+          <a:stretch>
+            <a:fillRect/>
+          </a:stretch>
+        </p:blipFill>
+        <p:spPr>
+          <a:xfrm>
+            <a:off x="9887765" y="682035"/>
+            <a:ext cx="512445" cy="512445"/>
+          </a:xfrm>
+          <a:prstGeom prst="rect">
+            <a:avLst/>
+          </a:prstGeom>
+        </p:spPr>
+      </p:pic>
+      <p:pic>
+        <p:nvPicPr>
+          <p:cNvPr id="8" name="Google Shape;56;p13">
+            <a:extLst>
+              <a:ext uri="{FF2B5EF4-FFF2-40B4-BE49-F238E27FC236}">
+                <a16:creationId xmlns:a16="http://schemas.microsoft.com/office/drawing/2014/main" id="{A6456909-D685-4140-DFD9-7F11E5F1F19C}"/>
+              </a:ext>
+            </a:extLst>
+          </p:cNvPr>
+          <p:cNvPicPr preferRelativeResize="0"/>
+          <p:nvPr/>
+        </p:nvPicPr>
+        <p:blipFill>
+          <a:blip r:embed="rId7">
+            <a:alphaModFix/>
+          </a:blip>
+          <a:stretch>
+            <a:fillRect/>
+          </a:stretch>
+        </p:blipFill>
+        <p:spPr>
+          <a:xfrm>
+            <a:off x="10989179" y="5736492"/>
+            <a:ext cx="1202821" cy="1121508"/>
+          </a:xfrm>
+          <a:prstGeom prst="rect">
+            <a:avLst/>
+          </a:prstGeom>
+          <a:noFill/>
+          <a:ln>
+            <a:noFill/>
+          </a:ln>
+        </p:spPr>
+      </p:pic>
+      <p:pic>
+        <p:nvPicPr>
+          <p:cNvPr id="9" name="Graphic 4">
+            <a:extLst>
+              <a:ext uri="{FF2B5EF4-FFF2-40B4-BE49-F238E27FC236}">
+                <a16:creationId xmlns:a16="http://schemas.microsoft.com/office/drawing/2014/main" id="{CD948D9C-3987-BB03-C1B3-9E45EB45F861}"/>
+              </a:ext>
+            </a:extLst>
+          </p:cNvPr>
+          <p:cNvPicPr>
+            <a:picLocks noChangeAspect="1"/>
+          </p:cNvPicPr>
+          <p:nvPr/>
+        </p:nvPicPr>
+        <p:blipFill>
+          <a:blip r:embed="rId8">
+            <a:extLst>
+              <a:ext uri="{28A0092B-C50C-407E-A947-70E740481C1C}">
+                <a14:useLocalDpi xmlns:a14="http://schemas.microsoft.com/office/drawing/2010/main" val="0"/>
+              </a:ext>
+              <a:ext uri="{96DAC541-7B7A-43D3-8B79-37D633B846F1}">
+                <asvg:svgBlip xmlns:asvg="http://schemas.microsoft.com/office/drawing/2016/SVG/main" r:embed="rId9"/>
+              </a:ext>
+            </a:extLst>
+          </a:blip>
+          <a:stretch>
+            <a:fillRect/>
+          </a:stretch>
+        </p:blipFill>
+        <p:spPr>
+          <a:xfrm>
+            <a:off x="375137" y="6121057"/>
+            <a:ext cx="1718444" cy="574556"/>
+          </a:xfrm>
+          <a:prstGeom prst="rect">
+            <a:avLst/>
+          </a:prstGeom>
+        </p:spPr>
+      </p:pic>
+      <p:pic>
+        <p:nvPicPr>
+          <p:cNvPr id="5" name="Picture 2" descr="Private Endpoints">
+            <a:extLst>
+              <a:ext uri="{FF2B5EF4-FFF2-40B4-BE49-F238E27FC236}">
+                <a16:creationId xmlns:a16="http://schemas.microsoft.com/office/drawing/2014/main" id="{BEC9D205-D857-592C-8D3D-A217147F8BA2}"/>
+              </a:ext>
+            </a:extLst>
+          </p:cNvPr>
+          <p:cNvPicPr>
+            <a:picLocks noChangeAspect="1" noChangeArrowheads="1"/>
+          </p:cNvPicPr>
+          <p:nvPr/>
+        </p:nvPicPr>
+        <p:blipFill>
+          <a:blip r:embed="rId10">
+            <a:extLst>
+              <a:ext uri="{28A0092B-C50C-407E-A947-70E740481C1C}">
+                <a14:useLocalDpi xmlns:a14="http://schemas.microsoft.com/office/drawing/2010/main" val="0"/>
+              </a:ext>
+            </a:extLst>
+          </a:blip>
+          <a:srcRect/>
+          <a:stretch>
+            <a:fillRect/>
+          </a:stretch>
+        </p:blipFill>
+        <p:spPr bwMode="auto">
+          <a:xfrm>
+            <a:off x="1210491" y="1449341"/>
+            <a:ext cx="9466218" cy="4647937"/>
+          </a:xfrm>
+          <a:prstGeom prst="rect">
+            <a:avLst/>
+          </a:prstGeom>
+          <a:noFill/>
+          <a:extLst>
+            <a:ext uri="{909E8E84-426E-40DD-AFC4-6F175D3DCCD1}">
+              <a14:hiddenFill xmlns:a14="http://schemas.microsoft.com/office/drawing/2010/main">
+                <a:solidFill>
+                  <a:srgbClr val="FFFFFF"/>
+                </a:solidFill>
+              </a14:hiddenFill>
+            </a:ext>
+          </a:extLst>
+        </p:spPr>
+      </p:pic>
+    </p:spTree>
+    <p:extLst>
+      <p:ext uri="{BB962C8B-B14F-4D97-AF65-F5344CB8AC3E}">
+        <p14:creationId xmlns:p14="http://schemas.microsoft.com/office/powerpoint/2010/main" val="1748496824"/>
+      </p:ext>
+    </p:extLst>
+  </p:cSld>
+  <p:clrMapOvr>
+    <a:masterClrMapping/>
+  </p:clrMapOvr>
+</p:sld>
+</file>
+
+<file path=ppt/slides/slide22.xml><?xml version="1.0" encoding="utf-8"?>
+<p:sld xmlns:a="http://schemas.openxmlformats.org/drawingml/2006/main" xmlns:r="http://schemas.openxmlformats.org/officeDocument/2006/relationships" xmlns:p="http://schemas.openxmlformats.org/presentationml/2006/main">
+  <p:cSld>
+    <p:spTree>
+      <p:nvGrpSpPr>
+        <p:cNvPr id="1" name=""/>
+        <p:cNvGrpSpPr/>
+        <p:nvPr/>
+      </p:nvGrpSpPr>
+      <p:grpSpPr>
+        <a:xfrm>
+          <a:off x="0" y="0"/>
+          <a:ext cx="0" cy="0"/>
+          <a:chOff x="0" y="0"/>
+          <a:chExt cx="0" cy="0"/>
+        </a:xfrm>
+      </p:grpSpPr>
+      <p:sp>
+        <p:nvSpPr>
           <p:cNvPr id="2" name="Title 1">
             <a:extLst>
               <a:ext uri="{FF2B5EF4-FFF2-40B4-BE49-F238E27FC236}">
@@ -11569,7 +11900,7 @@
 </p:sld>
 </file>
 
-<file path=ppt/slides/slide22.xml><?xml version="1.0" encoding="utf-8"?>
+<file path=ppt/slides/slide23.xml><?xml version="1.0" encoding="utf-8"?>
 <p:sld xmlns:a="http://schemas.openxmlformats.org/drawingml/2006/main" xmlns:r="http://schemas.openxmlformats.org/officeDocument/2006/relationships" xmlns:p="http://schemas.openxmlformats.org/presentationml/2006/main">
   <p:cSld>
     <p:spTree>
@@ -13190,184 +13521,6 @@
 </p:sld>
 </file>
 
-<file path=ppt/slides/slide23.xml><?xml version="1.0" encoding="utf-8"?>
-<p:sld xmlns:a="http://schemas.openxmlformats.org/drawingml/2006/main" xmlns:r="http://schemas.openxmlformats.org/officeDocument/2006/relationships" xmlns:p="http://schemas.openxmlformats.org/presentationml/2006/main">
-  <p:cSld>
-    <p:spTree>
-      <p:nvGrpSpPr>
-        <p:cNvPr id="1" name=""/>
-        <p:cNvGrpSpPr/>
-        <p:nvPr/>
-      </p:nvGrpSpPr>
-      <p:grpSpPr>
-        <a:xfrm>
-          <a:off x="0" y="0"/>
-          <a:ext cx="0" cy="0"/>
-          <a:chOff x="0" y="0"/>
-          <a:chExt cx="0" cy="0"/>
-        </a:xfrm>
-      </p:grpSpPr>
-      <p:sp>
-        <p:nvSpPr>
-          <p:cNvPr id="2" name="Title 1">
-            <a:extLst>
-              <a:ext uri="{FF2B5EF4-FFF2-40B4-BE49-F238E27FC236}">
-                <a16:creationId xmlns:a16="http://schemas.microsoft.com/office/drawing/2014/main" id="{B7D536D9-4000-58B4-C82D-D4D2379C8F84}"/>
-              </a:ext>
-            </a:extLst>
-          </p:cNvPr>
-          <p:cNvSpPr>
-            <a:spLocks noGrp="1"/>
-          </p:cNvSpPr>
-          <p:nvPr>
-            <p:ph type="title"/>
-          </p:nvPr>
-        </p:nvSpPr>
-        <p:spPr/>
-        <p:txBody>
-          <a:bodyPr/>
-          <a:lstStyle/>
-          <a:p>
-            <a:r>
-              <a:rPr lang="en-US" dirty="0"/>
-              <a:t>Virtual network workloads without custom DNS server</a:t>
-            </a:r>
-          </a:p>
-        </p:txBody>
-      </p:sp>
-      <p:pic>
-        <p:nvPicPr>
-          <p:cNvPr id="4" name="Google Shape;56;p13">
-            <a:extLst>
-              <a:ext uri="{FF2B5EF4-FFF2-40B4-BE49-F238E27FC236}">
-                <a16:creationId xmlns:a16="http://schemas.microsoft.com/office/drawing/2014/main" id="{B9988D63-600E-20EA-F018-EF88DB7CA097}"/>
-              </a:ext>
-            </a:extLst>
-          </p:cNvPr>
-          <p:cNvPicPr preferRelativeResize="0"/>
-          <p:nvPr/>
-        </p:nvPicPr>
-        <p:blipFill>
-          <a:blip r:embed="rId2">
-            <a:alphaModFix/>
-          </a:blip>
-          <a:stretch>
-            <a:fillRect/>
-          </a:stretch>
-        </p:blipFill>
-        <p:spPr>
-          <a:xfrm>
-            <a:off x="10989179" y="5736492"/>
-            <a:ext cx="1202821" cy="1121508"/>
-          </a:xfrm>
-          <a:prstGeom prst="rect">
-            <a:avLst/>
-          </a:prstGeom>
-          <a:noFill/>
-          <a:ln>
-            <a:noFill/>
-          </a:ln>
-        </p:spPr>
-      </p:pic>
-      <p:pic>
-        <p:nvPicPr>
-          <p:cNvPr id="5" name="Graphic 4">
-            <a:extLst>
-              <a:ext uri="{FF2B5EF4-FFF2-40B4-BE49-F238E27FC236}">
-                <a16:creationId xmlns:a16="http://schemas.microsoft.com/office/drawing/2014/main" id="{03020930-8093-FB9A-277B-22C10696C15B}"/>
-              </a:ext>
-            </a:extLst>
-          </p:cNvPr>
-          <p:cNvPicPr>
-            <a:picLocks noChangeAspect="1"/>
-          </p:cNvPicPr>
-          <p:nvPr/>
-        </p:nvPicPr>
-        <p:blipFill>
-          <a:blip r:embed="rId3">
-            <a:extLst>
-              <a:ext uri="{28A0092B-C50C-407E-A947-70E740481C1C}">
-                <a14:useLocalDpi xmlns:a14="http://schemas.microsoft.com/office/drawing/2010/main" val="0"/>
-              </a:ext>
-              <a:ext uri="{96DAC541-7B7A-43D3-8B79-37D633B846F1}">
-                <asvg:svgBlip xmlns:asvg="http://schemas.microsoft.com/office/drawing/2016/SVG/main" r:embed="rId4"/>
-              </a:ext>
-            </a:extLst>
-          </a:blip>
-          <a:stretch>
-            <a:fillRect/>
-          </a:stretch>
-        </p:blipFill>
-        <p:spPr>
-          <a:xfrm>
-            <a:off x="375137" y="6121057"/>
-            <a:ext cx="1718444" cy="574556"/>
-          </a:xfrm>
-          <a:prstGeom prst="rect">
-            <a:avLst/>
-          </a:prstGeom>
-        </p:spPr>
-      </p:pic>
-      <p:pic>
-        <p:nvPicPr>
-          <p:cNvPr id="3" name="Picture 2" descr="Single virtual network and Azure-provided DNS">
-            <a:extLst>
-              <a:ext uri="{FF2B5EF4-FFF2-40B4-BE49-F238E27FC236}">
-                <a16:creationId xmlns:a16="http://schemas.microsoft.com/office/drawing/2014/main" id="{95B6E968-14E2-A19F-C19F-9BE21AE75FE8}"/>
-              </a:ext>
-            </a:extLst>
-          </p:cNvPr>
-          <p:cNvPicPr>
-            <a:picLocks noChangeAspect="1" noChangeArrowheads="1"/>
-          </p:cNvPicPr>
-          <p:nvPr/>
-        </p:nvPicPr>
-        <p:blipFill>
-          <a:blip r:embed="rId5">
-            <a:extLst>
-              <a:ext uri="{28A0092B-C50C-407E-A947-70E740481C1C}">
-                <a14:useLocalDpi xmlns:a14="http://schemas.microsoft.com/office/drawing/2010/main" val="0"/>
-              </a:ext>
-            </a:extLst>
-          </a:blip>
-          <a:srcRect/>
-          <a:stretch>
-            <a:fillRect/>
-          </a:stretch>
-        </p:blipFill>
-        <p:spPr bwMode="auto">
-          <a:xfrm>
-            <a:off x="2093581" y="1659825"/>
-            <a:ext cx="8591256" cy="4604808"/>
-          </a:xfrm>
-          <a:prstGeom prst="rect">
-            <a:avLst/>
-          </a:prstGeom>
-          <a:noFill/>
-          <a:extLst>
-            <a:ext uri="{909E8E84-426E-40DD-AFC4-6F175D3DCCD1}">
-              <a14:hiddenFill xmlns:a14="http://schemas.microsoft.com/office/drawing/2010/main">
-                <a:solidFill>
-                  <a:srgbClr val="FFFFFF"/>
-                </a:solidFill>
-              </a14:hiddenFill>
-            </a:ext>
-          </a:extLst>
-        </p:spPr>
-      </p:pic>
-    </p:spTree>
-    <p:extLst>
-      <p:ext uri="{BB962C8B-B14F-4D97-AF65-F5344CB8AC3E}">
-        <p14:creationId xmlns:p14="http://schemas.microsoft.com/office/powerpoint/2010/main" val="881969035"/>
-      </p:ext>
-    </p:extLst>
-  </p:cSld>
-  <p:clrMapOvr>
-    <a:masterClrMapping/>
-  </p:clrMapOvr>
-</p:sld>
-</file>
-
 <file path=ppt/slides/slide24.xml><?xml version="1.0" encoding="utf-8"?>
 <p:sld xmlns:a="http://schemas.openxmlformats.org/drawingml/2006/main" xmlns:r="http://schemas.openxmlformats.org/officeDocument/2006/relationships" xmlns:p="http://schemas.openxmlformats.org/presentationml/2006/main">
   <p:cSld>
@@ -13408,6 +13561,184 @@
           <a:p>
             <a:r>
               <a:rPr lang="en-US" dirty="0"/>
+              <a:t>Virtual network workloads without custom DNS server</a:t>
+            </a:r>
+          </a:p>
+        </p:txBody>
+      </p:sp>
+      <p:pic>
+        <p:nvPicPr>
+          <p:cNvPr id="4" name="Google Shape;56;p13">
+            <a:extLst>
+              <a:ext uri="{FF2B5EF4-FFF2-40B4-BE49-F238E27FC236}">
+                <a16:creationId xmlns:a16="http://schemas.microsoft.com/office/drawing/2014/main" id="{B9988D63-600E-20EA-F018-EF88DB7CA097}"/>
+              </a:ext>
+            </a:extLst>
+          </p:cNvPr>
+          <p:cNvPicPr preferRelativeResize="0"/>
+          <p:nvPr/>
+        </p:nvPicPr>
+        <p:blipFill>
+          <a:blip r:embed="rId2">
+            <a:alphaModFix/>
+          </a:blip>
+          <a:stretch>
+            <a:fillRect/>
+          </a:stretch>
+        </p:blipFill>
+        <p:spPr>
+          <a:xfrm>
+            <a:off x="10989179" y="5736492"/>
+            <a:ext cx="1202821" cy="1121508"/>
+          </a:xfrm>
+          <a:prstGeom prst="rect">
+            <a:avLst/>
+          </a:prstGeom>
+          <a:noFill/>
+          <a:ln>
+            <a:noFill/>
+          </a:ln>
+        </p:spPr>
+      </p:pic>
+      <p:pic>
+        <p:nvPicPr>
+          <p:cNvPr id="5" name="Graphic 4">
+            <a:extLst>
+              <a:ext uri="{FF2B5EF4-FFF2-40B4-BE49-F238E27FC236}">
+                <a16:creationId xmlns:a16="http://schemas.microsoft.com/office/drawing/2014/main" id="{03020930-8093-FB9A-277B-22C10696C15B}"/>
+              </a:ext>
+            </a:extLst>
+          </p:cNvPr>
+          <p:cNvPicPr>
+            <a:picLocks noChangeAspect="1"/>
+          </p:cNvPicPr>
+          <p:nvPr/>
+        </p:nvPicPr>
+        <p:blipFill>
+          <a:blip r:embed="rId3">
+            <a:extLst>
+              <a:ext uri="{28A0092B-C50C-407E-A947-70E740481C1C}">
+                <a14:useLocalDpi xmlns:a14="http://schemas.microsoft.com/office/drawing/2010/main" val="0"/>
+              </a:ext>
+              <a:ext uri="{96DAC541-7B7A-43D3-8B79-37D633B846F1}">
+                <asvg:svgBlip xmlns:asvg="http://schemas.microsoft.com/office/drawing/2016/SVG/main" r:embed="rId4"/>
+              </a:ext>
+            </a:extLst>
+          </a:blip>
+          <a:stretch>
+            <a:fillRect/>
+          </a:stretch>
+        </p:blipFill>
+        <p:spPr>
+          <a:xfrm>
+            <a:off x="375137" y="6121057"/>
+            <a:ext cx="1718444" cy="574556"/>
+          </a:xfrm>
+          <a:prstGeom prst="rect">
+            <a:avLst/>
+          </a:prstGeom>
+        </p:spPr>
+      </p:pic>
+      <p:pic>
+        <p:nvPicPr>
+          <p:cNvPr id="3" name="Picture 2" descr="Single virtual network and Azure-provided DNS">
+            <a:extLst>
+              <a:ext uri="{FF2B5EF4-FFF2-40B4-BE49-F238E27FC236}">
+                <a16:creationId xmlns:a16="http://schemas.microsoft.com/office/drawing/2014/main" id="{95B6E968-14E2-A19F-C19F-9BE21AE75FE8}"/>
+              </a:ext>
+            </a:extLst>
+          </p:cNvPr>
+          <p:cNvPicPr>
+            <a:picLocks noChangeAspect="1" noChangeArrowheads="1"/>
+          </p:cNvPicPr>
+          <p:nvPr/>
+        </p:nvPicPr>
+        <p:blipFill>
+          <a:blip r:embed="rId5">
+            <a:extLst>
+              <a:ext uri="{28A0092B-C50C-407E-A947-70E740481C1C}">
+                <a14:useLocalDpi xmlns:a14="http://schemas.microsoft.com/office/drawing/2010/main" val="0"/>
+              </a:ext>
+            </a:extLst>
+          </a:blip>
+          <a:srcRect/>
+          <a:stretch>
+            <a:fillRect/>
+          </a:stretch>
+        </p:blipFill>
+        <p:spPr bwMode="auto">
+          <a:xfrm>
+            <a:off x="2093581" y="1659825"/>
+            <a:ext cx="8591256" cy="4604808"/>
+          </a:xfrm>
+          <a:prstGeom prst="rect">
+            <a:avLst/>
+          </a:prstGeom>
+          <a:noFill/>
+          <a:extLst>
+            <a:ext uri="{909E8E84-426E-40DD-AFC4-6F175D3DCCD1}">
+              <a14:hiddenFill xmlns:a14="http://schemas.microsoft.com/office/drawing/2010/main">
+                <a:solidFill>
+                  <a:srgbClr val="FFFFFF"/>
+                </a:solidFill>
+              </a14:hiddenFill>
+            </a:ext>
+          </a:extLst>
+        </p:spPr>
+      </p:pic>
+    </p:spTree>
+    <p:extLst>
+      <p:ext uri="{BB962C8B-B14F-4D97-AF65-F5344CB8AC3E}">
+        <p14:creationId xmlns:p14="http://schemas.microsoft.com/office/powerpoint/2010/main" val="881969035"/>
+      </p:ext>
+    </p:extLst>
+  </p:cSld>
+  <p:clrMapOvr>
+    <a:masterClrMapping/>
+  </p:clrMapOvr>
+</p:sld>
+</file>
+
+<file path=ppt/slides/slide25.xml><?xml version="1.0" encoding="utf-8"?>
+<p:sld xmlns:a="http://schemas.openxmlformats.org/drawingml/2006/main" xmlns:r="http://schemas.openxmlformats.org/officeDocument/2006/relationships" xmlns:p="http://schemas.openxmlformats.org/presentationml/2006/main">
+  <p:cSld>
+    <p:spTree>
+      <p:nvGrpSpPr>
+        <p:cNvPr id="1" name=""/>
+        <p:cNvGrpSpPr/>
+        <p:nvPr/>
+      </p:nvGrpSpPr>
+      <p:grpSpPr>
+        <a:xfrm>
+          <a:off x="0" y="0"/>
+          <a:ext cx="0" cy="0"/>
+          <a:chOff x="0" y="0"/>
+          <a:chExt cx="0" cy="0"/>
+        </a:xfrm>
+      </p:grpSpPr>
+      <p:sp>
+        <p:nvSpPr>
+          <p:cNvPr id="2" name="Title 1">
+            <a:extLst>
+              <a:ext uri="{FF2B5EF4-FFF2-40B4-BE49-F238E27FC236}">
+                <a16:creationId xmlns:a16="http://schemas.microsoft.com/office/drawing/2014/main" id="{B7D536D9-4000-58B4-C82D-D4D2379C8F84}"/>
+              </a:ext>
+            </a:extLst>
+          </p:cNvPr>
+          <p:cNvSpPr>
+            <a:spLocks noGrp="1"/>
+          </p:cNvSpPr>
+          <p:nvPr>
+            <p:ph type="title"/>
+          </p:nvPr>
+        </p:nvSpPr>
+        <p:spPr/>
+        <p:txBody>
+          <a:bodyPr/>
+          <a:lstStyle/>
+          <a:p>
+            <a:r>
+              <a:rPr lang="en-US" dirty="0"/>
               <a:t>On-premises workloads using a DNS forwarder</a:t>
             </a:r>
           </a:p>
@@ -13546,7 +13877,7 @@
 </p:sld>
 </file>
 
-<file path=ppt/slides/slide25.xml><?xml version="1.0" encoding="utf-8"?>
+<file path=ppt/slides/slide26.xml><?xml version="1.0" encoding="utf-8"?>
 <p:sld xmlns:a="http://schemas.openxmlformats.org/drawingml/2006/main" xmlns:r="http://schemas.openxmlformats.org/officeDocument/2006/relationships" xmlns:p="http://schemas.openxmlformats.org/presentationml/2006/main">
   <p:cSld>
     <p:spTree>
@@ -17827,217 +18158,6 @@
 </p:sld>
 </file>
 
-<file path=ppt/slides/slide26.xml><?xml version="1.0" encoding="utf-8"?>
-<p:sld xmlns:a="http://schemas.openxmlformats.org/drawingml/2006/main" xmlns:r="http://schemas.openxmlformats.org/officeDocument/2006/relationships" xmlns:p="http://schemas.openxmlformats.org/presentationml/2006/main">
-  <p:cSld>
-    <p:spTree>
-      <p:nvGrpSpPr>
-        <p:cNvPr id="1" name=""/>
-        <p:cNvGrpSpPr/>
-        <p:nvPr/>
-      </p:nvGrpSpPr>
-      <p:grpSpPr>
-        <a:xfrm>
-          <a:off x="0" y="0"/>
-          <a:ext cx="0" cy="0"/>
-          <a:chOff x="0" y="0"/>
-          <a:chExt cx="0" cy="0"/>
-        </a:xfrm>
-      </p:grpSpPr>
-      <p:sp>
-        <p:nvSpPr>
-          <p:cNvPr id="2" name="Title 1">
-            <a:extLst>
-              <a:ext uri="{FF2B5EF4-FFF2-40B4-BE49-F238E27FC236}">
-                <a16:creationId xmlns:a16="http://schemas.microsoft.com/office/drawing/2014/main" id="{0EBC4857-8A2C-7F63-6524-6D81421671D9}"/>
-              </a:ext>
-            </a:extLst>
-          </p:cNvPr>
-          <p:cNvSpPr>
-            <a:spLocks noGrp="1"/>
-          </p:cNvSpPr>
-          <p:nvPr>
-            <p:ph type="title"/>
-          </p:nvPr>
-        </p:nvSpPr>
-        <p:spPr/>
-        <p:txBody>
-          <a:bodyPr/>
-          <a:lstStyle/>
-          <a:p>
-            <a:r>
-              <a:rPr lang="nb-NO" dirty="0"/>
-              <a:t>NSG support for Private Endpoint</a:t>
-            </a:r>
-            <a:endParaRPr lang="en-US" dirty="0"/>
-          </a:p>
-        </p:txBody>
-      </p:sp>
-      <p:sp>
-        <p:nvSpPr>
-          <p:cNvPr id="3" name="Text Placeholder 2">
-            <a:extLst>
-              <a:ext uri="{FF2B5EF4-FFF2-40B4-BE49-F238E27FC236}">
-                <a16:creationId xmlns:a16="http://schemas.microsoft.com/office/drawing/2014/main" id="{6E55AA66-CF8A-CA1B-11D9-975B20340B65}"/>
-              </a:ext>
-            </a:extLst>
-          </p:cNvPr>
-          <p:cNvSpPr>
-            <a:spLocks noGrp="1"/>
-          </p:cNvSpPr>
-          <p:nvPr>
-            <p:ph type="body" idx="1"/>
-          </p:nvPr>
-        </p:nvSpPr>
-        <p:spPr/>
-        <p:txBody>
-          <a:bodyPr/>
-          <a:lstStyle/>
-          <a:p>
-            <a:r>
-              <a:rPr lang="nb-NO" dirty="0"/>
-              <a:t>Enable </a:t>
-            </a:r>
-            <a:r>
-              <a:rPr lang="nb-NO" b="1" dirty="0"/>
-              <a:t>PrivateEndpointNetworkPolicies</a:t>
-            </a:r>
-            <a:r>
-              <a:rPr lang="nb-NO" dirty="0"/>
-              <a:t> at the subnet </a:t>
-            </a:r>
-          </a:p>
-          <a:p>
-            <a:r>
-              <a:rPr lang="nb-NO" dirty="0"/>
-              <a:t>Doesn’t support NSG flow logs </a:t>
-            </a:r>
-            <a:r>
-              <a:rPr lang="nb-NO" dirty="0">
-                <a:sym typeface="Wingdings" panose="05000000000000000000" pitchFamily="2" charset="2"/>
-              </a:rPr>
-              <a:t> </a:t>
-            </a:r>
-            <a:endParaRPr lang="en-US" dirty="0"/>
-          </a:p>
-        </p:txBody>
-      </p:sp>
-      <p:pic>
-        <p:nvPicPr>
-          <p:cNvPr id="5" name="Picture 4">
-            <a:extLst>
-              <a:ext uri="{FF2B5EF4-FFF2-40B4-BE49-F238E27FC236}">
-                <a16:creationId xmlns:a16="http://schemas.microsoft.com/office/drawing/2014/main" id="{10EFF769-6BE4-7629-734B-FD0551E95D6B}"/>
-              </a:ext>
-            </a:extLst>
-          </p:cNvPr>
-          <p:cNvPicPr>
-            <a:picLocks noChangeAspect="1"/>
-          </p:cNvPicPr>
-          <p:nvPr/>
-        </p:nvPicPr>
-        <p:blipFill>
-          <a:blip r:embed="rId2"/>
-          <a:stretch>
-            <a:fillRect/>
-          </a:stretch>
-        </p:blipFill>
-        <p:spPr>
-          <a:xfrm>
-            <a:off x="1959108" y="2535316"/>
-            <a:ext cx="7942857" cy="533333"/>
-          </a:xfrm>
-          <a:prstGeom prst="rect">
-            <a:avLst/>
-          </a:prstGeom>
-        </p:spPr>
-      </p:pic>
-      <p:pic>
-        <p:nvPicPr>
-          <p:cNvPr id="6" name="Google Shape;56;p13">
-            <a:extLst>
-              <a:ext uri="{FF2B5EF4-FFF2-40B4-BE49-F238E27FC236}">
-                <a16:creationId xmlns:a16="http://schemas.microsoft.com/office/drawing/2014/main" id="{01F05D2D-5FA4-EA4A-4BBF-846391A3500F}"/>
-              </a:ext>
-            </a:extLst>
-          </p:cNvPr>
-          <p:cNvPicPr preferRelativeResize="0"/>
-          <p:nvPr/>
-        </p:nvPicPr>
-        <p:blipFill>
-          <a:blip r:embed="rId3">
-            <a:alphaModFix/>
-          </a:blip>
-          <a:stretch>
-            <a:fillRect/>
-          </a:stretch>
-        </p:blipFill>
-        <p:spPr>
-          <a:xfrm>
-            <a:off x="10989179" y="5736492"/>
-            <a:ext cx="1202821" cy="1121508"/>
-          </a:xfrm>
-          <a:prstGeom prst="rect">
-            <a:avLst/>
-          </a:prstGeom>
-          <a:noFill/>
-          <a:ln>
-            <a:noFill/>
-          </a:ln>
-        </p:spPr>
-      </p:pic>
-      <p:pic>
-        <p:nvPicPr>
-          <p:cNvPr id="7" name="Graphic 6">
-            <a:extLst>
-              <a:ext uri="{FF2B5EF4-FFF2-40B4-BE49-F238E27FC236}">
-                <a16:creationId xmlns:a16="http://schemas.microsoft.com/office/drawing/2014/main" id="{742837ED-4AE5-3911-2B34-71A06AA93A1C}"/>
-              </a:ext>
-            </a:extLst>
-          </p:cNvPr>
-          <p:cNvPicPr>
-            <a:picLocks noChangeAspect="1"/>
-          </p:cNvPicPr>
-          <p:nvPr/>
-        </p:nvPicPr>
-        <p:blipFill>
-          <a:blip r:embed="rId4">
-            <a:extLst>
-              <a:ext uri="{28A0092B-C50C-407E-A947-70E740481C1C}">
-                <a14:useLocalDpi xmlns:a14="http://schemas.microsoft.com/office/drawing/2010/main" val="0"/>
-              </a:ext>
-              <a:ext uri="{96DAC541-7B7A-43D3-8B79-37D633B846F1}">
-                <asvg:svgBlip xmlns:asvg="http://schemas.microsoft.com/office/drawing/2016/SVG/main" r:embed="rId5"/>
-              </a:ext>
-            </a:extLst>
-          </a:blip>
-          <a:stretch>
-            <a:fillRect/>
-          </a:stretch>
-        </p:blipFill>
-        <p:spPr>
-          <a:xfrm>
-            <a:off x="375137" y="6121057"/>
-            <a:ext cx="1718444" cy="574556"/>
-          </a:xfrm>
-          <a:prstGeom prst="rect">
-            <a:avLst/>
-          </a:prstGeom>
-        </p:spPr>
-      </p:pic>
-    </p:spTree>
-    <p:extLst>
-      <p:ext uri="{BB962C8B-B14F-4D97-AF65-F5344CB8AC3E}">
-        <p14:creationId xmlns:p14="http://schemas.microsoft.com/office/powerpoint/2010/main" val="1796182712"/>
-      </p:ext>
-    </p:extLst>
-  </p:cSld>
-  <p:clrMapOvr>
-    <a:masterClrMapping/>
-  </p:clrMapOvr>
-</p:sld>
-</file>
-
 <file path=ppt/slides/slide27.xml><?xml version="1.0" encoding="utf-8"?>
 <p:sld xmlns:a="http://schemas.openxmlformats.org/drawingml/2006/main" xmlns:r="http://schemas.openxmlformats.org/officeDocument/2006/relationships" xmlns:p="http://schemas.openxmlformats.org/presentationml/2006/main">
   <p:cSld>
@@ -18060,6 +18180,217 @@
           <p:cNvPr id="2" name="Title 1">
             <a:extLst>
               <a:ext uri="{FF2B5EF4-FFF2-40B4-BE49-F238E27FC236}">
+                <a16:creationId xmlns:a16="http://schemas.microsoft.com/office/drawing/2014/main" id="{0EBC4857-8A2C-7F63-6524-6D81421671D9}"/>
+              </a:ext>
+            </a:extLst>
+          </p:cNvPr>
+          <p:cNvSpPr>
+            <a:spLocks noGrp="1"/>
+          </p:cNvSpPr>
+          <p:nvPr>
+            <p:ph type="title"/>
+          </p:nvPr>
+        </p:nvSpPr>
+        <p:spPr/>
+        <p:txBody>
+          <a:bodyPr/>
+          <a:lstStyle/>
+          <a:p>
+            <a:r>
+              <a:rPr lang="nb-NO" dirty="0"/>
+              <a:t>NSG support for Private Endpoint</a:t>
+            </a:r>
+            <a:endParaRPr lang="en-US" dirty="0"/>
+          </a:p>
+        </p:txBody>
+      </p:sp>
+      <p:sp>
+        <p:nvSpPr>
+          <p:cNvPr id="3" name="Text Placeholder 2">
+            <a:extLst>
+              <a:ext uri="{FF2B5EF4-FFF2-40B4-BE49-F238E27FC236}">
+                <a16:creationId xmlns:a16="http://schemas.microsoft.com/office/drawing/2014/main" id="{6E55AA66-CF8A-CA1B-11D9-975B20340B65}"/>
+              </a:ext>
+            </a:extLst>
+          </p:cNvPr>
+          <p:cNvSpPr>
+            <a:spLocks noGrp="1"/>
+          </p:cNvSpPr>
+          <p:nvPr>
+            <p:ph type="body" idx="1"/>
+          </p:nvPr>
+        </p:nvSpPr>
+        <p:spPr/>
+        <p:txBody>
+          <a:bodyPr/>
+          <a:lstStyle/>
+          <a:p>
+            <a:r>
+              <a:rPr lang="nb-NO" dirty="0"/>
+              <a:t>Enable </a:t>
+            </a:r>
+            <a:r>
+              <a:rPr lang="nb-NO" b="1" dirty="0"/>
+              <a:t>PrivateEndpointNetworkPolicies</a:t>
+            </a:r>
+            <a:r>
+              <a:rPr lang="nb-NO" dirty="0"/>
+              <a:t> at the subnet </a:t>
+            </a:r>
+          </a:p>
+          <a:p>
+            <a:r>
+              <a:rPr lang="nb-NO" dirty="0"/>
+              <a:t>Doesn’t support NSG flow logs </a:t>
+            </a:r>
+            <a:r>
+              <a:rPr lang="nb-NO" dirty="0">
+                <a:sym typeface="Wingdings" panose="05000000000000000000" pitchFamily="2" charset="2"/>
+              </a:rPr>
+              <a:t> </a:t>
+            </a:r>
+            <a:endParaRPr lang="en-US" dirty="0"/>
+          </a:p>
+        </p:txBody>
+      </p:sp>
+      <p:pic>
+        <p:nvPicPr>
+          <p:cNvPr id="5" name="Picture 4">
+            <a:extLst>
+              <a:ext uri="{FF2B5EF4-FFF2-40B4-BE49-F238E27FC236}">
+                <a16:creationId xmlns:a16="http://schemas.microsoft.com/office/drawing/2014/main" id="{10EFF769-6BE4-7629-734B-FD0551E95D6B}"/>
+              </a:ext>
+            </a:extLst>
+          </p:cNvPr>
+          <p:cNvPicPr>
+            <a:picLocks noChangeAspect="1"/>
+          </p:cNvPicPr>
+          <p:nvPr/>
+        </p:nvPicPr>
+        <p:blipFill>
+          <a:blip r:embed="rId2"/>
+          <a:stretch>
+            <a:fillRect/>
+          </a:stretch>
+        </p:blipFill>
+        <p:spPr>
+          <a:xfrm>
+            <a:off x="1959108" y="2535316"/>
+            <a:ext cx="7942857" cy="533333"/>
+          </a:xfrm>
+          <a:prstGeom prst="rect">
+            <a:avLst/>
+          </a:prstGeom>
+        </p:spPr>
+      </p:pic>
+      <p:pic>
+        <p:nvPicPr>
+          <p:cNvPr id="6" name="Google Shape;56;p13">
+            <a:extLst>
+              <a:ext uri="{FF2B5EF4-FFF2-40B4-BE49-F238E27FC236}">
+                <a16:creationId xmlns:a16="http://schemas.microsoft.com/office/drawing/2014/main" id="{01F05D2D-5FA4-EA4A-4BBF-846391A3500F}"/>
+              </a:ext>
+            </a:extLst>
+          </p:cNvPr>
+          <p:cNvPicPr preferRelativeResize="0"/>
+          <p:nvPr/>
+        </p:nvPicPr>
+        <p:blipFill>
+          <a:blip r:embed="rId3">
+            <a:alphaModFix/>
+          </a:blip>
+          <a:stretch>
+            <a:fillRect/>
+          </a:stretch>
+        </p:blipFill>
+        <p:spPr>
+          <a:xfrm>
+            <a:off x="10989179" y="5736492"/>
+            <a:ext cx="1202821" cy="1121508"/>
+          </a:xfrm>
+          <a:prstGeom prst="rect">
+            <a:avLst/>
+          </a:prstGeom>
+          <a:noFill/>
+          <a:ln>
+            <a:noFill/>
+          </a:ln>
+        </p:spPr>
+      </p:pic>
+      <p:pic>
+        <p:nvPicPr>
+          <p:cNvPr id="7" name="Graphic 6">
+            <a:extLst>
+              <a:ext uri="{FF2B5EF4-FFF2-40B4-BE49-F238E27FC236}">
+                <a16:creationId xmlns:a16="http://schemas.microsoft.com/office/drawing/2014/main" id="{742837ED-4AE5-3911-2B34-71A06AA93A1C}"/>
+              </a:ext>
+            </a:extLst>
+          </p:cNvPr>
+          <p:cNvPicPr>
+            <a:picLocks noChangeAspect="1"/>
+          </p:cNvPicPr>
+          <p:nvPr/>
+        </p:nvPicPr>
+        <p:blipFill>
+          <a:blip r:embed="rId4">
+            <a:extLst>
+              <a:ext uri="{28A0092B-C50C-407E-A947-70E740481C1C}">
+                <a14:useLocalDpi xmlns:a14="http://schemas.microsoft.com/office/drawing/2010/main" val="0"/>
+              </a:ext>
+              <a:ext uri="{96DAC541-7B7A-43D3-8B79-37D633B846F1}">
+                <asvg:svgBlip xmlns:asvg="http://schemas.microsoft.com/office/drawing/2016/SVG/main" r:embed="rId5"/>
+              </a:ext>
+            </a:extLst>
+          </a:blip>
+          <a:stretch>
+            <a:fillRect/>
+          </a:stretch>
+        </p:blipFill>
+        <p:spPr>
+          <a:xfrm>
+            <a:off x="375137" y="6121057"/>
+            <a:ext cx="1718444" cy="574556"/>
+          </a:xfrm>
+          <a:prstGeom prst="rect">
+            <a:avLst/>
+          </a:prstGeom>
+        </p:spPr>
+      </p:pic>
+    </p:spTree>
+    <p:extLst>
+      <p:ext uri="{BB962C8B-B14F-4D97-AF65-F5344CB8AC3E}">
+        <p14:creationId xmlns:p14="http://schemas.microsoft.com/office/powerpoint/2010/main" val="1796182712"/>
+      </p:ext>
+    </p:extLst>
+  </p:cSld>
+  <p:clrMapOvr>
+    <a:masterClrMapping/>
+  </p:clrMapOvr>
+</p:sld>
+</file>
+
+<file path=ppt/slides/slide28.xml><?xml version="1.0" encoding="utf-8"?>
+<p:sld xmlns:a="http://schemas.openxmlformats.org/drawingml/2006/main" xmlns:r="http://schemas.openxmlformats.org/officeDocument/2006/relationships" xmlns:p="http://schemas.openxmlformats.org/presentationml/2006/main">
+  <p:cSld>
+    <p:spTree>
+      <p:nvGrpSpPr>
+        <p:cNvPr id="1" name=""/>
+        <p:cNvGrpSpPr/>
+        <p:nvPr/>
+      </p:nvGrpSpPr>
+      <p:grpSpPr>
+        <a:xfrm>
+          <a:off x="0" y="0"/>
+          <a:ext cx="0" cy="0"/>
+          <a:chOff x="0" y="0"/>
+          <a:chExt cx="0" cy="0"/>
+        </a:xfrm>
+      </p:grpSpPr>
+      <p:sp>
+        <p:nvSpPr>
+          <p:cNvPr id="2" name="Title 1">
+            <a:extLst>
+              <a:ext uri="{FF2B5EF4-FFF2-40B4-BE49-F238E27FC236}">
                 <a16:creationId xmlns:a16="http://schemas.microsoft.com/office/drawing/2014/main" id="{67D943B2-6B76-7EA1-BA2A-62C60E4A051C}"/>
               </a:ext>
             </a:extLst>
@@ -18271,7 +18602,7 @@
 </p:sld>
 </file>
 
-<file path=ppt/slides/slide28.xml><?xml version="1.0" encoding="utf-8"?>
+<file path=ppt/slides/slide29.xml><?xml version="1.0" encoding="utf-8"?>
 <p:sld xmlns:a="http://schemas.openxmlformats.org/drawingml/2006/main" xmlns:r="http://schemas.openxmlformats.org/officeDocument/2006/relationships" xmlns:p="http://schemas.openxmlformats.org/presentationml/2006/main">
   <p:cSld>
     <p:spTree>
@@ -18840,124 +19171,6 @@
 </p:sld>
 </file>
 
-<file path=ppt/slides/slide29.xml><?xml version="1.0" encoding="utf-8"?>
-<p:sld xmlns:a="http://schemas.openxmlformats.org/drawingml/2006/main" xmlns:r="http://schemas.openxmlformats.org/officeDocument/2006/relationships" xmlns:p="http://schemas.openxmlformats.org/presentationml/2006/main">
-  <p:cSld>
-    <p:spTree>
-      <p:nvGrpSpPr>
-        <p:cNvPr id="1" name=""/>
-        <p:cNvGrpSpPr/>
-        <p:nvPr/>
-      </p:nvGrpSpPr>
-      <p:grpSpPr>
-        <a:xfrm>
-          <a:off x="0" y="0"/>
-          <a:ext cx="0" cy="0"/>
-          <a:chOff x="0" y="0"/>
-          <a:chExt cx="0" cy="0"/>
-        </a:xfrm>
-      </p:grpSpPr>
-      <p:sp>
-        <p:nvSpPr>
-          <p:cNvPr id="2" name="Title 1">
-            <a:extLst>
-              <a:ext uri="{FF2B5EF4-FFF2-40B4-BE49-F238E27FC236}">
-                <a16:creationId xmlns:a16="http://schemas.microsoft.com/office/drawing/2014/main" id="{46B6DF40-BFCB-AFB0-94A5-19AD4DFACB99}"/>
-              </a:ext>
-            </a:extLst>
-          </p:cNvPr>
-          <p:cNvSpPr>
-            <a:spLocks noGrp="1"/>
-          </p:cNvSpPr>
-          <p:nvPr>
-            <p:ph type="title"/>
-          </p:nvPr>
-        </p:nvSpPr>
-        <p:spPr/>
-        <p:txBody>
-          <a:bodyPr/>
-          <a:lstStyle/>
-          <a:p>
-            <a:r>
-              <a:rPr lang="en-US" dirty="0"/>
-              <a:t>Deploy Storage Account Blob Private Endpoint DNS Record Policy</a:t>
-            </a:r>
-          </a:p>
-        </p:txBody>
-      </p:sp>
-      <p:pic>
-        <p:nvPicPr>
-          <p:cNvPr id="5" name="Picture 4">
-            <a:extLst>
-              <a:ext uri="{FF2B5EF4-FFF2-40B4-BE49-F238E27FC236}">
-                <a16:creationId xmlns:a16="http://schemas.microsoft.com/office/drawing/2014/main" id="{70141492-7A45-0C22-78A8-C23709DD8287}"/>
-              </a:ext>
-            </a:extLst>
-          </p:cNvPr>
-          <p:cNvPicPr>
-            <a:picLocks noChangeAspect="1"/>
-          </p:cNvPicPr>
-          <p:nvPr/>
-        </p:nvPicPr>
-        <p:blipFill>
-          <a:blip r:embed="rId2"/>
-          <a:stretch>
-            <a:fillRect/>
-          </a:stretch>
-        </p:blipFill>
-        <p:spPr>
-          <a:xfrm>
-            <a:off x="415600" y="2154813"/>
-            <a:ext cx="6028743" cy="2523119"/>
-          </a:xfrm>
-          <a:prstGeom prst="rect">
-            <a:avLst/>
-          </a:prstGeom>
-        </p:spPr>
-      </p:pic>
-      <p:pic>
-        <p:nvPicPr>
-          <p:cNvPr id="7" name="Picture 6">
-            <a:extLst>
-              <a:ext uri="{FF2B5EF4-FFF2-40B4-BE49-F238E27FC236}">
-                <a16:creationId xmlns:a16="http://schemas.microsoft.com/office/drawing/2014/main" id="{2FCE5458-AF3C-440E-13D8-4B9011F8CD95}"/>
-              </a:ext>
-            </a:extLst>
-          </p:cNvPr>
-          <p:cNvPicPr>
-            <a:picLocks noChangeAspect="1"/>
-          </p:cNvPicPr>
-          <p:nvPr/>
-        </p:nvPicPr>
-        <p:blipFill>
-          <a:blip r:embed="rId3"/>
-          <a:stretch>
-            <a:fillRect/>
-          </a:stretch>
-        </p:blipFill>
-        <p:spPr>
-          <a:xfrm>
-            <a:off x="6514011" y="3724462"/>
-            <a:ext cx="5617029" cy="2994201"/>
-          </a:xfrm>
-          <a:prstGeom prst="rect">
-            <a:avLst/>
-          </a:prstGeom>
-        </p:spPr>
-      </p:pic>
-    </p:spTree>
-    <p:extLst>
-      <p:ext uri="{BB962C8B-B14F-4D97-AF65-F5344CB8AC3E}">
-        <p14:creationId xmlns:p14="http://schemas.microsoft.com/office/powerpoint/2010/main" val="4004805574"/>
-      </p:ext>
-    </p:extLst>
-  </p:cSld>
-  <p:clrMapOvr>
-    <a:masterClrMapping/>
-  </p:clrMapOvr>
-</p:sld>
-</file>
-
 <file path=ppt/slides/slide3.xml><?xml version="1.0" encoding="utf-8"?>
 <p:sld xmlns:a="http://schemas.openxmlformats.org/drawingml/2006/main" xmlns:r="http://schemas.openxmlformats.org/officeDocument/2006/relationships" xmlns:p="http://schemas.openxmlformats.org/presentationml/2006/main">
   <p:cSld>
@@ -19213,6 +19426,124 @@
           <p:cNvPr id="2" name="Title 1">
             <a:extLst>
               <a:ext uri="{FF2B5EF4-FFF2-40B4-BE49-F238E27FC236}">
+                <a16:creationId xmlns:a16="http://schemas.microsoft.com/office/drawing/2014/main" id="{46B6DF40-BFCB-AFB0-94A5-19AD4DFACB99}"/>
+              </a:ext>
+            </a:extLst>
+          </p:cNvPr>
+          <p:cNvSpPr>
+            <a:spLocks noGrp="1"/>
+          </p:cNvSpPr>
+          <p:nvPr>
+            <p:ph type="title"/>
+          </p:nvPr>
+        </p:nvSpPr>
+        <p:spPr/>
+        <p:txBody>
+          <a:bodyPr/>
+          <a:lstStyle/>
+          <a:p>
+            <a:r>
+              <a:rPr lang="en-US" dirty="0"/>
+              <a:t>Deploy Storage Account Blob Private Endpoint DNS Record Policy</a:t>
+            </a:r>
+          </a:p>
+        </p:txBody>
+      </p:sp>
+      <p:pic>
+        <p:nvPicPr>
+          <p:cNvPr id="5" name="Picture 4">
+            <a:extLst>
+              <a:ext uri="{FF2B5EF4-FFF2-40B4-BE49-F238E27FC236}">
+                <a16:creationId xmlns:a16="http://schemas.microsoft.com/office/drawing/2014/main" id="{70141492-7A45-0C22-78A8-C23709DD8287}"/>
+              </a:ext>
+            </a:extLst>
+          </p:cNvPr>
+          <p:cNvPicPr>
+            <a:picLocks noChangeAspect="1"/>
+          </p:cNvPicPr>
+          <p:nvPr/>
+        </p:nvPicPr>
+        <p:blipFill>
+          <a:blip r:embed="rId2"/>
+          <a:stretch>
+            <a:fillRect/>
+          </a:stretch>
+        </p:blipFill>
+        <p:spPr>
+          <a:xfrm>
+            <a:off x="415600" y="2154813"/>
+            <a:ext cx="6028743" cy="2523119"/>
+          </a:xfrm>
+          <a:prstGeom prst="rect">
+            <a:avLst/>
+          </a:prstGeom>
+        </p:spPr>
+      </p:pic>
+      <p:pic>
+        <p:nvPicPr>
+          <p:cNvPr id="7" name="Picture 6">
+            <a:extLst>
+              <a:ext uri="{FF2B5EF4-FFF2-40B4-BE49-F238E27FC236}">
+                <a16:creationId xmlns:a16="http://schemas.microsoft.com/office/drawing/2014/main" id="{2FCE5458-AF3C-440E-13D8-4B9011F8CD95}"/>
+              </a:ext>
+            </a:extLst>
+          </p:cNvPr>
+          <p:cNvPicPr>
+            <a:picLocks noChangeAspect="1"/>
+          </p:cNvPicPr>
+          <p:nvPr/>
+        </p:nvPicPr>
+        <p:blipFill>
+          <a:blip r:embed="rId3"/>
+          <a:stretch>
+            <a:fillRect/>
+          </a:stretch>
+        </p:blipFill>
+        <p:spPr>
+          <a:xfrm>
+            <a:off x="6514011" y="3724462"/>
+            <a:ext cx="5617029" cy="2994201"/>
+          </a:xfrm>
+          <a:prstGeom prst="rect">
+            <a:avLst/>
+          </a:prstGeom>
+        </p:spPr>
+      </p:pic>
+    </p:spTree>
+    <p:extLst>
+      <p:ext uri="{BB962C8B-B14F-4D97-AF65-F5344CB8AC3E}">
+        <p14:creationId xmlns:p14="http://schemas.microsoft.com/office/powerpoint/2010/main" val="4004805574"/>
+      </p:ext>
+    </p:extLst>
+  </p:cSld>
+  <p:clrMapOvr>
+    <a:masterClrMapping/>
+  </p:clrMapOvr>
+</p:sld>
+</file>
+
+<file path=ppt/slides/slide31.xml><?xml version="1.0" encoding="utf-8"?>
+<p:sld xmlns:a="http://schemas.openxmlformats.org/drawingml/2006/main" xmlns:r="http://schemas.openxmlformats.org/officeDocument/2006/relationships" xmlns:p="http://schemas.openxmlformats.org/presentationml/2006/main">
+  <p:cSld>
+    <p:spTree>
+      <p:nvGrpSpPr>
+        <p:cNvPr id="1" name=""/>
+        <p:cNvGrpSpPr/>
+        <p:nvPr/>
+      </p:nvGrpSpPr>
+      <p:grpSpPr>
+        <a:xfrm>
+          <a:off x="0" y="0"/>
+          <a:ext cx="0" cy="0"/>
+          <a:chOff x="0" y="0"/>
+          <a:chExt cx="0" cy="0"/>
+        </a:xfrm>
+      </p:grpSpPr>
+      <p:sp>
+        <p:nvSpPr>
+          <p:cNvPr id="2" name="Title 1">
+            <a:extLst>
+              <a:ext uri="{FF2B5EF4-FFF2-40B4-BE49-F238E27FC236}">
                 <a16:creationId xmlns:a16="http://schemas.microsoft.com/office/drawing/2014/main" id="{E35F925F-7C4B-9A04-FAEC-3268DD70660D}"/>
               </a:ext>
             </a:extLst>
@@ -19353,7 +19684,7 @@
 </p:sld>
 </file>
 
-<file path=ppt/slides/slide31.xml><?xml version="1.0" encoding="utf-8"?>
+<file path=ppt/slides/slide32.xml><?xml version="1.0" encoding="utf-8"?>
 <p:sld xmlns:a="http://schemas.openxmlformats.org/drawingml/2006/main" xmlns:r="http://schemas.openxmlformats.org/officeDocument/2006/relationships" xmlns:p="http://schemas.openxmlformats.org/presentationml/2006/main">
   <p:cSld>
     <p:spTree>
@@ -22130,654 +22461,6 @@
   <p:clrMapOvr>
     <a:masterClrMapping/>
   </p:clrMapOvr>
-  <p:timing>
-    <p:tnLst>
-      <p:par>
-        <p:cTn id="1" dur="indefinite" restart="never" nodeType="tmRoot">
-          <p:childTnLst>
-            <p:seq concurrent="1" nextAc="seek">
-              <p:cTn id="2" dur="indefinite" nodeType="mainSeq">
-                <p:childTnLst>
-                  <p:par>
-                    <p:cTn id="3" fill="hold">
-                      <p:stCondLst>
-                        <p:cond delay="indefinite"/>
-                      </p:stCondLst>
-                      <p:childTnLst>
-                        <p:par>
-                          <p:cTn id="4" fill="hold">
-                            <p:stCondLst>
-                              <p:cond delay="0"/>
-                            </p:stCondLst>
-                            <p:childTnLst>
-                              <p:par>
-                                <p:cTn id="5" presetID="1" presetClass="entr" presetSubtype="0" fill="hold" grpId="0" nodeType="clickEffect">
-                                  <p:stCondLst>
-                                    <p:cond delay="0"/>
-                                  </p:stCondLst>
-                                  <p:childTnLst>
-                                    <p:set>
-                                      <p:cBhvr>
-                                        <p:cTn id="6" dur="1" fill="hold">
-                                          <p:stCondLst>
-                                            <p:cond delay="0"/>
-                                          </p:stCondLst>
-                                        </p:cTn>
-                                        <p:tgtEl>
-                                          <p:spTgt spid="6"/>
-                                        </p:tgtEl>
-                                        <p:attrNameLst>
-                                          <p:attrName>style.visibility</p:attrName>
-                                        </p:attrNameLst>
-                                      </p:cBhvr>
-                                      <p:to>
-                                        <p:strVal val="visible"/>
-                                      </p:to>
-                                    </p:set>
-                                  </p:childTnLst>
-                                </p:cTn>
-                              </p:par>
-                              <p:par>
-                                <p:cTn id="7" presetID="1" presetClass="entr" presetSubtype="0" fill="hold" nodeType="withEffect">
-                                  <p:stCondLst>
-                                    <p:cond delay="0"/>
-                                  </p:stCondLst>
-                                  <p:childTnLst>
-                                    <p:set>
-                                      <p:cBhvr>
-                                        <p:cTn id="8" dur="1" fill="hold">
-                                          <p:stCondLst>
-                                            <p:cond delay="0"/>
-                                          </p:stCondLst>
-                                        </p:cTn>
-                                        <p:tgtEl>
-                                          <p:spTgt spid="7"/>
-                                        </p:tgtEl>
-                                        <p:attrNameLst>
-                                          <p:attrName>style.visibility</p:attrName>
-                                        </p:attrNameLst>
-                                      </p:cBhvr>
-                                      <p:to>
-                                        <p:strVal val="visible"/>
-                                      </p:to>
-                                    </p:set>
-                                  </p:childTnLst>
-                                </p:cTn>
-                              </p:par>
-                              <p:par>
-                                <p:cTn id="9" presetID="1" presetClass="entr" presetSubtype="0" fill="hold" grpId="0" nodeType="withEffect">
-                                  <p:stCondLst>
-                                    <p:cond delay="0"/>
-                                  </p:stCondLst>
-                                  <p:childTnLst>
-                                    <p:set>
-                                      <p:cBhvr>
-                                        <p:cTn id="10" dur="1" fill="hold">
-                                          <p:stCondLst>
-                                            <p:cond delay="0"/>
-                                          </p:stCondLst>
-                                        </p:cTn>
-                                        <p:tgtEl>
-                                          <p:spTgt spid="18"/>
-                                        </p:tgtEl>
-                                        <p:attrNameLst>
-                                          <p:attrName>style.visibility</p:attrName>
-                                        </p:attrNameLst>
-                                      </p:cBhvr>
-                                      <p:to>
-                                        <p:strVal val="visible"/>
-                                      </p:to>
-                                    </p:set>
-                                  </p:childTnLst>
-                                </p:cTn>
-                              </p:par>
-                            </p:childTnLst>
-                          </p:cTn>
-                        </p:par>
-                      </p:childTnLst>
-                    </p:cTn>
-                  </p:par>
-                  <p:par>
-                    <p:cTn id="11" fill="hold">
-                      <p:stCondLst>
-                        <p:cond delay="indefinite"/>
-                      </p:stCondLst>
-                      <p:childTnLst>
-                        <p:par>
-                          <p:cTn id="12" fill="hold">
-                            <p:stCondLst>
-                              <p:cond delay="0"/>
-                            </p:stCondLst>
-                            <p:childTnLst>
-                              <p:par>
-                                <p:cTn id="13" presetID="1" presetClass="entr" presetSubtype="0" fill="hold" grpId="0" nodeType="clickEffect">
-                                  <p:stCondLst>
-                                    <p:cond delay="0"/>
-                                  </p:stCondLst>
-                                  <p:childTnLst>
-                                    <p:set>
-                                      <p:cBhvr>
-                                        <p:cTn id="14" dur="1" fill="hold">
-                                          <p:stCondLst>
-                                            <p:cond delay="0"/>
-                                          </p:stCondLst>
-                                        </p:cTn>
-                                        <p:tgtEl>
-                                          <p:spTgt spid="8"/>
-                                        </p:tgtEl>
-                                        <p:attrNameLst>
-                                          <p:attrName>style.visibility</p:attrName>
-                                        </p:attrNameLst>
-                                      </p:cBhvr>
-                                      <p:to>
-                                        <p:strVal val="visible"/>
-                                      </p:to>
-                                    </p:set>
-                                  </p:childTnLst>
-                                </p:cTn>
-                              </p:par>
-                              <p:par>
-                                <p:cTn id="15" presetID="1" presetClass="entr" presetSubtype="0" fill="hold" grpId="0" nodeType="withEffect">
-                                  <p:stCondLst>
-                                    <p:cond delay="0"/>
-                                  </p:stCondLst>
-                                  <p:childTnLst>
-                                    <p:set>
-                                      <p:cBhvr>
-                                        <p:cTn id="16" dur="1" fill="hold">
-                                          <p:stCondLst>
-                                            <p:cond delay="0"/>
-                                          </p:stCondLst>
-                                        </p:cTn>
-                                        <p:tgtEl>
-                                          <p:spTgt spid="9"/>
-                                        </p:tgtEl>
-                                        <p:attrNameLst>
-                                          <p:attrName>style.visibility</p:attrName>
-                                        </p:attrNameLst>
-                                      </p:cBhvr>
-                                      <p:to>
-                                        <p:strVal val="visible"/>
-                                      </p:to>
-                                    </p:set>
-                                  </p:childTnLst>
-                                </p:cTn>
-                              </p:par>
-                            </p:childTnLst>
-                          </p:cTn>
-                        </p:par>
-                      </p:childTnLst>
-                    </p:cTn>
-                  </p:par>
-                  <p:par>
-                    <p:cTn id="17" fill="hold">
-                      <p:stCondLst>
-                        <p:cond delay="indefinite"/>
-                      </p:stCondLst>
-                      <p:childTnLst>
-                        <p:par>
-                          <p:cTn id="18" fill="hold">
-                            <p:stCondLst>
-                              <p:cond delay="0"/>
-                            </p:stCondLst>
-                            <p:childTnLst>
-                              <p:par>
-                                <p:cTn id="19" presetID="1" presetClass="entr" presetSubtype="0" fill="hold" grpId="0" nodeType="clickEffect">
-                                  <p:stCondLst>
-                                    <p:cond delay="0"/>
-                                  </p:stCondLst>
-                                  <p:childTnLst>
-                                    <p:set>
-                                      <p:cBhvr>
-                                        <p:cTn id="20" dur="1" fill="hold">
-                                          <p:stCondLst>
-                                            <p:cond delay="0"/>
-                                          </p:stCondLst>
-                                        </p:cTn>
-                                        <p:tgtEl>
-                                          <p:spTgt spid="11"/>
-                                        </p:tgtEl>
-                                        <p:attrNameLst>
-                                          <p:attrName>style.visibility</p:attrName>
-                                        </p:attrNameLst>
-                                      </p:cBhvr>
-                                      <p:to>
-                                        <p:strVal val="visible"/>
-                                      </p:to>
-                                    </p:set>
-                                  </p:childTnLst>
-                                </p:cTn>
-                              </p:par>
-                              <p:par>
-                                <p:cTn id="21" presetID="1" presetClass="entr" presetSubtype="0" fill="hold" grpId="0" nodeType="withEffect">
-                                  <p:stCondLst>
-                                    <p:cond delay="0"/>
-                                  </p:stCondLst>
-                                  <p:childTnLst>
-                                    <p:set>
-                                      <p:cBhvr>
-                                        <p:cTn id="22" dur="1" fill="hold">
-                                          <p:stCondLst>
-                                            <p:cond delay="0"/>
-                                          </p:stCondLst>
-                                        </p:cTn>
-                                        <p:tgtEl>
-                                          <p:spTgt spid="14"/>
-                                        </p:tgtEl>
-                                        <p:attrNameLst>
-                                          <p:attrName>style.visibility</p:attrName>
-                                        </p:attrNameLst>
-                                      </p:cBhvr>
-                                      <p:to>
-                                        <p:strVal val="visible"/>
-                                      </p:to>
-                                    </p:set>
-                                  </p:childTnLst>
-                                </p:cTn>
-                              </p:par>
-                              <p:par>
-                                <p:cTn id="23" presetID="1" presetClass="entr" presetSubtype="0" fill="hold" nodeType="withEffect">
-                                  <p:stCondLst>
-                                    <p:cond delay="0"/>
-                                  </p:stCondLst>
-                                  <p:childTnLst>
-                                    <p:set>
-                                      <p:cBhvr>
-                                        <p:cTn id="24" dur="1" fill="hold">
-                                          <p:stCondLst>
-                                            <p:cond delay="0"/>
-                                          </p:stCondLst>
-                                        </p:cTn>
-                                        <p:tgtEl>
-                                          <p:spTgt spid="10"/>
-                                        </p:tgtEl>
-                                        <p:attrNameLst>
-                                          <p:attrName>style.visibility</p:attrName>
-                                        </p:attrNameLst>
-                                      </p:cBhvr>
-                                      <p:to>
-                                        <p:strVal val="visible"/>
-                                      </p:to>
-                                    </p:set>
-                                  </p:childTnLst>
-                                </p:cTn>
-                              </p:par>
-                            </p:childTnLst>
-                          </p:cTn>
-                        </p:par>
-                      </p:childTnLst>
-                    </p:cTn>
-                  </p:par>
-                  <p:par>
-                    <p:cTn id="25" fill="hold">
-                      <p:stCondLst>
-                        <p:cond delay="indefinite"/>
-                      </p:stCondLst>
-                      <p:childTnLst>
-                        <p:par>
-                          <p:cTn id="26" fill="hold">
-                            <p:stCondLst>
-                              <p:cond delay="0"/>
-                            </p:stCondLst>
-                            <p:childTnLst>
-                              <p:par>
-                                <p:cTn id="27" presetID="1" presetClass="entr" presetSubtype="0" fill="hold" grpId="0" nodeType="clickEffect">
-                                  <p:stCondLst>
-                                    <p:cond delay="0"/>
-                                  </p:stCondLst>
-                                  <p:childTnLst>
-                                    <p:set>
-                                      <p:cBhvr>
-                                        <p:cTn id="28" dur="1" fill="hold">
-                                          <p:stCondLst>
-                                            <p:cond delay="0"/>
-                                          </p:stCondLst>
-                                        </p:cTn>
-                                        <p:tgtEl>
-                                          <p:spTgt spid="15"/>
-                                        </p:tgtEl>
-                                        <p:attrNameLst>
-                                          <p:attrName>style.visibility</p:attrName>
-                                        </p:attrNameLst>
-                                      </p:cBhvr>
-                                      <p:to>
-                                        <p:strVal val="visible"/>
-                                      </p:to>
-                                    </p:set>
-                                  </p:childTnLst>
-                                </p:cTn>
-                              </p:par>
-                              <p:par>
-                                <p:cTn id="29" presetID="1" presetClass="entr" presetSubtype="0" fill="hold" nodeType="withEffect">
-                                  <p:stCondLst>
-                                    <p:cond delay="0"/>
-                                  </p:stCondLst>
-                                  <p:childTnLst>
-                                    <p:set>
-                                      <p:cBhvr>
-                                        <p:cTn id="30" dur="1" fill="hold">
-                                          <p:stCondLst>
-                                            <p:cond delay="0"/>
-                                          </p:stCondLst>
-                                        </p:cTn>
-                                        <p:tgtEl>
-                                          <p:spTgt spid="13"/>
-                                        </p:tgtEl>
-                                        <p:attrNameLst>
-                                          <p:attrName>style.visibility</p:attrName>
-                                        </p:attrNameLst>
-                                      </p:cBhvr>
-                                      <p:to>
-                                        <p:strVal val="visible"/>
-                                      </p:to>
-                                    </p:set>
-                                  </p:childTnLst>
-                                </p:cTn>
-                              </p:par>
-                              <p:par>
-                                <p:cTn id="31" presetID="1" presetClass="entr" presetSubtype="0" fill="hold" grpId="0" nodeType="withEffect">
-                                  <p:stCondLst>
-                                    <p:cond delay="0"/>
-                                  </p:stCondLst>
-                                  <p:childTnLst>
-                                    <p:set>
-                                      <p:cBhvr>
-                                        <p:cTn id="32" dur="1" fill="hold">
-                                          <p:stCondLst>
-                                            <p:cond delay="0"/>
-                                          </p:stCondLst>
-                                        </p:cTn>
-                                        <p:tgtEl>
-                                          <p:spTgt spid="12"/>
-                                        </p:tgtEl>
-                                        <p:attrNameLst>
-                                          <p:attrName>style.visibility</p:attrName>
-                                        </p:attrNameLst>
-                                      </p:cBhvr>
-                                      <p:to>
-                                        <p:strVal val="visible"/>
-                                      </p:to>
-                                    </p:set>
-                                  </p:childTnLst>
-                                </p:cTn>
-                              </p:par>
-                            </p:childTnLst>
-                          </p:cTn>
-                        </p:par>
-                      </p:childTnLst>
-                    </p:cTn>
-                  </p:par>
-                  <p:par>
-                    <p:cTn id="33" fill="hold">
-                      <p:stCondLst>
-                        <p:cond delay="indefinite"/>
-                      </p:stCondLst>
-                      <p:childTnLst>
-                        <p:par>
-                          <p:cTn id="34" fill="hold">
-                            <p:stCondLst>
-                              <p:cond delay="0"/>
-                            </p:stCondLst>
-                            <p:childTnLst>
-                              <p:par>
-                                <p:cTn id="35" presetID="1" presetClass="entr" presetSubtype="0" fill="hold" nodeType="clickEffect">
-                                  <p:stCondLst>
-                                    <p:cond delay="0"/>
-                                  </p:stCondLst>
-                                  <p:childTnLst>
-                                    <p:set>
-                                      <p:cBhvr>
-                                        <p:cTn id="36" dur="1" fill="hold">
-                                          <p:stCondLst>
-                                            <p:cond delay="0"/>
-                                          </p:stCondLst>
-                                        </p:cTn>
-                                        <p:tgtEl>
-                                          <p:spTgt spid="19"/>
-                                        </p:tgtEl>
-                                        <p:attrNameLst>
-                                          <p:attrName>style.visibility</p:attrName>
-                                        </p:attrNameLst>
-                                      </p:cBhvr>
-                                      <p:to>
-                                        <p:strVal val="visible"/>
-                                      </p:to>
-                                    </p:set>
-                                  </p:childTnLst>
-                                </p:cTn>
-                              </p:par>
-                              <p:par>
-                                <p:cTn id="37" presetID="1" presetClass="entr" presetSubtype="0" fill="hold" grpId="0" nodeType="withEffect">
-                                  <p:stCondLst>
-                                    <p:cond delay="0"/>
-                                  </p:stCondLst>
-                                  <p:childTnLst>
-                                    <p:set>
-                                      <p:cBhvr>
-                                        <p:cTn id="38" dur="1" fill="hold">
-                                          <p:stCondLst>
-                                            <p:cond delay="0"/>
-                                          </p:stCondLst>
-                                        </p:cTn>
-                                        <p:tgtEl>
-                                          <p:spTgt spid="17"/>
-                                        </p:tgtEl>
-                                        <p:attrNameLst>
-                                          <p:attrName>style.visibility</p:attrName>
-                                        </p:attrNameLst>
-                                      </p:cBhvr>
-                                      <p:to>
-                                        <p:strVal val="visible"/>
-                                      </p:to>
-                                    </p:set>
-                                  </p:childTnLst>
-                                </p:cTn>
-                              </p:par>
-                              <p:par>
-                                <p:cTn id="39" presetID="1" presetClass="entr" presetSubtype="0" fill="hold" grpId="0" nodeType="withEffect">
-                                  <p:stCondLst>
-                                    <p:cond delay="0"/>
-                                  </p:stCondLst>
-                                  <p:childTnLst>
-                                    <p:set>
-                                      <p:cBhvr>
-                                        <p:cTn id="40" dur="1" fill="hold">
-                                          <p:stCondLst>
-                                            <p:cond delay="0"/>
-                                          </p:stCondLst>
-                                        </p:cTn>
-                                        <p:tgtEl>
-                                          <p:spTgt spid="16"/>
-                                        </p:tgtEl>
-                                        <p:attrNameLst>
-                                          <p:attrName>style.visibility</p:attrName>
-                                        </p:attrNameLst>
-                                      </p:cBhvr>
-                                      <p:to>
-                                        <p:strVal val="visible"/>
-                                      </p:to>
-                                    </p:set>
-                                  </p:childTnLst>
-                                </p:cTn>
-                              </p:par>
-                              <p:par>
-                                <p:cTn id="41" presetID="1" presetClass="entr" presetSubtype="0" fill="hold" grpId="0" nodeType="withEffect">
-                                  <p:stCondLst>
-                                    <p:cond delay="0"/>
-                                  </p:stCondLst>
-                                  <p:childTnLst>
-                                    <p:set>
-                                      <p:cBhvr>
-                                        <p:cTn id="42" dur="1" fill="hold">
-                                          <p:stCondLst>
-                                            <p:cond delay="0"/>
-                                          </p:stCondLst>
-                                        </p:cTn>
-                                        <p:tgtEl>
-                                          <p:spTgt spid="21"/>
-                                        </p:tgtEl>
-                                        <p:attrNameLst>
-                                          <p:attrName>style.visibility</p:attrName>
-                                        </p:attrNameLst>
-                                      </p:cBhvr>
-                                      <p:to>
-                                        <p:strVal val="visible"/>
-                                      </p:to>
-                                    </p:set>
-                                  </p:childTnLst>
-                                </p:cTn>
-                              </p:par>
-                              <p:par>
-                                <p:cTn id="43" presetID="1" presetClass="entr" presetSubtype="0" fill="hold" grpId="0" nodeType="withEffect">
-                                  <p:stCondLst>
-                                    <p:cond delay="0"/>
-                                  </p:stCondLst>
-                                  <p:childTnLst>
-                                    <p:set>
-                                      <p:cBhvr>
-                                        <p:cTn id="44" dur="1" fill="hold">
-                                          <p:stCondLst>
-                                            <p:cond delay="0"/>
-                                          </p:stCondLst>
-                                        </p:cTn>
-                                        <p:tgtEl>
-                                          <p:spTgt spid="22"/>
-                                        </p:tgtEl>
-                                        <p:attrNameLst>
-                                          <p:attrName>style.visibility</p:attrName>
-                                        </p:attrNameLst>
-                                      </p:cBhvr>
-                                      <p:to>
-                                        <p:strVal val="visible"/>
-                                      </p:to>
-                                    </p:set>
-                                  </p:childTnLst>
-                                </p:cTn>
-                              </p:par>
-                              <p:par>
-                                <p:cTn id="45" presetID="1" presetClass="entr" presetSubtype="0" fill="hold" nodeType="withEffect">
-                                  <p:stCondLst>
-                                    <p:cond delay="0"/>
-                                  </p:stCondLst>
-                                  <p:childTnLst>
-                                    <p:set>
-                                      <p:cBhvr>
-                                        <p:cTn id="46" dur="1" fill="hold">
-                                          <p:stCondLst>
-                                            <p:cond delay="0"/>
-                                          </p:stCondLst>
-                                        </p:cTn>
-                                        <p:tgtEl>
-                                          <p:spTgt spid="24"/>
-                                        </p:tgtEl>
-                                        <p:attrNameLst>
-                                          <p:attrName>style.visibility</p:attrName>
-                                        </p:attrNameLst>
-                                      </p:cBhvr>
-                                      <p:to>
-                                        <p:strVal val="visible"/>
-                                      </p:to>
-                                    </p:set>
-                                  </p:childTnLst>
-                                </p:cTn>
-                              </p:par>
-                              <p:par>
-                                <p:cTn id="47" presetID="1" presetClass="entr" presetSubtype="0" fill="hold" nodeType="withEffect">
-                                  <p:stCondLst>
-                                    <p:cond delay="0"/>
-                                  </p:stCondLst>
-                                  <p:childTnLst>
-                                    <p:set>
-                                      <p:cBhvr>
-                                        <p:cTn id="48" dur="1" fill="hold">
-                                          <p:stCondLst>
-                                            <p:cond delay="0"/>
-                                          </p:stCondLst>
-                                        </p:cTn>
-                                        <p:tgtEl>
-                                          <p:spTgt spid="23"/>
-                                        </p:tgtEl>
-                                        <p:attrNameLst>
-                                          <p:attrName>style.visibility</p:attrName>
-                                        </p:attrNameLst>
-                                      </p:cBhvr>
-                                      <p:to>
-                                        <p:strVal val="visible"/>
-                                      </p:to>
-                                    </p:set>
-                                  </p:childTnLst>
-                                </p:cTn>
-                              </p:par>
-                              <p:par>
-                                <p:cTn id="49" presetID="1" presetClass="entr" presetSubtype="0" fill="hold" grpId="0" nodeType="withEffect">
-                                  <p:stCondLst>
-                                    <p:cond delay="0"/>
-                                  </p:stCondLst>
-                                  <p:childTnLst>
-                                    <p:set>
-                                      <p:cBhvr>
-                                        <p:cTn id="50" dur="1" fill="hold">
-                                          <p:stCondLst>
-                                            <p:cond delay="0"/>
-                                          </p:stCondLst>
-                                        </p:cTn>
-                                        <p:tgtEl>
-                                          <p:spTgt spid="25"/>
-                                        </p:tgtEl>
-                                        <p:attrNameLst>
-                                          <p:attrName>style.visibility</p:attrName>
-                                        </p:attrNameLst>
-                                      </p:cBhvr>
-                                      <p:to>
-                                        <p:strVal val="visible"/>
-                                      </p:to>
-                                    </p:set>
-                                  </p:childTnLst>
-                                </p:cTn>
-                              </p:par>
-                            </p:childTnLst>
-                          </p:cTn>
-                        </p:par>
-                      </p:childTnLst>
-                    </p:cTn>
-                  </p:par>
-                </p:childTnLst>
-              </p:cTn>
-              <p:prevCondLst>
-                <p:cond evt="onPrev" delay="0">
-                  <p:tgtEl>
-                    <p:sldTgt/>
-                  </p:tgtEl>
-                </p:cond>
-              </p:prevCondLst>
-              <p:nextCondLst>
-                <p:cond evt="onNext" delay="0">
-                  <p:tgtEl>
-                    <p:sldTgt/>
-                  </p:tgtEl>
-                </p:cond>
-              </p:nextCondLst>
-            </p:seq>
-          </p:childTnLst>
-        </p:cTn>
-      </p:par>
-    </p:tnLst>
-    <p:bldLst>
-      <p:bldP spid="6" grpId="0" animBg="1"/>
-      <p:bldP spid="8" grpId="0" animBg="1"/>
-      <p:bldP spid="9" grpId="0"/>
-      <p:bldP spid="11" grpId="0" animBg="1"/>
-      <p:bldP spid="12" grpId="0" animBg="1"/>
-      <p:bldP spid="14" grpId="0"/>
-      <p:bldP spid="15" grpId="0"/>
-      <p:bldP spid="16" grpId="0" animBg="1"/>
-      <p:bldP spid="17" grpId="0"/>
-      <p:bldP spid="18" grpId="0"/>
-      <p:bldP spid="21" grpId="0" animBg="1"/>
-      <p:bldP spid="22" grpId="0"/>
-      <p:bldP spid="25" grpId="0"/>
-    </p:bldLst>
-  </p:timing>
 </p:sld>
 </file>
 
